--- a/Docs/UNIbay_DeskPitch.pptx
+++ b/Docs/UNIbay_DeskPitch.pptx
@@ -4,22 +4,24 @@
   <p:sldMasterIdLst>
     <p:sldMasterId id="2147483648" r:id="rId1"/>
   </p:sldMasterIdLst>
+  <p:notesMasterIdLst>
+    <p:notesMasterId r:id="rId16"/>
+  </p:notesMasterIdLst>
   <p:sldIdLst>
     <p:sldId id="256" r:id="rId2"/>
     <p:sldId id="265" r:id="rId3"/>
-    <p:sldId id="257" r:id="rId4"/>
-    <p:sldId id="258" r:id="rId5"/>
-    <p:sldId id="260" r:id="rId6"/>
-    <p:sldId id="259" r:id="rId7"/>
-    <p:sldId id="261" r:id="rId8"/>
-    <p:sldId id="262" r:id="rId9"/>
-    <p:sldId id="264" r:id="rId10"/>
-    <p:sldId id="263" r:id="rId11"/>
-    <p:sldId id="266" r:id="rId12"/>
-    <p:sldId id="267" r:id="rId13"/>
-    <p:sldId id="268" r:id="rId14"/>
-    <p:sldId id="269" r:id="rId15"/>
-    <p:sldId id="270" r:id="rId16"/>
+    <p:sldId id="258" r:id="rId4"/>
+    <p:sldId id="260" r:id="rId5"/>
+    <p:sldId id="259" r:id="rId6"/>
+    <p:sldId id="261" r:id="rId7"/>
+    <p:sldId id="262" r:id="rId8"/>
+    <p:sldId id="264" r:id="rId9"/>
+    <p:sldId id="263" r:id="rId10"/>
+    <p:sldId id="266" r:id="rId11"/>
+    <p:sldId id="267" r:id="rId12"/>
+    <p:sldId id="268" r:id="rId13"/>
+    <p:sldId id="269" r:id="rId14"/>
+    <p:sldId id="270" r:id="rId15"/>
   </p:sldIdLst>
   <p:sldSz cx="12192000" cy="6858000"/>
   <p:notesSz cx="6858000" cy="9144000"/>
@@ -118,7 +120,825 @@
       </a:defRPr>
     </a:lvl9pPr>
   </p:defaultTextStyle>
+  <p:extLst>
+    <p:ext uri="{EFAFB233-063F-42B5-8137-9DF3F51BA10A}">
+      <p15:sldGuideLst xmlns:p15="http://schemas.microsoft.com/office/powerpoint/2012/main"/>
+    </p:ext>
+  </p:extLst>
 </p:presentation>
+</file>
+
+<file path=ppt/notesMasters/notesMaster1.xml><?xml version="1.0" encoding="utf-8"?>
+<p:notesMaster xmlns:a="http://schemas.openxmlformats.org/drawingml/2006/main" xmlns:r="http://schemas.openxmlformats.org/officeDocument/2006/relationships" xmlns:p="http://schemas.openxmlformats.org/presentationml/2006/main">
+  <p:cSld>
+    <p:bg>
+      <p:bgRef idx="1001">
+        <a:schemeClr val="bg1"/>
+      </p:bgRef>
+    </p:bg>
+    <p:spTree>
+      <p:nvGrpSpPr>
+        <p:cNvPr id="1" name=""/>
+        <p:cNvGrpSpPr/>
+        <p:nvPr/>
+      </p:nvGrpSpPr>
+      <p:grpSpPr>
+        <a:xfrm>
+          <a:off x="0" y="0"/>
+          <a:ext cx="0" cy="0"/>
+          <a:chOff x="0" y="0"/>
+          <a:chExt cx="0" cy="0"/>
+        </a:xfrm>
+      </p:grpSpPr>
+      <p:sp>
+        <p:nvSpPr>
+          <p:cNvPr id="2" name="Espace réservé de l'en-tête 1"/>
+          <p:cNvSpPr>
+            <a:spLocks noGrp="1"/>
+          </p:cNvSpPr>
+          <p:nvPr>
+            <p:ph type="hdr" sz="quarter"/>
+          </p:nvPr>
+        </p:nvSpPr>
+        <p:spPr>
+          <a:xfrm>
+            <a:off x="0" y="0"/>
+            <a:ext cx="2971800" cy="458788"/>
+          </a:xfrm>
+          <a:prstGeom prst="rect">
+            <a:avLst/>
+          </a:prstGeom>
+        </p:spPr>
+        <p:txBody>
+          <a:bodyPr vert="horz" lIns="91440" tIns="45720" rIns="91440" bIns="45720" rtlCol="0"/>
+          <a:lstStyle>
+            <a:lvl1pPr algn="l">
+              <a:defRPr sz="1200"/>
+            </a:lvl1pPr>
+          </a:lstStyle>
+          <a:p>
+            <a:endParaRPr lang="fr-CH"/>
+          </a:p>
+        </p:txBody>
+      </p:sp>
+      <p:sp>
+        <p:nvSpPr>
+          <p:cNvPr id="3" name="Espace réservé de la date 2"/>
+          <p:cNvSpPr>
+            <a:spLocks noGrp="1"/>
+          </p:cNvSpPr>
+          <p:nvPr>
+            <p:ph type="dt" idx="1"/>
+          </p:nvPr>
+        </p:nvSpPr>
+        <p:spPr>
+          <a:xfrm>
+            <a:off x="3884613" y="0"/>
+            <a:ext cx="2971800" cy="458788"/>
+          </a:xfrm>
+          <a:prstGeom prst="rect">
+            <a:avLst/>
+          </a:prstGeom>
+        </p:spPr>
+        <p:txBody>
+          <a:bodyPr vert="horz" lIns="91440" tIns="45720" rIns="91440" bIns="45720" rtlCol="0"/>
+          <a:lstStyle>
+            <a:lvl1pPr algn="r">
+              <a:defRPr sz="1200"/>
+            </a:lvl1pPr>
+          </a:lstStyle>
+          <a:p>
+            <a:fld id="{113C925E-3647-46E9-8032-95FC2461D89E}" type="datetimeFigureOut">
+              <a:rPr lang="fr-CH" smtClean="0"/>
+              <a:t>08.04.2019</a:t>
+            </a:fld>
+            <a:endParaRPr lang="fr-CH"/>
+          </a:p>
+        </p:txBody>
+      </p:sp>
+      <p:sp>
+        <p:nvSpPr>
+          <p:cNvPr id="4" name="Espace réservé de l'image des diapositives 3"/>
+          <p:cNvSpPr>
+            <a:spLocks noGrp="1" noRot="1" noChangeAspect="1"/>
+          </p:cNvSpPr>
+          <p:nvPr>
+            <p:ph type="sldImg" idx="2"/>
+          </p:nvPr>
+        </p:nvSpPr>
+        <p:spPr>
+          <a:xfrm>
+            <a:off x="685800" y="1143000"/>
+            <a:ext cx="5486400" cy="3086100"/>
+          </a:xfrm>
+          <a:prstGeom prst="rect">
+            <a:avLst/>
+          </a:prstGeom>
+          <a:noFill/>
+          <a:ln w="12700">
+            <a:solidFill>
+              <a:prstClr val="black"/>
+            </a:solidFill>
+          </a:ln>
+        </p:spPr>
+        <p:txBody>
+          <a:bodyPr vert="horz" lIns="91440" tIns="45720" rIns="91440" bIns="45720" rtlCol="0" anchor="ctr"/>
+          <a:lstStyle/>
+          <a:p>
+            <a:endParaRPr lang="fr-CH"/>
+          </a:p>
+        </p:txBody>
+      </p:sp>
+      <p:sp>
+        <p:nvSpPr>
+          <p:cNvPr id="5" name="Espace réservé des notes 4"/>
+          <p:cNvSpPr>
+            <a:spLocks noGrp="1"/>
+          </p:cNvSpPr>
+          <p:nvPr>
+            <p:ph type="body" sz="quarter" idx="3"/>
+          </p:nvPr>
+        </p:nvSpPr>
+        <p:spPr>
+          <a:xfrm>
+            <a:off x="685800" y="4400550"/>
+            <a:ext cx="5486400" cy="3600450"/>
+          </a:xfrm>
+          <a:prstGeom prst="rect">
+            <a:avLst/>
+          </a:prstGeom>
+        </p:spPr>
+        <p:txBody>
+          <a:bodyPr vert="horz" lIns="91440" tIns="45720" rIns="91440" bIns="45720" rtlCol="0"/>
+          <a:lstStyle/>
+          <a:p>
+            <a:pPr lvl="0"/>
+            <a:r>
+              <a:rPr lang="fr-FR"/>
+              <a:t>Modifier les styles du texte du masque</a:t>
+            </a:r>
+          </a:p>
+          <a:p>
+            <a:pPr lvl="1"/>
+            <a:r>
+              <a:rPr lang="fr-FR"/>
+              <a:t>Deuxième niveau</a:t>
+            </a:r>
+          </a:p>
+          <a:p>
+            <a:pPr lvl="2"/>
+            <a:r>
+              <a:rPr lang="fr-FR"/>
+              <a:t>Troisième niveau</a:t>
+            </a:r>
+          </a:p>
+          <a:p>
+            <a:pPr lvl="3"/>
+            <a:r>
+              <a:rPr lang="fr-FR"/>
+              <a:t>Quatrième niveau</a:t>
+            </a:r>
+          </a:p>
+          <a:p>
+            <a:pPr lvl="4"/>
+            <a:r>
+              <a:rPr lang="fr-FR"/>
+              <a:t>Cinquième niveau</a:t>
+            </a:r>
+            <a:endParaRPr lang="fr-CH"/>
+          </a:p>
+        </p:txBody>
+      </p:sp>
+      <p:sp>
+        <p:nvSpPr>
+          <p:cNvPr id="6" name="Espace réservé du pied de page 5"/>
+          <p:cNvSpPr>
+            <a:spLocks noGrp="1"/>
+          </p:cNvSpPr>
+          <p:nvPr>
+            <p:ph type="ftr" sz="quarter" idx="4"/>
+          </p:nvPr>
+        </p:nvSpPr>
+        <p:spPr>
+          <a:xfrm>
+            <a:off x="0" y="8685213"/>
+            <a:ext cx="2971800" cy="458787"/>
+          </a:xfrm>
+          <a:prstGeom prst="rect">
+            <a:avLst/>
+          </a:prstGeom>
+        </p:spPr>
+        <p:txBody>
+          <a:bodyPr vert="horz" lIns="91440" tIns="45720" rIns="91440" bIns="45720" rtlCol="0" anchor="b"/>
+          <a:lstStyle>
+            <a:lvl1pPr algn="l">
+              <a:defRPr sz="1200"/>
+            </a:lvl1pPr>
+          </a:lstStyle>
+          <a:p>
+            <a:endParaRPr lang="fr-CH"/>
+          </a:p>
+        </p:txBody>
+      </p:sp>
+      <p:sp>
+        <p:nvSpPr>
+          <p:cNvPr id="7" name="Espace réservé du numéro de diapositive 6"/>
+          <p:cNvSpPr>
+            <a:spLocks noGrp="1"/>
+          </p:cNvSpPr>
+          <p:nvPr>
+            <p:ph type="sldNum" sz="quarter" idx="5"/>
+          </p:nvPr>
+        </p:nvSpPr>
+        <p:spPr>
+          <a:xfrm>
+            <a:off x="3884613" y="8685213"/>
+            <a:ext cx="2971800" cy="458787"/>
+          </a:xfrm>
+          <a:prstGeom prst="rect">
+            <a:avLst/>
+          </a:prstGeom>
+        </p:spPr>
+        <p:txBody>
+          <a:bodyPr vert="horz" lIns="91440" tIns="45720" rIns="91440" bIns="45720" rtlCol="0" anchor="b"/>
+          <a:lstStyle>
+            <a:lvl1pPr algn="r">
+              <a:defRPr sz="1200"/>
+            </a:lvl1pPr>
+          </a:lstStyle>
+          <a:p>
+            <a:fld id="{23E8E429-A922-49C7-ACCE-C5D0493CD5A5}" type="slidenum">
+              <a:rPr lang="fr-CH" smtClean="0"/>
+              <a:t>‹N°›</a:t>
+            </a:fld>
+            <a:endParaRPr lang="fr-CH"/>
+          </a:p>
+        </p:txBody>
+      </p:sp>
+    </p:spTree>
+    <p:extLst>
+      <p:ext uri="{BB962C8B-B14F-4D97-AF65-F5344CB8AC3E}">
+        <p14:creationId xmlns:p14="http://schemas.microsoft.com/office/powerpoint/2010/main" val="1918623797"/>
+      </p:ext>
+    </p:extLst>
+  </p:cSld>
+  <p:clrMap bg1="lt1" tx1="dk1" bg2="lt2" tx2="dk2" accent1="accent1" accent2="accent2" accent3="accent3" accent4="accent4" accent5="accent5" accent6="accent6" hlink="hlink" folHlink="folHlink"/>
+  <p:notesStyle>
+    <a:lvl1pPr marL="0" algn="l" defTabSz="914400" rtl="0" eaLnBrk="1" latinLnBrk="0" hangingPunct="1">
+      <a:defRPr sz="1200" kern="1200">
+        <a:solidFill>
+          <a:schemeClr val="tx1"/>
+        </a:solidFill>
+        <a:latin typeface="+mn-lt"/>
+        <a:ea typeface="+mn-ea"/>
+        <a:cs typeface="+mn-cs"/>
+      </a:defRPr>
+    </a:lvl1pPr>
+    <a:lvl2pPr marL="457200" algn="l" defTabSz="914400" rtl="0" eaLnBrk="1" latinLnBrk="0" hangingPunct="1">
+      <a:defRPr sz="1200" kern="1200">
+        <a:solidFill>
+          <a:schemeClr val="tx1"/>
+        </a:solidFill>
+        <a:latin typeface="+mn-lt"/>
+        <a:ea typeface="+mn-ea"/>
+        <a:cs typeface="+mn-cs"/>
+      </a:defRPr>
+    </a:lvl2pPr>
+    <a:lvl3pPr marL="914400" algn="l" defTabSz="914400" rtl="0" eaLnBrk="1" latinLnBrk="0" hangingPunct="1">
+      <a:defRPr sz="1200" kern="1200">
+        <a:solidFill>
+          <a:schemeClr val="tx1"/>
+        </a:solidFill>
+        <a:latin typeface="+mn-lt"/>
+        <a:ea typeface="+mn-ea"/>
+        <a:cs typeface="+mn-cs"/>
+      </a:defRPr>
+    </a:lvl3pPr>
+    <a:lvl4pPr marL="1371600" algn="l" defTabSz="914400" rtl="0" eaLnBrk="1" latinLnBrk="0" hangingPunct="1">
+      <a:defRPr sz="1200" kern="1200">
+        <a:solidFill>
+          <a:schemeClr val="tx1"/>
+        </a:solidFill>
+        <a:latin typeface="+mn-lt"/>
+        <a:ea typeface="+mn-ea"/>
+        <a:cs typeface="+mn-cs"/>
+      </a:defRPr>
+    </a:lvl4pPr>
+    <a:lvl5pPr marL="1828800" algn="l" defTabSz="914400" rtl="0" eaLnBrk="1" latinLnBrk="0" hangingPunct="1">
+      <a:defRPr sz="1200" kern="1200">
+        <a:solidFill>
+          <a:schemeClr val="tx1"/>
+        </a:solidFill>
+        <a:latin typeface="+mn-lt"/>
+        <a:ea typeface="+mn-ea"/>
+        <a:cs typeface="+mn-cs"/>
+      </a:defRPr>
+    </a:lvl5pPr>
+    <a:lvl6pPr marL="2286000" algn="l" defTabSz="914400" rtl="0" eaLnBrk="1" latinLnBrk="0" hangingPunct="1">
+      <a:defRPr sz="1200" kern="1200">
+        <a:solidFill>
+          <a:schemeClr val="tx1"/>
+        </a:solidFill>
+        <a:latin typeface="+mn-lt"/>
+        <a:ea typeface="+mn-ea"/>
+        <a:cs typeface="+mn-cs"/>
+      </a:defRPr>
+    </a:lvl6pPr>
+    <a:lvl7pPr marL="2743200" algn="l" defTabSz="914400" rtl="0" eaLnBrk="1" latinLnBrk="0" hangingPunct="1">
+      <a:defRPr sz="1200" kern="1200">
+        <a:solidFill>
+          <a:schemeClr val="tx1"/>
+        </a:solidFill>
+        <a:latin typeface="+mn-lt"/>
+        <a:ea typeface="+mn-ea"/>
+        <a:cs typeface="+mn-cs"/>
+      </a:defRPr>
+    </a:lvl7pPr>
+    <a:lvl8pPr marL="3200400" algn="l" defTabSz="914400" rtl="0" eaLnBrk="1" latinLnBrk="0" hangingPunct="1">
+      <a:defRPr sz="1200" kern="1200">
+        <a:solidFill>
+          <a:schemeClr val="tx1"/>
+        </a:solidFill>
+        <a:latin typeface="+mn-lt"/>
+        <a:ea typeface="+mn-ea"/>
+        <a:cs typeface="+mn-cs"/>
+      </a:defRPr>
+    </a:lvl8pPr>
+    <a:lvl9pPr marL="3657600" algn="l" defTabSz="914400" rtl="0" eaLnBrk="1" latinLnBrk="0" hangingPunct="1">
+      <a:defRPr sz="1200" kern="1200">
+        <a:solidFill>
+          <a:schemeClr val="tx1"/>
+        </a:solidFill>
+        <a:latin typeface="+mn-lt"/>
+        <a:ea typeface="+mn-ea"/>
+        <a:cs typeface="+mn-cs"/>
+      </a:defRPr>
+    </a:lvl9pPr>
+  </p:notesStyle>
+</p:notesMaster>
+</file>
+
+<file path=ppt/notesSlides/notesSlide1.xml><?xml version="1.0" encoding="utf-8"?>
+<p:notes xmlns:a="http://schemas.openxmlformats.org/drawingml/2006/main" xmlns:r="http://schemas.openxmlformats.org/officeDocument/2006/relationships" xmlns:p="http://schemas.openxmlformats.org/presentationml/2006/main">
+  <p:cSld>
+    <p:spTree>
+      <p:nvGrpSpPr>
+        <p:cNvPr id="1" name=""/>
+        <p:cNvGrpSpPr/>
+        <p:nvPr/>
+      </p:nvGrpSpPr>
+      <p:grpSpPr>
+        <a:xfrm>
+          <a:off x="0" y="0"/>
+          <a:ext cx="0" cy="0"/>
+          <a:chOff x="0" y="0"/>
+          <a:chExt cx="0" cy="0"/>
+        </a:xfrm>
+      </p:grpSpPr>
+      <p:sp>
+        <p:nvSpPr>
+          <p:cNvPr id="2" name="Espace réservé de l'image des diapositives 1"/>
+          <p:cNvSpPr>
+            <a:spLocks noGrp="1" noRot="1" noChangeAspect="1"/>
+          </p:cNvSpPr>
+          <p:nvPr>
+            <p:ph type="sldImg"/>
+          </p:nvPr>
+        </p:nvSpPr>
+        <p:spPr/>
+      </p:sp>
+      <p:sp>
+        <p:nvSpPr>
+          <p:cNvPr id="3" name="Espace réservé des notes 2"/>
+          <p:cNvSpPr>
+            <a:spLocks noGrp="1"/>
+          </p:cNvSpPr>
+          <p:nvPr>
+            <p:ph type="body" idx="1"/>
+          </p:nvPr>
+        </p:nvSpPr>
+        <p:spPr/>
+        <p:txBody>
+          <a:bodyPr/>
+          <a:lstStyle/>
+          <a:p>
+            <a:r>
+              <a:rPr lang="fr-CH" dirty="0"/>
+              <a:t>Difficulté trouver article spécifique à l’Université à de bas prix</a:t>
+            </a:r>
+          </a:p>
+          <a:p>
+            <a:r>
+              <a:rPr lang="fr-CH" dirty="0"/>
+              <a:t>peu de confiance</a:t>
+            </a:r>
+          </a:p>
+        </p:txBody>
+      </p:sp>
+      <p:sp>
+        <p:nvSpPr>
+          <p:cNvPr id="4" name="Espace réservé du numéro de diapositive 3"/>
+          <p:cNvSpPr>
+            <a:spLocks noGrp="1"/>
+          </p:cNvSpPr>
+          <p:nvPr>
+            <p:ph type="sldNum" sz="quarter" idx="5"/>
+          </p:nvPr>
+        </p:nvSpPr>
+        <p:spPr/>
+        <p:txBody>
+          <a:bodyPr/>
+          <a:lstStyle/>
+          <a:p>
+            <a:fld id="{23E8E429-A922-49C7-ACCE-C5D0493CD5A5}" type="slidenum">
+              <a:rPr lang="fr-CH" smtClean="0"/>
+              <a:t>2</a:t>
+            </a:fld>
+            <a:endParaRPr lang="fr-CH"/>
+          </a:p>
+        </p:txBody>
+      </p:sp>
+    </p:spTree>
+    <p:extLst>
+      <p:ext uri="{BB962C8B-B14F-4D97-AF65-F5344CB8AC3E}">
+        <p14:creationId xmlns:p14="http://schemas.microsoft.com/office/powerpoint/2010/main" val="4049884344"/>
+      </p:ext>
+    </p:extLst>
+  </p:cSld>
+  <p:clrMapOvr>
+    <a:masterClrMapping/>
+  </p:clrMapOvr>
+</p:notes>
+</file>
+
+<file path=ppt/notesSlides/notesSlide2.xml><?xml version="1.0" encoding="utf-8"?>
+<p:notes xmlns:a="http://schemas.openxmlformats.org/drawingml/2006/main" xmlns:r="http://schemas.openxmlformats.org/officeDocument/2006/relationships" xmlns:p="http://schemas.openxmlformats.org/presentationml/2006/main">
+  <p:cSld>
+    <p:spTree>
+      <p:nvGrpSpPr>
+        <p:cNvPr id="1" name=""/>
+        <p:cNvGrpSpPr/>
+        <p:nvPr/>
+      </p:nvGrpSpPr>
+      <p:grpSpPr>
+        <a:xfrm>
+          <a:off x="0" y="0"/>
+          <a:ext cx="0" cy="0"/>
+          <a:chOff x="0" y="0"/>
+          <a:chExt cx="0" cy="0"/>
+        </a:xfrm>
+      </p:grpSpPr>
+      <p:sp>
+        <p:nvSpPr>
+          <p:cNvPr id="2" name="Espace réservé de l'image des diapositives 1"/>
+          <p:cNvSpPr>
+            <a:spLocks noGrp="1" noRot="1" noChangeAspect="1"/>
+          </p:cNvSpPr>
+          <p:nvPr>
+            <p:ph type="sldImg"/>
+          </p:nvPr>
+        </p:nvSpPr>
+        <p:spPr/>
+      </p:sp>
+      <p:sp>
+        <p:nvSpPr>
+          <p:cNvPr id="3" name="Espace réservé des notes 2"/>
+          <p:cNvSpPr>
+            <a:spLocks noGrp="1"/>
+          </p:cNvSpPr>
+          <p:nvPr>
+            <p:ph type="body" idx="1"/>
+          </p:nvPr>
+        </p:nvSpPr>
+        <p:spPr/>
+        <p:txBody>
+          <a:bodyPr/>
+          <a:lstStyle/>
+          <a:p>
+            <a:pPr marL="0" indent="0">
+              <a:buNone/>
+            </a:pPr>
+            <a:r>
+              <a:rPr lang="fr-CH" dirty="0"/>
+              <a:t>Création plateforme de vente en ligne entre membre Université</a:t>
+            </a:r>
+          </a:p>
+          <a:p>
+            <a:pPr marL="0" indent="0">
+              <a:buNone/>
+            </a:pPr>
+            <a:r>
+              <a:rPr lang="fr-CH" dirty="0"/>
+              <a:t>Acquérir moins cher</a:t>
+            </a:r>
+          </a:p>
+          <a:p>
+            <a:pPr marL="0" indent="0">
+              <a:buNone/>
+            </a:pPr>
+            <a:r>
+              <a:rPr lang="fr-CH" dirty="0"/>
+              <a:t>Vendre objet inutilisé</a:t>
+            </a:r>
+          </a:p>
+          <a:p>
+            <a:pPr marL="0" indent="0">
+              <a:buNone/>
+            </a:pPr>
+            <a:r>
+              <a:rPr lang="fr-CH" dirty="0"/>
+              <a:t>Faciliter</a:t>
+            </a:r>
+          </a:p>
+          <a:p>
+            <a:pPr marL="0" indent="0">
+              <a:buNone/>
+            </a:pPr>
+            <a:r>
+              <a:rPr lang="fr-CH" dirty="0"/>
+              <a:t>Eviter gaspillage</a:t>
+            </a:r>
+          </a:p>
+          <a:p>
+            <a:pPr marL="0" indent="0">
+              <a:buNone/>
+            </a:pPr>
+            <a:r>
+              <a:rPr lang="fr-CH" dirty="0"/>
+              <a:t>Confiance entre les utilisateurs </a:t>
+            </a:r>
+          </a:p>
+        </p:txBody>
+      </p:sp>
+      <p:sp>
+        <p:nvSpPr>
+          <p:cNvPr id="4" name="Espace réservé du numéro de diapositive 3"/>
+          <p:cNvSpPr>
+            <a:spLocks noGrp="1"/>
+          </p:cNvSpPr>
+          <p:nvPr>
+            <p:ph type="sldNum" sz="quarter" idx="5"/>
+          </p:nvPr>
+        </p:nvSpPr>
+        <p:spPr/>
+        <p:txBody>
+          <a:bodyPr/>
+          <a:lstStyle/>
+          <a:p>
+            <a:fld id="{23E8E429-A922-49C7-ACCE-C5D0493CD5A5}" type="slidenum">
+              <a:rPr lang="fr-CH" smtClean="0"/>
+              <a:t>3</a:t>
+            </a:fld>
+            <a:endParaRPr lang="fr-CH"/>
+          </a:p>
+        </p:txBody>
+      </p:sp>
+    </p:spTree>
+    <p:extLst>
+      <p:ext uri="{BB962C8B-B14F-4D97-AF65-F5344CB8AC3E}">
+        <p14:creationId xmlns:p14="http://schemas.microsoft.com/office/powerpoint/2010/main" val="706453359"/>
+      </p:ext>
+    </p:extLst>
+  </p:cSld>
+  <p:clrMapOvr>
+    <a:masterClrMapping/>
+  </p:clrMapOvr>
+</p:notes>
+</file>
+
+<file path=ppt/notesSlides/notesSlide3.xml><?xml version="1.0" encoding="utf-8"?>
+<p:notes xmlns:a="http://schemas.openxmlformats.org/drawingml/2006/main" xmlns:r="http://schemas.openxmlformats.org/officeDocument/2006/relationships" xmlns:p="http://schemas.openxmlformats.org/presentationml/2006/main">
+  <p:cSld>
+    <p:spTree>
+      <p:nvGrpSpPr>
+        <p:cNvPr id="1" name=""/>
+        <p:cNvGrpSpPr/>
+        <p:nvPr/>
+      </p:nvGrpSpPr>
+      <p:grpSpPr>
+        <a:xfrm>
+          <a:off x="0" y="0"/>
+          <a:ext cx="0" cy="0"/>
+          <a:chOff x="0" y="0"/>
+          <a:chExt cx="0" cy="0"/>
+        </a:xfrm>
+      </p:grpSpPr>
+      <p:sp>
+        <p:nvSpPr>
+          <p:cNvPr id="2" name="Espace réservé de l'image des diapositives 1"/>
+          <p:cNvSpPr>
+            <a:spLocks noGrp="1" noRot="1" noChangeAspect="1"/>
+          </p:cNvSpPr>
+          <p:nvPr>
+            <p:ph type="sldImg"/>
+          </p:nvPr>
+        </p:nvSpPr>
+        <p:spPr/>
+      </p:sp>
+      <p:sp>
+        <p:nvSpPr>
+          <p:cNvPr id="3" name="Espace réservé des notes 2"/>
+          <p:cNvSpPr>
+            <a:spLocks noGrp="1"/>
+          </p:cNvSpPr>
+          <p:nvPr>
+            <p:ph type="body" idx="1"/>
+          </p:nvPr>
+        </p:nvSpPr>
+        <p:spPr/>
+        <p:txBody>
+          <a:bodyPr/>
+          <a:lstStyle/>
+          <a:p>
+            <a:pPr marL="0" marR="0" lvl="0" indent="0" algn="l" defTabSz="914400" rtl="0" eaLnBrk="1" fontAlgn="auto" latinLnBrk="0" hangingPunct="1">
+              <a:lnSpc>
+                <a:spcPct val="100000"/>
+              </a:lnSpc>
+              <a:spcBef>
+                <a:spcPts val="0"/>
+              </a:spcBef>
+              <a:spcAft>
+                <a:spcPts val="0"/>
+              </a:spcAft>
+              <a:buClrTx/>
+              <a:buSzTx/>
+              <a:buFontTx/>
+              <a:buNone/>
+              <a:tabLst/>
+              <a:defRPr/>
+            </a:pPr>
+            <a:r>
+              <a:rPr lang="fr-CH" dirty="0"/>
+              <a:t>Étudiant ne peuvent pas travailler </a:t>
+            </a:r>
+          </a:p>
+          <a:p>
+            <a:endParaRPr lang="fr-CH" dirty="0"/>
+          </a:p>
+        </p:txBody>
+      </p:sp>
+      <p:sp>
+        <p:nvSpPr>
+          <p:cNvPr id="4" name="Espace réservé du numéro de diapositive 3"/>
+          <p:cNvSpPr>
+            <a:spLocks noGrp="1"/>
+          </p:cNvSpPr>
+          <p:nvPr>
+            <p:ph type="sldNum" sz="quarter" idx="5"/>
+          </p:nvPr>
+        </p:nvSpPr>
+        <p:spPr/>
+        <p:txBody>
+          <a:bodyPr/>
+          <a:lstStyle/>
+          <a:p>
+            <a:fld id="{23E8E429-A922-49C7-ACCE-C5D0493CD5A5}" type="slidenum">
+              <a:rPr lang="fr-CH" smtClean="0"/>
+              <a:t>5</a:t>
+            </a:fld>
+            <a:endParaRPr lang="fr-CH"/>
+          </a:p>
+        </p:txBody>
+      </p:sp>
+    </p:spTree>
+    <p:extLst>
+      <p:ext uri="{BB962C8B-B14F-4D97-AF65-F5344CB8AC3E}">
+        <p14:creationId xmlns:p14="http://schemas.microsoft.com/office/powerpoint/2010/main" val="3958626166"/>
+      </p:ext>
+    </p:extLst>
+  </p:cSld>
+  <p:clrMapOvr>
+    <a:masterClrMapping/>
+  </p:clrMapOvr>
+</p:notes>
+</file>
+
+<file path=ppt/notesSlides/notesSlide4.xml><?xml version="1.0" encoding="utf-8"?>
+<p:notes xmlns:a="http://schemas.openxmlformats.org/drawingml/2006/main" xmlns:r="http://schemas.openxmlformats.org/officeDocument/2006/relationships" xmlns:p="http://schemas.openxmlformats.org/presentationml/2006/main">
+  <p:cSld>
+    <p:spTree>
+      <p:nvGrpSpPr>
+        <p:cNvPr id="1" name=""/>
+        <p:cNvGrpSpPr/>
+        <p:nvPr/>
+      </p:nvGrpSpPr>
+      <p:grpSpPr>
+        <a:xfrm>
+          <a:off x="0" y="0"/>
+          <a:ext cx="0" cy="0"/>
+          <a:chOff x="0" y="0"/>
+          <a:chExt cx="0" cy="0"/>
+        </a:xfrm>
+      </p:grpSpPr>
+      <p:sp>
+        <p:nvSpPr>
+          <p:cNvPr id="2" name="Espace réservé de l'image des diapositives 1"/>
+          <p:cNvSpPr>
+            <a:spLocks noGrp="1" noRot="1" noChangeAspect="1"/>
+          </p:cNvSpPr>
+          <p:nvPr>
+            <p:ph type="sldImg"/>
+          </p:nvPr>
+        </p:nvSpPr>
+        <p:spPr/>
+      </p:sp>
+      <p:sp>
+        <p:nvSpPr>
+          <p:cNvPr id="3" name="Espace réservé des notes 2"/>
+          <p:cNvSpPr>
+            <a:spLocks noGrp="1"/>
+          </p:cNvSpPr>
+          <p:nvPr>
+            <p:ph type="body" idx="1"/>
+          </p:nvPr>
+        </p:nvSpPr>
+        <p:spPr/>
+        <p:txBody>
+          <a:bodyPr/>
+          <a:lstStyle/>
+          <a:p>
+            <a:r>
+              <a:rPr lang="fr-CH" dirty="0"/>
+              <a:t>Pour utilisateur UNI :</a:t>
+            </a:r>
+          </a:p>
+          <a:p>
+            <a:pPr lvl="1"/>
+            <a:r>
+              <a:rPr lang="fr-CH" dirty="0"/>
+              <a:t>Bien être</a:t>
+            </a:r>
+          </a:p>
+          <a:p>
+            <a:pPr lvl="1"/>
+            <a:r>
+              <a:rPr lang="fr-CH" dirty="0"/>
+              <a:t>Économie</a:t>
+            </a:r>
+          </a:p>
+          <a:p>
+            <a:pPr lvl="1"/>
+            <a:r>
+              <a:rPr lang="fr-CH" dirty="0"/>
+              <a:t>Écologie</a:t>
+            </a:r>
+          </a:p>
+          <a:p>
+            <a:pPr lvl="1"/>
+            <a:r>
+              <a:rPr lang="fr-CH" dirty="0"/>
+              <a:t>Cohésion membre</a:t>
+            </a:r>
+          </a:p>
+          <a:p>
+            <a:r>
+              <a:rPr lang="fr-CH" dirty="0"/>
+              <a:t>Bénéfice pour les investisseurs</a:t>
+            </a:r>
+          </a:p>
+          <a:p>
+            <a:pPr lvl="1"/>
+            <a:r>
+              <a:rPr lang="fr-CH" dirty="0"/>
+              <a:t>Statistique ciblé sur chaque utilisateur et objet</a:t>
+            </a:r>
+          </a:p>
+        </p:txBody>
+      </p:sp>
+      <p:sp>
+        <p:nvSpPr>
+          <p:cNvPr id="4" name="Espace réservé du numéro de diapositive 3"/>
+          <p:cNvSpPr>
+            <a:spLocks noGrp="1"/>
+          </p:cNvSpPr>
+          <p:nvPr>
+            <p:ph type="sldNum" sz="quarter" idx="5"/>
+          </p:nvPr>
+        </p:nvSpPr>
+        <p:spPr/>
+        <p:txBody>
+          <a:bodyPr/>
+          <a:lstStyle/>
+          <a:p>
+            <a:fld id="{23E8E429-A922-49C7-ACCE-C5D0493CD5A5}" type="slidenum">
+              <a:rPr lang="fr-CH" smtClean="0"/>
+              <a:t>6</a:t>
+            </a:fld>
+            <a:endParaRPr lang="fr-CH"/>
+          </a:p>
+        </p:txBody>
+      </p:sp>
+    </p:spTree>
+    <p:extLst>
+      <p:ext uri="{BB962C8B-B14F-4D97-AF65-F5344CB8AC3E}">
+        <p14:creationId xmlns:p14="http://schemas.microsoft.com/office/powerpoint/2010/main" val="168411365"/>
+      </p:ext>
+    </p:extLst>
+  </p:cSld>
+  <p:clrMapOvr>
+    <a:masterClrMapping/>
+  </p:clrMapOvr>
+</p:notes>
 </file>
 
 <file path=ppt/slideLayouts/slideLayout1.xml><?xml version="1.0" encoding="utf-8"?>
@@ -268,7 +1088,7 @@
           <a:bodyPr/>
           <a:lstStyle/>
           <a:p>
-            <a:fld id="{81E0FCB3-E093-42D9-90C7-7FC2625B5164}" type="datetimeFigureOut">
+            <a:fld id="{BA07EF9B-9B2E-4FDD-942A-94F6C7A0C659}" type="datetime1">
               <a:rPr lang="fr-CH" smtClean="0"/>
               <a:t>08.04.2019</a:t>
             </a:fld>
@@ -468,7 +1288,7 @@
           <a:bodyPr/>
           <a:lstStyle/>
           <a:p>
-            <a:fld id="{81E0FCB3-E093-42D9-90C7-7FC2625B5164}" type="datetimeFigureOut">
+            <a:fld id="{21D26608-B4DF-40AD-89F4-8255651B60FD}" type="datetime1">
               <a:rPr lang="fr-CH" smtClean="0"/>
               <a:t>08.04.2019</a:t>
             </a:fld>
@@ -678,7 +1498,7 @@
           <a:bodyPr/>
           <a:lstStyle/>
           <a:p>
-            <a:fld id="{81E0FCB3-E093-42D9-90C7-7FC2625B5164}" type="datetimeFigureOut">
+            <a:fld id="{E9ADCF0E-E7D5-411C-A2CB-091C37BF7BC7}" type="datetime1">
               <a:rPr lang="fr-CH" smtClean="0"/>
               <a:t>08.04.2019</a:t>
             </a:fld>
@@ -878,7 +1698,7 @@
           <a:bodyPr/>
           <a:lstStyle/>
           <a:p>
-            <a:fld id="{81E0FCB3-E093-42D9-90C7-7FC2625B5164}" type="datetimeFigureOut">
+            <a:fld id="{09FC0181-3397-4832-ADBE-6FBE4103AFAF}" type="datetime1">
               <a:rPr lang="fr-CH" smtClean="0"/>
               <a:t>08.04.2019</a:t>
             </a:fld>
@@ -1154,7 +1974,7 @@
           <a:bodyPr/>
           <a:lstStyle/>
           <a:p>
-            <a:fld id="{81E0FCB3-E093-42D9-90C7-7FC2625B5164}" type="datetimeFigureOut">
+            <a:fld id="{25BAC7B9-CE87-44D4-B31E-39287D359CD7}" type="datetime1">
               <a:rPr lang="fr-CH" smtClean="0"/>
               <a:t>08.04.2019</a:t>
             </a:fld>
@@ -1422,7 +2242,7 @@
           <a:bodyPr/>
           <a:lstStyle/>
           <a:p>
-            <a:fld id="{81E0FCB3-E093-42D9-90C7-7FC2625B5164}" type="datetimeFigureOut">
+            <a:fld id="{64DBA5D9-5ADA-44DD-8680-D8D195ED68DF}" type="datetime1">
               <a:rPr lang="fr-CH" smtClean="0"/>
               <a:t>08.04.2019</a:t>
             </a:fld>
@@ -1837,7 +2657,7 @@
           <a:bodyPr/>
           <a:lstStyle/>
           <a:p>
-            <a:fld id="{81E0FCB3-E093-42D9-90C7-7FC2625B5164}" type="datetimeFigureOut">
+            <a:fld id="{97BBBCCB-C279-47AF-BDD5-C98015A6ABC4}" type="datetime1">
               <a:rPr lang="fr-CH" smtClean="0"/>
               <a:t>08.04.2019</a:t>
             </a:fld>
@@ -1979,7 +2799,7 @@
           <a:bodyPr/>
           <a:lstStyle/>
           <a:p>
-            <a:fld id="{81E0FCB3-E093-42D9-90C7-7FC2625B5164}" type="datetimeFigureOut">
+            <a:fld id="{85FB55FE-6668-4D3A-8FBB-E3951A818632}" type="datetime1">
               <a:rPr lang="fr-CH" smtClean="0"/>
               <a:t>08.04.2019</a:t>
             </a:fld>
@@ -2092,7 +2912,7 @@
           <a:bodyPr/>
           <a:lstStyle/>
           <a:p>
-            <a:fld id="{81E0FCB3-E093-42D9-90C7-7FC2625B5164}" type="datetimeFigureOut">
+            <a:fld id="{B2606909-CE7D-49CD-8618-8D2B0FE7271A}" type="datetime1">
               <a:rPr lang="fr-CH" smtClean="0"/>
               <a:t>08.04.2019</a:t>
             </a:fld>
@@ -2405,7 +3225,7 @@
           <a:bodyPr/>
           <a:lstStyle/>
           <a:p>
-            <a:fld id="{81E0FCB3-E093-42D9-90C7-7FC2625B5164}" type="datetimeFigureOut">
+            <a:fld id="{69E5A6DB-4266-4BE8-B0C9-377B9EA76F00}" type="datetime1">
               <a:rPr lang="fr-CH" smtClean="0"/>
               <a:t>08.04.2019</a:t>
             </a:fld>
@@ -2694,7 +3514,7 @@
           <a:bodyPr/>
           <a:lstStyle/>
           <a:p>
-            <a:fld id="{81E0FCB3-E093-42D9-90C7-7FC2625B5164}" type="datetimeFigureOut">
+            <a:fld id="{0EEB7180-6098-4595-8EC0-3074BC08BCEB}" type="datetime1">
               <a:rPr lang="fr-CH" smtClean="0"/>
               <a:t>08.04.2019</a:t>
             </a:fld>
@@ -2937,7 +3757,7 @@
             </a:lvl1pPr>
           </a:lstStyle>
           <a:p>
-            <a:fld id="{81E0FCB3-E093-42D9-90C7-7FC2625B5164}" type="datetimeFigureOut">
+            <a:fld id="{8CF8CEE8-082C-481F-9BFC-8CE699F7EB03}" type="datetime1">
               <a:rPr lang="fr-CH" smtClean="0"/>
               <a:t>08.04.2019</a:t>
             </a:fld>
@@ -3056,6 +3876,7 @@
     <p:sldLayoutId id="2147483658" r:id="rId10"/>
     <p:sldLayoutId id="2147483659" r:id="rId11"/>
   </p:sldLayoutIdLst>
+  <p:hf hdr="0" ftr="0" dt="0"/>
   <p:txStyles>
     <p:titleStyle>
       <a:lvl1pPr algn="l" defTabSz="914400" rtl="0" eaLnBrk="1" latinLnBrk="0" hangingPunct="1">
@@ -3356,20 +4177,100 @@
           <a:chExt cx="0" cy="0"/>
         </a:xfrm>
       </p:grpSpPr>
-      <p:sp>
-        <p:nvSpPr>
-          <p:cNvPr id="2" name="Titre 1">
-            <a:extLst>
-              <a:ext uri="{FF2B5EF4-FFF2-40B4-BE49-F238E27FC236}">
-                <a16:creationId xmlns:a16="http://schemas.microsoft.com/office/drawing/2014/main" id="{36CBCC8D-5C2B-41B7-B5AE-D3A59663CF84}"/>
-              </a:ext>
-            </a:extLst>
-          </p:cNvPr>
-          <p:cNvSpPr>
-            <a:spLocks noGrp="1"/>
-          </p:cNvSpPr>
-          <p:nvPr>
-            <p:ph type="ctrTitle"/>
+      <p:pic>
+        <p:nvPicPr>
+          <p:cNvPr id="5" name="Image 4">
+            <a:extLst>
+              <a:ext uri="{FF2B5EF4-FFF2-40B4-BE49-F238E27FC236}">
+                <a16:creationId xmlns:a16="http://schemas.microsoft.com/office/drawing/2014/main" id="{23EBB3EC-3665-4C04-A58B-06EBD8D26445}"/>
+              </a:ext>
+            </a:extLst>
+          </p:cNvPr>
+          <p:cNvPicPr>
+            <a:picLocks noChangeAspect="1"/>
+          </p:cNvPicPr>
+          <p:nvPr/>
+        </p:nvPicPr>
+        <p:blipFill>
+          <a:blip r:embed="rId2">
+            <a:extLst>
+              <a:ext uri="{28A0092B-C50C-407E-A947-70E740481C1C}">
+                <a14:useLocalDpi xmlns:a14="http://schemas.microsoft.com/office/drawing/2010/main" val="0"/>
+              </a:ext>
+            </a:extLst>
+          </a:blip>
+          <a:stretch>
+            <a:fillRect/>
+          </a:stretch>
+        </p:blipFill>
+        <p:spPr>
+          <a:xfrm>
+            <a:off x="3754119" y="1000443"/>
+            <a:ext cx="4432049" cy="3368357"/>
+          </a:xfrm>
+          <a:prstGeom prst="rect">
+            <a:avLst/>
+          </a:prstGeom>
+        </p:spPr>
+      </p:pic>
+      <p:sp>
+        <p:nvSpPr>
+          <p:cNvPr id="3" name="Sous-titre 2">
+            <a:extLst>
+              <a:ext uri="{FF2B5EF4-FFF2-40B4-BE49-F238E27FC236}">
+                <a16:creationId xmlns:a16="http://schemas.microsoft.com/office/drawing/2014/main" id="{FB474359-1E1A-41CD-AA2B-35D7B8681A2D}"/>
+              </a:ext>
+            </a:extLst>
+          </p:cNvPr>
+          <p:cNvSpPr>
+            <a:spLocks noGrp="1"/>
+          </p:cNvSpPr>
+          <p:nvPr>
+            <p:ph type="subTitle" idx="1"/>
+          </p:nvPr>
+        </p:nvSpPr>
+        <p:spPr>
+          <a:xfrm>
+            <a:off x="1524000" y="4833937"/>
+            <a:ext cx="9144000" cy="742361"/>
+          </a:xfrm>
+        </p:spPr>
+        <p:txBody>
+          <a:bodyPr>
+            <a:noAutofit/>
+          </a:bodyPr>
+          <a:lstStyle/>
+          <a:p>
+            <a:r>
+              <a:rPr lang="fr-CH" sz="3200" dirty="0" err="1"/>
+              <a:t>Study</a:t>
+            </a:r>
+            <a:r>
+              <a:rPr lang="fr-CH" sz="3200" dirty="0"/>
+              <a:t> </a:t>
+            </a:r>
+            <a:r>
+              <a:rPr lang="fr-CH" sz="3200" dirty="0" err="1"/>
+              <a:t>easier</a:t>
+            </a:r>
+            <a:endParaRPr lang="fr-CH" sz="3200" dirty="0"/>
+          </a:p>
+        </p:txBody>
+      </p:sp>
+      <p:sp>
+        <p:nvSpPr>
+          <p:cNvPr id="6" name="Espace réservé du numéro de diapositive 5">
+            <a:extLst>
+              <a:ext uri="{FF2B5EF4-FFF2-40B4-BE49-F238E27FC236}">
+                <a16:creationId xmlns:a16="http://schemas.microsoft.com/office/drawing/2014/main" id="{82B52773-B0FA-4488-95E2-934BDE7ABE91}"/>
+              </a:ext>
+            </a:extLst>
+          </p:cNvPr>
+          <p:cNvSpPr>
+            <a:spLocks noGrp="1"/>
+          </p:cNvSpPr>
+          <p:nvPr>
+            <p:ph type="sldNum" sz="quarter" idx="12"/>
           </p:nvPr>
         </p:nvSpPr>
         <p:spPr/>
@@ -3377,47 +4278,11 @@
           <a:bodyPr/>
           <a:lstStyle/>
           <a:p>
-            <a:r>
-              <a:rPr lang="fr-CH" dirty="0"/>
-              <a:t>UNIBAY</a:t>
-            </a:r>
-          </a:p>
-        </p:txBody>
-      </p:sp>
-      <p:sp>
-        <p:nvSpPr>
-          <p:cNvPr id="3" name="Sous-titre 2">
-            <a:extLst>
-              <a:ext uri="{FF2B5EF4-FFF2-40B4-BE49-F238E27FC236}">
-                <a16:creationId xmlns:a16="http://schemas.microsoft.com/office/drawing/2014/main" id="{FB474359-1E1A-41CD-AA2B-35D7B8681A2D}"/>
-              </a:ext>
-            </a:extLst>
-          </p:cNvPr>
-          <p:cNvSpPr>
-            <a:spLocks noGrp="1"/>
-          </p:cNvSpPr>
-          <p:nvPr>
-            <p:ph type="subTitle" idx="1"/>
-          </p:nvPr>
-        </p:nvSpPr>
-        <p:spPr/>
-        <p:txBody>
-          <a:bodyPr/>
-          <a:lstStyle/>
-          <a:p>
-            <a:r>
-              <a:rPr lang="fr-CH" dirty="0" err="1"/>
-              <a:t>Study</a:t>
-            </a:r>
-            <a:r>
-              <a:rPr lang="fr-CH" dirty="0"/>
-              <a:t> </a:t>
-            </a:r>
-            <a:r>
-              <a:rPr lang="fr-CH" dirty="0" err="1"/>
-              <a:t>easier</a:t>
-            </a:r>
-            <a:endParaRPr lang="fr-CH" dirty="0"/>
+            <a:fld id="{FAEAF821-8BBB-4B5F-AB25-F4FE9450ED6D}" type="slidenum">
+              <a:rPr lang="fr-CH" smtClean="0"/>
+              <a:t>1</a:t>
+            </a:fld>
+            <a:endParaRPr lang="fr-CH"/>
           </a:p>
         </p:txBody>
       </p:sp>
@@ -3456,15 +4321,15 @@
           <p:cNvPr id="2" name="Titre 1">
             <a:extLst>
               <a:ext uri="{FF2B5EF4-FFF2-40B4-BE49-F238E27FC236}">
-                <a16:creationId xmlns:a16="http://schemas.microsoft.com/office/drawing/2014/main" id="{3F8E8116-8C92-48F4-B5CD-F0B78CD356A9}"/>
-              </a:ext>
-            </a:extLst>
-          </p:cNvPr>
-          <p:cNvSpPr>
-            <a:spLocks noGrp="1"/>
-          </p:cNvSpPr>
-          <p:nvPr>
-            <p:ph type="title"/>
+                <a16:creationId xmlns:a16="http://schemas.microsoft.com/office/drawing/2014/main" id="{37E07F66-8400-4AF7-8A30-230BC6698B5C}"/>
+              </a:ext>
+            </a:extLst>
+          </p:cNvPr>
+          <p:cNvSpPr>
+            <a:spLocks noGrp="1"/>
+          </p:cNvSpPr>
+          <p:nvPr>
+            <p:ph type="ctrTitle"/>
           </p:nvPr>
         </p:nvSpPr>
         <p:spPr/>
@@ -3474,25 +4339,30 @@
           <a:p>
             <a:r>
               <a:rPr lang="fr-CH" dirty="0"/>
-              <a:t>Date</a:t>
-            </a:r>
-          </a:p>
-        </p:txBody>
-      </p:sp>
-      <p:sp>
-        <p:nvSpPr>
-          <p:cNvPr id="3" name="Espace réservé du contenu 2">
-            <a:extLst>
-              <a:ext uri="{FF2B5EF4-FFF2-40B4-BE49-F238E27FC236}">
-                <a16:creationId xmlns:a16="http://schemas.microsoft.com/office/drawing/2014/main" id="{7BA1D1C8-40E0-4F77-8411-A187071190DA}"/>
-              </a:ext>
-            </a:extLst>
-          </p:cNvPr>
-          <p:cNvSpPr>
-            <a:spLocks noGrp="1"/>
-          </p:cNvSpPr>
-          <p:nvPr>
-            <p:ph idx="1"/>
+              <a:t>Project manager </a:t>
+            </a:r>
+            <a:r>
+              <a:rPr lang="fr-CH" dirty="0" err="1"/>
+              <a:t>view</a:t>
+            </a:r>
+            <a:endParaRPr lang="fr-CH" dirty="0"/>
+          </a:p>
+        </p:txBody>
+      </p:sp>
+      <p:sp>
+        <p:nvSpPr>
+          <p:cNvPr id="3" name="Sous-titre 2">
+            <a:extLst>
+              <a:ext uri="{FF2B5EF4-FFF2-40B4-BE49-F238E27FC236}">
+                <a16:creationId xmlns:a16="http://schemas.microsoft.com/office/drawing/2014/main" id="{A727967D-F036-498F-9F0D-9CFCDF19C3F1}"/>
+              </a:ext>
+            </a:extLst>
+          </p:cNvPr>
+          <p:cNvSpPr>
+            <a:spLocks noGrp="1"/>
+          </p:cNvSpPr>
+          <p:nvPr>
+            <p:ph type="subTitle" idx="1"/>
           </p:nvPr>
         </p:nvSpPr>
         <p:spPr/>
@@ -3500,29 +4370,43 @@
           <a:bodyPr/>
           <a:lstStyle/>
           <a:p>
-            <a:r>
-              <a:rPr lang="fr-CH" dirty="0"/>
-              <a:t>-</a:t>
-            </a:r>
-          </a:p>
-          <a:p>
-            <a:r>
-              <a:rPr lang="fr-CH" dirty="0"/>
-              <a:t>-</a:t>
-            </a:r>
-          </a:p>
-          <a:p>
-            <a:r>
-              <a:rPr lang="fr-CH" dirty="0"/>
-              <a:t>Date de Sortie</a:t>
-            </a:r>
+            <a:endParaRPr lang="fr-CH"/>
+          </a:p>
+        </p:txBody>
+      </p:sp>
+      <p:sp>
+        <p:nvSpPr>
+          <p:cNvPr id="4" name="Espace réservé du numéro de diapositive 3">
+            <a:extLst>
+              <a:ext uri="{FF2B5EF4-FFF2-40B4-BE49-F238E27FC236}">
+                <a16:creationId xmlns:a16="http://schemas.microsoft.com/office/drawing/2014/main" id="{6821EF1E-26CF-4FE4-8B1C-4D6FD3973804}"/>
+              </a:ext>
+            </a:extLst>
+          </p:cNvPr>
+          <p:cNvSpPr>
+            <a:spLocks noGrp="1"/>
+          </p:cNvSpPr>
+          <p:nvPr>
+            <p:ph type="sldNum" sz="quarter" idx="12"/>
+          </p:nvPr>
+        </p:nvSpPr>
+        <p:spPr/>
+        <p:txBody>
+          <a:bodyPr/>
+          <a:lstStyle/>
+          <a:p>
+            <a:fld id="{FAEAF821-8BBB-4B5F-AB25-F4FE9450ED6D}" type="slidenum">
+              <a:rPr lang="fr-CH" smtClean="0"/>
+              <a:t>10</a:t>
+            </a:fld>
+            <a:endParaRPr lang="fr-CH"/>
           </a:p>
         </p:txBody>
       </p:sp>
     </p:spTree>
     <p:extLst>
       <p:ext uri="{BB962C8B-B14F-4D97-AF65-F5344CB8AC3E}">
-        <p14:creationId xmlns:p14="http://schemas.microsoft.com/office/powerpoint/2010/main" val="873567313"/>
+        <p14:creationId xmlns:p14="http://schemas.microsoft.com/office/powerpoint/2010/main" val="3961401110"/>
       </p:ext>
     </p:extLst>
   </p:cSld>
@@ -3554,15 +4438,15 @@
           <p:cNvPr id="2" name="Titre 1">
             <a:extLst>
               <a:ext uri="{FF2B5EF4-FFF2-40B4-BE49-F238E27FC236}">
-                <a16:creationId xmlns:a16="http://schemas.microsoft.com/office/drawing/2014/main" id="{37E07F66-8400-4AF7-8A30-230BC6698B5C}"/>
-              </a:ext>
-            </a:extLst>
-          </p:cNvPr>
-          <p:cNvSpPr>
-            <a:spLocks noGrp="1"/>
-          </p:cNvSpPr>
-          <p:nvPr>
-            <p:ph type="ctrTitle"/>
+                <a16:creationId xmlns:a16="http://schemas.microsoft.com/office/drawing/2014/main" id="{8C34ECE5-93BF-4186-9D89-D0D5DA78775C}"/>
+              </a:ext>
+            </a:extLst>
+          </p:cNvPr>
+          <p:cNvSpPr>
+            <a:spLocks noGrp="1"/>
+          </p:cNvSpPr>
+          <p:nvPr>
+            <p:ph type="title"/>
           </p:nvPr>
         </p:nvSpPr>
         <p:spPr/>
@@ -3572,30 +4456,50 @@
           <a:p>
             <a:r>
               <a:rPr lang="fr-CH" dirty="0"/>
-              <a:t>Project manager </a:t>
-            </a:r>
-            <a:r>
-              <a:rPr lang="fr-CH" dirty="0" err="1"/>
-              <a:t>view</a:t>
-            </a:r>
+              <a:t>Présentation de l’équipe</a:t>
+            </a:r>
+          </a:p>
+        </p:txBody>
+      </p:sp>
+      <p:sp>
+        <p:nvSpPr>
+          <p:cNvPr id="3" name="Espace réservé du contenu 2">
+            <a:extLst>
+              <a:ext uri="{FF2B5EF4-FFF2-40B4-BE49-F238E27FC236}">
+                <a16:creationId xmlns:a16="http://schemas.microsoft.com/office/drawing/2014/main" id="{667772AB-1C1D-43AC-AAA1-C286B0BDBA6D}"/>
+              </a:ext>
+            </a:extLst>
+          </p:cNvPr>
+          <p:cNvSpPr>
+            <a:spLocks noGrp="1"/>
+          </p:cNvSpPr>
+          <p:nvPr>
+            <p:ph idx="1"/>
+          </p:nvPr>
+        </p:nvSpPr>
+        <p:spPr/>
+        <p:txBody>
+          <a:bodyPr/>
+          <a:lstStyle/>
+          <a:p>
             <a:endParaRPr lang="fr-CH" dirty="0"/>
           </a:p>
         </p:txBody>
       </p:sp>
       <p:sp>
         <p:nvSpPr>
-          <p:cNvPr id="3" name="Sous-titre 2">
-            <a:extLst>
-              <a:ext uri="{FF2B5EF4-FFF2-40B4-BE49-F238E27FC236}">
-                <a16:creationId xmlns:a16="http://schemas.microsoft.com/office/drawing/2014/main" id="{A727967D-F036-498F-9F0D-9CFCDF19C3F1}"/>
-              </a:ext>
-            </a:extLst>
-          </p:cNvPr>
-          <p:cNvSpPr>
-            <a:spLocks noGrp="1"/>
-          </p:cNvSpPr>
-          <p:nvPr>
-            <p:ph type="subTitle" idx="1"/>
+          <p:cNvPr id="4" name="Espace réservé du numéro de diapositive 3">
+            <a:extLst>
+              <a:ext uri="{FF2B5EF4-FFF2-40B4-BE49-F238E27FC236}">
+                <a16:creationId xmlns:a16="http://schemas.microsoft.com/office/drawing/2014/main" id="{E88F87DD-41D2-4F28-BE02-3779FEE55A28}"/>
+              </a:ext>
+            </a:extLst>
+          </p:cNvPr>
+          <p:cNvSpPr>
+            <a:spLocks noGrp="1"/>
+          </p:cNvSpPr>
+          <p:nvPr>
+            <p:ph type="sldNum" sz="quarter" idx="12"/>
           </p:nvPr>
         </p:nvSpPr>
         <p:spPr/>
@@ -3603,6 +4507,10 @@
           <a:bodyPr/>
           <a:lstStyle/>
           <a:p>
+            <a:fld id="{FAEAF821-8BBB-4B5F-AB25-F4FE9450ED6D}" type="slidenum">
+              <a:rPr lang="fr-CH" smtClean="0"/>
+              <a:t>11</a:t>
+            </a:fld>
             <a:endParaRPr lang="fr-CH"/>
           </a:p>
         </p:txBody>
@@ -3610,7 +4518,7 @@
     </p:spTree>
     <p:extLst>
       <p:ext uri="{BB962C8B-B14F-4D97-AF65-F5344CB8AC3E}">
-        <p14:creationId xmlns:p14="http://schemas.microsoft.com/office/powerpoint/2010/main" val="3961401110"/>
+        <p14:creationId xmlns:p14="http://schemas.microsoft.com/office/powerpoint/2010/main" val="3536719375"/>
       </p:ext>
     </p:extLst>
   </p:cSld>
@@ -3642,7 +4550,7 @@
           <p:cNvPr id="2" name="Titre 1">
             <a:extLst>
               <a:ext uri="{FF2B5EF4-FFF2-40B4-BE49-F238E27FC236}">
-                <a16:creationId xmlns:a16="http://schemas.microsoft.com/office/drawing/2014/main" id="{8C34ECE5-93BF-4186-9D89-D0D5DA78775C}"/>
+                <a16:creationId xmlns:a16="http://schemas.microsoft.com/office/drawing/2014/main" id="{B565F622-7A9C-43BC-A728-DBDB95132048}"/>
               </a:ext>
             </a:extLst>
           </p:cNvPr>
@@ -3660,7 +4568,7 @@
           <a:p>
             <a:r>
               <a:rPr lang="fr-CH" dirty="0"/>
-              <a:t>Présentation de l’équipe</a:t>
+              <a:t>Timeline</a:t>
             </a:r>
           </a:p>
         </p:txBody>
@@ -3670,7 +4578,7 @@
           <p:cNvPr id="3" name="Espace réservé du contenu 2">
             <a:extLst>
               <a:ext uri="{FF2B5EF4-FFF2-40B4-BE49-F238E27FC236}">
-                <a16:creationId xmlns:a16="http://schemas.microsoft.com/office/drawing/2014/main" id="{667772AB-1C1D-43AC-AAA1-C286B0BDBA6D}"/>
+                <a16:creationId xmlns:a16="http://schemas.microsoft.com/office/drawing/2014/main" id="{5B34C789-7E48-435C-8907-168C5252C6EB}"/>
               </a:ext>
             </a:extLst>
           </p:cNvPr>
@@ -3686,14 +4594,52 @@
           <a:bodyPr/>
           <a:lstStyle/>
           <a:p>
-            <a:endParaRPr lang="fr-CH" dirty="0"/>
+            <a:r>
+              <a:rPr lang="fr-CH" dirty="0"/>
+              <a:t>Gantt</a:t>
+            </a:r>
+          </a:p>
+          <a:p>
+            <a:r>
+              <a:rPr lang="fr-CH" dirty="0"/>
+              <a:t>Scrum and Sprint</a:t>
+            </a:r>
+          </a:p>
+        </p:txBody>
+      </p:sp>
+      <p:sp>
+        <p:nvSpPr>
+          <p:cNvPr id="4" name="Espace réservé du numéro de diapositive 3">
+            <a:extLst>
+              <a:ext uri="{FF2B5EF4-FFF2-40B4-BE49-F238E27FC236}">
+                <a16:creationId xmlns:a16="http://schemas.microsoft.com/office/drawing/2014/main" id="{AE3E9ED2-A6D1-4CF2-88B3-C79DC2806DEA}"/>
+              </a:ext>
+            </a:extLst>
+          </p:cNvPr>
+          <p:cNvSpPr>
+            <a:spLocks noGrp="1"/>
+          </p:cNvSpPr>
+          <p:nvPr>
+            <p:ph type="sldNum" sz="quarter" idx="12"/>
+          </p:nvPr>
+        </p:nvSpPr>
+        <p:spPr/>
+        <p:txBody>
+          <a:bodyPr/>
+          <a:lstStyle/>
+          <a:p>
+            <a:fld id="{FAEAF821-8BBB-4B5F-AB25-F4FE9450ED6D}" type="slidenum">
+              <a:rPr lang="fr-CH" smtClean="0"/>
+              <a:t>12</a:t>
+            </a:fld>
+            <a:endParaRPr lang="fr-CH"/>
           </a:p>
         </p:txBody>
       </p:sp>
     </p:spTree>
     <p:extLst>
       <p:ext uri="{BB962C8B-B14F-4D97-AF65-F5344CB8AC3E}">
-        <p14:creationId xmlns:p14="http://schemas.microsoft.com/office/powerpoint/2010/main" val="3536719375"/>
+        <p14:creationId xmlns:p14="http://schemas.microsoft.com/office/powerpoint/2010/main" val="2283651598"/>
       </p:ext>
     </p:extLst>
   </p:cSld>
@@ -3720,20 +4666,247 @@
           <a:chExt cx="0" cy="0"/>
         </a:xfrm>
       </p:grpSpPr>
-      <p:sp>
-        <p:nvSpPr>
-          <p:cNvPr id="2" name="Titre 1">
-            <a:extLst>
-              <a:ext uri="{FF2B5EF4-FFF2-40B4-BE49-F238E27FC236}">
-                <a16:creationId xmlns:a16="http://schemas.microsoft.com/office/drawing/2014/main" id="{B565F622-7A9C-43BC-A728-DBDB95132048}"/>
-              </a:ext>
-            </a:extLst>
-          </p:cNvPr>
-          <p:cNvSpPr>
-            <a:spLocks noGrp="1"/>
-          </p:cNvSpPr>
-          <p:nvPr>
-            <p:ph type="title"/>
+      <p:pic>
+        <p:nvPicPr>
+          <p:cNvPr id="5" name="Image 4">
+            <a:extLst>
+              <a:ext uri="{FF2B5EF4-FFF2-40B4-BE49-F238E27FC236}">
+                <a16:creationId xmlns:a16="http://schemas.microsoft.com/office/drawing/2014/main" id="{FB1AECD6-E764-49C9-BD67-3E774B277082}"/>
+              </a:ext>
+            </a:extLst>
+          </p:cNvPr>
+          <p:cNvPicPr>
+            <a:picLocks noChangeAspect="1"/>
+          </p:cNvPicPr>
+          <p:nvPr/>
+        </p:nvPicPr>
+        <p:blipFill>
+          <a:blip r:embed="rId2">
+            <a:extLst>
+              <a:ext uri="{28A0092B-C50C-407E-A947-70E740481C1C}">
+                <a14:useLocalDpi xmlns:a14="http://schemas.microsoft.com/office/drawing/2010/main" val="0"/>
+              </a:ext>
+            </a:extLst>
+          </a:blip>
+          <a:stretch>
+            <a:fillRect/>
+          </a:stretch>
+        </p:blipFill>
+        <p:spPr>
+          <a:xfrm>
+            <a:off x="4105843" y="1559560"/>
+            <a:ext cx="952633" cy="952633"/>
+          </a:xfrm>
+          <a:prstGeom prst="rect">
+            <a:avLst/>
+          </a:prstGeom>
+        </p:spPr>
+      </p:pic>
+      <p:pic>
+        <p:nvPicPr>
+          <p:cNvPr id="7" name="Image 6">
+            <a:extLst>
+              <a:ext uri="{FF2B5EF4-FFF2-40B4-BE49-F238E27FC236}">
+                <a16:creationId xmlns:a16="http://schemas.microsoft.com/office/drawing/2014/main" id="{72960853-6B73-44F4-A85A-5F0BE467FFD3}"/>
+              </a:ext>
+            </a:extLst>
+          </p:cNvPr>
+          <p:cNvPicPr>
+            <a:picLocks noChangeAspect="1"/>
+          </p:cNvPicPr>
+          <p:nvPr/>
+        </p:nvPicPr>
+        <p:blipFill>
+          <a:blip r:embed="rId3">
+            <a:extLst>
+              <a:ext uri="{28A0092B-C50C-407E-A947-70E740481C1C}">
+                <a14:useLocalDpi xmlns:a14="http://schemas.microsoft.com/office/drawing/2010/main" val="0"/>
+              </a:ext>
+            </a:extLst>
+          </a:blip>
+          <a:stretch>
+            <a:fillRect/>
+          </a:stretch>
+        </p:blipFill>
+        <p:spPr>
+          <a:xfrm>
+            <a:off x="2941041" y="4212527"/>
+            <a:ext cx="914528" cy="914528"/>
+          </a:xfrm>
+          <a:prstGeom prst="rect">
+            <a:avLst/>
+          </a:prstGeom>
+        </p:spPr>
+      </p:pic>
+      <p:pic>
+        <p:nvPicPr>
+          <p:cNvPr id="1026" name="Picture 2" descr="RÃ©sultat de recherche d'images pour &quot;kong api gateway icon&quot;">
+            <a:extLst>
+              <a:ext uri="{FF2B5EF4-FFF2-40B4-BE49-F238E27FC236}">
+                <a16:creationId xmlns:a16="http://schemas.microsoft.com/office/drawing/2014/main" id="{91A63E3B-379E-4C59-890A-76D41447FAEA}"/>
+              </a:ext>
+            </a:extLst>
+          </p:cNvPr>
+          <p:cNvPicPr>
+            <a:picLocks noChangeAspect="1" noChangeArrowheads="1"/>
+          </p:cNvPicPr>
+          <p:nvPr/>
+        </p:nvPicPr>
+        <p:blipFill>
+          <a:blip r:embed="rId4">
+            <a:extLst>
+              <a:ext uri="{28A0092B-C50C-407E-A947-70E740481C1C}">
+                <a14:useLocalDpi xmlns:a14="http://schemas.microsoft.com/office/drawing/2010/main" val="0"/>
+              </a:ext>
+            </a:extLst>
+          </a:blip>
+          <a:srcRect/>
+          <a:stretch>
+            <a:fillRect/>
+          </a:stretch>
+        </p:blipFill>
+        <p:spPr bwMode="auto">
+          <a:xfrm>
+            <a:off x="7437120" y="930910"/>
+            <a:ext cx="3048000" cy="1257300"/>
+          </a:xfrm>
+          <a:prstGeom prst="rect">
+            <a:avLst/>
+          </a:prstGeom>
+          <a:noFill/>
+          <a:extLst>
+            <a:ext uri="{909E8E84-426E-40DD-AFC4-6F175D3DCCD1}">
+              <a14:hiddenFill xmlns:a14="http://schemas.microsoft.com/office/drawing/2010/main">
+                <a:solidFill>
+                  <a:srgbClr val="FFFFFF"/>
+                </a:solidFill>
+              </a14:hiddenFill>
+            </a:ext>
+          </a:extLst>
+        </p:spPr>
+      </p:pic>
+      <p:pic>
+        <p:nvPicPr>
+          <p:cNvPr id="9" name="Image 8">
+            <a:extLst>
+              <a:ext uri="{FF2B5EF4-FFF2-40B4-BE49-F238E27FC236}">
+                <a16:creationId xmlns:a16="http://schemas.microsoft.com/office/drawing/2014/main" id="{8472A45E-424E-4D9A-98F6-215AFCC6EF74}"/>
+              </a:ext>
+            </a:extLst>
+          </p:cNvPr>
+          <p:cNvPicPr>
+            <a:picLocks noChangeAspect="1"/>
+          </p:cNvPicPr>
+          <p:nvPr/>
+        </p:nvPicPr>
+        <p:blipFill>
+          <a:blip r:embed="rId5">
+            <a:extLst>
+              <a:ext uri="{28A0092B-C50C-407E-A947-70E740481C1C}">
+                <a14:useLocalDpi xmlns:a14="http://schemas.microsoft.com/office/drawing/2010/main" val="0"/>
+              </a:ext>
+            </a:extLst>
+          </a:blip>
+          <a:stretch>
+            <a:fillRect/>
+          </a:stretch>
+        </p:blipFill>
+        <p:spPr>
+          <a:xfrm>
+            <a:off x="1249616" y="4212527"/>
+            <a:ext cx="914528" cy="914528"/>
+          </a:xfrm>
+          <a:prstGeom prst="rect">
+            <a:avLst/>
+          </a:prstGeom>
+        </p:spPr>
+      </p:pic>
+      <p:pic>
+        <p:nvPicPr>
+          <p:cNvPr id="11" name="Image 10">
+            <a:extLst>
+              <a:ext uri="{FF2B5EF4-FFF2-40B4-BE49-F238E27FC236}">
+                <a16:creationId xmlns:a16="http://schemas.microsoft.com/office/drawing/2014/main" id="{62154898-6523-40C6-A191-9F78E95A3EC1}"/>
+              </a:ext>
+            </a:extLst>
+          </p:cNvPr>
+          <p:cNvPicPr>
+            <a:picLocks noChangeAspect="1"/>
+          </p:cNvPicPr>
+          <p:nvPr/>
+        </p:nvPicPr>
+        <p:blipFill>
+          <a:blip r:embed="rId6">
+            <a:extLst>
+              <a:ext uri="{28A0092B-C50C-407E-A947-70E740481C1C}">
+                <a14:useLocalDpi xmlns:a14="http://schemas.microsoft.com/office/drawing/2010/main" val="0"/>
+              </a:ext>
+            </a:extLst>
+          </a:blip>
+          <a:stretch>
+            <a:fillRect/>
+          </a:stretch>
+        </p:blipFill>
+        <p:spPr>
+          <a:xfrm>
+            <a:off x="6233592" y="5032374"/>
+            <a:ext cx="914528" cy="914528"/>
+          </a:xfrm>
+          <a:prstGeom prst="rect">
+            <a:avLst/>
+          </a:prstGeom>
+        </p:spPr>
+      </p:pic>
+      <p:pic>
+        <p:nvPicPr>
+          <p:cNvPr id="13" name="Image 12">
+            <a:extLst>
+              <a:ext uri="{FF2B5EF4-FFF2-40B4-BE49-F238E27FC236}">
+                <a16:creationId xmlns:a16="http://schemas.microsoft.com/office/drawing/2014/main" id="{8DDB70DA-57F3-4C32-92B6-41FACA5AAEEC}"/>
+              </a:ext>
+            </a:extLst>
+          </p:cNvPr>
+          <p:cNvPicPr>
+            <a:picLocks noChangeAspect="1"/>
+          </p:cNvPicPr>
+          <p:nvPr/>
+        </p:nvPicPr>
+        <p:blipFill>
+          <a:blip r:embed="rId7">
+            <a:extLst>
+              <a:ext uri="{28A0092B-C50C-407E-A947-70E740481C1C}">
+                <a14:useLocalDpi xmlns:a14="http://schemas.microsoft.com/office/drawing/2010/main" val="0"/>
+              </a:ext>
+            </a:extLst>
+          </a:blip>
+          <a:stretch>
+            <a:fillRect/>
+          </a:stretch>
+        </p:blipFill>
+        <p:spPr>
+          <a:xfrm>
+            <a:off x="8793696" y="4212527"/>
+            <a:ext cx="914528" cy="914528"/>
+          </a:xfrm>
+          <a:prstGeom prst="rect">
+            <a:avLst/>
+          </a:prstGeom>
+        </p:spPr>
+      </p:pic>
+      <p:sp>
+        <p:nvSpPr>
+          <p:cNvPr id="14" name="Espace réservé du numéro de diapositive 13">
+            <a:extLst>
+              <a:ext uri="{FF2B5EF4-FFF2-40B4-BE49-F238E27FC236}">
+                <a16:creationId xmlns:a16="http://schemas.microsoft.com/office/drawing/2014/main" id="{1DE59375-7875-4B32-8323-4DCE0C1E98AE}"/>
+              </a:ext>
+            </a:extLst>
+          </p:cNvPr>
+          <p:cNvSpPr>
+            <a:spLocks noGrp="1"/>
+          </p:cNvSpPr>
+          <p:nvPr>
+            <p:ph type="sldNum" sz="quarter" idx="12"/>
           </p:nvPr>
         </p:nvSpPr>
         <p:spPr/>
@@ -3741,51 +4914,18 @@
           <a:bodyPr/>
           <a:lstStyle/>
           <a:p>
-            <a:r>
-              <a:rPr lang="fr-CH" dirty="0"/>
-              <a:t>Timeline</a:t>
-            </a:r>
-          </a:p>
-        </p:txBody>
-      </p:sp>
-      <p:sp>
-        <p:nvSpPr>
-          <p:cNvPr id="3" name="Espace réservé du contenu 2">
-            <a:extLst>
-              <a:ext uri="{FF2B5EF4-FFF2-40B4-BE49-F238E27FC236}">
-                <a16:creationId xmlns:a16="http://schemas.microsoft.com/office/drawing/2014/main" id="{5B34C789-7E48-435C-8907-168C5252C6EB}"/>
-              </a:ext>
-            </a:extLst>
-          </p:cNvPr>
-          <p:cNvSpPr>
-            <a:spLocks noGrp="1"/>
-          </p:cNvSpPr>
-          <p:nvPr>
-            <p:ph idx="1"/>
-          </p:nvPr>
-        </p:nvSpPr>
-        <p:spPr/>
-        <p:txBody>
-          <a:bodyPr/>
-          <a:lstStyle/>
-          <a:p>
-            <a:r>
-              <a:rPr lang="fr-CH" dirty="0"/>
-              <a:t>Gantt</a:t>
-            </a:r>
-          </a:p>
-          <a:p>
-            <a:r>
-              <a:rPr lang="fr-CH" dirty="0"/>
-              <a:t>Scrum and Sprint</a:t>
-            </a:r>
+            <a:fld id="{FAEAF821-8BBB-4B5F-AB25-F4FE9450ED6D}" type="slidenum">
+              <a:rPr lang="fr-CH" smtClean="0"/>
+              <a:t>13</a:t>
+            </a:fld>
+            <a:endParaRPr lang="fr-CH"/>
           </a:p>
         </p:txBody>
       </p:sp>
     </p:spTree>
     <p:extLst>
       <p:ext uri="{BB962C8B-B14F-4D97-AF65-F5344CB8AC3E}">
-        <p14:creationId xmlns:p14="http://schemas.microsoft.com/office/powerpoint/2010/main" val="2283651598"/>
+        <p14:creationId xmlns:p14="http://schemas.microsoft.com/office/powerpoint/2010/main" val="760369114"/>
       </p:ext>
     </p:extLst>
   </p:cSld>
@@ -3817,130 +4957,6 @@
           <p:cNvPr id="2" name="Titre 1">
             <a:extLst>
               <a:ext uri="{FF2B5EF4-FFF2-40B4-BE49-F238E27FC236}">
-                <a16:creationId xmlns:a16="http://schemas.microsoft.com/office/drawing/2014/main" id="{0FBE3D11-F75E-4C7A-B438-AA97F7B91FA0}"/>
-              </a:ext>
-            </a:extLst>
-          </p:cNvPr>
-          <p:cNvSpPr>
-            <a:spLocks noGrp="1"/>
-          </p:cNvSpPr>
-          <p:nvPr>
-            <p:ph type="title"/>
-          </p:nvPr>
-        </p:nvSpPr>
-        <p:spPr/>
-        <p:txBody>
-          <a:bodyPr/>
-          <a:lstStyle/>
-          <a:p>
-            <a:r>
-              <a:rPr lang="fr-CH" dirty="0"/>
-              <a:t>technologies</a:t>
-            </a:r>
-          </a:p>
-        </p:txBody>
-      </p:sp>
-      <p:sp>
-        <p:nvSpPr>
-          <p:cNvPr id="3" name="Espace réservé du contenu 2">
-            <a:extLst>
-              <a:ext uri="{FF2B5EF4-FFF2-40B4-BE49-F238E27FC236}">
-                <a16:creationId xmlns:a16="http://schemas.microsoft.com/office/drawing/2014/main" id="{FF0AFC58-25EE-4FB2-88BF-3D5D274FDA70}"/>
-              </a:ext>
-            </a:extLst>
-          </p:cNvPr>
-          <p:cNvSpPr>
-            <a:spLocks noGrp="1"/>
-          </p:cNvSpPr>
-          <p:nvPr>
-            <p:ph idx="1"/>
-          </p:nvPr>
-        </p:nvSpPr>
-        <p:spPr/>
-        <p:txBody>
-          <a:bodyPr/>
-          <a:lstStyle/>
-          <a:p>
-            <a:r>
-              <a:rPr lang="fr-CH" dirty="0"/>
-              <a:t>MySQL</a:t>
-            </a:r>
-          </a:p>
-          <a:p>
-            <a:r>
-              <a:rPr lang="fr-CH" dirty="0"/>
-              <a:t>Java</a:t>
-            </a:r>
-          </a:p>
-          <a:p>
-            <a:r>
-              <a:rPr lang="fr-CH" dirty="0"/>
-              <a:t>Docker</a:t>
-            </a:r>
-          </a:p>
-          <a:p>
-            <a:r>
-              <a:rPr lang="fr-CH" dirty="0"/>
-              <a:t>Kong</a:t>
-            </a:r>
-          </a:p>
-          <a:p>
-            <a:r>
-              <a:rPr lang="fr-CH" dirty="0" err="1"/>
-              <a:t>Angular</a:t>
-            </a:r>
-            <a:endParaRPr lang="fr-CH" dirty="0"/>
-          </a:p>
-          <a:p>
-            <a:r>
-              <a:rPr lang="fr-CH" dirty="0"/>
-              <a:t>Bootstrap</a:t>
-            </a:r>
-          </a:p>
-          <a:p>
-            <a:r>
-              <a:rPr lang="fr-CH" dirty="0" err="1"/>
-              <a:t>Nebular</a:t>
-            </a:r>
-            <a:endParaRPr lang="fr-CH" dirty="0"/>
-          </a:p>
-        </p:txBody>
-      </p:sp>
-    </p:spTree>
-    <p:extLst>
-      <p:ext uri="{BB962C8B-B14F-4D97-AF65-F5344CB8AC3E}">
-        <p14:creationId xmlns:p14="http://schemas.microsoft.com/office/powerpoint/2010/main" val="760369114"/>
-      </p:ext>
-    </p:extLst>
-  </p:cSld>
-  <p:clrMapOvr>
-    <a:masterClrMapping/>
-  </p:clrMapOvr>
-</p:sld>
-</file>
-
-<file path=ppt/slides/slide15.xml><?xml version="1.0" encoding="utf-8"?>
-<p:sld xmlns:a="http://schemas.openxmlformats.org/drawingml/2006/main" xmlns:r="http://schemas.openxmlformats.org/officeDocument/2006/relationships" xmlns:p="http://schemas.openxmlformats.org/presentationml/2006/main">
-  <p:cSld>
-    <p:spTree>
-      <p:nvGrpSpPr>
-        <p:cNvPr id="1" name=""/>
-        <p:cNvGrpSpPr/>
-        <p:nvPr/>
-      </p:nvGrpSpPr>
-      <p:grpSpPr>
-        <a:xfrm>
-          <a:off x="0" y="0"/>
-          <a:ext cx="0" cy="0"/>
-          <a:chOff x="0" y="0"/>
-          <a:chExt cx="0" cy="0"/>
-        </a:xfrm>
-      </p:grpSpPr>
-      <p:sp>
-        <p:nvSpPr>
-          <p:cNvPr id="2" name="Titre 1">
-            <a:extLst>
-              <a:ext uri="{FF2B5EF4-FFF2-40B4-BE49-F238E27FC236}">
                 <a16:creationId xmlns:a16="http://schemas.microsoft.com/office/drawing/2014/main" id="{10AAE3E3-8001-4672-ABD9-CDB75DFEE9EF}"/>
               </a:ext>
             </a:extLst>
@@ -4000,6 +5016,35 @@
               <a:rPr lang="fr-CH" dirty="0"/>
               <a:t>Work break down Diagram</a:t>
             </a:r>
+          </a:p>
+        </p:txBody>
+      </p:sp>
+      <p:sp>
+        <p:nvSpPr>
+          <p:cNvPr id="4" name="Espace réservé du numéro de diapositive 3">
+            <a:extLst>
+              <a:ext uri="{FF2B5EF4-FFF2-40B4-BE49-F238E27FC236}">
+                <a16:creationId xmlns:a16="http://schemas.microsoft.com/office/drawing/2014/main" id="{C037DC3E-573E-4DBA-8E26-93C129C51CE3}"/>
+              </a:ext>
+            </a:extLst>
+          </p:cNvPr>
+          <p:cNvSpPr>
+            <a:spLocks noGrp="1"/>
+          </p:cNvSpPr>
+          <p:nvPr>
+            <p:ph type="sldNum" sz="quarter" idx="12"/>
+          </p:nvPr>
+        </p:nvSpPr>
+        <p:spPr/>
+        <p:txBody>
+          <a:bodyPr/>
+          <a:lstStyle/>
+          <a:p>
+            <a:fld id="{FAEAF821-8BBB-4B5F-AB25-F4FE9450ED6D}" type="slidenum">
+              <a:rPr lang="fr-CH" smtClean="0"/>
+              <a:t>14</a:t>
+            </a:fld>
+            <a:endParaRPr lang="fr-CH"/>
           </a:p>
         </p:txBody>
       </p:sp>
@@ -4019,6 +5064,14 @@
 <file path=ppt/slides/slide2.xml><?xml version="1.0" encoding="utf-8"?>
 <p:sld xmlns:a="http://schemas.openxmlformats.org/drawingml/2006/main" xmlns:r="http://schemas.openxmlformats.org/officeDocument/2006/relationships" xmlns:p="http://schemas.openxmlformats.org/presentationml/2006/main">
   <p:cSld>
+    <p:bg>
+      <p:bgPr>
+        <a:solidFill>
+          <a:schemeClr val="bg1"/>
+        </a:solidFill>
+        <a:effectLst/>
+      </p:bgPr>
+    </p:bg>
     <p:spTree>
       <p:nvGrpSpPr>
         <p:cNvPr id="1" name=""/>
@@ -4049,68 +5102,574 @@
             <p:ph type="title"/>
           </p:nvPr>
         </p:nvSpPr>
-        <p:spPr/>
-        <p:txBody>
-          <a:bodyPr/>
-          <a:lstStyle/>
-          <a:p>
-            <a:r>
-              <a:rPr lang="fr-CH" dirty="0" err="1"/>
-              <a:t>Benefice</a:t>
-            </a:r>
+        <p:spPr>
+          <a:xfrm>
+            <a:off x="838200" y="551317"/>
+            <a:ext cx="10515600" cy="799984"/>
+          </a:xfrm>
+        </p:spPr>
+        <p:txBody>
+          <a:bodyPr/>
+          <a:lstStyle/>
+          <a:p>
             <a:r>
               <a:rPr lang="fr-CH" dirty="0"/>
-              <a:t> des sites de vente</a:t>
-            </a:r>
-          </a:p>
-        </p:txBody>
-      </p:sp>
-      <p:sp>
-        <p:nvSpPr>
-          <p:cNvPr id="3" name="Espace réservé du contenu 2">
-            <a:extLst>
-              <a:ext uri="{FF2B5EF4-FFF2-40B4-BE49-F238E27FC236}">
-                <a16:creationId xmlns:a16="http://schemas.microsoft.com/office/drawing/2014/main" id="{BB12EA7E-CE39-4204-8E44-845D7FD04827}"/>
-              </a:ext>
-            </a:extLst>
-          </p:cNvPr>
-          <p:cNvSpPr>
-            <a:spLocks noGrp="1"/>
-          </p:cNvSpPr>
-          <p:nvPr>
-            <p:ph idx="1"/>
-          </p:nvPr>
-        </p:nvSpPr>
-        <p:spPr/>
-        <p:txBody>
-          <a:bodyPr/>
+              <a:t>Bénéfices des sites de vente</a:t>
+            </a:r>
+          </a:p>
+        </p:txBody>
+      </p:sp>
+      <p:pic>
+        <p:nvPicPr>
+          <p:cNvPr id="7" name="Image 6">
+            <a:extLst>
+              <a:ext uri="{FF2B5EF4-FFF2-40B4-BE49-F238E27FC236}">
+                <a16:creationId xmlns:a16="http://schemas.microsoft.com/office/drawing/2014/main" id="{7F0EFA48-ECF1-45FD-917F-8CD36F3B4146}"/>
+              </a:ext>
+            </a:extLst>
+          </p:cNvPr>
+          <p:cNvPicPr>
+            <a:picLocks noChangeAspect="1"/>
+          </p:cNvPicPr>
+          <p:nvPr/>
+        </p:nvPicPr>
+        <p:blipFill>
+          <a:blip r:embed="rId3">
+            <a:extLst>
+              <a:ext uri="{28A0092B-C50C-407E-A947-70E740481C1C}">
+                <a14:useLocalDpi xmlns:a14="http://schemas.microsoft.com/office/drawing/2010/main" val="0"/>
+              </a:ext>
+            </a:extLst>
+          </a:blip>
+          <a:stretch>
+            <a:fillRect/>
+          </a:stretch>
+        </p:blipFill>
+        <p:spPr>
+          <a:xfrm>
+            <a:off x="8677111" y="1957801"/>
+            <a:ext cx="657618" cy="657618"/>
+          </a:xfrm>
+          <a:prstGeom prst="rect">
+            <a:avLst/>
+          </a:prstGeom>
+        </p:spPr>
+      </p:pic>
+      <p:pic>
+        <p:nvPicPr>
+          <p:cNvPr id="9" name="Image 8">
+            <a:extLst>
+              <a:ext uri="{FF2B5EF4-FFF2-40B4-BE49-F238E27FC236}">
+                <a16:creationId xmlns:a16="http://schemas.microsoft.com/office/drawing/2014/main" id="{7E31AE83-E653-4F67-8FD2-54682D0F4105}"/>
+              </a:ext>
+            </a:extLst>
+          </p:cNvPr>
+          <p:cNvPicPr>
+            <a:picLocks noChangeAspect="1"/>
+          </p:cNvPicPr>
+          <p:nvPr/>
+        </p:nvPicPr>
+        <p:blipFill>
+          <a:blip r:embed="rId4">
+            <a:extLst>
+              <a:ext uri="{28A0092B-C50C-407E-A947-70E740481C1C}">
+                <a14:useLocalDpi xmlns:a14="http://schemas.microsoft.com/office/drawing/2010/main" val="0"/>
+              </a:ext>
+            </a:extLst>
+          </a:blip>
+          <a:stretch>
+            <a:fillRect/>
+          </a:stretch>
+        </p:blipFill>
+        <p:spPr>
+          <a:xfrm>
+            <a:off x="9537538" y="1729168"/>
+            <a:ext cx="952633" cy="952633"/>
+          </a:xfrm>
+          <a:prstGeom prst="rect">
+            <a:avLst/>
+          </a:prstGeom>
+        </p:spPr>
+      </p:pic>
+      <p:pic>
+        <p:nvPicPr>
+          <p:cNvPr id="11" name="Image 10">
+            <a:extLst>
+              <a:ext uri="{FF2B5EF4-FFF2-40B4-BE49-F238E27FC236}">
+                <a16:creationId xmlns:a16="http://schemas.microsoft.com/office/drawing/2014/main" id="{CADF931D-366B-4F3C-8BA7-5F87E184093E}"/>
+              </a:ext>
+            </a:extLst>
+          </p:cNvPr>
+          <p:cNvPicPr>
+            <a:picLocks noChangeAspect="1"/>
+          </p:cNvPicPr>
+          <p:nvPr/>
+        </p:nvPicPr>
+        <p:blipFill>
+          <a:blip r:embed="rId5">
+            <a:extLst>
+              <a:ext uri="{28A0092B-C50C-407E-A947-70E740481C1C}">
+                <a14:useLocalDpi xmlns:a14="http://schemas.microsoft.com/office/drawing/2010/main" val="0"/>
+              </a:ext>
+            </a:extLst>
+          </a:blip>
+          <a:stretch>
+            <a:fillRect/>
+          </a:stretch>
+        </p:blipFill>
+        <p:spPr>
+          <a:xfrm>
+            <a:off x="5083743" y="1530762"/>
+            <a:ext cx="1325020" cy="1325020"/>
+          </a:xfrm>
+          <a:prstGeom prst="rect">
+            <a:avLst/>
+          </a:prstGeom>
+        </p:spPr>
+      </p:pic>
+      <p:pic>
+        <p:nvPicPr>
+          <p:cNvPr id="13" name="Image 12">
+            <a:extLst>
+              <a:ext uri="{FF2B5EF4-FFF2-40B4-BE49-F238E27FC236}">
+                <a16:creationId xmlns:a16="http://schemas.microsoft.com/office/drawing/2014/main" id="{0BA3D454-8D32-4FBB-A1C8-163F47C43752}"/>
+              </a:ext>
+            </a:extLst>
+          </p:cNvPr>
+          <p:cNvPicPr>
+            <a:picLocks noChangeAspect="1"/>
+          </p:cNvPicPr>
+          <p:nvPr/>
+        </p:nvPicPr>
+        <p:blipFill>
+          <a:blip r:embed="rId6">
+            <a:extLst>
+              <a:ext uri="{28A0092B-C50C-407E-A947-70E740481C1C}">
+                <a14:useLocalDpi xmlns:a14="http://schemas.microsoft.com/office/drawing/2010/main" val="0"/>
+              </a:ext>
+            </a:extLst>
+          </a:blip>
+          <a:stretch>
+            <a:fillRect/>
+          </a:stretch>
+        </p:blipFill>
+        <p:spPr>
+          <a:xfrm>
+            <a:off x="1647329" y="1595801"/>
+            <a:ext cx="1219370" cy="1219370"/>
+          </a:xfrm>
+          <a:prstGeom prst="rect">
+            <a:avLst/>
+          </a:prstGeom>
+        </p:spPr>
+      </p:pic>
+      <p:sp>
+        <p:nvSpPr>
+          <p:cNvPr id="14" name="ZoneTexte 13">
+            <a:extLst>
+              <a:ext uri="{FF2B5EF4-FFF2-40B4-BE49-F238E27FC236}">
+                <a16:creationId xmlns:a16="http://schemas.microsoft.com/office/drawing/2014/main" id="{95A8FFC3-6799-47BB-96CF-A0B0C8A9D51E}"/>
+              </a:ext>
+            </a:extLst>
+          </p:cNvPr>
+          <p:cNvSpPr txBox="1"/>
+          <p:nvPr/>
+        </p:nvSpPr>
+        <p:spPr>
+          <a:xfrm>
+            <a:off x="1703144" y="3053864"/>
+            <a:ext cx="1107739" cy="369332"/>
+          </a:xfrm>
+          <a:prstGeom prst="rect">
+            <a:avLst/>
+          </a:prstGeom>
+          <a:noFill/>
+        </p:spPr>
+        <p:txBody>
+          <a:bodyPr wrap="none" rtlCol="0">
+            <a:spAutoFit/>
+          </a:bodyPr>
           <a:lstStyle/>
           <a:p>
             <a:r>
               <a:rPr lang="fr-CH" dirty="0"/>
-              <a:t>Écologie</a:t>
-            </a:r>
-          </a:p>
+              <a:t>Economie</a:t>
+            </a:r>
+          </a:p>
+        </p:txBody>
+      </p:sp>
+      <p:sp>
+        <p:nvSpPr>
+          <p:cNvPr id="15" name="ZoneTexte 14">
+            <a:extLst>
+              <a:ext uri="{FF2B5EF4-FFF2-40B4-BE49-F238E27FC236}">
+                <a16:creationId xmlns:a16="http://schemas.microsoft.com/office/drawing/2014/main" id="{954B158E-D574-4A1C-B2D5-996A356835F2}"/>
+              </a:ext>
+            </a:extLst>
+          </p:cNvPr>
+          <p:cNvSpPr txBox="1"/>
+          <p:nvPr/>
+        </p:nvSpPr>
+        <p:spPr>
+          <a:xfrm>
+            <a:off x="5295508" y="3037726"/>
+            <a:ext cx="963469" cy="369332"/>
+          </a:xfrm>
+          <a:prstGeom prst="rect">
+            <a:avLst/>
+          </a:prstGeom>
+          <a:noFill/>
+        </p:spPr>
+        <p:txBody>
+          <a:bodyPr wrap="none" rtlCol="0">
+            <a:spAutoFit/>
+          </a:bodyPr>
+          <a:lstStyle/>
           <a:p>
             <a:r>
               <a:rPr lang="fr-CH" dirty="0"/>
-              <a:t>Économie </a:t>
-            </a:r>
-          </a:p>
+              <a:t>Ecologie</a:t>
+            </a:r>
+          </a:p>
+        </p:txBody>
+      </p:sp>
+      <p:sp>
+        <p:nvSpPr>
+          <p:cNvPr id="16" name="ZoneTexte 15">
+            <a:extLst>
+              <a:ext uri="{FF2B5EF4-FFF2-40B4-BE49-F238E27FC236}">
+                <a16:creationId xmlns:a16="http://schemas.microsoft.com/office/drawing/2014/main" id="{17459BB1-E0C0-4B16-988D-5D5561B37C4B}"/>
+              </a:ext>
+            </a:extLst>
+          </p:cNvPr>
+          <p:cNvSpPr txBox="1"/>
+          <p:nvPr/>
+        </p:nvSpPr>
+        <p:spPr>
+          <a:xfrm>
+            <a:off x="8743602" y="3059668"/>
+            <a:ext cx="1720856" cy="369332"/>
+          </a:xfrm>
+          <a:prstGeom prst="rect">
+            <a:avLst/>
+          </a:prstGeom>
+          <a:noFill/>
+        </p:spPr>
+        <p:txBody>
+          <a:bodyPr wrap="none" rtlCol="0">
+            <a:spAutoFit/>
+          </a:bodyPr>
+          <a:lstStyle/>
           <a:p>
             <a:r>
               <a:rPr lang="fr-CH" dirty="0"/>
-              <a:t>Consultation des articles à distance</a:t>
-            </a:r>
-          </a:p>
-          <a:p>
-            <a:pPr marL="0" indent="0">
+              <a:t>Achat à distance</a:t>
+            </a:r>
+          </a:p>
+        </p:txBody>
+      </p:sp>
+      <p:sp>
+        <p:nvSpPr>
+          <p:cNvPr id="17" name="Titre 1">
+            <a:extLst>
+              <a:ext uri="{FF2B5EF4-FFF2-40B4-BE49-F238E27FC236}">
+                <a16:creationId xmlns:a16="http://schemas.microsoft.com/office/drawing/2014/main" id="{A750B424-A8EC-4917-B3D0-A72D2F88D6C5}"/>
+              </a:ext>
+            </a:extLst>
+          </p:cNvPr>
+          <p:cNvSpPr txBox="1">
+            <a:spLocks/>
+          </p:cNvSpPr>
+          <p:nvPr/>
+        </p:nvSpPr>
+        <p:spPr>
+          <a:xfrm>
+            <a:off x="838200" y="3588388"/>
+            <a:ext cx="2151580" cy="799984"/>
+          </a:xfrm>
+          <a:prstGeom prst="rect">
+            <a:avLst/>
+          </a:prstGeom>
+        </p:spPr>
+        <p:txBody>
+          <a:bodyPr vert="horz" lIns="91440" tIns="45720" rIns="91440" bIns="45720" rtlCol="0" anchor="ctr">
+            <a:normAutofit/>
+          </a:bodyPr>
+          <a:lstStyle>
+            <a:lvl1pPr algn="l" defTabSz="914400" rtl="0" eaLnBrk="1" latinLnBrk="0" hangingPunct="1">
+              <a:lnSpc>
+                <a:spcPct val="90000"/>
+              </a:lnSpc>
+              <a:spcBef>
+                <a:spcPct val="0"/>
+              </a:spcBef>
               <a:buNone/>
-            </a:pPr>
-            <a:endParaRPr lang="fr-CH" dirty="0"/>
-          </a:p>
-        </p:txBody>
-      </p:sp>
+              <a:defRPr sz="4400" kern="1200">
+                <a:solidFill>
+                  <a:schemeClr val="tx1"/>
+                </a:solidFill>
+                <a:latin typeface="+mj-lt"/>
+                <a:ea typeface="+mj-ea"/>
+                <a:cs typeface="+mj-cs"/>
+              </a:defRPr>
+            </a:lvl1pPr>
+          </a:lstStyle>
+          <a:p>
+            <a:r>
+              <a:rPr lang="fr-CH" dirty="0"/>
+              <a:t>Défauts</a:t>
+            </a:r>
+          </a:p>
+        </p:txBody>
+      </p:sp>
+      <p:pic>
+        <p:nvPicPr>
+          <p:cNvPr id="20" name="Image 19">
+            <a:extLst>
+              <a:ext uri="{FF2B5EF4-FFF2-40B4-BE49-F238E27FC236}">
+                <a16:creationId xmlns:a16="http://schemas.microsoft.com/office/drawing/2014/main" id="{DDEFB407-8659-435F-BA7C-BA7B2C870DF6}"/>
+              </a:ext>
+            </a:extLst>
+          </p:cNvPr>
+          <p:cNvPicPr>
+            <a:picLocks noChangeAspect="1"/>
+          </p:cNvPicPr>
+          <p:nvPr/>
+        </p:nvPicPr>
+        <p:blipFill>
+          <a:blip r:embed="rId7">
+            <a:extLst>
+              <a:ext uri="{28A0092B-C50C-407E-A947-70E740481C1C}">
+                <a14:useLocalDpi xmlns:a14="http://schemas.microsoft.com/office/drawing/2010/main" val="0"/>
+              </a:ext>
+            </a:extLst>
+          </a:blip>
+          <a:stretch>
+            <a:fillRect/>
+          </a:stretch>
+        </p:blipFill>
+        <p:spPr>
+          <a:xfrm>
+            <a:off x="7181017" y="4619302"/>
+            <a:ext cx="1017761" cy="1017761"/>
+          </a:xfrm>
+          <a:prstGeom prst="rect">
+            <a:avLst/>
+          </a:prstGeom>
+        </p:spPr>
+      </p:pic>
+      <p:sp>
+        <p:nvSpPr>
+          <p:cNvPr id="30" name="ZoneTexte 29">
+            <a:extLst>
+              <a:ext uri="{FF2B5EF4-FFF2-40B4-BE49-F238E27FC236}">
+                <a16:creationId xmlns:a16="http://schemas.microsoft.com/office/drawing/2014/main" id="{D4ECD409-1A76-4D76-9F07-0E7231011296}"/>
+              </a:ext>
+            </a:extLst>
+          </p:cNvPr>
+          <p:cNvSpPr txBox="1"/>
+          <p:nvPr/>
+        </p:nvSpPr>
+        <p:spPr>
+          <a:xfrm>
+            <a:off x="3217672" y="5802865"/>
+            <a:ext cx="1965474" cy="369332"/>
+          </a:xfrm>
+          <a:prstGeom prst="rect">
+            <a:avLst/>
+          </a:prstGeom>
+          <a:noFill/>
+        </p:spPr>
+        <p:txBody>
+          <a:bodyPr wrap="none" rtlCol="0">
+            <a:spAutoFit/>
+          </a:bodyPr>
+          <a:lstStyle/>
+          <a:p>
+            <a:r>
+              <a:rPr lang="fr-CH" dirty="0"/>
+              <a:t>Objets généralistes</a:t>
+            </a:r>
+          </a:p>
+        </p:txBody>
+      </p:sp>
+      <p:sp>
+        <p:nvSpPr>
+          <p:cNvPr id="31" name="ZoneTexte 30">
+            <a:extLst>
+              <a:ext uri="{FF2B5EF4-FFF2-40B4-BE49-F238E27FC236}">
+                <a16:creationId xmlns:a16="http://schemas.microsoft.com/office/drawing/2014/main" id="{E5E046D1-ACDE-4450-B5B8-D8B0E36E5900}"/>
+              </a:ext>
+            </a:extLst>
+          </p:cNvPr>
+          <p:cNvSpPr txBox="1"/>
+          <p:nvPr/>
+        </p:nvSpPr>
+        <p:spPr>
+          <a:xfrm>
+            <a:off x="6764235" y="5802865"/>
+            <a:ext cx="1786195" cy="369332"/>
+          </a:xfrm>
+          <a:prstGeom prst="rect">
+            <a:avLst/>
+          </a:prstGeom>
+          <a:noFill/>
+        </p:spPr>
+        <p:txBody>
+          <a:bodyPr wrap="none" rtlCol="0">
+            <a:spAutoFit/>
+          </a:bodyPr>
+          <a:lstStyle/>
+          <a:p>
+            <a:r>
+              <a:rPr lang="fr-CH" dirty="0"/>
+              <a:t>Peu de confiance</a:t>
+            </a:r>
+          </a:p>
+        </p:txBody>
+      </p:sp>
+      <p:sp>
+        <p:nvSpPr>
+          <p:cNvPr id="32" name="Espace réservé du numéro de diapositive 31">
+            <a:extLst>
+              <a:ext uri="{FF2B5EF4-FFF2-40B4-BE49-F238E27FC236}">
+                <a16:creationId xmlns:a16="http://schemas.microsoft.com/office/drawing/2014/main" id="{57C5892A-BEEB-4827-80E0-D830589E6AD5}"/>
+              </a:ext>
+            </a:extLst>
+          </p:cNvPr>
+          <p:cNvSpPr>
+            <a:spLocks noGrp="1"/>
+          </p:cNvSpPr>
+          <p:nvPr>
+            <p:ph type="sldNum" sz="quarter" idx="12"/>
+          </p:nvPr>
+        </p:nvSpPr>
+        <p:spPr>
+          <a:xfrm>
+            <a:off x="8610600" y="6356350"/>
+            <a:ext cx="2743200" cy="365125"/>
+          </a:xfrm>
+        </p:spPr>
+        <p:txBody>
+          <a:bodyPr/>
+          <a:lstStyle/>
+          <a:p>
+            <a:fld id="{FAEAF821-8BBB-4B5F-AB25-F4FE9450ED6D}" type="slidenum">
+              <a:rPr lang="fr-CH" smtClean="0"/>
+              <a:t>2</a:t>
+            </a:fld>
+            <a:endParaRPr lang="fr-CH"/>
+          </a:p>
+        </p:txBody>
+      </p:sp>
+      <p:pic>
+        <p:nvPicPr>
+          <p:cNvPr id="36" name="Image 35">
+            <a:extLst>
+              <a:ext uri="{FF2B5EF4-FFF2-40B4-BE49-F238E27FC236}">
+                <a16:creationId xmlns:a16="http://schemas.microsoft.com/office/drawing/2014/main" id="{64A076AB-157D-40F0-B117-E7D2DF7ED943}"/>
+              </a:ext>
+            </a:extLst>
+          </p:cNvPr>
+          <p:cNvPicPr>
+            <a:picLocks noChangeAspect="1"/>
+          </p:cNvPicPr>
+          <p:nvPr/>
+        </p:nvPicPr>
+        <p:blipFill>
+          <a:blip r:embed="rId8">
+            <a:extLst>
+              <a:ext uri="{28A0092B-C50C-407E-A947-70E740481C1C}">
+                <a14:useLocalDpi xmlns:a14="http://schemas.microsoft.com/office/drawing/2010/main" val="0"/>
+              </a:ext>
+            </a:extLst>
+          </a:blip>
+          <a:stretch>
+            <a:fillRect/>
+          </a:stretch>
+        </p:blipFill>
+        <p:spPr>
+          <a:xfrm>
+            <a:off x="3597769" y="4388372"/>
+            <a:ext cx="1219370" cy="1219370"/>
+          </a:xfrm>
+          <a:prstGeom prst="rect">
+            <a:avLst/>
+          </a:prstGeom>
+        </p:spPr>
+      </p:pic>
+      <p:pic>
+        <p:nvPicPr>
+          <p:cNvPr id="38" name="Image 37">
+            <a:extLst>
+              <a:ext uri="{FF2B5EF4-FFF2-40B4-BE49-F238E27FC236}">
+                <a16:creationId xmlns:a16="http://schemas.microsoft.com/office/drawing/2014/main" id="{8A2A287F-7905-4BE1-A9E9-03FCA0F208E9}"/>
+              </a:ext>
+            </a:extLst>
+          </p:cNvPr>
+          <p:cNvPicPr>
+            <a:picLocks noChangeAspect="1"/>
+          </p:cNvPicPr>
+          <p:nvPr/>
+        </p:nvPicPr>
+        <p:blipFill>
+          <a:blip r:embed="rId9">
+            <a:extLst>
+              <a:ext uri="{28A0092B-C50C-407E-A947-70E740481C1C}">
+                <a14:useLocalDpi xmlns:a14="http://schemas.microsoft.com/office/drawing/2010/main" val="0"/>
+              </a:ext>
+            </a:extLst>
+          </a:blip>
+          <a:stretch>
+            <a:fillRect/>
+          </a:stretch>
+        </p:blipFill>
+        <p:spPr>
+          <a:xfrm>
+            <a:off x="3244258" y="5000862"/>
+            <a:ext cx="914528" cy="914528"/>
+          </a:xfrm>
+          <a:prstGeom prst="rect">
+            <a:avLst/>
+          </a:prstGeom>
+        </p:spPr>
+      </p:pic>
+      <p:pic>
+        <p:nvPicPr>
+          <p:cNvPr id="34" name="Image 33">
+            <a:extLst>
+              <a:ext uri="{FF2B5EF4-FFF2-40B4-BE49-F238E27FC236}">
+                <a16:creationId xmlns:a16="http://schemas.microsoft.com/office/drawing/2014/main" id="{EEFB0788-8B17-400A-95AC-FB1E39AC0BEE}"/>
+              </a:ext>
+            </a:extLst>
+          </p:cNvPr>
+          <p:cNvPicPr>
+            <a:picLocks noChangeAspect="1"/>
+          </p:cNvPicPr>
+          <p:nvPr/>
+        </p:nvPicPr>
+        <p:blipFill>
+          <a:blip r:embed="rId10">
+            <a:extLst>
+              <a:ext uri="{28A0092B-C50C-407E-A947-70E740481C1C}">
+                <a14:useLocalDpi xmlns:a14="http://schemas.microsoft.com/office/drawing/2010/main" val="0"/>
+              </a:ext>
+            </a:extLst>
+          </a:blip>
+          <a:stretch>
+            <a:fillRect/>
+          </a:stretch>
+        </p:blipFill>
+        <p:spPr>
+          <a:xfrm>
+            <a:off x="4351997" y="4915463"/>
+            <a:ext cx="762106" cy="762106"/>
+          </a:xfrm>
+          <a:prstGeom prst="rect">
+            <a:avLst/>
+          </a:prstGeom>
+        </p:spPr>
+      </p:pic>
     </p:spTree>
     <p:extLst>
       <p:ext uri="{BB962C8B-B14F-4D97-AF65-F5344CB8AC3E}">
@@ -4121,12 +5680,262 @@
   <p:clrMapOvr>
     <a:masterClrMapping/>
   </p:clrMapOvr>
+  <p:timing>
+    <p:tnLst>
+      <p:par>
+        <p:cTn id="1" dur="indefinite" restart="never" nodeType="tmRoot">
+          <p:childTnLst>
+            <p:seq concurrent="1" nextAc="seek">
+              <p:cTn id="2" dur="indefinite" nodeType="mainSeq">
+                <p:childTnLst>
+                  <p:par>
+                    <p:cTn id="3" fill="hold">
+                      <p:stCondLst>
+                        <p:cond delay="indefinite"/>
+                      </p:stCondLst>
+                      <p:childTnLst>
+                        <p:par>
+                          <p:cTn id="4" fill="hold">
+                            <p:stCondLst>
+                              <p:cond delay="0"/>
+                            </p:stCondLst>
+                            <p:childTnLst>
+                              <p:par>
+                                <p:cTn id="5" presetID="1" presetClass="entr" presetSubtype="0" fill="hold" grpId="0" nodeType="clickEffect">
+                                  <p:stCondLst>
+                                    <p:cond delay="0"/>
+                                  </p:stCondLst>
+                                  <p:childTnLst>
+                                    <p:set>
+                                      <p:cBhvr>
+                                        <p:cTn id="6" dur="1" fill="hold">
+                                          <p:stCondLst>
+                                            <p:cond delay="0"/>
+                                          </p:stCondLst>
+                                        </p:cTn>
+                                        <p:tgtEl>
+                                          <p:spTgt spid="17"/>
+                                        </p:tgtEl>
+                                        <p:attrNameLst>
+                                          <p:attrName>style.visibility</p:attrName>
+                                        </p:attrNameLst>
+                                      </p:cBhvr>
+                                      <p:to>
+                                        <p:strVal val="visible"/>
+                                      </p:to>
+                                    </p:set>
+                                  </p:childTnLst>
+                                </p:cTn>
+                              </p:par>
+                              <p:par>
+                                <p:cTn id="7" presetID="1" presetClass="entr" presetSubtype="0" fill="hold" nodeType="withEffect">
+                                  <p:stCondLst>
+                                    <p:cond delay="0"/>
+                                  </p:stCondLst>
+                                  <p:childTnLst>
+                                    <p:set>
+                                      <p:cBhvr>
+                                        <p:cTn id="8" dur="1" fill="hold">
+                                          <p:stCondLst>
+                                            <p:cond delay="0"/>
+                                          </p:stCondLst>
+                                        </p:cTn>
+                                        <p:tgtEl>
+                                          <p:spTgt spid="38"/>
+                                        </p:tgtEl>
+                                        <p:attrNameLst>
+                                          <p:attrName>style.visibility</p:attrName>
+                                        </p:attrNameLst>
+                                      </p:cBhvr>
+                                      <p:to>
+                                        <p:strVal val="visible"/>
+                                      </p:to>
+                                    </p:set>
+                                  </p:childTnLst>
+                                </p:cTn>
+                              </p:par>
+                              <p:par>
+                                <p:cTn id="9" presetID="1" presetClass="entr" presetSubtype="0" fill="hold" nodeType="withEffect">
+                                  <p:stCondLst>
+                                    <p:cond delay="0"/>
+                                  </p:stCondLst>
+                                  <p:childTnLst>
+                                    <p:set>
+                                      <p:cBhvr>
+                                        <p:cTn id="10" dur="1" fill="hold">
+                                          <p:stCondLst>
+                                            <p:cond delay="0"/>
+                                          </p:stCondLst>
+                                        </p:cTn>
+                                        <p:tgtEl>
+                                          <p:spTgt spid="34"/>
+                                        </p:tgtEl>
+                                        <p:attrNameLst>
+                                          <p:attrName>style.visibility</p:attrName>
+                                        </p:attrNameLst>
+                                      </p:cBhvr>
+                                      <p:to>
+                                        <p:strVal val="visible"/>
+                                      </p:to>
+                                    </p:set>
+                                  </p:childTnLst>
+                                </p:cTn>
+                              </p:par>
+                              <p:par>
+                                <p:cTn id="11" presetID="1" presetClass="entr" presetSubtype="0" fill="hold" nodeType="withEffect">
+                                  <p:stCondLst>
+                                    <p:cond delay="0"/>
+                                  </p:stCondLst>
+                                  <p:childTnLst>
+                                    <p:set>
+                                      <p:cBhvr>
+                                        <p:cTn id="12" dur="1" fill="hold">
+                                          <p:stCondLst>
+                                            <p:cond delay="0"/>
+                                          </p:stCondLst>
+                                        </p:cTn>
+                                        <p:tgtEl>
+                                          <p:spTgt spid="36"/>
+                                        </p:tgtEl>
+                                        <p:attrNameLst>
+                                          <p:attrName>style.visibility</p:attrName>
+                                        </p:attrNameLst>
+                                      </p:cBhvr>
+                                      <p:to>
+                                        <p:strVal val="visible"/>
+                                      </p:to>
+                                    </p:set>
+                                  </p:childTnLst>
+                                </p:cTn>
+                              </p:par>
+                              <p:par>
+                                <p:cTn id="13" presetID="1" presetClass="entr" presetSubtype="0" fill="hold" grpId="0" nodeType="withEffect">
+                                  <p:stCondLst>
+                                    <p:cond delay="0"/>
+                                  </p:stCondLst>
+                                  <p:childTnLst>
+                                    <p:set>
+                                      <p:cBhvr>
+                                        <p:cTn id="14" dur="1" fill="hold">
+                                          <p:stCondLst>
+                                            <p:cond delay="0"/>
+                                          </p:stCondLst>
+                                        </p:cTn>
+                                        <p:tgtEl>
+                                          <p:spTgt spid="30"/>
+                                        </p:tgtEl>
+                                        <p:attrNameLst>
+                                          <p:attrName>style.visibility</p:attrName>
+                                        </p:attrNameLst>
+                                      </p:cBhvr>
+                                      <p:to>
+                                        <p:strVal val="visible"/>
+                                      </p:to>
+                                    </p:set>
+                                  </p:childTnLst>
+                                </p:cTn>
+                              </p:par>
+                              <p:par>
+                                <p:cTn id="15" presetID="1" presetClass="entr" presetSubtype="0" fill="hold" nodeType="withEffect">
+                                  <p:stCondLst>
+                                    <p:cond delay="0"/>
+                                  </p:stCondLst>
+                                  <p:childTnLst>
+                                    <p:set>
+                                      <p:cBhvr>
+                                        <p:cTn id="16" dur="1" fill="hold">
+                                          <p:stCondLst>
+                                            <p:cond delay="0"/>
+                                          </p:stCondLst>
+                                        </p:cTn>
+                                        <p:tgtEl>
+                                          <p:spTgt spid="20"/>
+                                        </p:tgtEl>
+                                        <p:attrNameLst>
+                                          <p:attrName>style.visibility</p:attrName>
+                                        </p:attrNameLst>
+                                      </p:cBhvr>
+                                      <p:to>
+                                        <p:strVal val="visible"/>
+                                      </p:to>
+                                    </p:set>
+                                  </p:childTnLst>
+                                </p:cTn>
+                              </p:par>
+                              <p:par>
+                                <p:cTn id="17" presetID="1" presetClass="entr" presetSubtype="0" fill="hold" grpId="0" nodeType="withEffect">
+                                  <p:stCondLst>
+                                    <p:cond delay="0"/>
+                                  </p:stCondLst>
+                                  <p:childTnLst>
+                                    <p:set>
+                                      <p:cBhvr>
+                                        <p:cTn id="18" dur="1" fill="hold">
+                                          <p:stCondLst>
+                                            <p:cond delay="0"/>
+                                          </p:stCondLst>
+                                        </p:cTn>
+                                        <p:tgtEl>
+                                          <p:spTgt spid="31"/>
+                                        </p:tgtEl>
+                                        <p:attrNameLst>
+                                          <p:attrName>style.visibility</p:attrName>
+                                        </p:attrNameLst>
+                                      </p:cBhvr>
+                                      <p:to>
+                                        <p:strVal val="visible"/>
+                                      </p:to>
+                                    </p:set>
+                                  </p:childTnLst>
+                                </p:cTn>
+                              </p:par>
+                            </p:childTnLst>
+                          </p:cTn>
+                        </p:par>
+                      </p:childTnLst>
+                    </p:cTn>
+                  </p:par>
+                </p:childTnLst>
+              </p:cTn>
+              <p:prevCondLst>
+                <p:cond evt="onPrev" delay="0">
+                  <p:tgtEl>
+                    <p:sldTgt/>
+                  </p:tgtEl>
+                </p:cond>
+              </p:prevCondLst>
+              <p:nextCondLst>
+                <p:cond evt="onNext" delay="0">
+                  <p:tgtEl>
+                    <p:sldTgt/>
+                  </p:tgtEl>
+                </p:cond>
+              </p:nextCondLst>
+            </p:seq>
+          </p:childTnLst>
+        </p:cTn>
+      </p:par>
+    </p:tnLst>
+    <p:bldLst>
+      <p:bldP spid="17" grpId="0"/>
+      <p:bldP spid="30" grpId="0"/>
+      <p:bldP spid="31" grpId="0"/>
+    </p:bldLst>
+  </p:timing>
 </p:sld>
 </file>
 
 <file path=ppt/slides/slide3.xml><?xml version="1.0" encoding="utf-8"?>
 <p:sld xmlns:a="http://schemas.openxmlformats.org/drawingml/2006/main" xmlns:r="http://schemas.openxmlformats.org/officeDocument/2006/relationships" xmlns:p="http://schemas.openxmlformats.org/presentationml/2006/main">
   <p:cSld>
+    <p:bg>
+      <p:bgPr>
+        <a:solidFill>
+          <a:schemeClr val="bg1"/>
+        </a:solidFill>
+        <a:effectLst/>
+      </p:bgPr>
+    </p:bg>
     <p:spTree>
       <p:nvGrpSpPr>
         <p:cNvPr id="1" name=""/>
@@ -4146,7 +5955,7 @@
           <p:cNvPr id="2" name="Titre 1">
             <a:extLst>
               <a:ext uri="{FF2B5EF4-FFF2-40B4-BE49-F238E27FC236}">
-                <a16:creationId xmlns:a16="http://schemas.microsoft.com/office/drawing/2014/main" id="{3DD73CB4-C155-47E6-B0B0-C1096B56C54D}"/>
+                <a16:creationId xmlns:a16="http://schemas.microsoft.com/office/drawing/2014/main" id="{AD0BA4F5-3203-48B0-8F3E-6B0731BA67BC}"/>
               </a:ext>
             </a:extLst>
           </p:cNvPr>
@@ -4164,25 +5973,25 @@
           <a:p>
             <a:r>
               <a:rPr lang="fr-CH" dirty="0"/>
-              <a:t>Problème</a:t>
-            </a:r>
-          </a:p>
-        </p:txBody>
-      </p:sp>
-      <p:sp>
-        <p:nvSpPr>
-          <p:cNvPr id="3" name="Espace réservé du contenu 2">
-            <a:extLst>
-              <a:ext uri="{FF2B5EF4-FFF2-40B4-BE49-F238E27FC236}">
-                <a16:creationId xmlns:a16="http://schemas.microsoft.com/office/drawing/2014/main" id="{8F058F29-AE4B-4789-A31B-BCDCC3C031F4}"/>
-              </a:ext>
-            </a:extLst>
-          </p:cNvPr>
-          <p:cNvSpPr>
-            <a:spLocks noGrp="1"/>
-          </p:cNvSpPr>
-          <p:nvPr>
-            <p:ph idx="1"/>
+              <a:t>Solution</a:t>
+            </a:r>
+          </a:p>
+        </p:txBody>
+      </p:sp>
+      <p:sp>
+        <p:nvSpPr>
+          <p:cNvPr id="4" name="Espace réservé du numéro de diapositive 3">
+            <a:extLst>
+              <a:ext uri="{FF2B5EF4-FFF2-40B4-BE49-F238E27FC236}">
+                <a16:creationId xmlns:a16="http://schemas.microsoft.com/office/drawing/2014/main" id="{B5BDC0A9-22AA-4DF2-BC61-BF74B10F8373}"/>
+              </a:ext>
+            </a:extLst>
+          </p:cNvPr>
+          <p:cNvSpPr>
+            <a:spLocks noGrp="1"/>
+          </p:cNvSpPr>
+          <p:nvPr>
+            <p:ph type="sldNum" sz="quarter" idx="12"/>
           </p:nvPr>
         </p:nvSpPr>
         <p:spPr/>
@@ -4190,44 +5999,733 @@
           <a:bodyPr/>
           <a:lstStyle/>
           <a:p>
+            <a:fld id="{FAEAF821-8BBB-4B5F-AB25-F4FE9450ED6D}" type="slidenum">
+              <a:rPr lang="fr-CH" smtClean="0"/>
+              <a:t>3</a:t>
+            </a:fld>
+            <a:endParaRPr lang="fr-CH"/>
+          </a:p>
+        </p:txBody>
+      </p:sp>
+      <p:pic>
+        <p:nvPicPr>
+          <p:cNvPr id="6" name="Image 5">
+            <a:extLst>
+              <a:ext uri="{FF2B5EF4-FFF2-40B4-BE49-F238E27FC236}">
+                <a16:creationId xmlns:a16="http://schemas.microsoft.com/office/drawing/2014/main" id="{F7451E89-0A86-47A0-99E6-2ED0ECE521A3}"/>
+              </a:ext>
+            </a:extLst>
+          </p:cNvPr>
+          <p:cNvPicPr>
+            <a:picLocks noChangeAspect="1"/>
+          </p:cNvPicPr>
+          <p:nvPr/>
+        </p:nvPicPr>
+        <p:blipFill>
+          <a:blip r:embed="rId3">
+            <a:extLst>
+              <a:ext uri="{28A0092B-C50C-407E-A947-70E740481C1C}">
+                <a14:useLocalDpi xmlns:a14="http://schemas.microsoft.com/office/drawing/2010/main" val="0"/>
+              </a:ext>
+            </a:extLst>
+          </a:blip>
+          <a:stretch>
+            <a:fillRect/>
+          </a:stretch>
+        </p:blipFill>
+        <p:spPr>
+          <a:xfrm>
+            <a:off x="1815225" y="1279812"/>
+            <a:ext cx="1325022" cy="1325022"/>
+          </a:xfrm>
+          <a:prstGeom prst="rect">
+            <a:avLst/>
+          </a:prstGeom>
+        </p:spPr>
+      </p:pic>
+      <p:pic>
+        <p:nvPicPr>
+          <p:cNvPr id="5" name="Image 4">
+            <a:extLst>
+              <a:ext uri="{FF2B5EF4-FFF2-40B4-BE49-F238E27FC236}">
+                <a16:creationId xmlns:a16="http://schemas.microsoft.com/office/drawing/2014/main" id="{1604FBF4-6711-4282-9903-1CA816CEAEFB}"/>
+              </a:ext>
+            </a:extLst>
+          </p:cNvPr>
+          <p:cNvPicPr>
+            <a:picLocks noChangeAspect="1"/>
+          </p:cNvPicPr>
+          <p:nvPr/>
+        </p:nvPicPr>
+        <p:blipFill>
+          <a:blip r:embed="rId4">
+            <a:extLst>
+              <a:ext uri="{28A0092B-C50C-407E-A947-70E740481C1C}">
+                <a14:useLocalDpi xmlns:a14="http://schemas.microsoft.com/office/drawing/2010/main" val="0"/>
+              </a:ext>
+            </a:extLst>
+          </a:blip>
+          <a:stretch>
+            <a:fillRect/>
+          </a:stretch>
+        </p:blipFill>
+        <p:spPr>
+          <a:xfrm>
+            <a:off x="2976744" y="1944253"/>
+            <a:ext cx="696876" cy="696876"/>
+          </a:xfrm>
+          <a:prstGeom prst="rect">
+            <a:avLst/>
+          </a:prstGeom>
+        </p:spPr>
+      </p:pic>
+      <p:pic>
+        <p:nvPicPr>
+          <p:cNvPr id="8" name="Image 7">
+            <a:extLst>
+              <a:ext uri="{FF2B5EF4-FFF2-40B4-BE49-F238E27FC236}">
+                <a16:creationId xmlns:a16="http://schemas.microsoft.com/office/drawing/2014/main" id="{F27F33C8-E5FF-4DAD-96F1-DB8FC844C459}"/>
+              </a:ext>
+            </a:extLst>
+          </p:cNvPr>
+          <p:cNvPicPr>
+            <a:picLocks noChangeAspect="1"/>
+          </p:cNvPicPr>
+          <p:nvPr/>
+        </p:nvPicPr>
+        <p:blipFill>
+          <a:blip r:embed="rId5">
+            <a:extLst>
+              <a:ext uri="{28A0092B-C50C-407E-A947-70E740481C1C}">
+                <a14:useLocalDpi xmlns:a14="http://schemas.microsoft.com/office/drawing/2010/main" val="0"/>
+              </a:ext>
+            </a:extLst>
+          </a:blip>
+          <a:stretch>
+            <a:fillRect/>
+          </a:stretch>
+        </p:blipFill>
+        <p:spPr>
+          <a:xfrm>
+            <a:off x="6822841" y="4620071"/>
+            <a:ext cx="495369" cy="495369"/>
+          </a:xfrm>
+          <a:prstGeom prst="rect">
+            <a:avLst/>
+          </a:prstGeom>
+        </p:spPr>
+      </p:pic>
+      <p:pic>
+        <p:nvPicPr>
+          <p:cNvPr id="10" name="Image 9">
+            <a:extLst>
+              <a:ext uri="{FF2B5EF4-FFF2-40B4-BE49-F238E27FC236}">
+                <a16:creationId xmlns:a16="http://schemas.microsoft.com/office/drawing/2014/main" id="{AB3F5BC5-0F64-4826-BCE6-F41D2CD8FE8D}"/>
+              </a:ext>
+            </a:extLst>
+          </p:cNvPr>
+          <p:cNvPicPr>
+            <a:picLocks noChangeAspect="1"/>
+          </p:cNvPicPr>
+          <p:nvPr/>
+        </p:nvPicPr>
+        <p:blipFill>
+          <a:blip r:embed="rId6">
+            <a:extLst>
+              <a:ext uri="{28A0092B-C50C-407E-A947-70E740481C1C}">
+                <a14:useLocalDpi xmlns:a14="http://schemas.microsoft.com/office/drawing/2010/main" val="0"/>
+              </a:ext>
+            </a:extLst>
+          </a:blip>
+          <a:stretch>
+            <a:fillRect/>
+          </a:stretch>
+        </p:blipFill>
+        <p:spPr>
+          <a:xfrm>
+            <a:off x="7346744" y="4410492"/>
+            <a:ext cx="914529" cy="914529"/>
+          </a:xfrm>
+          <a:prstGeom prst="rect">
+            <a:avLst/>
+          </a:prstGeom>
+        </p:spPr>
+      </p:pic>
+      <p:pic>
+        <p:nvPicPr>
+          <p:cNvPr id="12" name="Image 11">
+            <a:extLst>
+              <a:ext uri="{FF2B5EF4-FFF2-40B4-BE49-F238E27FC236}">
+                <a16:creationId xmlns:a16="http://schemas.microsoft.com/office/drawing/2014/main" id="{71B6F62D-0F0B-4BE3-8738-5B641B81F9E0}"/>
+              </a:ext>
+            </a:extLst>
+          </p:cNvPr>
+          <p:cNvPicPr>
+            <a:picLocks noChangeAspect="1"/>
+          </p:cNvPicPr>
+          <p:nvPr/>
+        </p:nvPicPr>
+        <p:blipFill>
+          <a:blip r:embed="rId7">
+            <a:extLst>
+              <a:ext uri="{28A0092B-C50C-407E-A947-70E740481C1C}">
+                <a14:useLocalDpi xmlns:a14="http://schemas.microsoft.com/office/drawing/2010/main" val="0"/>
+              </a:ext>
+            </a:extLst>
+          </a:blip>
+          <a:stretch>
+            <a:fillRect/>
+          </a:stretch>
+        </p:blipFill>
+        <p:spPr>
+          <a:xfrm>
+            <a:off x="5051478" y="4425836"/>
+            <a:ext cx="841632" cy="841632"/>
+          </a:xfrm>
+          <a:prstGeom prst="rect">
+            <a:avLst/>
+          </a:prstGeom>
+        </p:spPr>
+      </p:pic>
+      <p:pic>
+        <p:nvPicPr>
+          <p:cNvPr id="14" name="Image 13">
+            <a:extLst>
+              <a:ext uri="{FF2B5EF4-FFF2-40B4-BE49-F238E27FC236}">
+                <a16:creationId xmlns:a16="http://schemas.microsoft.com/office/drawing/2014/main" id="{1C833726-C460-4BDA-A284-340D0EE44D7C}"/>
+              </a:ext>
+            </a:extLst>
+          </p:cNvPr>
+          <p:cNvPicPr>
+            <a:picLocks noChangeAspect="1"/>
+          </p:cNvPicPr>
+          <p:nvPr/>
+        </p:nvPicPr>
+        <p:blipFill>
+          <a:blip r:embed="rId8">
+            <a:extLst>
+              <a:ext uri="{28A0092B-C50C-407E-A947-70E740481C1C}">
+                <a14:useLocalDpi xmlns:a14="http://schemas.microsoft.com/office/drawing/2010/main" val="0"/>
+              </a:ext>
+            </a:extLst>
+          </a:blip>
+          <a:stretch>
+            <a:fillRect/>
+          </a:stretch>
+        </p:blipFill>
+        <p:spPr>
+          <a:xfrm>
+            <a:off x="3571746" y="4345128"/>
+            <a:ext cx="922340" cy="922340"/>
+          </a:xfrm>
+          <a:prstGeom prst="rect">
+            <a:avLst/>
+          </a:prstGeom>
+        </p:spPr>
+      </p:pic>
+      <p:pic>
+        <p:nvPicPr>
+          <p:cNvPr id="16" name="Image 15">
+            <a:extLst>
+              <a:ext uri="{FF2B5EF4-FFF2-40B4-BE49-F238E27FC236}">
+                <a16:creationId xmlns:a16="http://schemas.microsoft.com/office/drawing/2014/main" id="{43FB3433-6DDB-4720-B6D1-01968683A7E5}"/>
+              </a:ext>
+            </a:extLst>
+          </p:cNvPr>
+          <p:cNvPicPr>
+            <a:picLocks noChangeAspect="1"/>
+          </p:cNvPicPr>
+          <p:nvPr/>
+        </p:nvPicPr>
+        <p:blipFill>
+          <a:blip r:embed="rId9">
+            <a:extLst>
+              <a:ext uri="{28A0092B-C50C-407E-A947-70E740481C1C}">
+                <a14:useLocalDpi xmlns:a14="http://schemas.microsoft.com/office/drawing/2010/main" val="0"/>
+              </a:ext>
+            </a:extLst>
+          </a:blip>
+          <a:stretch>
+            <a:fillRect/>
+          </a:stretch>
+        </p:blipFill>
+        <p:spPr>
+          <a:xfrm>
+            <a:off x="4698081" y="1279812"/>
+            <a:ext cx="1325022" cy="1325022"/>
+          </a:xfrm>
+          <a:prstGeom prst="rect">
+            <a:avLst/>
+          </a:prstGeom>
+        </p:spPr>
+      </p:pic>
+      <p:pic>
+        <p:nvPicPr>
+          <p:cNvPr id="18" name="Image 17">
+            <a:extLst>
+              <a:ext uri="{FF2B5EF4-FFF2-40B4-BE49-F238E27FC236}">
+                <a16:creationId xmlns:a16="http://schemas.microsoft.com/office/drawing/2014/main" id="{2B59AEF3-84A8-4AF3-90CF-08D7BBF4C8D1}"/>
+              </a:ext>
+            </a:extLst>
+          </p:cNvPr>
+          <p:cNvPicPr>
+            <a:picLocks noChangeAspect="1"/>
+          </p:cNvPicPr>
+          <p:nvPr/>
+        </p:nvPicPr>
+        <p:blipFill>
+          <a:blip r:embed="rId10">
+            <a:extLst>
+              <a:ext uri="{28A0092B-C50C-407E-A947-70E740481C1C}">
+                <a14:useLocalDpi xmlns:a14="http://schemas.microsoft.com/office/drawing/2010/main" val="0"/>
+              </a:ext>
+            </a:extLst>
+          </a:blip>
+          <a:stretch>
+            <a:fillRect/>
+          </a:stretch>
+        </p:blipFill>
+        <p:spPr>
+          <a:xfrm>
+            <a:off x="7070526" y="1299130"/>
+            <a:ext cx="1247256" cy="1247256"/>
+          </a:xfrm>
+          <a:prstGeom prst="rect">
+            <a:avLst/>
+          </a:prstGeom>
+        </p:spPr>
+      </p:pic>
+      <p:pic>
+        <p:nvPicPr>
+          <p:cNvPr id="20" name="Image 19">
+            <a:extLst>
+              <a:ext uri="{FF2B5EF4-FFF2-40B4-BE49-F238E27FC236}">
+                <a16:creationId xmlns:a16="http://schemas.microsoft.com/office/drawing/2014/main" id="{4E5159AE-C269-4014-8596-925F3141BEF0}"/>
+              </a:ext>
+            </a:extLst>
+          </p:cNvPr>
+          <p:cNvPicPr>
+            <a:picLocks noChangeAspect="1"/>
+          </p:cNvPicPr>
+          <p:nvPr/>
+        </p:nvPicPr>
+        <p:blipFill>
+          <a:blip r:embed="rId11">
+            <a:extLst>
+              <a:ext uri="{28A0092B-C50C-407E-A947-70E740481C1C}">
+                <a14:useLocalDpi xmlns:a14="http://schemas.microsoft.com/office/drawing/2010/main" val="0"/>
+              </a:ext>
+            </a:extLst>
+          </a:blip>
+          <a:stretch>
+            <a:fillRect/>
+          </a:stretch>
+        </p:blipFill>
+        <p:spPr>
+          <a:xfrm>
+            <a:off x="9086916" y="1423369"/>
+            <a:ext cx="1041768" cy="1041768"/>
+          </a:xfrm>
+          <a:prstGeom prst="rect">
+            <a:avLst/>
+          </a:prstGeom>
+        </p:spPr>
+      </p:pic>
+      <p:sp>
+        <p:nvSpPr>
+          <p:cNvPr id="21" name="ZoneTexte 20">
+            <a:extLst>
+              <a:ext uri="{FF2B5EF4-FFF2-40B4-BE49-F238E27FC236}">
+                <a16:creationId xmlns:a16="http://schemas.microsoft.com/office/drawing/2014/main" id="{86EAF51E-111B-496E-8221-C486B82639A1}"/>
+              </a:ext>
+            </a:extLst>
+          </p:cNvPr>
+          <p:cNvSpPr txBox="1"/>
+          <p:nvPr/>
+        </p:nvSpPr>
+        <p:spPr>
+          <a:xfrm>
+            <a:off x="1674688" y="2958957"/>
+            <a:ext cx="1897058" cy="369332"/>
+          </a:xfrm>
+          <a:prstGeom prst="rect">
+            <a:avLst/>
+          </a:prstGeom>
+          <a:noFill/>
+        </p:spPr>
+        <p:txBody>
+          <a:bodyPr wrap="none" rtlCol="0">
+            <a:spAutoFit/>
+          </a:bodyPr>
+          <a:lstStyle/>
+          <a:p>
             <a:r>
               <a:rPr lang="fr-CH" dirty="0"/>
-              <a:t>Difficulté trouver article spécifique à l’Université à de bas prix</a:t>
-            </a:r>
-          </a:p>
+              <a:t>Objets spécifiques</a:t>
+            </a:r>
+          </a:p>
+        </p:txBody>
+      </p:sp>
+      <p:sp>
+        <p:nvSpPr>
+          <p:cNvPr id="22" name="ZoneTexte 21">
+            <a:extLst>
+              <a:ext uri="{FF2B5EF4-FFF2-40B4-BE49-F238E27FC236}">
+                <a16:creationId xmlns:a16="http://schemas.microsoft.com/office/drawing/2014/main" id="{77518552-E145-42F8-B624-E35FF23AA2BF}"/>
+              </a:ext>
+            </a:extLst>
+          </p:cNvPr>
+          <p:cNvSpPr txBox="1"/>
+          <p:nvPr/>
+        </p:nvSpPr>
+        <p:spPr>
+          <a:xfrm>
+            <a:off x="4818930" y="2958957"/>
+            <a:ext cx="1020087" cy="369332"/>
+          </a:xfrm>
+          <a:prstGeom prst="rect">
+            <a:avLst/>
+          </a:prstGeom>
+          <a:noFill/>
+        </p:spPr>
+        <p:txBody>
+          <a:bodyPr wrap="none" rtlCol="0">
+            <a:spAutoFit/>
+          </a:bodyPr>
+          <a:lstStyle/>
           <a:p>
             <a:r>
               <a:rPr lang="fr-CH" dirty="0"/>
-              <a:t>peu de confiance</a:t>
-            </a:r>
-          </a:p>
-          <a:p>
-            <a:endParaRPr lang="fr-CH" dirty="0"/>
-          </a:p>
-          <a:p>
-            <a:pPr marL="0" indent="0">
-              <a:buNone/>
-            </a:pPr>
-            <a:endParaRPr lang="fr-CH" dirty="0"/>
+              <a:t>Site Web</a:t>
+            </a:r>
+          </a:p>
+        </p:txBody>
+      </p:sp>
+      <p:sp>
+        <p:nvSpPr>
+          <p:cNvPr id="23" name="ZoneTexte 22">
+            <a:extLst>
+              <a:ext uri="{FF2B5EF4-FFF2-40B4-BE49-F238E27FC236}">
+                <a16:creationId xmlns:a16="http://schemas.microsoft.com/office/drawing/2014/main" id="{DC8D99E1-A5B8-4149-8210-173F19D0A1B0}"/>
+              </a:ext>
+            </a:extLst>
+          </p:cNvPr>
+          <p:cNvSpPr txBox="1"/>
+          <p:nvPr/>
+        </p:nvSpPr>
+        <p:spPr>
+          <a:xfrm>
+            <a:off x="6915687" y="2944467"/>
+            <a:ext cx="1704569" cy="369332"/>
+          </a:xfrm>
+          <a:prstGeom prst="rect">
+            <a:avLst/>
+          </a:prstGeom>
+          <a:noFill/>
+        </p:spPr>
+        <p:txBody>
+          <a:bodyPr wrap="none" rtlCol="0">
+            <a:spAutoFit/>
+          </a:bodyPr>
+          <a:lstStyle/>
+          <a:p>
+            <a:r>
+              <a:rPr lang="fr-CH" dirty="0"/>
+              <a:t>Authentification</a:t>
+            </a:r>
+          </a:p>
+        </p:txBody>
+      </p:sp>
+      <p:sp>
+        <p:nvSpPr>
+          <p:cNvPr id="24" name="ZoneTexte 23">
+            <a:extLst>
+              <a:ext uri="{FF2B5EF4-FFF2-40B4-BE49-F238E27FC236}">
+                <a16:creationId xmlns:a16="http://schemas.microsoft.com/office/drawing/2014/main" id="{8DD27796-CB3D-40B3-ABC3-C7A4C5221666}"/>
+              </a:ext>
+            </a:extLst>
+          </p:cNvPr>
+          <p:cNvSpPr txBox="1"/>
+          <p:nvPr/>
+        </p:nvSpPr>
+        <p:spPr>
+          <a:xfrm>
+            <a:off x="8620256" y="2911247"/>
+            <a:ext cx="1997791" cy="369332"/>
+          </a:xfrm>
+          <a:prstGeom prst="rect">
+            <a:avLst/>
+          </a:prstGeom>
+          <a:noFill/>
+        </p:spPr>
+        <p:txBody>
+          <a:bodyPr wrap="none" rtlCol="0">
+            <a:spAutoFit/>
+          </a:bodyPr>
+          <a:lstStyle/>
+          <a:p>
+            <a:r>
+              <a:rPr lang="fr-CH" dirty="0"/>
+              <a:t>Facilité d’utilisation</a:t>
+            </a:r>
           </a:p>
         </p:txBody>
       </p:sp>
     </p:spTree>
     <p:extLst>
       <p:ext uri="{BB962C8B-B14F-4D97-AF65-F5344CB8AC3E}">
-        <p14:creationId xmlns:p14="http://schemas.microsoft.com/office/powerpoint/2010/main" val="2545150241"/>
+        <p14:creationId xmlns:p14="http://schemas.microsoft.com/office/powerpoint/2010/main" val="1366793177"/>
       </p:ext>
     </p:extLst>
   </p:cSld>
   <p:clrMapOvr>
     <a:masterClrMapping/>
   </p:clrMapOvr>
+  <p:timing>
+    <p:tnLst>
+      <p:par>
+        <p:cTn id="1" dur="indefinite" restart="never" nodeType="tmRoot">
+          <p:childTnLst>
+            <p:seq concurrent="1" nextAc="seek">
+              <p:cTn id="2" dur="indefinite" nodeType="mainSeq">
+                <p:childTnLst>
+                  <p:par>
+                    <p:cTn id="3" fill="hold">
+                      <p:stCondLst>
+                        <p:cond delay="indefinite"/>
+                        <p:cond evt="onBegin" delay="0">
+                          <p:tn val="2"/>
+                        </p:cond>
+                      </p:stCondLst>
+                      <p:childTnLst>
+                        <p:par>
+                          <p:cTn id="4" fill="hold">
+                            <p:stCondLst>
+                              <p:cond delay="0"/>
+                            </p:stCondLst>
+                            <p:childTnLst>
+                              <p:par>
+                                <p:cTn id="5" presetID="1" presetClass="entr" presetSubtype="0" fill="hold" nodeType="withEffect">
+                                  <p:stCondLst>
+                                    <p:cond delay="0"/>
+                                  </p:stCondLst>
+                                  <p:childTnLst>
+                                    <p:set>
+                                      <p:cBhvr>
+                                        <p:cTn id="6" dur="1" fill="hold">
+                                          <p:stCondLst>
+                                            <p:cond delay="0"/>
+                                          </p:stCondLst>
+                                        </p:cTn>
+                                        <p:tgtEl>
+                                          <p:spTgt spid="5"/>
+                                        </p:tgtEl>
+                                        <p:attrNameLst>
+                                          <p:attrName>style.visibility</p:attrName>
+                                        </p:attrNameLst>
+                                      </p:cBhvr>
+                                      <p:to>
+                                        <p:strVal val="visible"/>
+                                      </p:to>
+                                    </p:set>
+                                  </p:childTnLst>
+                                </p:cTn>
+                              </p:par>
+                              <p:par>
+                                <p:cTn id="7" presetID="1" presetClass="entr" presetSubtype="0" fill="hold" nodeType="withEffect">
+                                  <p:stCondLst>
+                                    <p:cond delay="0"/>
+                                  </p:stCondLst>
+                                  <p:childTnLst>
+                                    <p:set>
+                                      <p:cBhvr>
+                                        <p:cTn id="8" dur="1" fill="hold">
+                                          <p:stCondLst>
+                                            <p:cond delay="0"/>
+                                          </p:stCondLst>
+                                        </p:cTn>
+                                        <p:tgtEl>
+                                          <p:spTgt spid="6"/>
+                                        </p:tgtEl>
+                                        <p:attrNameLst>
+                                          <p:attrName>style.visibility</p:attrName>
+                                        </p:attrNameLst>
+                                      </p:cBhvr>
+                                      <p:to>
+                                        <p:strVal val="visible"/>
+                                      </p:to>
+                                    </p:set>
+                                  </p:childTnLst>
+                                </p:cTn>
+                              </p:par>
+                            </p:childTnLst>
+                          </p:cTn>
+                        </p:par>
+                      </p:childTnLst>
+                    </p:cTn>
+                  </p:par>
+                  <p:par>
+                    <p:cTn id="9" fill="hold">
+                      <p:stCondLst>
+                        <p:cond delay="indefinite"/>
+                      </p:stCondLst>
+                      <p:childTnLst>
+                        <p:par>
+                          <p:cTn id="10" fill="hold">
+                            <p:stCondLst>
+                              <p:cond delay="0"/>
+                            </p:stCondLst>
+                            <p:childTnLst>
+                              <p:par>
+                                <p:cTn id="11" presetID="1" presetClass="entr" presetSubtype="0" fill="hold" nodeType="clickEffect">
+                                  <p:stCondLst>
+                                    <p:cond delay="0"/>
+                                  </p:stCondLst>
+                                  <p:childTnLst>
+                                    <p:set>
+                                      <p:cBhvr>
+                                        <p:cTn id="12" dur="1" fill="hold">
+                                          <p:stCondLst>
+                                            <p:cond delay="0"/>
+                                          </p:stCondLst>
+                                        </p:cTn>
+                                        <p:tgtEl>
+                                          <p:spTgt spid="8"/>
+                                        </p:tgtEl>
+                                        <p:attrNameLst>
+                                          <p:attrName>style.visibility</p:attrName>
+                                        </p:attrNameLst>
+                                      </p:cBhvr>
+                                      <p:to>
+                                        <p:strVal val="visible"/>
+                                      </p:to>
+                                    </p:set>
+                                  </p:childTnLst>
+                                </p:cTn>
+                              </p:par>
+                              <p:par>
+                                <p:cTn id="13" presetID="1" presetClass="entr" presetSubtype="0" fill="hold" nodeType="withEffect">
+                                  <p:stCondLst>
+                                    <p:cond delay="0"/>
+                                  </p:stCondLst>
+                                  <p:childTnLst>
+                                    <p:set>
+                                      <p:cBhvr>
+                                        <p:cTn id="14" dur="1" fill="hold">
+                                          <p:stCondLst>
+                                            <p:cond delay="0"/>
+                                          </p:stCondLst>
+                                        </p:cTn>
+                                        <p:tgtEl>
+                                          <p:spTgt spid="10"/>
+                                        </p:tgtEl>
+                                        <p:attrNameLst>
+                                          <p:attrName>style.visibility</p:attrName>
+                                        </p:attrNameLst>
+                                      </p:cBhvr>
+                                      <p:to>
+                                        <p:strVal val="visible"/>
+                                      </p:to>
+                                    </p:set>
+                                  </p:childTnLst>
+                                </p:cTn>
+                              </p:par>
+                              <p:par>
+                                <p:cTn id="15" presetID="1" presetClass="entr" presetSubtype="0" fill="hold" nodeType="withEffect">
+                                  <p:stCondLst>
+                                    <p:cond delay="0"/>
+                                  </p:stCondLst>
+                                  <p:childTnLst>
+                                    <p:set>
+                                      <p:cBhvr>
+                                        <p:cTn id="16" dur="1" fill="hold">
+                                          <p:stCondLst>
+                                            <p:cond delay="0"/>
+                                          </p:stCondLst>
+                                        </p:cTn>
+                                        <p:tgtEl>
+                                          <p:spTgt spid="12"/>
+                                        </p:tgtEl>
+                                        <p:attrNameLst>
+                                          <p:attrName>style.visibility</p:attrName>
+                                        </p:attrNameLst>
+                                      </p:cBhvr>
+                                      <p:to>
+                                        <p:strVal val="visible"/>
+                                      </p:to>
+                                    </p:set>
+                                  </p:childTnLst>
+                                </p:cTn>
+                              </p:par>
+                              <p:par>
+                                <p:cTn id="17" presetID="1" presetClass="entr" presetSubtype="0" fill="hold" nodeType="withEffect">
+                                  <p:stCondLst>
+                                    <p:cond delay="0"/>
+                                  </p:stCondLst>
+                                  <p:childTnLst>
+                                    <p:set>
+                                      <p:cBhvr>
+                                        <p:cTn id="18" dur="1" fill="hold">
+                                          <p:stCondLst>
+                                            <p:cond delay="0"/>
+                                          </p:stCondLst>
+                                        </p:cTn>
+                                        <p:tgtEl>
+                                          <p:spTgt spid="14"/>
+                                        </p:tgtEl>
+                                        <p:attrNameLst>
+                                          <p:attrName>style.visibility</p:attrName>
+                                        </p:attrNameLst>
+                                      </p:cBhvr>
+                                      <p:to>
+                                        <p:strVal val="visible"/>
+                                      </p:to>
+                                    </p:set>
+                                  </p:childTnLst>
+                                </p:cTn>
+                              </p:par>
+                            </p:childTnLst>
+                          </p:cTn>
+                        </p:par>
+                      </p:childTnLst>
+                    </p:cTn>
+                  </p:par>
+                </p:childTnLst>
+              </p:cTn>
+              <p:prevCondLst>
+                <p:cond evt="onPrev" delay="0">
+                  <p:tgtEl>
+                    <p:sldTgt/>
+                  </p:tgtEl>
+                </p:cond>
+              </p:prevCondLst>
+              <p:nextCondLst>
+                <p:cond evt="onNext" delay="0">
+                  <p:tgtEl>
+                    <p:sldTgt/>
+                  </p:tgtEl>
+                </p:cond>
+              </p:nextCondLst>
+            </p:seq>
+          </p:childTnLst>
+        </p:cTn>
+      </p:par>
+    </p:tnLst>
+  </p:timing>
 </p:sld>
 </file>
 
 <file path=ppt/slides/slide4.xml><?xml version="1.0" encoding="utf-8"?>
 <p:sld xmlns:a="http://schemas.openxmlformats.org/drawingml/2006/main" xmlns:r="http://schemas.openxmlformats.org/officeDocument/2006/relationships" xmlns:p="http://schemas.openxmlformats.org/presentationml/2006/main">
   <p:cSld>
+    <p:bg>
+      <p:bgPr>
+        <a:solidFill>
+          <a:schemeClr val="bg1"/>
+        </a:solidFill>
+        <a:effectLst/>
+      </p:bgPr>
+    </p:bg>
     <p:spTree>
       <p:nvGrpSpPr>
         <p:cNvPr id="1" name=""/>
@@ -4247,7 +6745,7 @@
           <p:cNvPr id="2" name="Titre 1">
             <a:extLst>
               <a:ext uri="{FF2B5EF4-FFF2-40B4-BE49-F238E27FC236}">
-                <a16:creationId xmlns:a16="http://schemas.microsoft.com/office/drawing/2014/main" id="{AD0BA4F5-3203-48B0-8F3E-6B0731BA67BC}"/>
+                <a16:creationId xmlns:a16="http://schemas.microsoft.com/office/drawing/2014/main" id="{3726C0B2-EDC2-45E4-B360-4F5DC122E5F5}"/>
               </a:ext>
             </a:extLst>
           </p:cNvPr>
@@ -4265,7 +6763,7 @@
           <a:p>
             <a:r>
               <a:rPr lang="fr-CH" dirty="0"/>
-              <a:t>Solution</a:t>
+              <a:t>Présentation de notre produit</a:t>
             </a:r>
           </a:p>
         </p:txBody>
@@ -4275,7 +6773,7 @@
           <p:cNvPr id="3" name="Espace réservé du contenu 2">
             <a:extLst>
               <a:ext uri="{FF2B5EF4-FFF2-40B4-BE49-F238E27FC236}">
-                <a16:creationId xmlns:a16="http://schemas.microsoft.com/office/drawing/2014/main" id="{B1BF7B94-D8C2-435B-80C5-D5C2923B2E0E}"/>
+                <a16:creationId xmlns:a16="http://schemas.microsoft.com/office/drawing/2014/main" id="{2873021F-979B-4854-A747-FE7AAAEE36E4}"/>
               </a:ext>
             </a:extLst>
           </p:cNvPr>
@@ -4291,65 +6789,74 @@
           <a:bodyPr/>
           <a:lstStyle/>
           <a:p>
-            <a:pPr marL="0" indent="0">
-              <a:buNone/>
-            </a:pPr>
+            <a:r>
+              <a:rPr lang="fr-CH" dirty="0" err="1"/>
+              <a:t>Mockup</a:t>
+            </a:r>
+            <a:endParaRPr lang="fr-CH" dirty="0"/>
+          </a:p>
+          <a:p>
             <a:r>
               <a:rPr lang="fr-CH" dirty="0"/>
-              <a:t>Création plateforme de vente en ligne entre membre Université</a:t>
-            </a:r>
-          </a:p>
-          <a:p>
-            <a:pPr marL="0" indent="0">
-              <a:buNone/>
-            </a:pPr>
+              <a:t>Comment vente achat</a:t>
+            </a:r>
+          </a:p>
+          <a:p>
             <a:r>
               <a:rPr lang="fr-CH" dirty="0"/>
-              <a:t>Acquérir moins cher</a:t>
-            </a:r>
-          </a:p>
-          <a:p>
-            <a:pPr marL="0" indent="0">
-              <a:buNone/>
-            </a:pPr>
+              <a:t>Création annone</a:t>
+            </a:r>
+          </a:p>
+          <a:p>
             <a:r>
               <a:rPr lang="fr-CH" dirty="0"/>
-              <a:t>Vendre objet inutilisé</a:t>
-            </a:r>
-          </a:p>
-          <a:p>
-            <a:pPr marL="0" indent="0">
-              <a:buNone/>
-            </a:pPr>
+              <a:t>Messagerie</a:t>
+            </a:r>
+          </a:p>
+          <a:p>
             <a:r>
               <a:rPr lang="fr-CH" dirty="0"/>
-              <a:t>Faciliter</a:t>
-            </a:r>
-          </a:p>
-          <a:p>
-            <a:pPr marL="0" indent="0">
-              <a:buNone/>
-            </a:pPr>
-            <a:r>
-              <a:rPr lang="fr-CH" dirty="0"/>
-              <a:t>Eviter gaspillage</a:t>
-            </a:r>
-          </a:p>
-          <a:p>
-            <a:pPr marL="0" indent="0">
-              <a:buNone/>
-            </a:pPr>
-            <a:r>
-              <a:rPr lang="fr-CH" dirty="0"/>
-              <a:t>Confiance entre les utilisateurs </a:t>
-            </a:r>
+              <a:t>Statistique</a:t>
+            </a:r>
+          </a:p>
+          <a:p>
+            <a:endParaRPr lang="fr-CH" dirty="0"/>
+          </a:p>
+        </p:txBody>
+      </p:sp>
+      <p:sp>
+        <p:nvSpPr>
+          <p:cNvPr id="4" name="Espace réservé du numéro de diapositive 3">
+            <a:extLst>
+              <a:ext uri="{FF2B5EF4-FFF2-40B4-BE49-F238E27FC236}">
+                <a16:creationId xmlns:a16="http://schemas.microsoft.com/office/drawing/2014/main" id="{BF671B59-401D-4339-A5E3-A3487ED9F130}"/>
+              </a:ext>
+            </a:extLst>
+          </p:cNvPr>
+          <p:cNvSpPr>
+            <a:spLocks noGrp="1"/>
+          </p:cNvSpPr>
+          <p:nvPr>
+            <p:ph type="sldNum" sz="quarter" idx="12"/>
+          </p:nvPr>
+        </p:nvSpPr>
+        <p:spPr/>
+        <p:txBody>
+          <a:bodyPr/>
+          <a:lstStyle/>
+          <a:p>
+            <a:fld id="{FAEAF821-8BBB-4B5F-AB25-F4FE9450ED6D}" type="slidenum">
+              <a:rPr lang="fr-CH" smtClean="0"/>
+              <a:t>4</a:t>
+            </a:fld>
+            <a:endParaRPr lang="fr-CH"/>
           </a:p>
         </p:txBody>
       </p:sp>
     </p:spTree>
     <p:extLst>
       <p:ext uri="{BB962C8B-B14F-4D97-AF65-F5344CB8AC3E}">
-        <p14:creationId xmlns:p14="http://schemas.microsoft.com/office/powerpoint/2010/main" val="1366793177"/>
+        <p14:creationId xmlns:p14="http://schemas.microsoft.com/office/powerpoint/2010/main" val="2819510272"/>
       </p:ext>
     </p:extLst>
   </p:cSld>
@@ -4362,6 +6869,14 @@
 <file path=ppt/slides/slide5.xml><?xml version="1.0" encoding="utf-8"?>
 <p:sld xmlns:a="http://schemas.openxmlformats.org/drawingml/2006/main" xmlns:r="http://schemas.openxmlformats.org/officeDocument/2006/relationships" xmlns:p="http://schemas.openxmlformats.org/presentationml/2006/main">
   <p:cSld>
+    <p:bg>
+      <p:bgPr>
+        <a:solidFill>
+          <a:schemeClr val="bg1"/>
+        </a:solidFill>
+        <a:effectLst/>
+      </p:bgPr>
+    </p:bg>
     <p:spTree>
       <p:nvGrpSpPr>
         <p:cNvPr id="1" name=""/>
@@ -4381,7 +6896,7 @@
           <p:cNvPr id="2" name="Titre 1">
             <a:extLst>
               <a:ext uri="{FF2B5EF4-FFF2-40B4-BE49-F238E27FC236}">
-                <a16:creationId xmlns:a16="http://schemas.microsoft.com/office/drawing/2014/main" id="{3726C0B2-EDC2-45E4-B360-4F5DC122E5F5}"/>
+                <a16:creationId xmlns:a16="http://schemas.microsoft.com/office/drawing/2014/main" id="{8AE8350C-18A9-43A5-95A3-33D9F6FD9307}"/>
               </a:ext>
             </a:extLst>
           </p:cNvPr>
@@ -4399,25 +6914,25 @@
           <a:p>
             <a:r>
               <a:rPr lang="fr-CH" dirty="0"/>
-              <a:t>Présentation de notre produit</a:t>
-            </a:r>
-          </a:p>
-        </p:txBody>
-      </p:sp>
-      <p:sp>
-        <p:nvSpPr>
-          <p:cNvPr id="3" name="Espace réservé du contenu 2">
-            <a:extLst>
-              <a:ext uri="{FF2B5EF4-FFF2-40B4-BE49-F238E27FC236}">
-                <a16:creationId xmlns:a16="http://schemas.microsoft.com/office/drawing/2014/main" id="{2873021F-979B-4854-A747-FE7AAAEE36E4}"/>
-              </a:ext>
-            </a:extLst>
-          </p:cNvPr>
-          <p:cNvSpPr>
-            <a:spLocks noGrp="1"/>
-          </p:cNvSpPr>
-          <p:nvPr>
-            <p:ph idx="1"/>
+              <a:t>Qui ?</a:t>
+            </a:r>
+          </a:p>
+        </p:txBody>
+      </p:sp>
+      <p:sp>
+        <p:nvSpPr>
+          <p:cNvPr id="4" name="Espace réservé du numéro de diapositive 3">
+            <a:extLst>
+              <a:ext uri="{FF2B5EF4-FFF2-40B4-BE49-F238E27FC236}">
+                <a16:creationId xmlns:a16="http://schemas.microsoft.com/office/drawing/2014/main" id="{97557FFF-C104-4499-BBA5-69CC94ABACAD}"/>
+              </a:ext>
+            </a:extLst>
+          </p:cNvPr>
+          <p:cNvSpPr>
+            <a:spLocks noGrp="1"/>
+          </p:cNvSpPr>
+          <p:nvPr>
+            <p:ph type="sldNum" sz="quarter" idx="12"/>
           </p:nvPr>
         </p:nvSpPr>
         <p:spPr/>
@@ -4425,37 +6940,224 @@
           <a:bodyPr/>
           <a:lstStyle/>
           <a:p>
+            <a:fld id="{FAEAF821-8BBB-4B5F-AB25-F4FE9450ED6D}" type="slidenum">
+              <a:rPr lang="fr-CH" smtClean="0"/>
+              <a:t>5</a:t>
+            </a:fld>
+            <a:endParaRPr lang="fr-CH"/>
+          </a:p>
+        </p:txBody>
+      </p:sp>
+      <p:pic>
+        <p:nvPicPr>
+          <p:cNvPr id="8" name="Image 7">
+            <a:extLst>
+              <a:ext uri="{FF2B5EF4-FFF2-40B4-BE49-F238E27FC236}">
+                <a16:creationId xmlns:a16="http://schemas.microsoft.com/office/drawing/2014/main" id="{D8E36E03-A886-48FA-BCB9-F8B8F051181E}"/>
+              </a:ext>
+            </a:extLst>
+          </p:cNvPr>
+          <p:cNvPicPr>
+            <a:picLocks noChangeAspect="1"/>
+          </p:cNvPicPr>
+          <p:nvPr/>
+        </p:nvPicPr>
+        <p:blipFill>
+          <a:blip r:embed="rId3">
+            <a:extLst>
+              <a:ext uri="{28A0092B-C50C-407E-A947-70E740481C1C}">
+                <a14:useLocalDpi xmlns:a14="http://schemas.microsoft.com/office/drawing/2010/main" val="0"/>
+              </a:ext>
+            </a:extLst>
+          </a:blip>
+          <a:stretch>
+            <a:fillRect/>
+          </a:stretch>
+        </p:blipFill>
+        <p:spPr>
+          <a:xfrm>
+            <a:off x="2504600" y="1690688"/>
+            <a:ext cx="914528" cy="914528"/>
+          </a:xfrm>
+          <a:prstGeom prst="rect">
+            <a:avLst/>
+          </a:prstGeom>
+        </p:spPr>
+      </p:pic>
+      <p:pic>
+        <p:nvPicPr>
+          <p:cNvPr id="10" name="Image 9">
+            <a:extLst>
+              <a:ext uri="{FF2B5EF4-FFF2-40B4-BE49-F238E27FC236}">
+                <a16:creationId xmlns:a16="http://schemas.microsoft.com/office/drawing/2014/main" id="{7FDA87C1-820E-458D-BADD-CFCE83BA889A}"/>
+              </a:ext>
+            </a:extLst>
+          </p:cNvPr>
+          <p:cNvPicPr>
+            <a:picLocks noChangeAspect="1"/>
+          </p:cNvPicPr>
+          <p:nvPr/>
+        </p:nvPicPr>
+        <p:blipFill>
+          <a:blip r:embed="rId4">
+            <a:extLst>
+              <a:ext uri="{28A0092B-C50C-407E-A947-70E740481C1C}">
+                <a14:useLocalDpi xmlns:a14="http://schemas.microsoft.com/office/drawing/2010/main" val="0"/>
+              </a:ext>
+            </a:extLst>
+          </a:blip>
+          <a:stretch>
+            <a:fillRect/>
+          </a:stretch>
+        </p:blipFill>
+        <p:spPr>
+          <a:xfrm>
+            <a:off x="1442768" y="1690688"/>
+            <a:ext cx="914528" cy="914528"/>
+          </a:xfrm>
+          <a:prstGeom prst="rect">
+            <a:avLst/>
+          </a:prstGeom>
+        </p:spPr>
+      </p:pic>
+      <p:sp>
+        <p:nvSpPr>
+          <p:cNvPr id="11" name="ZoneTexte 10">
+            <a:extLst>
+              <a:ext uri="{FF2B5EF4-FFF2-40B4-BE49-F238E27FC236}">
+                <a16:creationId xmlns:a16="http://schemas.microsoft.com/office/drawing/2014/main" id="{03DCCD29-6E6E-4615-859F-3A1A8EEE18F3}"/>
+              </a:ext>
+            </a:extLst>
+          </p:cNvPr>
+          <p:cNvSpPr txBox="1"/>
+          <p:nvPr/>
+        </p:nvSpPr>
+        <p:spPr>
+          <a:xfrm>
+            <a:off x="1181764" y="2757701"/>
+            <a:ext cx="2645671" cy="646331"/>
+          </a:xfrm>
+          <a:prstGeom prst="rect">
+            <a:avLst/>
+          </a:prstGeom>
+          <a:noFill/>
+        </p:spPr>
+        <p:txBody>
+          <a:bodyPr wrap="square" rtlCol="0">
+            <a:spAutoFit/>
+          </a:bodyPr>
+          <a:lstStyle/>
+          <a:p>
+            <a:pPr algn="ctr"/>
+            <a:r>
+              <a:rPr lang="fr-CH" dirty="0"/>
+              <a:t>Plus de 190000 étudiants en Suisse en 2015</a:t>
+            </a:r>
+          </a:p>
+        </p:txBody>
+      </p:sp>
+      <p:sp>
+        <p:nvSpPr>
+          <p:cNvPr id="12" name="ZoneTexte 11">
+            <a:extLst>
+              <a:ext uri="{FF2B5EF4-FFF2-40B4-BE49-F238E27FC236}">
+                <a16:creationId xmlns:a16="http://schemas.microsoft.com/office/drawing/2014/main" id="{AD37619D-0443-42AE-90CA-F0DB290DD430}"/>
+              </a:ext>
+            </a:extLst>
+          </p:cNvPr>
+          <p:cNvSpPr txBox="1"/>
+          <p:nvPr/>
+        </p:nvSpPr>
+        <p:spPr>
+          <a:xfrm>
+            <a:off x="1238701" y="6444476"/>
+            <a:ext cx="1423147" cy="276999"/>
+          </a:xfrm>
+          <a:prstGeom prst="rect">
+            <a:avLst/>
+          </a:prstGeom>
+          <a:noFill/>
+        </p:spPr>
+        <p:txBody>
+          <a:bodyPr wrap="none" rtlCol="0">
+            <a:spAutoFit/>
+          </a:bodyPr>
+          <a:lstStyle/>
+          <a:p>
+            <a:r>
+              <a:rPr lang="fr-CH" sz="1200" dirty="0"/>
+              <a:t>*Source : Wikipédia</a:t>
+            </a:r>
+          </a:p>
+        </p:txBody>
+      </p:sp>
+      <p:sp>
+        <p:nvSpPr>
+          <p:cNvPr id="13" name="ZoneTexte 12">
+            <a:extLst>
+              <a:ext uri="{FF2B5EF4-FFF2-40B4-BE49-F238E27FC236}">
+                <a16:creationId xmlns:a16="http://schemas.microsoft.com/office/drawing/2014/main" id="{95891480-4ABF-48B4-9CAD-F54F872FA3BA}"/>
+              </a:ext>
+            </a:extLst>
+          </p:cNvPr>
+          <p:cNvSpPr txBox="1"/>
+          <p:nvPr/>
+        </p:nvSpPr>
+        <p:spPr>
+          <a:xfrm>
+            <a:off x="5188449" y="3051425"/>
+            <a:ext cx="1465722" cy="369332"/>
+          </a:xfrm>
+          <a:prstGeom prst="rect">
+            <a:avLst/>
+          </a:prstGeom>
+          <a:noFill/>
+        </p:spPr>
+        <p:txBody>
+          <a:bodyPr wrap="none" rtlCol="0">
+            <a:spAutoFit/>
+          </a:bodyPr>
+          <a:lstStyle/>
+          <a:p>
+            <a:r>
+              <a:rPr lang="fr-CH" dirty="0"/>
+              <a:t>Collaborateur</a:t>
+            </a:r>
+          </a:p>
+        </p:txBody>
+      </p:sp>
+      <p:sp>
+        <p:nvSpPr>
+          <p:cNvPr id="14" name="ZoneTexte 13">
+            <a:extLst>
+              <a:ext uri="{FF2B5EF4-FFF2-40B4-BE49-F238E27FC236}">
+                <a16:creationId xmlns:a16="http://schemas.microsoft.com/office/drawing/2014/main" id="{71D5865A-0AA2-4C31-B462-314D5D8EC88A}"/>
+              </a:ext>
+            </a:extLst>
+          </p:cNvPr>
+          <p:cNvSpPr txBox="1"/>
+          <p:nvPr/>
+        </p:nvSpPr>
+        <p:spPr>
+          <a:xfrm>
+            <a:off x="9060094" y="3034700"/>
+            <a:ext cx="1246944" cy="369332"/>
+          </a:xfrm>
+          <a:prstGeom prst="rect">
+            <a:avLst/>
+          </a:prstGeom>
+          <a:noFill/>
+        </p:spPr>
+        <p:txBody>
+          <a:bodyPr wrap="none" rtlCol="0">
+            <a:spAutoFit/>
+          </a:bodyPr>
+          <a:lstStyle/>
+          <a:p>
             <a:r>
               <a:rPr lang="fr-CH" dirty="0" err="1"/>
-              <a:t>Mockup</a:t>
-            </a:r>
-            <a:endParaRPr lang="fr-CH" dirty="0"/>
-          </a:p>
-          <a:p>
-            <a:r>
-              <a:rPr lang="fr-CH" dirty="0"/>
-              <a:t>Comment vente achat</a:t>
-            </a:r>
-          </a:p>
-          <a:p>
-            <a:r>
-              <a:rPr lang="fr-CH" dirty="0"/>
-              <a:t>Création annone</a:t>
-            </a:r>
-          </a:p>
-          <a:p>
-            <a:r>
-              <a:rPr lang="fr-CH" dirty="0"/>
-              <a:t>Messagerie</a:t>
-            </a:r>
-          </a:p>
-          <a:p>
-            <a:r>
-              <a:rPr lang="fr-CH" dirty="0"/>
-              <a:t>Statistique</a:t>
-            </a:r>
-          </a:p>
-          <a:p>
+              <a:t>Proffesseur</a:t>
+            </a:r>
             <a:endParaRPr lang="fr-CH" dirty="0"/>
           </a:p>
         </p:txBody>
@@ -4463,7 +7165,7 @@
     </p:spTree>
     <p:extLst>
       <p:ext uri="{BB962C8B-B14F-4D97-AF65-F5344CB8AC3E}">
-        <p14:creationId xmlns:p14="http://schemas.microsoft.com/office/powerpoint/2010/main" val="2819510272"/>
+        <p14:creationId xmlns:p14="http://schemas.microsoft.com/office/powerpoint/2010/main" val="88753252"/>
       </p:ext>
     </p:extLst>
   </p:cSld>
@@ -4476,6 +7178,14 @@
 <file path=ppt/slides/slide6.xml><?xml version="1.0" encoding="utf-8"?>
 <p:sld xmlns:a="http://schemas.openxmlformats.org/drawingml/2006/main" xmlns:r="http://schemas.openxmlformats.org/officeDocument/2006/relationships" xmlns:p="http://schemas.openxmlformats.org/presentationml/2006/main">
   <p:cSld>
+    <p:bg>
+      <p:bgPr>
+        <a:solidFill>
+          <a:schemeClr val="bg1"/>
+        </a:solidFill>
+        <a:effectLst/>
+      </p:bgPr>
+    </p:bg>
     <p:spTree>
       <p:nvGrpSpPr>
         <p:cNvPr id="1" name=""/>
@@ -4495,7 +7205,7 @@
           <p:cNvPr id="2" name="Titre 1">
             <a:extLst>
               <a:ext uri="{FF2B5EF4-FFF2-40B4-BE49-F238E27FC236}">
-                <a16:creationId xmlns:a16="http://schemas.microsoft.com/office/drawing/2014/main" id="{8AE8350C-18A9-43A5-95A3-33D9F6FD9307}"/>
+                <a16:creationId xmlns:a16="http://schemas.microsoft.com/office/drawing/2014/main" id="{DD56946C-853C-4C35-A973-0FF95C21DBEA}"/>
               </a:ext>
             </a:extLst>
           </p:cNvPr>
@@ -4506,6 +7216,39 @@
             <p:ph type="title"/>
           </p:nvPr>
         </p:nvSpPr>
+        <p:spPr>
+          <a:xfrm>
+            <a:off x="838200" y="617932"/>
+            <a:ext cx="10515600" cy="1001338"/>
+          </a:xfrm>
+        </p:spPr>
+        <p:txBody>
+          <a:bodyPr/>
+          <a:lstStyle/>
+          <a:p>
+            <a:r>
+              <a:rPr lang="fr-CH" dirty="0"/>
+              <a:t>Enjeux</a:t>
+            </a:r>
+          </a:p>
+        </p:txBody>
+      </p:sp>
+      <p:sp>
+        <p:nvSpPr>
+          <p:cNvPr id="3" name="Espace réservé du contenu 2">
+            <a:extLst>
+              <a:ext uri="{FF2B5EF4-FFF2-40B4-BE49-F238E27FC236}">
+                <a16:creationId xmlns:a16="http://schemas.microsoft.com/office/drawing/2014/main" id="{76454EA1-8BB7-446D-B367-A46C947EA787}"/>
+              </a:ext>
+            </a:extLst>
+          </p:cNvPr>
+          <p:cNvSpPr>
+            <a:spLocks noGrp="1"/>
+          </p:cNvSpPr>
+          <p:nvPr>
+            <p:ph idx="1"/>
+          </p:nvPr>
+        </p:nvSpPr>
         <p:spPr/>
         <p:txBody>
           <a:bodyPr/>
@@ -4513,25 +7256,43 @@
           <a:p>
             <a:r>
               <a:rPr lang="fr-CH" dirty="0"/>
-              <a:t>Qui ?</a:t>
-            </a:r>
-          </a:p>
-        </p:txBody>
-      </p:sp>
-      <p:sp>
-        <p:nvSpPr>
-          <p:cNvPr id="3" name="Espace réservé du contenu 2">
-            <a:extLst>
-              <a:ext uri="{FF2B5EF4-FFF2-40B4-BE49-F238E27FC236}">
-                <a16:creationId xmlns:a16="http://schemas.microsoft.com/office/drawing/2014/main" id="{CF556090-E1A6-425E-A40A-40C84C94E070}"/>
-              </a:ext>
-            </a:extLst>
-          </p:cNvPr>
-          <p:cNvSpPr>
-            <a:spLocks noGrp="1"/>
-          </p:cNvSpPr>
-          <p:nvPr>
-            <p:ph idx="1"/>
+              <a:t>Pour utilisateur UNI :</a:t>
+            </a:r>
+          </a:p>
+          <a:p>
+            <a:endParaRPr lang="fr-CH" dirty="0"/>
+          </a:p>
+          <a:p>
+            <a:endParaRPr lang="fr-CH" dirty="0"/>
+          </a:p>
+          <a:p>
+            <a:endParaRPr lang="fr-CH" dirty="0"/>
+          </a:p>
+          <a:p>
+            <a:r>
+              <a:rPr lang="fr-CH" dirty="0"/>
+              <a:t>Bénéfice pour les investisseurs</a:t>
+            </a:r>
+          </a:p>
+          <a:p>
+            <a:endParaRPr lang="fr-CH" dirty="0"/>
+          </a:p>
+        </p:txBody>
+      </p:sp>
+      <p:sp>
+        <p:nvSpPr>
+          <p:cNvPr id="4" name="Espace réservé du numéro de diapositive 3">
+            <a:extLst>
+              <a:ext uri="{FF2B5EF4-FFF2-40B4-BE49-F238E27FC236}">
+                <a16:creationId xmlns:a16="http://schemas.microsoft.com/office/drawing/2014/main" id="{96554762-ED2A-43E8-BCFC-53C65A2D35A4}"/>
+              </a:ext>
+            </a:extLst>
+          </p:cNvPr>
+          <p:cNvSpPr>
+            <a:spLocks noGrp="1"/>
+          </p:cNvSpPr>
+          <p:nvPr>
+            <p:ph type="sldNum" sz="quarter" idx="12"/>
           </p:nvPr>
         </p:nvSpPr>
         <p:spPr/>
@@ -4539,32 +7300,201 @@
           <a:bodyPr/>
           <a:lstStyle/>
           <a:p>
-            <a:r>
-              <a:rPr lang="fr-CH" dirty="0"/>
-              <a:t>Étudiant ne peuvent pas travailler </a:t>
-            </a:r>
-          </a:p>
-          <a:p>
-            <a:r>
-              <a:rPr lang="fr-CH" dirty="0"/>
-              <a:t>Cher d’acheter des objectés neufs</a:t>
-            </a:r>
-          </a:p>
-          <a:p>
-            <a:r>
-              <a:rPr lang="fr-CH" dirty="0"/>
-              <a:t>Economiser en revendant</a:t>
-            </a:r>
-          </a:p>
-          <a:p>
-            <a:endParaRPr lang="fr-CH" dirty="0"/>
-          </a:p>
-        </p:txBody>
-      </p:sp>
+            <a:fld id="{FAEAF821-8BBB-4B5F-AB25-F4FE9450ED6D}" type="slidenum">
+              <a:rPr lang="fr-CH" smtClean="0"/>
+              <a:t>6</a:t>
+            </a:fld>
+            <a:endParaRPr lang="fr-CH"/>
+          </a:p>
+        </p:txBody>
+      </p:sp>
+      <p:pic>
+        <p:nvPicPr>
+          <p:cNvPr id="6" name="Image 5">
+            <a:extLst>
+              <a:ext uri="{FF2B5EF4-FFF2-40B4-BE49-F238E27FC236}">
+                <a16:creationId xmlns:a16="http://schemas.microsoft.com/office/drawing/2014/main" id="{7EE061E7-6602-49C9-A276-3FE75C0CCACA}"/>
+              </a:ext>
+            </a:extLst>
+          </p:cNvPr>
+          <p:cNvPicPr>
+            <a:picLocks noChangeAspect="1"/>
+          </p:cNvPicPr>
+          <p:nvPr/>
+        </p:nvPicPr>
+        <p:blipFill>
+          <a:blip r:embed="rId3">
+            <a:extLst>
+              <a:ext uri="{28A0092B-C50C-407E-A947-70E740481C1C}">
+                <a14:useLocalDpi xmlns:a14="http://schemas.microsoft.com/office/drawing/2010/main" val="0"/>
+              </a:ext>
+            </a:extLst>
+          </a:blip>
+          <a:stretch>
+            <a:fillRect/>
+          </a:stretch>
+        </p:blipFill>
+        <p:spPr>
+          <a:xfrm>
+            <a:off x="3811627" y="4550618"/>
+            <a:ext cx="1219370" cy="1219370"/>
+          </a:xfrm>
+          <a:prstGeom prst="rect">
+            <a:avLst/>
+          </a:prstGeom>
+        </p:spPr>
+      </p:pic>
+      <p:pic>
+        <p:nvPicPr>
+          <p:cNvPr id="8" name="Image 7">
+            <a:extLst>
+              <a:ext uri="{FF2B5EF4-FFF2-40B4-BE49-F238E27FC236}">
+                <a16:creationId xmlns:a16="http://schemas.microsoft.com/office/drawing/2014/main" id="{1ED37E15-AD7D-4D39-90D2-053C387CA182}"/>
+              </a:ext>
+            </a:extLst>
+          </p:cNvPr>
+          <p:cNvPicPr>
+            <a:picLocks noChangeAspect="1"/>
+          </p:cNvPicPr>
+          <p:nvPr/>
+        </p:nvPicPr>
+        <p:blipFill>
+          <a:blip r:embed="rId4">
+            <a:extLst>
+              <a:ext uri="{28A0092B-C50C-407E-A947-70E740481C1C}">
+                <a14:useLocalDpi xmlns:a14="http://schemas.microsoft.com/office/drawing/2010/main" val="0"/>
+              </a:ext>
+            </a:extLst>
+          </a:blip>
+          <a:stretch>
+            <a:fillRect/>
+          </a:stretch>
+        </p:blipFill>
+        <p:spPr>
+          <a:xfrm>
+            <a:off x="6842504" y="4550618"/>
+            <a:ext cx="1219370" cy="1219370"/>
+          </a:xfrm>
+          <a:prstGeom prst="rect">
+            <a:avLst/>
+          </a:prstGeom>
+        </p:spPr>
+      </p:pic>
+      <p:pic>
+        <p:nvPicPr>
+          <p:cNvPr id="10" name="Graphique 9" descr="Ligne fléchée : droite">
+            <a:extLst>
+              <a:ext uri="{FF2B5EF4-FFF2-40B4-BE49-F238E27FC236}">
+                <a16:creationId xmlns:a16="http://schemas.microsoft.com/office/drawing/2014/main" id="{6E65E1BE-12EF-4DB5-9824-51D11B64D65E}"/>
+              </a:ext>
+            </a:extLst>
+          </p:cNvPr>
+          <p:cNvPicPr>
+            <a:picLocks noChangeAspect="1"/>
+          </p:cNvPicPr>
+          <p:nvPr/>
+        </p:nvPicPr>
+        <p:blipFill>
+          <a:blip r:embed="rId5">
+            <a:extLst>
+              <a:ext uri="{28A0092B-C50C-407E-A947-70E740481C1C}">
+                <a14:useLocalDpi xmlns:a14="http://schemas.microsoft.com/office/drawing/2010/main" val="0"/>
+              </a:ext>
+              <a:ext uri="{96DAC541-7B7A-43D3-8B79-37D633B846F1}">
+                <asvg:svgBlip xmlns:asvg="http://schemas.microsoft.com/office/drawing/2016/SVG/main" r:embed="rId6"/>
+              </a:ext>
+            </a:extLst>
+          </a:blip>
+          <a:stretch>
+            <a:fillRect/>
+          </a:stretch>
+        </p:blipFill>
+        <p:spPr>
+          <a:xfrm rot="10800000">
+            <a:off x="5479550" y="4703103"/>
+            <a:ext cx="914400" cy="914400"/>
+          </a:xfrm>
+          <a:prstGeom prst="rect">
+            <a:avLst/>
+          </a:prstGeom>
+        </p:spPr>
+      </p:pic>
+      <p:pic>
+        <p:nvPicPr>
+          <p:cNvPr id="12" name="Image 11">
+            <a:extLst>
+              <a:ext uri="{FF2B5EF4-FFF2-40B4-BE49-F238E27FC236}">
+                <a16:creationId xmlns:a16="http://schemas.microsoft.com/office/drawing/2014/main" id="{E16DDFE1-1A2D-4DA5-8B4F-5DC63B59235E}"/>
+              </a:ext>
+            </a:extLst>
+          </p:cNvPr>
+          <p:cNvPicPr>
+            <a:picLocks noChangeAspect="1"/>
+          </p:cNvPicPr>
+          <p:nvPr/>
+        </p:nvPicPr>
+        <p:blipFill>
+          <a:blip r:embed="rId7">
+            <a:extLst>
+              <a:ext uri="{28A0092B-C50C-407E-A947-70E740481C1C}">
+                <a14:useLocalDpi xmlns:a14="http://schemas.microsoft.com/office/drawing/2010/main" val="0"/>
+              </a:ext>
+            </a:extLst>
+          </a:blip>
+          <a:stretch>
+            <a:fillRect/>
+          </a:stretch>
+        </p:blipFill>
+        <p:spPr>
+          <a:xfrm>
+            <a:off x="6460814" y="2416546"/>
+            <a:ext cx="1219369" cy="1219369"/>
+          </a:xfrm>
+          <a:prstGeom prst="rect">
+            <a:avLst/>
+          </a:prstGeom>
+        </p:spPr>
+      </p:pic>
+      <p:pic>
+        <p:nvPicPr>
+          <p:cNvPr id="14" name="Image 13">
+            <a:extLst>
+              <a:ext uri="{FF2B5EF4-FFF2-40B4-BE49-F238E27FC236}">
+                <a16:creationId xmlns:a16="http://schemas.microsoft.com/office/drawing/2014/main" id="{92917438-7CE0-47EE-A6BB-CD6C510AEEE7}"/>
+              </a:ext>
+            </a:extLst>
+          </p:cNvPr>
+          <p:cNvPicPr>
+            <a:picLocks noChangeAspect="1"/>
+          </p:cNvPicPr>
+          <p:nvPr/>
+        </p:nvPicPr>
+        <p:blipFill>
+          <a:blip r:embed="rId8">
+            <a:extLst>
+              <a:ext uri="{28A0092B-C50C-407E-A947-70E740481C1C}">
+                <a14:useLocalDpi xmlns:a14="http://schemas.microsoft.com/office/drawing/2010/main" val="0"/>
+              </a:ext>
+            </a:extLst>
+          </a:blip>
+          <a:stretch>
+            <a:fillRect/>
+          </a:stretch>
+        </p:blipFill>
+        <p:spPr>
+          <a:xfrm>
+            <a:off x="4092539" y="2358265"/>
+            <a:ext cx="1219368" cy="1219368"/>
+          </a:xfrm>
+          <a:prstGeom prst="rect">
+            <a:avLst/>
+          </a:prstGeom>
+        </p:spPr>
+      </p:pic>
     </p:spTree>
     <p:extLst>
       <p:ext uri="{BB962C8B-B14F-4D97-AF65-F5344CB8AC3E}">
-        <p14:creationId xmlns:p14="http://schemas.microsoft.com/office/powerpoint/2010/main" val="88753252"/>
+        <p14:creationId xmlns:p14="http://schemas.microsoft.com/office/powerpoint/2010/main" val="2539571882"/>
       </p:ext>
     </p:extLst>
   </p:cSld>
@@ -4577,6 +7507,14 @@
 <file path=ppt/slides/slide7.xml><?xml version="1.0" encoding="utf-8"?>
 <p:sld xmlns:a="http://schemas.openxmlformats.org/drawingml/2006/main" xmlns:r="http://schemas.openxmlformats.org/officeDocument/2006/relationships" xmlns:p="http://schemas.openxmlformats.org/presentationml/2006/main">
   <p:cSld>
+    <p:bg>
+      <p:bgPr>
+        <a:solidFill>
+          <a:schemeClr val="bg1"/>
+        </a:solidFill>
+        <a:effectLst/>
+      </p:bgPr>
+    </p:bg>
     <p:spTree>
       <p:nvGrpSpPr>
         <p:cNvPr id="1" name=""/>
@@ -4596,7 +7534,7 @@
           <p:cNvPr id="2" name="Titre 1">
             <a:extLst>
               <a:ext uri="{FF2B5EF4-FFF2-40B4-BE49-F238E27FC236}">
-                <a16:creationId xmlns:a16="http://schemas.microsoft.com/office/drawing/2014/main" id="{DD56946C-853C-4C35-A973-0FF95C21DBEA}"/>
+                <a16:creationId xmlns:a16="http://schemas.microsoft.com/office/drawing/2014/main" id="{C6B220E2-75CF-45F8-8A04-8D77ACA886CD}"/>
               </a:ext>
             </a:extLst>
           </p:cNvPr>
@@ -4614,7 +7552,7 @@
           <a:p>
             <a:r>
               <a:rPr lang="fr-CH" dirty="0"/>
-              <a:t>Bénéfice</a:t>
+              <a:t>Concurrence</a:t>
             </a:r>
           </a:p>
         </p:txBody>
@@ -4624,7 +7562,7 @@
           <p:cNvPr id="3" name="Espace réservé du contenu 2">
             <a:extLst>
               <a:ext uri="{FF2B5EF4-FFF2-40B4-BE49-F238E27FC236}">
-                <a16:creationId xmlns:a16="http://schemas.microsoft.com/office/drawing/2014/main" id="{76454EA1-8BB7-446D-B367-A46C947EA787}"/>
+                <a16:creationId xmlns:a16="http://schemas.microsoft.com/office/drawing/2014/main" id="{E167FD02-C54C-42F6-84F6-77167A3A690B}"/>
               </a:ext>
             </a:extLst>
           </p:cNvPr>
@@ -4642,56 +7580,85 @@
           <a:p>
             <a:r>
               <a:rPr lang="fr-CH" dirty="0"/>
-              <a:t>Pour utilisateur UNI :</a:t>
+              <a:t>Concurrence de la part d’autre site internet</a:t>
             </a:r>
           </a:p>
           <a:p>
             <a:pPr lvl="1"/>
             <a:r>
               <a:rPr lang="fr-CH" dirty="0"/>
-              <a:t>Bien être</a:t>
+              <a:t>Non spécifique</a:t>
             </a:r>
           </a:p>
           <a:p>
             <a:pPr lvl="1"/>
             <a:r>
               <a:rPr lang="fr-CH" dirty="0"/>
-              <a:t>Économie</a:t>
+              <a:t>Manque de confiance</a:t>
+            </a:r>
+          </a:p>
+          <a:p>
+            <a:r>
+              <a:rPr lang="fr-CH" dirty="0"/>
+              <a:t>Braderie organisé</a:t>
             </a:r>
           </a:p>
           <a:p>
             <a:pPr lvl="1"/>
             <a:r>
               <a:rPr lang="fr-CH" dirty="0"/>
-              <a:t>Écologie</a:t>
+              <a:t>Possibilité d’intégrer événement sur notre site</a:t>
             </a:r>
           </a:p>
           <a:p>
             <a:pPr lvl="1"/>
             <a:r>
               <a:rPr lang="fr-CH" dirty="0"/>
-              <a:t>Cohésion membre</a:t>
-            </a:r>
-          </a:p>
-          <a:p>
+              <a:t>Publicité</a:t>
+            </a:r>
+          </a:p>
+          <a:p>
+            <a:pPr lvl="1"/>
             <a:r>
               <a:rPr lang="fr-CH" dirty="0"/>
-              <a:t>Bénéfice pour les investisseurs</a:t>
-            </a:r>
-          </a:p>
-          <a:p>
-            <a:pPr lvl="1"/>
-            <a:r>
-              <a:rPr lang="fr-CH" dirty="0"/>
-              <a:t>Statistique ciblé sur chaque utilisateur et objet</a:t>
-            </a:r>
+              <a:t>Possibilité de voir la marchandise disponible sur le site</a:t>
+            </a:r>
+          </a:p>
+        </p:txBody>
+      </p:sp>
+      <p:sp>
+        <p:nvSpPr>
+          <p:cNvPr id="4" name="Espace réservé du numéro de diapositive 3">
+            <a:extLst>
+              <a:ext uri="{FF2B5EF4-FFF2-40B4-BE49-F238E27FC236}">
+                <a16:creationId xmlns:a16="http://schemas.microsoft.com/office/drawing/2014/main" id="{69577DBF-8C46-46AC-B6F4-960786CF033F}"/>
+              </a:ext>
+            </a:extLst>
+          </p:cNvPr>
+          <p:cNvSpPr>
+            <a:spLocks noGrp="1"/>
+          </p:cNvSpPr>
+          <p:nvPr>
+            <p:ph type="sldNum" sz="quarter" idx="12"/>
+          </p:nvPr>
+        </p:nvSpPr>
+        <p:spPr/>
+        <p:txBody>
+          <a:bodyPr/>
+          <a:lstStyle/>
+          <a:p>
+            <a:fld id="{FAEAF821-8BBB-4B5F-AB25-F4FE9450ED6D}" type="slidenum">
+              <a:rPr lang="fr-CH" smtClean="0"/>
+              <a:t>7</a:t>
+            </a:fld>
+            <a:endParaRPr lang="fr-CH"/>
           </a:p>
         </p:txBody>
       </p:sp>
     </p:spTree>
     <p:extLst>
       <p:ext uri="{BB962C8B-B14F-4D97-AF65-F5344CB8AC3E}">
-        <p14:creationId xmlns:p14="http://schemas.microsoft.com/office/powerpoint/2010/main" val="2539571882"/>
+        <p14:creationId xmlns:p14="http://schemas.microsoft.com/office/powerpoint/2010/main" val="1087733663"/>
       </p:ext>
     </p:extLst>
   </p:cSld>
@@ -4704,6 +7671,14 @@
 <file path=ppt/slides/slide8.xml><?xml version="1.0" encoding="utf-8"?>
 <p:sld xmlns:a="http://schemas.openxmlformats.org/drawingml/2006/main" xmlns:r="http://schemas.openxmlformats.org/officeDocument/2006/relationships" xmlns:p="http://schemas.openxmlformats.org/presentationml/2006/main">
   <p:cSld>
+    <p:bg>
+      <p:bgPr>
+        <a:solidFill>
+          <a:schemeClr val="bg1"/>
+        </a:solidFill>
+        <a:effectLst/>
+      </p:bgPr>
+    </p:bg>
     <p:spTree>
       <p:nvGrpSpPr>
         <p:cNvPr id="1" name=""/>
@@ -4723,7 +7698,7 @@
           <p:cNvPr id="2" name="Titre 1">
             <a:extLst>
               <a:ext uri="{FF2B5EF4-FFF2-40B4-BE49-F238E27FC236}">
-                <a16:creationId xmlns:a16="http://schemas.microsoft.com/office/drawing/2014/main" id="{C6B220E2-75CF-45F8-8A04-8D77ACA886CD}"/>
+                <a16:creationId xmlns:a16="http://schemas.microsoft.com/office/drawing/2014/main" id="{53E4F497-B343-43D4-9C97-E0449A73C7A9}"/>
               </a:ext>
             </a:extLst>
           </p:cNvPr>
@@ -4741,7 +7716,7 @@
           <a:p>
             <a:r>
               <a:rPr lang="fr-CH" dirty="0"/>
-              <a:t>Concurrence</a:t>
+              <a:t>Risque</a:t>
             </a:r>
           </a:p>
         </p:txBody>
@@ -4751,7 +7726,7 @@
           <p:cNvPr id="3" name="Espace réservé du contenu 2">
             <a:extLst>
               <a:ext uri="{FF2B5EF4-FFF2-40B4-BE49-F238E27FC236}">
-                <a16:creationId xmlns:a16="http://schemas.microsoft.com/office/drawing/2014/main" id="{E167FD02-C54C-42F6-84F6-77167A3A690B}"/>
+                <a16:creationId xmlns:a16="http://schemas.microsoft.com/office/drawing/2014/main" id="{8C64D459-B24A-4BC2-9060-B9498181E246}"/>
               </a:ext>
             </a:extLst>
           </p:cNvPr>
@@ -4769,64 +7744,62 @@
           <a:p>
             <a:r>
               <a:rPr lang="fr-CH" dirty="0"/>
-              <a:t>Concurrence de la part d’autre site internet</a:t>
-            </a:r>
-          </a:p>
-          <a:p>
-            <a:pPr lvl="1"/>
+              <a:t>Fuite d’un collaborateur</a:t>
+            </a:r>
+          </a:p>
+          <a:p>
             <a:r>
               <a:rPr lang="fr-CH" dirty="0"/>
-              <a:t>Non spécifique</a:t>
-            </a:r>
-          </a:p>
-          <a:p>
-            <a:pPr lvl="1"/>
+              <a:t>Problème de communication</a:t>
+            </a:r>
+          </a:p>
+          <a:p>
             <a:r>
               <a:rPr lang="fr-CH" dirty="0"/>
-              <a:t>Manque de confiance</a:t>
+              <a:t>Manque de connaissance</a:t>
             </a:r>
           </a:p>
           <a:p>
             <a:r>
               <a:rPr lang="fr-CH" dirty="0"/>
-              <a:t>Braderie organisé</a:t>
-            </a:r>
-          </a:p>
-          <a:p>
-            <a:pPr lvl="1"/>
-            <a:r>
-              <a:rPr lang="fr-CH" dirty="0"/>
-              <a:t>Possibilité d’</a:t>
-            </a:r>
-            <a:r>
-              <a:rPr lang="fr-CH" dirty="0" err="1"/>
-              <a:t>intégrerer</a:t>
-            </a:r>
-            <a:r>
-              <a:rPr lang="fr-CH" dirty="0"/>
-              <a:t> événement sur notre site</a:t>
-            </a:r>
-          </a:p>
-          <a:p>
-            <a:pPr lvl="1"/>
-            <a:r>
-              <a:rPr lang="fr-CH" dirty="0"/>
-              <a:t>Publicité</a:t>
-            </a:r>
-          </a:p>
-          <a:p>
-            <a:pPr lvl="1"/>
-            <a:r>
-              <a:rPr lang="fr-CH" dirty="0"/>
-              <a:t>Possibilité de voir la marchandise disponible sur le site</a:t>
-            </a:r>
+              <a:t>First time management big group</a:t>
+            </a:r>
+          </a:p>
+        </p:txBody>
+      </p:sp>
+      <p:sp>
+        <p:nvSpPr>
+          <p:cNvPr id="4" name="Espace réservé du numéro de diapositive 3">
+            <a:extLst>
+              <a:ext uri="{FF2B5EF4-FFF2-40B4-BE49-F238E27FC236}">
+                <a16:creationId xmlns:a16="http://schemas.microsoft.com/office/drawing/2014/main" id="{526D10FD-5C29-49A7-825C-30CB75C8689F}"/>
+              </a:ext>
+            </a:extLst>
+          </p:cNvPr>
+          <p:cNvSpPr>
+            <a:spLocks noGrp="1"/>
+          </p:cNvSpPr>
+          <p:nvPr>
+            <p:ph type="sldNum" sz="quarter" idx="12"/>
+          </p:nvPr>
+        </p:nvSpPr>
+        <p:spPr/>
+        <p:txBody>
+          <a:bodyPr/>
+          <a:lstStyle/>
+          <a:p>
+            <a:fld id="{FAEAF821-8BBB-4B5F-AB25-F4FE9450ED6D}" type="slidenum">
+              <a:rPr lang="fr-CH" smtClean="0"/>
+              <a:t>8</a:t>
+            </a:fld>
+            <a:endParaRPr lang="fr-CH"/>
           </a:p>
         </p:txBody>
       </p:sp>
     </p:spTree>
     <p:extLst>
       <p:ext uri="{BB962C8B-B14F-4D97-AF65-F5344CB8AC3E}">
-        <p14:creationId xmlns:p14="http://schemas.microsoft.com/office/powerpoint/2010/main" val="1087733663"/>
+        <p14:creationId xmlns:p14="http://schemas.microsoft.com/office/powerpoint/2010/main" val="2004398446"/>
       </p:ext>
     </p:extLst>
   </p:cSld>
@@ -4839,6 +7812,14 @@
 <file path=ppt/slides/slide9.xml><?xml version="1.0" encoding="utf-8"?>
 <p:sld xmlns:a="http://schemas.openxmlformats.org/drawingml/2006/main" xmlns:r="http://schemas.openxmlformats.org/officeDocument/2006/relationships" xmlns:p="http://schemas.openxmlformats.org/presentationml/2006/main">
   <p:cSld>
+    <p:bg>
+      <p:bgPr>
+        <a:solidFill>
+          <a:schemeClr val="bg1"/>
+        </a:solidFill>
+        <a:effectLst/>
+      </p:bgPr>
+    </p:bg>
     <p:spTree>
       <p:nvGrpSpPr>
         <p:cNvPr id="1" name=""/>
@@ -4858,7 +7839,7 @@
           <p:cNvPr id="2" name="Titre 1">
             <a:extLst>
               <a:ext uri="{FF2B5EF4-FFF2-40B4-BE49-F238E27FC236}">
-                <a16:creationId xmlns:a16="http://schemas.microsoft.com/office/drawing/2014/main" id="{53E4F497-B343-43D4-9C97-E0449A73C7A9}"/>
+                <a16:creationId xmlns:a16="http://schemas.microsoft.com/office/drawing/2014/main" id="{3F8E8116-8C92-48F4-B5CD-F0B78CD356A9}"/>
               </a:ext>
             </a:extLst>
           </p:cNvPr>
@@ -4876,7 +7857,7 @@
           <a:p>
             <a:r>
               <a:rPr lang="fr-CH" dirty="0"/>
-              <a:t>Risque</a:t>
+              <a:t>Date</a:t>
             </a:r>
           </a:p>
         </p:txBody>
@@ -4886,7 +7867,7 @@
           <p:cNvPr id="3" name="Espace réservé du contenu 2">
             <a:extLst>
               <a:ext uri="{FF2B5EF4-FFF2-40B4-BE49-F238E27FC236}">
-                <a16:creationId xmlns:a16="http://schemas.microsoft.com/office/drawing/2014/main" id="{8C64D459-B24A-4BC2-9060-B9498181E246}"/>
+                <a16:creationId xmlns:a16="http://schemas.microsoft.com/office/drawing/2014/main" id="{7BA1D1C8-40E0-4F77-8411-A187071190DA}"/>
               </a:ext>
             </a:extLst>
           </p:cNvPr>
@@ -4904,33 +7885,56 @@
           <a:p>
             <a:r>
               <a:rPr lang="fr-CH" dirty="0"/>
-              <a:t>Fuite d’un collaborateur</a:t>
+              <a:t>-</a:t>
             </a:r>
           </a:p>
           <a:p>
             <a:r>
               <a:rPr lang="fr-CH" dirty="0"/>
-              <a:t>Problème de communication</a:t>
+              <a:t>-</a:t>
             </a:r>
           </a:p>
           <a:p>
             <a:r>
               <a:rPr lang="fr-CH" dirty="0"/>
-              <a:t>Manque de connaissance</a:t>
-            </a:r>
-          </a:p>
-          <a:p>
-            <a:r>
-              <a:rPr lang="fr-CH" dirty="0"/>
-              <a:t>First time management big group</a:t>
-            </a:r>
+              <a:t>Date de Sortie</a:t>
+            </a:r>
+          </a:p>
+        </p:txBody>
+      </p:sp>
+      <p:sp>
+        <p:nvSpPr>
+          <p:cNvPr id="4" name="Espace réservé du numéro de diapositive 3">
+            <a:extLst>
+              <a:ext uri="{FF2B5EF4-FFF2-40B4-BE49-F238E27FC236}">
+                <a16:creationId xmlns:a16="http://schemas.microsoft.com/office/drawing/2014/main" id="{4166E28B-6275-42E7-9DD8-EC695A43CB51}"/>
+              </a:ext>
+            </a:extLst>
+          </p:cNvPr>
+          <p:cNvSpPr>
+            <a:spLocks noGrp="1"/>
+          </p:cNvSpPr>
+          <p:nvPr>
+            <p:ph type="sldNum" sz="quarter" idx="12"/>
+          </p:nvPr>
+        </p:nvSpPr>
+        <p:spPr/>
+        <p:txBody>
+          <a:bodyPr/>
+          <a:lstStyle/>
+          <a:p>
+            <a:fld id="{FAEAF821-8BBB-4B5F-AB25-F4FE9450ED6D}" type="slidenum">
+              <a:rPr lang="fr-CH" smtClean="0"/>
+              <a:t>9</a:t>
+            </a:fld>
+            <a:endParaRPr lang="fr-CH"/>
           </a:p>
         </p:txBody>
       </p:sp>
     </p:spTree>
     <p:extLst>
       <p:ext uri="{BB962C8B-B14F-4D97-AF65-F5344CB8AC3E}">
-        <p14:creationId xmlns:p14="http://schemas.microsoft.com/office/powerpoint/2010/main" val="2004398446"/>
+        <p14:creationId xmlns:p14="http://schemas.microsoft.com/office/powerpoint/2010/main" val="873567313"/>
       </p:ext>
     </p:extLst>
   </p:cSld>
@@ -5233,4 +8237,299 @@
     </a:ext>
   </a:extLst>
 </a:theme>
+</file>
+
+<file path=ppt/theme/theme2.xml><?xml version="1.0" encoding="utf-8"?>
+<a:theme xmlns:a="http://schemas.openxmlformats.org/drawingml/2006/main" name="Thème Office">
+  <a:themeElements>
+    <a:clrScheme name="Office">
+      <a:dk1>
+        <a:sysClr val="windowText" lastClr="000000"/>
+      </a:dk1>
+      <a:lt1>
+        <a:sysClr val="window" lastClr="FFFFFF"/>
+      </a:lt1>
+      <a:dk2>
+        <a:srgbClr val="44546A"/>
+      </a:dk2>
+      <a:lt2>
+        <a:srgbClr val="E7E6E6"/>
+      </a:lt2>
+      <a:accent1>
+        <a:srgbClr val="4472C4"/>
+      </a:accent1>
+      <a:accent2>
+        <a:srgbClr val="ED7D31"/>
+      </a:accent2>
+      <a:accent3>
+        <a:srgbClr val="A5A5A5"/>
+      </a:accent3>
+      <a:accent4>
+        <a:srgbClr val="FFC000"/>
+      </a:accent4>
+      <a:accent5>
+        <a:srgbClr val="5B9BD5"/>
+      </a:accent5>
+      <a:accent6>
+        <a:srgbClr val="70AD47"/>
+      </a:accent6>
+      <a:hlink>
+        <a:srgbClr val="0563C1"/>
+      </a:hlink>
+      <a:folHlink>
+        <a:srgbClr val="954F72"/>
+      </a:folHlink>
+    </a:clrScheme>
+    <a:fontScheme name="Office">
+      <a:majorFont>
+        <a:latin typeface="Calibri Light" panose="020F0302020204030204"/>
+        <a:ea typeface=""/>
+        <a:cs typeface=""/>
+        <a:font script="Jpan" typeface="游ゴシック Light"/>
+        <a:font script="Hang" typeface="맑은 고딕"/>
+        <a:font script="Hans" typeface="等线 Light"/>
+        <a:font script="Hant" typeface="新細明體"/>
+        <a:font script="Arab" typeface="Times New Roman"/>
+        <a:font script="Hebr" typeface="Times New Roman"/>
+        <a:font script="Thai" typeface="Angsana New"/>
+        <a:font script="Ethi" typeface="Nyala"/>
+        <a:font script="Beng" typeface="Vrinda"/>
+        <a:font script="Gujr" typeface="Shruti"/>
+        <a:font script="Khmr" typeface="MoolBoran"/>
+        <a:font script="Knda" typeface="Tunga"/>
+        <a:font script="Guru" typeface="Raavi"/>
+        <a:font script="Cans" typeface="Euphemia"/>
+        <a:font script="Cher" typeface="Plantagenet Cherokee"/>
+        <a:font script="Yiii" typeface="Microsoft Yi Baiti"/>
+        <a:font script="Tibt" typeface="Microsoft Himalaya"/>
+        <a:font script="Thaa" typeface="MV Boli"/>
+        <a:font script="Deva" typeface="Mangal"/>
+        <a:font script="Telu" typeface="Gautami"/>
+        <a:font script="Taml" typeface="Latha"/>
+        <a:font script="Syrc" typeface="Estrangelo Edessa"/>
+        <a:font script="Orya" typeface="Kalinga"/>
+        <a:font script="Mlym" typeface="Kartika"/>
+        <a:font script="Laoo" typeface="DokChampa"/>
+        <a:font script="Sinh" typeface="Iskoola Pota"/>
+        <a:font script="Mong" typeface="Mongolian Baiti"/>
+        <a:font script="Viet" typeface="Times New Roman"/>
+        <a:font script="Uigh" typeface="Microsoft Uighur"/>
+        <a:font script="Geor" typeface="Sylfaen"/>
+        <a:font script="Armn" typeface="Arial"/>
+        <a:font script="Bugi" typeface="Leelawadee UI"/>
+        <a:font script="Bopo" typeface="Microsoft JhengHei"/>
+        <a:font script="Java" typeface="Javanese Text"/>
+        <a:font script="Lisu" typeface="Segoe UI"/>
+        <a:font script="Mymr" typeface="Myanmar Text"/>
+        <a:font script="Nkoo" typeface="Ebrima"/>
+        <a:font script="Olck" typeface="Nirmala UI"/>
+        <a:font script="Osma" typeface="Ebrima"/>
+        <a:font script="Phag" typeface="Phagspa"/>
+        <a:font script="Syrn" typeface="Estrangelo Edessa"/>
+        <a:font script="Syrj" typeface="Estrangelo Edessa"/>
+        <a:font script="Syre" typeface="Estrangelo Edessa"/>
+        <a:font script="Sora" typeface="Nirmala UI"/>
+        <a:font script="Tale" typeface="Microsoft Tai Le"/>
+        <a:font script="Talu" typeface="Microsoft New Tai Lue"/>
+        <a:font script="Tfng" typeface="Ebrima"/>
+      </a:majorFont>
+      <a:minorFont>
+        <a:latin typeface="Calibri" panose="020F0502020204030204"/>
+        <a:ea typeface=""/>
+        <a:cs typeface=""/>
+        <a:font script="Jpan" typeface="游ゴシック"/>
+        <a:font script="Hang" typeface="맑은 고딕"/>
+        <a:font script="Hans" typeface="等线"/>
+        <a:font script="Hant" typeface="新細明體"/>
+        <a:font script="Arab" typeface="Arial"/>
+        <a:font script="Hebr" typeface="Arial"/>
+        <a:font script="Thai" typeface="Cordia New"/>
+        <a:font script="Ethi" typeface="Nyala"/>
+        <a:font script="Beng" typeface="Vrinda"/>
+        <a:font script="Gujr" typeface="Shruti"/>
+        <a:font script="Khmr" typeface="DaunPenh"/>
+        <a:font script="Knda" typeface="Tunga"/>
+        <a:font script="Guru" typeface="Raavi"/>
+        <a:font script="Cans" typeface="Euphemia"/>
+        <a:font script="Cher" typeface="Plantagenet Cherokee"/>
+        <a:font script="Yiii" typeface="Microsoft Yi Baiti"/>
+        <a:font script="Tibt" typeface="Microsoft Himalaya"/>
+        <a:font script="Thaa" typeface="MV Boli"/>
+        <a:font script="Deva" typeface="Mangal"/>
+        <a:font script="Telu" typeface="Gautami"/>
+        <a:font script="Taml" typeface="Latha"/>
+        <a:font script="Syrc" typeface="Estrangelo Edessa"/>
+        <a:font script="Orya" typeface="Kalinga"/>
+        <a:font script="Mlym" typeface="Kartika"/>
+        <a:font script="Laoo" typeface="DokChampa"/>
+        <a:font script="Sinh" typeface="Iskoola Pota"/>
+        <a:font script="Mong" typeface="Mongolian Baiti"/>
+        <a:font script="Viet" typeface="Arial"/>
+        <a:font script="Uigh" typeface="Microsoft Uighur"/>
+        <a:font script="Geor" typeface="Sylfaen"/>
+        <a:font script="Armn" typeface="Arial"/>
+        <a:font script="Bugi" typeface="Leelawadee UI"/>
+        <a:font script="Bopo" typeface="Microsoft JhengHei"/>
+        <a:font script="Java" typeface="Javanese Text"/>
+        <a:font script="Lisu" typeface="Segoe UI"/>
+        <a:font script="Mymr" typeface="Myanmar Text"/>
+        <a:font script="Nkoo" typeface="Ebrima"/>
+        <a:font script="Olck" typeface="Nirmala UI"/>
+        <a:font script="Osma" typeface="Ebrima"/>
+        <a:font script="Phag" typeface="Phagspa"/>
+        <a:font script="Syrn" typeface="Estrangelo Edessa"/>
+        <a:font script="Syrj" typeface="Estrangelo Edessa"/>
+        <a:font script="Syre" typeface="Estrangelo Edessa"/>
+        <a:font script="Sora" typeface="Nirmala UI"/>
+        <a:font script="Tale" typeface="Microsoft Tai Le"/>
+        <a:font script="Talu" typeface="Microsoft New Tai Lue"/>
+        <a:font script="Tfng" typeface="Ebrima"/>
+      </a:minorFont>
+    </a:fontScheme>
+    <a:fmtScheme name="Office">
+      <a:fillStyleLst>
+        <a:solidFill>
+          <a:schemeClr val="phClr"/>
+        </a:solidFill>
+        <a:gradFill rotWithShape="1">
+          <a:gsLst>
+            <a:gs pos="0">
+              <a:schemeClr val="phClr">
+                <a:lumMod val="110000"/>
+                <a:satMod val="105000"/>
+                <a:tint val="67000"/>
+              </a:schemeClr>
+            </a:gs>
+            <a:gs pos="50000">
+              <a:schemeClr val="phClr">
+                <a:lumMod val="105000"/>
+                <a:satMod val="103000"/>
+                <a:tint val="73000"/>
+              </a:schemeClr>
+            </a:gs>
+            <a:gs pos="100000">
+              <a:schemeClr val="phClr">
+                <a:lumMod val="105000"/>
+                <a:satMod val="109000"/>
+                <a:tint val="81000"/>
+              </a:schemeClr>
+            </a:gs>
+          </a:gsLst>
+          <a:lin ang="5400000" scaled="0"/>
+        </a:gradFill>
+        <a:gradFill rotWithShape="1">
+          <a:gsLst>
+            <a:gs pos="0">
+              <a:schemeClr val="phClr">
+                <a:satMod val="103000"/>
+                <a:lumMod val="102000"/>
+                <a:tint val="94000"/>
+              </a:schemeClr>
+            </a:gs>
+            <a:gs pos="50000">
+              <a:schemeClr val="phClr">
+                <a:satMod val="110000"/>
+                <a:lumMod val="100000"/>
+                <a:shade val="100000"/>
+              </a:schemeClr>
+            </a:gs>
+            <a:gs pos="100000">
+              <a:schemeClr val="phClr">
+                <a:lumMod val="99000"/>
+                <a:satMod val="120000"/>
+                <a:shade val="78000"/>
+              </a:schemeClr>
+            </a:gs>
+          </a:gsLst>
+          <a:lin ang="5400000" scaled="0"/>
+        </a:gradFill>
+      </a:fillStyleLst>
+      <a:lnStyleLst>
+        <a:ln w="6350" cap="flat" cmpd="sng" algn="ctr">
+          <a:solidFill>
+            <a:schemeClr val="phClr"/>
+          </a:solidFill>
+          <a:prstDash val="solid"/>
+          <a:miter lim="800000"/>
+        </a:ln>
+        <a:ln w="12700" cap="flat" cmpd="sng" algn="ctr">
+          <a:solidFill>
+            <a:schemeClr val="phClr"/>
+          </a:solidFill>
+          <a:prstDash val="solid"/>
+          <a:miter lim="800000"/>
+        </a:ln>
+        <a:ln w="19050" cap="flat" cmpd="sng" algn="ctr">
+          <a:solidFill>
+            <a:schemeClr val="phClr"/>
+          </a:solidFill>
+          <a:prstDash val="solid"/>
+          <a:miter lim="800000"/>
+        </a:ln>
+      </a:lnStyleLst>
+      <a:effectStyleLst>
+        <a:effectStyle>
+          <a:effectLst/>
+        </a:effectStyle>
+        <a:effectStyle>
+          <a:effectLst/>
+        </a:effectStyle>
+        <a:effectStyle>
+          <a:effectLst>
+            <a:outerShdw blurRad="57150" dist="19050" dir="5400000" algn="ctr" rotWithShape="0">
+              <a:srgbClr val="000000">
+                <a:alpha val="63000"/>
+              </a:srgbClr>
+            </a:outerShdw>
+          </a:effectLst>
+        </a:effectStyle>
+      </a:effectStyleLst>
+      <a:bgFillStyleLst>
+        <a:solidFill>
+          <a:schemeClr val="phClr"/>
+        </a:solidFill>
+        <a:solidFill>
+          <a:schemeClr val="phClr">
+            <a:tint val="95000"/>
+            <a:satMod val="170000"/>
+          </a:schemeClr>
+        </a:solidFill>
+        <a:gradFill rotWithShape="1">
+          <a:gsLst>
+            <a:gs pos="0">
+              <a:schemeClr val="phClr">
+                <a:tint val="93000"/>
+                <a:satMod val="150000"/>
+                <a:shade val="98000"/>
+                <a:lumMod val="102000"/>
+              </a:schemeClr>
+            </a:gs>
+            <a:gs pos="50000">
+              <a:schemeClr val="phClr">
+                <a:tint val="98000"/>
+                <a:satMod val="130000"/>
+                <a:shade val="90000"/>
+                <a:lumMod val="103000"/>
+              </a:schemeClr>
+            </a:gs>
+            <a:gs pos="100000">
+              <a:schemeClr val="phClr">
+                <a:shade val="63000"/>
+                <a:satMod val="120000"/>
+              </a:schemeClr>
+            </a:gs>
+          </a:gsLst>
+          <a:lin ang="5400000" scaled="0"/>
+        </a:gradFill>
+      </a:bgFillStyleLst>
+    </a:fmtScheme>
+  </a:themeElements>
+  <a:objectDefaults/>
+  <a:extraClrSchemeLst/>
+  <a:extLst>
+    <a:ext uri="{05A4C25C-085E-4340-85A3-A5531E510DB2}">
+      <thm15:themeFamily xmlns:thm15="http://schemas.microsoft.com/office/thememl/2012/main" name="Office Theme" id="{62F939B6-93AF-4DB8-9C6B-D6C7DFDC589F}" vid="{4A3C46E8-61CC-4603-A589-7422A47A8E4A}"/>
+    </a:ext>
+  </a:extLst>
+</a:theme>
 </file>
--- a/Docs/UNIbay_DeskPitch.pptx
+++ b/Docs/UNIbay_DeskPitch.pptx
@@ -20,7 +20,7 @@
     <p:sldId id="266" r:id="rId11"/>
     <p:sldId id="267" r:id="rId12"/>
     <p:sldId id="268" r:id="rId13"/>
-    <p:sldId id="269" r:id="rId14"/>
+    <p:sldId id="271" r:id="rId14"/>
     <p:sldId id="270" r:id="rId15"/>
   </p:sldIdLst>
   <p:sldSz cx="12192000" cy="6858000"/>
@@ -128,6 +128,6730 @@
 </p:presentation>
 </file>
 
+<file path=ppt/diagrams/colors1.xml><?xml version="1.0" encoding="utf-8"?>
+<dgm:colorsDef xmlns:dgm="http://schemas.openxmlformats.org/drawingml/2006/diagram" xmlns:a="http://schemas.openxmlformats.org/drawingml/2006/main" uniqueId="urn:microsoft.com/office/officeart/2005/8/colors/accent1_2">
+  <dgm:title val=""/>
+  <dgm:desc val=""/>
+  <dgm:catLst>
+    <dgm:cat type="accent1" pri="11200"/>
+  </dgm:catLst>
+  <dgm:styleLbl name="node0">
+    <dgm:fillClrLst meth="repeat">
+      <a:schemeClr val="accent1"/>
+    </dgm:fillClrLst>
+    <dgm:linClrLst meth="repeat">
+      <a:schemeClr val="lt1"/>
+    </dgm:linClrLst>
+    <dgm:effectClrLst/>
+    <dgm:txLinClrLst/>
+    <dgm:txFillClrLst/>
+    <dgm:txEffectClrLst/>
+  </dgm:styleLbl>
+  <dgm:styleLbl name="alignNode1">
+    <dgm:fillClrLst meth="repeat">
+      <a:schemeClr val="accent1"/>
+    </dgm:fillClrLst>
+    <dgm:linClrLst meth="repeat">
+      <a:schemeClr val="accent1"/>
+    </dgm:linClrLst>
+    <dgm:effectClrLst/>
+    <dgm:txLinClrLst/>
+    <dgm:txFillClrLst/>
+    <dgm:txEffectClrLst/>
+  </dgm:styleLbl>
+  <dgm:styleLbl name="node1">
+    <dgm:fillClrLst meth="repeat">
+      <a:schemeClr val="accent1"/>
+    </dgm:fillClrLst>
+    <dgm:linClrLst meth="repeat">
+      <a:schemeClr val="lt1"/>
+    </dgm:linClrLst>
+    <dgm:effectClrLst/>
+    <dgm:txLinClrLst/>
+    <dgm:txFillClrLst/>
+    <dgm:txEffectClrLst/>
+  </dgm:styleLbl>
+  <dgm:styleLbl name="lnNode1">
+    <dgm:fillClrLst meth="repeat">
+      <a:schemeClr val="accent1"/>
+    </dgm:fillClrLst>
+    <dgm:linClrLst meth="repeat">
+      <a:schemeClr val="lt1"/>
+    </dgm:linClrLst>
+    <dgm:effectClrLst/>
+    <dgm:txLinClrLst/>
+    <dgm:txFillClrLst/>
+    <dgm:txEffectClrLst/>
+  </dgm:styleLbl>
+  <dgm:styleLbl name="vennNode1">
+    <dgm:fillClrLst meth="repeat">
+      <a:schemeClr val="accent1">
+        <a:alpha val="50000"/>
+      </a:schemeClr>
+    </dgm:fillClrLst>
+    <dgm:linClrLst meth="repeat">
+      <a:schemeClr val="lt1"/>
+    </dgm:linClrLst>
+    <dgm:effectClrLst/>
+    <dgm:txLinClrLst/>
+    <dgm:txFillClrLst/>
+    <dgm:txEffectClrLst/>
+  </dgm:styleLbl>
+  <dgm:styleLbl name="node2">
+    <dgm:fillClrLst meth="repeat">
+      <a:schemeClr val="accent1"/>
+    </dgm:fillClrLst>
+    <dgm:linClrLst meth="repeat">
+      <a:schemeClr val="lt1"/>
+    </dgm:linClrLst>
+    <dgm:effectClrLst/>
+    <dgm:txLinClrLst/>
+    <dgm:txFillClrLst/>
+    <dgm:txEffectClrLst/>
+  </dgm:styleLbl>
+  <dgm:styleLbl name="node3">
+    <dgm:fillClrLst meth="repeat">
+      <a:schemeClr val="accent1"/>
+    </dgm:fillClrLst>
+    <dgm:linClrLst meth="repeat">
+      <a:schemeClr val="lt1"/>
+    </dgm:linClrLst>
+    <dgm:effectClrLst/>
+    <dgm:txLinClrLst/>
+    <dgm:txFillClrLst/>
+    <dgm:txEffectClrLst/>
+  </dgm:styleLbl>
+  <dgm:styleLbl name="node4">
+    <dgm:fillClrLst meth="repeat">
+      <a:schemeClr val="accent1"/>
+    </dgm:fillClrLst>
+    <dgm:linClrLst meth="repeat">
+      <a:schemeClr val="lt1"/>
+    </dgm:linClrLst>
+    <dgm:effectClrLst/>
+    <dgm:txLinClrLst/>
+    <dgm:txFillClrLst/>
+    <dgm:txEffectClrLst/>
+  </dgm:styleLbl>
+  <dgm:styleLbl name="fgImgPlace1">
+    <dgm:fillClrLst meth="repeat">
+      <a:schemeClr val="accent1">
+        <a:tint val="50000"/>
+      </a:schemeClr>
+    </dgm:fillClrLst>
+    <dgm:linClrLst meth="repeat">
+      <a:schemeClr val="lt1"/>
+    </dgm:linClrLst>
+    <dgm:effectClrLst/>
+    <dgm:txLinClrLst/>
+    <dgm:txFillClrLst meth="repeat">
+      <a:schemeClr val="lt1"/>
+    </dgm:txFillClrLst>
+    <dgm:txEffectClrLst/>
+  </dgm:styleLbl>
+  <dgm:styleLbl name="alignImgPlace1">
+    <dgm:fillClrLst meth="repeat">
+      <a:schemeClr val="accent1">
+        <a:tint val="50000"/>
+      </a:schemeClr>
+    </dgm:fillClrLst>
+    <dgm:linClrLst meth="repeat">
+      <a:schemeClr val="lt1"/>
+    </dgm:linClrLst>
+    <dgm:effectClrLst/>
+    <dgm:txLinClrLst/>
+    <dgm:txFillClrLst meth="repeat">
+      <a:schemeClr val="lt1"/>
+    </dgm:txFillClrLst>
+    <dgm:txEffectClrLst/>
+  </dgm:styleLbl>
+  <dgm:styleLbl name="bgImgPlace1">
+    <dgm:fillClrLst meth="repeat">
+      <a:schemeClr val="accent1">
+        <a:tint val="50000"/>
+      </a:schemeClr>
+    </dgm:fillClrLst>
+    <dgm:linClrLst meth="repeat">
+      <a:schemeClr val="lt1"/>
+    </dgm:linClrLst>
+    <dgm:effectClrLst/>
+    <dgm:txLinClrLst/>
+    <dgm:txFillClrLst meth="repeat">
+      <a:schemeClr val="lt1"/>
+    </dgm:txFillClrLst>
+    <dgm:txEffectClrLst/>
+  </dgm:styleLbl>
+  <dgm:styleLbl name="sibTrans2D1">
+    <dgm:fillClrLst meth="repeat">
+      <a:schemeClr val="accent1">
+        <a:tint val="60000"/>
+      </a:schemeClr>
+    </dgm:fillClrLst>
+    <dgm:linClrLst meth="repeat">
+      <a:schemeClr val="accent1">
+        <a:tint val="60000"/>
+      </a:schemeClr>
+    </dgm:linClrLst>
+    <dgm:effectClrLst/>
+    <dgm:txLinClrLst/>
+    <dgm:txFillClrLst/>
+    <dgm:txEffectClrLst/>
+  </dgm:styleLbl>
+  <dgm:styleLbl name="fgSibTrans2D1">
+    <dgm:fillClrLst meth="repeat">
+      <a:schemeClr val="accent1">
+        <a:tint val="60000"/>
+      </a:schemeClr>
+    </dgm:fillClrLst>
+    <dgm:linClrLst meth="repeat">
+      <a:schemeClr val="accent1">
+        <a:tint val="60000"/>
+      </a:schemeClr>
+    </dgm:linClrLst>
+    <dgm:effectClrLst/>
+    <dgm:txLinClrLst/>
+    <dgm:txFillClrLst/>
+    <dgm:txEffectClrLst/>
+  </dgm:styleLbl>
+  <dgm:styleLbl name="bgSibTrans2D1">
+    <dgm:fillClrLst meth="repeat">
+      <a:schemeClr val="accent1">
+        <a:tint val="60000"/>
+      </a:schemeClr>
+    </dgm:fillClrLst>
+    <dgm:linClrLst meth="repeat">
+      <a:schemeClr val="accent1">
+        <a:tint val="60000"/>
+      </a:schemeClr>
+    </dgm:linClrLst>
+    <dgm:effectClrLst/>
+    <dgm:txLinClrLst/>
+    <dgm:txFillClrLst/>
+    <dgm:txEffectClrLst/>
+  </dgm:styleLbl>
+  <dgm:styleLbl name="sibTrans1D1">
+    <dgm:fillClrLst meth="repeat">
+      <a:schemeClr val="accent1"/>
+    </dgm:fillClrLst>
+    <dgm:linClrLst meth="repeat">
+      <a:schemeClr val="accent1"/>
+    </dgm:linClrLst>
+    <dgm:effectClrLst/>
+    <dgm:txLinClrLst/>
+    <dgm:txFillClrLst meth="repeat">
+      <a:schemeClr val="tx1"/>
+    </dgm:txFillClrLst>
+    <dgm:txEffectClrLst/>
+  </dgm:styleLbl>
+  <dgm:styleLbl name="callout">
+    <dgm:fillClrLst meth="repeat">
+      <a:schemeClr val="accent1"/>
+    </dgm:fillClrLst>
+    <dgm:linClrLst meth="repeat">
+      <a:schemeClr val="accent1">
+        <a:tint val="50000"/>
+      </a:schemeClr>
+    </dgm:linClrLst>
+    <dgm:effectClrLst/>
+    <dgm:txLinClrLst/>
+    <dgm:txFillClrLst meth="repeat">
+      <a:schemeClr val="tx1"/>
+    </dgm:txFillClrLst>
+    <dgm:txEffectClrLst/>
+  </dgm:styleLbl>
+  <dgm:styleLbl name="asst0">
+    <dgm:fillClrLst meth="repeat">
+      <a:schemeClr val="accent1"/>
+    </dgm:fillClrLst>
+    <dgm:linClrLst meth="repeat">
+      <a:schemeClr val="lt1"/>
+    </dgm:linClrLst>
+    <dgm:effectClrLst/>
+    <dgm:txLinClrLst/>
+    <dgm:txFillClrLst/>
+    <dgm:txEffectClrLst/>
+  </dgm:styleLbl>
+  <dgm:styleLbl name="asst1">
+    <dgm:fillClrLst meth="repeat">
+      <a:schemeClr val="accent1"/>
+    </dgm:fillClrLst>
+    <dgm:linClrLst meth="repeat">
+      <a:schemeClr val="lt1"/>
+    </dgm:linClrLst>
+    <dgm:effectClrLst/>
+    <dgm:txLinClrLst/>
+    <dgm:txFillClrLst/>
+    <dgm:txEffectClrLst/>
+  </dgm:styleLbl>
+  <dgm:styleLbl name="asst2">
+    <dgm:fillClrLst meth="repeat">
+      <a:schemeClr val="accent1"/>
+    </dgm:fillClrLst>
+    <dgm:linClrLst meth="repeat">
+      <a:schemeClr val="lt1"/>
+    </dgm:linClrLst>
+    <dgm:effectClrLst/>
+    <dgm:txLinClrLst/>
+    <dgm:txFillClrLst/>
+    <dgm:txEffectClrLst/>
+  </dgm:styleLbl>
+  <dgm:styleLbl name="asst3">
+    <dgm:fillClrLst meth="repeat">
+      <a:schemeClr val="accent1"/>
+    </dgm:fillClrLst>
+    <dgm:linClrLst meth="repeat">
+      <a:schemeClr val="lt1"/>
+    </dgm:linClrLst>
+    <dgm:effectClrLst/>
+    <dgm:txLinClrLst/>
+    <dgm:txFillClrLst/>
+    <dgm:txEffectClrLst/>
+  </dgm:styleLbl>
+  <dgm:styleLbl name="asst4">
+    <dgm:fillClrLst meth="repeat">
+      <a:schemeClr val="accent1"/>
+    </dgm:fillClrLst>
+    <dgm:linClrLst meth="repeat">
+      <a:schemeClr val="lt1"/>
+    </dgm:linClrLst>
+    <dgm:effectClrLst/>
+    <dgm:txLinClrLst/>
+    <dgm:txFillClrLst/>
+    <dgm:txEffectClrLst/>
+  </dgm:styleLbl>
+  <dgm:styleLbl name="parChTrans2D1">
+    <dgm:fillClrLst meth="repeat">
+      <a:schemeClr val="accent1">
+        <a:tint val="60000"/>
+      </a:schemeClr>
+    </dgm:fillClrLst>
+    <dgm:linClrLst meth="repeat">
+      <a:schemeClr val="accent1">
+        <a:tint val="60000"/>
+      </a:schemeClr>
+    </dgm:linClrLst>
+    <dgm:effectClrLst/>
+    <dgm:txLinClrLst/>
+    <dgm:txFillClrLst meth="repeat">
+      <a:schemeClr val="lt1"/>
+    </dgm:txFillClrLst>
+    <dgm:txEffectClrLst/>
+  </dgm:styleLbl>
+  <dgm:styleLbl name="parChTrans2D2">
+    <dgm:fillClrLst meth="repeat">
+      <a:schemeClr val="accent1"/>
+    </dgm:fillClrLst>
+    <dgm:linClrLst meth="repeat">
+      <a:schemeClr val="accent1"/>
+    </dgm:linClrLst>
+    <dgm:effectClrLst/>
+    <dgm:txLinClrLst/>
+    <dgm:txFillClrLst meth="repeat">
+      <a:schemeClr val="lt1"/>
+    </dgm:txFillClrLst>
+    <dgm:txEffectClrLst/>
+  </dgm:styleLbl>
+  <dgm:styleLbl name="parChTrans2D3">
+    <dgm:fillClrLst meth="repeat">
+      <a:schemeClr val="accent1"/>
+    </dgm:fillClrLst>
+    <dgm:linClrLst meth="repeat">
+      <a:schemeClr val="accent1"/>
+    </dgm:linClrLst>
+    <dgm:effectClrLst/>
+    <dgm:txLinClrLst/>
+    <dgm:txFillClrLst meth="repeat">
+      <a:schemeClr val="lt1"/>
+    </dgm:txFillClrLst>
+    <dgm:txEffectClrLst/>
+  </dgm:styleLbl>
+  <dgm:styleLbl name="parChTrans2D4">
+    <dgm:fillClrLst meth="repeat">
+      <a:schemeClr val="accent1"/>
+    </dgm:fillClrLst>
+    <dgm:linClrLst meth="repeat">
+      <a:schemeClr val="accent1"/>
+    </dgm:linClrLst>
+    <dgm:effectClrLst/>
+    <dgm:txLinClrLst/>
+    <dgm:txFillClrLst meth="repeat">
+      <a:schemeClr val="lt1"/>
+    </dgm:txFillClrLst>
+    <dgm:txEffectClrLst/>
+  </dgm:styleLbl>
+  <dgm:styleLbl name="parChTrans1D1">
+    <dgm:fillClrLst meth="repeat">
+      <a:schemeClr val="accent1"/>
+    </dgm:fillClrLst>
+    <dgm:linClrLst meth="repeat">
+      <a:schemeClr val="accent1">
+        <a:shade val="60000"/>
+      </a:schemeClr>
+    </dgm:linClrLst>
+    <dgm:effectClrLst/>
+    <dgm:txLinClrLst/>
+    <dgm:txFillClrLst meth="repeat">
+      <a:schemeClr val="tx1"/>
+    </dgm:txFillClrLst>
+    <dgm:txEffectClrLst/>
+  </dgm:styleLbl>
+  <dgm:styleLbl name="parChTrans1D2">
+    <dgm:fillClrLst meth="repeat">
+      <a:schemeClr val="accent1"/>
+    </dgm:fillClrLst>
+    <dgm:linClrLst meth="repeat">
+      <a:schemeClr val="accent1">
+        <a:shade val="60000"/>
+      </a:schemeClr>
+    </dgm:linClrLst>
+    <dgm:effectClrLst/>
+    <dgm:txLinClrLst/>
+    <dgm:txFillClrLst meth="repeat">
+      <a:schemeClr val="tx1"/>
+    </dgm:txFillClrLst>
+    <dgm:txEffectClrLst/>
+  </dgm:styleLbl>
+  <dgm:styleLbl name="parChTrans1D3">
+    <dgm:fillClrLst meth="repeat">
+      <a:schemeClr val="accent1"/>
+    </dgm:fillClrLst>
+    <dgm:linClrLst meth="repeat">
+      <a:schemeClr val="accent1">
+        <a:shade val="80000"/>
+      </a:schemeClr>
+    </dgm:linClrLst>
+    <dgm:effectClrLst/>
+    <dgm:txLinClrLst/>
+    <dgm:txFillClrLst meth="repeat">
+      <a:schemeClr val="tx1"/>
+    </dgm:txFillClrLst>
+    <dgm:txEffectClrLst/>
+  </dgm:styleLbl>
+  <dgm:styleLbl name="parChTrans1D4">
+    <dgm:fillClrLst meth="repeat">
+      <a:schemeClr val="accent1"/>
+    </dgm:fillClrLst>
+    <dgm:linClrLst meth="repeat">
+      <a:schemeClr val="accent1">
+        <a:shade val="80000"/>
+      </a:schemeClr>
+    </dgm:linClrLst>
+    <dgm:effectClrLst/>
+    <dgm:txLinClrLst/>
+    <dgm:txFillClrLst meth="repeat">
+      <a:schemeClr val="tx1"/>
+    </dgm:txFillClrLst>
+    <dgm:txEffectClrLst/>
+  </dgm:styleLbl>
+  <dgm:styleLbl name="fgAcc1">
+    <dgm:fillClrLst meth="repeat">
+      <a:schemeClr val="lt1">
+        <a:alpha val="90000"/>
+      </a:schemeClr>
+    </dgm:fillClrLst>
+    <dgm:linClrLst meth="repeat">
+      <a:schemeClr val="accent1"/>
+    </dgm:linClrLst>
+    <dgm:effectClrLst/>
+    <dgm:txLinClrLst/>
+    <dgm:txFillClrLst meth="repeat">
+      <a:schemeClr val="dk1"/>
+    </dgm:txFillClrLst>
+    <dgm:txEffectClrLst/>
+  </dgm:styleLbl>
+  <dgm:styleLbl name="conFgAcc1">
+    <dgm:fillClrLst meth="repeat">
+      <a:schemeClr val="lt1">
+        <a:alpha val="90000"/>
+      </a:schemeClr>
+    </dgm:fillClrLst>
+    <dgm:linClrLst meth="repeat">
+      <a:schemeClr val="accent1"/>
+    </dgm:linClrLst>
+    <dgm:effectClrLst/>
+    <dgm:txLinClrLst/>
+    <dgm:txFillClrLst meth="repeat">
+      <a:schemeClr val="dk1"/>
+    </dgm:txFillClrLst>
+    <dgm:txEffectClrLst/>
+  </dgm:styleLbl>
+  <dgm:styleLbl name="alignAcc1">
+    <dgm:fillClrLst meth="repeat">
+      <a:schemeClr val="lt1">
+        <a:alpha val="90000"/>
+      </a:schemeClr>
+    </dgm:fillClrLst>
+    <dgm:linClrLst meth="repeat">
+      <a:schemeClr val="accent1"/>
+    </dgm:linClrLst>
+    <dgm:effectClrLst/>
+    <dgm:txLinClrLst/>
+    <dgm:txFillClrLst meth="repeat">
+      <a:schemeClr val="dk1"/>
+    </dgm:txFillClrLst>
+    <dgm:txEffectClrLst/>
+  </dgm:styleLbl>
+  <dgm:styleLbl name="trAlignAcc1">
+    <dgm:fillClrLst meth="repeat">
+      <a:schemeClr val="lt1">
+        <a:alpha val="40000"/>
+      </a:schemeClr>
+    </dgm:fillClrLst>
+    <dgm:linClrLst meth="repeat">
+      <a:schemeClr val="accent1"/>
+    </dgm:linClrLst>
+    <dgm:effectClrLst/>
+    <dgm:txLinClrLst/>
+    <dgm:txFillClrLst meth="repeat">
+      <a:schemeClr val="dk1"/>
+    </dgm:txFillClrLst>
+    <dgm:txEffectClrLst/>
+  </dgm:styleLbl>
+  <dgm:styleLbl name="bgAcc1">
+    <dgm:fillClrLst meth="repeat">
+      <a:schemeClr val="lt1">
+        <a:alpha val="90000"/>
+      </a:schemeClr>
+    </dgm:fillClrLst>
+    <dgm:linClrLst meth="repeat">
+      <a:schemeClr val="accent1"/>
+    </dgm:linClrLst>
+    <dgm:effectClrLst/>
+    <dgm:txLinClrLst/>
+    <dgm:txFillClrLst meth="repeat">
+      <a:schemeClr val="dk1"/>
+    </dgm:txFillClrLst>
+    <dgm:txEffectClrLst/>
+  </dgm:styleLbl>
+  <dgm:styleLbl name="solidFgAcc1">
+    <dgm:fillClrLst meth="repeat">
+      <a:schemeClr val="lt1"/>
+    </dgm:fillClrLst>
+    <dgm:linClrLst meth="repeat">
+      <a:schemeClr val="accent1"/>
+    </dgm:linClrLst>
+    <dgm:effectClrLst/>
+    <dgm:txLinClrLst/>
+    <dgm:txFillClrLst meth="repeat">
+      <a:schemeClr val="dk1"/>
+    </dgm:txFillClrLst>
+    <dgm:txEffectClrLst/>
+  </dgm:styleLbl>
+  <dgm:styleLbl name="solidAlignAcc1">
+    <dgm:fillClrLst meth="repeat">
+      <a:schemeClr val="lt1"/>
+    </dgm:fillClrLst>
+    <dgm:linClrLst meth="repeat">
+      <a:schemeClr val="accent1"/>
+    </dgm:linClrLst>
+    <dgm:effectClrLst/>
+    <dgm:txLinClrLst/>
+    <dgm:txFillClrLst meth="repeat">
+      <a:schemeClr val="dk1"/>
+    </dgm:txFillClrLst>
+    <dgm:txEffectClrLst/>
+  </dgm:styleLbl>
+  <dgm:styleLbl name="solidBgAcc1">
+    <dgm:fillClrLst meth="repeat">
+      <a:schemeClr val="lt1"/>
+    </dgm:fillClrLst>
+    <dgm:linClrLst meth="repeat">
+      <a:schemeClr val="accent1"/>
+    </dgm:linClrLst>
+    <dgm:effectClrLst/>
+    <dgm:txLinClrLst/>
+    <dgm:txFillClrLst meth="repeat">
+      <a:schemeClr val="dk1"/>
+    </dgm:txFillClrLst>
+    <dgm:txEffectClrLst/>
+  </dgm:styleLbl>
+  <dgm:styleLbl name="fgAccFollowNode1">
+    <dgm:fillClrLst meth="repeat">
+      <a:schemeClr val="accent1">
+        <a:alpha val="90000"/>
+        <a:tint val="40000"/>
+      </a:schemeClr>
+    </dgm:fillClrLst>
+    <dgm:linClrLst meth="repeat">
+      <a:schemeClr val="accent1">
+        <a:alpha val="90000"/>
+        <a:tint val="40000"/>
+      </a:schemeClr>
+    </dgm:linClrLst>
+    <dgm:effectClrLst/>
+    <dgm:txLinClrLst/>
+    <dgm:txFillClrLst meth="repeat">
+      <a:schemeClr val="dk1"/>
+    </dgm:txFillClrLst>
+    <dgm:txEffectClrLst/>
+  </dgm:styleLbl>
+  <dgm:styleLbl name="alignAccFollowNode1">
+    <dgm:fillClrLst meth="repeat">
+      <a:schemeClr val="accent1">
+        <a:alpha val="90000"/>
+        <a:tint val="40000"/>
+      </a:schemeClr>
+    </dgm:fillClrLst>
+    <dgm:linClrLst meth="repeat">
+      <a:schemeClr val="accent1">
+        <a:alpha val="90000"/>
+        <a:tint val="40000"/>
+      </a:schemeClr>
+    </dgm:linClrLst>
+    <dgm:effectClrLst/>
+    <dgm:txLinClrLst/>
+    <dgm:txFillClrLst meth="repeat">
+      <a:schemeClr val="dk1"/>
+    </dgm:txFillClrLst>
+    <dgm:txEffectClrLst/>
+  </dgm:styleLbl>
+  <dgm:styleLbl name="bgAccFollowNode1">
+    <dgm:fillClrLst meth="repeat">
+      <a:schemeClr val="accent1">
+        <a:alpha val="90000"/>
+        <a:tint val="40000"/>
+      </a:schemeClr>
+    </dgm:fillClrLst>
+    <dgm:linClrLst meth="repeat">
+      <a:schemeClr val="accent1">
+        <a:alpha val="90000"/>
+        <a:tint val="40000"/>
+      </a:schemeClr>
+    </dgm:linClrLst>
+    <dgm:effectClrLst/>
+    <dgm:txLinClrLst/>
+    <dgm:txFillClrLst meth="repeat">
+      <a:schemeClr val="dk1"/>
+    </dgm:txFillClrLst>
+    <dgm:txEffectClrLst/>
+  </dgm:styleLbl>
+  <dgm:styleLbl name="fgAcc0">
+    <dgm:fillClrLst meth="repeat">
+      <a:schemeClr val="lt1">
+        <a:alpha val="90000"/>
+      </a:schemeClr>
+    </dgm:fillClrLst>
+    <dgm:linClrLst meth="repeat">
+      <a:schemeClr val="accent1"/>
+    </dgm:linClrLst>
+    <dgm:effectClrLst/>
+    <dgm:txLinClrLst/>
+    <dgm:txFillClrLst meth="repeat">
+      <a:schemeClr val="dk1"/>
+    </dgm:txFillClrLst>
+    <dgm:txEffectClrLst/>
+  </dgm:styleLbl>
+  <dgm:styleLbl name="fgAcc2">
+    <dgm:fillClrLst meth="repeat">
+      <a:schemeClr val="lt1">
+        <a:alpha val="90000"/>
+      </a:schemeClr>
+    </dgm:fillClrLst>
+    <dgm:linClrLst meth="repeat">
+      <a:schemeClr val="accent1"/>
+    </dgm:linClrLst>
+    <dgm:effectClrLst/>
+    <dgm:txLinClrLst/>
+    <dgm:txFillClrLst meth="repeat">
+      <a:schemeClr val="dk1"/>
+    </dgm:txFillClrLst>
+    <dgm:txEffectClrLst/>
+  </dgm:styleLbl>
+  <dgm:styleLbl name="fgAcc3">
+    <dgm:fillClrLst meth="repeat">
+      <a:schemeClr val="lt1">
+        <a:alpha val="90000"/>
+      </a:schemeClr>
+    </dgm:fillClrLst>
+    <dgm:linClrLst meth="repeat">
+      <a:schemeClr val="accent1"/>
+    </dgm:linClrLst>
+    <dgm:effectClrLst/>
+    <dgm:txLinClrLst/>
+    <dgm:txFillClrLst meth="repeat">
+      <a:schemeClr val="dk1"/>
+    </dgm:txFillClrLst>
+    <dgm:txEffectClrLst/>
+  </dgm:styleLbl>
+  <dgm:styleLbl name="fgAcc4">
+    <dgm:fillClrLst meth="repeat">
+      <a:schemeClr val="lt1">
+        <a:alpha val="90000"/>
+      </a:schemeClr>
+    </dgm:fillClrLst>
+    <dgm:linClrLst meth="repeat">
+      <a:schemeClr val="accent1"/>
+    </dgm:linClrLst>
+    <dgm:effectClrLst/>
+    <dgm:txLinClrLst/>
+    <dgm:txFillClrLst meth="repeat">
+      <a:schemeClr val="dk1"/>
+    </dgm:txFillClrLst>
+    <dgm:txEffectClrLst/>
+  </dgm:styleLbl>
+  <dgm:styleLbl name="bgShp">
+    <dgm:fillClrLst meth="repeat">
+      <a:schemeClr val="accent1">
+        <a:tint val="40000"/>
+      </a:schemeClr>
+    </dgm:fillClrLst>
+    <dgm:linClrLst meth="repeat">
+      <a:schemeClr val="accent1"/>
+    </dgm:linClrLst>
+    <dgm:effectClrLst/>
+    <dgm:txLinClrLst/>
+    <dgm:txFillClrLst meth="repeat">
+      <a:schemeClr val="dk1"/>
+    </dgm:txFillClrLst>
+    <dgm:txEffectClrLst/>
+  </dgm:styleLbl>
+  <dgm:styleLbl name="dkBgShp">
+    <dgm:fillClrLst meth="repeat">
+      <a:schemeClr val="accent1">
+        <a:shade val="80000"/>
+      </a:schemeClr>
+    </dgm:fillClrLst>
+    <dgm:linClrLst meth="repeat">
+      <a:schemeClr val="accent1"/>
+    </dgm:linClrLst>
+    <dgm:effectClrLst/>
+    <dgm:txLinClrLst/>
+    <dgm:txFillClrLst meth="repeat">
+      <a:schemeClr val="lt1"/>
+    </dgm:txFillClrLst>
+    <dgm:txEffectClrLst/>
+  </dgm:styleLbl>
+  <dgm:styleLbl name="trBgShp">
+    <dgm:fillClrLst meth="repeat">
+      <a:schemeClr val="accent1">
+        <a:tint val="50000"/>
+        <a:alpha val="40000"/>
+      </a:schemeClr>
+    </dgm:fillClrLst>
+    <dgm:linClrLst meth="repeat">
+      <a:schemeClr val="accent1"/>
+    </dgm:linClrLst>
+    <dgm:effectClrLst/>
+    <dgm:txLinClrLst/>
+    <dgm:txFillClrLst meth="repeat">
+      <a:schemeClr val="lt1"/>
+    </dgm:txFillClrLst>
+    <dgm:txEffectClrLst/>
+  </dgm:styleLbl>
+  <dgm:styleLbl name="fgShp">
+    <dgm:fillClrLst meth="repeat">
+      <a:schemeClr val="accent1">
+        <a:tint val="60000"/>
+      </a:schemeClr>
+    </dgm:fillClrLst>
+    <dgm:linClrLst meth="repeat">
+      <a:schemeClr val="lt1"/>
+    </dgm:linClrLst>
+    <dgm:effectClrLst/>
+    <dgm:txLinClrLst/>
+    <dgm:txFillClrLst meth="repeat">
+      <a:schemeClr val="dk1"/>
+    </dgm:txFillClrLst>
+    <dgm:txEffectClrLst/>
+  </dgm:styleLbl>
+  <dgm:styleLbl name="revTx">
+    <dgm:fillClrLst meth="repeat">
+      <a:schemeClr val="lt1">
+        <a:alpha val="0"/>
+      </a:schemeClr>
+    </dgm:fillClrLst>
+    <dgm:linClrLst meth="repeat">
+      <a:schemeClr val="dk1">
+        <a:alpha val="0"/>
+      </a:schemeClr>
+    </dgm:linClrLst>
+    <dgm:effectClrLst/>
+    <dgm:txLinClrLst/>
+    <dgm:txFillClrLst meth="repeat">
+      <a:schemeClr val="tx1"/>
+    </dgm:txFillClrLst>
+    <dgm:txEffectClrLst/>
+  </dgm:styleLbl>
+</dgm:colorsDef>
+</file>
+
+<file path=ppt/diagrams/data1.xml><?xml version="1.0" encoding="utf-8"?>
+<dgm:dataModel xmlns:dgm="http://schemas.openxmlformats.org/drawingml/2006/diagram" xmlns:a="http://schemas.openxmlformats.org/drawingml/2006/main">
+  <dgm:ptLst>
+    <dgm:pt modelId="{EAAAEC05-0F55-4223-8FE1-88A9B0FF3C5B}" type="doc">
+      <dgm:prSet loTypeId="urn:microsoft.com/office/officeart/2008/layout/RadialCluster" loCatId="relationship" qsTypeId="urn:microsoft.com/office/officeart/2005/8/quickstyle/simple1" qsCatId="simple" csTypeId="urn:microsoft.com/office/officeart/2005/8/colors/accent1_2" csCatId="accent1" phldr="1"/>
+      <dgm:spPr/>
+      <dgm:t>
+        <a:bodyPr/>
+        <a:lstStyle/>
+        <a:p>
+          <a:endParaRPr lang="fr-CH"/>
+        </a:p>
+      </dgm:t>
+    </dgm:pt>
+    <dgm:pt modelId="{FFE766A7-58BF-40FF-80A4-815FA96111D9}">
+      <dgm:prSet phldrT="[Texte]"/>
+      <dgm:spPr>
+        <a:solidFill>
+          <a:schemeClr val="accent6">
+            <a:lumMod val="60000"/>
+            <a:lumOff val="40000"/>
+          </a:schemeClr>
+        </a:solidFill>
+      </dgm:spPr>
+      <dgm:t>
+        <a:bodyPr/>
+        <a:lstStyle/>
+        <a:p>
+          <a:r>
+            <a:rPr lang="fr-CH"/>
+            <a:t>API - Gateway Kong</a:t>
+          </a:r>
+        </a:p>
+      </dgm:t>
+    </dgm:pt>
+    <dgm:pt modelId="{B20B8822-020B-4E32-BC9B-83EEEEFE87A3}" type="parTrans" cxnId="{6ED4CA5A-BA35-454F-8258-9F50BEBD8284}">
+      <dgm:prSet/>
+      <dgm:spPr/>
+      <dgm:t>
+        <a:bodyPr/>
+        <a:lstStyle/>
+        <a:p>
+          <a:endParaRPr lang="fr-CH"/>
+        </a:p>
+      </dgm:t>
+    </dgm:pt>
+    <dgm:pt modelId="{8B2E73B4-492D-4785-8FAD-AABB85587E9E}" type="sibTrans" cxnId="{6ED4CA5A-BA35-454F-8258-9F50BEBD8284}">
+      <dgm:prSet/>
+      <dgm:spPr/>
+      <dgm:t>
+        <a:bodyPr/>
+        <a:lstStyle/>
+        <a:p>
+          <a:endParaRPr lang="fr-CH"/>
+        </a:p>
+      </dgm:t>
+    </dgm:pt>
+    <dgm:pt modelId="{89ED2A3C-EFBE-484C-889C-9AF9336713CF}">
+      <dgm:prSet phldrT="[Texte]" phldr="1"/>
+      <dgm:spPr/>
+      <dgm:t>
+        <a:bodyPr/>
+        <a:lstStyle/>
+        <a:p>
+          <a:endParaRPr lang="fr-CH"/>
+        </a:p>
+      </dgm:t>
+    </dgm:pt>
+    <dgm:pt modelId="{776B3F3B-2E18-41B9-8B49-16F47871639A}" type="parTrans" cxnId="{C5E708C2-4AE5-4F5E-B35F-4C19ACDE408B}">
+      <dgm:prSet/>
+      <dgm:spPr/>
+      <dgm:t>
+        <a:bodyPr/>
+        <a:lstStyle/>
+        <a:p>
+          <a:endParaRPr lang="fr-CH"/>
+        </a:p>
+      </dgm:t>
+    </dgm:pt>
+    <dgm:pt modelId="{D867F433-8688-4C9A-8F05-7AB2550699C9}" type="sibTrans" cxnId="{C5E708C2-4AE5-4F5E-B35F-4C19ACDE408B}">
+      <dgm:prSet/>
+      <dgm:spPr/>
+      <dgm:t>
+        <a:bodyPr/>
+        <a:lstStyle/>
+        <a:p>
+          <a:endParaRPr lang="fr-CH"/>
+        </a:p>
+      </dgm:t>
+    </dgm:pt>
+    <dgm:pt modelId="{454E737A-A0A1-48D3-877C-7F9DEF199907}">
+      <dgm:prSet phldrT="[Texte]"/>
+      <dgm:spPr>
+        <a:solidFill>
+          <a:srgbClr val="7030A0"/>
+        </a:solidFill>
+      </dgm:spPr>
+      <dgm:t>
+        <a:bodyPr/>
+        <a:lstStyle/>
+        <a:p>
+          <a:r>
+            <a:rPr lang="fr-CH"/>
+            <a:t>Web-UI</a:t>
+          </a:r>
+        </a:p>
+      </dgm:t>
+    </dgm:pt>
+    <dgm:pt modelId="{B391E854-1429-46E1-AC26-C32183D8C258}" type="parTrans" cxnId="{A2E92479-4399-4D33-96C4-D8C2ABA79A00}">
+      <dgm:prSet/>
+      <dgm:spPr/>
+      <dgm:t>
+        <a:bodyPr/>
+        <a:lstStyle/>
+        <a:p>
+          <a:endParaRPr lang="fr-CH"/>
+        </a:p>
+      </dgm:t>
+    </dgm:pt>
+    <dgm:pt modelId="{2D50DC55-D85D-415D-9225-7D5B6D70FD74}" type="sibTrans" cxnId="{A2E92479-4399-4D33-96C4-D8C2ABA79A00}">
+      <dgm:prSet/>
+      <dgm:spPr/>
+      <dgm:t>
+        <a:bodyPr/>
+        <a:lstStyle/>
+        <a:p>
+          <a:endParaRPr lang="fr-CH"/>
+        </a:p>
+      </dgm:t>
+    </dgm:pt>
+    <dgm:pt modelId="{B0321F13-C5B6-45E5-A7BF-835FAD1BC40B}">
+      <dgm:prSet phldrT="[Texte]"/>
+      <dgm:spPr/>
+      <dgm:t>
+        <a:bodyPr/>
+        <a:lstStyle/>
+        <a:p>
+          <a:r>
+            <a:rPr lang="fr-CH"/>
+            <a:t>Client</a:t>
+          </a:r>
+        </a:p>
+      </dgm:t>
+    </dgm:pt>
+    <dgm:pt modelId="{0DCB840A-5F50-4CEE-BC84-242A08D80EF2}" type="parTrans" cxnId="{CA6C7116-BBAA-40D4-8782-29DB974D3FEA}">
+      <dgm:prSet/>
+      <dgm:spPr/>
+      <dgm:t>
+        <a:bodyPr/>
+        <a:lstStyle/>
+        <a:p>
+          <a:endParaRPr lang="fr-CH"/>
+        </a:p>
+      </dgm:t>
+    </dgm:pt>
+    <dgm:pt modelId="{D267AE8C-4184-4B3B-82A8-9D0025053F0C}" type="sibTrans" cxnId="{CA6C7116-BBAA-40D4-8782-29DB974D3FEA}">
+      <dgm:prSet/>
+      <dgm:spPr/>
+      <dgm:t>
+        <a:bodyPr/>
+        <a:lstStyle/>
+        <a:p>
+          <a:endParaRPr lang="fr-CH"/>
+        </a:p>
+      </dgm:t>
+    </dgm:pt>
+    <dgm:pt modelId="{25D98F28-C6CB-417B-ACF5-1ECE41A292F7}">
+      <dgm:prSet/>
+      <dgm:spPr>
+        <a:solidFill>
+          <a:schemeClr val="accent2">
+            <a:lumMod val="75000"/>
+          </a:schemeClr>
+        </a:solidFill>
+      </dgm:spPr>
+      <dgm:t>
+        <a:bodyPr/>
+        <a:lstStyle/>
+        <a:p>
+          <a:r>
+            <a:rPr lang="fr-CH"/>
+            <a:t>Statistique</a:t>
+          </a:r>
+        </a:p>
+      </dgm:t>
+    </dgm:pt>
+    <dgm:pt modelId="{E85B3AC5-6ACD-439B-9516-448CAF2E40CC}" type="parTrans" cxnId="{DE4D63E3-3218-4892-B871-C75B037DFD1F}">
+      <dgm:prSet/>
+      <dgm:spPr/>
+      <dgm:t>
+        <a:bodyPr/>
+        <a:lstStyle/>
+        <a:p>
+          <a:endParaRPr lang="fr-CH"/>
+        </a:p>
+      </dgm:t>
+    </dgm:pt>
+    <dgm:pt modelId="{522EC900-CC80-4AD6-AF43-EC27A0AABC06}" type="sibTrans" cxnId="{DE4D63E3-3218-4892-B871-C75B037DFD1F}">
+      <dgm:prSet/>
+      <dgm:spPr/>
+      <dgm:t>
+        <a:bodyPr/>
+        <a:lstStyle/>
+        <a:p>
+          <a:endParaRPr lang="fr-CH"/>
+        </a:p>
+      </dgm:t>
+    </dgm:pt>
+    <dgm:pt modelId="{0FBFEBD7-593E-44B3-8877-DF11408ECA8D}">
+      <dgm:prSet/>
+      <dgm:spPr>
+        <a:solidFill>
+          <a:schemeClr val="accent2">
+            <a:lumMod val="75000"/>
+          </a:schemeClr>
+        </a:solidFill>
+      </dgm:spPr>
+      <dgm:t>
+        <a:bodyPr/>
+        <a:lstStyle/>
+        <a:p>
+          <a:r>
+            <a:rPr lang="fr-CH"/>
+            <a:t>Messagerie</a:t>
+          </a:r>
+        </a:p>
+      </dgm:t>
+    </dgm:pt>
+    <dgm:pt modelId="{0A2E7BC8-AC3E-4782-BC6E-DD3879B362A9}" type="parTrans" cxnId="{91A73C13-B8BC-4B2D-AF97-5B1CACE537FB}">
+      <dgm:prSet/>
+      <dgm:spPr/>
+      <dgm:t>
+        <a:bodyPr/>
+        <a:lstStyle/>
+        <a:p>
+          <a:endParaRPr lang="fr-CH"/>
+        </a:p>
+      </dgm:t>
+    </dgm:pt>
+    <dgm:pt modelId="{4A0E8694-781E-4464-AA01-3765C9004790}" type="sibTrans" cxnId="{91A73C13-B8BC-4B2D-AF97-5B1CACE537FB}">
+      <dgm:prSet/>
+      <dgm:spPr/>
+      <dgm:t>
+        <a:bodyPr/>
+        <a:lstStyle/>
+        <a:p>
+          <a:endParaRPr lang="fr-CH"/>
+        </a:p>
+      </dgm:t>
+    </dgm:pt>
+    <dgm:pt modelId="{D7D9CBA6-50FF-4729-9067-D84783104541}">
+      <dgm:prSet/>
+      <dgm:spPr>
+        <a:solidFill>
+          <a:schemeClr val="accent2">
+            <a:lumMod val="75000"/>
+          </a:schemeClr>
+        </a:solidFill>
+      </dgm:spPr>
+      <dgm:t>
+        <a:bodyPr/>
+        <a:lstStyle/>
+        <a:p>
+          <a:r>
+            <a:rPr lang="fr-CH"/>
+            <a:t>SearchItem</a:t>
+          </a:r>
+        </a:p>
+      </dgm:t>
+    </dgm:pt>
+    <dgm:pt modelId="{5AFD4891-26C5-45B7-B0EC-5D88BADD228D}" type="parTrans" cxnId="{A1FAD7ED-C9B8-4F30-9A0D-053DFE78947C}">
+      <dgm:prSet/>
+      <dgm:spPr/>
+      <dgm:t>
+        <a:bodyPr/>
+        <a:lstStyle/>
+        <a:p>
+          <a:endParaRPr lang="fr-CH"/>
+        </a:p>
+      </dgm:t>
+    </dgm:pt>
+    <dgm:pt modelId="{10C871D7-B444-4435-B96C-BD0CE9F81B74}" type="sibTrans" cxnId="{A1FAD7ED-C9B8-4F30-9A0D-053DFE78947C}">
+      <dgm:prSet/>
+      <dgm:spPr/>
+      <dgm:t>
+        <a:bodyPr/>
+        <a:lstStyle/>
+        <a:p>
+          <a:endParaRPr lang="fr-CH"/>
+        </a:p>
+      </dgm:t>
+    </dgm:pt>
+    <dgm:pt modelId="{7BE6C21D-6E17-46F0-AADC-5ED7834D9E53}">
+      <dgm:prSet/>
+      <dgm:spPr>
+        <a:solidFill>
+          <a:schemeClr val="accent2">
+            <a:lumMod val="75000"/>
+          </a:schemeClr>
+        </a:solidFill>
+      </dgm:spPr>
+      <dgm:t>
+        <a:bodyPr/>
+        <a:lstStyle/>
+        <a:p>
+          <a:r>
+            <a:rPr lang="fr-CH"/>
+            <a:t>AddAnnonce</a:t>
+          </a:r>
+        </a:p>
+      </dgm:t>
+    </dgm:pt>
+    <dgm:pt modelId="{63DF9D25-CE4E-4C62-9078-5171693BA9E5}" type="parTrans" cxnId="{D4B75CDA-7AF3-40D4-AF0F-249A91A7B27D}">
+      <dgm:prSet/>
+      <dgm:spPr/>
+      <dgm:t>
+        <a:bodyPr/>
+        <a:lstStyle/>
+        <a:p>
+          <a:endParaRPr lang="fr-CH"/>
+        </a:p>
+      </dgm:t>
+    </dgm:pt>
+    <dgm:pt modelId="{86FD984E-EF28-4B16-AD0D-6ADAC87E03DA}" type="sibTrans" cxnId="{D4B75CDA-7AF3-40D4-AF0F-249A91A7B27D}">
+      <dgm:prSet/>
+      <dgm:spPr/>
+      <dgm:t>
+        <a:bodyPr/>
+        <a:lstStyle/>
+        <a:p>
+          <a:endParaRPr lang="fr-CH"/>
+        </a:p>
+      </dgm:t>
+    </dgm:pt>
+    <dgm:pt modelId="{7F26053A-A177-4FE6-9140-D4DD32D30BCE}">
+      <dgm:prSet/>
+      <dgm:spPr>
+        <a:solidFill>
+          <a:schemeClr val="accent2">
+            <a:lumMod val="75000"/>
+          </a:schemeClr>
+        </a:solidFill>
+      </dgm:spPr>
+      <dgm:t>
+        <a:bodyPr/>
+        <a:lstStyle/>
+        <a:p>
+          <a:r>
+            <a:rPr lang="fr-CH"/>
+            <a:t>User</a:t>
+          </a:r>
+        </a:p>
+      </dgm:t>
+    </dgm:pt>
+    <dgm:pt modelId="{7934B3E1-10E3-4C3C-9323-BBD97DCB1C7A}" type="parTrans" cxnId="{CF221C9B-AF65-4602-8F7F-C380A09C21CB}">
+      <dgm:prSet/>
+      <dgm:spPr/>
+      <dgm:t>
+        <a:bodyPr/>
+        <a:lstStyle/>
+        <a:p>
+          <a:endParaRPr lang="fr-CH"/>
+        </a:p>
+      </dgm:t>
+    </dgm:pt>
+    <dgm:pt modelId="{A34067E3-34E3-4328-83F9-4D85F8268C0D}" type="sibTrans" cxnId="{CF221C9B-AF65-4602-8F7F-C380A09C21CB}">
+      <dgm:prSet/>
+      <dgm:spPr/>
+      <dgm:t>
+        <a:bodyPr/>
+        <a:lstStyle/>
+        <a:p>
+          <a:endParaRPr lang="fr-CH"/>
+        </a:p>
+      </dgm:t>
+    </dgm:pt>
+    <dgm:pt modelId="{EB44F090-ED21-422B-92D9-7FFC8A0DD208}">
+      <dgm:prSet/>
+      <dgm:spPr>
+        <a:solidFill>
+          <a:schemeClr val="accent2">
+            <a:lumMod val="75000"/>
+          </a:schemeClr>
+        </a:solidFill>
+      </dgm:spPr>
+      <dgm:t>
+        <a:bodyPr/>
+        <a:lstStyle/>
+        <a:p>
+          <a:r>
+            <a:rPr lang="fr-CH"/>
+            <a:t>Docker - compose</a:t>
+          </a:r>
+        </a:p>
+      </dgm:t>
+    </dgm:pt>
+    <dgm:pt modelId="{4EBCB823-9077-42D6-A576-C9061B9EDA2A}" type="parTrans" cxnId="{89133970-4AB6-4E5F-82A4-F572FFEA8C05}">
+      <dgm:prSet/>
+      <dgm:spPr/>
+      <dgm:t>
+        <a:bodyPr/>
+        <a:lstStyle/>
+        <a:p>
+          <a:endParaRPr lang="fr-CH"/>
+        </a:p>
+      </dgm:t>
+    </dgm:pt>
+    <dgm:pt modelId="{204FECA5-22E9-4010-9D48-17A910F84E51}" type="sibTrans" cxnId="{89133970-4AB6-4E5F-82A4-F572FFEA8C05}">
+      <dgm:prSet/>
+      <dgm:spPr/>
+      <dgm:t>
+        <a:bodyPr/>
+        <a:lstStyle/>
+        <a:p>
+          <a:endParaRPr lang="fr-CH"/>
+        </a:p>
+      </dgm:t>
+    </dgm:pt>
+    <dgm:pt modelId="{51E0A70F-C23D-4019-965D-BB48B1006B25}" type="pres">
+      <dgm:prSet presAssocID="{EAAAEC05-0F55-4223-8FE1-88A9B0FF3C5B}" presName="Name0" presStyleCnt="0">
+        <dgm:presLayoutVars>
+          <dgm:chMax val="1"/>
+          <dgm:chPref val="1"/>
+          <dgm:dir/>
+          <dgm:animOne val="branch"/>
+          <dgm:animLvl val="lvl"/>
+        </dgm:presLayoutVars>
+      </dgm:prSet>
+      <dgm:spPr/>
+    </dgm:pt>
+    <dgm:pt modelId="{C70E5AC4-E119-45EA-AC4B-B644A43F0F97}" type="pres">
+      <dgm:prSet presAssocID="{FFE766A7-58BF-40FF-80A4-815FA96111D9}" presName="textCenter" presStyleLbl="node1" presStyleIdx="0" presStyleCnt="10" custLinFactNeighborX="-95025" custLinFactNeighborY="-66197"/>
+      <dgm:spPr/>
+    </dgm:pt>
+    <dgm:pt modelId="{13832D01-6F6C-44DD-BCCD-DFE81C8B4B71}" type="pres">
+      <dgm:prSet presAssocID="{FFE766A7-58BF-40FF-80A4-815FA96111D9}" presName="cycle_1" presStyleCnt="0"/>
+      <dgm:spPr/>
+    </dgm:pt>
+    <dgm:pt modelId="{569A5B01-5848-4355-8E9E-85478E27DD73}" type="pres">
+      <dgm:prSet presAssocID="{89ED2A3C-EFBE-484C-889C-9AF9336713CF}" presName="childCenter1" presStyleLbl="node1" presStyleIdx="1" presStyleCnt="10" custFlipVert="0" custScaleX="14641" custScaleY="10203" custLinFactNeighborX="23455" custLinFactNeighborY="19847"/>
+      <dgm:spPr/>
+    </dgm:pt>
+    <dgm:pt modelId="{454F0489-835D-4C89-98C0-F58E34CA8217}" type="pres">
+      <dgm:prSet presAssocID="{E85B3AC5-6ACD-439B-9516-448CAF2E40CC}" presName="Name141" presStyleLbl="parChTrans1D3" presStyleIdx="0" presStyleCnt="6"/>
+      <dgm:spPr>
+        <a:prstGeom prst="halfFrame">
+          <a:avLst/>
+        </a:prstGeom>
+      </dgm:spPr>
+    </dgm:pt>
+    <dgm:pt modelId="{4F8E072B-48E3-478E-B405-6A8505A708D3}" type="pres">
+      <dgm:prSet presAssocID="{25D98F28-C6CB-417B-ACF5-1ECE41A292F7}" presName="text1" presStyleLbl="node1" presStyleIdx="2" presStyleCnt="10" custScaleX="211341" custScaleY="157856" custRadScaleRad="252476" custRadScaleInc="503864">
+        <dgm:presLayoutVars>
+          <dgm:bulletEnabled val="1"/>
+        </dgm:presLayoutVars>
+      </dgm:prSet>
+      <dgm:spPr/>
+    </dgm:pt>
+    <dgm:pt modelId="{E5ADDDA4-484D-4128-BEAE-56C6A8E1205C}" type="pres">
+      <dgm:prSet presAssocID="{0A2E7BC8-AC3E-4782-BC6E-DD3879B362A9}" presName="Name141" presStyleLbl="parChTrans1D3" presStyleIdx="1" presStyleCnt="6"/>
+      <dgm:spPr/>
+    </dgm:pt>
+    <dgm:pt modelId="{A0472D8C-E691-487D-8640-85D46CE6B00E}" type="pres">
+      <dgm:prSet presAssocID="{0FBFEBD7-593E-44B3-8877-DF11408ECA8D}" presName="text1" presStyleLbl="node1" presStyleIdx="3" presStyleCnt="10" custScaleX="211341" custScaleY="157856" custRadScaleRad="224366" custRadScaleInc="433343">
+        <dgm:presLayoutVars>
+          <dgm:bulletEnabled val="1"/>
+        </dgm:presLayoutVars>
+      </dgm:prSet>
+      <dgm:spPr/>
+    </dgm:pt>
+    <dgm:pt modelId="{50EFE1DA-3322-404F-B5EF-EA237EED45B3}" type="pres">
+      <dgm:prSet presAssocID="{5AFD4891-26C5-45B7-B0EC-5D88BADD228D}" presName="Name141" presStyleLbl="parChTrans1D3" presStyleIdx="2" presStyleCnt="6"/>
+      <dgm:spPr/>
+    </dgm:pt>
+    <dgm:pt modelId="{DCBC9C37-C79A-4B12-928E-728185CC12F0}" type="pres">
+      <dgm:prSet presAssocID="{D7D9CBA6-50FF-4729-9067-D84783104541}" presName="text1" presStyleLbl="node1" presStyleIdx="4" presStyleCnt="10" custScaleX="211341" custScaleY="157856" custRadScaleRad="215634" custRadScaleInc="369254">
+        <dgm:presLayoutVars>
+          <dgm:bulletEnabled val="1"/>
+        </dgm:presLayoutVars>
+      </dgm:prSet>
+      <dgm:spPr/>
+    </dgm:pt>
+    <dgm:pt modelId="{008F0249-3626-4458-8356-572AE8333DA7}" type="pres">
+      <dgm:prSet presAssocID="{63DF9D25-CE4E-4C62-9078-5171693BA9E5}" presName="Name141" presStyleLbl="parChTrans1D3" presStyleIdx="3" presStyleCnt="6"/>
+      <dgm:spPr/>
+    </dgm:pt>
+    <dgm:pt modelId="{395BAC34-3736-4CB8-8A00-0409D0ADC21E}" type="pres">
+      <dgm:prSet presAssocID="{7BE6C21D-6E17-46F0-AADC-5ED7834D9E53}" presName="text1" presStyleLbl="node1" presStyleIdx="5" presStyleCnt="10" custScaleX="211341" custScaleY="157856" custRadScaleRad="257694" custRadScaleInc="351600">
+        <dgm:presLayoutVars>
+          <dgm:bulletEnabled val="1"/>
+        </dgm:presLayoutVars>
+      </dgm:prSet>
+      <dgm:spPr/>
+    </dgm:pt>
+    <dgm:pt modelId="{F4A4B947-1F74-4A7B-9190-267FAC1CEF6A}" type="pres">
+      <dgm:prSet presAssocID="{7934B3E1-10E3-4C3C-9323-BBD97DCB1C7A}" presName="Name141" presStyleLbl="parChTrans1D3" presStyleIdx="4" presStyleCnt="6"/>
+      <dgm:spPr/>
+    </dgm:pt>
+    <dgm:pt modelId="{551CC80C-3675-446E-9757-C610E57D2165}" type="pres">
+      <dgm:prSet presAssocID="{7F26053A-A177-4FE6-9140-D4DD32D30BCE}" presName="text1" presStyleLbl="node1" presStyleIdx="6" presStyleCnt="10" custScaleX="211341" custScaleY="157856" custRadScaleRad="299534" custRadScaleInc="267627">
+        <dgm:presLayoutVars>
+          <dgm:bulletEnabled val="1"/>
+        </dgm:presLayoutVars>
+      </dgm:prSet>
+      <dgm:spPr/>
+    </dgm:pt>
+    <dgm:pt modelId="{4E342F3C-2911-4AA7-BB51-A53BAB53DF05}" type="pres">
+      <dgm:prSet presAssocID="{4EBCB823-9077-42D6-A576-C9061B9EDA2A}" presName="Name141" presStyleLbl="parChTrans1D3" presStyleIdx="5" presStyleCnt="6"/>
+      <dgm:spPr/>
+    </dgm:pt>
+    <dgm:pt modelId="{8BF5EA40-677B-4F2C-AB78-BB82F1A7CE63}" type="pres">
+      <dgm:prSet presAssocID="{EB44F090-ED21-422B-92D9-7FFC8A0DD208}" presName="text1" presStyleLbl="node1" presStyleIdx="7" presStyleCnt="10" custScaleX="211341" custScaleY="157856" custRadScaleRad="228711" custRadScaleInc="65298">
+        <dgm:presLayoutVars>
+          <dgm:bulletEnabled val="1"/>
+        </dgm:presLayoutVars>
+      </dgm:prSet>
+      <dgm:spPr/>
+    </dgm:pt>
+    <dgm:pt modelId="{39C36E1F-5E6B-438D-AF06-C425DA7C5517}" type="pres">
+      <dgm:prSet presAssocID="{776B3F3B-2E18-41B9-8B49-16F47871639A}" presName="Name144" presStyleLbl="parChTrans1D2" presStyleIdx="0" presStyleCnt="3"/>
+      <dgm:spPr/>
+    </dgm:pt>
+    <dgm:pt modelId="{2F8499EB-1659-4B08-807E-ADAF605E33F0}" type="pres">
+      <dgm:prSet presAssocID="{FFE766A7-58BF-40FF-80A4-815FA96111D9}" presName="cycle_2" presStyleCnt="0"/>
+      <dgm:spPr/>
+    </dgm:pt>
+    <dgm:pt modelId="{6C3586C0-3224-4092-9B7F-4A0B89EB2A92}" type="pres">
+      <dgm:prSet presAssocID="{454E737A-A0A1-48D3-877C-7F9DEF199907}" presName="childCenter2" presStyleLbl="node1" presStyleIdx="8" presStyleCnt="10" custScaleX="161207" custScaleY="145023" custLinFactNeighborX="-94619" custLinFactNeighborY="-4484"/>
+      <dgm:spPr/>
+    </dgm:pt>
+    <dgm:pt modelId="{8F0188C1-89B4-4141-B7C0-DD2C346DC9C8}" type="pres">
+      <dgm:prSet presAssocID="{B391E854-1429-46E1-AC26-C32183D8C258}" presName="Name221" presStyleLbl="parChTrans1D2" presStyleIdx="1" presStyleCnt="3"/>
+      <dgm:spPr/>
+    </dgm:pt>
+    <dgm:pt modelId="{6F09C7B9-E13C-451A-B9B5-C11D911F9963}" type="pres">
+      <dgm:prSet presAssocID="{FFE766A7-58BF-40FF-80A4-815FA96111D9}" presName="cycle_3" presStyleCnt="0"/>
+      <dgm:spPr/>
+    </dgm:pt>
+    <dgm:pt modelId="{25768885-6B52-4B7E-B734-C653967E0F33}" type="pres">
+      <dgm:prSet presAssocID="{B0321F13-C5B6-45E5-A7BF-835FAD1BC40B}" presName="childCenter3" presStyleLbl="node1" presStyleIdx="9" presStyleCnt="10" custLinFactNeighborX="-67713" custLinFactNeighborY="-66368"/>
+      <dgm:spPr/>
+    </dgm:pt>
+    <dgm:pt modelId="{47E3518E-1E19-4A2D-A757-FA4DEAB7E0A3}" type="pres">
+      <dgm:prSet presAssocID="{0DCB840A-5F50-4CEE-BC84-242A08D80EF2}" presName="Name288" presStyleLbl="parChTrans1D2" presStyleIdx="2" presStyleCnt="3"/>
+      <dgm:spPr/>
+    </dgm:pt>
+  </dgm:ptLst>
+  <dgm:cxnLst>
+    <dgm:cxn modelId="{F3CE3006-B03C-464A-A90C-9EF5B163006E}" type="presOf" srcId="{EB44F090-ED21-422B-92D9-7FFC8A0DD208}" destId="{8BF5EA40-677B-4F2C-AB78-BB82F1A7CE63}" srcOrd="0" destOrd="0" presId="urn:microsoft.com/office/officeart/2008/layout/RadialCluster"/>
+    <dgm:cxn modelId="{84B8C10D-FC75-4EB7-AD18-055D574A5CC3}" type="presOf" srcId="{E85B3AC5-6ACD-439B-9516-448CAF2E40CC}" destId="{454F0489-835D-4C89-98C0-F58E34CA8217}" srcOrd="0" destOrd="0" presId="urn:microsoft.com/office/officeart/2008/layout/RadialCluster"/>
+    <dgm:cxn modelId="{CBA15610-1697-46BA-B2A4-8BC0040A3355}" type="presOf" srcId="{0FBFEBD7-593E-44B3-8877-DF11408ECA8D}" destId="{A0472D8C-E691-487D-8640-85D46CE6B00E}" srcOrd="0" destOrd="0" presId="urn:microsoft.com/office/officeart/2008/layout/RadialCluster"/>
+    <dgm:cxn modelId="{91A73C13-B8BC-4B2D-AF97-5B1CACE537FB}" srcId="{89ED2A3C-EFBE-484C-889C-9AF9336713CF}" destId="{0FBFEBD7-593E-44B3-8877-DF11408ECA8D}" srcOrd="1" destOrd="0" parTransId="{0A2E7BC8-AC3E-4782-BC6E-DD3879B362A9}" sibTransId="{4A0E8694-781E-4464-AA01-3765C9004790}"/>
+    <dgm:cxn modelId="{C5487513-EDA8-46BD-8CD1-AB2F1D5534F1}" type="presOf" srcId="{0DCB840A-5F50-4CEE-BC84-242A08D80EF2}" destId="{47E3518E-1E19-4A2D-A757-FA4DEAB7E0A3}" srcOrd="0" destOrd="0" presId="urn:microsoft.com/office/officeart/2008/layout/RadialCluster"/>
+    <dgm:cxn modelId="{CEEA8C13-64B6-4437-99D3-A25CB026C910}" type="presOf" srcId="{EAAAEC05-0F55-4223-8FE1-88A9B0FF3C5B}" destId="{51E0A70F-C23D-4019-965D-BB48B1006B25}" srcOrd="0" destOrd="0" presId="urn:microsoft.com/office/officeart/2008/layout/RadialCluster"/>
+    <dgm:cxn modelId="{CA6C7116-BBAA-40D4-8782-29DB974D3FEA}" srcId="{FFE766A7-58BF-40FF-80A4-815FA96111D9}" destId="{B0321F13-C5B6-45E5-A7BF-835FAD1BC40B}" srcOrd="2" destOrd="0" parTransId="{0DCB840A-5F50-4CEE-BC84-242A08D80EF2}" sibTransId="{D267AE8C-4184-4B3B-82A8-9D0025053F0C}"/>
+    <dgm:cxn modelId="{8B629023-0681-4981-BECC-C29260F1754D}" type="presOf" srcId="{89ED2A3C-EFBE-484C-889C-9AF9336713CF}" destId="{569A5B01-5848-4355-8E9E-85478E27DD73}" srcOrd="0" destOrd="0" presId="urn:microsoft.com/office/officeart/2008/layout/RadialCluster"/>
+    <dgm:cxn modelId="{0343555D-2B8E-47D9-9B7C-3D8597359484}" type="presOf" srcId="{776B3F3B-2E18-41B9-8B49-16F47871639A}" destId="{39C36E1F-5E6B-438D-AF06-C425DA7C5517}" srcOrd="0" destOrd="0" presId="urn:microsoft.com/office/officeart/2008/layout/RadialCluster"/>
+    <dgm:cxn modelId="{1B46A768-D7D8-4CC1-BAD4-7C8EA4AB8A0A}" type="presOf" srcId="{0A2E7BC8-AC3E-4782-BC6E-DD3879B362A9}" destId="{E5ADDDA4-484D-4128-BEAE-56C6A8E1205C}" srcOrd="0" destOrd="0" presId="urn:microsoft.com/office/officeart/2008/layout/RadialCluster"/>
+    <dgm:cxn modelId="{9AE11A69-A013-47BD-8298-3B8B265D119B}" type="presOf" srcId="{7934B3E1-10E3-4C3C-9323-BBD97DCB1C7A}" destId="{F4A4B947-1F74-4A7B-9190-267FAC1CEF6A}" srcOrd="0" destOrd="0" presId="urn:microsoft.com/office/officeart/2008/layout/RadialCluster"/>
+    <dgm:cxn modelId="{89133970-4AB6-4E5F-82A4-F572FFEA8C05}" srcId="{89ED2A3C-EFBE-484C-889C-9AF9336713CF}" destId="{EB44F090-ED21-422B-92D9-7FFC8A0DD208}" srcOrd="5" destOrd="0" parTransId="{4EBCB823-9077-42D6-A576-C9061B9EDA2A}" sibTransId="{204FECA5-22E9-4010-9D48-17A910F84E51}"/>
+    <dgm:cxn modelId="{533FA857-FB0E-4DC8-9118-AE94A0324B8D}" type="presOf" srcId="{5AFD4891-26C5-45B7-B0EC-5D88BADD228D}" destId="{50EFE1DA-3322-404F-B5EF-EA237EED45B3}" srcOrd="0" destOrd="0" presId="urn:microsoft.com/office/officeart/2008/layout/RadialCluster"/>
+    <dgm:cxn modelId="{A2E92479-4399-4D33-96C4-D8C2ABA79A00}" srcId="{FFE766A7-58BF-40FF-80A4-815FA96111D9}" destId="{454E737A-A0A1-48D3-877C-7F9DEF199907}" srcOrd="1" destOrd="0" parTransId="{B391E854-1429-46E1-AC26-C32183D8C258}" sibTransId="{2D50DC55-D85D-415D-9225-7D5B6D70FD74}"/>
+    <dgm:cxn modelId="{6ED4CA5A-BA35-454F-8258-9F50BEBD8284}" srcId="{EAAAEC05-0F55-4223-8FE1-88A9B0FF3C5B}" destId="{FFE766A7-58BF-40FF-80A4-815FA96111D9}" srcOrd="0" destOrd="0" parTransId="{B20B8822-020B-4E32-BC9B-83EEEEFE87A3}" sibTransId="{8B2E73B4-492D-4785-8FAD-AABB85587E9E}"/>
+    <dgm:cxn modelId="{85EBA88A-E790-42CC-B420-2B327BE28E51}" type="presOf" srcId="{B391E854-1429-46E1-AC26-C32183D8C258}" destId="{8F0188C1-89B4-4141-B7C0-DD2C346DC9C8}" srcOrd="0" destOrd="0" presId="urn:microsoft.com/office/officeart/2008/layout/RadialCluster"/>
+    <dgm:cxn modelId="{7D65EA93-0F05-4604-899B-CE19FA18B5BA}" type="presOf" srcId="{FFE766A7-58BF-40FF-80A4-815FA96111D9}" destId="{C70E5AC4-E119-45EA-AC4B-B644A43F0F97}" srcOrd="0" destOrd="0" presId="urn:microsoft.com/office/officeart/2008/layout/RadialCluster"/>
+    <dgm:cxn modelId="{CF221C9B-AF65-4602-8F7F-C380A09C21CB}" srcId="{89ED2A3C-EFBE-484C-889C-9AF9336713CF}" destId="{7F26053A-A177-4FE6-9140-D4DD32D30BCE}" srcOrd="4" destOrd="0" parTransId="{7934B3E1-10E3-4C3C-9323-BBD97DCB1C7A}" sibTransId="{A34067E3-34E3-4328-83F9-4D85F8268C0D}"/>
+    <dgm:cxn modelId="{DEFCF79E-2095-456C-AC8B-596210FEB94D}" type="presOf" srcId="{7F26053A-A177-4FE6-9140-D4DD32D30BCE}" destId="{551CC80C-3675-446E-9757-C610E57D2165}" srcOrd="0" destOrd="0" presId="urn:microsoft.com/office/officeart/2008/layout/RadialCluster"/>
+    <dgm:cxn modelId="{8563C1B0-BE85-4260-96FC-C52E80AE6AFD}" type="presOf" srcId="{B0321F13-C5B6-45E5-A7BF-835FAD1BC40B}" destId="{25768885-6B52-4B7E-B734-C653967E0F33}" srcOrd="0" destOrd="0" presId="urn:microsoft.com/office/officeart/2008/layout/RadialCluster"/>
+    <dgm:cxn modelId="{7D6F5DBB-A874-447B-9053-C30782CBEDBA}" type="presOf" srcId="{7BE6C21D-6E17-46F0-AADC-5ED7834D9E53}" destId="{395BAC34-3736-4CB8-8A00-0409D0ADC21E}" srcOrd="0" destOrd="0" presId="urn:microsoft.com/office/officeart/2008/layout/RadialCluster"/>
+    <dgm:cxn modelId="{B658DABC-01A5-461F-84A0-36EA663F5538}" type="presOf" srcId="{4EBCB823-9077-42D6-A576-C9061B9EDA2A}" destId="{4E342F3C-2911-4AA7-BB51-A53BAB53DF05}" srcOrd="0" destOrd="0" presId="urn:microsoft.com/office/officeart/2008/layout/RadialCluster"/>
+    <dgm:cxn modelId="{C5E708C2-4AE5-4F5E-B35F-4C19ACDE408B}" srcId="{FFE766A7-58BF-40FF-80A4-815FA96111D9}" destId="{89ED2A3C-EFBE-484C-889C-9AF9336713CF}" srcOrd="0" destOrd="0" parTransId="{776B3F3B-2E18-41B9-8B49-16F47871639A}" sibTransId="{D867F433-8688-4C9A-8F05-7AB2550699C9}"/>
+    <dgm:cxn modelId="{EC41B6C7-92F9-4989-81C7-8979838A0AF7}" type="presOf" srcId="{25D98F28-C6CB-417B-ACF5-1ECE41A292F7}" destId="{4F8E072B-48E3-478E-B405-6A8505A708D3}" srcOrd="0" destOrd="0" presId="urn:microsoft.com/office/officeart/2008/layout/RadialCluster"/>
+    <dgm:cxn modelId="{93CB9BD2-A750-4D61-8254-7E3B9043A1B0}" type="presOf" srcId="{D7D9CBA6-50FF-4729-9067-D84783104541}" destId="{DCBC9C37-C79A-4B12-928E-728185CC12F0}" srcOrd="0" destOrd="0" presId="urn:microsoft.com/office/officeart/2008/layout/RadialCluster"/>
+    <dgm:cxn modelId="{D4B75CDA-7AF3-40D4-AF0F-249A91A7B27D}" srcId="{89ED2A3C-EFBE-484C-889C-9AF9336713CF}" destId="{7BE6C21D-6E17-46F0-AADC-5ED7834D9E53}" srcOrd="3" destOrd="0" parTransId="{63DF9D25-CE4E-4C62-9078-5171693BA9E5}" sibTransId="{86FD984E-EF28-4B16-AD0D-6ADAC87E03DA}"/>
+    <dgm:cxn modelId="{DE4D63E3-3218-4892-B871-C75B037DFD1F}" srcId="{89ED2A3C-EFBE-484C-889C-9AF9336713CF}" destId="{25D98F28-C6CB-417B-ACF5-1ECE41A292F7}" srcOrd="0" destOrd="0" parTransId="{E85B3AC5-6ACD-439B-9516-448CAF2E40CC}" sibTransId="{522EC900-CC80-4AD6-AF43-EC27A0AABC06}"/>
+    <dgm:cxn modelId="{1E0E1CE4-66DC-4AC1-8DAD-F704C8006890}" type="presOf" srcId="{63DF9D25-CE4E-4C62-9078-5171693BA9E5}" destId="{008F0249-3626-4458-8356-572AE8333DA7}" srcOrd="0" destOrd="0" presId="urn:microsoft.com/office/officeart/2008/layout/RadialCluster"/>
+    <dgm:cxn modelId="{1B482AEA-2228-4C46-856B-3B1604153189}" type="presOf" srcId="{454E737A-A0A1-48D3-877C-7F9DEF199907}" destId="{6C3586C0-3224-4092-9B7F-4A0B89EB2A92}" srcOrd="0" destOrd="0" presId="urn:microsoft.com/office/officeart/2008/layout/RadialCluster"/>
+    <dgm:cxn modelId="{A1FAD7ED-C9B8-4F30-9A0D-053DFE78947C}" srcId="{89ED2A3C-EFBE-484C-889C-9AF9336713CF}" destId="{D7D9CBA6-50FF-4729-9067-D84783104541}" srcOrd="2" destOrd="0" parTransId="{5AFD4891-26C5-45B7-B0EC-5D88BADD228D}" sibTransId="{10C871D7-B444-4435-B96C-BD0CE9F81B74}"/>
+    <dgm:cxn modelId="{6BD6FE10-BFBD-4939-BECD-71D472F9E380}" type="presParOf" srcId="{51E0A70F-C23D-4019-965D-BB48B1006B25}" destId="{C70E5AC4-E119-45EA-AC4B-B644A43F0F97}" srcOrd="0" destOrd="0" presId="urn:microsoft.com/office/officeart/2008/layout/RadialCluster"/>
+    <dgm:cxn modelId="{B7930FA8-6ED6-49E5-85DE-646CA3CC9682}" type="presParOf" srcId="{51E0A70F-C23D-4019-965D-BB48B1006B25}" destId="{13832D01-6F6C-44DD-BCCD-DFE81C8B4B71}" srcOrd="1" destOrd="0" presId="urn:microsoft.com/office/officeart/2008/layout/RadialCluster"/>
+    <dgm:cxn modelId="{A90D2878-16A7-4D45-8BB7-AE681367E37C}" type="presParOf" srcId="{13832D01-6F6C-44DD-BCCD-DFE81C8B4B71}" destId="{569A5B01-5848-4355-8E9E-85478E27DD73}" srcOrd="0" destOrd="0" presId="urn:microsoft.com/office/officeart/2008/layout/RadialCluster"/>
+    <dgm:cxn modelId="{6860B873-7915-44A7-8E84-B710F6693DA9}" type="presParOf" srcId="{13832D01-6F6C-44DD-BCCD-DFE81C8B4B71}" destId="{454F0489-835D-4C89-98C0-F58E34CA8217}" srcOrd="1" destOrd="0" presId="urn:microsoft.com/office/officeart/2008/layout/RadialCluster"/>
+    <dgm:cxn modelId="{71F5B12F-C98B-424B-906B-21CC20ED9929}" type="presParOf" srcId="{13832D01-6F6C-44DD-BCCD-DFE81C8B4B71}" destId="{4F8E072B-48E3-478E-B405-6A8505A708D3}" srcOrd="2" destOrd="0" presId="urn:microsoft.com/office/officeart/2008/layout/RadialCluster"/>
+    <dgm:cxn modelId="{900C6272-0A8F-4986-9BEE-64BECB2B9B52}" type="presParOf" srcId="{13832D01-6F6C-44DD-BCCD-DFE81C8B4B71}" destId="{E5ADDDA4-484D-4128-BEAE-56C6A8E1205C}" srcOrd="3" destOrd="0" presId="urn:microsoft.com/office/officeart/2008/layout/RadialCluster"/>
+    <dgm:cxn modelId="{79EB252D-515B-469D-AAFF-B42FC9CE527D}" type="presParOf" srcId="{13832D01-6F6C-44DD-BCCD-DFE81C8B4B71}" destId="{A0472D8C-E691-487D-8640-85D46CE6B00E}" srcOrd="4" destOrd="0" presId="urn:microsoft.com/office/officeart/2008/layout/RadialCluster"/>
+    <dgm:cxn modelId="{6D17C3ED-55F4-4381-97FF-EF971D8F7D47}" type="presParOf" srcId="{13832D01-6F6C-44DD-BCCD-DFE81C8B4B71}" destId="{50EFE1DA-3322-404F-B5EF-EA237EED45B3}" srcOrd="5" destOrd="0" presId="urn:microsoft.com/office/officeart/2008/layout/RadialCluster"/>
+    <dgm:cxn modelId="{B53D3F38-218C-4975-9CE2-85A3194B315F}" type="presParOf" srcId="{13832D01-6F6C-44DD-BCCD-DFE81C8B4B71}" destId="{DCBC9C37-C79A-4B12-928E-728185CC12F0}" srcOrd="6" destOrd="0" presId="urn:microsoft.com/office/officeart/2008/layout/RadialCluster"/>
+    <dgm:cxn modelId="{80574CF3-12A1-4494-9BD6-2ADD887E2889}" type="presParOf" srcId="{13832D01-6F6C-44DD-BCCD-DFE81C8B4B71}" destId="{008F0249-3626-4458-8356-572AE8333DA7}" srcOrd="7" destOrd="0" presId="urn:microsoft.com/office/officeart/2008/layout/RadialCluster"/>
+    <dgm:cxn modelId="{3F2471F4-BCB5-4384-8E6A-032E30076E61}" type="presParOf" srcId="{13832D01-6F6C-44DD-BCCD-DFE81C8B4B71}" destId="{395BAC34-3736-4CB8-8A00-0409D0ADC21E}" srcOrd="8" destOrd="0" presId="urn:microsoft.com/office/officeart/2008/layout/RadialCluster"/>
+    <dgm:cxn modelId="{75F58EF3-6AD2-421A-8FF0-ECBDF32266F3}" type="presParOf" srcId="{13832D01-6F6C-44DD-BCCD-DFE81C8B4B71}" destId="{F4A4B947-1F74-4A7B-9190-267FAC1CEF6A}" srcOrd="9" destOrd="0" presId="urn:microsoft.com/office/officeart/2008/layout/RadialCluster"/>
+    <dgm:cxn modelId="{0B1026FD-1BFB-4BAD-98A7-CF416DD53763}" type="presParOf" srcId="{13832D01-6F6C-44DD-BCCD-DFE81C8B4B71}" destId="{551CC80C-3675-446E-9757-C610E57D2165}" srcOrd="10" destOrd="0" presId="urn:microsoft.com/office/officeart/2008/layout/RadialCluster"/>
+    <dgm:cxn modelId="{CB07C23B-A65B-408B-AF8A-5BA1BC889AB7}" type="presParOf" srcId="{13832D01-6F6C-44DD-BCCD-DFE81C8B4B71}" destId="{4E342F3C-2911-4AA7-BB51-A53BAB53DF05}" srcOrd="11" destOrd="0" presId="urn:microsoft.com/office/officeart/2008/layout/RadialCluster"/>
+    <dgm:cxn modelId="{E701F47E-92F8-4FA3-9997-FB98CEB31FA5}" type="presParOf" srcId="{13832D01-6F6C-44DD-BCCD-DFE81C8B4B71}" destId="{8BF5EA40-677B-4F2C-AB78-BB82F1A7CE63}" srcOrd="12" destOrd="0" presId="urn:microsoft.com/office/officeart/2008/layout/RadialCluster"/>
+    <dgm:cxn modelId="{AEE5FEB5-E4F0-430A-A98C-B2A7E8CF6A88}" type="presParOf" srcId="{51E0A70F-C23D-4019-965D-BB48B1006B25}" destId="{39C36E1F-5E6B-438D-AF06-C425DA7C5517}" srcOrd="2" destOrd="0" presId="urn:microsoft.com/office/officeart/2008/layout/RadialCluster"/>
+    <dgm:cxn modelId="{2046B43E-BEF6-4728-B0CC-A8169268BB9B}" type="presParOf" srcId="{51E0A70F-C23D-4019-965D-BB48B1006B25}" destId="{2F8499EB-1659-4B08-807E-ADAF605E33F0}" srcOrd="3" destOrd="0" presId="urn:microsoft.com/office/officeart/2008/layout/RadialCluster"/>
+    <dgm:cxn modelId="{8CBA4604-BF2C-4CE2-84A2-927A7E256D84}" type="presParOf" srcId="{2F8499EB-1659-4B08-807E-ADAF605E33F0}" destId="{6C3586C0-3224-4092-9B7F-4A0B89EB2A92}" srcOrd="0" destOrd="0" presId="urn:microsoft.com/office/officeart/2008/layout/RadialCluster"/>
+    <dgm:cxn modelId="{8AA29C2C-CD6C-4BCE-AA45-88FC55FCF738}" type="presParOf" srcId="{51E0A70F-C23D-4019-965D-BB48B1006B25}" destId="{8F0188C1-89B4-4141-B7C0-DD2C346DC9C8}" srcOrd="4" destOrd="0" presId="urn:microsoft.com/office/officeart/2008/layout/RadialCluster"/>
+    <dgm:cxn modelId="{AB830D85-BD37-4598-AC5D-346438023A65}" type="presParOf" srcId="{51E0A70F-C23D-4019-965D-BB48B1006B25}" destId="{6F09C7B9-E13C-451A-B9B5-C11D911F9963}" srcOrd="5" destOrd="0" presId="urn:microsoft.com/office/officeart/2008/layout/RadialCluster"/>
+    <dgm:cxn modelId="{359E34AB-ABDB-4658-9FA8-5B0A6D7CCD12}" type="presParOf" srcId="{6F09C7B9-E13C-451A-B9B5-C11D911F9963}" destId="{25768885-6B52-4B7E-B734-C653967E0F33}" srcOrd="0" destOrd="0" presId="urn:microsoft.com/office/officeart/2008/layout/RadialCluster"/>
+    <dgm:cxn modelId="{CDC07D98-D262-49E2-A49E-7F07E5CBBC2E}" type="presParOf" srcId="{51E0A70F-C23D-4019-965D-BB48B1006B25}" destId="{47E3518E-1E19-4A2D-A757-FA4DEAB7E0A3}" srcOrd="6" destOrd="0" presId="urn:microsoft.com/office/officeart/2008/layout/RadialCluster"/>
+  </dgm:cxnLst>
+  <dgm:bg/>
+  <dgm:whole/>
+  <dgm:extLst>
+    <a:ext uri="http://schemas.microsoft.com/office/drawing/2008/diagram">
+      <dsp:dataModelExt xmlns:dsp="http://schemas.microsoft.com/office/drawing/2008/diagram" relId="rId7" minVer="http://schemas.openxmlformats.org/drawingml/2006/diagram"/>
+    </a:ext>
+  </dgm:extLst>
+</dgm:dataModel>
+</file>
+
+<file path=ppt/diagrams/drawing1.xml><?xml version="1.0" encoding="utf-8"?>
+<dsp:drawing xmlns:dgm="http://schemas.openxmlformats.org/drawingml/2006/diagram" xmlns:dsp="http://schemas.microsoft.com/office/drawing/2008/diagram" xmlns:a="http://schemas.openxmlformats.org/drawingml/2006/main">
+  <dsp:spTree>
+    <dsp:nvGrpSpPr>
+      <dsp:cNvPr id="0" name=""/>
+      <dsp:cNvGrpSpPr/>
+    </dsp:nvGrpSpPr>
+    <dsp:grpSpPr/>
+    <dsp:sp modelId="{47E3518E-1E19-4A2D-A757-FA4DEAB7E0A3}">
+      <dsp:nvSpPr>
+        <dsp:cNvPr id="0" name=""/>
+        <dsp:cNvSpPr/>
+      </dsp:nvSpPr>
+      <dsp:spPr>
+        <a:xfrm rot="10832159">
+          <a:off x="1396413" y="2771317"/>
+          <a:ext cx="1323569" cy="0"/>
+        </a:xfrm>
+        <a:custGeom>
+          <a:avLst/>
+          <a:gdLst/>
+          <a:ahLst/>
+          <a:cxnLst/>
+          <a:rect l="0" t="0" r="0" b="0"/>
+          <a:pathLst>
+            <a:path>
+              <a:moveTo>
+                <a:pt x="0" y="0"/>
+              </a:moveTo>
+              <a:lnTo>
+                <a:pt x="1323569" y="0"/>
+              </a:lnTo>
+            </a:path>
+          </a:pathLst>
+        </a:custGeom>
+        <a:noFill/>
+        <a:ln w="12700" cap="flat" cmpd="sng" algn="ctr">
+          <a:solidFill>
+            <a:schemeClr val="accent1">
+              <a:shade val="60000"/>
+              <a:hueOff val="0"/>
+              <a:satOff val="0"/>
+              <a:lumOff val="0"/>
+              <a:alphaOff val="0"/>
+            </a:schemeClr>
+          </a:solidFill>
+          <a:prstDash val="solid"/>
+          <a:miter lim="800000"/>
+        </a:ln>
+        <a:effectLst/>
+      </dsp:spPr>
+      <dsp:style>
+        <a:lnRef idx="2">
+          <a:scrgbClr r="0" g="0" b="0"/>
+        </a:lnRef>
+        <a:fillRef idx="0">
+          <a:scrgbClr r="0" g="0" b="0"/>
+        </a:fillRef>
+        <a:effectRef idx="0">
+          <a:scrgbClr r="0" g="0" b="0"/>
+        </a:effectRef>
+        <a:fontRef idx="minor"/>
+      </dsp:style>
+    </dsp:sp>
+    <dsp:sp modelId="{8F0188C1-89B4-4141-B7C0-DD2C346DC9C8}">
+      <dsp:nvSpPr>
+        <dsp:cNvPr id="0" name=""/>
+        <dsp:cNvSpPr/>
+      </dsp:nvSpPr>
+      <dsp:spPr>
+        <a:xfrm rot="5439849">
+          <a:off x="3025385" y="3656973"/>
+          <a:ext cx="558357" cy="0"/>
+        </a:xfrm>
+        <a:custGeom>
+          <a:avLst/>
+          <a:gdLst/>
+          <a:ahLst/>
+          <a:cxnLst/>
+          <a:rect l="0" t="0" r="0" b="0"/>
+          <a:pathLst>
+            <a:path>
+              <a:moveTo>
+                <a:pt x="0" y="0"/>
+              </a:moveTo>
+              <a:lnTo>
+                <a:pt x="558357" y="0"/>
+              </a:lnTo>
+            </a:path>
+          </a:pathLst>
+        </a:custGeom>
+        <a:noFill/>
+        <a:ln w="12700" cap="flat" cmpd="sng" algn="ctr">
+          <a:solidFill>
+            <a:schemeClr val="accent1">
+              <a:shade val="60000"/>
+              <a:hueOff val="0"/>
+              <a:satOff val="0"/>
+              <a:lumOff val="0"/>
+              <a:alphaOff val="0"/>
+            </a:schemeClr>
+          </a:solidFill>
+          <a:prstDash val="solid"/>
+          <a:miter lim="800000"/>
+        </a:ln>
+        <a:effectLst/>
+      </dsp:spPr>
+      <dsp:style>
+        <a:lnRef idx="2">
+          <a:scrgbClr r="0" g="0" b="0"/>
+        </a:lnRef>
+        <a:fillRef idx="0">
+          <a:scrgbClr r="0" g="0" b="0"/>
+        </a:fillRef>
+        <a:effectRef idx="0">
+          <a:scrgbClr r="0" g="0" b="0"/>
+        </a:effectRef>
+        <a:fontRef idx="minor"/>
+      </dsp:style>
+    </dsp:sp>
+    <dsp:sp modelId="{39C36E1F-5E6B-438D-AF06-C425DA7C5517}">
+      <dsp:nvSpPr>
+        <dsp:cNvPr id="0" name=""/>
+        <dsp:cNvSpPr/>
+      </dsp:nvSpPr>
+      <dsp:spPr>
+        <a:xfrm rot="21544067">
+          <a:off x="3909359" y="2763974"/>
+          <a:ext cx="1157988" cy="0"/>
+        </a:xfrm>
+        <a:custGeom>
+          <a:avLst/>
+          <a:gdLst/>
+          <a:ahLst/>
+          <a:cxnLst/>
+          <a:rect l="0" t="0" r="0" b="0"/>
+          <a:pathLst>
+            <a:path>
+              <a:moveTo>
+                <a:pt x="0" y="0"/>
+              </a:moveTo>
+              <a:lnTo>
+                <a:pt x="1157988" y="0"/>
+              </a:lnTo>
+            </a:path>
+          </a:pathLst>
+        </a:custGeom>
+        <a:noFill/>
+        <a:ln w="12700" cap="flat" cmpd="sng" algn="ctr">
+          <a:solidFill>
+            <a:schemeClr val="accent1">
+              <a:shade val="60000"/>
+              <a:hueOff val="0"/>
+              <a:satOff val="0"/>
+              <a:lumOff val="0"/>
+              <a:alphaOff val="0"/>
+            </a:schemeClr>
+          </a:solidFill>
+          <a:prstDash val="solid"/>
+          <a:miter lim="800000"/>
+        </a:ln>
+        <a:effectLst/>
+      </dsp:spPr>
+      <dsp:style>
+        <a:lnRef idx="2">
+          <a:scrgbClr r="0" g="0" b="0"/>
+        </a:lnRef>
+        <a:fillRef idx="0">
+          <a:scrgbClr r="0" g="0" b="0"/>
+        </a:fillRef>
+        <a:effectRef idx="0">
+          <a:scrgbClr r="0" g="0" b="0"/>
+        </a:effectRef>
+        <a:fontRef idx="minor"/>
+      </dsp:style>
+    </dsp:sp>
+    <dsp:sp modelId="{C70E5AC4-E119-45EA-AC4B-B644A43F0F97}">
+      <dsp:nvSpPr>
+        <dsp:cNvPr id="0" name=""/>
+        <dsp:cNvSpPr/>
+      </dsp:nvSpPr>
+      <dsp:spPr>
+        <a:xfrm>
+          <a:off x="2719953" y="2188330"/>
+          <a:ext cx="1189482" cy="1189482"/>
+        </a:xfrm>
+        <a:prstGeom prst="roundRect">
+          <a:avLst/>
+        </a:prstGeom>
+        <a:solidFill>
+          <a:schemeClr val="accent6">
+            <a:lumMod val="60000"/>
+            <a:lumOff val="40000"/>
+          </a:schemeClr>
+        </a:solidFill>
+        <a:ln w="12700" cap="flat" cmpd="sng" algn="ctr">
+          <a:solidFill>
+            <a:schemeClr val="lt1">
+              <a:hueOff val="0"/>
+              <a:satOff val="0"/>
+              <a:lumOff val="0"/>
+              <a:alphaOff val="0"/>
+            </a:schemeClr>
+          </a:solidFill>
+          <a:prstDash val="solid"/>
+          <a:miter lim="800000"/>
+        </a:ln>
+        <a:effectLst/>
+      </dsp:spPr>
+      <dsp:style>
+        <a:lnRef idx="2">
+          <a:scrgbClr r="0" g="0" b="0"/>
+        </a:lnRef>
+        <a:fillRef idx="1">
+          <a:scrgbClr r="0" g="0" b="0"/>
+        </a:fillRef>
+        <a:effectRef idx="0">
+          <a:scrgbClr r="0" g="0" b="0"/>
+        </a:effectRef>
+        <a:fontRef idx="minor">
+          <a:schemeClr val="lt1"/>
+        </a:fontRef>
+      </dsp:style>
+      <dsp:txBody>
+        <a:bodyPr spcFirstLastPara="0" vert="horz" wrap="square" lIns="53340" tIns="53340" rIns="53340" bIns="53340" numCol="1" spcCol="1270" anchor="ctr" anchorCtr="0">
+          <a:noAutofit/>
+        </a:bodyPr>
+        <a:lstStyle/>
+        <a:p>
+          <a:pPr marL="0" lvl="0" indent="0" algn="ctr" defTabSz="933450">
+            <a:lnSpc>
+              <a:spcPct val="90000"/>
+            </a:lnSpc>
+            <a:spcBef>
+              <a:spcPct val="0"/>
+            </a:spcBef>
+            <a:spcAft>
+              <a:spcPct val="35000"/>
+            </a:spcAft>
+            <a:buNone/>
+          </a:pPr>
+          <a:r>
+            <a:rPr lang="fr-CH" sz="2100" kern="1200"/>
+            <a:t>API - Gateway Kong</a:t>
+          </a:r>
+        </a:p>
+      </dsp:txBody>
+      <dsp:txXfrm>
+        <a:off x="2778019" y="2246396"/>
+        <a:ext cx="1073350" cy="1073350"/>
+      </dsp:txXfrm>
+    </dsp:sp>
+    <dsp:sp modelId="{569A5B01-5848-4355-8E9E-85478E27DD73}">
+      <dsp:nvSpPr>
+        <dsp:cNvPr id="0" name=""/>
+        <dsp:cNvSpPr/>
+      </dsp:nvSpPr>
+      <dsp:spPr>
+        <a:xfrm>
+          <a:off x="5067271" y="2727372"/>
+          <a:ext cx="76230" cy="53123"/>
+        </a:xfrm>
+        <a:prstGeom prst="roundRect">
+          <a:avLst/>
+        </a:prstGeom>
+        <a:solidFill>
+          <a:schemeClr val="accent1">
+            <a:hueOff val="0"/>
+            <a:satOff val="0"/>
+            <a:lumOff val="0"/>
+            <a:alphaOff val="0"/>
+          </a:schemeClr>
+        </a:solidFill>
+        <a:ln w="12700" cap="flat" cmpd="sng" algn="ctr">
+          <a:solidFill>
+            <a:schemeClr val="lt1">
+              <a:hueOff val="0"/>
+              <a:satOff val="0"/>
+              <a:lumOff val="0"/>
+              <a:alphaOff val="0"/>
+            </a:schemeClr>
+          </a:solidFill>
+          <a:prstDash val="solid"/>
+          <a:miter lim="800000"/>
+        </a:ln>
+        <a:effectLst/>
+      </dsp:spPr>
+      <dsp:style>
+        <a:lnRef idx="2">
+          <a:scrgbClr r="0" g="0" b="0"/>
+        </a:lnRef>
+        <a:fillRef idx="1">
+          <a:scrgbClr r="0" g="0" b="0"/>
+        </a:fillRef>
+        <a:effectRef idx="0">
+          <a:scrgbClr r="0" g="0" b="0"/>
+        </a:effectRef>
+        <a:fontRef idx="minor">
+          <a:schemeClr val="lt1"/>
+        </a:fontRef>
+      </dsp:style>
+      <dsp:txBody>
+        <a:bodyPr spcFirstLastPara="0" vert="horz" wrap="square" lIns="12700" tIns="12700" rIns="12700" bIns="12700" numCol="1" spcCol="1270" anchor="ctr" anchorCtr="0">
+          <a:noAutofit/>
+        </a:bodyPr>
+        <a:lstStyle/>
+        <a:p>
+          <a:pPr marL="0" lvl="0" indent="0" algn="ctr" defTabSz="222250">
+            <a:lnSpc>
+              <a:spcPct val="90000"/>
+            </a:lnSpc>
+            <a:spcBef>
+              <a:spcPct val="0"/>
+            </a:spcBef>
+            <a:spcAft>
+              <a:spcPct val="35000"/>
+            </a:spcAft>
+            <a:buNone/>
+          </a:pPr>
+          <a:endParaRPr lang="fr-CH" sz="500" kern="1200"/>
+        </a:p>
+      </dsp:txBody>
+      <dsp:txXfrm>
+        <a:off x="5069864" y="2729965"/>
+        <a:ext cx="71044" cy="47937"/>
+      </dsp:txXfrm>
+    </dsp:sp>
+    <dsp:sp modelId="{454F0489-835D-4C89-98C0-F58E34CA8217}">
+      <dsp:nvSpPr>
+        <dsp:cNvPr id="0" name=""/>
+        <dsp:cNvSpPr/>
+      </dsp:nvSpPr>
+      <dsp:spPr>
+        <a:xfrm rot="19030665">
+          <a:off x="4774121" y="1809473"/>
+          <a:ext cx="2700790" cy="0"/>
+        </a:xfrm>
+        <a:prstGeom prst="halfFrame">
+          <a:avLst/>
+        </a:prstGeom>
+        <a:noFill/>
+        <a:ln w="12700" cap="flat" cmpd="sng" algn="ctr">
+          <a:solidFill>
+            <a:schemeClr val="accent1">
+              <a:shade val="80000"/>
+              <a:hueOff val="0"/>
+              <a:satOff val="0"/>
+              <a:lumOff val="0"/>
+              <a:alphaOff val="0"/>
+            </a:schemeClr>
+          </a:solidFill>
+          <a:prstDash val="solid"/>
+          <a:miter lim="800000"/>
+        </a:ln>
+        <a:effectLst/>
+      </dsp:spPr>
+      <dsp:style>
+        <a:lnRef idx="2">
+          <a:scrgbClr r="0" g="0" b="0"/>
+        </a:lnRef>
+        <a:fillRef idx="0">
+          <a:scrgbClr r="0" g="0" b="0"/>
+        </a:fillRef>
+        <a:effectRef idx="0">
+          <a:scrgbClr r="0" g="0" b="0"/>
+        </a:effectRef>
+        <a:fontRef idx="minor"/>
+      </dsp:style>
+    </dsp:sp>
+    <dsp:sp modelId="{4F8E072B-48E3-478E-B405-6A8505A708D3}">
+      <dsp:nvSpPr>
+        <dsp:cNvPr id="0" name=""/>
+        <dsp:cNvSpPr/>
+      </dsp:nvSpPr>
+      <dsp:spPr>
+        <a:xfrm>
+          <a:off x="7008237" y="69672"/>
+          <a:ext cx="1100379" cy="821901"/>
+        </a:xfrm>
+        <a:prstGeom prst="roundRect">
+          <a:avLst/>
+        </a:prstGeom>
+        <a:solidFill>
+          <a:schemeClr val="accent2">
+            <a:lumMod val="75000"/>
+          </a:schemeClr>
+        </a:solidFill>
+        <a:ln w="12700" cap="flat" cmpd="sng" algn="ctr">
+          <a:solidFill>
+            <a:schemeClr val="lt1">
+              <a:hueOff val="0"/>
+              <a:satOff val="0"/>
+              <a:lumOff val="0"/>
+              <a:alphaOff val="0"/>
+            </a:schemeClr>
+          </a:solidFill>
+          <a:prstDash val="solid"/>
+          <a:miter lim="800000"/>
+        </a:ln>
+        <a:effectLst/>
+      </dsp:spPr>
+      <dsp:style>
+        <a:lnRef idx="2">
+          <a:scrgbClr r="0" g="0" b="0"/>
+        </a:lnRef>
+        <a:fillRef idx="1">
+          <a:scrgbClr r="0" g="0" b="0"/>
+        </a:fillRef>
+        <a:effectRef idx="0">
+          <a:scrgbClr r="0" g="0" b="0"/>
+        </a:effectRef>
+        <a:fontRef idx="minor">
+          <a:schemeClr val="lt1"/>
+        </a:fontRef>
+      </dsp:style>
+      <dsp:txBody>
+        <a:bodyPr spcFirstLastPara="0" vert="horz" wrap="square" lIns="35560" tIns="35560" rIns="35560" bIns="35560" numCol="1" spcCol="1270" anchor="ctr" anchorCtr="0">
+          <a:noAutofit/>
+        </a:bodyPr>
+        <a:lstStyle/>
+        <a:p>
+          <a:pPr marL="0" lvl="0" indent="0" algn="ctr" defTabSz="622300">
+            <a:lnSpc>
+              <a:spcPct val="90000"/>
+            </a:lnSpc>
+            <a:spcBef>
+              <a:spcPct val="0"/>
+            </a:spcBef>
+            <a:spcAft>
+              <a:spcPct val="35000"/>
+            </a:spcAft>
+            <a:buNone/>
+          </a:pPr>
+          <a:r>
+            <a:rPr lang="fr-CH" sz="1400" kern="1200"/>
+            <a:t>Statistique</a:t>
+          </a:r>
+        </a:p>
+      </dsp:txBody>
+      <dsp:txXfrm>
+        <a:off x="7048359" y="109794"/>
+        <a:ext cx="1020135" cy="741657"/>
+      </dsp:txXfrm>
+    </dsp:sp>
+    <dsp:sp modelId="{E5ADDDA4-484D-4128-BEAE-56C6A8E1205C}">
+      <dsp:nvSpPr>
+        <dsp:cNvPr id="0" name=""/>
+        <dsp:cNvSpPr/>
+      </dsp:nvSpPr>
+      <dsp:spPr>
+        <a:xfrm rot="19870962">
+          <a:off x="5015156" y="2233406"/>
+          <a:ext cx="2072778" cy="0"/>
+        </a:xfrm>
+        <a:custGeom>
+          <a:avLst/>
+          <a:gdLst/>
+          <a:ahLst/>
+          <a:cxnLst/>
+          <a:rect l="0" t="0" r="0" b="0"/>
+          <a:pathLst>
+            <a:path>
+              <a:moveTo>
+                <a:pt x="0" y="0"/>
+              </a:moveTo>
+              <a:lnTo>
+                <a:pt x="2072778" y="0"/>
+              </a:lnTo>
+            </a:path>
+          </a:pathLst>
+        </a:custGeom>
+        <a:noFill/>
+        <a:ln w="12700" cap="flat" cmpd="sng" algn="ctr">
+          <a:solidFill>
+            <a:schemeClr val="accent1">
+              <a:shade val="80000"/>
+              <a:hueOff val="0"/>
+              <a:satOff val="0"/>
+              <a:lumOff val="0"/>
+              <a:alphaOff val="0"/>
+            </a:schemeClr>
+          </a:solidFill>
+          <a:prstDash val="solid"/>
+          <a:miter lim="800000"/>
+        </a:ln>
+        <a:effectLst/>
+      </dsp:spPr>
+      <dsp:style>
+        <a:lnRef idx="2">
+          <a:scrgbClr r="0" g="0" b="0"/>
+        </a:lnRef>
+        <a:fillRef idx="0">
+          <a:scrgbClr r="0" g="0" b="0"/>
+        </a:fillRef>
+        <a:effectRef idx="0">
+          <a:scrgbClr r="0" g="0" b="0"/>
+        </a:effectRef>
+        <a:fontRef idx="minor"/>
+      </dsp:style>
+    </dsp:sp>
+    <dsp:sp modelId="{A0472D8C-E691-487D-8640-85D46CE6B00E}">
+      <dsp:nvSpPr>
+        <dsp:cNvPr id="0" name=""/>
+        <dsp:cNvSpPr/>
+      </dsp:nvSpPr>
+      <dsp:spPr>
+        <a:xfrm>
+          <a:off x="6959590" y="1020211"/>
+          <a:ext cx="1100379" cy="821901"/>
+        </a:xfrm>
+        <a:prstGeom prst="roundRect">
+          <a:avLst/>
+        </a:prstGeom>
+        <a:solidFill>
+          <a:schemeClr val="accent2">
+            <a:lumMod val="75000"/>
+          </a:schemeClr>
+        </a:solidFill>
+        <a:ln w="12700" cap="flat" cmpd="sng" algn="ctr">
+          <a:solidFill>
+            <a:schemeClr val="lt1">
+              <a:hueOff val="0"/>
+              <a:satOff val="0"/>
+              <a:lumOff val="0"/>
+              <a:alphaOff val="0"/>
+            </a:schemeClr>
+          </a:solidFill>
+          <a:prstDash val="solid"/>
+          <a:miter lim="800000"/>
+        </a:ln>
+        <a:effectLst/>
+      </dsp:spPr>
+      <dsp:style>
+        <a:lnRef idx="2">
+          <a:scrgbClr r="0" g="0" b="0"/>
+        </a:lnRef>
+        <a:fillRef idx="1">
+          <a:scrgbClr r="0" g="0" b="0"/>
+        </a:fillRef>
+        <a:effectRef idx="0">
+          <a:scrgbClr r="0" g="0" b="0"/>
+        </a:effectRef>
+        <a:fontRef idx="minor">
+          <a:schemeClr val="lt1"/>
+        </a:fontRef>
+      </dsp:style>
+      <dsp:txBody>
+        <a:bodyPr spcFirstLastPara="0" vert="horz" wrap="square" lIns="35560" tIns="35560" rIns="35560" bIns="35560" numCol="1" spcCol="1270" anchor="ctr" anchorCtr="0">
+          <a:noAutofit/>
+        </a:bodyPr>
+        <a:lstStyle/>
+        <a:p>
+          <a:pPr marL="0" lvl="0" indent="0" algn="ctr" defTabSz="622300">
+            <a:lnSpc>
+              <a:spcPct val="90000"/>
+            </a:lnSpc>
+            <a:spcBef>
+              <a:spcPct val="0"/>
+            </a:spcBef>
+            <a:spcAft>
+              <a:spcPct val="35000"/>
+            </a:spcAft>
+            <a:buNone/>
+          </a:pPr>
+          <a:r>
+            <a:rPr lang="fr-CH" sz="1400" kern="1200"/>
+            <a:t>Messagerie</a:t>
+          </a:r>
+        </a:p>
+      </dsp:txBody>
+      <dsp:txXfrm>
+        <a:off x="6999712" y="1060333"/>
+        <a:ext cx="1020135" cy="741657"/>
+      </dsp:txXfrm>
+    </dsp:sp>
+    <dsp:sp modelId="{50EFE1DA-3322-404F-B5EF-EA237EED45B3}">
+      <dsp:nvSpPr>
+        <dsp:cNvPr id="0" name=""/>
+        <dsp:cNvSpPr/>
+      </dsp:nvSpPr>
+      <dsp:spPr>
+        <a:xfrm rot="21009032">
+          <a:off x="5130162" y="2592502"/>
+          <a:ext cx="1810062" cy="0"/>
+        </a:xfrm>
+        <a:custGeom>
+          <a:avLst/>
+          <a:gdLst/>
+          <a:ahLst/>
+          <a:cxnLst/>
+          <a:rect l="0" t="0" r="0" b="0"/>
+          <a:pathLst>
+            <a:path>
+              <a:moveTo>
+                <a:pt x="0" y="0"/>
+              </a:moveTo>
+              <a:lnTo>
+                <a:pt x="1810062" y="0"/>
+              </a:lnTo>
+            </a:path>
+          </a:pathLst>
+        </a:custGeom>
+        <a:noFill/>
+        <a:ln w="12700" cap="flat" cmpd="sng" algn="ctr">
+          <a:solidFill>
+            <a:schemeClr val="accent1">
+              <a:shade val="80000"/>
+              <a:hueOff val="0"/>
+              <a:satOff val="0"/>
+              <a:lumOff val="0"/>
+              <a:alphaOff val="0"/>
+            </a:schemeClr>
+          </a:solidFill>
+          <a:prstDash val="solid"/>
+          <a:miter lim="800000"/>
+        </a:ln>
+        <a:effectLst/>
+      </dsp:spPr>
+      <dsp:style>
+        <a:lnRef idx="2">
+          <a:scrgbClr r="0" g="0" b="0"/>
+        </a:lnRef>
+        <a:fillRef idx="0">
+          <a:scrgbClr r="0" g="0" b="0"/>
+        </a:fillRef>
+        <a:effectRef idx="0">
+          <a:scrgbClr r="0" g="0" b="0"/>
+        </a:effectRef>
+        <a:fontRef idx="minor"/>
+      </dsp:style>
+    </dsp:sp>
+    <dsp:sp modelId="{DCBC9C37-C79A-4B12-928E-728185CC12F0}">
+      <dsp:nvSpPr>
+        <dsp:cNvPr id="0" name=""/>
+        <dsp:cNvSpPr/>
+      </dsp:nvSpPr>
+      <dsp:spPr>
+        <a:xfrm>
+          <a:off x="6926884" y="1931212"/>
+          <a:ext cx="1100379" cy="821901"/>
+        </a:xfrm>
+        <a:prstGeom prst="roundRect">
+          <a:avLst/>
+        </a:prstGeom>
+        <a:solidFill>
+          <a:schemeClr val="accent2">
+            <a:lumMod val="75000"/>
+          </a:schemeClr>
+        </a:solidFill>
+        <a:ln w="12700" cap="flat" cmpd="sng" algn="ctr">
+          <a:solidFill>
+            <a:schemeClr val="lt1">
+              <a:hueOff val="0"/>
+              <a:satOff val="0"/>
+              <a:lumOff val="0"/>
+              <a:alphaOff val="0"/>
+            </a:schemeClr>
+          </a:solidFill>
+          <a:prstDash val="solid"/>
+          <a:miter lim="800000"/>
+        </a:ln>
+        <a:effectLst/>
+      </dsp:spPr>
+      <dsp:style>
+        <a:lnRef idx="2">
+          <a:scrgbClr r="0" g="0" b="0"/>
+        </a:lnRef>
+        <a:fillRef idx="1">
+          <a:scrgbClr r="0" g="0" b="0"/>
+        </a:fillRef>
+        <a:effectRef idx="0">
+          <a:scrgbClr r="0" g="0" b="0"/>
+        </a:effectRef>
+        <a:fontRef idx="minor">
+          <a:schemeClr val="lt1"/>
+        </a:fontRef>
+      </dsp:style>
+      <dsp:txBody>
+        <a:bodyPr spcFirstLastPara="0" vert="horz" wrap="square" lIns="35560" tIns="35560" rIns="35560" bIns="35560" numCol="1" spcCol="1270" anchor="ctr" anchorCtr="0">
+          <a:noAutofit/>
+        </a:bodyPr>
+        <a:lstStyle/>
+        <a:p>
+          <a:pPr marL="0" lvl="0" indent="0" algn="ctr" defTabSz="622300">
+            <a:lnSpc>
+              <a:spcPct val="90000"/>
+            </a:lnSpc>
+            <a:spcBef>
+              <a:spcPct val="0"/>
+            </a:spcBef>
+            <a:spcAft>
+              <a:spcPct val="35000"/>
+            </a:spcAft>
+            <a:buNone/>
+          </a:pPr>
+          <a:r>
+            <a:rPr lang="fr-CH" sz="1400" kern="1200"/>
+            <a:t>SearchItem</a:t>
+          </a:r>
+        </a:p>
+      </dsp:txBody>
+      <dsp:txXfrm>
+        <a:off x="6967006" y="1971334"/>
+        <a:ext cx="1020135" cy="741657"/>
+      </dsp:txXfrm>
+    </dsp:sp>
+    <dsp:sp modelId="{008F0249-3626-4458-8356-572AE8333DA7}">
+      <dsp:nvSpPr>
+        <dsp:cNvPr id="0" name=""/>
+        <dsp:cNvSpPr/>
+      </dsp:nvSpPr>
+      <dsp:spPr>
+        <a:xfrm rot="1882475">
+          <a:off x="4991326" y="3319019"/>
+          <a:ext cx="2081484" cy="0"/>
+        </a:xfrm>
+        <a:custGeom>
+          <a:avLst/>
+          <a:gdLst/>
+          <a:ahLst/>
+          <a:cxnLst/>
+          <a:rect l="0" t="0" r="0" b="0"/>
+          <a:pathLst>
+            <a:path>
+              <a:moveTo>
+                <a:pt x="0" y="0"/>
+              </a:moveTo>
+              <a:lnTo>
+                <a:pt x="2081484" y="0"/>
+              </a:lnTo>
+            </a:path>
+          </a:pathLst>
+        </a:custGeom>
+        <a:noFill/>
+        <a:ln w="12700" cap="flat" cmpd="sng" algn="ctr">
+          <a:solidFill>
+            <a:schemeClr val="accent1">
+              <a:shade val="80000"/>
+              <a:hueOff val="0"/>
+              <a:satOff val="0"/>
+              <a:lumOff val="0"/>
+              <a:alphaOff val="0"/>
+            </a:schemeClr>
+          </a:solidFill>
+          <a:prstDash val="solid"/>
+          <a:miter lim="800000"/>
+        </a:ln>
+        <a:effectLst/>
+      </dsp:spPr>
+      <dsp:style>
+        <a:lnRef idx="2">
+          <a:scrgbClr r="0" g="0" b="0"/>
+        </a:lnRef>
+        <a:fillRef idx="0">
+          <a:scrgbClr r="0" g="0" b="0"/>
+        </a:fillRef>
+        <a:effectRef idx="0">
+          <a:scrgbClr r="0" g="0" b="0"/>
+        </a:effectRef>
+        <a:fontRef idx="minor"/>
+      </dsp:style>
+    </dsp:sp>
+    <dsp:sp modelId="{395BAC34-3736-4CB8-8A00-0409D0ADC21E}">
+      <dsp:nvSpPr>
+        <dsp:cNvPr id="0" name=""/>
+        <dsp:cNvSpPr/>
+      </dsp:nvSpPr>
+      <dsp:spPr>
+        <a:xfrm>
+          <a:off x="6920635" y="3785413"/>
+          <a:ext cx="1100379" cy="821901"/>
+        </a:xfrm>
+        <a:prstGeom prst="roundRect">
+          <a:avLst/>
+        </a:prstGeom>
+        <a:solidFill>
+          <a:schemeClr val="accent2">
+            <a:lumMod val="75000"/>
+          </a:schemeClr>
+        </a:solidFill>
+        <a:ln w="12700" cap="flat" cmpd="sng" algn="ctr">
+          <a:solidFill>
+            <a:schemeClr val="lt1">
+              <a:hueOff val="0"/>
+              <a:satOff val="0"/>
+              <a:lumOff val="0"/>
+              <a:alphaOff val="0"/>
+            </a:schemeClr>
+          </a:solidFill>
+          <a:prstDash val="solid"/>
+          <a:miter lim="800000"/>
+        </a:ln>
+        <a:effectLst/>
+      </dsp:spPr>
+      <dsp:style>
+        <a:lnRef idx="2">
+          <a:scrgbClr r="0" g="0" b="0"/>
+        </a:lnRef>
+        <a:fillRef idx="1">
+          <a:scrgbClr r="0" g="0" b="0"/>
+        </a:fillRef>
+        <a:effectRef idx="0">
+          <a:scrgbClr r="0" g="0" b="0"/>
+        </a:effectRef>
+        <a:fontRef idx="minor">
+          <a:schemeClr val="lt1"/>
+        </a:fontRef>
+      </dsp:style>
+      <dsp:txBody>
+        <a:bodyPr spcFirstLastPara="0" vert="horz" wrap="square" lIns="35560" tIns="35560" rIns="35560" bIns="35560" numCol="1" spcCol="1270" anchor="ctr" anchorCtr="0">
+          <a:noAutofit/>
+        </a:bodyPr>
+        <a:lstStyle/>
+        <a:p>
+          <a:pPr marL="0" lvl="0" indent="0" algn="ctr" defTabSz="622300">
+            <a:lnSpc>
+              <a:spcPct val="90000"/>
+            </a:lnSpc>
+            <a:spcBef>
+              <a:spcPct val="0"/>
+            </a:spcBef>
+            <a:spcAft>
+              <a:spcPct val="35000"/>
+            </a:spcAft>
+            <a:buNone/>
+          </a:pPr>
+          <a:r>
+            <a:rPr lang="fr-CH" sz="1400" kern="1200"/>
+            <a:t>AddAnnonce</a:t>
+          </a:r>
+        </a:p>
+      </dsp:txBody>
+      <dsp:txXfrm>
+        <a:off x="6960757" y="3825535"/>
+        <a:ext cx="1020135" cy="741657"/>
+      </dsp:txXfrm>
+    </dsp:sp>
+    <dsp:sp modelId="{F4A4B947-1F74-4A7B-9190-267FAC1CEF6A}">
+      <dsp:nvSpPr>
+        <dsp:cNvPr id="0" name=""/>
+        <dsp:cNvSpPr/>
+      </dsp:nvSpPr>
+      <dsp:spPr>
+        <a:xfrm rot="2719923">
+          <a:off x="4724864" y="3754550"/>
+          <a:ext cx="2739212" cy="0"/>
+        </a:xfrm>
+        <a:custGeom>
+          <a:avLst/>
+          <a:gdLst/>
+          <a:ahLst/>
+          <a:cxnLst/>
+          <a:rect l="0" t="0" r="0" b="0"/>
+          <a:pathLst>
+            <a:path>
+              <a:moveTo>
+                <a:pt x="0" y="0"/>
+              </a:moveTo>
+              <a:lnTo>
+                <a:pt x="2739212" y="0"/>
+              </a:lnTo>
+            </a:path>
+          </a:pathLst>
+        </a:custGeom>
+        <a:noFill/>
+        <a:ln w="12700" cap="flat" cmpd="sng" algn="ctr">
+          <a:solidFill>
+            <a:schemeClr val="accent1">
+              <a:shade val="80000"/>
+              <a:hueOff val="0"/>
+              <a:satOff val="0"/>
+              <a:lumOff val="0"/>
+              <a:alphaOff val="0"/>
+            </a:schemeClr>
+          </a:solidFill>
+          <a:prstDash val="solid"/>
+          <a:miter lim="800000"/>
+        </a:ln>
+        <a:effectLst/>
+      </dsp:spPr>
+      <dsp:style>
+        <a:lnRef idx="2">
+          <a:scrgbClr r="0" g="0" b="0"/>
+        </a:lnRef>
+        <a:fillRef idx="0">
+          <a:scrgbClr r="0" g="0" b="0"/>
+        </a:fillRef>
+        <a:effectRef idx="0">
+          <a:scrgbClr r="0" g="0" b="0"/>
+        </a:effectRef>
+        <a:fontRef idx="minor"/>
+      </dsp:style>
+    </dsp:sp>
+    <dsp:sp modelId="{551CC80C-3675-446E-9757-C610E57D2165}">
+      <dsp:nvSpPr>
+        <dsp:cNvPr id="0" name=""/>
+        <dsp:cNvSpPr/>
+      </dsp:nvSpPr>
+      <dsp:spPr>
+        <a:xfrm>
+          <a:off x="6913325" y="4728604"/>
+          <a:ext cx="1100379" cy="821901"/>
+        </a:xfrm>
+        <a:prstGeom prst="roundRect">
+          <a:avLst/>
+        </a:prstGeom>
+        <a:solidFill>
+          <a:schemeClr val="accent2">
+            <a:lumMod val="75000"/>
+          </a:schemeClr>
+        </a:solidFill>
+        <a:ln w="12700" cap="flat" cmpd="sng" algn="ctr">
+          <a:solidFill>
+            <a:schemeClr val="lt1">
+              <a:hueOff val="0"/>
+              <a:satOff val="0"/>
+              <a:lumOff val="0"/>
+              <a:alphaOff val="0"/>
+            </a:schemeClr>
+          </a:solidFill>
+          <a:prstDash val="solid"/>
+          <a:miter lim="800000"/>
+        </a:ln>
+        <a:effectLst/>
+      </dsp:spPr>
+      <dsp:style>
+        <a:lnRef idx="2">
+          <a:scrgbClr r="0" g="0" b="0"/>
+        </a:lnRef>
+        <a:fillRef idx="1">
+          <a:scrgbClr r="0" g="0" b="0"/>
+        </a:fillRef>
+        <a:effectRef idx="0">
+          <a:scrgbClr r="0" g="0" b="0"/>
+        </a:effectRef>
+        <a:fontRef idx="minor">
+          <a:schemeClr val="lt1"/>
+        </a:fontRef>
+      </dsp:style>
+      <dsp:txBody>
+        <a:bodyPr spcFirstLastPara="0" vert="horz" wrap="square" lIns="35560" tIns="35560" rIns="35560" bIns="35560" numCol="1" spcCol="1270" anchor="ctr" anchorCtr="0">
+          <a:noAutofit/>
+        </a:bodyPr>
+        <a:lstStyle/>
+        <a:p>
+          <a:pPr marL="0" lvl="0" indent="0" algn="ctr" defTabSz="622300">
+            <a:lnSpc>
+              <a:spcPct val="90000"/>
+            </a:lnSpc>
+            <a:spcBef>
+              <a:spcPct val="0"/>
+            </a:spcBef>
+            <a:spcAft>
+              <a:spcPct val="35000"/>
+            </a:spcAft>
+            <a:buNone/>
+          </a:pPr>
+          <a:r>
+            <a:rPr lang="fr-CH" sz="1400" kern="1200"/>
+            <a:t>User</a:t>
+          </a:r>
+        </a:p>
+      </dsp:txBody>
+      <dsp:txXfrm>
+        <a:off x="6953447" y="4768726"/>
+        <a:ext cx="1020135" cy="741657"/>
+      </dsp:txXfrm>
+    </dsp:sp>
+    <dsp:sp modelId="{4E342F3C-2911-4AA7-BB51-A53BAB53DF05}">
+      <dsp:nvSpPr>
+        <dsp:cNvPr id="0" name=""/>
+        <dsp:cNvSpPr/>
+      </dsp:nvSpPr>
+      <dsp:spPr>
+        <a:xfrm rot="742572">
+          <a:off x="5122271" y="2958103"/>
+          <a:ext cx="1827140" cy="0"/>
+        </a:xfrm>
+        <a:custGeom>
+          <a:avLst/>
+          <a:gdLst/>
+          <a:ahLst/>
+          <a:cxnLst/>
+          <a:rect l="0" t="0" r="0" b="0"/>
+          <a:pathLst>
+            <a:path>
+              <a:moveTo>
+                <a:pt x="0" y="0"/>
+              </a:moveTo>
+              <a:lnTo>
+                <a:pt x="1827140" y="0"/>
+              </a:lnTo>
+            </a:path>
+          </a:pathLst>
+        </a:custGeom>
+        <a:noFill/>
+        <a:ln w="12700" cap="flat" cmpd="sng" algn="ctr">
+          <a:solidFill>
+            <a:schemeClr val="accent1">
+              <a:shade val="80000"/>
+              <a:hueOff val="0"/>
+              <a:satOff val="0"/>
+              <a:lumOff val="0"/>
+              <a:alphaOff val="0"/>
+            </a:schemeClr>
+          </a:solidFill>
+          <a:prstDash val="solid"/>
+          <a:miter lim="800000"/>
+        </a:ln>
+        <a:effectLst/>
+      </dsp:spPr>
+      <dsp:style>
+        <a:lnRef idx="2">
+          <a:scrgbClr r="0" g="0" b="0"/>
+        </a:lnRef>
+        <a:fillRef idx="0">
+          <a:scrgbClr r="0" g="0" b="0"/>
+        </a:fillRef>
+        <a:effectRef idx="0">
+          <a:scrgbClr r="0" g="0" b="0"/>
+        </a:effectRef>
+        <a:fontRef idx="minor"/>
+      </dsp:style>
+    </dsp:sp>
+    <dsp:sp modelId="{8BF5EA40-677B-4F2C-AB78-BB82F1A7CE63}">
+      <dsp:nvSpPr>
+        <dsp:cNvPr id="0" name=""/>
+        <dsp:cNvSpPr/>
+      </dsp:nvSpPr>
+      <dsp:spPr>
+        <a:xfrm>
+          <a:off x="6928182" y="2863685"/>
+          <a:ext cx="1100379" cy="821901"/>
+        </a:xfrm>
+        <a:prstGeom prst="roundRect">
+          <a:avLst/>
+        </a:prstGeom>
+        <a:solidFill>
+          <a:schemeClr val="accent2">
+            <a:lumMod val="75000"/>
+          </a:schemeClr>
+        </a:solidFill>
+        <a:ln w="12700" cap="flat" cmpd="sng" algn="ctr">
+          <a:solidFill>
+            <a:schemeClr val="lt1">
+              <a:hueOff val="0"/>
+              <a:satOff val="0"/>
+              <a:lumOff val="0"/>
+              <a:alphaOff val="0"/>
+            </a:schemeClr>
+          </a:solidFill>
+          <a:prstDash val="solid"/>
+          <a:miter lim="800000"/>
+        </a:ln>
+        <a:effectLst/>
+      </dsp:spPr>
+      <dsp:style>
+        <a:lnRef idx="2">
+          <a:scrgbClr r="0" g="0" b="0"/>
+        </a:lnRef>
+        <a:fillRef idx="1">
+          <a:scrgbClr r="0" g="0" b="0"/>
+        </a:fillRef>
+        <a:effectRef idx="0">
+          <a:scrgbClr r="0" g="0" b="0"/>
+        </a:effectRef>
+        <a:fontRef idx="minor">
+          <a:schemeClr val="lt1"/>
+        </a:fontRef>
+      </dsp:style>
+      <dsp:txBody>
+        <a:bodyPr spcFirstLastPara="0" vert="horz" wrap="square" lIns="35560" tIns="35560" rIns="35560" bIns="35560" numCol="1" spcCol="1270" anchor="ctr" anchorCtr="0">
+          <a:noAutofit/>
+        </a:bodyPr>
+        <a:lstStyle/>
+        <a:p>
+          <a:pPr marL="0" lvl="0" indent="0" algn="ctr" defTabSz="622300">
+            <a:lnSpc>
+              <a:spcPct val="90000"/>
+            </a:lnSpc>
+            <a:spcBef>
+              <a:spcPct val="0"/>
+            </a:spcBef>
+            <a:spcAft>
+              <a:spcPct val="35000"/>
+            </a:spcAft>
+            <a:buNone/>
+          </a:pPr>
+          <a:r>
+            <a:rPr lang="fr-CH" sz="1400" kern="1200"/>
+            <a:t>Docker - compose</a:t>
+          </a:r>
+        </a:p>
+      </dsp:txBody>
+      <dsp:txXfrm>
+        <a:off x="6968304" y="2903807"/>
+        <a:ext cx="1020135" cy="741657"/>
+      </dsp:txXfrm>
+    </dsp:sp>
+    <dsp:sp modelId="{6C3586C0-3224-4092-9B7F-4A0B89EB2A92}">
+      <dsp:nvSpPr>
+        <dsp:cNvPr id="0" name=""/>
+        <dsp:cNvSpPr/>
+      </dsp:nvSpPr>
+      <dsp:spPr>
+        <a:xfrm>
+          <a:off x="2652257" y="3936133"/>
+          <a:ext cx="1284743" cy="1155765"/>
+        </a:xfrm>
+        <a:prstGeom prst="roundRect">
+          <a:avLst/>
+        </a:prstGeom>
+        <a:solidFill>
+          <a:srgbClr val="7030A0"/>
+        </a:solidFill>
+        <a:ln w="12700" cap="flat" cmpd="sng" algn="ctr">
+          <a:solidFill>
+            <a:schemeClr val="lt1">
+              <a:hueOff val="0"/>
+              <a:satOff val="0"/>
+              <a:lumOff val="0"/>
+              <a:alphaOff val="0"/>
+            </a:schemeClr>
+          </a:solidFill>
+          <a:prstDash val="solid"/>
+          <a:miter lim="800000"/>
+        </a:ln>
+        <a:effectLst/>
+      </dsp:spPr>
+      <dsp:style>
+        <a:lnRef idx="2">
+          <a:scrgbClr r="0" g="0" b="0"/>
+        </a:lnRef>
+        <a:fillRef idx="1">
+          <a:scrgbClr r="0" g="0" b="0"/>
+        </a:fillRef>
+        <a:effectRef idx="0">
+          <a:scrgbClr r="0" g="0" b="0"/>
+        </a:effectRef>
+        <a:fontRef idx="minor">
+          <a:schemeClr val="lt1"/>
+        </a:fontRef>
+      </dsp:style>
+      <dsp:txBody>
+        <a:bodyPr spcFirstLastPara="0" vert="horz" wrap="square" lIns="50800" tIns="50800" rIns="50800" bIns="50800" numCol="1" spcCol="1270" anchor="ctr" anchorCtr="0">
+          <a:noAutofit/>
+        </a:bodyPr>
+        <a:lstStyle/>
+        <a:p>
+          <a:pPr marL="0" lvl="0" indent="0" algn="ctr" defTabSz="889000">
+            <a:lnSpc>
+              <a:spcPct val="90000"/>
+            </a:lnSpc>
+            <a:spcBef>
+              <a:spcPct val="0"/>
+            </a:spcBef>
+            <a:spcAft>
+              <a:spcPct val="35000"/>
+            </a:spcAft>
+            <a:buNone/>
+          </a:pPr>
+          <a:r>
+            <a:rPr lang="fr-CH" sz="2000" kern="1200"/>
+            <a:t>Web-UI</a:t>
+          </a:r>
+        </a:p>
+      </dsp:txBody>
+      <dsp:txXfrm>
+        <a:off x="2708677" y="3992553"/>
+        <a:ext cx="1171903" cy="1042925"/>
+      </dsp:txXfrm>
+    </dsp:sp>
+    <dsp:sp modelId="{25768885-6B52-4B7E-B734-C653967E0F33}">
+      <dsp:nvSpPr>
+        <dsp:cNvPr id="0" name=""/>
+        <dsp:cNvSpPr/>
+      </dsp:nvSpPr>
+      <dsp:spPr>
+        <a:xfrm>
+          <a:off x="599489" y="2362922"/>
+          <a:ext cx="796952" cy="796952"/>
+        </a:xfrm>
+        <a:prstGeom prst="roundRect">
+          <a:avLst/>
+        </a:prstGeom>
+        <a:solidFill>
+          <a:schemeClr val="accent1">
+            <a:hueOff val="0"/>
+            <a:satOff val="0"/>
+            <a:lumOff val="0"/>
+            <a:alphaOff val="0"/>
+          </a:schemeClr>
+        </a:solidFill>
+        <a:ln w="12700" cap="flat" cmpd="sng" algn="ctr">
+          <a:solidFill>
+            <a:schemeClr val="lt1">
+              <a:hueOff val="0"/>
+              <a:satOff val="0"/>
+              <a:lumOff val="0"/>
+              <a:alphaOff val="0"/>
+            </a:schemeClr>
+          </a:solidFill>
+          <a:prstDash val="solid"/>
+          <a:miter lim="800000"/>
+        </a:ln>
+        <a:effectLst/>
+      </dsp:spPr>
+      <dsp:style>
+        <a:lnRef idx="2">
+          <a:scrgbClr r="0" g="0" b="0"/>
+        </a:lnRef>
+        <a:fillRef idx="1">
+          <a:scrgbClr r="0" g="0" b="0"/>
+        </a:fillRef>
+        <a:effectRef idx="0">
+          <a:scrgbClr r="0" g="0" b="0"/>
+        </a:effectRef>
+        <a:fontRef idx="minor">
+          <a:schemeClr val="lt1"/>
+        </a:fontRef>
+      </dsp:style>
+      <dsp:txBody>
+        <a:bodyPr spcFirstLastPara="0" vert="horz" wrap="square" lIns="50800" tIns="50800" rIns="50800" bIns="50800" numCol="1" spcCol="1270" anchor="ctr" anchorCtr="0">
+          <a:noAutofit/>
+        </a:bodyPr>
+        <a:lstStyle/>
+        <a:p>
+          <a:pPr marL="0" lvl="0" indent="0" algn="ctr" defTabSz="889000">
+            <a:lnSpc>
+              <a:spcPct val="90000"/>
+            </a:lnSpc>
+            <a:spcBef>
+              <a:spcPct val="0"/>
+            </a:spcBef>
+            <a:spcAft>
+              <a:spcPct val="35000"/>
+            </a:spcAft>
+            <a:buNone/>
+          </a:pPr>
+          <a:r>
+            <a:rPr lang="fr-CH" sz="2000" kern="1200"/>
+            <a:t>Client</a:t>
+          </a:r>
+        </a:p>
+      </dsp:txBody>
+      <dsp:txXfrm>
+        <a:off x="638393" y="2401826"/>
+        <a:ext cx="719144" cy="719144"/>
+      </dsp:txXfrm>
+    </dsp:sp>
+  </dsp:spTree>
+</dsp:drawing>
+</file>
+
+<file path=ppt/diagrams/layout1.xml><?xml version="1.0" encoding="utf-8"?>
+<dgm:layoutDef xmlns:dgm="http://schemas.openxmlformats.org/drawingml/2006/diagram" xmlns:a="http://schemas.openxmlformats.org/drawingml/2006/main" uniqueId="urn:microsoft.com/office/officeart/2008/layout/RadialCluster">
+  <dgm:title val=""/>
+  <dgm:desc val=""/>
+  <dgm:catLst>
+    <dgm:cat type="relationship" pri="19500"/>
+    <dgm:cat type="cycle" pri="15000"/>
+  </dgm:catLst>
+  <dgm:sampData>
+    <dgm:dataModel>
+      <dgm:ptLst>
+        <dgm:pt modelId="0" type="doc"/>
+        <dgm:pt modelId="1">
+          <dgm:prSet phldr="1"/>
+        </dgm:pt>
+        <dgm:pt modelId="11">
+          <dgm:prSet phldr="1"/>
+        </dgm:pt>
+        <dgm:pt modelId="12">
+          <dgm:prSet phldr="1"/>
+        </dgm:pt>
+        <dgm:pt modelId="13">
+          <dgm:prSet phldr="1"/>
+        </dgm:pt>
+      </dgm:ptLst>
+      <dgm:cxnLst>
+        <dgm:cxn modelId="2" srcId="0" destId="1" srcOrd="0" destOrd="0"/>
+        <dgm:cxn modelId="3" srcId="1" destId="11" srcOrd="0" destOrd="0"/>
+        <dgm:cxn modelId="4" srcId="1" destId="12" srcOrd="1" destOrd="0"/>
+        <dgm:cxn modelId="5" srcId="1" destId="13" srcOrd="2" destOrd="0"/>
+      </dgm:cxnLst>
+      <dgm:bg/>
+      <dgm:whole/>
+    </dgm:dataModel>
+  </dgm:sampData>
+  <dgm:styleData useDef="1">
+    <dgm:dataModel>
+      <dgm:ptLst/>
+      <dgm:bg/>
+      <dgm:whole/>
+    </dgm:dataModel>
+  </dgm:styleData>
+  <dgm:clrData useDef="1">
+    <dgm:dataModel>
+      <dgm:ptLst/>
+      <dgm:bg/>
+      <dgm:whole/>
+    </dgm:dataModel>
+  </dgm:clrData>
+  <dgm:layoutNode name="Name0">
+    <dgm:varLst>
+      <dgm:chMax val="1"/>
+      <dgm:chPref val="1"/>
+      <dgm:dir/>
+      <dgm:animOne val="branch"/>
+      <dgm:animLvl val="lvl"/>
+    </dgm:varLst>
+    <dgm:alg type="composite">
+      <dgm:param type="ar" val="1.00"/>
+    </dgm:alg>
+    <dgm:shape xmlns:r="http://schemas.openxmlformats.org/officeDocument/2006/relationships" r:blip="">
+      <dgm:adjLst/>
+    </dgm:shape>
+    <dgm:choose name="Name1">
+      <dgm:if name="Name2" func="var" arg="dir" op="equ" val="norm">
+        <dgm:choose name="Name3">
+          <dgm:if name="Name4" axis="ch ch" ptType="node node" cnt="1 0" func="cnt" op="equ" val="1">
+            <dgm:constrLst>
+              <dgm:constr type="l" for="ch" forName="textCenter"/>
+              <dgm:constr type="ctrY" for="ch" forName="textCenter" refType="h" fact="0.5"/>
+              <dgm:constr type="w" for="ch" forName="textCenter" refType="w" fact="0.32"/>
+              <dgm:constr type="h" for="ch" forName="textCenter" refType="w" refFor="ch" refForName="textCenter"/>
+              <dgm:constr type="r" for="ch" forName="cycle_1" refType="w"/>
+              <dgm:constr type="ctrY" for="ch" forName="cycle_1" refType="h" fact="0.5"/>
+              <dgm:constr type="w" for="ch" forName="cycle_1" refType="w" fact="0.56"/>
+              <dgm:constr type="h" for="ch" forName="cycle_1" refType="h"/>
+              <dgm:constr type="primFontSz" for="ch" forName="textCenter" val="65"/>
+              <dgm:constr type="primFontSz" for="des" forName="childCenter1" val="65"/>
+              <dgm:constr type="primFontSz" for="des" forName="text1" op="equ" val="65"/>
+              <dgm:constr type="userS" for="des" ptType="node" refType="w" refFor="ch" refForName="textCenter" fact="0.67"/>
+            </dgm:constrLst>
+          </dgm:if>
+          <dgm:if name="Name5" axis="ch ch" ptType="node node" cnt="1 0" func="cnt" op="equ" val="2">
+            <dgm:constrLst>
+              <dgm:constr type="ctrX" for="ch" forName="textCenter" refType="w" fact="0.5"/>
+              <dgm:constr type="ctrY" for="ch" forName="textCenter" refType="h" fact="0.5"/>
+              <dgm:constr type="w" for="ch" forName="textCenter" refType="w" fact="0.25"/>
+              <dgm:constr type="h" for="ch" forName="textCenter" refType="w" refFor="ch" refForName="textCenter"/>
+              <dgm:constr type="ctrX" for="ch" forName="cycle_1" refType="w" fact="0.5"/>
+              <dgm:constr type="t" for="ch" forName="cycle_1"/>
+              <dgm:constr type="w" for="ch" forName="cycle_1" refType="w"/>
+              <dgm:constr type="h" for="ch" forName="cycle_1" refType="h" fact="0.34"/>
+              <dgm:constr type="ctrX" for="ch" forName="cycle_2" refType="w" fact="0.5"/>
+              <dgm:constr type="b" for="ch" forName="cycle_2" refType="h"/>
+              <dgm:constr type="w" for="ch" forName="cycle_2" refType="w"/>
+              <dgm:constr type="h" for="ch" forName="cycle_2" refType="h" fact="0.34"/>
+              <dgm:constr type="primFontSz" for="ch" forName="textCenter" val="65"/>
+              <dgm:constr type="primFontSz" for="des" forName="childCenter1" val="65"/>
+              <dgm:constr type="primFontSz" for="des" forName="text1" op="equ" val="65"/>
+              <dgm:constr type="primFontSz" for="des" forName="childCenter2" refType="primFontSz" refFor="des" refForName="childCenter1" op="equ"/>
+              <dgm:constr type="primFontSz" for="des" forName="text2" refType="primFontSz" refFor="des" refForName="text1" op="equ"/>
+              <dgm:constr type="userS" for="des" ptType="node" refType="w" refFor="ch" refForName="textCenter" fact="0.67"/>
+            </dgm:constrLst>
+          </dgm:if>
+          <dgm:if name="Name6" axis="ch ch" ptType="node node" cnt="1 0" func="cnt" op="equ" val="3">
+            <dgm:choose name="Name7">
+              <dgm:if name="Name8" axis="ch ch ch" ptType="node node node" st="1 2 0" cnt="1 1 0" func="cnt" op="equ" val="1">
+                <dgm:choose name="Name9">
+                  <dgm:if name="Name10" axis="ch ch ch" ptType="node node node" st="1 3 0" cnt="1 1 0" func="cnt" op="equ" val="1">
+                    <dgm:constrLst>
+                      <dgm:constr type="ctrX" for="ch" forName="textCenter" refType="w" fact="0.5"/>
+                      <dgm:constr type="t" for="ch" forName="textCenter" refType="h" fact="0.436"/>
+                      <dgm:constr type="w" for="ch" forName="textCenter" refType="w" fact="0.21"/>
+                      <dgm:constr type="h" for="ch" forName="textCenter" refType="w" refFor="ch" refForName="textCenter"/>
+                      <dgm:constr type="ctrX" for="ch" forName="cycle_1" refType="w" fact="0.5"/>
+                      <dgm:constr type="t" for="ch" forName="cycle_1"/>
+                      <dgm:constr type="w" for="ch" forName="cycle_1" refType="w" fact="0.61"/>
+                      <dgm:constr type="h" for="ch" forName="cycle_1" refType="h" fact="0.36"/>
+                      <dgm:constr type="diam" for="ch" forName="cycle_1" refType="w" fact="0.5"/>
+                      <dgm:constr type="r" for="ch" forName="cycle_2" refType="w"/>
+                      <dgm:constr type="b" for="ch" forName="cycle_2" refType="h" fact="0.85"/>
+                      <dgm:constr type="w" for="ch" forName="cycle_2" refType="w" fact="0.46"/>
+                      <dgm:constr type="h" for="ch" forName="cycle_2" refType="h" fact="0.54"/>
+                      <dgm:constr type="diam" for="ch" forName="cycle_2" refType="w" fact="0.5"/>
+                      <dgm:constr type="l" for="ch" forName="cycle_3"/>
+                      <dgm:constr type="b" for="ch" forName="cycle_3" refType="h" fact="0.85"/>
+                      <dgm:constr type="w" for="ch" forName="cycle_3" refType="w" fact="0.46"/>
+                      <dgm:constr type="h" for="ch" forName="cycle_3" refType="h" fact="0.54"/>
+                      <dgm:constr type="diam" for="ch" forName="cycle_3" refType="w" fact="0.5"/>
+                      <dgm:constr type="primFontSz" for="ch" forName="textCenter" val="65"/>
+                      <dgm:constr type="primFontSz" for="des" forName="childCenter1" val="65"/>
+                      <dgm:constr type="primFontSz" for="des" forName="text1" op="equ" val="65"/>
+                      <dgm:constr type="primFontSz" for="des" forName="childCenter2" refType="primFontSz" refFor="des" refForName="childCenter1" op="equ"/>
+                      <dgm:constr type="primFontSz" for="des" forName="text2" refType="primFontSz" refFor="des" refForName="text1" op="equ"/>
+                      <dgm:constr type="primFontSz" for="des" forName="childCenter3" refType="primFontSz" refFor="des" refForName="childCenter1" op="equ"/>
+                      <dgm:constr type="primFontSz" for="des" forName="text3" refType="primFontSz" refFor="des" refForName="text1" op="equ"/>
+                      <dgm:constr type="userS" for="des" ptType="node" refType="w" refFor="ch" refForName="textCenter" fact="0.67"/>
+                    </dgm:constrLst>
+                  </dgm:if>
+                  <dgm:else name="Name11">
+                    <dgm:constrLst>
+                      <dgm:constr type="ctrX" for="ch" forName="textCenter" refType="w" fact="0.5"/>
+                      <dgm:constr type="t" for="ch" forName="textCenter" refType="h" fact="0.436"/>
+                      <dgm:constr type="w" for="ch" forName="textCenter" refType="w" fact="0.21"/>
+                      <dgm:constr type="h" for="ch" forName="textCenter" refType="w" refFor="ch" refForName="textCenter"/>
+                      <dgm:constr type="ctrX" for="ch" forName="cycle_1" refType="w" fact="0.5"/>
+                      <dgm:constr type="t" for="ch" forName="cycle_1"/>
+                      <dgm:constr type="w" for="ch" forName="cycle_1" refType="w" fact="0.61"/>
+                      <dgm:constr type="h" for="ch" forName="cycle_1" refType="h" fact="0.36"/>
+                      <dgm:constr type="diam" for="ch" forName="cycle_1" refType="w" fact="0.5"/>
+                      <dgm:constr type="r" for="ch" forName="cycle_2" refType="w"/>
+                      <dgm:constr type="b" for="ch" forName="cycle_2" refType="h" fact="0.85"/>
+                      <dgm:constr type="w" for="ch" forName="cycle_2" refType="w" fact="0.46"/>
+                      <dgm:constr type="h" for="ch" forName="cycle_2" refType="h" fact="0.54"/>
+                      <dgm:constr type="diam" for="ch" forName="cycle_2" refType="w" fact="0.5"/>
+                      <dgm:constr type="l" for="ch" forName="cycle_3"/>
+                      <dgm:constr type="b" for="ch" forName="cycle_3" refType="h"/>
+                      <dgm:constr type="w" for="ch" forName="cycle_3" refType="w" fact="0.46"/>
+                      <dgm:constr type="h" for="ch" forName="cycle_3" refType="h" fact="0.54"/>
+                      <dgm:constr type="diam" for="ch" forName="cycle_3" refType="w" fact="0.5"/>
+                      <dgm:constr type="primFontSz" for="ch" forName="textCenter" val="65"/>
+                      <dgm:constr type="primFontSz" for="des" forName="childCenter1" val="65"/>
+                      <dgm:constr type="primFontSz" for="des" forName="text1" op="equ" val="65"/>
+                      <dgm:constr type="primFontSz" for="des" forName="childCenter2" refType="primFontSz" refFor="des" refForName="childCenter1" op="equ"/>
+                      <dgm:constr type="primFontSz" for="des" forName="text2" refType="primFontSz" refFor="des" refForName="text1" op="equ"/>
+                      <dgm:constr type="primFontSz" for="des" forName="childCenter3" refType="primFontSz" refFor="des" refForName="childCenter1" op="equ"/>
+                      <dgm:constr type="primFontSz" for="des" forName="text3" refType="primFontSz" refFor="des" refForName="text1" op="equ"/>
+                      <dgm:constr type="userS" for="des" ptType="node" refType="w" refFor="ch" refForName="textCenter" fact="0.67"/>
+                    </dgm:constrLst>
+                  </dgm:else>
+                </dgm:choose>
+              </dgm:if>
+              <dgm:else name="Name12">
+                <dgm:choose name="Name13">
+                  <dgm:if name="Name14" axis="ch ch ch" ptType="node node node" st="1 3 0" cnt="1 1 0" func="cnt" op="equ" val="1">
+                    <dgm:constrLst>
+                      <dgm:constr type="ctrX" for="ch" forName="textCenter" refType="w" fact="0.5"/>
+                      <dgm:constr type="t" for="ch" forName="textCenter" refType="h" fact="0.436"/>
+                      <dgm:constr type="w" for="ch" forName="textCenter" refType="w" fact="0.21"/>
+                      <dgm:constr type="h" for="ch" forName="textCenter" refType="w" refFor="ch" refForName="textCenter"/>
+                      <dgm:constr type="ctrX" for="ch" forName="cycle_1" refType="w" fact="0.5"/>
+                      <dgm:constr type="t" for="ch" forName="cycle_1"/>
+                      <dgm:constr type="w" for="ch" forName="cycle_1" refType="w" fact="0.61"/>
+                      <dgm:constr type="h" for="ch" forName="cycle_1" refType="h" fact="0.36"/>
+                      <dgm:constr type="diam" for="ch" forName="cycle_1" refType="w" fact="0.5"/>
+                      <dgm:constr type="r" for="ch" forName="cycle_2" refType="w"/>
+                      <dgm:constr type="b" for="ch" forName="cycle_2" refType="h"/>
+                      <dgm:constr type="w" for="ch" forName="cycle_2" refType="w" fact="0.46"/>
+                      <dgm:constr type="h" for="ch" forName="cycle_2" refType="h" fact="0.54"/>
+                      <dgm:constr type="diam" for="ch" forName="cycle_2" refType="w" fact="0.5"/>
+                      <dgm:constr type="l" for="ch" forName="cycle_3"/>
+                      <dgm:constr type="b" for="ch" forName="cycle_3" refType="h" fact="0.85"/>
+                      <dgm:constr type="w" for="ch" forName="cycle_3" refType="w" fact="0.46"/>
+                      <dgm:constr type="h" for="ch" forName="cycle_3" refType="h" fact="0.54"/>
+                      <dgm:constr type="diam" for="ch" forName="cycle_3" refType="w" fact="0.5"/>
+                      <dgm:constr type="primFontSz" for="ch" forName="textCenter" val="65"/>
+                      <dgm:constr type="primFontSz" for="des" forName="childCenter1" val="65"/>
+                      <dgm:constr type="primFontSz" for="des" forName="text1" op="equ" val="65"/>
+                      <dgm:constr type="primFontSz" for="des" forName="childCenter2" refType="primFontSz" refFor="des" refForName="childCenter1" op="equ"/>
+                      <dgm:constr type="primFontSz" for="des" forName="text2" refType="primFontSz" refFor="des" refForName="text1" op="equ"/>
+                      <dgm:constr type="primFontSz" for="des" forName="childCenter3" refType="primFontSz" refFor="des" refForName="childCenter1" op="equ"/>
+                      <dgm:constr type="primFontSz" for="des" forName="text3" refType="primFontSz" refFor="des" refForName="text1" op="equ"/>
+                      <dgm:constr type="userS" for="des" ptType="node" refType="w" refFor="ch" refForName="textCenter" fact="0.67"/>
+                    </dgm:constrLst>
+                  </dgm:if>
+                  <dgm:else name="Name15">
+                    <dgm:constrLst>
+                      <dgm:constr type="ctrX" for="ch" forName="textCenter" refType="w" fact="0.5"/>
+                      <dgm:constr type="t" for="ch" forName="textCenter" refType="h" fact="0.436"/>
+                      <dgm:constr type="w" for="ch" forName="textCenter" refType="w" fact="0.21"/>
+                      <dgm:constr type="h" for="ch" forName="textCenter" refType="w" refFor="ch" refForName="textCenter"/>
+                      <dgm:constr type="ctrX" for="ch" forName="cycle_1" refType="w" fact="0.5"/>
+                      <dgm:constr type="t" for="ch" forName="cycle_1"/>
+                      <dgm:constr type="w" for="ch" forName="cycle_1" refType="w" fact="0.61"/>
+                      <dgm:constr type="h" for="ch" forName="cycle_1" refType="h" fact="0.36"/>
+                      <dgm:constr type="diam" for="ch" forName="cycle_1" refType="w" fact="0.5"/>
+                      <dgm:constr type="r" for="ch" forName="cycle_2" refType="w"/>
+                      <dgm:constr type="b" for="ch" forName="cycle_2" refType="h"/>
+                      <dgm:constr type="w" for="ch" forName="cycle_2" refType="w" fact="0.46"/>
+                      <dgm:constr type="h" for="ch" forName="cycle_2" refType="h" fact="0.54"/>
+                      <dgm:constr type="diam" for="ch" forName="cycle_2" refType="w" fact="0.5"/>
+                      <dgm:constr type="l" for="ch" forName="cycle_3"/>
+                      <dgm:constr type="b" for="ch" forName="cycle_3" refType="h"/>
+                      <dgm:constr type="w" for="ch" forName="cycle_3" refType="w" fact="0.46"/>
+                      <dgm:constr type="h" for="ch" forName="cycle_3" refType="h" fact="0.54"/>
+                      <dgm:constr type="diam" for="ch" forName="cycle_3" refType="w" fact="0.5"/>
+                      <dgm:constr type="primFontSz" for="ch" forName="textCenter" val="65"/>
+                      <dgm:constr type="primFontSz" for="des" forName="childCenter1" val="65"/>
+                      <dgm:constr type="primFontSz" for="des" forName="text1" op="equ" val="65"/>
+                      <dgm:constr type="primFontSz" for="des" forName="childCenter2" refType="primFontSz" refFor="des" refForName="childCenter1" op="equ"/>
+                      <dgm:constr type="primFontSz" for="des" forName="text2" refType="primFontSz" refFor="des" refForName="text1" op="equ"/>
+                      <dgm:constr type="primFontSz" for="des" forName="childCenter3" refType="primFontSz" refFor="des" refForName="childCenter1" op="equ"/>
+                      <dgm:constr type="primFontSz" for="des" forName="text3" refType="primFontSz" refFor="des" refForName="text1" op="equ"/>
+                      <dgm:constr type="userS" for="des" ptType="node" refType="w" refFor="ch" refForName="textCenter" fact="0.67"/>
+                    </dgm:constrLst>
+                  </dgm:else>
+                </dgm:choose>
+              </dgm:else>
+            </dgm:choose>
+          </dgm:if>
+          <dgm:if name="Name16" axis="ch ch" ptType="node node" cnt="1 0" func="cnt" op="equ" val="4">
+            <dgm:constrLst>
+              <dgm:constr type="ctrX" for="ch" forName="textCenter" refType="w" fact="0.5"/>
+              <dgm:constr type="ctrY" for="ch" forName="textCenter" refType="h" fact="0.5"/>
+              <dgm:constr type="w" for="ch" forName="textCenter" refType="w" fact="0.2"/>
+              <dgm:constr type="h" for="ch" forName="textCenter" refType="w" refFor="ch" refForName="textCenter"/>
+              <dgm:constr type="ctrX" for="ch" forName="cycle_1" refType="w" fact="0.5"/>
+              <dgm:constr type="t" for="ch" forName="cycle_1"/>
+              <dgm:constr type="w" for="ch" forName="cycle_1" refType="w" fact="0.5"/>
+              <dgm:constr type="h" for="ch" forName="cycle_1" refType="h" fact="0.33"/>
+              <dgm:constr type="r" for="ch" forName="cycle_2" refType="w"/>
+              <dgm:constr type="ctrY" for="ch" forName="cycle_2" refType="h" fact="0.5"/>
+              <dgm:constr type="w" for="ch" forName="cycle_2" refType="w" fact="0.33"/>
+              <dgm:constr type="h" for="ch" forName="cycle_2" refType="h" fact="0.5"/>
+              <dgm:constr type="ctrX" for="ch" forName="cycle_3" refType="w" fact="0.5"/>
+              <dgm:constr type="b" for="ch" forName="cycle_3" refType="h"/>
+              <dgm:constr type="w" for="ch" forName="cycle_3" refType="w" fact="0.5"/>
+              <dgm:constr type="h" for="ch" forName="cycle_3" refType="h" fact="0.33"/>
+              <dgm:constr type="l" for="ch" forName="cycle_4"/>
+              <dgm:constr type="ctrY" for="ch" forName="cycle_4" refType="h" fact="0.5"/>
+              <dgm:constr type="w" for="ch" forName="cycle_4" refType="w" fact="0.33"/>
+              <dgm:constr type="h" for="ch" forName="cycle_4" refType="h" fact="0.5"/>
+              <dgm:constr type="primFontSz" for="ch" forName="textCenter" val="65"/>
+              <dgm:constr type="primFontSz" for="des" forName="childCenter1" val="65"/>
+              <dgm:constr type="primFontSz" for="des" forName="text1" op="equ" val="65"/>
+              <dgm:constr type="primFontSz" for="des" forName="childCenter2" refType="primFontSz" refFor="des" refForName="childCenter1" op="equ"/>
+              <dgm:constr type="primFontSz" for="des" forName="text2" refType="primFontSz" refFor="des" refForName="text1" op="equ"/>
+              <dgm:constr type="primFontSz" for="des" forName="childCenter3" refType="primFontSz" refFor="des" refForName="childCenter1" op="equ"/>
+              <dgm:constr type="primFontSz" for="des" forName="text3" refType="primFontSz" refFor="des" refForName="text1" op="equ"/>
+              <dgm:constr type="primFontSz" for="des" forName="childCenter4" refType="primFontSz" refFor="des" refForName="childCenter1" op="equ"/>
+              <dgm:constr type="primFontSz" for="des" forName="text4" refType="primFontSz" refFor="des" refForName="text1" op="equ"/>
+              <dgm:constr type="userS" for="des" ptType="node" refType="w" refFor="ch" refForName="textCenter" fact="0.67"/>
+            </dgm:constrLst>
+          </dgm:if>
+          <dgm:if name="Name17" axis="ch ch" ptType="node node" cnt="1 0" func="cnt" op="equ" val="5">
+            <dgm:constrLst>
+              <dgm:constr type="ctrX" for="ch" forName="textCenter" refType="w" fact="0.5"/>
+              <dgm:constr type="t" for="ch" forName="textCenter" refType="h" fact="0.42"/>
+              <dgm:constr type="w" for="ch" forName="textCenter" refType="w" fact="0.2"/>
+              <dgm:constr type="h" for="ch" forName="textCenter" refType="w" refFor="ch" refForName="textCenter"/>
+              <dgm:constr type="ctrX" for="ch" forName="cycle_1" refType="w" fact="0.5"/>
+              <dgm:constr type="t" for="ch" forName="cycle_1"/>
+              <dgm:constr type="w" for="ch" forName="cycle_1" refType="w" fact="0.33"/>
+              <dgm:constr type="h" for="ch" forName="cycle_1" refType="w" refFor="ch" refForName="cycle_1"/>
+              <dgm:constr type="r" for="ch" forName="cycle_2" refType="w"/>
+              <dgm:constr type="t" for="ch" forName="cycle_2" refType="h" fact="0.24"/>
+              <dgm:constr type="w" for="ch" forName="cycle_2" refType="w" fact="0.33"/>
+              <dgm:constr type="h" for="ch" forName="cycle_2" refType="w" refFor="ch" refForName="cycle_2"/>
+              <dgm:constr type="r" for="ch" forName="cycle_3" refType="w" fact="0.89"/>
+              <dgm:constr type="b" for="ch" forName="cycle_3" refType="h"/>
+              <dgm:constr type="w" for="ch" forName="cycle_3" refType="w" fact="0.33"/>
+              <dgm:constr type="h" for="ch" forName="cycle_3" refType="w" refFor="ch" refForName="cycle_3"/>
+              <dgm:constr type="l" for="ch" forName="cycle_4" refType="w" fact="0.11"/>
+              <dgm:constr type="b" for="ch" forName="cycle_4" refType="h"/>
+              <dgm:constr type="w" for="ch" forName="cycle_4" refType="w" fact="0.33"/>
+              <dgm:constr type="h" for="ch" forName="cycle_4" refType="w" refFor="ch" refForName="cycle_4"/>
+              <dgm:constr type="l" for="ch" forName="cycle_5"/>
+              <dgm:constr type="t" for="ch" forName="cycle_5" refType="h" fact="0.24"/>
+              <dgm:constr type="w" for="ch" forName="cycle_5" refType="w" fact="0.33"/>
+              <dgm:constr type="h" for="ch" forName="cycle_5" refType="w" refFor="ch" refForName="cycle_5"/>
+              <dgm:constr type="primFontSz" for="ch" forName="textCenter" val="65"/>
+              <dgm:constr type="primFontSz" for="des" forName="childCenter1" val="65"/>
+              <dgm:constr type="primFontSz" for="des" forName="text1" op="equ" val="65"/>
+              <dgm:constr type="primFontSz" for="des" forName="childCenter2" refType="primFontSz" refFor="des" refForName="childCenter1" op="equ"/>
+              <dgm:constr type="primFontSz" for="des" forName="text2" refType="primFontSz" refFor="des" refForName="text1" op="equ"/>
+              <dgm:constr type="primFontSz" for="des" forName="childCenter3" refType="primFontSz" refFor="des" refForName="childCenter1" op="equ"/>
+              <dgm:constr type="primFontSz" for="des" forName="text3" refType="primFontSz" refFor="des" refForName="text1" op="equ"/>
+              <dgm:constr type="primFontSz" for="des" forName="childCenter4" refType="primFontSz" refFor="des" refForName="childCenter1" op="equ"/>
+              <dgm:constr type="primFontSz" for="des" forName="text4" refType="primFontSz" refFor="des" refForName="text1" op="equ"/>
+              <dgm:constr type="primFontSz" for="des" forName="childCenter5" refType="primFontSz" refFor="des" refForName="childCenter1" op="equ"/>
+              <dgm:constr type="primFontSz" for="des" forName="text5" refType="primFontSz" refFor="des" refForName="text1" op="equ"/>
+              <dgm:constr type="userS" for="des" ptType="node" refType="w" refFor="ch" refForName="textCenter" fact="0.67"/>
+            </dgm:constrLst>
+          </dgm:if>
+          <dgm:if name="Name18" axis="ch ch" ptType="node node" cnt="1 0" func="cnt" op="equ" val="6">
+            <dgm:constrLst>
+              <dgm:constr type="ctrX" for="ch" forName="textCenter" refType="w" fact="0.5"/>
+              <dgm:constr type="ctrY" for="ch" forName="textCenter" refType="h" fact="0.5"/>
+              <dgm:constr type="w" for="ch" forName="textCenter" refType="w" fact="0.2"/>
+              <dgm:constr type="h" for="ch" forName="textCenter" refType="w" refFor="ch" refForName="textCenter"/>
+              <dgm:constr type="ctrX" for="ch" forName="cycle_1" refType="w" fact="0.5"/>
+              <dgm:constr type="t" for="ch" forName="cycle_1"/>
+              <dgm:constr type="w" for="ch" forName="cycle_1" refType="w" fact="0.33"/>
+              <dgm:constr type="h" for="ch" forName="cycle_1" refType="w" refFor="ch" refForName="cycle_1"/>
+              <dgm:constr type="r" for="ch" forName="cycle_2" refType="w"/>
+              <dgm:constr type="t" for="ch" forName="cycle_2" refType="h" fact="0.17"/>
+              <dgm:constr type="w" for="ch" forName="cycle_2" refType="w" fact="0.33"/>
+              <dgm:constr type="h" for="ch" forName="cycle_2" refType="w" refFor="ch" refForName="cycle_2"/>
+              <dgm:constr type="r" for="ch" forName="cycle_3" refType="w"/>
+              <dgm:constr type="b" for="ch" forName="cycle_3" refType="h" fact="0.83"/>
+              <dgm:constr type="w" for="ch" forName="cycle_3" refType="w" fact="0.33"/>
+              <dgm:constr type="h" for="ch" forName="cycle_3" refType="w" refFor="ch" refForName="cycle_3"/>
+              <dgm:constr type="ctrX" for="ch" forName="cycle_4" refType="w" fact="0.5"/>
+              <dgm:constr type="b" for="ch" forName="cycle_4" refType="h"/>
+              <dgm:constr type="w" for="ch" forName="cycle_4" refType="w" fact="0.33"/>
+              <dgm:constr type="h" for="ch" forName="cycle_4" refType="w" refFor="ch" refForName="cycle_4"/>
+              <dgm:constr type="l" for="ch" forName="cycle_5"/>
+              <dgm:constr type="b" for="ch" forName="cycle_5" refType="h" fact="0.83"/>
+              <dgm:constr type="w" for="ch" forName="cycle_5" refType="w" fact="0.33"/>
+              <dgm:constr type="h" for="ch" forName="cycle_5" refType="w" refFor="ch" refForName="cycle_5"/>
+              <dgm:constr type="l" for="ch" forName="cycle_6"/>
+              <dgm:constr type="t" for="ch" forName="cycle_6" refType="h" fact="0.17"/>
+              <dgm:constr type="w" for="ch" forName="cycle_6" refType="w" fact="0.33"/>
+              <dgm:constr type="h" for="ch" forName="cycle_6" refType="w" refFor="ch" refForName="cycle_6"/>
+              <dgm:constr type="primFontSz" for="ch" forName="textCenter" val="65"/>
+              <dgm:constr type="primFontSz" for="des" forName="childCenter1" val="65"/>
+              <dgm:constr type="primFontSz" for="des" forName="text1" op="equ" val="65"/>
+              <dgm:constr type="primFontSz" for="des" forName="childCenter2" refType="primFontSz" refFor="des" refForName="childCenter1" op="equ"/>
+              <dgm:constr type="primFontSz" for="des" forName="text2" refType="primFontSz" refFor="des" refForName="text1" op="equ"/>
+              <dgm:constr type="primFontSz" for="des" forName="childCenter3" refType="primFontSz" refFor="des" refForName="childCenter1" op="equ"/>
+              <dgm:constr type="primFontSz" for="des" forName="text3" refType="primFontSz" refFor="des" refForName="text1" op="equ"/>
+              <dgm:constr type="primFontSz" for="des" forName="childCenter4" refType="primFontSz" refFor="des" refForName="childCenter1" op="equ"/>
+              <dgm:constr type="primFontSz" for="des" forName="text4" refType="primFontSz" refFor="des" refForName="text1" op="equ"/>
+              <dgm:constr type="primFontSz" for="des" forName="childCenter5" refType="primFontSz" refFor="des" refForName="childCenter1" op="equ"/>
+              <dgm:constr type="primFontSz" for="des" forName="text5" refType="primFontSz" refFor="des" refForName="text1" op="equ"/>
+              <dgm:constr type="primFontSz" for="des" forName="childCenter6" refType="primFontSz" refFor="des" refForName="childCenter1" op="equ"/>
+              <dgm:constr type="primFontSz" for="des" forName="text6" refType="primFontSz" refFor="des" refForName="text1" op="equ"/>
+              <dgm:constr type="userS" for="des" ptType="node" refType="w" refFor="ch" refForName="textCenter" fact="0.67"/>
+            </dgm:constrLst>
+          </dgm:if>
+          <dgm:else name="Name19">
+            <dgm:constrLst>
+              <dgm:constr type="ctrX" for="ch" forName="textCenter" refType="w" fact="0.5"/>
+              <dgm:constr type="t" for="ch" forName="textCenter" refType="h" fact="0.444"/>
+              <dgm:constr type="w" for="ch" forName="textCenter" refType="w" fact="0.167"/>
+              <dgm:constr type="h" for="ch" forName="textCenter" refType="w" refFor="ch" refForName="textCenter"/>
+              <dgm:constr type="ctrX" for="ch" forName="cycle_1" refType="w" fact="0.5"/>
+              <dgm:constr type="t" for="ch" forName="cycle_1"/>
+              <dgm:constr type="w" for="ch" forName="cycle_1" refType="w" fact="0.263"/>
+              <dgm:constr type="h" for="ch" forName="cycle_1" refType="w" refFor="ch" refForName="cycle_1"/>
+              <dgm:constr type="r" for="ch" forName="cycle_2" refType="w" fact="0.938"/>
+              <dgm:constr type="t" for="ch" forName="cycle_2" refType="h" fact="0.141"/>
+              <dgm:constr type="w" for="ch" forName="cycle_2" refType="w" fact="0.263"/>
+              <dgm:constr type="h" for="ch" forName="cycle_2" refType="w" refFor="ch" refForName="cycle_2"/>
+              <dgm:constr type="r" for="ch" forName="cycle_3" refType="w"/>
+              <dgm:constr type="b" for="ch" forName="cycle_3" refType="h" fact="0.74"/>
+              <dgm:constr type="w" for="ch" forName="cycle_3" refType="w" fact="0.263"/>
+              <dgm:constr type="h" for="ch" forName="cycle_3" refType="w" refFor="ch" refForName="cycle_3"/>
+              <dgm:constr type="r" for="ch" forName="cycle_4" refType="w" fact="0.8"/>
+              <dgm:constr type="b" for="ch" forName="cycle_4" refType="h"/>
+              <dgm:constr type="w" for="ch" forName="cycle_4" refType="w" fact="0.263"/>
+              <dgm:constr type="h" for="ch" forName="cycle_4" refType="w" refFor="ch" refForName="cycle_4"/>
+              <dgm:constr type="l" for="ch" forName="cycle_5" refType="w" fact="0.2"/>
+              <dgm:constr type="b" for="ch" forName="cycle_5" refType="h"/>
+              <dgm:constr type="w" for="ch" forName="cycle_5" refType="w" fact="0.263"/>
+              <dgm:constr type="h" for="ch" forName="cycle_5" refType="w" refFor="ch" refForName="cycle_5"/>
+              <dgm:constr type="l" for="ch" forName="cycle_6"/>
+              <dgm:constr type="b" for="ch" forName="cycle_6" refType="h" fact="0.74"/>
+              <dgm:constr type="w" for="ch" forName="cycle_6" refType="w" fact="0.263"/>
+              <dgm:constr type="h" for="ch" forName="cycle_6" refType="w" refFor="ch" refForName="cycle_6"/>
+              <dgm:constr type="l" for="ch" forName="cycle_7" refType="w" fact="0.062"/>
+              <dgm:constr type="t" for="ch" forName="cycle_7" refType="h" fact="0.141"/>
+              <dgm:constr type="w" for="ch" forName="cycle_7" refType="w" fact="0.263"/>
+              <dgm:constr type="h" for="ch" forName="cycle_7" refType="w" refFor="ch" refForName="cycle_7"/>
+              <dgm:constr type="primFontSz" for="ch" forName="textCenter" val="65"/>
+              <dgm:constr type="primFontSz" for="des" forName="childCenter1" val="65"/>
+              <dgm:constr type="primFontSz" for="des" forName="text1" op="equ" val="65"/>
+              <dgm:constr type="primFontSz" for="des" forName="childCenter2" refType="primFontSz" refFor="des" refForName="childCenter1" op="equ"/>
+              <dgm:constr type="primFontSz" for="des" forName="text2" refType="primFontSz" refFor="des" refForName="text1" op="equ"/>
+              <dgm:constr type="primFontSz" for="des" forName="childCenter3" refType="primFontSz" refFor="des" refForName="childCenter1" op="equ"/>
+              <dgm:constr type="primFontSz" for="des" forName="text3" refType="primFontSz" refFor="des" refForName="text1" op="equ"/>
+              <dgm:constr type="primFontSz" for="des" forName="childCenter4" refType="primFontSz" refFor="des" refForName="childCenter1" op="equ"/>
+              <dgm:constr type="primFontSz" for="des" forName="text4" refType="primFontSz" refFor="des" refForName="text1" op="equ"/>
+              <dgm:constr type="primFontSz" for="des" forName="childCenter5" refType="primFontSz" refFor="des" refForName="childCenter1" op="equ"/>
+              <dgm:constr type="primFontSz" for="des" forName="text5" refType="primFontSz" refFor="des" refForName="text1" op="equ"/>
+              <dgm:constr type="primFontSz" for="des" forName="childCenter6" refType="primFontSz" refFor="des" refForName="childCenter1" op="equ"/>
+              <dgm:constr type="primFontSz" for="des" forName="text6" refType="primFontSz" refFor="des" refForName="text1" op="equ"/>
+              <dgm:constr type="primFontSz" for="des" forName="childCenter7" refType="primFontSz" refFor="des" refForName="childCenter1" op="equ"/>
+              <dgm:constr type="primFontSz" for="des" forName="text7" refType="primFontSz" refFor="des" refForName="text1" op="equ"/>
+              <dgm:constr type="userS" for="des" ptType="node" refType="w" refFor="ch" refForName="textCenter" fact="0.67"/>
+            </dgm:constrLst>
+          </dgm:else>
+        </dgm:choose>
+      </dgm:if>
+      <dgm:else name="Name20">
+        <dgm:choose name="Name21">
+          <dgm:if name="Name22" axis="ch ch" ptType="node node" func="cnt" op="equ" val="1">
+            <dgm:constrLst>
+              <dgm:constr type="r" for="ch" forName="textCenter" refType="w"/>
+              <dgm:constr type="ctrY" for="ch" forName="textCenter" refType="h" fact="0.5"/>
+              <dgm:constr type="w" for="ch" forName="textCenter" refType="w" fact="0.32"/>
+              <dgm:constr type="h" for="ch" forName="textCenter" refType="w" refFor="ch" refForName="textCenter"/>
+              <dgm:constr type="l" for="ch" forName="cycle_1"/>
+              <dgm:constr type="ctrY" for="ch" forName="cycle_1" refType="h" fact="0.5"/>
+              <dgm:constr type="w" for="ch" forName="cycle_1" refType="w" fact="0.56"/>
+              <dgm:constr type="h" for="ch" forName="cycle_1" refType="h"/>
+              <dgm:constr type="primFontSz" for="ch" forName="textCenter" val="65"/>
+              <dgm:constr type="primFontSz" for="des" forName="childCenter1" val="65"/>
+              <dgm:constr type="primFontSz" for="des" forName="text1" op="equ" val="65"/>
+              <dgm:constr type="userS" for="des" ptType="node" refType="w" refFor="ch" refForName="textCenter" fact="0.67"/>
+            </dgm:constrLst>
+          </dgm:if>
+          <dgm:if name="Name23" axis="ch ch" ptType="node node" func="cnt" op="equ" val="2">
+            <dgm:constrLst>
+              <dgm:constr type="ctrX" for="ch" forName="textCenter" refType="w" fact="0.5"/>
+              <dgm:constr type="ctrY" for="ch" forName="textCenter" refType="h" fact="0.5"/>
+              <dgm:constr type="w" for="ch" forName="textCenter" refType="w" fact="0.25"/>
+              <dgm:constr type="h" for="ch" forName="textCenter" refType="w" refFor="ch" refForName="textCenter"/>
+              <dgm:constr type="ctrX" for="ch" forName="cycle_1" refType="w" fact="0.5"/>
+              <dgm:constr type="t" for="ch" forName="cycle_1"/>
+              <dgm:constr type="w" for="ch" forName="cycle_1" refType="w"/>
+              <dgm:constr type="h" for="ch" forName="cycle_1" refType="h" fact="0.34"/>
+              <dgm:constr type="ctrX" for="ch" forName="cycle_2" refType="w" fact="0.5"/>
+              <dgm:constr type="b" for="ch" forName="cycle_2" refType="h"/>
+              <dgm:constr type="w" for="ch" forName="cycle_2" refType="w"/>
+              <dgm:constr type="h" for="ch" forName="cycle_2" refType="h" fact="0.34"/>
+              <dgm:constr type="primFontSz" for="ch" forName="textCenter" val="65"/>
+              <dgm:constr type="primFontSz" for="des" forName="childCenter1" val="65"/>
+              <dgm:constr type="primFontSz" for="des" forName="text1" op="equ" val="65"/>
+              <dgm:constr type="primFontSz" for="des" forName="childCenter2" refType="primFontSz" refFor="des" refForName="childCenter1" op="equ"/>
+              <dgm:constr type="primFontSz" for="des" forName="text2" refType="primFontSz" refFor="des" refForName="text1" op="equ"/>
+              <dgm:constr type="userS" for="des" ptType="node" refType="w" refFor="ch" refForName="textCenter" fact="0.67"/>
+            </dgm:constrLst>
+          </dgm:if>
+          <dgm:if name="Name24" axis="ch ch" ptType="node node" func="cnt" op="equ" val="3">
+            <dgm:choose name="Name25">
+              <dgm:if name="Name26" axis="ch ch ch" ptType="node node node" st="1 2 0" cnt="1 1 0" func="cnt" op="equ" val="1">
+                <dgm:choose name="Name27">
+                  <dgm:if name="Name28" axis="ch ch ch" ptType="node node node" st="1 3 0" cnt="1 1 0" func="cnt" op="equ" val="1">
+                    <dgm:constrLst>
+                      <dgm:constr type="ctrX" for="ch" forName="textCenter" refType="w" fact="0.5"/>
+                      <dgm:constr type="t" for="ch" forName="textCenter" refType="h" fact="0.436"/>
+                      <dgm:constr type="w" for="ch" forName="textCenter" refType="w" fact="0.21"/>
+                      <dgm:constr type="h" for="ch" forName="textCenter" refType="w" refFor="ch" refForName="textCenter"/>
+                      <dgm:constr type="ctrX" for="ch" forName="cycle_1" refType="w" fact="0.5"/>
+                      <dgm:constr type="t" for="ch" forName="cycle_1"/>
+                      <dgm:constr type="w" for="ch" forName="cycle_1" refType="w" fact="0.61"/>
+                      <dgm:constr type="h" for="ch" forName="cycle_1" refType="h" fact="0.36"/>
+                      <dgm:constr type="diam" for="ch" forName="cycle_1" refType="w" fact="0.5"/>
+                      <dgm:constr type="l" for="ch" forName="cycle_2"/>
+                      <dgm:constr type="b" for="ch" forName="cycle_2" refType="h" fact="0.85"/>
+                      <dgm:constr type="w" for="ch" forName="cycle_2" refType="w" fact="0.46"/>
+                      <dgm:constr type="h" for="ch" forName="cycle_2" refType="h" fact="0.54"/>
+                      <dgm:constr type="diam" for="ch" forName="cycle_2" refType="w" fact="0.5"/>
+                      <dgm:constr type="r" for="ch" forName="cycle_3" refType="w"/>
+                      <dgm:constr type="b" for="ch" forName="cycle_3" refType="h" fact="0.85"/>
+                      <dgm:constr type="w" for="ch" forName="cycle_3" refType="w" fact="0.46"/>
+                      <dgm:constr type="h" for="ch" forName="cycle_3" refType="h" fact="0.54"/>
+                      <dgm:constr type="diam" for="ch" forName="cycle_3" refType="w" fact="0.5"/>
+                      <dgm:constr type="primFontSz" for="ch" forName="textCenter" val="65"/>
+                      <dgm:constr type="primFontSz" for="des" forName="childCenter1" val="65"/>
+                      <dgm:constr type="primFontSz" for="des" forName="text1" op="equ" val="65"/>
+                      <dgm:constr type="primFontSz" for="des" forName="childCenter2" refType="primFontSz" refFor="des" refForName="childCenter1" op="equ"/>
+                      <dgm:constr type="primFontSz" for="des" forName="text2" refType="primFontSz" refFor="des" refForName="text1" op="equ"/>
+                      <dgm:constr type="primFontSz" for="des" forName="childCenter3" refType="primFontSz" refFor="des" refForName="childCenter1" op="equ"/>
+                      <dgm:constr type="primFontSz" for="des" forName="text3" refType="primFontSz" refFor="des" refForName="text1" op="equ"/>
+                      <dgm:constr type="userS" for="des" ptType="node" refType="w" refFor="ch" refForName="textCenter" fact="0.67"/>
+                    </dgm:constrLst>
+                  </dgm:if>
+                  <dgm:else name="Name29">
+                    <dgm:constrLst>
+                      <dgm:constr type="ctrX" for="ch" forName="textCenter" refType="w" fact="0.5"/>
+                      <dgm:constr type="t" for="ch" forName="textCenter" refType="h" fact="0.436"/>
+                      <dgm:constr type="w" for="ch" forName="textCenter" refType="w" fact="0.21"/>
+                      <dgm:constr type="h" for="ch" forName="textCenter" refType="w" refFor="ch" refForName="textCenter"/>
+                      <dgm:constr type="ctrX" for="ch" forName="cycle_1" refType="w" fact="0.5"/>
+                      <dgm:constr type="t" for="ch" forName="cycle_1"/>
+                      <dgm:constr type="w" for="ch" forName="cycle_1" refType="w" fact="0.61"/>
+                      <dgm:constr type="h" for="ch" forName="cycle_1" refType="h" fact="0.36"/>
+                      <dgm:constr type="diam" for="ch" forName="cycle_1" refType="w" fact="0.5"/>
+                      <dgm:constr type="l" for="ch" forName="cycle_2"/>
+                      <dgm:constr type="b" for="ch" forName="cycle_2" refType="h" fact="0.85"/>
+                      <dgm:constr type="w" for="ch" forName="cycle_2" refType="w" fact="0.46"/>
+                      <dgm:constr type="h" for="ch" forName="cycle_2" refType="h" fact="0.54"/>
+                      <dgm:constr type="diam" for="ch" forName="cycle_2" refType="w" fact="0.5"/>
+                      <dgm:constr type="r" for="ch" forName="cycle_3" refType="w"/>
+                      <dgm:constr type="b" for="ch" forName="cycle_3" refType="h"/>
+                      <dgm:constr type="w" for="ch" forName="cycle_3" refType="w" fact="0.46"/>
+                      <dgm:constr type="h" for="ch" forName="cycle_3" refType="h" fact="0.54"/>
+                      <dgm:constr type="diam" for="ch" forName="cycle_3" refType="w" fact="0.5"/>
+                      <dgm:constr type="primFontSz" for="ch" forName="textCenter" val="65"/>
+                      <dgm:constr type="primFontSz" for="des" forName="childCenter1" val="65"/>
+                      <dgm:constr type="primFontSz" for="des" forName="text1" op="equ" val="65"/>
+                      <dgm:constr type="primFontSz" for="des" forName="childCenter2" refType="primFontSz" refFor="des" refForName="childCenter1" op="equ"/>
+                      <dgm:constr type="primFontSz" for="des" forName="text2" refType="primFontSz" refFor="des" refForName="text1" op="equ"/>
+                      <dgm:constr type="primFontSz" for="des" forName="childCenter3" refType="primFontSz" refFor="des" refForName="childCenter1" op="equ"/>
+                      <dgm:constr type="primFontSz" for="des" forName="text3" refType="primFontSz" refFor="des" refForName="text1" op="equ"/>
+                      <dgm:constr type="userS" for="des" ptType="node" refType="w" refFor="ch" refForName="textCenter" fact="0.67"/>
+                    </dgm:constrLst>
+                  </dgm:else>
+                </dgm:choose>
+              </dgm:if>
+              <dgm:else name="Name30">
+                <dgm:choose name="Name31">
+                  <dgm:if name="Name32" axis="ch ch ch" ptType="node node node" st="1 3 0" cnt="1 1 0" func="cnt" op="equ" val="1">
+                    <dgm:constrLst>
+                      <dgm:constr type="ctrX" for="ch" forName="textCenter" refType="w" fact="0.5"/>
+                      <dgm:constr type="t" for="ch" forName="textCenter" refType="h" fact="0.436"/>
+                      <dgm:constr type="w" for="ch" forName="textCenter" refType="w" fact="0.21"/>
+                      <dgm:constr type="h" for="ch" forName="textCenter" refType="w" refFor="ch" refForName="textCenter"/>
+                      <dgm:constr type="ctrX" for="ch" forName="cycle_1" refType="w" fact="0.5"/>
+                      <dgm:constr type="t" for="ch" forName="cycle_1"/>
+                      <dgm:constr type="w" for="ch" forName="cycle_1" refType="w" fact="0.61"/>
+                      <dgm:constr type="h" for="ch" forName="cycle_1" refType="h" fact="0.36"/>
+                      <dgm:constr type="diam" for="ch" forName="cycle_1" refType="w" fact="0.5"/>
+                      <dgm:constr type="l" for="ch" forName="cycle_2"/>
+                      <dgm:constr type="b" for="ch" forName="cycle_2" refType="h"/>
+                      <dgm:constr type="w" for="ch" forName="cycle_2" refType="w" fact="0.46"/>
+                      <dgm:constr type="h" for="ch" forName="cycle_2" refType="h" fact="0.54"/>
+                      <dgm:constr type="diam" for="ch" forName="cycle_2" refType="w" fact="0.5"/>
+                      <dgm:constr type="r" for="ch" forName="cycle_3" refType="w"/>
+                      <dgm:constr type="b" for="ch" forName="cycle_3" refType="h" fact="0.85"/>
+                      <dgm:constr type="w" for="ch" forName="cycle_3" refType="w" fact="0.46"/>
+                      <dgm:constr type="h" for="ch" forName="cycle_3" refType="h" fact="0.54"/>
+                      <dgm:constr type="diam" for="ch" forName="cycle_3" refType="w" fact="0.5"/>
+                      <dgm:constr type="primFontSz" for="ch" forName="textCenter" val="65"/>
+                      <dgm:constr type="primFontSz" for="des" forName="childCenter1" val="65"/>
+                      <dgm:constr type="primFontSz" for="des" forName="text1" op="equ" val="65"/>
+                      <dgm:constr type="primFontSz" for="des" forName="childCenter2" refType="primFontSz" refFor="des" refForName="childCenter1" op="equ"/>
+                      <dgm:constr type="primFontSz" for="des" forName="text2" refType="primFontSz" refFor="des" refForName="text1" op="equ"/>
+                      <dgm:constr type="primFontSz" for="des" forName="childCenter3" refType="primFontSz" refFor="des" refForName="childCenter1" op="equ"/>
+                      <dgm:constr type="primFontSz" for="des" forName="text3" refType="primFontSz" refFor="des" refForName="text1" op="equ"/>
+                      <dgm:constr type="userS" for="des" ptType="node" refType="w" refFor="ch" refForName="textCenter" fact="0.67"/>
+                    </dgm:constrLst>
+                  </dgm:if>
+                  <dgm:else name="Name33">
+                    <dgm:constrLst>
+                      <dgm:constr type="ctrX" for="ch" forName="textCenter" refType="w" fact="0.5"/>
+                      <dgm:constr type="t" for="ch" forName="textCenter" refType="h" fact="0.436"/>
+                      <dgm:constr type="w" for="ch" forName="textCenter" refType="w" fact="0.21"/>
+                      <dgm:constr type="h" for="ch" forName="textCenter" refType="w" refFor="ch" refForName="textCenter"/>
+                      <dgm:constr type="ctrX" for="ch" forName="cycle_1" refType="w" fact="0.5"/>
+                      <dgm:constr type="t" for="ch" forName="cycle_1"/>
+                      <dgm:constr type="w" for="ch" forName="cycle_1" refType="w" fact="0.61"/>
+                      <dgm:constr type="h" for="ch" forName="cycle_1" refType="h" fact="0.36"/>
+                      <dgm:constr type="diam" for="ch" forName="cycle_1" refType="w" fact="0.5"/>
+                      <dgm:constr type="l" for="ch" forName="cycle_2"/>
+                      <dgm:constr type="b" for="ch" forName="cycle_2" refType="h"/>
+                      <dgm:constr type="w" for="ch" forName="cycle_2" refType="w" fact="0.46"/>
+                      <dgm:constr type="h" for="ch" forName="cycle_2" refType="h" fact="0.54"/>
+                      <dgm:constr type="diam" for="ch" forName="cycle_2" refType="w" fact="0.5"/>
+                      <dgm:constr type="r" for="ch" forName="cycle_3" refType="w"/>
+                      <dgm:constr type="b" for="ch" forName="cycle_3" refType="h"/>
+                      <dgm:constr type="w" for="ch" forName="cycle_3" refType="w" fact="0.46"/>
+                      <dgm:constr type="h" for="ch" forName="cycle_3" refType="h" fact="0.54"/>
+                      <dgm:constr type="diam" for="ch" forName="cycle_3" refType="w" fact="0.5"/>
+                      <dgm:constr type="primFontSz" for="ch" forName="textCenter" val="65"/>
+                      <dgm:constr type="primFontSz" for="des" forName="childCenter1" val="65"/>
+                      <dgm:constr type="primFontSz" for="des" forName="text1" op="equ" val="65"/>
+                      <dgm:constr type="primFontSz" for="des" forName="childCenter2" refType="primFontSz" refFor="des" refForName="childCenter1" op="equ"/>
+                      <dgm:constr type="primFontSz" for="des" forName="text2" refType="primFontSz" refFor="des" refForName="text1" op="equ"/>
+                      <dgm:constr type="primFontSz" for="des" forName="childCenter3" refType="primFontSz" refFor="des" refForName="childCenter1" op="equ"/>
+                      <dgm:constr type="primFontSz" for="des" forName="text3" refType="primFontSz" refFor="des" refForName="text1" op="equ"/>
+                      <dgm:constr type="userS" for="des" ptType="node" refType="w" refFor="ch" refForName="textCenter" fact="0.67"/>
+                    </dgm:constrLst>
+                  </dgm:else>
+                </dgm:choose>
+              </dgm:else>
+            </dgm:choose>
+          </dgm:if>
+          <dgm:if name="Name34" axis="ch ch" ptType="node node" func="cnt" op="equ" val="4">
+            <dgm:constrLst>
+              <dgm:constr type="ctrX" for="ch" forName="textCenter" refType="w" fact="0.5"/>
+              <dgm:constr type="ctrY" for="ch" forName="textCenter" refType="h" fact="0.5"/>
+              <dgm:constr type="w" for="ch" forName="textCenter" refType="w" fact="0.2"/>
+              <dgm:constr type="h" for="ch" forName="textCenter" refType="w" refFor="ch" refForName="textCenter"/>
+              <dgm:constr type="ctrX" for="ch" forName="cycle_1" refType="w" fact="0.5"/>
+              <dgm:constr type="t" for="ch" forName="cycle_1"/>
+              <dgm:constr type="w" for="ch" forName="cycle_1" refType="w" fact="0.5"/>
+              <dgm:constr type="h" for="ch" forName="cycle_1" refType="h" fact="0.33"/>
+              <dgm:constr type="l" for="ch" forName="cycle_2"/>
+              <dgm:constr type="ctrY" for="ch" forName="cycle_2" refType="h" fact="0.5"/>
+              <dgm:constr type="w" for="ch" forName="cycle_2" refType="w" fact="0.33"/>
+              <dgm:constr type="h" for="ch" forName="cycle_2" refType="h" fact="0.5"/>
+              <dgm:constr type="ctrX" for="ch" forName="cycle_3" refType="w" fact="0.5"/>
+              <dgm:constr type="b" for="ch" forName="cycle_3" refType="h"/>
+              <dgm:constr type="w" for="ch" forName="cycle_3" refType="w" fact="0.5"/>
+              <dgm:constr type="h" for="ch" forName="cycle_3" refType="h" fact="0.33"/>
+              <dgm:constr type="r" for="ch" forName="cycle_4" refType="w"/>
+              <dgm:constr type="ctrY" for="ch" forName="cycle_4" refType="h" fact="0.5"/>
+              <dgm:constr type="w" for="ch" forName="cycle_4" refType="w" fact="0.33"/>
+              <dgm:constr type="h" for="ch" forName="cycle_4" refType="h" fact="0.5"/>
+              <dgm:constr type="primFontSz" for="ch" forName="textCenter" val="65"/>
+              <dgm:constr type="primFontSz" for="des" forName="childCenter1" val="65"/>
+              <dgm:constr type="primFontSz" for="des" forName="text1" op="equ" val="65"/>
+              <dgm:constr type="primFontSz" for="des" forName="childCenter2" refType="primFontSz" refFor="des" refForName="childCenter1" op="equ"/>
+              <dgm:constr type="primFontSz" for="des" forName="text2" refType="primFontSz" refFor="des" refForName="text1" op="equ"/>
+              <dgm:constr type="primFontSz" for="des" forName="childCenter3" refType="primFontSz" refFor="des" refForName="childCenter1" op="equ"/>
+              <dgm:constr type="primFontSz" for="des" forName="text3" refType="primFontSz" refFor="des" refForName="text1" op="equ"/>
+              <dgm:constr type="primFontSz" for="des" forName="childCenter4" refType="primFontSz" refFor="des" refForName="childCenter1" op="equ"/>
+              <dgm:constr type="primFontSz" for="des" forName="text4" refType="primFontSz" refFor="des" refForName="text1" op="equ"/>
+              <dgm:constr type="userS" for="des" ptType="node" refType="w" refFor="ch" refForName="textCenter" fact="0.67"/>
+            </dgm:constrLst>
+          </dgm:if>
+          <dgm:if name="Name35" axis="ch ch" ptType="node node" func="cnt" op="equ" val="5">
+            <dgm:constrLst>
+              <dgm:constr type="ctrX" for="ch" forName="textCenter" refType="w" fact="0.5"/>
+              <dgm:constr type="t" for="ch" forName="textCenter" refType="h" fact="0.42"/>
+              <dgm:constr type="w" for="ch" forName="textCenter" refType="w" fact="0.2"/>
+              <dgm:constr type="h" for="ch" forName="textCenter" refType="w" refFor="ch" refForName="textCenter"/>
+              <dgm:constr type="ctrX" for="ch" forName="cycle_1" refType="w" fact="0.5"/>
+              <dgm:constr type="t" for="ch" forName="cycle_1"/>
+              <dgm:constr type="w" for="ch" forName="cycle_1" refType="w" fact="0.33"/>
+              <dgm:constr type="h" for="ch" forName="cycle_1" refType="w" refFor="ch" refForName="cycle_1"/>
+              <dgm:constr type="l" for="ch" forName="cycle_2"/>
+              <dgm:constr type="t" for="ch" forName="cycle_2" refType="h" fact="0.24"/>
+              <dgm:constr type="w" for="ch" forName="cycle_2" refType="w" fact="0.33"/>
+              <dgm:constr type="h" for="ch" forName="cycle_2" refType="w" refFor="ch" refForName="cycle_2"/>
+              <dgm:constr type="l" for="ch" forName="cycle_3" refType="w" fact="0.11"/>
+              <dgm:constr type="b" for="ch" forName="cycle_3" refType="h"/>
+              <dgm:constr type="w" for="ch" forName="cycle_3" refType="w" fact="0.33"/>
+              <dgm:constr type="h" for="ch" forName="cycle_3" refType="w" refFor="ch" refForName="cycle_3"/>
+              <dgm:constr type="r" for="ch" forName="cycle_4" refType="w" fact="0.89"/>
+              <dgm:constr type="b" for="ch" forName="cycle_4" refType="h"/>
+              <dgm:constr type="w" for="ch" forName="cycle_4" refType="w" fact="0.33"/>
+              <dgm:constr type="h" for="ch" forName="cycle_4" refType="w" refFor="ch" refForName="cycle_4"/>
+              <dgm:constr type="r" for="ch" forName="cycle_5" refType="w"/>
+              <dgm:constr type="t" for="ch" forName="cycle_5" refType="h" fact="0.24"/>
+              <dgm:constr type="w" for="ch" forName="cycle_5" refType="w" fact="0.33"/>
+              <dgm:constr type="h" for="ch" forName="cycle_5" refType="w" refFor="ch" refForName="cycle_5"/>
+              <dgm:constr type="primFontSz" for="ch" forName="textCenter" val="65"/>
+              <dgm:constr type="primFontSz" for="des" forName="childCenter1" val="65"/>
+              <dgm:constr type="primFontSz" for="des" forName="text1" op="equ" val="65"/>
+              <dgm:constr type="primFontSz" for="des" forName="childCenter2" refType="primFontSz" refFor="des" refForName="childCenter1" op="equ"/>
+              <dgm:constr type="primFontSz" for="des" forName="text2" refType="primFontSz" refFor="des" refForName="text1" op="equ"/>
+              <dgm:constr type="primFontSz" for="des" forName="childCenter3" refType="primFontSz" refFor="des" refForName="childCenter1" op="equ"/>
+              <dgm:constr type="primFontSz" for="des" forName="text3" refType="primFontSz" refFor="des" refForName="text1" op="equ"/>
+              <dgm:constr type="primFontSz" for="des" forName="childCenter4" refType="primFontSz" refFor="des" refForName="childCenter1" op="equ"/>
+              <dgm:constr type="primFontSz" for="des" forName="text4" refType="primFontSz" refFor="des" refForName="text1" op="equ"/>
+              <dgm:constr type="primFontSz" for="des" forName="childCenter5" refType="primFontSz" refFor="des" refForName="childCenter1" op="equ"/>
+              <dgm:constr type="primFontSz" for="des" forName="text5" refType="primFontSz" refFor="des" refForName="text1" op="equ"/>
+              <dgm:constr type="userS" for="des" ptType="node" refType="w" refFor="ch" refForName="textCenter" fact="0.67"/>
+            </dgm:constrLst>
+          </dgm:if>
+          <dgm:if name="Name36" axis="ch ch" ptType="node node" func="cnt" op="equ" val="6">
+            <dgm:constrLst>
+              <dgm:constr type="ctrX" for="ch" forName="textCenter" refType="w" fact="0.5"/>
+              <dgm:constr type="ctrY" for="ch" forName="textCenter" refType="h" fact="0.5"/>
+              <dgm:constr type="w" for="ch" forName="textCenter" refType="w" fact="0.2"/>
+              <dgm:constr type="h" for="ch" forName="textCenter" refType="w" refFor="ch" refForName="textCenter"/>
+              <dgm:constr type="ctrX" for="ch" forName="cycle_1" refType="w" fact="0.5"/>
+              <dgm:constr type="t" for="ch" forName="cycle_1"/>
+              <dgm:constr type="w" for="ch" forName="cycle_1" refType="w" fact="0.33"/>
+              <dgm:constr type="h" for="ch" forName="cycle_1" refType="w" refFor="ch" refForName="cycle_1"/>
+              <dgm:constr type="l" for="ch" forName="cycle_2"/>
+              <dgm:constr type="t" for="ch" forName="cycle_2" refType="h" fact="0.17"/>
+              <dgm:constr type="w" for="ch" forName="cycle_2" refType="w" fact="0.33"/>
+              <dgm:constr type="h" for="ch" forName="cycle_2" refType="w" refFor="ch" refForName="cycle_2"/>
+              <dgm:constr type="l" for="ch" forName="cycle_3"/>
+              <dgm:constr type="b" for="ch" forName="cycle_3" refType="h" fact="0.83"/>
+              <dgm:constr type="w" for="ch" forName="cycle_3" refType="w" fact="0.33"/>
+              <dgm:constr type="h" for="ch" forName="cycle_3" refType="w" refFor="ch" refForName="cycle_3"/>
+              <dgm:constr type="ctrX" for="ch" forName="cycle_4" refType="w" fact="0.5"/>
+              <dgm:constr type="b" for="ch" forName="cycle_4" refType="h"/>
+              <dgm:constr type="w" for="ch" forName="cycle_4" refType="w" fact="0.33"/>
+              <dgm:constr type="h" for="ch" forName="cycle_4" refType="w" refFor="ch" refForName="cycle_4"/>
+              <dgm:constr type="r" for="ch" forName="cycle_5" refType="w"/>
+              <dgm:constr type="b" for="ch" forName="cycle_5" refType="h" fact="0.83"/>
+              <dgm:constr type="w" for="ch" forName="cycle_5" refType="w" fact="0.33"/>
+              <dgm:constr type="h" for="ch" forName="cycle_5" refType="w" refFor="ch" refForName="cycle_5"/>
+              <dgm:constr type="r" for="ch" forName="cycle_6" refType="w"/>
+              <dgm:constr type="t" for="ch" forName="cycle_6" refType="h" fact="0.17"/>
+              <dgm:constr type="w" for="ch" forName="cycle_6" refType="w" fact="0.33"/>
+              <dgm:constr type="h" for="ch" forName="cycle_6" refType="w" refFor="ch" refForName="cycle_6"/>
+              <dgm:constr type="primFontSz" for="ch" forName="textCenter" val="65"/>
+              <dgm:constr type="primFontSz" for="des" forName="childCenter1" val="65"/>
+              <dgm:constr type="primFontSz" for="des" forName="text1" op="equ" val="65"/>
+              <dgm:constr type="primFontSz" for="des" forName="childCenter2" refType="primFontSz" refFor="des" refForName="childCenter1" op="equ"/>
+              <dgm:constr type="primFontSz" for="des" forName="text2" refType="primFontSz" refFor="des" refForName="text1" op="equ"/>
+              <dgm:constr type="primFontSz" for="des" forName="childCenter3" refType="primFontSz" refFor="des" refForName="childCenter1" op="equ"/>
+              <dgm:constr type="primFontSz" for="des" forName="text3" refType="primFontSz" refFor="des" refForName="text1" op="equ"/>
+              <dgm:constr type="primFontSz" for="des" forName="childCenter4" refType="primFontSz" refFor="des" refForName="childCenter1" op="equ"/>
+              <dgm:constr type="primFontSz" for="des" forName="text4" refType="primFontSz" refFor="des" refForName="text1" op="equ"/>
+              <dgm:constr type="primFontSz" for="des" forName="childCenter5" refType="primFontSz" refFor="des" refForName="childCenter1" op="equ"/>
+              <dgm:constr type="primFontSz" for="des" forName="text5" refType="primFontSz" refFor="des" refForName="text1" op="equ"/>
+              <dgm:constr type="primFontSz" for="des" forName="childCenter6" refType="primFontSz" refFor="des" refForName="childCenter1" op="equ"/>
+              <dgm:constr type="primFontSz" for="des" forName="text6" refType="primFontSz" refFor="des" refForName="text1" op="equ"/>
+              <dgm:constr type="userS" for="des" ptType="node" refType="w" refFor="ch" refForName="textCenter" fact="0.67"/>
+            </dgm:constrLst>
+          </dgm:if>
+          <dgm:else name="Name37">
+            <dgm:constrLst>
+              <dgm:constr type="ctrX" for="ch" forName="textCenter" refType="w" fact="0.5"/>
+              <dgm:constr type="t" for="ch" forName="textCenter" refType="h" fact="0.444"/>
+              <dgm:constr type="w" for="ch" forName="textCenter" refType="w" fact="0.167"/>
+              <dgm:constr type="h" for="ch" forName="textCenter" refType="w" refFor="ch" refForName="textCenter"/>
+              <dgm:constr type="ctrX" for="ch" forName="cycle_1" refType="w" fact="0.5"/>
+              <dgm:constr type="t" for="ch" forName="cycle_1"/>
+              <dgm:constr type="w" for="ch" forName="cycle_1" refType="w" fact="0.263"/>
+              <dgm:constr type="h" for="ch" forName="cycle_1" refType="w" refFor="ch" refForName="cycle_1"/>
+              <dgm:constr type="l" for="ch" forName="cycle_2" refType="w" fact="0.062"/>
+              <dgm:constr type="t" for="ch" forName="cycle_2" refType="h" fact="0.141"/>
+              <dgm:constr type="w" for="ch" forName="cycle_2" refType="w" fact="0.263"/>
+              <dgm:constr type="h" for="ch" forName="cycle_2" refType="w" refFor="ch" refForName="cycle_2"/>
+              <dgm:constr type="l" for="ch" forName="cycle_3"/>
+              <dgm:constr type="b" for="ch" forName="cycle_3" refType="h" fact="0.74"/>
+              <dgm:constr type="w" for="ch" forName="cycle_3" refType="w" fact="0.263"/>
+              <dgm:constr type="h" for="ch" forName="cycle_3" refType="w" refFor="ch" refForName="cycle_3"/>
+              <dgm:constr type="l" for="ch" forName="cycle_4" refType="w" fact="0.2"/>
+              <dgm:constr type="b" for="ch" forName="cycle_4" refType="h"/>
+              <dgm:constr type="w" for="ch" forName="cycle_4" refType="w" fact="0.263"/>
+              <dgm:constr type="h" for="ch" forName="cycle_4" refType="w" refFor="ch" refForName="cycle_4"/>
+              <dgm:constr type="r" for="ch" forName="cycle_5" refType="w" fact="0.8"/>
+              <dgm:constr type="b" for="ch" forName="cycle_5" refType="h"/>
+              <dgm:constr type="w" for="ch" forName="cycle_5" refType="w" fact="0.263"/>
+              <dgm:constr type="h" for="ch" forName="cycle_5" refType="w" refFor="ch" refForName="cycle_5"/>
+              <dgm:constr type="r" for="ch" forName="cycle_6" refType="w"/>
+              <dgm:constr type="b" for="ch" forName="cycle_6" refType="h" fact="0.74"/>
+              <dgm:constr type="w" for="ch" forName="cycle_6" refType="w" fact="0.263"/>
+              <dgm:constr type="h" for="ch" forName="cycle_6" refType="w" refFor="ch" refForName="cycle_6"/>
+              <dgm:constr type="r" for="ch" forName="cycle_7" refType="w" fact="0.938"/>
+              <dgm:constr type="t" for="ch" forName="cycle_7" refType="h" fact="0.141"/>
+              <dgm:constr type="w" for="ch" forName="cycle_7" refType="w" fact="0.263"/>
+              <dgm:constr type="h" for="ch" forName="cycle_7" refType="w" refFor="ch" refForName="cycle_7"/>
+              <dgm:constr type="primFontSz" for="ch" forName="textCenter" val="65"/>
+              <dgm:constr type="primFontSz" for="des" forName="childCenter1" val="65"/>
+              <dgm:constr type="primFontSz" for="des" forName="text1" op="equ" val="65"/>
+              <dgm:constr type="primFontSz" for="des" forName="childCenter2" refType="primFontSz" refFor="des" refForName="childCenter1" op="equ"/>
+              <dgm:constr type="primFontSz" for="des" forName="text2" refType="primFontSz" refFor="des" refForName="text1" op="equ"/>
+              <dgm:constr type="primFontSz" for="des" forName="childCenter3" refType="primFontSz" refFor="des" refForName="childCenter1" op="equ"/>
+              <dgm:constr type="primFontSz" for="des" forName="text3" refType="primFontSz" refFor="des" refForName="text1" op="equ"/>
+              <dgm:constr type="primFontSz" for="des" forName="childCenter4" refType="primFontSz" refFor="des" refForName="childCenter1" op="equ"/>
+              <dgm:constr type="primFontSz" for="des" forName="text4" refType="primFontSz" refFor="des" refForName="text1" op="equ"/>
+              <dgm:constr type="primFontSz" for="des" forName="childCenter5" refType="primFontSz" refFor="des" refForName="childCenter1" op="equ"/>
+              <dgm:constr type="primFontSz" for="des" forName="text5" refType="primFontSz" refFor="des" refForName="text1" op="equ"/>
+              <dgm:constr type="primFontSz" for="des" forName="childCenter6" refType="primFontSz" refFor="des" refForName="childCenter1" op="equ"/>
+              <dgm:constr type="primFontSz" for="des" forName="text6" refType="primFontSz" refFor="des" refForName="text1" op="equ"/>
+              <dgm:constr type="primFontSz" for="des" forName="childCenter7" refType="primFontSz" refFor="des" refForName="childCenter1" op="equ"/>
+              <dgm:constr type="primFontSz" for="des" forName="text7" refType="primFontSz" refFor="des" refForName="text1" op="equ"/>
+              <dgm:constr type="userS" for="des" ptType="node" refType="w" refFor="ch" refForName="textCenter" fact="0.67"/>
+            </dgm:constrLst>
+          </dgm:else>
+        </dgm:choose>
+      </dgm:else>
+    </dgm:choose>
+    <dgm:forEach name="Name38" axis="ch" ptType="node" cnt="1">
+      <dgm:choose name="Name39">
+        <dgm:if name="Name40" axis="des" func="maxDepth" op="lte" val="1">
+          <dgm:layoutNode name="singleCycle">
+            <dgm:choose name="Name41">
+              <dgm:if name="Name42" axis="ch" ptType="node" func="cnt" op="equ" val="1">
+                <dgm:choose name="Name43">
+                  <dgm:if name="Name44" func="var" arg="dir" op="equ" val="norm">
+                    <dgm:alg type="cycle">
+                      <dgm:param type="stAng" val="90"/>
+                      <dgm:param type="ctrShpMap" val="fNode"/>
+                    </dgm:alg>
+                  </dgm:if>
+                  <dgm:else name="Name45">
+                    <dgm:alg type="cycle">
+                      <dgm:param type="stAng" val="-90"/>
+                      <dgm:param type="spanAng" val="-360"/>
+                      <dgm:param type="ctrShpMap" val="fNode"/>
+                    </dgm:alg>
+                  </dgm:else>
+                </dgm:choose>
+              </dgm:if>
+              <dgm:else name="Name46">
+                <dgm:choose name="Name47">
+                  <dgm:if name="Name48" func="var" arg="dir" op="equ" val="norm">
+                    <dgm:alg type="cycle">
+                      <dgm:param type="ctrShpMap" val="fNode"/>
+                    </dgm:alg>
+                  </dgm:if>
+                  <dgm:else name="Name49">
+                    <dgm:alg type="cycle">
+                      <dgm:param type="spanAng" val="-360"/>
+                      <dgm:param type="ctrShpMap" val="fNode"/>
+                    </dgm:alg>
+                  </dgm:else>
+                </dgm:choose>
+              </dgm:else>
+            </dgm:choose>
+            <dgm:shape xmlns:r="http://schemas.openxmlformats.org/officeDocument/2006/relationships" r:blip="">
+              <dgm:adjLst/>
+            </dgm:shape>
+            <dgm:presOf/>
+            <dgm:choose name="Name50">
+              <dgm:if name="Name51" axis="ch" ptType="node" func="cnt" op="equ" val="0">
+                <dgm:constrLst>
+                  <dgm:constr type="w" for="ch" forName="singleCenter" refType="w"/>
+                  <dgm:constr type="h" for="ch" forName="singleCenter" refType="w" refFor="ch" refForName="singleCenter"/>
+                </dgm:constrLst>
+              </dgm:if>
+              <dgm:if name="Name52" axis="ch" ptType="node" func="cnt" op="equ" val="1">
+                <dgm:constrLst>
+                  <dgm:constr type="w" for="ch" forName="singleCenter" refType="w" fact="0.5"/>
+                  <dgm:constr type="h" for="ch" forName="singleCenter" refType="w" refFor="ch" refForName="singleCenter"/>
+                  <dgm:constr type="userS" for="ch" ptType="node" refType="w" refFor="ch" refForName="singleCenter" fact="0.67"/>
+                </dgm:constrLst>
+              </dgm:if>
+              <dgm:else name="Name53">
+                <dgm:constrLst>
+                  <dgm:constr type="w" for="ch" forName="singleCenter" refType="w" fact="0.3"/>
+                  <dgm:constr type="h" for="ch" forName="singleCenter" refType="w" refFor="ch" refForName="singleCenter"/>
+                  <dgm:constr type="userS" for="ch" ptType="node" refType="w" refFor="ch" refForName="singleCenter" fact="0.67"/>
+                </dgm:constrLst>
+              </dgm:else>
+            </dgm:choose>
+            <dgm:layoutNode name="singleCenter" styleLbl="node1">
+              <dgm:varLst>
+                <dgm:chMax val="7"/>
+                <dgm:chPref val="7"/>
+              </dgm:varLst>
+              <dgm:alg type="tx"/>
+              <dgm:shape xmlns:r="http://schemas.openxmlformats.org/officeDocument/2006/relationships" type="roundRect" r:blip="">
+                <dgm:adjLst/>
+              </dgm:shape>
+              <dgm:presOf axis="self" ptType="node"/>
+              <dgm:constrLst>
+                <dgm:constr type="tMarg" refType="primFontSz" fact="0.2"/>
+                <dgm:constr type="bMarg" refType="primFontSz" fact="0.2"/>
+                <dgm:constr type="lMarg" refType="primFontSz" fact="0.2"/>
+                <dgm:constr type="rMarg" refType="primFontSz" fact="0.2"/>
+              </dgm:constrLst>
+              <dgm:ruleLst>
+                <dgm:rule type="primFontSz" val="5" fact="NaN" max="NaN"/>
+              </dgm:ruleLst>
+            </dgm:layoutNode>
+            <dgm:forEach name="Name54" axis="ch" cnt="21">
+              <dgm:forEach name="Name55" axis="self" ptType="parTrans">
+                <dgm:layoutNode name="Name56">
+                  <dgm:alg type="conn">
+                    <dgm:param type="dim" val="1D"/>
+                    <dgm:param type="begPts" val="auto"/>
+                    <dgm:param type="endPts" val="auto"/>
+                    <dgm:param type="begSty" val="noArr"/>
+                    <dgm:param type="endSty" val="noArr"/>
+                  </dgm:alg>
+                  <dgm:shape xmlns:r="http://schemas.openxmlformats.org/officeDocument/2006/relationships" type="conn" r:blip="">
+                    <dgm:adjLst/>
+                  </dgm:shape>
+                  <dgm:presOf axis="self"/>
+                  <dgm:constrLst>
+                    <dgm:constr type="begPad"/>
+                    <dgm:constr type="endPad"/>
+                  </dgm:constrLst>
+                </dgm:layoutNode>
+              </dgm:forEach>
+              <dgm:forEach name="Name57" axis="self" ptType="node">
+                <dgm:layoutNode name="text0" styleLbl="node1">
+                  <dgm:varLst>
+                    <dgm:bulletEnabled val="1"/>
+                  </dgm:varLst>
+                  <dgm:alg type="tx"/>
+                  <dgm:shape xmlns:r="http://schemas.openxmlformats.org/officeDocument/2006/relationships" type="roundRect" r:blip="">
+                    <dgm:adjLst/>
+                  </dgm:shape>
+                  <dgm:presOf axis="desOrSelf" ptType="node"/>
+                  <dgm:constrLst>
+                    <dgm:constr type="userS"/>
+                    <dgm:constr type="w" refType="userS"/>
+                    <dgm:constr type="h" refType="w"/>
+                    <dgm:constr type="tMarg" refType="primFontSz" fact="0.2"/>
+                    <dgm:constr type="bMarg" refType="primFontSz" fact="0.2"/>
+                    <dgm:constr type="lMarg" refType="primFontSz" fact="0.2"/>
+                    <dgm:constr type="rMarg" refType="primFontSz" fact="0.2"/>
+                  </dgm:constrLst>
+                  <dgm:ruleLst>
+                    <dgm:rule type="primFontSz" val="5" fact="NaN" max="NaN"/>
+                  </dgm:ruleLst>
+                </dgm:layoutNode>
+              </dgm:forEach>
+            </dgm:forEach>
+          </dgm:layoutNode>
+        </dgm:if>
+        <dgm:else name="Name58">
+          <dgm:layoutNode name="textCenter" styleLbl="node1">
+            <dgm:alg type="tx"/>
+            <dgm:shape xmlns:r="http://schemas.openxmlformats.org/officeDocument/2006/relationships" type="roundRect" r:blip="">
+              <dgm:adjLst/>
+            </dgm:shape>
+            <dgm:presOf axis="self" ptType="node"/>
+            <dgm:constrLst>
+              <dgm:constr type="tMarg" refType="primFontSz" fact="0.2"/>
+              <dgm:constr type="bMarg" refType="primFontSz" fact="0.2"/>
+              <dgm:constr type="lMarg" refType="primFontSz" fact="0.2"/>
+              <dgm:constr type="rMarg" refType="primFontSz" fact="0.2"/>
+            </dgm:constrLst>
+            <dgm:ruleLst>
+              <dgm:rule type="primFontSz" val="5" fact="NaN" max="NaN"/>
+            </dgm:ruleLst>
+          </dgm:layoutNode>
+          <dgm:choose name="Name59">
+            <dgm:if name="Name60" axis="ch" ptType="node" func="cnt" op="gte" val="1">
+              <dgm:layoutNode name="cycle_1">
+                <dgm:choose name="Name61">
+                  <dgm:if name="Name62" func="var" arg="dir" op="equ" val="norm">
+                    <dgm:choose name="Name63">
+                      <dgm:if name="Name64" axis="ch" ptType="node" func="cnt" op="equ" val="1">
+                        <dgm:choose name="Name65">
+                          <dgm:if name="Name66" axis="ch ch" ptType="node node" st="1 1" cnt="1 0" func="cnt" op="equ" val="1">
+                            <dgm:alg type="cycle">
+                              <dgm:param type="ctrShpMap" val="fNode"/>
+                              <dgm:param type="stAng" val="90"/>
+                            </dgm:alg>
+                          </dgm:if>
+                          <dgm:if name="Name67" axis="ch ch" ptType="node node" st="1 1" cnt="1 0" func="cnt" op="equ" val="2">
+                            <dgm:alg type="cycle">
+                              <dgm:param type="ctrShpMap" val="fNode"/>
+                              <dgm:param type="stAng" val="45"/>
+                              <dgm:param type="spanAng" val="90"/>
+                            </dgm:alg>
+                          </dgm:if>
+                          <dgm:else name="Name68">
+                            <dgm:alg type="cycle">
+                              <dgm:param type="ctrShpMap" val="fNode"/>
+                              <dgm:param type="stAng" val="0"/>
+                              <dgm:param type="spanAng" val="180"/>
+                            </dgm:alg>
+                          </dgm:else>
+                        </dgm:choose>
+                      </dgm:if>
+                      <dgm:if name="Name69" axis="ch" ptType="node" func="cnt" op="equ" val="2">
+                        <dgm:choose name="Name70">
+                          <dgm:if name="Name71" axis="ch ch" ptType="node node" st="1 1" cnt="1 0" func="cnt" op="equ" val="1">
+                            <dgm:alg type="cycle">
+                              <dgm:param type="ctrShpMap" val="fNode"/>
+                              <dgm:param type="stAng" val="0"/>
+                            </dgm:alg>
+                          </dgm:if>
+                          <dgm:if name="Name72" axis="ch ch" ptType="node node" st="1 1" cnt="1 0" func="cnt" op="equ" val="2">
+                            <dgm:alg type="cycle">
+                              <dgm:param type="ctrShpMap" val="fNode"/>
+                              <dgm:param type="stAng" val="315"/>
+                              <dgm:param type="spanAng" val="90"/>
+                            </dgm:alg>
+                          </dgm:if>
+                          <dgm:else name="Name73">
+                            <dgm:alg type="cycle">
+                              <dgm:param type="ctrShpMap" val="fNode"/>
+                              <dgm:param type="stAng" val="270"/>
+                              <dgm:param type="spanAng" val="180"/>
+                            </dgm:alg>
+                          </dgm:else>
+                        </dgm:choose>
+                      </dgm:if>
+                      <dgm:if name="Name74" axis="ch" ptType="node" func="cnt" op="equ" val="3">
+                        <dgm:choose name="Name75">
+                          <dgm:if name="Name76" axis="ch ch" ptType="node node" st="1 1" cnt="1 0" func="cnt" op="equ" val="1">
+                            <dgm:alg type="cycle">
+                              <dgm:param type="ctrShpMap" val="fNode"/>
+                              <dgm:param type="stAng" val="0"/>
+                            </dgm:alg>
+                          </dgm:if>
+                          <dgm:if name="Name77" axis="ch ch" ptType="node node" st="1 1" cnt="1 0" func="cnt" op="equ" val="2">
+                            <dgm:alg type="cycle">
+                              <dgm:param type="ctrShpMap" val="fNode"/>
+                              <dgm:param type="stAng" val="315"/>
+                              <dgm:param type="spanAng" val="90"/>
+                            </dgm:alg>
+                          </dgm:if>
+                          <dgm:else name="Name78">
+                            <dgm:alg type="cycle">
+                              <dgm:param type="ctrShpMap" val="fNode"/>
+                              <dgm:param type="stAng" val="270"/>
+                              <dgm:param type="spanAng" val="180"/>
+                            </dgm:alg>
+                          </dgm:else>
+                        </dgm:choose>
+                      </dgm:if>
+                      <dgm:if name="Name79" axis="ch" ptType="node" func="cnt" op="equ" val="4">
+                        <dgm:choose name="Name80">
+                          <dgm:if name="Name81" axis="ch ch" ptType="node node" st="1 1" cnt="1 0" func="cnt" op="equ" val="1">
+                            <dgm:alg type="cycle">
+                              <dgm:param type="ctrShpMap" val="fNode"/>
+                              <dgm:param type="stAng" val="0"/>
+                            </dgm:alg>
+                          </dgm:if>
+                          <dgm:if name="Name82" axis="ch ch" ptType="node node" st="1 1" cnt="1 0" func="cnt" op="equ" val="2">
+                            <dgm:alg type="cycle">
+                              <dgm:param type="ctrShpMap" val="fNode"/>
+                              <dgm:param type="stAng" val="315"/>
+                              <dgm:param type="spanAng" val="90"/>
+                            </dgm:alg>
+                          </dgm:if>
+                          <dgm:else name="Name83">
+                            <dgm:alg type="cycle">
+                              <dgm:param type="ctrShpMap" val="fNode"/>
+                              <dgm:param type="stAng" val="292.5"/>
+                              <dgm:param type="spanAng" val="135"/>
+                            </dgm:alg>
+                          </dgm:else>
+                        </dgm:choose>
+                      </dgm:if>
+                      <dgm:if name="Name84" axis="ch" ptType="node" func="cnt" op="equ" val="5">
+                        <dgm:choose name="Name85">
+                          <dgm:if name="Name86" axis="ch ch" ptType="node node" st="1 1" cnt="1 0" func="cnt" op="equ" val="1">
+                            <dgm:alg type="cycle">
+                              <dgm:param type="ctrShpMap" val="fNode"/>
+                              <dgm:param type="stAng" val="0"/>
+                            </dgm:alg>
+                          </dgm:if>
+                          <dgm:if name="Name87" axis="ch ch" ptType="node node" st="1 1" cnt="1 0" func="cnt" op="equ" val="2">
+                            <dgm:alg type="cycle">
+                              <dgm:param type="ctrShpMap" val="fNode"/>
+                              <dgm:param type="stAng" val="315"/>
+                              <dgm:param type="spanAng" val="90"/>
+                            </dgm:alg>
+                          </dgm:if>
+                          <dgm:else name="Name88">
+                            <dgm:alg type="cycle">
+                              <dgm:param type="ctrShpMap" val="fNode"/>
+                              <dgm:param type="stAng" val="0"/>
+                              <dgm:param type="spanAng" val="360"/>
+                            </dgm:alg>
+                          </dgm:else>
+                        </dgm:choose>
+                      </dgm:if>
+                      <dgm:if name="Name89" axis="ch" ptType="node" func="cnt" op="equ" val="6">
+                        <dgm:choose name="Name90">
+                          <dgm:if name="Name91" axis="ch ch" ptType="node node" st="1 1" cnt="1 0" func="cnt" op="equ" val="1">
+                            <dgm:alg type="cycle">
+                              <dgm:param type="ctrShpMap" val="fNode"/>
+                              <dgm:param type="stAng" val="0"/>
+                            </dgm:alg>
+                          </dgm:if>
+                          <dgm:if name="Name92" axis="ch ch" ptType="node node" st="1 1" cnt="1 0" func="cnt" op="equ" val="2">
+                            <dgm:alg type="cycle">
+                              <dgm:param type="ctrShpMap" val="fNode"/>
+                              <dgm:param type="stAng" val="315"/>
+                              <dgm:param type="spanAng" val="90"/>
+                            </dgm:alg>
+                          </dgm:if>
+                          <dgm:else name="Name93">
+                            <dgm:alg type="cycle">
+                              <dgm:param type="ctrShpMap" val="fNode"/>
+                              <dgm:param type="stAng" val="0"/>
+                              <dgm:param type="spanAng" val="360"/>
+                            </dgm:alg>
+                          </dgm:else>
+                        </dgm:choose>
+                      </dgm:if>
+                      <dgm:if name="Name94" axis="ch" ptType="node" func="cnt" op="gte" val="7">
+                        <dgm:choose name="Name95">
+                          <dgm:if name="Name96" axis="ch ch" ptType="node node" st="1 1" cnt="1 0" func="cnt" op="equ" val="1">
+                            <dgm:alg type="cycle">
+                              <dgm:param type="ctrShpMap" val="fNode"/>
+                              <dgm:param type="stAng" val="0"/>
+                            </dgm:alg>
+                          </dgm:if>
+                          <dgm:if name="Name97" axis="ch ch" ptType="node node" st="1 1" cnt="1 0" func="cnt" op="equ" val="2">
+                            <dgm:alg type="cycle">
+                              <dgm:param type="ctrShpMap" val="fNode"/>
+                              <dgm:param type="stAng" val="315"/>
+                              <dgm:param type="spanAng" val="90"/>
+                            </dgm:alg>
+                          </dgm:if>
+                          <dgm:else name="Name98">
+                            <dgm:alg type="cycle">
+                              <dgm:param type="ctrShpMap" val="fNode"/>
+                              <dgm:param type="stAng" val="0"/>
+                              <dgm:param type="spanAng" val="360"/>
+                            </dgm:alg>
+                          </dgm:else>
+                        </dgm:choose>
+                      </dgm:if>
+                      <dgm:else name="Name99"/>
+                    </dgm:choose>
+                  </dgm:if>
+                  <dgm:else name="Name100">
+                    <dgm:choose name="Name101">
+                      <dgm:if name="Name102" axis="ch" ptType="node" func="cnt" op="equ" val="1">
+                        <dgm:choose name="Name103">
+                          <dgm:if name="Name104" axis="ch ch" ptType="node node" st="1 1" cnt="1 0" func="cnt" op="equ" val="1">
+                            <dgm:alg type="cycle">
+                              <dgm:param type="ctrShpMap" val="fNode"/>
+                              <dgm:param type="stAng" val="270"/>
+                            </dgm:alg>
+                          </dgm:if>
+                          <dgm:if name="Name105" axis="ch ch" ptType="node node" st="1 1" cnt="1 0" func="cnt" op="equ" val="2">
+                            <dgm:alg type="cycle">
+                              <dgm:param type="ctrShpMap" val="fNode"/>
+                              <dgm:param type="stAng" val="315"/>
+                              <dgm:param type="spanAng" val="-90"/>
+                            </dgm:alg>
+                          </dgm:if>
+                          <dgm:else name="Name106">
+                            <dgm:alg type="cycle">
+                              <dgm:param type="ctrShpMap" val="fNode"/>
+                              <dgm:param type="stAng" val="0"/>
+                              <dgm:param type="spanAng" val="-180"/>
+                            </dgm:alg>
+                          </dgm:else>
+                        </dgm:choose>
+                      </dgm:if>
+                      <dgm:if name="Name107" axis="ch" ptType="node" func="cnt" op="equ" val="2">
+                        <dgm:choose name="Name108">
+                          <dgm:if name="Name109" axis="ch ch" ptType="node node" st="1 1" cnt="1 0" func="cnt" op="equ" val="1">
+                            <dgm:alg type="cycle">
+                              <dgm:param type="ctrShpMap" val="fNode"/>
+                              <dgm:param type="stAng" val="0"/>
+                            </dgm:alg>
+                          </dgm:if>
+                          <dgm:if name="Name110" axis="ch ch" ptType="node node" st="1 1" cnt="1 0" func="cnt" op="equ" val="2">
+                            <dgm:alg type="cycle">
+                              <dgm:param type="ctrShpMap" val="fNode"/>
+                              <dgm:param type="stAng" val="45"/>
+                              <dgm:param type="spanAng" val="-90"/>
+                            </dgm:alg>
+                          </dgm:if>
+                          <dgm:else name="Name111">
+                            <dgm:alg type="cycle">
+                              <dgm:param type="ctrShpMap" val="fNode"/>
+                              <dgm:param type="stAng" val="90"/>
+                              <dgm:param type="spanAng" val="-180"/>
+                            </dgm:alg>
+                          </dgm:else>
+                        </dgm:choose>
+                      </dgm:if>
+                      <dgm:if name="Name112" axis="ch" ptType="node" func="cnt" op="equ" val="3">
+                        <dgm:choose name="Name113">
+                          <dgm:if name="Name114" axis="ch ch" ptType="node node" st="1 1" cnt="1 0" func="cnt" op="equ" val="1">
+                            <dgm:alg type="cycle">
+                              <dgm:param type="ctrShpMap" val="fNode"/>
+                              <dgm:param type="stAng" val="0"/>
+                            </dgm:alg>
+                          </dgm:if>
+                          <dgm:if name="Name115" axis="ch ch" ptType="node node" st="1 1" cnt="1 0" func="cnt" op="equ" val="2">
+                            <dgm:alg type="cycle">
+                              <dgm:param type="ctrShpMap" val="fNode"/>
+                              <dgm:param type="stAng" val="45"/>
+                              <dgm:param type="spanAng" val="-90"/>
+                            </dgm:alg>
+                          </dgm:if>
+                          <dgm:else name="Name116">
+                            <dgm:alg type="cycle">
+                              <dgm:param type="ctrShpMap" val="fNode"/>
+                              <dgm:param type="stAng" val="90"/>
+                              <dgm:param type="spanAng" val="-180"/>
+                            </dgm:alg>
+                          </dgm:else>
+                        </dgm:choose>
+                      </dgm:if>
+                      <dgm:if name="Name117" axis="ch" ptType="node" func="cnt" op="equ" val="4">
+                        <dgm:choose name="Name118">
+                          <dgm:if name="Name119" axis="ch ch" ptType="node node" st="1 1" cnt="1 0" func="cnt" op="equ" val="1">
+                            <dgm:alg type="cycle">
+                              <dgm:param type="ctrShpMap" val="fNode"/>
+                              <dgm:param type="stAng" val="0"/>
+                            </dgm:alg>
+                          </dgm:if>
+                          <dgm:if name="Name120" axis="ch ch" ptType="node node" st="1 1" cnt="1 0" func="cnt" op="equ" val="2">
+                            <dgm:alg type="cycle">
+                              <dgm:param type="ctrShpMap" val="fNode"/>
+                              <dgm:param type="stAng" val="45"/>
+                              <dgm:param type="spanAng" val="-90"/>
+                            </dgm:alg>
+                          </dgm:if>
+                          <dgm:else name="Name121">
+                            <dgm:alg type="cycle">
+                              <dgm:param type="ctrShpMap" val="fNode"/>
+                              <dgm:param type="stAng" val="67.5"/>
+                              <dgm:param type="spanAng" val="-135"/>
+                            </dgm:alg>
+                          </dgm:else>
+                        </dgm:choose>
+                      </dgm:if>
+                      <dgm:if name="Name122" axis="ch" ptType="node" func="cnt" op="equ" val="5">
+                        <dgm:choose name="Name123">
+                          <dgm:if name="Name124" axis="ch ch" ptType="node node" st="1 1" cnt="1 0" func="cnt" op="equ" val="1">
+                            <dgm:alg type="cycle">
+                              <dgm:param type="ctrShpMap" val="fNode"/>
+                              <dgm:param type="stAng" val="0"/>
+                            </dgm:alg>
+                          </dgm:if>
+                          <dgm:if name="Name125" axis="ch ch" ptType="node node" st="1 1" cnt="1 0" func="cnt" op="equ" val="2">
+                            <dgm:alg type="cycle">
+                              <dgm:param type="ctrShpMap" val="fNode"/>
+                              <dgm:param type="stAng" val="45"/>
+                              <dgm:param type="spanAng" val="-90"/>
+                            </dgm:alg>
+                          </dgm:if>
+                          <dgm:else name="Name126">
+                            <dgm:alg type="cycle">
+                              <dgm:param type="ctrShpMap" val="fNode"/>
+                              <dgm:param type="stAng" val="0"/>
+                              <dgm:param type="spanAng" val="-360"/>
+                            </dgm:alg>
+                          </dgm:else>
+                        </dgm:choose>
+                      </dgm:if>
+                      <dgm:if name="Name127" axis="ch" ptType="node" func="cnt" op="equ" val="6">
+                        <dgm:choose name="Name128">
+                          <dgm:if name="Name129" axis="ch ch" ptType="node node" st="1 1" cnt="1 0" func="cnt" op="equ" val="1">
+                            <dgm:alg type="cycle">
+                              <dgm:param type="ctrShpMap" val="fNode"/>
+                              <dgm:param type="stAng" val="0"/>
+                            </dgm:alg>
+                          </dgm:if>
+                          <dgm:if name="Name130" axis="ch ch" ptType="node node" st="1 1" cnt="1 0" func="cnt" op="equ" val="2">
+                            <dgm:alg type="cycle">
+                              <dgm:param type="ctrShpMap" val="fNode"/>
+                              <dgm:param type="stAng" val="45"/>
+                              <dgm:param type="spanAng" val="-90"/>
+                            </dgm:alg>
+                          </dgm:if>
+                          <dgm:else name="Name131">
+                            <dgm:alg type="cycle">
+                              <dgm:param type="ctrShpMap" val="fNode"/>
+                              <dgm:param type="stAng" val="0"/>
+                              <dgm:param type="spanAng" val="-360"/>
+                            </dgm:alg>
+                          </dgm:else>
+                        </dgm:choose>
+                      </dgm:if>
+                      <dgm:if name="Name132" axis="ch" ptType="node" func="cnt" op="gte" val="7">
+                        <dgm:choose name="Name133">
+                          <dgm:if name="Name134" axis="ch ch" ptType="node node" st="1 1" cnt="1 0" func="cnt" op="equ" val="1">
+                            <dgm:alg type="cycle">
+                              <dgm:param type="ctrShpMap" val="fNode"/>
+                              <dgm:param type="stAng" val="0"/>
+                            </dgm:alg>
+                          </dgm:if>
+                          <dgm:if name="Name135" axis="ch ch" ptType="node node" st="1 1" cnt="1 0" func="cnt" op="equ" val="2">
+                            <dgm:alg type="cycle">
+                              <dgm:param type="ctrShpMap" val="fNode"/>
+                              <dgm:param type="stAng" val="45"/>
+                              <dgm:param type="spanAng" val="-90"/>
+                            </dgm:alg>
+                          </dgm:if>
+                          <dgm:else name="Name136">
+                            <dgm:alg type="cycle">
+                              <dgm:param type="ctrShpMap" val="fNode"/>
+                              <dgm:param type="stAng" val="0"/>
+                              <dgm:param type="spanAng" val="-360"/>
+                            </dgm:alg>
+                          </dgm:else>
+                        </dgm:choose>
+                      </dgm:if>
+                      <dgm:else name="Name137"/>
+                    </dgm:choose>
+                  </dgm:else>
+                </dgm:choose>
+                <dgm:shape xmlns:r="http://schemas.openxmlformats.org/officeDocument/2006/relationships" r:blip="">
+                  <dgm:adjLst/>
+                </dgm:shape>
+                <dgm:presOf/>
+                <dgm:constrLst>
+                  <dgm:constr type="sp" refType="w" fact="0.1"/>
+                  <dgm:constr type="sibSp" refType="w" fact="0.1"/>
+                </dgm:constrLst>
+                <dgm:forEach name="Name138" axis="ch" ptType="node" cnt="1">
+                  <dgm:layoutNode name="childCenter1" styleLbl="node1">
+                    <dgm:alg type="tx"/>
+                    <dgm:shape xmlns:r="http://schemas.openxmlformats.org/officeDocument/2006/relationships" type="roundRect" r:blip="">
+                      <dgm:adjLst/>
+                    </dgm:shape>
+                    <dgm:presOf axis="self" ptType="node"/>
+                    <dgm:constrLst>
+                      <dgm:constr type="userS"/>
+                      <dgm:constr type="w" refType="userS"/>
+                      <dgm:constr type="h" refType="w"/>
+                      <dgm:constr type="tMarg" refType="primFontSz" fact="0.2"/>
+                      <dgm:constr type="bMarg" refType="primFontSz" fact="0.2"/>
+                      <dgm:constr type="lMarg" refType="primFontSz" fact="0.2"/>
+                      <dgm:constr type="rMarg" refType="primFontSz" fact="0.2"/>
+                    </dgm:constrLst>
+                    <dgm:ruleLst>
+                      <dgm:rule type="primFontSz" val="5" fact="NaN" max="NaN"/>
+                    </dgm:ruleLst>
+                  </dgm:layoutNode>
+                  <dgm:forEach name="Name139" axis="ch">
+                    <dgm:forEach name="Name140" axis="self" ptType="parTrans">
+                      <dgm:layoutNode name="Name141">
+                        <dgm:alg type="conn">
+                          <dgm:param type="dim" val="1D"/>
+                          <dgm:param type="begPts" val="auto"/>
+                          <dgm:param type="endPts" val="auto"/>
+                          <dgm:param type="begSty" val="noArr"/>
+                          <dgm:param type="endSty" val="noArr"/>
+                        </dgm:alg>
+                        <dgm:shape xmlns:r="http://schemas.openxmlformats.org/officeDocument/2006/relationships" type="conn" r:blip="">
+                          <dgm:adjLst/>
+                        </dgm:shape>
+                        <dgm:presOf axis="self"/>
+                        <dgm:constrLst>
+                          <dgm:constr type="begPad"/>
+                          <dgm:constr type="endPad"/>
+                        </dgm:constrLst>
+                      </dgm:layoutNode>
+                    </dgm:forEach>
+                    <dgm:forEach name="Name142" axis="self" ptType="node">
+                      <dgm:layoutNode name="text1" styleLbl="node1">
+                        <dgm:varLst>
+                          <dgm:bulletEnabled val="1"/>
+                        </dgm:varLst>
+                        <dgm:alg type="tx"/>
+                        <dgm:shape xmlns:r="http://schemas.openxmlformats.org/officeDocument/2006/relationships" type="roundRect" r:blip="">
+                          <dgm:adjLst/>
+                        </dgm:shape>
+                        <dgm:presOf axis="desOrSelf" ptType="node"/>
+                        <dgm:constrLst>
+                          <dgm:constr type="userS"/>
+                          <dgm:constr type="w" refType="userS"/>
+                          <dgm:constr type="h" refType="w"/>
+                          <dgm:constr type="tMarg" refType="primFontSz" fact="0.2"/>
+                          <dgm:constr type="bMarg" refType="primFontSz" fact="0.2"/>
+                          <dgm:constr type="lMarg" refType="primFontSz" fact="0.2"/>
+                          <dgm:constr type="rMarg" refType="primFontSz" fact="0.2"/>
+                        </dgm:constrLst>
+                        <dgm:ruleLst>
+                          <dgm:rule type="primFontSz" val="5" fact="NaN" max="NaN"/>
+                        </dgm:ruleLst>
+                      </dgm:layoutNode>
+                    </dgm:forEach>
+                  </dgm:forEach>
+                </dgm:forEach>
+              </dgm:layoutNode>
+              <dgm:forEach name="Name143" axis="ch" ptType="parTrans" cnt="1">
+                <dgm:layoutNode name="Name144">
+                  <dgm:alg type="conn">
+                    <dgm:param type="dim" val="1D"/>
+                    <dgm:param type="begPts" val="auto"/>
+                    <dgm:param type="endPts" val="auto"/>
+                    <dgm:param type="endSty" val="noArr"/>
+                    <dgm:param type="srcNode" val="textCenter"/>
+                    <dgm:param type="dstNode" val="childCenter1"/>
+                  </dgm:alg>
+                  <dgm:shape xmlns:r="http://schemas.openxmlformats.org/officeDocument/2006/relationships" type="conn" r:blip="" zOrderOff="-999">
+                    <dgm:adjLst/>
+                  </dgm:shape>
+                  <dgm:presOf axis="self"/>
+                  <dgm:constrLst>
+                    <dgm:constr type="h"/>
+                    <dgm:constr type="begPad"/>
+                    <dgm:constr type="endPad"/>
+                  </dgm:constrLst>
+                </dgm:layoutNode>
+              </dgm:forEach>
+            </dgm:if>
+            <dgm:else name="Name145"/>
+          </dgm:choose>
+          <dgm:choose name="Name146">
+            <dgm:if name="Name147" axis="ch" ptType="node" func="cnt" op="gte" val="2">
+              <dgm:layoutNode name="cycle_2">
+                <dgm:choose name="Name148">
+                  <dgm:if name="Name149" func="var" arg="dir" op="equ" val="norm">
+                    <dgm:choose name="Name150">
+                      <dgm:if name="Name151" axis="ch" ptType="node" func="cnt" op="equ" val="2">
+                        <dgm:choose name="Name152">
+                          <dgm:if name="Name153" axis="ch ch" ptType="node node" st="2 1" cnt="1 0" func="cnt" op="equ" val="1">
+                            <dgm:alg type="cycle">
+                              <dgm:param type="ctrShpMap" val="fNode"/>
+                              <dgm:param type="stAng" val="180"/>
+                            </dgm:alg>
+                          </dgm:if>
+                          <dgm:if name="Name154" axis="ch ch" ptType="node node" st="2 1" cnt="1 0" func="cnt" op="equ" val="2">
+                            <dgm:alg type="cycle">
+                              <dgm:param type="ctrShpMap" val="fNode"/>
+                              <dgm:param type="stAng" val="135"/>
+                              <dgm:param type="spanAng" val="90"/>
+                            </dgm:alg>
+                          </dgm:if>
+                          <dgm:else name="Name155">
+                            <dgm:alg type="cycle">
+                              <dgm:param type="ctrShpMap" val="fNode"/>
+                              <dgm:param type="stAng" val="90"/>
+                              <dgm:param type="spanAng" val="180"/>
+                            </dgm:alg>
+                          </dgm:else>
+                        </dgm:choose>
+                      </dgm:if>
+                      <dgm:if name="Name156" axis="ch" ptType="node" func="cnt" op="equ" val="3">
+                        <dgm:choose name="Name157">
+                          <dgm:if name="Name158" axis="ch ch" ptType="node node" st="2 1" cnt="1 0" func="cnt" op="equ" val="1">
+                            <dgm:alg type="cycle">
+                              <dgm:param type="ctrShpMap" val="fNode"/>
+                              <dgm:param type="stAng" val="120"/>
+                              <dgm:param type="horzAlign" val="r"/>
+                              <dgm:param type="vertAlign" val="b"/>
+                            </dgm:alg>
+                          </dgm:if>
+                          <dgm:if name="Name159" axis="ch ch" ptType="node node" st="2 1" cnt="1 0" func="cnt" op="equ" val="2">
+                            <dgm:alg type="cycle">
+                              <dgm:param type="ctrShpMap" val="fNode"/>
+                              <dgm:param type="stAng" val="75"/>
+                              <dgm:param type="spanAng" val="90"/>
+                              <dgm:param type="horzAlign" val="r"/>
+                              <dgm:param type="vertAlign" val="b"/>
+                            </dgm:alg>
+                          </dgm:if>
+                          <dgm:else name="Name160">
+                            <dgm:alg type="cycle">
+                              <dgm:param type="ctrShpMap" val="fNode"/>
+                              <dgm:param type="stAng" val="30"/>
+                              <dgm:param type="spanAng" val="180"/>
+                            </dgm:alg>
+                          </dgm:else>
+                        </dgm:choose>
+                      </dgm:if>
+                      <dgm:if name="Name161" axis="ch" ptType="node" func="cnt" op="equ" val="4">
+                        <dgm:choose name="Name162">
+                          <dgm:if name="Name163" axis="ch ch" ptType="node node" st="2 1" cnt="1 0" func="cnt" op="equ" val="1">
+                            <dgm:alg type="cycle">
+                              <dgm:param type="ctrShpMap" val="fNode"/>
+                              <dgm:param type="stAng" val="90"/>
+                            </dgm:alg>
+                          </dgm:if>
+                          <dgm:if name="Name164" axis="ch ch" ptType="node node" st="2 1" cnt="1 0" func="cnt" op="equ" val="2">
+                            <dgm:alg type="cycle">
+                              <dgm:param type="ctrShpMap" val="fNode"/>
+                              <dgm:param type="stAng" val="45"/>
+                              <dgm:param type="spanAng" val="90"/>
+                            </dgm:alg>
+                          </dgm:if>
+                          <dgm:else name="Name165">
+                            <dgm:alg type="cycle">
+                              <dgm:param type="ctrShpMap" val="fNode"/>
+                              <dgm:param type="stAng" val="22.5"/>
+                              <dgm:param type="spanAng" val="135"/>
+                            </dgm:alg>
+                          </dgm:else>
+                        </dgm:choose>
+                      </dgm:if>
+                      <dgm:if name="Name166" axis="ch" ptType="node" func="cnt" op="equ" val="5">
+                        <dgm:choose name="Name167">
+                          <dgm:if name="Name168" axis="ch ch" ptType="node node" st="2 1" cnt="1 0" func="cnt" op="equ" val="1">
+                            <dgm:alg type="cycle">
+                              <dgm:param type="ctrShpMap" val="fNode"/>
+                              <dgm:param type="stAng" val="72"/>
+                            </dgm:alg>
+                          </dgm:if>
+                          <dgm:if name="Name169" axis="ch ch" ptType="node node" st="2 1" cnt="1 0" func="cnt" op="equ" val="2">
+                            <dgm:alg type="cycle">
+                              <dgm:param type="ctrShpMap" val="fNode"/>
+                              <dgm:param type="stAng" val="27"/>
+                              <dgm:param type="spanAng" val="90"/>
+                            </dgm:alg>
+                          </dgm:if>
+                          <dgm:else name="Name170">
+                            <dgm:alg type="cycle">
+                              <dgm:param type="ctrShpMap" val="fNode"/>
+                              <dgm:param type="stAng" val="0"/>
+                              <dgm:param type="spanAng" val="360"/>
+                            </dgm:alg>
+                          </dgm:else>
+                        </dgm:choose>
+                      </dgm:if>
+                      <dgm:if name="Name171" axis="ch" ptType="node" func="cnt" op="equ" val="6">
+                        <dgm:choose name="Name172">
+                          <dgm:if name="Name173" axis="ch ch" ptType="node node" st="2 1" cnt="1 0" func="cnt" op="equ" val="1">
+                            <dgm:alg type="cycle">
+                              <dgm:param type="ctrShpMap" val="fNode"/>
+                              <dgm:param type="stAng" val="60"/>
+                            </dgm:alg>
+                          </dgm:if>
+                          <dgm:if name="Name174" axis="ch ch" ptType="node node" st="2 1" cnt="1 0" func="cnt" op="equ" val="2">
+                            <dgm:alg type="cycle">
+                              <dgm:param type="ctrShpMap" val="fNode"/>
+                              <dgm:param type="stAng" val="15"/>
+                              <dgm:param type="spanAng" val="90"/>
+                            </dgm:alg>
+                          </dgm:if>
+                          <dgm:else name="Name175">
+                            <dgm:alg type="cycle">
+                              <dgm:param type="ctrShpMap" val="fNode"/>
+                              <dgm:param type="stAng" val="0"/>
+                              <dgm:param type="spanAng" val="360"/>
+                            </dgm:alg>
+                          </dgm:else>
+                        </dgm:choose>
+                      </dgm:if>
+                      <dgm:if name="Name176" axis="ch" ptType="node" func="cnt" op="gte" val="7">
+                        <dgm:choose name="Name177">
+                          <dgm:if name="Name178" axis="ch ch" ptType="node node" st="2 1" cnt="1 0" func="cnt" op="equ" val="1">
+                            <dgm:alg type="cycle">
+                              <dgm:param type="ctrShpMap" val="fNode"/>
+                              <dgm:param type="stAng" val="51"/>
+                            </dgm:alg>
+                          </dgm:if>
+                          <dgm:if name="Name179" axis="ch ch" ptType="node node" st="2 1" cnt="1 0" func="cnt" op="equ" val="2">
+                            <dgm:alg type="cycle">
+                              <dgm:param type="ctrShpMap" val="fNode"/>
+                              <dgm:param type="stAng" val="6"/>
+                              <dgm:param type="spanAng" val="90"/>
+                            </dgm:alg>
+                          </dgm:if>
+                          <dgm:else name="Name180">
+                            <dgm:alg type="cycle">
+                              <dgm:param type="ctrShpMap" val="fNode"/>
+                              <dgm:param type="stAng" val="0"/>
+                              <dgm:param type="spanAng" val="360"/>
+                            </dgm:alg>
+                          </dgm:else>
+                        </dgm:choose>
+                      </dgm:if>
+                      <dgm:else name="Name181"/>
+                    </dgm:choose>
+                  </dgm:if>
+                  <dgm:else name="Name182">
+                    <dgm:choose name="Name183">
+                      <dgm:if name="Name184" axis="ch" ptType="node" func="cnt" op="equ" val="2">
+                        <dgm:choose name="Name185">
+                          <dgm:if name="Name186" axis="ch ch" ptType="node node" st="2 1" cnt="1 0" func="cnt" op="equ" val="1">
+                            <dgm:alg type="cycle">
+                              <dgm:param type="ctrShpMap" val="fNode"/>
+                              <dgm:param type="stAng" val="180"/>
+                            </dgm:alg>
+                          </dgm:if>
+                          <dgm:if name="Name187" axis="ch ch" ptType="node node" st="2 1" cnt="1 0" func="cnt" op="equ" val="2">
+                            <dgm:alg type="cycle">
+                              <dgm:param type="ctrShpMap" val="fNode"/>
+                              <dgm:param type="stAng" val="225"/>
+                              <dgm:param type="spanAng" val="-90"/>
+                            </dgm:alg>
+                          </dgm:if>
+                          <dgm:else name="Name188">
+                            <dgm:alg type="cycle">
+                              <dgm:param type="ctrShpMap" val="fNode"/>
+                              <dgm:param type="stAng" val="270"/>
+                              <dgm:param type="spanAng" val="-180"/>
+                            </dgm:alg>
+                          </dgm:else>
+                        </dgm:choose>
+                      </dgm:if>
+                      <dgm:if name="Name189" axis="ch" ptType="node" func="cnt" op="equ" val="3">
+                        <dgm:choose name="Name190">
+                          <dgm:if name="Name191" axis="ch ch" ptType="node node" st="2 1" cnt="1 0" func="cnt" op="equ" val="1">
+                            <dgm:alg type="cycle">
+                              <dgm:param type="ctrShpMap" val="fNode"/>
+                              <dgm:param type="stAng" val="240"/>
+                              <dgm:param type="horzAlign" val="l"/>
+                              <dgm:param type="vertAlign" val="b"/>
+                            </dgm:alg>
+                          </dgm:if>
+                          <dgm:if name="Name192" axis="ch ch" ptType="node node" st="2 1" cnt="1 0" func="cnt" op="equ" val="2">
+                            <dgm:alg type="cycle">
+                              <dgm:param type="ctrShpMap" val="fNode"/>
+                              <dgm:param type="stAng" val="285"/>
+                              <dgm:param type="spanAng" val="-90"/>
+                              <dgm:param type="horzAlign" val="l"/>
+                              <dgm:param type="vertAlign" val="b"/>
+                            </dgm:alg>
+                          </dgm:if>
+                          <dgm:else name="Name193">
+                            <dgm:alg type="cycle">
+                              <dgm:param type="ctrShpMap" val="fNode"/>
+                              <dgm:param type="stAng" val="330"/>
+                              <dgm:param type="spanAng" val="-180"/>
+                            </dgm:alg>
+                          </dgm:else>
+                        </dgm:choose>
+                      </dgm:if>
+                      <dgm:if name="Name194" axis="ch" ptType="node" func="cnt" op="equ" val="4">
+                        <dgm:choose name="Name195">
+                          <dgm:if name="Name196" axis="ch ch" ptType="node node" st="2 1" cnt="1 0" func="cnt" op="equ" val="1">
+                            <dgm:alg type="cycle">
+                              <dgm:param type="ctrShpMap" val="fNode"/>
+                              <dgm:param type="stAng" val="270"/>
+                            </dgm:alg>
+                          </dgm:if>
+                          <dgm:if name="Name197" axis="ch ch" ptType="node node" st="2 1" cnt="1 0" func="cnt" op="equ" val="2">
+                            <dgm:alg type="cycle">
+                              <dgm:param type="ctrShpMap" val="fNode"/>
+                              <dgm:param type="stAng" val="315"/>
+                              <dgm:param type="spanAng" val="-90"/>
+                            </dgm:alg>
+                          </dgm:if>
+                          <dgm:else name="Name198">
+                            <dgm:alg type="cycle">
+                              <dgm:param type="ctrShpMap" val="fNode"/>
+                              <dgm:param type="stAng" val="337.5"/>
+                              <dgm:param type="spanAng" val="-135"/>
+                            </dgm:alg>
+                          </dgm:else>
+                        </dgm:choose>
+                      </dgm:if>
+                      <dgm:if name="Name199" axis="ch" ptType="node" func="cnt" op="equ" val="5">
+                        <dgm:choose name="Name200">
+                          <dgm:if name="Name201" axis="ch ch" ptType="node node" st="2 1" cnt="1 0" func="cnt" op="equ" val="1">
+                            <dgm:alg type="cycle">
+                              <dgm:param type="ctrShpMap" val="fNode"/>
+                              <dgm:param type="stAng" val="288"/>
+                            </dgm:alg>
+                          </dgm:if>
+                          <dgm:if name="Name202" axis="ch ch" ptType="node node" st="2 1" cnt="1 0" func="cnt" op="equ" val="2">
+                            <dgm:alg type="cycle">
+                              <dgm:param type="ctrShpMap" val="fNode"/>
+                              <dgm:param type="stAng" val="333"/>
+                              <dgm:param type="spanAng" val="-90"/>
+                            </dgm:alg>
+                          </dgm:if>
+                          <dgm:else name="Name203">
+                            <dgm:alg type="cycle">
+                              <dgm:param type="ctrShpMap" val="fNode"/>
+                              <dgm:param type="stAng" val="0"/>
+                              <dgm:param type="spanAng" val="-360"/>
+                            </dgm:alg>
+                          </dgm:else>
+                        </dgm:choose>
+                      </dgm:if>
+                      <dgm:if name="Name204" axis="ch" ptType="node" func="cnt" op="equ" val="6">
+                        <dgm:choose name="Name205">
+                          <dgm:if name="Name206" axis="ch ch" ptType="node node" st="2 1" cnt="1 0" func="cnt" op="equ" val="1">
+                            <dgm:alg type="cycle">
+                              <dgm:param type="ctrShpMap" val="fNode"/>
+                              <dgm:param type="stAng" val="300"/>
+                            </dgm:alg>
+                          </dgm:if>
+                          <dgm:if name="Name207" axis="ch ch" ptType="node node" st="2 1" cnt="1 0" func="cnt" op="equ" val="2">
+                            <dgm:alg type="cycle">
+                              <dgm:param type="ctrShpMap" val="fNode"/>
+                              <dgm:param type="stAng" val="345"/>
+                              <dgm:param type="spanAng" val="-90"/>
+                            </dgm:alg>
+                          </dgm:if>
+                          <dgm:else name="Name208">
+                            <dgm:alg type="cycle">
+                              <dgm:param type="ctrShpMap" val="fNode"/>
+                              <dgm:param type="stAng" val="0"/>
+                              <dgm:param type="spanAng" val="-360"/>
+                            </dgm:alg>
+                          </dgm:else>
+                        </dgm:choose>
+                      </dgm:if>
+                      <dgm:if name="Name209" axis="ch" ptType="node" func="cnt" op="gte" val="7">
+                        <dgm:choose name="Name210">
+                          <dgm:if name="Name211" axis="ch ch" ptType="node node" st="2 1" cnt="1 0" func="cnt" op="equ" val="1">
+                            <dgm:alg type="cycle">
+                              <dgm:param type="ctrShpMap" val="fNode"/>
+                              <dgm:param type="stAng" val="308"/>
+                            </dgm:alg>
+                          </dgm:if>
+                          <dgm:if name="Name212" axis="ch ch" ptType="node node" st="2 1" cnt="1 0" func="cnt" op="equ" val="2">
+                            <dgm:alg type="cycle">
+                              <dgm:param type="ctrShpMap" val="fNode"/>
+                              <dgm:param type="stAng" val="353"/>
+                              <dgm:param type="spanAng" val="-90"/>
+                            </dgm:alg>
+                          </dgm:if>
+                          <dgm:else name="Name213">
+                            <dgm:alg type="cycle">
+                              <dgm:param type="ctrShpMap" val="fNode"/>
+                              <dgm:param type="stAng" val="0"/>
+                              <dgm:param type="spanAng" val="-360"/>
+                            </dgm:alg>
+                          </dgm:else>
+                        </dgm:choose>
+                      </dgm:if>
+                      <dgm:else name="Name214"/>
+                    </dgm:choose>
+                  </dgm:else>
+                </dgm:choose>
+                <dgm:shape xmlns:r="http://schemas.openxmlformats.org/officeDocument/2006/relationships" r:blip="">
+                  <dgm:adjLst/>
+                </dgm:shape>
+                <dgm:presOf/>
+                <dgm:constrLst>
+                  <dgm:constr type="sp" refType="w" fact="0.1"/>
+                  <dgm:constr type="sibSp" refType="w" fact="0.1"/>
+                </dgm:constrLst>
+                <dgm:forEach name="Name215" axis="ch" ptType="node" st="2" cnt="1">
+                  <dgm:layoutNode name="childCenter2" styleLbl="node1">
+                    <dgm:alg type="tx"/>
+                    <dgm:shape xmlns:r="http://schemas.openxmlformats.org/officeDocument/2006/relationships" type="roundRect" r:blip="">
+                      <dgm:adjLst/>
+                    </dgm:shape>
+                    <dgm:presOf axis="self" ptType="node"/>
+                    <dgm:constrLst>
+                      <dgm:constr type="userS"/>
+                      <dgm:constr type="w" refType="userS"/>
+                      <dgm:constr type="h" refType="w"/>
+                      <dgm:constr type="tMarg" refType="primFontSz" fact="0.2"/>
+                      <dgm:constr type="bMarg" refType="primFontSz" fact="0.2"/>
+                      <dgm:constr type="lMarg" refType="primFontSz" fact="0.2"/>
+                      <dgm:constr type="rMarg" refType="primFontSz" fact="0.2"/>
+                    </dgm:constrLst>
+                    <dgm:ruleLst>
+                      <dgm:rule type="primFontSz" val="5" fact="NaN" max="NaN"/>
+                    </dgm:ruleLst>
+                  </dgm:layoutNode>
+                  <dgm:forEach name="Name216" axis="ch">
+                    <dgm:forEach name="Name217" axis="self" ptType="parTrans">
+                      <dgm:layoutNode name="Name218">
+                        <dgm:alg type="conn">
+                          <dgm:param type="dim" val="1D"/>
+                          <dgm:param type="begPts" val="auto"/>
+                          <dgm:param type="endPts" val="auto"/>
+                          <dgm:param type="begSty" val="noArr"/>
+                          <dgm:param type="endSty" val="noArr"/>
+                        </dgm:alg>
+                        <dgm:shape xmlns:r="http://schemas.openxmlformats.org/officeDocument/2006/relationships" type="conn" r:blip="">
+                          <dgm:adjLst/>
+                        </dgm:shape>
+                        <dgm:presOf axis="self"/>
+                        <dgm:constrLst>
+                          <dgm:constr type="begPad"/>
+                          <dgm:constr type="endPad"/>
+                        </dgm:constrLst>
+                      </dgm:layoutNode>
+                    </dgm:forEach>
+                    <dgm:forEach name="Name219" axis="self" ptType="node">
+                      <dgm:layoutNode name="text2" styleLbl="node1">
+                        <dgm:varLst>
+                          <dgm:bulletEnabled val="1"/>
+                        </dgm:varLst>
+                        <dgm:alg type="tx"/>
+                        <dgm:shape xmlns:r="http://schemas.openxmlformats.org/officeDocument/2006/relationships" type="roundRect" r:blip="">
+                          <dgm:adjLst/>
+                        </dgm:shape>
+                        <dgm:presOf axis="desOrSelf" ptType="node"/>
+                        <dgm:constrLst>
+                          <dgm:constr type="userS"/>
+                          <dgm:constr type="w" refType="userS"/>
+                          <dgm:constr type="h" refType="w"/>
+                          <dgm:constr type="tMarg" refType="primFontSz" fact="0.2"/>
+                          <dgm:constr type="bMarg" refType="primFontSz" fact="0.2"/>
+                          <dgm:constr type="lMarg" refType="primFontSz" fact="0.2"/>
+                          <dgm:constr type="rMarg" refType="primFontSz" fact="0.2"/>
+                        </dgm:constrLst>
+                        <dgm:ruleLst>
+                          <dgm:rule type="primFontSz" val="5" fact="NaN" max="NaN"/>
+                        </dgm:ruleLst>
+                      </dgm:layoutNode>
+                    </dgm:forEach>
+                  </dgm:forEach>
+                </dgm:forEach>
+              </dgm:layoutNode>
+              <dgm:forEach name="Name220" axis="ch" ptType="parTrans" st="2" cnt="1">
+                <dgm:layoutNode name="Name221">
+                  <dgm:alg type="conn">
+                    <dgm:param type="dim" val="1D"/>
+                    <dgm:param type="begPts" val="auto"/>
+                    <dgm:param type="endPts" val="auto"/>
+                    <dgm:param type="endSty" val="noArr"/>
+                    <dgm:param type="srcNode" val="textCenter"/>
+                    <dgm:param type="dstNode" val="childCenter2"/>
+                  </dgm:alg>
+                  <dgm:shape xmlns:r="http://schemas.openxmlformats.org/officeDocument/2006/relationships" type="conn" r:blip="" zOrderOff="-999">
+                    <dgm:adjLst/>
+                  </dgm:shape>
+                  <dgm:presOf axis="self"/>
+                  <dgm:constrLst>
+                    <dgm:constr type="h"/>
+                    <dgm:constr type="begPad"/>
+                    <dgm:constr type="endPad"/>
+                  </dgm:constrLst>
+                </dgm:layoutNode>
+              </dgm:forEach>
+            </dgm:if>
+            <dgm:else name="Name222"/>
+          </dgm:choose>
+          <dgm:choose name="Name223">
+            <dgm:if name="Name224" axis="ch" ptType="node" func="cnt" op="gte" val="3">
+              <dgm:layoutNode name="cycle_3">
+                <dgm:choose name="Name225">
+                  <dgm:if name="Name226" func="var" arg="dir" op="equ" val="norm">
+                    <dgm:choose name="Name227">
+                      <dgm:if name="Name228" axis="ch" ptType="node" func="cnt" op="equ" val="3">
+                        <dgm:choose name="Name229">
+                          <dgm:if name="Name230" axis="ch ch" ptType="node node" st="3 1" cnt="1 0" func="cnt" op="equ" val="1">
+                            <dgm:alg type="cycle">
+                              <dgm:param type="ctrShpMap" val="fNode"/>
+                              <dgm:param type="stAng" val="240"/>
+                              <dgm:param type="horzAlign" val="l"/>
+                              <dgm:param type="vertAlign" val="b"/>
+                            </dgm:alg>
+                          </dgm:if>
+                          <dgm:if name="Name231" axis="ch ch" ptType="node node" st="3 1" cnt="1 0" func="cnt" op="equ" val="2">
+                            <dgm:alg type="cycle">
+                              <dgm:param type="ctrShpMap" val="fNode"/>
+                              <dgm:param type="stAng" val="195"/>
+                              <dgm:param type="spanAng" val="90"/>
+                              <dgm:param type="horzAlign" val="l"/>
+                              <dgm:param type="vertAlign" val="b"/>
+                            </dgm:alg>
+                          </dgm:if>
+                          <dgm:else name="Name232">
+                            <dgm:alg type="cycle">
+                              <dgm:param type="ctrShpMap" val="fNode"/>
+                              <dgm:param type="stAng" val="150"/>
+                              <dgm:param type="spanAng" val="180"/>
+                            </dgm:alg>
+                          </dgm:else>
+                        </dgm:choose>
+                      </dgm:if>
+                      <dgm:if name="Name233" axis="ch" ptType="node" func="cnt" op="equ" val="4">
+                        <dgm:choose name="Name234">
+                          <dgm:if name="Name235" axis="ch ch" ptType="node node" st="3 1" cnt="1 0" func="cnt" op="equ" val="1">
+                            <dgm:alg type="cycle">
+                              <dgm:param type="ctrShpMap" val="fNode"/>
+                              <dgm:param type="stAng" val="180"/>
+                            </dgm:alg>
+                          </dgm:if>
+                          <dgm:if name="Name236" axis="ch ch" ptType="node node" st="3 1" cnt="1 0" func="cnt" op="equ" val="2">
+                            <dgm:alg type="cycle">
+                              <dgm:param type="ctrShpMap" val="fNode"/>
+                              <dgm:param type="stAng" val="135"/>
+                              <dgm:param type="spanAng" val="90"/>
+                            </dgm:alg>
+                          </dgm:if>
+                          <dgm:else name="Name237">
+                            <dgm:alg type="cycle">
+                              <dgm:param type="ctrShpMap" val="fNode"/>
+                              <dgm:param type="stAng" val="112.5"/>
+                              <dgm:param type="spanAng" val="135"/>
+                            </dgm:alg>
+                          </dgm:else>
+                        </dgm:choose>
+                      </dgm:if>
+                      <dgm:if name="Name238" axis="ch" ptType="node" func="cnt" op="equ" val="5">
+                        <dgm:choose name="Name239">
+                          <dgm:if name="Name240" axis="ch ch" ptType="node node" st="3 1" cnt="1 0" func="cnt" op="equ" val="1">
+                            <dgm:alg type="cycle">
+                              <dgm:param type="ctrShpMap" val="fNode"/>
+                              <dgm:param type="stAng" val="144"/>
+                            </dgm:alg>
+                          </dgm:if>
+                          <dgm:if name="Name241" axis="ch ch" ptType="node node" st="3 1" cnt="1 0" func="cnt" op="equ" val="2">
+                            <dgm:alg type="cycle">
+                              <dgm:param type="ctrShpMap" val="fNode"/>
+                              <dgm:param type="stAng" val="99"/>
+                              <dgm:param type="spanAng" val="90"/>
+                            </dgm:alg>
+                          </dgm:if>
+                          <dgm:else name="Name242">
+                            <dgm:alg type="cycle">
+                              <dgm:param type="ctrShpMap" val="fNode"/>
+                              <dgm:param type="stAng" val="0"/>
+                              <dgm:param type="spanAng" val="360"/>
+                            </dgm:alg>
+                          </dgm:else>
+                        </dgm:choose>
+                      </dgm:if>
+                      <dgm:if name="Name243" axis="ch" ptType="node" func="cnt" op="equ" val="6">
+                        <dgm:choose name="Name244">
+                          <dgm:if name="Name245" axis="ch ch" ptType="node node" st="3 1" cnt="1 0" func="cnt" op="equ" val="1">
+                            <dgm:alg type="cycle">
+                              <dgm:param type="ctrShpMap" val="fNode"/>
+                              <dgm:param type="stAng" val="120"/>
+                            </dgm:alg>
+                          </dgm:if>
+                          <dgm:if name="Name246" axis="ch ch" ptType="node node" st="3 1" cnt="1 0" func="cnt" op="equ" val="2">
+                            <dgm:alg type="cycle">
+                              <dgm:param type="ctrShpMap" val="fNode"/>
+                              <dgm:param type="stAng" val="75"/>
+                              <dgm:param type="spanAng" val="90"/>
+                            </dgm:alg>
+                          </dgm:if>
+                          <dgm:else name="Name247">
+                            <dgm:alg type="cycle">
+                              <dgm:param type="ctrShpMap" val="fNode"/>
+                              <dgm:param type="stAng" val="0"/>
+                              <dgm:param type="spanAng" val="360"/>
+                            </dgm:alg>
+                          </dgm:else>
+                        </dgm:choose>
+                      </dgm:if>
+                      <dgm:if name="Name248" axis="ch" ptType="node" func="cnt" op="gte" val="7">
+                        <dgm:choose name="Name249">
+                          <dgm:if name="Name250" axis="ch ch" ptType="node node" st="3 1" cnt="1 0" func="cnt" op="equ" val="1">
+                            <dgm:alg type="cycle">
+                              <dgm:param type="ctrShpMap" val="fNode"/>
+                              <dgm:param type="stAng" val="102"/>
+                            </dgm:alg>
+                          </dgm:if>
+                          <dgm:if name="Name251" axis="ch ch" ptType="node node" st="3 1" cnt="1 0" func="cnt" op="equ" val="2">
+                            <dgm:alg type="cycle">
+                              <dgm:param type="ctrShpMap" val="fNode"/>
+                              <dgm:param type="stAng" val="57"/>
+                              <dgm:param type="spanAng" val="90"/>
+                            </dgm:alg>
+                          </dgm:if>
+                          <dgm:else name="Name252">
+                            <dgm:alg type="cycle">
+                              <dgm:param type="ctrShpMap" val="fNode"/>
+                              <dgm:param type="stAng" val="0"/>
+                              <dgm:param type="spanAng" val="360"/>
+                            </dgm:alg>
+                          </dgm:else>
+                        </dgm:choose>
+                      </dgm:if>
+                      <dgm:else name="Name253"/>
+                    </dgm:choose>
+                  </dgm:if>
+                  <dgm:else name="Name254">
+                    <dgm:choose name="Name255">
+                      <dgm:if name="Name256" axis="ch" ptType="node" func="cnt" op="equ" val="3">
+                        <dgm:choose name="Name257">
+                          <dgm:if name="Name258" axis="ch ch" ptType="node node" st="3 1" cnt="1 0" func="cnt" op="equ" val="1">
+                            <dgm:alg type="cycle">
+                              <dgm:param type="ctrShpMap" val="fNode"/>
+                              <dgm:param type="stAng" val="120"/>
+                              <dgm:param type="horzAlign" val="r"/>
+                              <dgm:param type="vertAlign" val="b"/>
+                            </dgm:alg>
+                          </dgm:if>
+                          <dgm:if name="Name259" axis="ch ch" ptType="node node" st="3 1" cnt="1 0" func="cnt" op="equ" val="2">
+                            <dgm:alg type="cycle">
+                              <dgm:param type="ctrShpMap" val="fNode"/>
+                              <dgm:param type="stAng" val="165"/>
+                              <dgm:param type="spanAng" val="-90"/>
+                              <dgm:param type="horzAlign" val="r"/>
+                              <dgm:param type="vertAlign" val="b"/>
+                            </dgm:alg>
+                          </dgm:if>
+                          <dgm:else name="Name260">
+                            <dgm:alg type="cycle">
+                              <dgm:param type="ctrShpMap" val="fNode"/>
+                              <dgm:param type="stAng" val="210"/>
+                              <dgm:param type="spanAng" val="-180"/>
+                            </dgm:alg>
+                          </dgm:else>
+                        </dgm:choose>
+                      </dgm:if>
+                      <dgm:if name="Name261" axis="ch" ptType="node" func="cnt" op="equ" val="4">
+                        <dgm:choose name="Name262">
+                          <dgm:if name="Name263" axis="ch ch" ptType="node node" st="3 1" cnt="1 0" func="cnt" op="equ" val="1">
+                            <dgm:alg type="cycle">
+                              <dgm:param type="ctrShpMap" val="fNode"/>
+                              <dgm:param type="stAng" val="180"/>
+                            </dgm:alg>
+                          </dgm:if>
+                          <dgm:if name="Name264" axis="ch ch" ptType="node node" st="3 1" cnt="1 0" func="cnt" op="equ" val="2">
+                            <dgm:alg type="cycle">
+                              <dgm:param type="ctrShpMap" val="fNode"/>
+                              <dgm:param type="stAng" val="225"/>
+                              <dgm:param type="spanAng" val="-90"/>
+                            </dgm:alg>
+                          </dgm:if>
+                          <dgm:else name="Name265">
+                            <dgm:alg type="cycle">
+                              <dgm:param type="ctrShpMap" val="fNode"/>
+                              <dgm:param type="stAng" val="247.5"/>
+                              <dgm:param type="spanAng" val="-135"/>
+                            </dgm:alg>
+                          </dgm:else>
+                        </dgm:choose>
+                      </dgm:if>
+                      <dgm:if name="Name266" axis="ch" ptType="node" func="cnt" op="equ" val="5">
+                        <dgm:choose name="Name267">
+                          <dgm:if name="Name268" axis="ch ch" ptType="node node" st="3 1" cnt="1 0" func="cnt" op="equ" val="1">
+                            <dgm:alg type="cycle">
+                              <dgm:param type="ctrShpMap" val="fNode"/>
+                              <dgm:param type="stAng" val="216"/>
+                            </dgm:alg>
+                          </dgm:if>
+                          <dgm:if name="Name269" axis="ch ch" ptType="node node" st="3 1" cnt="1 0" func="cnt" op="equ" val="2">
+                            <dgm:alg type="cycle">
+                              <dgm:param type="ctrShpMap" val="fNode"/>
+                              <dgm:param type="stAng" val="261"/>
+                              <dgm:param type="spanAng" val="-90"/>
+                            </dgm:alg>
+                          </dgm:if>
+                          <dgm:else name="Name270">
+                            <dgm:alg type="cycle">
+                              <dgm:param type="ctrShpMap" val="fNode"/>
+                              <dgm:param type="stAng" val="0"/>
+                              <dgm:param type="spanAng" val="-360"/>
+                            </dgm:alg>
+                          </dgm:else>
+                        </dgm:choose>
+                      </dgm:if>
+                      <dgm:if name="Name271" axis="ch" ptType="node" func="cnt" op="equ" val="6">
+                        <dgm:choose name="Name272">
+                          <dgm:if name="Name273" axis="ch ch" ptType="node node" st="3 1" cnt="1 0" func="cnt" op="equ" val="1">
+                            <dgm:alg type="cycle">
+                              <dgm:param type="ctrShpMap" val="fNode"/>
+                              <dgm:param type="stAng" val="240"/>
+                            </dgm:alg>
+                          </dgm:if>
+                          <dgm:if name="Name274" axis="ch ch" ptType="node node" st="3 1" cnt="1 0" func="cnt" op="equ" val="2">
+                            <dgm:alg type="cycle">
+                              <dgm:param type="ctrShpMap" val="fNode"/>
+                              <dgm:param type="stAng" val="285"/>
+                              <dgm:param type="spanAng" val="-90"/>
+                            </dgm:alg>
+                          </dgm:if>
+                          <dgm:else name="Name275">
+                            <dgm:alg type="cycle">
+                              <dgm:param type="ctrShpMap" val="fNode"/>
+                              <dgm:param type="stAng" val="0"/>
+                              <dgm:param type="spanAng" val="-360"/>
+                            </dgm:alg>
+                          </dgm:else>
+                        </dgm:choose>
+                      </dgm:if>
+                      <dgm:if name="Name276" axis="ch" ptType="node" func="cnt" op="gte" val="7">
+                        <dgm:choose name="Name277">
+                          <dgm:if name="Name278" axis="ch ch" ptType="node node" st="3 1" cnt="1 0" func="cnt" op="equ" val="1">
+                            <dgm:alg type="cycle">
+                              <dgm:param type="ctrShpMap" val="fNode"/>
+                              <dgm:param type="stAng" val="257"/>
+                            </dgm:alg>
+                          </dgm:if>
+                          <dgm:if name="Name279" axis="ch ch" ptType="node node" st="3 1" cnt="1 0" func="cnt" op="equ" val="2">
+                            <dgm:alg type="cycle">
+                              <dgm:param type="ctrShpMap" val="fNode"/>
+                              <dgm:param type="stAng" val="302"/>
+                              <dgm:param type="spanAng" val="-90"/>
+                            </dgm:alg>
+                          </dgm:if>
+                          <dgm:else name="Name280">
+                            <dgm:alg type="cycle">
+                              <dgm:param type="ctrShpMap" val="fNode"/>
+                              <dgm:param type="stAng" val="0"/>
+                              <dgm:param type="spanAng" val="-360"/>
+                            </dgm:alg>
+                          </dgm:else>
+                        </dgm:choose>
+                      </dgm:if>
+                      <dgm:else name="Name281"/>
+                    </dgm:choose>
+                  </dgm:else>
+                </dgm:choose>
+                <dgm:shape xmlns:r="http://schemas.openxmlformats.org/officeDocument/2006/relationships" r:blip="">
+                  <dgm:adjLst/>
+                </dgm:shape>
+                <dgm:presOf/>
+                <dgm:constrLst>
+                  <dgm:constr type="sp" refType="w" fact="0.1"/>
+                  <dgm:constr type="sibSp" refType="w" fact="0.1"/>
+                </dgm:constrLst>
+                <dgm:forEach name="Name282" axis="ch" ptType="node" st="3" cnt="1">
+                  <dgm:layoutNode name="childCenter3" styleLbl="node1">
+                    <dgm:alg type="tx"/>
+                    <dgm:shape xmlns:r="http://schemas.openxmlformats.org/officeDocument/2006/relationships" type="roundRect" r:blip="">
+                      <dgm:adjLst/>
+                    </dgm:shape>
+                    <dgm:presOf axis="self" ptType="node"/>
+                    <dgm:constrLst>
+                      <dgm:constr type="userS"/>
+                      <dgm:constr type="w" refType="userS"/>
+                      <dgm:constr type="h" refType="w"/>
+                      <dgm:constr type="tMarg" refType="primFontSz" fact="0.2"/>
+                      <dgm:constr type="bMarg" refType="primFontSz" fact="0.2"/>
+                      <dgm:constr type="lMarg" refType="primFontSz" fact="0.2"/>
+                      <dgm:constr type="rMarg" refType="primFontSz" fact="0.2"/>
+                    </dgm:constrLst>
+                    <dgm:ruleLst>
+                      <dgm:rule type="primFontSz" val="5" fact="NaN" max="NaN"/>
+                    </dgm:ruleLst>
+                  </dgm:layoutNode>
+                  <dgm:forEach name="Name283" axis="ch">
+                    <dgm:forEach name="Name284" axis="self" ptType="parTrans">
+                      <dgm:layoutNode name="Name285">
+                        <dgm:alg type="conn">
+                          <dgm:param type="dim" val="1D"/>
+                          <dgm:param type="begPts" val="auto"/>
+                          <dgm:param type="endPts" val="auto"/>
+                          <dgm:param type="begSty" val="noArr"/>
+                          <dgm:param type="endSty" val="noArr"/>
+                        </dgm:alg>
+                        <dgm:shape xmlns:r="http://schemas.openxmlformats.org/officeDocument/2006/relationships" type="conn" r:blip="">
+                          <dgm:adjLst/>
+                        </dgm:shape>
+                        <dgm:presOf axis="self"/>
+                        <dgm:constrLst>
+                          <dgm:constr type="begPad"/>
+                          <dgm:constr type="endPad"/>
+                        </dgm:constrLst>
+                      </dgm:layoutNode>
+                    </dgm:forEach>
+                    <dgm:forEach name="Name286" axis="self" ptType="node">
+                      <dgm:layoutNode name="text3" styleLbl="node1">
+                        <dgm:varLst>
+                          <dgm:bulletEnabled val="1"/>
+                        </dgm:varLst>
+                        <dgm:alg type="tx"/>
+                        <dgm:shape xmlns:r="http://schemas.openxmlformats.org/officeDocument/2006/relationships" type="roundRect" r:blip="">
+                          <dgm:adjLst/>
+                        </dgm:shape>
+                        <dgm:presOf axis="desOrSelf" ptType="node"/>
+                        <dgm:constrLst>
+                          <dgm:constr type="userS"/>
+                          <dgm:constr type="w" refType="userS"/>
+                          <dgm:constr type="h" refType="w"/>
+                          <dgm:constr type="tMarg" refType="primFontSz" fact="0.2"/>
+                          <dgm:constr type="bMarg" refType="primFontSz" fact="0.2"/>
+                          <dgm:constr type="lMarg" refType="primFontSz" fact="0.2"/>
+                          <dgm:constr type="rMarg" refType="primFontSz" fact="0.2"/>
+                        </dgm:constrLst>
+                        <dgm:ruleLst>
+                          <dgm:rule type="primFontSz" val="5" fact="NaN" max="NaN"/>
+                        </dgm:ruleLst>
+                      </dgm:layoutNode>
+                    </dgm:forEach>
+                  </dgm:forEach>
+                </dgm:forEach>
+              </dgm:layoutNode>
+              <dgm:forEach name="Name287" axis="ch" ptType="parTrans" st="3" cnt="1">
+                <dgm:layoutNode name="Name288">
+                  <dgm:alg type="conn">
+                    <dgm:param type="dim" val="1D"/>
+                    <dgm:param type="begPts" val="auto"/>
+                    <dgm:param type="endPts" val="auto"/>
+                    <dgm:param type="endSty" val="noArr"/>
+                    <dgm:param type="srcNode" val="textCenter"/>
+                    <dgm:param type="dstNode" val="childCenter3"/>
+                  </dgm:alg>
+                  <dgm:shape xmlns:r="http://schemas.openxmlformats.org/officeDocument/2006/relationships" type="conn" r:blip="" zOrderOff="-999">
+                    <dgm:adjLst/>
+                  </dgm:shape>
+                  <dgm:presOf axis="self"/>
+                  <dgm:constrLst>
+                    <dgm:constr type="h"/>
+                    <dgm:constr type="begPad"/>
+                    <dgm:constr type="endPad"/>
+                  </dgm:constrLst>
+                </dgm:layoutNode>
+              </dgm:forEach>
+            </dgm:if>
+            <dgm:else name="Name289"/>
+          </dgm:choose>
+          <dgm:choose name="Name290">
+            <dgm:if name="Name291" axis="ch" ptType="node" func="cnt" op="gte" val="4">
+              <dgm:layoutNode name="cycle_4">
+                <dgm:choose name="Name292">
+                  <dgm:if name="Name293" func="var" arg="dir" op="equ" val="norm">
+                    <dgm:choose name="Name294">
+                      <dgm:if name="Name295" axis="ch" ptType="node" func="cnt" op="equ" val="4">
+                        <dgm:choose name="Name296">
+                          <dgm:if name="Name297" axis="ch ch" ptType="node node" st="4 1" cnt="1 0" func="cnt" op="equ" val="1">
+                            <dgm:alg type="cycle">
+                              <dgm:param type="ctrShpMap" val="fNode"/>
+                              <dgm:param type="stAng" val="270"/>
+                            </dgm:alg>
+                          </dgm:if>
+                          <dgm:if name="Name298" axis="ch ch" ptType="node node" st="4 1" cnt="1 0" func="cnt" op="equ" val="2">
+                            <dgm:alg type="cycle">
+                              <dgm:param type="ctrShpMap" val="fNode"/>
+                              <dgm:param type="stAng" val="225"/>
+                              <dgm:param type="spanAng" val="90"/>
+                            </dgm:alg>
+                          </dgm:if>
+                          <dgm:else name="Name299">
+                            <dgm:alg type="cycle">
+                              <dgm:param type="ctrShpMap" val="fNode"/>
+                              <dgm:param type="stAng" val="202.5"/>
+                              <dgm:param type="spanAng" val="135"/>
+                            </dgm:alg>
+                          </dgm:else>
+                        </dgm:choose>
+                      </dgm:if>
+                      <dgm:if name="Name300" axis="ch" ptType="node" func="cnt" op="equ" val="5">
+                        <dgm:choose name="Name301">
+                          <dgm:if name="Name302" axis="ch ch" ptType="node node" st="4 1" cnt="1 0" func="cnt" op="equ" val="1">
+                            <dgm:alg type="cycle">
+                              <dgm:param type="ctrShpMap" val="fNode"/>
+                              <dgm:param type="stAng" val="216"/>
+                            </dgm:alg>
+                          </dgm:if>
+                          <dgm:if name="Name303" axis="ch ch" ptType="node node" st="4 1" cnt="1 0" func="cnt" op="equ" val="2">
+                            <dgm:alg type="cycle">
+                              <dgm:param type="ctrShpMap" val="fNode"/>
+                              <dgm:param type="stAng" val="171"/>
+                              <dgm:param type="spanAng" val="90"/>
+                            </dgm:alg>
+                          </dgm:if>
+                          <dgm:else name="Name304">
+                            <dgm:alg type="cycle">
+                              <dgm:param type="ctrShpMap" val="fNode"/>
+                              <dgm:param type="stAng" val="0"/>
+                              <dgm:param type="spanAng" val="360"/>
+                            </dgm:alg>
+                          </dgm:else>
+                        </dgm:choose>
+                      </dgm:if>
+                      <dgm:if name="Name305" axis="ch" ptType="node" func="cnt" op="equ" val="6">
+                        <dgm:choose name="Name306">
+                          <dgm:if name="Name307" axis="ch ch" ptType="node node" st="4 1" cnt="1 0" func="cnt" op="equ" val="1">
+                            <dgm:alg type="cycle">
+                              <dgm:param type="ctrShpMap" val="fNode"/>
+                              <dgm:param type="stAng" val="180"/>
+                            </dgm:alg>
+                          </dgm:if>
+                          <dgm:if name="Name308" axis="ch ch" ptType="node node" st="4 1" cnt="1 0" func="cnt" op="equ" val="2">
+                            <dgm:alg type="cycle">
+                              <dgm:param type="ctrShpMap" val="fNode"/>
+                              <dgm:param type="stAng" val="135"/>
+                              <dgm:param type="spanAng" val="90"/>
+                            </dgm:alg>
+                          </dgm:if>
+                          <dgm:else name="Name309">
+                            <dgm:alg type="cycle">
+                              <dgm:param type="ctrShpMap" val="fNode"/>
+                              <dgm:param type="stAng" val="0"/>
+                              <dgm:param type="spanAng" val="360"/>
+                            </dgm:alg>
+                          </dgm:else>
+                        </dgm:choose>
+                      </dgm:if>
+                      <dgm:if name="Name310" axis="ch" ptType="node" func="cnt" op="gte" val="7">
+                        <dgm:choose name="Name311">
+                          <dgm:if name="Name312" axis="ch ch" ptType="node node" st="4 1" cnt="1 0" func="cnt" op="equ" val="1">
+                            <dgm:alg type="cycle">
+                              <dgm:param type="ctrShpMap" val="fNode"/>
+                              <dgm:param type="stAng" val="154"/>
+                            </dgm:alg>
+                          </dgm:if>
+                          <dgm:if name="Name313" axis="ch ch" ptType="node node" st="4 1" cnt="1 0" func="cnt" op="equ" val="2">
+                            <dgm:alg type="cycle">
+                              <dgm:param type="ctrShpMap" val="fNode"/>
+                              <dgm:param type="stAng" val="109"/>
+                              <dgm:param type="spanAng" val="90"/>
+                            </dgm:alg>
+                          </dgm:if>
+                          <dgm:else name="Name314">
+                            <dgm:alg type="cycle">
+                              <dgm:param type="ctrShpMap" val="fNode"/>
+                              <dgm:param type="stAng" val="0"/>
+                              <dgm:param type="spanAng" val="360"/>
+                            </dgm:alg>
+                          </dgm:else>
+                        </dgm:choose>
+                      </dgm:if>
+                      <dgm:else name="Name315"/>
+                    </dgm:choose>
+                  </dgm:if>
+                  <dgm:else name="Name316">
+                    <dgm:choose name="Name317">
+                      <dgm:if name="Name318" axis="ch" ptType="node" func="cnt" op="equ" val="4">
+                        <dgm:choose name="Name319">
+                          <dgm:if name="Name320" axis="ch ch" ptType="node node" st="4 1" cnt="1 0" func="cnt" op="equ" val="1">
+                            <dgm:alg type="cycle">
+                              <dgm:param type="ctrShpMap" val="fNode"/>
+                              <dgm:param type="stAng" val="90"/>
+                            </dgm:alg>
+                          </dgm:if>
+                          <dgm:if name="Name321" axis="ch ch" ptType="node node" st="4 1" cnt="1 0" func="cnt" op="equ" val="2">
+                            <dgm:alg type="cycle">
+                              <dgm:param type="ctrShpMap" val="fNode"/>
+                              <dgm:param type="stAng" val="135"/>
+                              <dgm:param type="spanAng" val="-90"/>
+                            </dgm:alg>
+                          </dgm:if>
+                          <dgm:else name="Name322">
+                            <dgm:alg type="cycle">
+                              <dgm:param type="ctrShpMap" val="fNode"/>
+                              <dgm:param type="stAng" val="157.5"/>
+                              <dgm:param type="spanAng" val="-135"/>
+                            </dgm:alg>
+                          </dgm:else>
+                        </dgm:choose>
+                      </dgm:if>
+                      <dgm:if name="Name323" axis="ch" ptType="node" func="cnt" op="equ" val="5">
+                        <dgm:choose name="Name324">
+                          <dgm:if name="Name325" axis="ch ch" ptType="node node" st="4 1" cnt="1 0" func="cnt" op="equ" val="1">
+                            <dgm:alg type="cycle">
+                              <dgm:param type="ctrShpMap" val="fNode"/>
+                              <dgm:param type="stAng" val="144"/>
+                            </dgm:alg>
+                          </dgm:if>
+                          <dgm:if name="Name326" axis="ch ch" ptType="node node" st="4 1" cnt="1 0" func="cnt" op="equ" val="2">
+                            <dgm:alg type="cycle">
+                              <dgm:param type="ctrShpMap" val="fNode"/>
+                              <dgm:param type="stAng" val="189"/>
+                              <dgm:param type="spanAng" val="-90"/>
+                            </dgm:alg>
+                          </dgm:if>
+                          <dgm:else name="Name327">
+                            <dgm:alg type="cycle">
+                              <dgm:param type="ctrShpMap" val="fNode"/>
+                              <dgm:param type="stAng" val="0"/>
+                              <dgm:param type="spanAng" val="-360"/>
+                            </dgm:alg>
+                          </dgm:else>
+                        </dgm:choose>
+                      </dgm:if>
+                      <dgm:if name="Name328" axis="ch" ptType="node" func="cnt" op="equ" val="6">
+                        <dgm:choose name="Name329">
+                          <dgm:if name="Name330" axis="ch ch" ptType="node node" st="4 1" cnt="1 0" func="cnt" op="equ" val="1">
+                            <dgm:alg type="cycle">
+                              <dgm:param type="ctrShpMap" val="fNode"/>
+                              <dgm:param type="stAng" val="180"/>
+                            </dgm:alg>
+                          </dgm:if>
+                          <dgm:if name="Name331" axis="ch ch" ptType="node node" st="4 1" cnt="1 0" func="cnt" op="equ" val="2">
+                            <dgm:alg type="cycle">
+                              <dgm:param type="ctrShpMap" val="fNode"/>
+                              <dgm:param type="stAng" val="225"/>
+                              <dgm:param type="spanAng" val="-90"/>
+                            </dgm:alg>
+                          </dgm:if>
+                          <dgm:else name="Name332">
+                            <dgm:alg type="cycle">
+                              <dgm:param type="ctrShpMap" val="fNode"/>
+                              <dgm:param type="stAng" val="0"/>
+                              <dgm:param type="spanAng" val="-360"/>
+                            </dgm:alg>
+                          </dgm:else>
+                        </dgm:choose>
+                      </dgm:if>
+                      <dgm:if name="Name333" axis="ch" ptType="node" func="cnt" op="gte" val="7">
+                        <dgm:choose name="Name334">
+                          <dgm:if name="Name335" axis="ch ch" ptType="node node" st="4 1" cnt="1 0" func="cnt" op="equ" val="1">
+                            <dgm:alg type="cycle">
+                              <dgm:param type="ctrShpMap" val="fNode"/>
+                              <dgm:param type="stAng" val="205"/>
+                            </dgm:alg>
+                          </dgm:if>
+                          <dgm:if name="Name336" axis="ch ch" ptType="node node" st="4 1" cnt="1 0" func="cnt" op="equ" val="2">
+                            <dgm:alg type="cycle">
+                              <dgm:param type="ctrShpMap" val="fNode"/>
+                              <dgm:param type="stAng" val="250"/>
+                              <dgm:param type="spanAng" val="-90"/>
+                            </dgm:alg>
+                          </dgm:if>
+                          <dgm:else name="Name337">
+                            <dgm:alg type="cycle">
+                              <dgm:param type="ctrShpMap" val="fNode"/>
+                              <dgm:param type="stAng" val="0"/>
+                              <dgm:param type="spanAng" val="-360"/>
+                            </dgm:alg>
+                          </dgm:else>
+                        </dgm:choose>
+                      </dgm:if>
+                      <dgm:else name="Name338"/>
+                    </dgm:choose>
+                  </dgm:else>
+                </dgm:choose>
+                <dgm:shape xmlns:r="http://schemas.openxmlformats.org/officeDocument/2006/relationships" r:blip="">
+                  <dgm:adjLst/>
+                </dgm:shape>
+                <dgm:presOf/>
+                <dgm:constrLst>
+                  <dgm:constr type="sp" refType="w" fact="0.1"/>
+                  <dgm:constr type="sibSp" refType="w" fact="0.1"/>
+                </dgm:constrLst>
+                <dgm:forEach name="Name339" axis="ch" ptType="node" st="4" cnt="1">
+                  <dgm:layoutNode name="childCenter4" styleLbl="node1">
+                    <dgm:alg type="tx"/>
+                    <dgm:shape xmlns:r="http://schemas.openxmlformats.org/officeDocument/2006/relationships" type="roundRect" r:blip="">
+                      <dgm:adjLst/>
+                    </dgm:shape>
+                    <dgm:presOf axis="self" ptType="node"/>
+                    <dgm:constrLst>
+                      <dgm:constr type="userS"/>
+                      <dgm:constr type="w" refType="userS"/>
+                      <dgm:constr type="h" refType="w"/>
+                      <dgm:constr type="tMarg" refType="primFontSz" fact="0.2"/>
+                      <dgm:constr type="bMarg" refType="primFontSz" fact="0.2"/>
+                      <dgm:constr type="lMarg" refType="primFontSz" fact="0.2"/>
+                      <dgm:constr type="rMarg" refType="primFontSz" fact="0.2"/>
+                    </dgm:constrLst>
+                    <dgm:ruleLst>
+                      <dgm:rule type="primFontSz" val="5" fact="NaN" max="NaN"/>
+                    </dgm:ruleLst>
+                  </dgm:layoutNode>
+                  <dgm:forEach name="Name340" axis="ch">
+                    <dgm:forEach name="Name341" axis="self" ptType="parTrans">
+                      <dgm:layoutNode name="Name342">
+                        <dgm:alg type="conn">
+                          <dgm:param type="dim" val="1D"/>
+                          <dgm:param type="begPts" val="auto"/>
+                          <dgm:param type="endPts" val="auto"/>
+                          <dgm:param type="begSty" val="noArr"/>
+                          <dgm:param type="endSty" val="noArr"/>
+                        </dgm:alg>
+                        <dgm:shape xmlns:r="http://schemas.openxmlformats.org/officeDocument/2006/relationships" type="conn" r:blip="">
+                          <dgm:adjLst/>
+                        </dgm:shape>
+                        <dgm:presOf axis="self"/>
+                        <dgm:constrLst>
+                          <dgm:constr type="begPad"/>
+                          <dgm:constr type="endPad"/>
+                        </dgm:constrLst>
+                      </dgm:layoutNode>
+                    </dgm:forEach>
+                    <dgm:forEach name="Name343" axis="self" ptType="node">
+                      <dgm:layoutNode name="text4" styleLbl="node1">
+                        <dgm:varLst>
+                          <dgm:bulletEnabled val="1"/>
+                        </dgm:varLst>
+                        <dgm:alg type="tx"/>
+                        <dgm:shape xmlns:r="http://schemas.openxmlformats.org/officeDocument/2006/relationships" type="roundRect" r:blip="">
+                          <dgm:adjLst/>
+                        </dgm:shape>
+                        <dgm:presOf axis="desOrSelf" ptType="node"/>
+                        <dgm:constrLst>
+                          <dgm:constr type="userS"/>
+                          <dgm:constr type="w" refType="userS"/>
+                          <dgm:constr type="h" refType="w"/>
+                          <dgm:constr type="tMarg" refType="primFontSz" fact="0.2"/>
+                          <dgm:constr type="bMarg" refType="primFontSz" fact="0.2"/>
+                          <dgm:constr type="lMarg" refType="primFontSz" fact="0.2"/>
+                          <dgm:constr type="rMarg" refType="primFontSz" fact="0.2"/>
+                        </dgm:constrLst>
+                        <dgm:ruleLst>
+                          <dgm:rule type="primFontSz" val="5" fact="NaN" max="NaN"/>
+                        </dgm:ruleLst>
+                      </dgm:layoutNode>
+                    </dgm:forEach>
+                  </dgm:forEach>
+                </dgm:forEach>
+              </dgm:layoutNode>
+              <dgm:forEach name="Name344" axis="ch" ptType="parTrans" st="4" cnt="1">
+                <dgm:layoutNode name="Name345">
+                  <dgm:alg type="conn">
+                    <dgm:param type="dim" val="1D"/>
+                    <dgm:param type="begPts" val="auto"/>
+                    <dgm:param type="endPts" val="auto"/>
+                    <dgm:param type="endSty" val="noArr"/>
+                    <dgm:param type="srcNode" val="textCenter"/>
+                    <dgm:param type="dstNode" val="childCenter4"/>
+                  </dgm:alg>
+                  <dgm:shape xmlns:r="http://schemas.openxmlformats.org/officeDocument/2006/relationships" type="conn" r:blip="" zOrderOff="-999">
+                    <dgm:adjLst/>
+                  </dgm:shape>
+                  <dgm:presOf axis="self"/>
+                  <dgm:constrLst>
+                    <dgm:constr type="h"/>
+                    <dgm:constr type="begPad"/>
+                    <dgm:constr type="endPad"/>
+                  </dgm:constrLst>
+                </dgm:layoutNode>
+              </dgm:forEach>
+            </dgm:if>
+            <dgm:else name="Name346"/>
+          </dgm:choose>
+          <dgm:choose name="Name347">
+            <dgm:if name="Name348" axis="ch" ptType="node" func="cnt" op="gte" val="5">
+              <dgm:layoutNode name="cycle_5">
+                <dgm:choose name="Name349">
+                  <dgm:if name="Name350" func="var" arg="dir" op="equ" val="norm">
+                    <dgm:choose name="Name351">
+                      <dgm:if name="Name352" axis="ch" ptType="node" func="cnt" op="equ" val="5">
+                        <dgm:choose name="Name353">
+                          <dgm:if name="Name354" axis="ch ch" ptType="node node" st="5 1" cnt="1 0" func="cnt" op="equ" val="1">
+                            <dgm:alg type="cycle">
+                              <dgm:param type="ctrShpMap" val="fNode"/>
+                              <dgm:param type="stAng" val="288"/>
+                            </dgm:alg>
+                          </dgm:if>
+                          <dgm:if name="Name355" axis="ch ch" ptType="node node" st="5 1" cnt="1 0" func="cnt" op="equ" val="2">
+                            <dgm:alg type="cycle">
+                              <dgm:param type="ctrShpMap" val="fNode"/>
+                              <dgm:param type="stAng" val="243"/>
+                              <dgm:param type="spanAng" val="90"/>
+                            </dgm:alg>
+                          </dgm:if>
+                          <dgm:else name="Name356">
+                            <dgm:alg type="cycle">
+                              <dgm:param type="ctrShpMap" val="fNode"/>
+                              <dgm:param type="stAng" val="0"/>
+                              <dgm:param type="spanAng" val="360"/>
+                            </dgm:alg>
+                          </dgm:else>
+                        </dgm:choose>
+                      </dgm:if>
+                      <dgm:if name="Name357" axis="ch" ptType="node" func="cnt" op="equ" val="6">
+                        <dgm:choose name="Name358">
+                          <dgm:if name="Name359" axis="ch ch" ptType="node node" st="5 1" cnt="1 0" func="cnt" op="equ" val="1">
+                            <dgm:alg type="cycle">
+                              <dgm:param type="ctrShpMap" val="fNode"/>
+                              <dgm:param type="stAng" val="240"/>
+                            </dgm:alg>
+                          </dgm:if>
+                          <dgm:if name="Name360" axis="ch ch" ptType="node node" st="5 1" cnt="1 0" func="cnt" op="equ" val="2">
+                            <dgm:alg type="cycle">
+                              <dgm:param type="ctrShpMap" val="fNode"/>
+                              <dgm:param type="stAng" val="195"/>
+                              <dgm:param type="spanAng" val="90"/>
+                            </dgm:alg>
+                          </dgm:if>
+                          <dgm:else name="Name361">
+                            <dgm:alg type="cycle">
+                              <dgm:param type="ctrShpMap" val="fNode"/>
+                              <dgm:param type="stAng" val="0"/>
+                              <dgm:param type="spanAng" val="360"/>
+                            </dgm:alg>
+                          </dgm:else>
+                        </dgm:choose>
+                      </dgm:if>
+                      <dgm:if name="Name362" axis="ch" ptType="node" func="cnt" op="gte" val="7">
+                        <dgm:choose name="Name363">
+                          <dgm:if name="Name364" axis="ch ch" ptType="node node" st="5 1" cnt="1 0" func="cnt" op="equ" val="1">
+                            <dgm:alg type="cycle">
+                              <dgm:param type="ctrShpMap" val="fNode"/>
+                              <dgm:param type="stAng" val="205"/>
+                            </dgm:alg>
+                          </dgm:if>
+                          <dgm:if name="Name365" axis="ch ch" ptType="node node" st="5 1" cnt="1 0" func="cnt" op="equ" val="2">
+                            <dgm:alg type="cycle">
+                              <dgm:param type="ctrShpMap" val="fNode"/>
+                              <dgm:param type="stAng" val="160"/>
+                              <dgm:param type="spanAng" val="90"/>
+                            </dgm:alg>
+                          </dgm:if>
+                          <dgm:else name="Name366">
+                            <dgm:alg type="cycle">
+                              <dgm:param type="ctrShpMap" val="fNode"/>
+                              <dgm:param type="stAng" val="0"/>
+                              <dgm:param type="spanAng" val="360"/>
+                            </dgm:alg>
+                          </dgm:else>
+                        </dgm:choose>
+                      </dgm:if>
+                      <dgm:else name="Name367"/>
+                    </dgm:choose>
+                  </dgm:if>
+                  <dgm:else name="Name368">
+                    <dgm:choose name="Name369">
+                      <dgm:if name="Name370" axis="ch" ptType="node" func="cnt" op="equ" val="5">
+                        <dgm:choose name="Name371">
+                          <dgm:if name="Name372" axis="ch ch" ptType="node node" st="5 1" cnt="1 0" func="cnt" op="equ" val="1">
+                            <dgm:alg type="cycle">
+                              <dgm:param type="ctrShpMap" val="fNode"/>
+                              <dgm:param type="stAng" val="72"/>
+                            </dgm:alg>
+                          </dgm:if>
+                          <dgm:if name="Name373" axis="ch ch" ptType="node node" st="5 1" cnt="1 0" func="cnt" op="equ" val="2">
+                            <dgm:alg type="cycle">
+                              <dgm:param type="ctrShpMap" val="fNode"/>
+                              <dgm:param type="stAng" val="117"/>
+                              <dgm:param type="spanAng" val="-90"/>
+                            </dgm:alg>
+                          </dgm:if>
+                          <dgm:else name="Name374">
+                            <dgm:alg type="cycle">
+                              <dgm:param type="ctrShpMap" val="fNode"/>
+                              <dgm:param type="stAng" val="0"/>
+                              <dgm:param type="spanAng" val="-360"/>
+                            </dgm:alg>
+                          </dgm:else>
+                        </dgm:choose>
+                      </dgm:if>
+                      <dgm:if name="Name375" axis="ch" ptType="node" func="cnt" op="equ" val="6">
+                        <dgm:choose name="Name376">
+                          <dgm:if name="Name377" axis="ch ch" ptType="node node" st="5 1" cnt="1 0" func="cnt" op="equ" val="1">
+                            <dgm:alg type="cycle">
+                              <dgm:param type="ctrShpMap" val="fNode"/>
+                              <dgm:param type="stAng" val="120"/>
+                            </dgm:alg>
+                          </dgm:if>
+                          <dgm:if name="Name378" axis="ch ch" ptType="node node" st="5 1" cnt="1 0" func="cnt" op="equ" val="2">
+                            <dgm:alg type="cycle">
+                              <dgm:param type="ctrShpMap" val="fNode"/>
+                              <dgm:param type="stAng" val="165"/>
+                              <dgm:param type="spanAng" val="-90"/>
+                            </dgm:alg>
+                          </dgm:if>
+                          <dgm:else name="Name379">
+                            <dgm:alg type="cycle">
+                              <dgm:param type="ctrShpMap" val="fNode"/>
+                              <dgm:param type="stAng" val="0"/>
+                              <dgm:param type="spanAng" val="-360"/>
+                            </dgm:alg>
+                          </dgm:else>
+                        </dgm:choose>
+                      </dgm:if>
+                      <dgm:if name="Name380" axis="ch" ptType="node" func="cnt" op="gte" val="7">
+                        <dgm:choose name="Name381">
+                          <dgm:if name="Name382" axis="ch ch" ptType="node node" st="5 1" cnt="1 0" func="cnt" op="equ" val="1">
+                            <dgm:alg type="cycle">
+                              <dgm:param type="ctrShpMap" val="fNode"/>
+                              <dgm:param type="stAng" val="154"/>
+                            </dgm:alg>
+                          </dgm:if>
+                          <dgm:if name="Name383" axis="ch ch" ptType="node node" st="5 1" cnt="1 0" func="cnt" op="equ" val="2">
+                            <dgm:alg type="cycle">
+                              <dgm:param type="ctrShpMap" val="fNode"/>
+                              <dgm:param type="stAng" val="199"/>
+                              <dgm:param type="spanAng" val="-90"/>
+                            </dgm:alg>
+                          </dgm:if>
+                          <dgm:else name="Name384">
+                            <dgm:alg type="cycle">
+                              <dgm:param type="ctrShpMap" val="fNode"/>
+                              <dgm:param type="stAng" val="0"/>
+                              <dgm:param type="spanAng" val="-360"/>
+                            </dgm:alg>
+                          </dgm:else>
+                        </dgm:choose>
+                      </dgm:if>
+                      <dgm:else name="Name385"/>
+                    </dgm:choose>
+                  </dgm:else>
+                </dgm:choose>
+                <dgm:shape xmlns:r="http://schemas.openxmlformats.org/officeDocument/2006/relationships" r:blip="">
+                  <dgm:adjLst/>
+                </dgm:shape>
+                <dgm:presOf/>
+                <dgm:constrLst>
+                  <dgm:constr type="sp" refType="w" fact="0.1"/>
+                  <dgm:constr type="sibSp" refType="w" fact="0.1"/>
+                </dgm:constrLst>
+                <dgm:forEach name="Name386" axis="ch" ptType="node" st="5" cnt="1">
+                  <dgm:layoutNode name="childCenter5" styleLbl="node1">
+                    <dgm:alg type="tx"/>
+                    <dgm:shape xmlns:r="http://schemas.openxmlformats.org/officeDocument/2006/relationships" type="roundRect" r:blip="">
+                      <dgm:adjLst/>
+                    </dgm:shape>
+                    <dgm:presOf axis="self" ptType="node"/>
+                    <dgm:constrLst>
+                      <dgm:constr type="userS"/>
+                      <dgm:constr type="w" refType="userS"/>
+                      <dgm:constr type="h" refType="w"/>
+                      <dgm:constr type="tMarg" refType="primFontSz" fact="0.2"/>
+                      <dgm:constr type="bMarg" refType="primFontSz" fact="0.2"/>
+                      <dgm:constr type="lMarg" refType="primFontSz" fact="0.2"/>
+                      <dgm:constr type="rMarg" refType="primFontSz" fact="0.2"/>
+                    </dgm:constrLst>
+                    <dgm:ruleLst>
+                      <dgm:rule type="primFontSz" val="5" fact="NaN" max="NaN"/>
+                    </dgm:ruleLst>
+                  </dgm:layoutNode>
+                  <dgm:forEach name="Name387" axis="ch">
+                    <dgm:forEach name="Name388" axis="self" ptType="parTrans">
+                      <dgm:layoutNode name="Name389">
+                        <dgm:alg type="conn">
+                          <dgm:param type="dim" val="1D"/>
+                          <dgm:param type="begPts" val="auto"/>
+                          <dgm:param type="endPts" val="auto"/>
+                          <dgm:param type="begSty" val="noArr"/>
+                          <dgm:param type="endSty" val="noArr"/>
+                        </dgm:alg>
+                        <dgm:shape xmlns:r="http://schemas.openxmlformats.org/officeDocument/2006/relationships" type="conn" r:blip="">
+                          <dgm:adjLst/>
+                        </dgm:shape>
+                        <dgm:presOf axis="self"/>
+                        <dgm:constrLst>
+                          <dgm:constr type="begPad"/>
+                          <dgm:constr type="endPad"/>
+                        </dgm:constrLst>
+                      </dgm:layoutNode>
+                    </dgm:forEach>
+                    <dgm:forEach name="Name390" axis="self" ptType="node">
+                      <dgm:layoutNode name="text5" styleLbl="node1">
+                        <dgm:varLst>
+                          <dgm:bulletEnabled val="1"/>
+                        </dgm:varLst>
+                        <dgm:alg type="tx"/>
+                        <dgm:shape xmlns:r="http://schemas.openxmlformats.org/officeDocument/2006/relationships" type="roundRect" r:blip="">
+                          <dgm:adjLst/>
+                        </dgm:shape>
+                        <dgm:presOf axis="desOrSelf" ptType="node"/>
+                        <dgm:constrLst>
+                          <dgm:constr type="userS"/>
+                          <dgm:constr type="w" refType="userS"/>
+                          <dgm:constr type="h" refType="w"/>
+                          <dgm:constr type="tMarg" refType="primFontSz" fact="0.2"/>
+                          <dgm:constr type="bMarg" refType="primFontSz" fact="0.2"/>
+                          <dgm:constr type="lMarg" refType="primFontSz" fact="0.2"/>
+                          <dgm:constr type="rMarg" refType="primFontSz" fact="0.2"/>
+                        </dgm:constrLst>
+                        <dgm:ruleLst>
+                          <dgm:rule type="primFontSz" val="5" fact="NaN" max="NaN"/>
+                        </dgm:ruleLst>
+                      </dgm:layoutNode>
+                    </dgm:forEach>
+                  </dgm:forEach>
+                </dgm:forEach>
+              </dgm:layoutNode>
+              <dgm:forEach name="Name391" axis="ch" ptType="parTrans" st="5" cnt="1">
+                <dgm:layoutNode name="Name392">
+                  <dgm:alg type="conn">
+                    <dgm:param type="dim" val="1D"/>
+                    <dgm:param type="begPts" val="auto"/>
+                    <dgm:param type="endPts" val="auto"/>
+                    <dgm:param type="endSty" val="noArr"/>
+                    <dgm:param type="srcNode" val="textCenter"/>
+                    <dgm:param type="dstNode" val="childCenter5"/>
+                  </dgm:alg>
+                  <dgm:shape xmlns:r="http://schemas.openxmlformats.org/officeDocument/2006/relationships" type="conn" r:blip="" zOrderOff="-999">
+                    <dgm:adjLst/>
+                  </dgm:shape>
+                  <dgm:presOf axis="self"/>
+                  <dgm:constrLst>
+                    <dgm:constr type="h"/>
+                    <dgm:constr type="begPad"/>
+                    <dgm:constr type="endPad"/>
+                  </dgm:constrLst>
+                </dgm:layoutNode>
+              </dgm:forEach>
+            </dgm:if>
+            <dgm:else name="Name393"/>
+          </dgm:choose>
+          <dgm:choose name="Name394">
+            <dgm:if name="Name395" axis="ch" ptType="node" func="cnt" op="gte" val="6">
+              <dgm:layoutNode name="cycle_6">
+                <dgm:choose name="Name396">
+                  <dgm:if name="Name397" func="var" arg="dir" op="equ" val="norm">
+                    <dgm:choose name="Name398">
+                      <dgm:if name="Name399" axis="ch" ptType="node" func="cnt" op="equ" val="6">
+                        <dgm:choose name="Name400">
+                          <dgm:if name="Name401" axis="ch ch" ptType="node node" st="6 1" cnt="1 0" func="cnt" op="equ" val="1">
+                            <dgm:alg type="cycle">
+                              <dgm:param type="ctrShpMap" val="fNode"/>
+                              <dgm:param type="stAng" val="300"/>
+                            </dgm:alg>
+                          </dgm:if>
+                          <dgm:if name="Name402" axis="ch ch" ptType="node node" st="6 1" cnt="1 0" func="cnt" op="equ" val="2">
+                            <dgm:alg type="cycle">
+                              <dgm:param type="ctrShpMap" val="fNode"/>
+                              <dgm:param type="stAng" val="255"/>
+                              <dgm:param type="spanAng" val="90"/>
+                            </dgm:alg>
+                          </dgm:if>
+                          <dgm:else name="Name403">
+                            <dgm:alg type="cycle">
+                              <dgm:param type="ctrShpMap" val="fNode"/>
+                              <dgm:param type="stAng" val="0"/>
+                              <dgm:param type="spanAng" val="360"/>
+                            </dgm:alg>
+                          </dgm:else>
+                        </dgm:choose>
+                      </dgm:if>
+                      <dgm:if name="Name404" axis="ch" ptType="node" func="cnt" op="gte" val="7">
+                        <dgm:choose name="Name405">
+                          <dgm:if name="Name406" axis="ch ch" ptType="node node" st="6 1" cnt="1 0" func="cnt" op="equ" val="1">
+                            <dgm:alg type="cycle">
+                              <dgm:param type="ctrShpMap" val="fNode"/>
+                              <dgm:param type="stAng" val="257"/>
+                            </dgm:alg>
+                          </dgm:if>
+                          <dgm:if name="Name407" axis="ch ch" ptType="node node" st="6 1" cnt="1 0" func="cnt" op="equ" val="2">
+                            <dgm:alg type="cycle">
+                              <dgm:param type="ctrShpMap" val="fNode"/>
+                              <dgm:param type="stAng" val="212"/>
+                              <dgm:param type="spanAng" val="90"/>
+                            </dgm:alg>
+                          </dgm:if>
+                          <dgm:else name="Name408">
+                            <dgm:alg type="cycle">
+                              <dgm:param type="ctrShpMap" val="fNode"/>
+                              <dgm:param type="stAng" val="0"/>
+                              <dgm:param type="spanAng" val="360"/>
+                            </dgm:alg>
+                          </dgm:else>
+                        </dgm:choose>
+                      </dgm:if>
+                      <dgm:else name="Name409"/>
+                    </dgm:choose>
+                  </dgm:if>
+                  <dgm:else name="Name410">
+                    <dgm:choose name="Name411">
+                      <dgm:if name="Name412" axis="ch" ptType="node" func="cnt" op="equ" val="6">
+                        <dgm:choose name="Name413">
+                          <dgm:if name="Name414" axis="ch ch" ptType="node node" st="6 1" cnt="1 0" func="cnt" op="equ" val="1">
+                            <dgm:alg type="cycle">
+                              <dgm:param type="ctrShpMap" val="fNode"/>
+                              <dgm:param type="stAng" val="60"/>
+                            </dgm:alg>
+                          </dgm:if>
+                          <dgm:if name="Name415" axis="ch ch" ptType="node node" st="6 1" cnt="1 0" func="cnt" op="equ" val="2">
+                            <dgm:alg type="cycle">
+                              <dgm:param type="ctrShpMap" val="fNode"/>
+                              <dgm:param type="stAng" val="105"/>
+                              <dgm:param type="spanAng" val="-90"/>
+                            </dgm:alg>
+                          </dgm:if>
+                          <dgm:else name="Name416">
+                            <dgm:alg type="cycle">
+                              <dgm:param type="ctrShpMap" val="fNode"/>
+                              <dgm:param type="stAng" val="0"/>
+                              <dgm:param type="spanAng" val="-360"/>
+                            </dgm:alg>
+                          </dgm:else>
+                        </dgm:choose>
+                      </dgm:if>
+                      <dgm:if name="Name417" axis="ch" ptType="node" func="cnt" op="gte" val="7">
+                        <dgm:choose name="Name418">
+                          <dgm:if name="Name419" axis="ch ch" ptType="node node" st="6 1" cnt="1 0" func="cnt" op="equ" val="1">
+                            <dgm:alg type="cycle">
+                              <dgm:param type="ctrShpMap" val="fNode"/>
+                              <dgm:param type="stAng" val="102"/>
+                            </dgm:alg>
+                          </dgm:if>
+                          <dgm:if name="Name420" axis="ch ch" ptType="node node" st="6 1" cnt="1 0" func="cnt" op="equ" val="2">
+                            <dgm:alg type="cycle">
+                              <dgm:param type="ctrShpMap" val="fNode"/>
+                              <dgm:param type="stAng" val="147"/>
+                              <dgm:param type="spanAng" val="-90"/>
+                            </dgm:alg>
+                          </dgm:if>
+                          <dgm:else name="Name421">
+                            <dgm:alg type="cycle">
+                              <dgm:param type="ctrShpMap" val="fNode"/>
+                              <dgm:param type="stAng" val="0"/>
+                              <dgm:param type="spanAng" val="-360"/>
+                            </dgm:alg>
+                          </dgm:else>
+                        </dgm:choose>
+                      </dgm:if>
+                      <dgm:else name="Name422"/>
+                    </dgm:choose>
+                  </dgm:else>
+                </dgm:choose>
+                <dgm:shape xmlns:r="http://schemas.openxmlformats.org/officeDocument/2006/relationships" r:blip="">
+                  <dgm:adjLst/>
+                </dgm:shape>
+                <dgm:presOf/>
+                <dgm:constrLst>
+                  <dgm:constr type="sp" refType="w" fact="0.1"/>
+                  <dgm:constr type="sibSp" refType="w" fact="0.1"/>
+                </dgm:constrLst>
+                <dgm:forEach name="Name423" axis="ch" ptType="node" st="6" cnt="1">
+                  <dgm:layoutNode name="childCenter6" styleLbl="node1">
+                    <dgm:alg type="tx"/>
+                    <dgm:shape xmlns:r="http://schemas.openxmlformats.org/officeDocument/2006/relationships" type="roundRect" r:blip="">
+                      <dgm:adjLst/>
+                    </dgm:shape>
+                    <dgm:presOf axis="self" ptType="node"/>
+                    <dgm:constrLst>
+                      <dgm:constr type="userS"/>
+                      <dgm:constr type="w" refType="userS"/>
+                      <dgm:constr type="h" refType="w"/>
+                      <dgm:constr type="tMarg" refType="primFontSz" fact="0.2"/>
+                      <dgm:constr type="bMarg" refType="primFontSz" fact="0.2"/>
+                      <dgm:constr type="lMarg" refType="primFontSz" fact="0.2"/>
+                      <dgm:constr type="rMarg" refType="primFontSz" fact="0.2"/>
+                    </dgm:constrLst>
+                    <dgm:ruleLst>
+                      <dgm:rule type="primFontSz" val="5" fact="NaN" max="NaN"/>
+                    </dgm:ruleLst>
+                  </dgm:layoutNode>
+                  <dgm:forEach name="Name424" axis="ch">
+                    <dgm:forEach name="Name425" axis="self" ptType="parTrans">
+                      <dgm:layoutNode name="Name426">
+                        <dgm:alg type="conn">
+                          <dgm:param type="dim" val="1D"/>
+                          <dgm:param type="begPts" val="auto"/>
+                          <dgm:param type="endPts" val="auto"/>
+                          <dgm:param type="begSty" val="noArr"/>
+                          <dgm:param type="endSty" val="noArr"/>
+                        </dgm:alg>
+                        <dgm:shape xmlns:r="http://schemas.openxmlformats.org/officeDocument/2006/relationships" type="conn" r:blip="">
+                          <dgm:adjLst/>
+                        </dgm:shape>
+                        <dgm:presOf axis="self"/>
+                        <dgm:constrLst>
+                          <dgm:constr type="begPad"/>
+                          <dgm:constr type="endPad"/>
+                        </dgm:constrLst>
+                      </dgm:layoutNode>
+                    </dgm:forEach>
+                    <dgm:forEach name="Name427" axis="self" ptType="node">
+                      <dgm:layoutNode name="text6" styleLbl="node1">
+                        <dgm:varLst>
+                          <dgm:bulletEnabled val="1"/>
+                        </dgm:varLst>
+                        <dgm:alg type="tx"/>
+                        <dgm:shape xmlns:r="http://schemas.openxmlformats.org/officeDocument/2006/relationships" type="roundRect" r:blip="">
+                          <dgm:adjLst/>
+                        </dgm:shape>
+                        <dgm:presOf axis="desOrSelf" ptType="node"/>
+                        <dgm:constrLst>
+                          <dgm:constr type="userS"/>
+                          <dgm:constr type="w" refType="userS"/>
+                          <dgm:constr type="h" refType="w"/>
+                          <dgm:constr type="tMarg" refType="primFontSz" fact="0.2"/>
+                          <dgm:constr type="bMarg" refType="primFontSz" fact="0.2"/>
+                          <dgm:constr type="lMarg" refType="primFontSz" fact="0.2"/>
+                          <dgm:constr type="rMarg" refType="primFontSz" fact="0.2"/>
+                        </dgm:constrLst>
+                        <dgm:ruleLst>
+                          <dgm:rule type="primFontSz" val="5" fact="NaN" max="NaN"/>
+                        </dgm:ruleLst>
+                      </dgm:layoutNode>
+                    </dgm:forEach>
+                  </dgm:forEach>
+                </dgm:forEach>
+              </dgm:layoutNode>
+              <dgm:forEach name="Name428" axis="ch" ptType="parTrans" st="6" cnt="1">
+                <dgm:layoutNode name="Name429">
+                  <dgm:alg type="conn">
+                    <dgm:param type="dim" val="1D"/>
+                    <dgm:param type="begPts" val="auto"/>
+                    <dgm:param type="endPts" val="auto"/>
+                    <dgm:param type="endSty" val="noArr"/>
+                    <dgm:param type="srcNode" val="textCenter"/>
+                    <dgm:param type="dstNode" val="childCenter6"/>
+                  </dgm:alg>
+                  <dgm:shape xmlns:r="http://schemas.openxmlformats.org/officeDocument/2006/relationships" type="conn" r:blip="" zOrderOff="-999">
+                    <dgm:adjLst/>
+                  </dgm:shape>
+                  <dgm:presOf axis="self"/>
+                  <dgm:constrLst>
+                    <dgm:constr type="h"/>
+                    <dgm:constr type="begPad"/>
+                    <dgm:constr type="endPad"/>
+                  </dgm:constrLst>
+                </dgm:layoutNode>
+              </dgm:forEach>
+            </dgm:if>
+            <dgm:else name="Name430"/>
+          </dgm:choose>
+          <dgm:choose name="Name431">
+            <dgm:if name="Name432" axis="ch" ptType="node" func="cnt" op="gte" val="7">
+              <dgm:layoutNode name="cycle_7">
+                <dgm:choose name="Name433">
+                  <dgm:if name="Name434" func="var" arg="dir" op="equ" val="norm">
+                    <dgm:choose name="Name435">
+                      <dgm:if name="Name436" axis="ch" ptType="node" func="cnt" op="gte" val="7">
+                        <dgm:choose name="Name437">
+                          <dgm:if name="Name438" axis="ch ch" ptType="node node" st="7 1" cnt="1 0" func="cnt" op="equ" val="1">
+                            <dgm:alg type="cycle">
+                              <dgm:param type="ctrShpMap" val="fNode"/>
+                              <dgm:param type="stAng" val="308"/>
+                            </dgm:alg>
+                          </dgm:if>
+                          <dgm:if name="Name439" axis="ch ch" ptType="node node" st="7 1" cnt="1 0" func="cnt" op="equ" val="2">
+                            <dgm:alg type="cycle">
+                              <dgm:param type="ctrShpMap" val="fNode"/>
+                              <dgm:param type="stAng" val="263"/>
+                              <dgm:param type="spanAng" val="90"/>
+                            </dgm:alg>
+                          </dgm:if>
+                          <dgm:else name="Name440">
+                            <dgm:alg type="cycle">
+                              <dgm:param type="ctrShpMap" val="fNode"/>
+                              <dgm:param type="stAng" val="0"/>
+                              <dgm:param type="spanAng" val="360"/>
+                            </dgm:alg>
+                          </dgm:else>
+                        </dgm:choose>
+                      </dgm:if>
+                      <dgm:else name="Name441"/>
+                    </dgm:choose>
+                  </dgm:if>
+                  <dgm:else name="Name442">
+                    <dgm:choose name="Name443">
+                      <dgm:if name="Name444" axis="ch" ptType="node" func="cnt" op="gte" val="7">
+                        <dgm:choose name="Name445">
+                          <dgm:if name="Name446" axis="ch ch" ptType="node node" st="7 1" cnt="1 0" func="cnt" op="equ" val="1">
+                            <dgm:alg type="cycle">
+                              <dgm:param type="ctrShpMap" val="fNode"/>
+                              <dgm:param type="stAng" val="51"/>
+                            </dgm:alg>
+                          </dgm:if>
+                          <dgm:if name="Name447" axis="ch ch" ptType="node node" st="7 1" cnt="1 0" func="cnt" op="equ" val="2">
+                            <dgm:alg type="cycle">
+                              <dgm:param type="ctrShpMap" val="fNode"/>
+                              <dgm:param type="stAng" val="96"/>
+                              <dgm:param type="spanAng" val="-90"/>
+                            </dgm:alg>
+                          </dgm:if>
+                          <dgm:else name="Name448">
+                            <dgm:alg type="cycle">
+                              <dgm:param type="ctrShpMap" val="fNode"/>
+                              <dgm:param type="stAng" val="0"/>
+                              <dgm:param type="spanAng" val="-360"/>
+                            </dgm:alg>
+                          </dgm:else>
+                        </dgm:choose>
+                      </dgm:if>
+                      <dgm:else name="Name449"/>
+                    </dgm:choose>
+                  </dgm:else>
+                </dgm:choose>
+                <dgm:shape xmlns:r="http://schemas.openxmlformats.org/officeDocument/2006/relationships" r:blip="">
+                  <dgm:adjLst/>
+                </dgm:shape>
+                <dgm:presOf/>
+                <dgm:constrLst>
+                  <dgm:constr type="sp" refType="w" fact="0.1"/>
+                  <dgm:constr type="sibSp" refType="w" fact="0.1"/>
+                </dgm:constrLst>
+                <dgm:forEach name="Name450" axis="ch" ptType="node" st="7" cnt="1">
+                  <dgm:layoutNode name="childCenter7" styleLbl="node1">
+                    <dgm:alg type="tx"/>
+                    <dgm:shape xmlns:r="http://schemas.openxmlformats.org/officeDocument/2006/relationships" type="roundRect" r:blip="">
+                      <dgm:adjLst/>
+                    </dgm:shape>
+                    <dgm:presOf axis="self" ptType="node"/>
+                    <dgm:constrLst>
+                      <dgm:constr type="userS"/>
+                      <dgm:constr type="w" refType="userS"/>
+                      <dgm:constr type="h" refType="w"/>
+                      <dgm:constr type="tMarg" refType="primFontSz" fact="0.2"/>
+                      <dgm:constr type="bMarg" refType="primFontSz" fact="0.2"/>
+                      <dgm:constr type="lMarg" refType="primFontSz" fact="0.2"/>
+                      <dgm:constr type="rMarg" refType="primFontSz" fact="0.2"/>
+                    </dgm:constrLst>
+                    <dgm:ruleLst>
+                      <dgm:rule type="primFontSz" val="5" fact="NaN" max="NaN"/>
+                    </dgm:ruleLst>
+                  </dgm:layoutNode>
+                  <dgm:forEach name="Name451" axis="ch">
+                    <dgm:forEach name="Name452" axis="self" ptType="parTrans">
+                      <dgm:layoutNode name="Name453">
+                        <dgm:alg type="conn">
+                          <dgm:param type="dim" val="1D"/>
+                          <dgm:param type="begPts" val="auto"/>
+                          <dgm:param type="endPts" val="auto"/>
+                          <dgm:param type="begSty" val="noArr"/>
+                          <dgm:param type="endSty" val="noArr"/>
+                        </dgm:alg>
+                        <dgm:shape xmlns:r="http://schemas.openxmlformats.org/officeDocument/2006/relationships" type="conn" r:blip="">
+                          <dgm:adjLst/>
+                        </dgm:shape>
+                        <dgm:presOf axis="self"/>
+                        <dgm:constrLst>
+                          <dgm:constr type="begPad"/>
+                          <dgm:constr type="endPad"/>
+                        </dgm:constrLst>
+                      </dgm:layoutNode>
+                    </dgm:forEach>
+                    <dgm:forEach name="Name454" axis="self" ptType="node">
+                      <dgm:layoutNode name="text7" styleLbl="node1">
+                        <dgm:varLst>
+                          <dgm:bulletEnabled val="1"/>
+                        </dgm:varLst>
+                        <dgm:alg type="tx"/>
+                        <dgm:shape xmlns:r="http://schemas.openxmlformats.org/officeDocument/2006/relationships" type="roundRect" r:blip="">
+                          <dgm:adjLst/>
+                        </dgm:shape>
+                        <dgm:presOf axis="desOrSelf" ptType="node"/>
+                        <dgm:constrLst>
+                          <dgm:constr type="userS"/>
+                          <dgm:constr type="w" refType="userS"/>
+                          <dgm:constr type="h" refType="w"/>
+                          <dgm:constr type="tMarg" refType="primFontSz" fact="0.2"/>
+                          <dgm:constr type="bMarg" refType="primFontSz" fact="0.2"/>
+                          <dgm:constr type="lMarg" refType="primFontSz" fact="0.2"/>
+                          <dgm:constr type="rMarg" refType="primFontSz" fact="0.2"/>
+                        </dgm:constrLst>
+                        <dgm:ruleLst>
+                          <dgm:rule type="primFontSz" val="5" fact="NaN" max="NaN"/>
+                        </dgm:ruleLst>
+                      </dgm:layoutNode>
+                    </dgm:forEach>
+                  </dgm:forEach>
+                </dgm:forEach>
+              </dgm:layoutNode>
+              <dgm:forEach name="Name455" axis="ch" ptType="parTrans" st="7" cnt="1">
+                <dgm:layoutNode name="Name456">
+                  <dgm:alg type="conn">
+                    <dgm:param type="dim" val="1D"/>
+                    <dgm:param type="begPts" val="auto"/>
+                    <dgm:param type="endPts" val="auto"/>
+                    <dgm:param type="endSty" val="noArr"/>
+                    <dgm:param type="srcNode" val="textCenter"/>
+                    <dgm:param type="dstNode" val="childCenter7"/>
+                  </dgm:alg>
+                  <dgm:shape xmlns:r="http://schemas.openxmlformats.org/officeDocument/2006/relationships" type="conn" r:blip="" zOrderOff="-999">
+                    <dgm:adjLst/>
+                  </dgm:shape>
+                  <dgm:presOf axis="self"/>
+                  <dgm:constrLst>
+                    <dgm:constr type="h"/>
+                    <dgm:constr type="begPad"/>
+                    <dgm:constr type="endPad"/>
+                  </dgm:constrLst>
+                </dgm:layoutNode>
+              </dgm:forEach>
+            </dgm:if>
+            <dgm:else name="Name457"/>
+          </dgm:choose>
+        </dgm:else>
+      </dgm:choose>
+    </dgm:forEach>
+  </dgm:layoutNode>
+</dgm:layoutDef>
+</file>
+
+<file path=ppt/diagrams/quickStyle1.xml><?xml version="1.0" encoding="utf-8"?>
+<dgm:styleDef xmlns:dgm="http://schemas.openxmlformats.org/drawingml/2006/diagram" xmlns:a="http://schemas.openxmlformats.org/drawingml/2006/main" uniqueId="urn:microsoft.com/office/officeart/2005/8/quickstyle/simple1">
+  <dgm:title val=""/>
+  <dgm:desc val=""/>
+  <dgm:catLst>
+    <dgm:cat type="simple" pri="10100"/>
+  </dgm:catLst>
+  <dgm:scene3d>
+    <a:camera prst="orthographicFront"/>
+    <a:lightRig rig="threePt" dir="t"/>
+  </dgm:scene3d>
+  <dgm:styleLbl name="node0">
+    <dgm:scene3d>
+      <a:camera prst="orthographicFront"/>
+      <a:lightRig rig="threePt" dir="t"/>
+    </dgm:scene3d>
+    <dgm:sp3d/>
+    <dgm:txPr/>
+    <dgm:style>
+      <a:lnRef idx="2">
+        <a:scrgbClr r="0" g="0" b="0"/>
+      </a:lnRef>
+      <a:fillRef idx="1">
+        <a:scrgbClr r="0" g="0" b="0"/>
+      </a:fillRef>
+      <a:effectRef idx="0">
+        <a:scrgbClr r="0" g="0" b="0"/>
+      </a:effectRef>
+      <a:fontRef idx="minor">
+        <a:schemeClr val="lt1"/>
+      </a:fontRef>
+    </dgm:style>
+  </dgm:styleLbl>
+  <dgm:styleLbl name="lnNode1">
+    <dgm:scene3d>
+      <a:camera prst="orthographicFront"/>
+      <a:lightRig rig="threePt" dir="t"/>
+    </dgm:scene3d>
+    <dgm:sp3d/>
+    <dgm:txPr/>
+    <dgm:style>
+      <a:lnRef idx="2">
+        <a:scrgbClr r="0" g="0" b="0"/>
+      </a:lnRef>
+      <a:fillRef idx="1">
+        <a:scrgbClr r="0" g="0" b="0"/>
+      </a:fillRef>
+      <a:effectRef idx="0">
+        <a:scrgbClr r="0" g="0" b="0"/>
+      </a:effectRef>
+      <a:fontRef idx="minor">
+        <a:schemeClr val="lt1"/>
+      </a:fontRef>
+    </dgm:style>
+  </dgm:styleLbl>
+  <dgm:styleLbl name="vennNode1">
+    <dgm:scene3d>
+      <a:camera prst="orthographicFront"/>
+      <a:lightRig rig="threePt" dir="t"/>
+    </dgm:scene3d>
+    <dgm:sp3d/>
+    <dgm:txPr/>
+    <dgm:style>
+      <a:lnRef idx="2">
+        <a:scrgbClr r="0" g="0" b="0"/>
+      </a:lnRef>
+      <a:fillRef idx="1">
+        <a:scrgbClr r="0" g="0" b="0"/>
+      </a:fillRef>
+      <a:effectRef idx="0">
+        <a:scrgbClr r="0" g="0" b="0"/>
+      </a:effectRef>
+      <a:fontRef idx="minor">
+        <a:schemeClr val="tx1"/>
+      </a:fontRef>
+    </dgm:style>
+  </dgm:styleLbl>
+  <dgm:styleLbl name="alignNode1">
+    <dgm:scene3d>
+      <a:camera prst="orthographicFront"/>
+      <a:lightRig rig="threePt" dir="t"/>
+    </dgm:scene3d>
+    <dgm:sp3d/>
+    <dgm:txPr/>
+    <dgm:style>
+      <a:lnRef idx="2">
+        <a:scrgbClr r="0" g="0" b="0"/>
+      </a:lnRef>
+      <a:fillRef idx="1">
+        <a:scrgbClr r="0" g="0" b="0"/>
+      </a:fillRef>
+      <a:effectRef idx="0">
+        <a:scrgbClr r="0" g="0" b="0"/>
+      </a:effectRef>
+      <a:fontRef idx="minor">
+        <a:schemeClr val="lt1"/>
+      </a:fontRef>
+    </dgm:style>
+  </dgm:styleLbl>
+  <dgm:styleLbl name="node1">
+    <dgm:scene3d>
+      <a:camera prst="orthographicFront"/>
+      <a:lightRig rig="threePt" dir="t"/>
+    </dgm:scene3d>
+    <dgm:sp3d/>
+    <dgm:txPr/>
+    <dgm:style>
+      <a:lnRef idx="2">
+        <a:scrgbClr r="0" g="0" b="0"/>
+      </a:lnRef>
+      <a:fillRef idx="1">
+        <a:scrgbClr r="0" g="0" b="0"/>
+      </a:fillRef>
+      <a:effectRef idx="0">
+        <a:scrgbClr r="0" g="0" b="0"/>
+      </a:effectRef>
+      <a:fontRef idx="minor">
+        <a:schemeClr val="lt1"/>
+      </a:fontRef>
+    </dgm:style>
+  </dgm:styleLbl>
+  <dgm:styleLbl name="node2">
+    <dgm:scene3d>
+      <a:camera prst="orthographicFront"/>
+      <a:lightRig rig="threePt" dir="t"/>
+    </dgm:scene3d>
+    <dgm:sp3d/>
+    <dgm:txPr/>
+    <dgm:style>
+      <a:lnRef idx="2">
+        <a:scrgbClr r="0" g="0" b="0"/>
+      </a:lnRef>
+      <a:fillRef idx="1">
+        <a:scrgbClr r="0" g="0" b="0"/>
+      </a:fillRef>
+      <a:effectRef idx="0">
+        <a:scrgbClr r="0" g="0" b="0"/>
+      </a:effectRef>
+      <a:fontRef idx="minor">
+        <a:schemeClr val="lt1"/>
+      </a:fontRef>
+    </dgm:style>
+  </dgm:styleLbl>
+  <dgm:styleLbl name="node3">
+    <dgm:scene3d>
+      <a:camera prst="orthographicFront"/>
+      <a:lightRig rig="threePt" dir="t"/>
+    </dgm:scene3d>
+    <dgm:sp3d/>
+    <dgm:txPr/>
+    <dgm:style>
+      <a:lnRef idx="2">
+        <a:scrgbClr r="0" g="0" b="0"/>
+      </a:lnRef>
+      <a:fillRef idx="1">
+        <a:scrgbClr r="0" g="0" b="0"/>
+      </a:fillRef>
+      <a:effectRef idx="0">
+        <a:scrgbClr r="0" g="0" b="0"/>
+      </a:effectRef>
+      <a:fontRef idx="minor">
+        <a:schemeClr val="lt1"/>
+      </a:fontRef>
+    </dgm:style>
+  </dgm:styleLbl>
+  <dgm:styleLbl name="node4">
+    <dgm:scene3d>
+      <a:camera prst="orthographicFront"/>
+      <a:lightRig rig="threePt" dir="t"/>
+    </dgm:scene3d>
+    <dgm:sp3d/>
+    <dgm:txPr/>
+    <dgm:style>
+      <a:lnRef idx="2">
+        <a:scrgbClr r="0" g="0" b="0"/>
+      </a:lnRef>
+      <a:fillRef idx="1">
+        <a:scrgbClr r="0" g="0" b="0"/>
+      </a:fillRef>
+      <a:effectRef idx="0">
+        <a:scrgbClr r="0" g="0" b="0"/>
+      </a:effectRef>
+      <a:fontRef idx="minor">
+        <a:schemeClr val="lt1"/>
+      </a:fontRef>
+    </dgm:style>
+  </dgm:styleLbl>
+  <dgm:styleLbl name="fgImgPlace1">
+    <dgm:scene3d>
+      <a:camera prst="orthographicFront"/>
+      <a:lightRig rig="threePt" dir="t"/>
+    </dgm:scene3d>
+    <dgm:sp3d/>
+    <dgm:txPr/>
+    <dgm:style>
+      <a:lnRef idx="2">
+        <a:scrgbClr r="0" g="0" b="0"/>
+      </a:lnRef>
+      <a:fillRef idx="1">
+        <a:scrgbClr r="0" g="0" b="0"/>
+      </a:fillRef>
+      <a:effectRef idx="0">
+        <a:scrgbClr r="0" g="0" b="0"/>
+      </a:effectRef>
+      <a:fontRef idx="minor"/>
+    </dgm:style>
+  </dgm:styleLbl>
+  <dgm:styleLbl name="alignImgPlace1">
+    <dgm:scene3d>
+      <a:camera prst="orthographicFront"/>
+      <a:lightRig rig="threePt" dir="t"/>
+    </dgm:scene3d>
+    <dgm:sp3d/>
+    <dgm:txPr/>
+    <dgm:style>
+      <a:lnRef idx="2">
+        <a:scrgbClr r="0" g="0" b="0"/>
+      </a:lnRef>
+      <a:fillRef idx="1">
+        <a:scrgbClr r="0" g="0" b="0"/>
+      </a:fillRef>
+      <a:effectRef idx="0">
+        <a:scrgbClr r="0" g="0" b="0"/>
+      </a:effectRef>
+      <a:fontRef idx="minor"/>
+    </dgm:style>
+  </dgm:styleLbl>
+  <dgm:styleLbl name="bgImgPlace1">
+    <dgm:scene3d>
+      <a:camera prst="orthographicFront"/>
+      <a:lightRig rig="threePt" dir="t"/>
+    </dgm:scene3d>
+    <dgm:sp3d/>
+    <dgm:txPr/>
+    <dgm:style>
+      <a:lnRef idx="2">
+        <a:scrgbClr r="0" g="0" b="0"/>
+      </a:lnRef>
+      <a:fillRef idx="1">
+        <a:scrgbClr r="0" g="0" b="0"/>
+      </a:fillRef>
+      <a:effectRef idx="0">
+        <a:scrgbClr r="0" g="0" b="0"/>
+      </a:effectRef>
+      <a:fontRef idx="minor"/>
+    </dgm:style>
+  </dgm:styleLbl>
+  <dgm:styleLbl name="sibTrans2D1">
+    <dgm:scene3d>
+      <a:camera prst="orthographicFront"/>
+      <a:lightRig rig="threePt" dir="t"/>
+    </dgm:scene3d>
+    <dgm:sp3d/>
+    <dgm:txPr/>
+    <dgm:style>
+      <a:lnRef idx="0">
+        <a:scrgbClr r="0" g="0" b="0"/>
+      </a:lnRef>
+      <a:fillRef idx="1">
+        <a:scrgbClr r="0" g="0" b="0"/>
+      </a:fillRef>
+      <a:effectRef idx="0">
+        <a:scrgbClr r="0" g="0" b="0"/>
+      </a:effectRef>
+      <a:fontRef idx="minor">
+        <a:schemeClr val="lt1"/>
+      </a:fontRef>
+    </dgm:style>
+  </dgm:styleLbl>
+  <dgm:styleLbl name="fgSibTrans2D1">
+    <dgm:scene3d>
+      <a:camera prst="orthographicFront"/>
+      <a:lightRig rig="threePt" dir="t"/>
+    </dgm:scene3d>
+    <dgm:sp3d/>
+    <dgm:txPr/>
+    <dgm:style>
+      <a:lnRef idx="0">
+        <a:scrgbClr r="0" g="0" b="0"/>
+      </a:lnRef>
+      <a:fillRef idx="1">
+        <a:scrgbClr r="0" g="0" b="0"/>
+      </a:fillRef>
+      <a:effectRef idx="0">
+        <a:scrgbClr r="0" g="0" b="0"/>
+      </a:effectRef>
+      <a:fontRef idx="minor">
+        <a:schemeClr val="lt1"/>
+      </a:fontRef>
+    </dgm:style>
+  </dgm:styleLbl>
+  <dgm:styleLbl name="bgSibTrans2D1">
+    <dgm:scene3d>
+      <a:camera prst="orthographicFront"/>
+      <a:lightRig rig="threePt" dir="t"/>
+    </dgm:scene3d>
+    <dgm:sp3d/>
+    <dgm:txPr/>
+    <dgm:style>
+      <a:lnRef idx="0">
+        <a:scrgbClr r="0" g="0" b="0"/>
+      </a:lnRef>
+      <a:fillRef idx="1">
+        <a:scrgbClr r="0" g="0" b="0"/>
+      </a:fillRef>
+      <a:effectRef idx="0">
+        <a:scrgbClr r="0" g="0" b="0"/>
+      </a:effectRef>
+      <a:fontRef idx="minor">
+        <a:schemeClr val="lt1"/>
+      </a:fontRef>
+    </dgm:style>
+  </dgm:styleLbl>
+  <dgm:styleLbl name="sibTrans1D1">
+    <dgm:scene3d>
+      <a:camera prst="orthographicFront"/>
+      <a:lightRig rig="threePt" dir="t"/>
+    </dgm:scene3d>
+    <dgm:sp3d/>
+    <dgm:txPr/>
+    <dgm:style>
+      <a:lnRef idx="1">
+        <a:scrgbClr r="0" g="0" b="0"/>
+      </a:lnRef>
+      <a:fillRef idx="0">
+        <a:scrgbClr r="0" g="0" b="0"/>
+      </a:fillRef>
+      <a:effectRef idx="0">
+        <a:scrgbClr r="0" g="0" b="0"/>
+      </a:effectRef>
+      <a:fontRef idx="minor"/>
+    </dgm:style>
+  </dgm:styleLbl>
+  <dgm:styleLbl name="callout">
+    <dgm:scene3d>
+      <a:camera prst="orthographicFront"/>
+      <a:lightRig rig="threePt" dir="t"/>
+    </dgm:scene3d>
+    <dgm:sp3d/>
+    <dgm:txPr/>
+    <dgm:style>
+      <a:lnRef idx="2">
+        <a:scrgbClr r="0" g="0" b="0"/>
+      </a:lnRef>
+      <a:fillRef idx="1">
+        <a:scrgbClr r="0" g="0" b="0"/>
+      </a:fillRef>
+      <a:effectRef idx="0">
+        <a:scrgbClr r="0" g="0" b="0"/>
+      </a:effectRef>
+      <a:fontRef idx="minor"/>
+    </dgm:style>
+  </dgm:styleLbl>
+  <dgm:styleLbl name="asst0">
+    <dgm:scene3d>
+      <a:camera prst="orthographicFront"/>
+      <a:lightRig rig="threePt" dir="t"/>
+    </dgm:scene3d>
+    <dgm:sp3d/>
+    <dgm:txPr/>
+    <dgm:style>
+      <a:lnRef idx="2">
+        <a:scrgbClr r="0" g="0" b="0"/>
+      </a:lnRef>
+      <a:fillRef idx="1">
+        <a:scrgbClr r="0" g="0" b="0"/>
+      </a:fillRef>
+      <a:effectRef idx="0">
+        <a:scrgbClr r="0" g="0" b="0"/>
+      </a:effectRef>
+      <a:fontRef idx="minor">
+        <a:schemeClr val="lt1"/>
+      </a:fontRef>
+    </dgm:style>
+  </dgm:styleLbl>
+  <dgm:styleLbl name="asst1">
+    <dgm:scene3d>
+      <a:camera prst="orthographicFront"/>
+      <a:lightRig rig="threePt" dir="t"/>
+    </dgm:scene3d>
+    <dgm:sp3d/>
+    <dgm:txPr/>
+    <dgm:style>
+      <a:lnRef idx="2">
+        <a:scrgbClr r="0" g="0" b="0"/>
+      </a:lnRef>
+      <a:fillRef idx="1">
+        <a:scrgbClr r="0" g="0" b="0"/>
+      </a:fillRef>
+      <a:effectRef idx="0">
+        <a:scrgbClr r="0" g="0" b="0"/>
+      </a:effectRef>
+      <a:fontRef idx="minor">
+        <a:schemeClr val="lt1"/>
+      </a:fontRef>
+    </dgm:style>
+  </dgm:styleLbl>
+  <dgm:styleLbl name="asst2">
+    <dgm:scene3d>
+      <a:camera prst="orthographicFront"/>
+      <a:lightRig rig="threePt" dir="t"/>
+    </dgm:scene3d>
+    <dgm:sp3d/>
+    <dgm:txPr/>
+    <dgm:style>
+      <a:lnRef idx="2">
+        <a:scrgbClr r="0" g="0" b="0"/>
+      </a:lnRef>
+      <a:fillRef idx="1">
+        <a:scrgbClr r="0" g="0" b="0"/>
+      </a:fillRef>
+      <a:effectRef idx="0">
+        <a:scrgbClr r="0" g="0" b="0"/>
+      </a:effectRef>
+      <a:fontRef idx="minor">
+        <a:schemeClr val="lt1"/>
+      </a:fontRef>
+    </dgm:style>
+  </dgm:styleLbl>
+  <dgm:styleLbl name="asst3">
+    <dgm:scene3d>
+      <a:camera prst="orthographicFront"/>
+      <a:lightRig rig="threePt" dir="t"/>
+    </dgm:scene3d>
+    <dgm:sp3d/>
+    <dgm:txPr/>
+    <dgm:style>
+      <a:lnRef idx="2">
+        <a:scrgbClr r="0" g="0" b="0"/>
+      </a:lnRef>
+      <a:fillRef idx="1">
+        <a:scrgbClr r="0" g="0" b="0"/>
+      </a:fillRef>
+      <a:effectRef idx="0">
+        <a:scrgbClr r="0" g="0" b="0"/>
+      </a:effectRef>
+      <a:fontRef idx="minor">
+        <a:schemeClr val="lt1"/>
+      </a:fontRef>
+    </dgm:style>
+  </dgm:styleLbl>
+  <dgm:styleLbl name="asst4">
+    <dgm:scene3d>
+      <a:camera prst="orthographicFront"/>
+      <a:lightRig rig="threePt" dir="t"/>
+    </dgm:scene3d>
+    <dgm:sp3d/>
+    <dgm:txPr/>
+    <dgm:style>
+      <a:lnRef idx="2">
+        <a:scrgbClr r="0" g="0" b="0"/>
+      </a:lnRef>
+      <a:fillRef idx="1">
+        <a:scrgbClr r="0" g="0" b="0"/>
+      </a:fillRef>
+      <a:effectRef idx="0">
+        <a:scrgbClr r="0" g="0" b="0"/>
+      </a:effectRef>
+      <a:fontRef idx="minor">
+        <a:schemeClr val="lt1"/>
+      </a:fontRef>
+    </dgm:style>
+  </dgm:styleLbl>
+  <dgm:styleLbl name="parChTrans2D1">
+    <dgm:scene3d>
+      <a:camera prst="orthographicFront"/>
+      <a:lightRig rig="threePt" dir="t"/>
+    </dgm:scene3d>
+    <dgm:sp3d/>
+    <dgm:txPr/>
+    <dgm:style>
+      <a:lnRef idx="2">
+        <a:scrgbClr r="0" g="0" b="0"/>
+      </a:lnRef>
+      <a:fillRef idx="1">
+        <a:scrgbClr r="0" g="0" b="0"/>
+      </a:fillRef>
+      <a:effectRef idx="0">
+        <a:scrgbClr r="0" g="0" b="0"/>
+      </a:effectRef>
+      <a:fontRef idx="minor">
+        <a:schemeClr val="lt1"/>
+      </a:fontRef>
+    </dgm:style>
+  </dgm:styleLbl>
+  <dgm:styleLbl name="parChTrans2D2">
+    <dgm:scene3d>
+      <a:camera prst="orthographicFront"/>
+      <a:lightRig rig="threePt" dir="t"/>
+    </dgm:scene3d>
+    <dgm:sp3d/>
+    <dgm:txPr/>
+    <dgm:style>
+      <a:lnRef idx="2">
+        <a:scrgbClr r="0" g="0" b="0"/>
+      </a:lnRef>
+      <a:fillRef idx="1">
+        <a:scrgbClr r="0" g="0" b="0"/>
+      </a:fillRef>
+      <a:effectRef idx="0">
+        <a:scrgbClr r="0" g="0" b="0"/>
+      </a:effectRef>
+      <a:fontRef idx="minor">
+        <a:schemeClr val="lt1"/>
+      </a:fontRef>
+    </dgm:style>
+  </dgm:styleLbl>
+  <dgm:styleLbl name="parChTrans2D3">
+    <dgm:scene3d>
+      <a:camera prst="orthographicFront"/>
+      <a:lightRig rig="threePt" dir="t"/>
+    </dgm:scene3d>
+    <dgm:sp3d/>
+    <dgm:txPr/>
+    <dgm:style>
+      <a:lnRef idx="2">
+        <a:scrgbClr r="0" g="0" b="0"/>
+      </a:lnRef>
+      <a:fillRef idx="1">
+        <a:scrgbClr r="0" g="0" b="0"/>
+      </a:fillRef>
+      <a:effectRef idx="0">
+        <a:scrgbClr r="0" g="0" b="0"/>
+      </a:effectRef>
+      <a:fontRef idx="minor">
+        <a:schemeClr val="lt1"/>
+      </a:fontRef>
+    </dgm:style>
+  </dgm:styleLbl>
+  <dgm:styleLbl name="parChTrans2D4">
+    <dgm:scene3d>
+      <a:camera prst="orthographicFront"/>
+      <a:lightRig rig="threePt" dir="t"/>
+    </dgm:scene3d>
+    <dgm:sp3d/>
+    <dgm:txPr/>
+    <dgm:style>
+      <a:lnRef idx="2">
+        <a:scrgbClr r="0" g="0" b="0"/>
+      </a:lnRef>
+      <a:fillRef idx="1">
+        <a:scrgbClr r="0" g="0" b="0"/>
+      </a:fillRef>
+      <a:effectRef idx="0">
+        <a:scrgbClr r="0" g="0" b="0"/>
+      </a:effectRef>
+      <a:fontRef idx="minor">
+        <a:schemeClr val="lt1"/>
+      </a:fontRef>
+    </dgm:style>
+  </dgm:styleLbl>
+  <dgm:styleLbl name="parChTrans1D1">
+    <dgm:scene3d>
+      <a:camera prst="orthographicFront"/>
+      <a:lightRig rig="threePt" dir="t"/>
+    </dgm:scene3d>
+    <dgm:sp3d/>
+    <dgm:txPr/>
+    <dgm:style>
+      <a:lnRef idx="2">
+        <a:scrgbClr r="0" g="0" b="0"/>
+      </a:lnRef>
+      <a:fillRef idx="0">
+        <a:scrgbClr r="0" g="0" b="0"/>
+      </a:fillRef>
+      <a:effectRef idx="0">
+        <a:scrgbClr r="0" g="0" b="0"/>
+      </a:effectRef>
+      <a:fontRef idx="minor"/>
+    </dgm:style>
+  </dgm:styleLbl>
+  <dgm:styleLbl name="parChTrans1D2">
+    <dgm:scene3d>
+      <a:camera prst="orthographicFront"/>
+      <a:lightRig rig="threePt" dir="t"/>
+    </dgm:scene3d>
+    <dgm:sp3d/>
+    <dgm:txPr/>
+    <dgm:style>
+      <a:lnRef idx="2">
+        <a:scrgbClr r="0" g="0" b="0"/>
+      </a:lnRef>
+      <a:fillRef idx="0">
+        <a:scrgbClr r="0" g="0" b="0"/>
+      </a:fillRef>
+      <a:effectRef idx="0">
+        <a:scrgbClr r="0" g="0" b="0"/>
+      </a:effectRef>
+      <a:fontRef idx="minor"/>
+    </dgm:style>
+  </dgm:styleLbl>
+  <dgm:styleLbl name="parChTrans1D3">
+    <dgm:scene3d>
+      <a:camera prst="orthographicFront"/>
+      <a:lightRig rig="threePt" dir="t"/>
+    </dgm:scene3d>
+    <dgm:sp3d/>
+    <dgm:txPr/>
+    <dgm:style>
+      <a:lnRef idx="2">
+        <a:scrgbClr r="0" g="0" b="0"/>
+      </a:lnRef>
+      <a:fillRef idx="0">
+        <a:scrgbClr r="0" g="0" b="0"/>
+      </a:fillRef>
+      <a:effectRef idx="0">
+        <a:scrgbClr r="0" g="0" b="0"/>
+      </a:effectRef>
+      <a:fontRef idx="minor"/>
+    </dgm:style>
+  </dgm:styleLbl>
+  <dgm:styleLbl name="parChTrans1D4">
+    <dgm:scene3d>
+      <a:camera prst="orthographicFront"/>
+      <a:lightRig rig="threePt" dir="t"/>
+    </dgm:scene3d>
+    <dgm:sp3d/>
+    <dgm:txPr/>
+    <dgm:style>
+      <a:lnRef idx="2">
+        <a:scrgbClr r="0" g="0" b="0"/>
+      </a:lnRef>
+      <a:fillRef idx="0">
+        <a:scrgbClr r="0" g="0" b="0"/>
+      </a:fillRef>
+      <a:effectRef idx="0">
+        <a:scrgbClr r="0" g="0" b="0"/>
+      </a:effectRef>
+      <a:fontRef idx="minor"/>
+    </dgm:style>
+  </dgm:styleLbl>
+  <dgm:styleLbl name="fgAcc1">
+    <dgm:scene3d>
+      <a:camera prst="orthographicFront"/>
+      <a:lightRig rig="threePt" dir="t"/>
+    </dgm:scene3d>
+    <dgm:sp3d/>
+    <dgm:txPr/>
+    <dgm:style>
+      <a:lnRef idx="2">
+        <a:scrgbClr r="0" g="0" b="0"/>
+      </a:lnRef>
+      <a:fillRef idx="1">
+        <a:scrgbClr r="0" g="0" b="0"/>
+      </a:fillRef>
+      <a:effectRef idx="0">
+        <a:scrgbClr r="0" g="0" b="0"/>
+      </a:effectRef>
+      <a:fontRef idx="minor"/>
+    </dgm:style>
+  </dgm:styleLbl>
+  <dgm:styleLbl name="conFgAcc1">
+    <dgm:scene3d>
+      <a:camera prst="orthographicFront"/>
+      <a:lightRig rig="threePt" dir="t"/>
+    </dgm:scene3d>
+    <dgm:sp3d/>
+    <dgm:txPr/>
+    <dgm:style>
+      <a:lnRef idx="2">
+        <a:scrgbClr r="0" g="0" b="0"/>
+      </a:lnRef>
+      <a:fillRef idx="1">
+        <a:scrgbClr r="0" g="0" b="0"/>
+      </a:fillRef>
+      <a:effectRef idx="0">
+        <a:scrgbClr r="0" g="0" b="0"/>
+      </a:effectRef>
+      <a:fontRef idx="minor"/>
+    </dgm:style>
+  </dgm:styleLbl>
+  <dgm:styleLbl name="alignAcc1">
+    <dgm:scene3d>
+      <a:camera prst="orthographicFront"/>
+      <a:lightRig rig="threePt" dir="t"/>
+    </dgm:scene3d>
+    <dgm:sp3d/>
+    <dgm:txPr/>
+    <dgm:style>
+      <a:lnRef idx="2">
+        <a:scrgbClr r="0" g="0" b="0"/>
+      </a:lnRef>
+      <a:fillRef idx="1">
+        <a:scrgbClr r="0" g="0" b="0"/>
+      </a:fillRef>
+      <a:effectRef idx="0">
+        <a:scrgbClr r="0" g="0" b="0"/>
+      </a:effectRef>
+      <a:fontRef idx="minor"/>
+    </dgm:style>
+  </dgm:styleLbl>
+  <dgm:styleLbl name="trAlignAcc1">
+    <dgm:scene3d>
+      <a:camera prst="orthographicFront"/>
+      <a:lightRig rig="threePt" dir="t"/>
+    </dgm:scene3d>
+    <dgm:sp3d/>
+    <dgm:txPr/>
+    <dgm:style>
+      <a:lnRef idx="1">
+        <a:scrgbClr r="0" g="0" b="0"/>
+      </a:lnRef>
+      <a:fillRef idx="1">
+        <a:scrgbClr r="0" g="0" b="0"/>
+      </a:fillRef>
+      <a:effectRef idx="0">
+        <a:scrgbClr r="0" g="0" b="0"/>
+      </a:effectRef>
+      <a:fontRef idx="minor"/>
+    </dgm:style>
+  </dgm:styleLbl>
+  <dgm:styleLbl name="bgAcc1">
+    <dgm:scene3d>
+      <a:camera prst="orthographicFront"/>
+      <a:lightRig rig="threePt" dir="t"/>
+    </dgm:scene3d>
+    <dgm:sp3d/>
+    <dgm:txPr/>
+    <dgm:style>
+      <a:lnRef idx="2">
+        <a:scrgbClr r="0" g="0" b="0"/>
+      </a:lnRef>
+      <a:fillRef idx="1">
+        <a:scrgbClr r="0" g="0" b="0"/>
+      </a:fillRef>
+      <a:effectRef idx="0">
+        <a:scrgbClr r="0" g="0" b="0"/>
+      </a:effectRef>
+      <a:fontRef idx="minor"/>
+    </dgm:style>
+  </dgm:styleLbl>
+  <dgm:styleLbl name="solidFgAcc1">
+    <dgm:scene3d>
+      <a:camera prst="orthographicFront"/>
+      <a:lightRig rig="threePt" dir="t"/>
+    </dgm:scene3d>
+    <dgm:sp3d/>
+    <dgm:txPr/>
+    <dgm:style>
+      <a:lnRef idx="2">
+        <a:scrgbClr r="0" g="0" b="0"/>
+      </a:lnRef>
+      <a:fillRef idx="1">
+        <a:scrgbClr r="0" g="0" b="0"/>
+      </a:fillRef>
+      <a:effectRef idx="0">
+        <a:scrgbClr r="0" g="0" b="0"/>
+      </a:effectRef>
+      <a:fontRef idx="minor"/>
+    </dgm:style>
+  </dgm:styleLbl>
+  <dgm:styleLbl name="solidAlignAcc1">
+    <dgm:scene3d>
+      <a:camera prst="orthographicFront"/>
+      <a:lightRig rig="threePt" dir="t"/>
+    </dgm:scene3d>
+    <dgm:sp3d/>
+    <dgm:txPr/>
+    <dgm:style>
+      <a:lnRef idx="2">
+        <a:scrgbClr r="0" g="0" b="0"/>
+      </a:lnRef>
+      <a:fillRef idx="1">
+        <a:scrgbClr r="0" g="0" b="0"/>
+      </a:fillRef>
+      <a:effectRef idx="0">
+        <a:scrgbClr r="0" g="0" b="0"/>
+      </a:effectRef>
+      <a:fontRef idx="minor"/>
+    </dgm:style>
+  </dgm:styleLbl>
+  <dgm:styleLbl name="solidBgAcc1">
+    <dgm:scene3d>
+      <a:camera prst="orthographicFront"/>
+      <a:lightRig rig="threePt" dir="t"/>
+    </dgm:scene3d>
+    <dgm:sp3d/>
+    <dgm:txPr/>
+    <dgm:style>
+      <a:lnRef idx="2">
+        <a:scrgbClr r="0" g="0" b="0"/>
+      </a:lnRef>
+      <a:fillRef idx="1">
+        <a:scrgbClr r="0" g="0" b="0"/>
+      </a:fillRef>
+      <a:effectRef idx="0">
+        <a:scrgbClr r="0" g="0" b="0"/>
+      </a:effectRef>
+      <a:fontRef idx="minor"/>
+    </dgm:style>
+  </dgm:styleLbl>
+  <dgm:styleLbl name="fgAccFollowNode1">
+    <dgm:scene3d>
+      <a:camera prst="orthographicFront"/>
+      <a:lightRig rig="threePt" dir="t"/>
+    </dgm:scene3d>
+    <dgm:sp3d/>
+    <dgm:txPr/>
+    <dgm:style>
+      <a:lnRef idx="2">
+        <a:scrgbClr r="0" g="0" b="0"/>
+      </a:lnRef>
+      <a:fillRef idx="1">
+        <a:scrgbClr r="0" g="0" b="0"/>
+      </a:fillRef>
+      <a:effectRef idx="0">
+        <a:scrgbClr r="0" g="0" b="0"/>
+      </a:effectRef>
+      <a:fontRef idx="minor"/>
+    </dgm:style>
+  </dgm:styleLbl>
+  <dgm:styleLbl name="alignAccFollowNode1">
+    <dgm:scene3d>
+      <a:camera prst="orthographicFront"/>
+      <a:lightRig rig="threePt" dir="t"/>
+    </dgm:scene3d>
+    <dgm:sp3d/>
+    <dgm:txPr/>
+    <dgm:style>
+      <a:lnRef idx="2">
+        <a:scrgbClr r="0" g="0" b="0"/>
+      </a:lnRef>
+      <a:fillRef idx="1">
+        <a:scrgbClr r="0" g="0" b="0"/>
+      </a:fillRef>
+      <a:effectRef idx="0">
+        <a:scrgbClr r="0" g="0" b="0"/>
+      </a:effectRef>
+      <a:fontRef idx="minor"/>
+    </dgm:style>
+  </dgm:styleLbl>
+  <dgm:styleLbl name="bgAccFollowNode1">
+    <dgm:scene3d>
+      <a:camera prst="orthographicFront"/>
+      <a:lightRig rig="threePt" dir="t"/>
+    </dgm:scene3d>
+    <dgm:sp3d/>
+    <dgm:txPr/>
+    <dgm:style>
+      <a:lnRef idx="2">
+        <a:scrgbClr r="0" g="0" b="0"/>
+      </a:lnRef>
+      <a:fillRef idx="1">
+        <a:scrgbClr r="0" g="0" b="0"/>
+      </a:fillRef>
+      <a:effectRef idx="0">
+        <a:scrgbClr r="0" g="0" b="0"/>
+      </a:effectRef>
+      <a:fontRef idx="minor"/>
+    </dgm:style>
+  </dgm:styleLbl>
+  <dgm:styleLbl name="fgAcc0">
+    <dgm:scene3d>
+      <a:camera prst="orthographicFront"/>
+      <a:lightRig rig="threePt" dir="t"/>
+    </dgm:scene3d>
+    <dgm:sp3d/>
+    <dgm:txPr/>
+    <dgm:style>
+      <a:lnRef idx="2">
+        <a:scrgbClr r="0" g="0" b="0"/>
+      </a:lnRef>
+      <a:fillRef idx="1">
+        <a:scrgbClr r="0" g="0" b="0"/>
+      </a:fillRef>
+      <a:effectRef idx="0">
+        <a:scrgbClr r="0" g="0" b="0"/>
+      </a:effectRef>
+      <a:fontRef idx="minor"/>
+    </dgm:style>
+  </dgm:styleLbl>
+  <dgm:styleLbl name="fgAcc2">
+    <dgm:scene3d>
+      <a:camera prst="orthographicFront"/>
+      <a:lightRig rig="threePt" dir="t"/>
+    </dgm:scene3d>
+    <dgm:sp3d/>
+    <dgm:txPr/>
+    <dgm:style>
+      <a:lnRef idx="2">
+        <a:scrgbClr r="0" g="0" b="0"/>
+      </a:lnRef>
+      <a:fillRef idx="1">
+        <a:scrgbClr r="0" g="0" b="0"/>
+      </a:fillRef>
+      <a:effectRef idx="0">
+        <a:scrgbClr r="0" g="0" b="0"/>
+      </a:effectRef>
+      <a:fontRef idx="minor"/>
+    </dgm:style>
+  </dgm:styleLbl>
+  <dgm:styleLbl name="fgAcc3">
+    <dgm:scene3d>
+      <a:camera prst="orthographicFront"/>
+      <a:lightRig rig="threePt" dir="t"/>
+    </dgm:scene3d>
+    <dgm:sp3d/>
+    <dgm:txPr/>
+    <dgm:style>
+      <a:lnRef idx="2">
+        <a:scrgbClr r="0" g="0" b="0"/>
+      </a:lnRef>
+      <a:fillRef idx="1">
+        <a:scrgbClr r="0" g="0" b="0"/>
+      </a:fillRef>
+      <a:effectRef idx="0">
+        <a:scrgbClr r="0" g="0" b="0"/>
+      </a:effectRef>
+      <a:fontRef idx="minor"/>
+    </dgm:style>
+  </dgm:styleLbl>
+  <dgm:styleLbl name="fgAcc4">
+    <dgm:scene3d>
+      <a:camera prst="orthographicFront"/>
+      <a:lightRig rig="threePt" dir="t"/>
+    </dgm:scene3d>
+    <dgm:sp3d/>
+    <dgm:txPr/>
+    <dgm:style>
+      <a:lnRef idx="2">
+        <a:scrgbClr r="0" g="0" b="0"/>
+      </a:lnRef>
+      <a:fillRef idx="1">
+        <a:scrgbClr r="0" g="0" b="0"/>
+      </a:fillRef>
+      <a:effectRef idx="0">
+        <a:scrgbClr r="0" g="0" b="0"/>
+      </a:effectRef>
+      <a:fontRef idx="minor"/>
+    </dgm:style>
+  </dgm:styleLbl>
+  <dgm:styleLbl name="bgShp">
+    <dgm:scene3d>
+      <a:camera prst="orthographicFront"/>
+      <a:lightRig rig="threePt" dir="t"/>
+    </dgm:scene3d>
+    <dgm:sp3d/>
+    <dgm:txPr/>
+    <dgm:style>
+      <a:lnRef idx="0">
+        <a:scrgbClr r="0" g="0" b="0"/>
+      </a:lnRef>
+      <a:fillRef idx="1">
+        <a:scrgbClr r="0" g="0" b="0"/>
+      </a:fillRef>
+      <a:effectRef idx="0">
+        <a:scrgbClr r="0" g="0" b="0"/>
+      </a:effectRef>
+      <a:fontRef idx="minor"/>
+    </dgm:style>
+  </dgm:styleLbl>
+  <dgm:styleLbl name="dkBgShp">
+    <dgm:scene3d>
+      <a:camera prst="orthographicFront"/>
+      <a:lightRig rig="threePt" dir="t"/>
+    </dgm:scene3d>
+    <dgm:sp3d/>
+    <dgm:txPr/>
+    <dgm:style>
+      <a:lnRef idx="0">
+        <a:scrgbClr r="0" g="0" b="0"/>
+      </a:lnRef>
+      <a:fillRef idx="1">
+        <a:scrgbClr r="0" g="0" b="0"/>
+      </a:fillRef>
+      <a:effectRef idx="0">
+        <a:scrgbClr r="0" g="0" b="0"/>
+      </a:effectRef>
+      <a:fontRef idx="minor"/>
+    </dgm:style>
+  </dgm:styleLbl>
+  <dgm:styleLbl name="trBgShp">
+    <dgm:scene3d>
+      <a:camera prst="orthographicFront"/>
+      <a:lightRig rig="threePt" dir="t"/>
+    </dgm:scene3d>
+    <dgm:sp3d/>
+    <dgm:txPr/>
+    <dgm:style>
+      <a:lnRef idx="0">
+        <a:scrgbClr r="0" g="0" b="0"/>
+      </a:lnRef>
+      <a:fillRef idx="1">
+        <a:scrgbClr r="0" g="0" b="0"/>
+      </a:fillRef>
+      <a:effectRef idx="0">
+        <a:scrgbClr r="0" g="0" b="0"/>
+      </a:effectRef>
+      <a:fontRef idx="minor"/>
+    </dgm:style>
+  </dgm:styleLbl>
+  <dgm:styleLbl name="fgShp">
+    <dgm:scene3d>
+      <a:camera prst="orthographicFront"/>
+      <a:lightRig rig="threePt" dir="t"/>
+    </dgm:scene3d>
+    <dgm:sp3d/>
+    <dgm:txPr/>
+    <dgm:style>
+      <a:lnRef idx="2">
+        <a:scrgbClr r="0" g="0" b="0"/>
+      </a:lnRef>
+      <a:fillRef idx="1">
+        <a:scrgbClr r="0" g="0" b="0"/>
+      </a:fillRef>
+      <a:effectRef idx="0">
+        <a:scrgbClr r="0" g="0" b="0"/>
+      </a:effectRef>
+      <a:fontRef idx="minor"/>
+    </dgm:style>
+  </dgm:styleLbl>
+  <dgm:styleLbl name="revTx">
+    <dgm:scene3d>
+      <a:camera prst="orthographicFront"/>
+      <a:lightRig rig="threePt" dir="t"/>
+    </dgm:scene3d>
+    <dgm:sp3d/>
+    <dgm:txPr/>
+    <dgm:style>
+      <a:lnRef idx="0">
+        <a:scrgbClr r="0" g="0" b="0"/>
+      </a:lnRef>
+      <a:fillRef idx="0">
+        <a:scrgbClr r="0" g="0" b="0"/>
+      </a:fillRef>
+      <a:effectRef idx="0">
+        <a:scrgbClr r="0" g="0" b="0"/>
+      </a:effectRef>
+      <a:fontRef idx="minor"/>
+    </dgm:style>
+  </dgm:styleLbl>
+</dgm:styleDef>
+</file>
+
 <file path=ppt/notesMasters/notesMaster1.xml><?xml version="1.0" encoding="utf-8"?>
 <p:notesMaster xmlns:a="http://schemas.openxmlformats.org/drawingml/2006/main" xmlns:r="http://schemas.openxmlformats.org/officeDocument/2006/relationships" xmlns:p="http://schemas.openxmlformats.org/presentationml/2006/main">
   <p:cSld>
@@ -210,7 +6934,7 @@
           <a:p>
             <a:fld id="{113C925E-3647-46E9-8032-95FC2461D89E}" type="datetimeFigureOut">
               <a:rPr lang="fr-CH" smtClean="0"/>
-              <a:t>08.04.2019</a:t>
+              <a:t>09.04.2019</a:t>
             </a:fld>
             <a:endParaRPr lang="fr-CH"/>
           </a:p>
@@ -941,6 +7665,415 @@
 </p:notes>
 </file>
 
+<file path=ppt/notesSlides/notesSlide5.xml><?xml version="1.0" encoding="utf-8"?>
+<p:notes xmlns:a="http://schemas.openxmlformats.org/drawingml/2006/main" xmlns:r="http://schemas.openxmlformats.org/officeDocument/2006/relationships" xmlns:p="http://schemas.openxmlformats.org/presentationml/2006/main">
+  <p:cSld>
+    <p:spTree>
+      <p:nvGrpSpPr>
+        <p:cNvPr id="1" name=""/>
+        <p:cNvGrpSpPr/>
+        <p:nvPr/>
+      </p:nvGrpSpPr>
+      <p:grpSpPr>
+        <a:xfrm>
+          <a:off x="0" y="0"/>
+          <a:ext cx="0" cy="0"/>
+          <a:chOff x="0" y="0"/>
+          <a:chExt cx="0" cy="0"/>
+        </a:xfrm>
+      </p:grpSpPr>
+      <p:sp>
+        <p:nvSpPr>
+          <p:cNvPr id="2" name="Espace réservé de l'image des diapositives 1"/>
+          <p:cNvSpPr>
+            <a:spLocks noGrp="1" noRot="1" noChangeAspect="1"/>
+          </p:cNvSpPr>
+          <p:nvPr>
+            <p:ph type="sldImg"/>
+          </p:nvPr>
+        </p:nvSpPr>
+        <p:spPr/>
+      </p:sp>
+      <p:sp>
+        <p:nvSpPr>
+          <p:cNvPr id="3" name="Espace réservé des notes 2"/>
+          <p:cNvSpPr>
+            <a:spLocks noGrp="1"/>
+          </p:cNvSpPr>
+          <p:nvPr>
+            <p:ph type="body" idx="1"/>
+          </p:nvPr>
+        </p:nvSpPr>
+        <p:spPr/>
+        <p:txBody>
+          <a:bodyPr/>
+          <a:lstStyle/>
+          <a:p>
+            <a:r>
+              <a:rPr lang="fr-CH" dirty="0"/>
+              <a:t>Concurrence de la part d’autre site internet</a:t>
+            </a:r>
+          </a:p>
+          <a:p>
+            <a:pPr lvl="1"/>
+            <a:r>
+              <a:rPr lang="fr-CH" dirty="0"/>
+              <a:t>Non spécifique</a:t>
+            </a:r>
+          </a:p>
+          <a:p>
+            <a:pPr lvl="1"/>
+            <a:r>
+              <a:rPr lang="fr-CH" dirty="0"/>
+              <a:t>Manque de confiance</a:t>
+            </a:r>
+          </a:p>
+          <a:p>
+            <a:r>
+              <a:rPr lang="fr-CH" dirty="0"/>
+              <a:t>Braderie organisé</a:t>
+            </a:r>
+          </a:p>
+          <a:p>
+            <a:pPr lvl="1"/>
+            <a:r>
+              <a:rPr lang="fr-CH" dirty="0"/>
+              <a:t>Possibilité d’intégrer événement sur notre site</a:t>
+            </a:r>
+          </a:p>
+          <a:p>
+            <a:pPr lvl="1"/>
+            <a:r>
+              <a:rPr lang="fr-CH" dirty="0"/>
+              <a:t>Publicité</a:t>
+            </a:r>
+          </a:p>
+          <a:p>
+            <a:pPr lvl="1"/>
+            <a:r>
+              <a:rPr lang="fr-CH" dirty="0"/>
+              <a:t>Possibilité de voir la marchandise disponible sur le site</a:t>
+            </a:r>
+          </a:p>
+        </p:txBody>
+      </p:sp>
+      <p:sp>
+        <p:nvSpPr>
+          <p:cNvPr id="4" name="Espace réservé du numéro de diapositive 3"/>
+          <p:cNvSpPr>
+            <a:spLocks noGrp="1"/>
+          </p:cNvSpPr>
+          <p:nvPr>
+            <p:ph type="sldNum" sz="quarter" idx="5"/>
+          </p:nvPr>
+        </p:nvSpPr>
+        <p:spPr/>
+        <p:txBody>
+          <a:bodyPr/>
+          <a:lstStyle/>
+          <a:p>
+            <a:fld id="{23E8E429-A922-49C7-ACCE-C5D0493CD5A5}" type="slidenum">
+              <a:rPr lang="fr-CH" smtClean="0"/>
+              <a:t>7</a:t>
+            </a:fld>
+            <a:endParaRPr lang="fr-CH"/>
+          </a:p>
+        </p:txBody>
+      </p:sp>
+    </p:spTree>
+    <p:extLst>
+      <p:ext uri="{BB962C8B-B14F-4D97-AF65-F5344CB8AC3E}">
+        <p14:creationId xmlns:p14="http://schemas.microsoft.com/office/powerpoint/2010/main" val="3594019609"/>
+      </p:ext>
+    </p:extLst>
+  </p:cSld>
+  <p:clrMapOvr>
+    <a:masterClrMapping/>
+  </p:clrMapOvr>
+</p:notes>
+</file>
+
+<file path=ppt/notesSlides/notesSlide6.xml><?xml version="1.0" encoding="utf-8"?>
+<p:notes xmlns:a="http://schemas.openxmlformats.org/drawingml/2006/main" xmlns:r="http://schemas.openxmlformats.org/officeDocument/2006/relationships" xmlns:p="http://schemas.openxmlformats.org/presentationml/2006/main">
+  <p:cSld>
+    <p:spTree>
+      <p:nvGrpSpPr>
+        <p:cNvPr id="1" name=""/>
+        <p:cNvGrpSpPr/>
+        <p:nvPr/>
+      </p:nvGrpSpPr>
+      <p:grpSpPr>
+        <a:xfrm>
+          <a:off x="0" y="0"/>
+          <a:ext cx="0" cy="0"/>
+          <a:chOff x="0" y="0"/>
+          <a:chExt cx="0" cy="0"/>
+        </a:xfrm>
+      </p:grpSpPr>
+      <p:sp>
+        <p:nvSpPr>
+          <p:cNvPr id="2" name="Espace réservé de l'image des diapositives 1"/>
+          <p:cNvSpPr>
+            <a:spLocks noGrp="1" noRot="1" noChangeAspect="1"/>
+          </p:cNvSpPr>
+          <p:nvPr>
+            <p:ph type="sldImg"/>
+          </p:nvPr>
+        </p:nvSpPr>
+        <p:spPr/>
+      </p:sp>
+      <p:sp>
+        <p:nvSpPr>
+          <p:cNvPr id="3" name="Espace réservé des notes 2"/>
+          <p:cNvSpPr>
+            <a:spLocks noGrp="1"/>
+          </p:cNvSpPr>
+          <p:nvPr>
+            <p:ph type="body" idx="1"/>
+          </p:nvPr>
+        </p:nvSpPr>
+        <p:spPr/>
+        <p:txBody>
+          <a:bodyPr/>
+          <a:lstStyle/>
+          <a:p>
+            <a:r>
+              <a:rPr lang="fr-CH" dirty="0"/>
+              <a:t>Fuite d’un collaborateur</a:t>
+            </a:r>
+          </a:p>
+          <a:p>
+            <a:r>
+              <a:rPr lang="fr-CH" dirty="0"/>
+              <a:t>Manque de connaissance</a:t>
+            </a:r>
+          </a:p>
+          <a:p>
+            <a:r>
+              <a:rPr lang="fr-CH" dirty="0"/>
+              <a:t>First time management big group</a:t>
+            </a:r>
+          </a:p>
+        </p:txBody>
+      </p:sp>
+      <p:sp>
+        <p:nvSpPr>
+          <p:cNvPr id="4" name="Espace réservé du numéro de diapositive 3"/>
+          <p:cNvSpPr>
+            <a:spLocks noGrp="1"/>
+          </p:cNvSpPr>
+          <p:nvPr>
+            <p:ph type="sldNum" sz="quarter" idx="5"/>
+          </p:nvPr>
+        </p:nvSpPr>
+        <p:spPr/>
+        <p:txBody>
+          <a:bodyPr/>
+          <a:lstStyle/>
+          <a:p>
+            <a:fld id="{23E8E429-A922-49C7-ACCE-C5D0493CD5A5}" type="slidenum">
+              <a:rPr lang="fr-CH" smtClean="0"/>
+              <a:t>8</a:t>
+            </a:fld>
+            <a:endParaRPr lang="fr-CH"/>
+          </a:p>
+        </p:txBody>
+      </p:sp>
+    </p:spTree>
+    <p:extLst>
+      <p:ext uri="{BB962C8B-B14F-4D97-AF65-F5344CB8AC3E}">
+        <p14:creationId xmlns:p14="http://schemas.microsoft.com/office/powerpoint/2010/main" val="3257898556"/>
+      </p:ext>
+    </p:extLst>
+  </p:cSld>
+  <p:clrMapOvr>
+    <a:masterClrMapping/>
+  </p:clrMapOvr>
+</p:notes>
+</file>
+
+<file path=ppt/notesSlides/notesSlide7.xml><?xml version="1.0" encoding="utf-8"?>
+<p:notes xmlns:a="http://schemas.openxmlformats.org/drawingml/2006/main" xmlns:r="http://schemas.openxmlformats.org/officeDocument/2006/relationships" xmlns:p="http://schemas.openxmlformats.org/presentationml/2006/main">
+  <p:cSld>
+    <p:spTree>
+      <p:nvGrpSpPr>
+        <p:cNvPr id="1" name=""/>
+        <p:cNvGrpSpPr/>
+        <p:nvPr/>
+      </p:nvGrpSpPr>
+      <p:grpSpPr>
+        <a:xfrm>
+          <a:off x="0" y="0"/>
+          <a:ext cx="0" cy="0"/>
+          <a:chOff x="0" y="0"/>
+          <a:chExt cx="0" cy="0"/>
+        </a:xfrm>
+      </p:grpSpPr>
+      <p:sp>
+        <p:nvSpPr>
+          <p:cNvPr id="2" name="Espace réservé de l'image des diapositives 1"/>
+          <p:cNvSpPr>
+            <a:spLocks noGrp="1" noRot="1" noChangeAspect="1"/>
+          </p:cNvSpPr>
+          <p:nvPr>
+            <p:ph type="sldImg"/>
+          </p:nvPr>
+        </p:nvSpPr>
+        <p:spPr/>
+      </p:sp>
+      <p:sp>
+        <p:nvSpPr>
+          <p:cNvPr id="3" name="Espace réservé des notes 2"/>
+          <p:cNvSpPr>
+            <a:spLocks noGrp="1"/>
+          </p:cNvSpPr>
+          <p:nvPr>
+            <p:ph type="body" idx="1"/>
+          </p:nvPr>
+        </p:nvSpPr>
+        <p:spPr/>
+        <p:txBody>
+          <a:bodyPr/>
+          <a:lstStyle/>
+          <a:p>
+            <a:endParaRPr lang="fr-CH" dirty="0"/>
+          </a:p>
+        </p:txBody>
+      </p:sp>
+      <p:sp>
+        <p:nvSpPr>
+          <p:cNvPr id="4" name="Espace réservé du numéro de diapositive 3"/>
+          <p:cNvSpPr>
+            <a:spLocks noGrp="1"/>
+          </p:cNvSpPr>
+          <p:nvPr>
+            <p:ph type="sldNum" sz="quarter" idx="5"/>
+          </p:nvPr>
+        </p:nvSpPr>
+        <p:spPr/>
+        <p:txBody>
+          <a:bodyPr/>
+          <a:lstStyle/>
+          <a:p>
+            <a:fld id="{23E8E429-A922-49C7-ACCE-C5D0493CD5A5}" type="slidenum">
+              <a:rPr lang="fr-CH" smtClean="0"/>
+              <a:t>13</a:t>
+            </a:fld>
+            <a:endParaRPr lang="fr-CH"/>
+          </a:p>
+        </p:txBody>
+      </p:sp>
+    </p:spTree>
+    <p:extLst>
+      <p:ext uri="{BB962C8B-B14F-4D97-AF65-F5344CB8AC3E}">
+        <p14:creationId xmlns:p14="http://schemas.microsoft.com/office/powerpoint/2010/main" val="1269740511"/>
+      </p:ext>
+    </p:extLst>
+  </p:cSld>
+  <p:clrMapOvr>
+    <a:masterClrMapping/>
+  </p:clrMapOvr>
+</p:notes>
+</file>
+
+<file path=ppt/notesSlides/notesSlide8.xml><?xml version="1.0" encoding="utf-8"?>
+<p:notes xmlns:a="http://schemas.openxmlformats.org/drawingml/2006/main" xmlns:r="http://schemas.openxmlformats.org/officeDocument/2006/relationships" xmlns:p="http://schemas.openxmlformats.org/presentationml/2006/main">
+  <p:cSld>
+    <p:spTree>
+      <p:nvGrpSpPr>
+        <p:cNvPr id="1" name=""/>
+        <p:cNvGrpSpPr/>
+        <p:nvPr/>
+      </p:nvGrpSpPr>
+      <p:grpSpPr>
+        <a:xfrm>
+          <a:off x="0" y="0"/>
+          <a:ext cx="0" cy="0"/>
+          <a:chOff x="0" y="0"/>
+          <a:chExt cx="0" cy="0"/>
+        </a:xfrm>
+      </p:grpSpPr>
+      <p:sp>
+        <p:nvSpPr>
+          <p:cNvPr id="2" name="Espace réservé de l'image des diapositives 1"/>
+          <p:cNvSpPr>
+            <a:spLocks noGrp="1" noRot="1" noChangeAspect="1"/>
+          </p:cNvSpPr>
+          <p:nvPr>
+            <p:ph type="sldImg"/>
+          </p:nvPr>
+        </p:nvSpPr>
+        <p:spPr/>
+      </p:sp>
+      <p:sp>
+        <p:nvSpPr>
+          <p:cNvPr id="3" name="Espace réservé des notes 2"/>
+          <p:cNvSpPr>
+            <a:spLocks noGrp="1"/>
+          </p:cNvSpPr>
+          <p:nvPr>
+            <p:ph type="body" idx="1"/>
+          </p:nvPr>
+        </p:nvSpPr>
+        <p:spPr/>
+        <p:txBody>
+          <a:bodyPr/>
+          <a:lstStyle/>
+          <a:p>
+            <a:r>
+              <a:rPr lang="fr-CH" dirty="0"/>
+              <a:t>Diagram et expliquer chaque </a:t>
+            </a:r>
+            <a:r>
+              <a:rPr lang="fr-CH" dirty="0" err="1"/>
+              <a:t>microservice</a:t>
+            </a:r>
+            <a:endParaRPr lang="fr-CH" dirty="0"/>
+          </a:p>
+          <a:p>
+            <a:r>
+              <a:rPr lang="fr-CH" dirty="0"/>
+              <a:t>Work break down Diagram</a:t>
+            </a:r>
+          </a:p>
+        </p:txBody>
+      </p:sp>
+      <p:sp>
+        <p:nvSpPr>
+          <p:cNvPr id="4" name="Espace réservé du numéro de diapositive 3"/>
+          <p:cNvSpPr>
+            <a:spLocks noGrp="1"/>
+          </p:cNvSpPr>
+          <p:nvPr>
+            <p:ph type="sldNum" sz="quarter" idx="5"/>
+          </p:nvPr>
+        </p:nvSpPr>
+        <p:spPr/>
+        <p:txBody>
+          <a:bodyPr/>
+          <a:lstStyle/>
+          <a:p>
+            <a:fld id="{23E8E429-A922-49C7-ACCE-C5D0493CD5A5}" type="slidenum">
+              <a:rPr lang="fr-CH" smtClean="0"/>
+              <a:t>14</a:t>
+            </a:fld>
+            <a:endParaRPr lang="fr-CH"/>
+          </a:p>
+        </p:txBody>
+      </p:sp>
+    </p:spTree>
+    <p:extLst>
+      <p:ext uri="{BB962C8B-B14F-4D97-AF65-F5344CB8AC3E}">
+        <p14:creationId xmlns:p14="http://schemas.microsoft.com/office/powerpoint/2010/main" val="650987953"/>
+      </p:ext>
+    </p:extLst>
+  </p:cSld>
+  <p:clrMapOvr>
+    <a:masterClrMapping/>
+  </p:clrMapOvr>
+</p:notes>
+</file>
+
 <file path=ppt/slideLayouts/slideLayout1.xml><?xml version="1.0" encoding="utf-8"?>
 <p:sldLayout xmlns:a="http://schemas.openxmlformats.org/drawingml/2006/main" xmlns:r="http://schemas.openxmlformats.org/officeDocument/2006/relationships" xmlns:p="http://schemas.openxmlformats.org/presentationml/2006/main" type="title" preserve="1">
   <p:cSld name="Diapositive de titre">
@@ -1090,7 +8223,7 @@
           <a:p>
             <a:fld id="{BA07EF9B-9B2E-4FDD-942A-94F6C7A0C659}" type="datetime1">
               <a:rPr lang="fr-CH" smtClean="0"/>
-              <a:t>08.04.2019</a:t>
+              <a:t>09.04.2019</a:t>
             </a:fld>
             <a:endParaRPr lang="fr-CH"/>
           </a:p>
@@ -1290,7 +8423,7 @@
           <a:p>
             <a:fld id="{21D26608-B4DF-40AD-89F4-8255651B60FD}" type="datetime1">
               <a:rPr lang="fr-CH" smtClean="0"/>
-              <a:t>08.04.2019</a:t>
+              <a:t>09.04.2019</a:t>
             </a:fld>
             <a:endParaRPr lang="fr-CH"/>
           </a:p>
@@ -1500,7 +8633,7 @@
           <a:p>
             <a:fld id="{E9ADCF0E-E7D5-411C-A2CB-091C37BF7BC7}" type="datetime1">
               <a:rPr lang="fr-CH" smtClean="0"/>
-              <a:t>08.04.2019</a:t>
+              <a:t>09.04.2019</a:t>
             </a:fld>
             <a:endParaRPr lang="fr-CH"/>
           </a:p>
@@ -1700,7 +8833,7 @@
           <a:p>
             <a:fld id="{09FC0181-3397-4832-ADBE-6FBE4103AFAF}" type="datetime1">
               <a:rPr lang="fr-CH" smtClean="0"/>
-              <a:t>08.04.2019</a:t>
+              <a:t>09.04.2019</a:t>
             </a:fld>
             <a:endParaRPr lang="fr-CH"/>
           </a:p>
@@ -1976,7 +9109,7 @@
           <a:p>
             <a:fld id="{25BAC7B9-CE87-44D4-B31E-39287D359CD7}" type="datetime1">
               <a:rPr lang="fr-CH" smtClean="0"/>
-              <a:t>08.04.2019</a:t>
+              <a:t>09.04.2019</a:t>
             </a:fld>
             <a:endParaRPr lang="fr-CH"/>
           </a:p>
@@ -2244,7 +9377,7 @@
           <a:p>
             <a:fld id="{64DBA5D9-5ADA-44DD-8680-D8D195ED68DF}" type="datetime1">
               <a:rPr lang="fr-CH" smtClean="0"/>
-              <a:t>08.04.2019</a:t>
+              <a:t>09.04.2019</a:t>
             </a:fld>
             <a:endParaRPr lang="fr-CH"/>
           </a:p>
@@ -2659,7 +9792,7 @@
           <a:p>
             <a:fld id="{97BBBCCB-C279-47AF-BDD5-C98015A6ABC4}" type="datetime1">
               <a:rPr lang="fr-CH" smtClean="0"/>
-              <a:t>08.04.2019</a:t>
+              <a:t>09.04.2019</a:t>
             </a:fld>
             <a:endParaRPr lang="fr-CH"/>
           </a:p>
@@ -2801,7 +9934,7 @@
           <a:p>
             <a:fld id="{85FB55FE-6668-4D3A-8FBB-E3951A818632}" type="datetime1">
               <a:rPr lang="fr-CH" smtClean="0"/>
-              <a:t>08.04.2019</a:t>
+              <a:t>09.04.2019</a:t>
             </a:fld>
             <a:endParaRPr lang="fr-CH"/>
           </a:p>
@@ -2914,7 +10047,7 @@
           <a:p>
             <a:fld id="{B2606909-CE7D-49CD-8618-8D2B0FE7271A}" type="datetime1">
               <a:rPr lang="fr-CH" smtClean="0"/>
-              <a:t>08.04.2019</a:t>
+              <a:t>09.04.2019</a:t>
             </a:fld>
             <a:endParaRPr lang="fr-CH"/>
           </a:p>
@@ -3227,7 +10360,7 @@
           <a:p>
             <a:fld id="{69E5A6DB-4266-4BE8-B0C9-377B9EA76F00}" type="datetime1">
               <a:rPr lang="fr-CH" smtClean="0"/>
-              <a:t>08.04.2019</a:t>
+              <a:t>09.04.2019</a:t>
             </a:fld>
             <a:endParaRPr lang="fr-CH"/>
           </a:p>
@@ -3516,7 +10649,7 @@
           <a:p>
             <a:fld id="{0EEB7180-6098-4595-8EC0-3074BC08BCEB}" type="datetime1">
               <a:rPr lang="fr-CH" smtClean="0"/>
-              <a:t>08.04.2019</a:t>
+              <a:t>09.04.2019</a:t>
             </a:fld>
             <a:endParaRPr lang="fr-CH"/>
           </a:p>
@@ -3759,7 +10892,7 @@
           <a:p>
             <a:fld id="{8CF8CEE8-082C-481F-9BFC-8CE699F7EB03}" type="datetime1">
               <a:rPr lang="fr-CH" smtClean="0"/>
-              <a:t>08.04.2019</a:t>
+              <a:t>09.04.2019</a:t>
             </a:fld>
             <a:endParaRPr lang="fr-CH"/>
           </a:p>
@@ -4652,6 +11785,14 @@
 <file path=ppt/slides/slide13.xml><?xml version="1.0" encoding="utf-8"?>
 <p:sld xmlns:a="http://schemas.openxmlformats.org/drawingml/2006/main" xmlns:r="http://schemas.openxmlformats.org/officeDocument/2006/relationships" xmlns:p="http://schemas.openxmlformats.org/presentationml/2006/main">
   <p:cSld>
+    <p:bg>
+      <p:bgPr>
+        <a:solidFill>
+          <a:schemeClr val="bg1"/>
+        </a:solidFill>
+        <a:effectLst/>
+      </p:bgPr>
+    </p:bg>
     <p:spTree>
       <p:nvGrpSpPr>
         <p:cNvPr id="1" name=""/>
@@ -4668,20 +11809,20 @@
       </p:grpSpPr>
       <p:pic>
         <p:nvPicPr>
-          <p:cNvPr id="5" name="Image 4">
+          <p:cNvPr id="1030" name="Picture 6" descr="Image associÃ©e">
             <a:extLst>
               <a:ext uri="{FF2B5EF4-FFF2-40B4-BE49-F238E27FC236}">
-                <a16:creationId xmlns:a16="http://schemas.microsoft.com/office/drawing/2014/main" id="{FB1AECD6-E764-49C9-BD67-3E774B277082}"/>
+                <a16:creationId xmlns:a16="http://schemas.microsoft.com/office/drawing/2014/main" id="{9544B39E-78D1-4D46-BB90-674CDE59E404}"/>
               </a:ext>
             </a:extLst>
           </p:cNvPr>
           <p:cNvPicPr>
-            <a:picLocks noChangeAspect="1"/>
+            <a:picLocks noChangeAspect="1" noChangeArrowheads="1"/>
           </p:cNvPicPr>
           <p:nvPr/>
         </p:nvPicPr>
         <p:blipFill>
-          <a:blip r:embed="rId2">
+          <a:blip r:embed="rId3">
             <a:extLst>
               <a:ext uri="{28A0092B-C50C-407E-A947-70E740481C1C}">
                 <a14:useLocalDpi xmlns:a14="http://schemas.microsoft.com/office/drawing/2010/main" val="0"/>
@@ -4692,58 +11833,98 @@
             <a:fillRect/>
           </a:stretch>
         </p:blipFill>
-        <p:spPr>
+        <p:spPr bwMode="auto">
           <a:xfrm>
-            <a:off x="4105843" y="1559560"/>
-            <a:ext cx="952633" cy="952633"/>
+            <a:off x="647494" y="321733"/>
+            <a:ext cx="2748958" cy="2748958"/>
           </a:xfrm>
           <a:prstGeom prst="rect">
             <a:avLst/>
           </a:prstGeom>
+          <a:noFill/>
+          <a:extLst>
+            <a:ext uri="{909E8E84-426E-40DD-AFC4-6F175D3DCCD1}">
+              <a14:hiddenFill xmlns:a14="http://schemas.microsoft.com/office/drawing/2010/main">
+                <a:solidFill>
+                  <a:srgbClr val="FFFFFF"/>
+                </a:solidFill>
+              </a14:hiddenFill>
+            </a:ext>
+          </a:extLst>
         </p:spPr>
       </p:pic>
-      <p:pic>
-        <p:nvPicPr>
-          <p:cNvPr id="7" name="Image 6">
+      <p:sp>
+        <p:nvSpPr>
+          <p:cNvPr id="81" name="Rectangle 80">
             <a:extLst>
               <a:ext uri="{FF2B5EF4-FFF2-40B4-BE49-F238E27FC236}">
-                <a16:creationId xmlns:a16="http://schemas.microsoft.com/office/drawing/2014/main" id="{72960853-6B73-44F4-A85A-5F0BE467FFD3}"/>
+                <a16:creationId xmlns:a16="http://schemas.microsoft.com/office/drawing/2014/main" id="{E3B4FF89-C45F-4E24-B963-61E855708F2A}"/>
+              </a:ext>
+              <a:ext uri="{C183D7F6-B498-43B3-948B-1728B52AA6E4}">
+                <adec:decorative xmlns:adec="http://schemas.microsoft.com/office/drawing/2017/decorative" val="1"/>
               </a:ext>
             </a:extLst>
           </p:cNvPr>
-          <p:cNvPicPr>
-            <a:picLocks noChangeAspect="1"/>
-          </p:cNvPicPr>
-          <p:nvPr/>
-        </p:nvPicPr>
-        <p:blipFill>
-          <a:blip r:embed="rId3">
-            <a:extLst>
-              <a:ext uri="{28A0092B-C50C-407E-A947-70E740481C1C}">
-                <a14:useLocalDpi xmlns:a14="http://schemas.microsoft.com/office/drawing/2010/main" val="0"/>
-              </a:ext>
-            </a:extLst>
-          </a:blip>
-          <a:stretch>
-            <a:fillRect/>
-          </a:stretch>
-        </p:blipFill>
+          <p:cNvSpPr>
+            <a:spLocks noGrp="1" noRot="1" noChangeAspect="1" noMove="1" noResize="1" noEditPoints="1" noAdjustHandles="1" noChangeArrowheads="1" noChangeShapeType="1" noTextEdit="1"/>
+          </p:cNvSpPr>
+          <p:nvPr>
+            <p:extLst>
+              <p:ext uri="{386F3935-93C4-4BCD-93E2-E3B085C9AB24}">
+                <p16:designElem xmlns:p16="http://schemas.microsoft.com/office/powerpoint/2015/main" val="1"/>
+              </p:ext>
+            </p:extLst>
+          </p:nvPr>
+        </p:nvSpPr>
         <p:spPr>
           <a:xfrm>
-            <a:off x="2941041" y="4212527"/>
-            <a:ext cx="914528" cy="914528"/>
+            <a:off x="4023671" y="0"/>
+            <a:ext cx="73152" cy="6858000"/>
           </a:xfrm>
           <a:prstGeom prst="rect">
             <a:avLst/>
           </a:prstGeom>
+          <a:solidFill>
+            <a:schemeClr val="tx1">
+              <a:lumMod val="75000"/>
+              <a:lumOff val="25000"/>
+            </a:schemeClr>
+          </a:solidFill>
+          <a:ln>
+            <a:noFill/>
+          </a:ln>
         </p:spPr>
-      </p:pic>
+        <p:style>
+          <a:lnRef idx="2">
+            <a:schemeClr val="accent1">
+              <a:shade val="50000"/>
+            </a:schemeClr>
+          </a:lnRef>
+          <a:fillRef idx="1">
+            <a:schemeClr val="accent1"/>
+          </a:fillRef>
+          <a:effectRef idx="0">
+            <a:schemeClr val="accent1"/>
+          </a:effectRef>
+          <a:fontRef idx="minor">
+            <a:schemeClr val="lt1"/>
+          </a:fontRef>
+        </p:style>
+        <p:txBody>
+          <a:bodyPr rtlCol="0" anchor="ctr"/>
+          <a:lstStyle/>
+          <a:p>
+            <a:pPr algn="ctr"/>
+            <a:endParaRPr lang="en-US"/>
+          </a:p>
+        </p:txBody>
+      </p:sp>
       <p:pic>
         <p:nvPicPr>
-          <p:cNvPr id="1026" name="Picture 2" descr="RÃ©sultat de recherche d'images pour &quot;kong api gateway icon&quot;">
+          <p:cNvPr id="1026" name="Picture 2" descr="RÃ©sultat de recherche d'images pour &quot;kong api gateway&quot;">
             <a:extLst>
               <a:ext uri="{FF2B5EF4-FFF2-40B4-BE49-F238E27FC236}">
-                <a16:creationId xmlns:a16="http://schemas.microsoft.com/office/drawing/2014/main" id="{91A63E3B-379E-4C59-890A-76D41447FAEA}"/>
+                <a16:creationId xmlns:a16="http://schemas.microsoft.com/office/drawing/2014/main" id="{27EA5B47-ECD7-42C9-B570-6ADE674CB4F1}"/>
               </a:ext>
             </a:extLst>
           </p:cNvPr>
@@ -4760,15 +11941,238 @@
               </a:ext>
             </a:extLst>
           </a:blip>
-          <a:srcRect/>
           <a:stretch>
             <a:fillRect/>
           </a:stretch>
         </p:blipFill>
         <p:spPr bwMode="auto">
           <a:xfrm>
-            <a:off x="7437120" y="930910"/>
-            <a:ext cx="3048000" cy="1257300"/>
+            <a:off x="8492124" y="1147709"/>
+            <a:ext cx="3401568" cy="1097005"/>
+          </a:xfrm>
+          <a:prstGeom prst="rect">
+            <a:avLst/>
+          </a:prstGeom>
+          <a:noFill/>
+          <a:extLst>
+            <a:ext uri="{909E8E84-426E-40DD-AFC4-6F175D3DCCD1}">
+              <a14:hiddenFill xmlns:a14="http://schemas.microsoft.com/office/drawing/2010/main">
+                <a:solidFill>
+                  <a:srgbClr val="FFFFFF"/>
+                </a:solidFill>
+              </a14:hiddenFill>
+            </a:ext>
+          </a:extLst>
+        </p:spPr>
+      </p:pic>
+      <p:sp>
+        <p:nvSpPr>
+          <p:cNvPr id="83" name="Rectangle 82">
+            <a:extLst>
+              <a:ext uri="{FF2B5EF4-FFF2-40B4-BE49-F238E27FC236}">
+                <a16:creationId xmlns:a16="http://schemas.microsoft.com/office/drawing/2014/main" id="{14F25C03-EF67-4344-8AEA-7B3FA0DED024}"/>
+              </a:ext>
+              <a:ext uri="{C183D7F6-B498-43B3-948B-1728B52AA6E4}">
+                <adec:decorative xmlns:adec="http://schemas.microsoft.com/office/drawing/2017/decorative" val="1"/>
+              </a:ext>
+            </a:extLst>
+          </p:cNvPr>
+          <p:cNvSpPr>
+            <a:spLocks noGrp="1" noRot="1" noChangeAspect="1" noMove="1" noResize="1" noEditPoints="1" noAdjustHandles="1" noChangeArrowheads="1" noChangeShapeType="1" noTextEdit="1"/>
+          </p:cNvSpPr>
+          <p:nvPr>
+            <p:extLst>
+              <p:ext uri="{386F3935-93C4-4BCD-93E2-E3B085C9AB24}">
+                <p16:designElem xmlns:p16="http://schemas.microsoft.com/office/powerpoint/2015/main" val="1"/>
+              </p:ext>
+            </p:extLst>
+          </p:nvPr>
+        </p:nvSpPr>
+        <p:spPr>
+          <a:xfrm>
+            <a:off x="8107836" y="0"/>
+            <a:ext cx="73152" cy="6858000"/>
+          </a:xfrm>
+          <a:prstGeom prst="rect">
+            <a:avLst/>
+          </a:prstGeom>
+          <a:solidFill>
+            <a:schemeClr val="tx1">
+              <a:lumMod val="75000"/>
+              <a:lumOff val="25000"/>
+            </a:schemeClr>
+          </a:solidFill>
+          <a:ln>
+            <a:noFill/>
+          </a:ln>
+        </p:spPr>
+        <p:style>
+          <a:lnRef idx="2">
+            <a:schemeClr val="accent1">
+              <a:shade val="50000"/>
+            </a:schemeClr>
+          </a:lnRef>
+          <a:fillRef idx="1">
+            <a:schemeClr val="accent1"/>
+          </a:fillRef>
+          <a:effectRef idx="0">
+            <a:schemeClr val="accent1"/>
+          </a:effectRef>
+          <a:fontRef idx="minor">
+            <a:schemeClr val="lt1"/>
+          </a:fontRef>
+        </p:style>
+        <p:txBody>
+          <a:bodyPr rtlCol="0" anchor="ctr"/>
+          <a:lstStyle/>
+          <a:p>
+            <a:pPr algn="ctr"/>
+            <a:endParaRPr lang="en-US"/>
+          </a:p>
+        </p:txBody>
+      </p:sp>
+      <p:pic>
+        <p:nvPicPr>
+          <p:cNvPr id="1028" name="Picture 4" descr="RÃ©sultat de recherche d'images pour &quot;java icon&quot;">
+            <a:extLst>
+              <a:ext uri="{FF2B5EF4-FFF2-40B4-BE49-F238E27FC236}">
+                <a16:creationId xmlns:a16="http://schemas.microsoft.com/office/drawing/2014/main" id="{55881450-B8CD-4281-AC3E-0DD0252520B8}"/>
+              </a:ext>
+            </a:extLst>
+          </p:cNvPr>
+          <p:cNvPicPr>
+            <a:picLocks noChangeAspect="1" noChangeArrowheads="1"/>
+          </p:cNvPicPr>
+          <p:nvPr/>
+        </p:nvPicPr>
+        <p:blipFill>
+          <a:blip r:embed="rId5">
+            <a:extLst>
+              <a:ext uri="{28A0092B-C50C-407E-A947-70E740481C1C}">
+                <a14:useLocalDpi xmlns:a14="http://schemas.microsoft.com/office/drawing/2010/main" val="0"/>
+              </a:ext>
+            </a:extLst>
+          </a:blip>
+          <a:stretch>
+            <a:fillRect/>
+          </a:stretch>
+        </p:blipFill>
+        <p:spPr bwMode="auto">
+          <a:xfrm>
+            <a:off x="5345986" y="320040"/>
+            <a:ext cx="1500027" cy="2752344"/>
+          </a:xfrm>
+          <a:prstGeom prst="rect">
+            <a:avLst/>
+          </a:prstGeom>
+          <a:noFill/>
+          <a:extLst>
+            <a:ext uri="{909E8E84-426E-40DD-AFC4-6F175D3DCCD1}">
+              <a14:hiddenFill xmlns:a14="http://schemas.microsoft.com/office/drawing/2010/main">
+                <a:solidFill>
+                  <a:srgbClr val="FFFFFF"/>
+                </a:solidFill>
+              </a14:hiddenFill>
+            </a:ext>
+          </a:extLst>
+        </p:spPr>
+      </p:pic>
+      <p:sp>
+        <p:nvSpPr>
+          <p:cNvPr id="85" name="Rectangle 84">
+            <a:extLst>
+              <a:ext uri="{FF2B5EF4-FFF2-40B4-BE49-F238E27FC236}">
+                <a16:creationId xmlns:a16="http://schemas.microsoft.com/office/drawing/2014/main" id="{F74793DE-3651-410B-B243-8F0B1468E6A4}"/>
+              </a:ext>
+              <a:ext uri="{C183D7F6-B498-43B3-948B-1728B52AA6E4}">
+                <adec:decorative xmlns:adec="http://schemas.microsoft.com/office/drawing/2017/decorative" val="1"/>
+              </a:ext>
+            </a:extLst>
+          </p:cNvPr>
+          <p:cNvSpPr>
+            <a:spLocks noGrp="1" noRot="1" noChangeAspect="1" noMove="1" noResize="1" noEditPoints="1" noAdjustHandles="1" noChangeArrowheads="1" noChangeShapeType="1" noTextEdit="1"/>
+          </p:cNvSpPr>
+          <p:nvPr>
+            <p:extLst>
+              <p:ext uri="{386F3935-93C4-4BCD-93E2-E3B085C9AB24}">
+                <p16:designElem xmlns:p16="http://schemas.microsoft.com/office/powerpoint/2015/main" val="1"/>
+              </p:ext>
+            </p:extLst>
+          </p:nvPr>
+        </p:nvSpPr>
+        <p:spPr>
+          <a:xfrm rot="5400000">
+            <a:off x="6059424" y="-2665476"/>
+            <a:ext cx="73152" cy="12188952"/>
+          </a:xfrm>
+          <a:prstGeom prst="rect">
+            <a:avLst/>
+          </a:prstGeom>
+          <a:solidFill>
+            <a:schemeClr val="tx1">
+              <a:lumMod val="75000"/>
+              <a:lumOff val="25000"/>
+            </a:schemeClr>
+          </a:solidFill>
+          <a:ln>
+            <a:noFill/>
+          </a:ln>
+        </p:spPr>
+        <p:style>
+          <a:lnRef idx="2">
+            <a:schemeClr val="accent1">
+              <a:shade val="50000"/>
+            </a:schemeClr>
+          </a:lnRef>
+          <a:fillRef idx="1">
+            <a:schemeClr val="accent1"/>
+          </a:fillRef>
+          <a:effectRef idx="0">
+            <a:schemeClr val="accent1"/>
+          </a:effectRef>
+          <a:fontRef idx="minor">
+            <a:schemeClr val="lt1"/>
+          </a:fontRef>
+        </p:style>
+        <p:txBody>
+          <a:bodyPr rtlCol="0" anchor="ctr"/>
+          <a:lstStyle/>
+          <a:p>
+            <a:pPr algn="ctr"/>
+            <a:endParaRPr lang="en-US"/>
+          </a:p>
+        </p:txBody>
+      </p:sp>
+      <p:pic>
+        <p:nvPicPr>
+          <p:cNvPr id="1034" name="Picture 10" descr="RÃ©sultat de recherche d'images pour &quot;angular icon&quot;">
+            <a:extLst>
+              <a:ext uri="{FF2B5EF4-FFF2-40B4-BE49-F238E27FC236}">
+                <a16:creationId xmlns:a16="http://schemas.microsoft.com/office/drawing/2014/main" id="{74956FD6-D605-4CEB-97EB-2AC47D8DE825}"/>
+              </a:ext>
+            </a:extLst>
+          </p:cNvPr>
+          <p:cNvPicPr>
+            <a:picLocks noChangeAspect="1" noChangeArrowheads="1"/>
+          </p:cNvPicPr>
+          <p:nvPr/>
+        </p:nvPicPr>
+        <p:blipFill>
+          <a:blip r:embed="rId6">
+            <a:extLst>
+              <a:ext uri="{28A0092B-C50C-407E-A947-70E740481C1C}">
+                <a14:useLocalDpi xmlns:a14="http://schemas.microsoft.com/office/drawing/2010/main" val="0"/>
+              </a:ext>
+            </a:extLst>
+          </a:blip>
+          <a:stretch>
+            <a:fillRect/>
+          </a:stretch>
+        </p:blipFill>
+        <p:spPr bwMode="auto">
+          <a:xfrm>
+            <a:off x="4796884" y="3783923"/>
+            <a:ext cx="2609365" cy="2752344"/>
           </a:xfrm>
           <a:prstGeom prst="rect">
             <a:avLst/>
@@ -4787,20 +12191,20 @@
       </p:pic>
       <p:pic>
         <p:nvPicPr>
-          <p:cNvPr id="9" name="Image 8">
+          <p:cNvPr id="1032" name="Picture 8" descr="RÃ©sultat de recherche d'images pour &quot;bootstrap icon&quot;">
             <a:extLst>
               <a:ext uri="{FF2B5EF4-FFF2-40B4-BE49-F238E27FC236}">
-                <a16:creationId xmlns:a16="http://schemas.microsoft.com/office/drawing/2014/main" id="{8472A45E-424E-4D9A-98F6-215AFCC6EF74}"/>
+                <a16:creationId xmlns:a16="http://schemas.microsoft.com/office/drawing/2014/main" id="{104E33D9-137E-4A4B-AE5F-553BF0959615}"/>
               </a:ext>
             </a:extLst>
           </p:cNvPr>
           <p:cNvPicPr>
-            <a:picLocks noChangeAspect="1"/>
+            <a:picLocks noChangeAspect="1" noChangeArrowheads="1"/>
           </p:cNvPicPr>
           <p:nvPr/>
         </p:nvPicPr>
         <p:blipFill>
-          <a:blip r:embed="rId5">
+          <a:blip r:embed="rId7">
             <a:extLst>
               <a:ext uri="{28A0092B-C50C-407E-A947-70E740481C1C}">
                 <a14:useLocalDpi xmlns:a14="http://schemas.microsoft.com/office/drawing/2010/main" val="0"/>
@@ -4811,94 +12215,32 @@
             <a:fillRect/>
           </a:stretch>
         </p:blipFill>
-        <p:spPr>
+        <p:spPr bwMode="auto">
           <a:xfrm>
-            <a:off x="1249616" y="4212527"/>
-            <a:ext cx="914528" cy="914528"/>
+            <a:off x="8816736" y="3783923"/>
+            <a:ext cx="2752344" cy="2752344"/>
           </a:xfrm>
           <a:prstGeom prst="rect">
             <a:avLst/>
           </a:prstGeom>
-        </p:spPr>
-      </p:pic>
-      <p:pic>
-        <p:nvPicPr>
-          <p:cNvPr id="11" name="Image 10">
-            <a:extLst>
-              <a:ext uri="{FF2B5EF4-FFF2-40B4-BE49-F238E27FC236}">
-                <a16:creationId xmlns:a16="http://schemas.microsoft.com/office/drawing/2014/main" id="{62154898-6523-40C6-A191-9F78E95A3EC1}"/>
-              </a:ext>
-            </a:extLst>
-          </p:cNvPr>
-          <p:cNvPicPr>
-            <a:picLocks noChangeAspect="1"/>
-          </p:cNvPicPr>
-          <p:nvPr/>
-        </p:nvPicPr>
-        <p:blipFill>
-          <a:blip r:embed="rId6">
-            <a:extLst>
-              <a:ext uri="{28A0092B-C50C-407E-A947-70E740481C1C}">
-                <a14:useLocalDpi xmlns:a14="http://schemas.microsoft.com/office/drawing/2010/main" val="0"/>
-              </a:ext>
-            </a:extLst>
-          </a:blip>
-          <a:stretch>
-            <a:fillRect/>
-          </a:stretch>
-        </p:blipFill>
-        <p:spPr>
-          <a:xfrm>
-            <a:off x="6233592" y="5032374"/>
-            <a:ext cx="914528" cy="914528"/>
-          </a:xfrm>
-          <a:prstGeom prst="rect">
-            <a:avLst/>
-          </a:prstGeom>
-        </p:spPr>
-      </p:pic>
-      <p:pic>
-        <p:nvPicPr>
-          <p:cNvPr id="13" name="Image 12">
-            <a:extLst>
-              <a:ext uri="{FF2B5EF4-FFF2-40B4-BE49-F238E27FC236}">
-                <a16:creationId xmlns:a16="http://schemas.microsoft.com/office/drawing/2014/main" id="{8DDB70DA-57F3-4C32-92B6-41FACA5AAEEC}"/>
-              </a:ext>
-            </a:extLst>
-          </p:cNvPr>
-          <p:cNvPicPr>
-            <a:picLocks noChangeAspect="1"/>
-          </p:cNvPicPr>
-          <p:nvPr/>
-        </p:nvPicPr>
-        <p:blipFill>
-          <a:blip r:embed="rId7">
-            <a:extLst>
-              <a:ext uri="{28A0092B-C50C-407E-A947-70E740481C1C}">
-                <a14:useLocalDpi xmlns:a14="http://schemas.microsoft.com/office/drawing/2010/main" val="0"/>
-              </a:ext>
-            </a:extLst>
-          </a:blip>
-          <a:stretch>
-            <a:fillRect/>
-          </a:stretch>
-        </p:blipFill>
-        <p:spPr>
-          <a:xfrm>
-            <a:off x="8793696" y="4212527"/>
-            <a:ext cx="914528" cy="914528"/>
-          </a:xfrm>
-          <a:prstGeom prst="rect">
-            <a:avLst/>
-          </a:prstGeom>
+          <a:noFill/>
+          <a:extLst>
+            <a:ext uri="{909E8E84-426E-40DD-AFC4-6F175D3DCCD1}">
+              <a14:hiddenFill xmlns:a14="http://schemas.microsoft.com/office/drawing/2010/main">
+                <a:solidFill>
+                  <a:srgbClr val="FFFFFF"/>
+                </a:solidFill>
+              </a14:hiddenFill>
+            </a:ext>
+          </a:extLst>
         </p:spPr>
       </p:pic>
       <p:sp>
         <p:nvSpPr>
-          <p:cNvPr id="14" name="Espace réservé du numéro de diapositive 13">
+          <p:cNvPr id="2" name="Espace réservé du numéro de diapositive 1">
             <a:extLst>
               <a:ext uri="{FF2B5EF4-FFF2-40B4-BE49-F238E27FC236}">
-                <a16:creationId xmlns:a16="http://schemas.microsoft.com/office/drawing/2014/main" id="{1DE59375-7875-4B32-8323-4DCE0C1E98AE}"/>
+                <a16:creationId xmlns:a16="http://schemas.microsoft.com/office/drawing/2014/main" id="{4335254C-EFF0-4620-8478-6A9C423FDA34}"/>
               </a:ext>
             </a:extLst>
           </p:cNvPr>
@@ -4909,23 +12251,86 @@
             <p:ph type="sldNum" sz="quarter" idx="12"/>
           </p:nvPr>
         </p:nvSpPr>
-        <p:spPr/>
+        <p:spPr>
+          <a:xfrm>
+            <a:off x="8610600" y="6508750"/>
+            <a:ext cx="2743200" cy="365125"/>
+          </a:xfrm>
+        </p:spPr>
         <p:txBody>
-          <a:bodyPr/>
+          <a:bodyPr>
+            <a:normAutofit/>
+          </a:bodyPr>
           <a:lstStyle/>
           <a:p>
+            <a:pPr>
+              <a:spcAft>
+                <a:spcPts val="600"/>
+              </a:spcAft>
+            </a:pPr>
             <a:fld id="{FAEAF821-8BBB-4B5F-AB25-F4FE9450ED6D}" type="slidenum">
               <a:rPr lang="fr-CH" smtClean="0"/>
+              <a:pPr>
+                <a:spcAft>
+                  <a:spcPts val="600"/>
+                </a:spcAft>
+              </a:pPr>
               <a:t>13</a:t>
             </a:fld>
             <a:endParaRPr lang="fr-CH"/>
           </a:p>
         </p:txBody>
       </p:sp>
+      <p:pic>
+        <p:nvPicPr>
+          <p:cNvPr id="1036" name="Picture 12" descr="RÃ©sultat de recherche d'images pour &quot;docker icon&quot;">
+            <a:extLst>
+              <a:ext uri="{FF2B5EF4-FFF2-40B4-BE49-F238E27FC236}">
+                <a16:creationId xmlns:a16="http://schemas.microsoft.com/office/drawing/2014/main" id="{284F0BC2-839B-471E-975E-FCCBF54DDD11}"/>
+              </a:ext>
+            </a:extLst>
+          </p:cNvPr>
+          <p:cNvPicPr>
+            <a:picLocks noChangeAspect="1" noChangeArrowheads="1"/>
+          </p:cNvPicPr>
+          <p:nvPr/>
+        </p:nvPicPr>
+        <p:blipFill>
+          <a:blip r:embed="rId8">
+            <a:extLst>
+              <a:ext uri="{28A0092B-C50C-407E-A947-70E740481C1C}">
+                <a14:useLocalDpi xmlns:a14="http://schemas.microsoft.com/office/drawing/2010/main" val="0"/>
+              </a:ext>
+            </a:extLst>
+          </a:blip>
+          <a:stretch>
+            <a:fillRect/>
+          </a:stretch>
+        </p:blipFill>
+        <p:spPr bwMode="auto">
+          <a:xfrm>
+            <a:off x="647494" y="3783923"/>
+            <a:ext cx="2752344" cy="2752344"/>
+          </a:xfrm>
+          <a:prstGeom prst="rect">
+            <a:avLst/>
+          </a:prstGeom>
+          <a:noFill/>
+          <a:extLst>
+            <a:ext uri="{909E8E84-426E-40DD-AFC4-6F175D3DCCD1}">
+              <a14:hiddenFill xmlns:a14="http://schemas.microsoft.com/office/drawing/2010/main">
+                <a:solidFill>
+                  <a:srgbClr val="FFFFFF"/>
+                </a:solidFill>
+              </a14:hiddenFill>
+            </a:ext>
+          </a:extLst>
+        </p:spPr>
+      </p:pic>
     </p:spTree>
     <p:extLst>
       <p:ext uri="{BB962C8B-B14F-4D97-AF65-F5344CB8AC3E}">
-        <p14:creationId xmlns:p14="http://schemas.microsoft.com/office/powerpoint/2010/main" val="760369114"/>
+        <p14:creationId xmlns:p14="http://schemas.microsoft.com/office/powerpoint/2010/main" val="431675060"/>
       </p:ext>
     </p:extLst>
   </p:cSld>
@@ -4982,45 +12387,6 @@
       </p:sp>
       <p:sp>
         <p:nvSpPr>
-          <p:cNvPr id="3" name="Espace réservé du contenu 2">
-            <a:extLst>
-              <a:ext uri="{FF2B5EF4-FFF2-40B4-BE49-F238E27FC236}">
-                <a16:creationId xmlns:a16="http://schemas.microsoft.com/office/drawing/2014/main" id="{7D55B691-8C7F-4290-AFFA-9A794E0D7637}"/>
-              </a:ext>
-            </a:extLst>
-          </p:cNvPr>
-          <p:cNvSpPr>
-            <a:spLocks noGrp="1"/>
-          </p:cNvSpPr>
-          <p:nvPr>
-            <p:ph idx="1"/>
-          </p:nvPr>
-        </p:nvSpPr>
-        <p:spPr/>
-        <p:txBody>
-          <a:bodyPr/>
-          <a:lstStyle/>
-          <a:p>
-            <a:r>
-              <a:rPr lang="fr-CH" dirty="0"/>
-              <a:t>Diagram et expliquer chaque </a:t>
-            </a:r>
-            <a:r>
-              <a:rPr lang="fr-CH" dirty="0" err="1"/>
-              <a:t>microservice</a:t>
-            </a:r>
-            <a:endParaRPr lang="fr-CH" dirty="0"/>
-          </a:p>
-          <a:p>
-            <a:r>
-              <a:rPr lang="fr-CH" dirty="0"/>
-              <a:t>Work break down Diagram</a:t>
-            </a:r>
-          </a:p>
-        </p:txBody>
-      </p:sp>
-      <p:sp>
-        <p:nvSpPr>
           <p:cNvPr id="4" name="Espace réservé du numéro de diapositive 3">
             <a:extLst>
               <a:ext uri="{FF2B5EF4-FFF2-40B4-BE49-F238E27FC236}">
@@ -5048,6 +12414,28 @@
           </a:p>
         </p:txBody>
       </p:sp>
+      <p:graphicFrame>
+        <p:nvGraphicFramePr>
+          <p:cNvPr id="6" name="Diagramme 5">
+            <a:extLst>
+              <a:ext uri="{FF2B5EF4-FFF2-40B4-BE49-F238E27FC236}">
+                <a16:creationId xmlns:a16="http://schemas.microsoft.com/office/drawing/2014/main" id="{9F4D2F7C-0787-48ED-A5C2-775A3D57F208}"/>
+              </a:ext>
+            </a:extLst>
+          </p:cNvPr>
+          <p:cNvGraphicFramePr/>
+          <p:nvPr/>
+        </p:nvGraphicFramePr>
+        <p:xfrm>
+          <a:off x="1651000" y="596900"/>
+          <a:ext cx="8890000" cy="5664200"/>
+        </p:xfrm>
+        <a:graphic>
+          <a:graphicData uri="http://schemas.openxmlformats.org/drawingml/2006/diagram">
+            <dgm:relIds xmlns:dgm="http://schemas.openxmlformats.org/drawingml/2006/diagram" xmlns:r="http://schemas.openxmlformats.org/officeDocument/2006/relationships" r:dm="rId3" r:lo="rId4" r:qs="rId5" r:cs="rId6"/>
+          </a:graphicData>
+        </a:graphic>
+      </p:graphicFrame>
     </p:spTree>
     <p:extLst>
       <p:ext uri="{BB962C8B-B14F-4D97-AF65-F5344CB8AC3E}">
@@ -6323,7 +13711,7 @@
         </p:blipFill>
         <p:spPr>
           <a:xfrm>
-            <a:off x="9086916" y="1423369"/>
+            <a:off x="9365205" y="1513608"/>
             <a:ext cx="1041768" cy="1041768"/>
           </a:xfrm>
           <a:prstGeom prst="rect">
@@ -6416,7 +13804,7 @@
         <p:spPr>
           <a:xfrm>
             <a:off x="6915687" y="2944467"/>
-            <a:ext cx="1704569" cy="369332"/>
+            <a:ext cx="1704569" cy="646331"/>
           </a:xfrm>
           <a:prstGeom prst="rect">
             <a:avLst/>
@@ -6434,6 +13822,12 @@
               <a:t>Authentification</a:t>
             </a:r>
           </a:p>
+          <a:p>
+            <a:r>
+              <a:rPr lang="fr-CH" dirty="0"/>
+              <a:t>Par l’Université</a:t>
+            </a:r>
+          </a:p>
         </p:txBody>
       </p:sp>
       <p:sp>
@@ -6450,7 +13844,7 @@
         </p:nvSpPr>
         <p:spPr>
           <a:xfrm>
-            <a:off x="8620256" y="2911247"/>
+            <a:off x="8794917" y="2944467"/>
             <a:ext cx="1997791" cy="369332"/>
           </a:xfrm>
           <a:prstGeom prst="rect">
@@ -7723,52 +15117,6 @@
       </p:sp>
       <p:sp>
         <p:nvSpPr>
-          <p:cNvPr id="3" name="Espace réservé du contenu 2">
-            <a:extLst>
-              <a:ext uri="{FF2B5EF4-FFF2-40B4-BE49-F238E27FC236}">
-                <a16:creationId xmlns:a16="http://schemas.microsoft.com/office/drawing/2014/main" id="{8C64D459-B24A-4BC2-9060-B9498181E246}"/>
-              </a:ext>
-            </a:extLst>
-          </p:cNvPr>
-          <p:cNvSpPr>
-            <a:spLocks noGrp="1"/>
-          </p:cNvSpPr>
-          <p:nvPr>
-            <p:ph idx="1"/>
-          </p:nvPr>
-        </p:nvSpPr>
-        <p:spPr/>
-        <p:txBody>
-          <a:bodyPr/>
-          <a:lstStyle/>
-          <a:p>
-            <a:r>
-              <a:rPr lang="fr-CH" dirty="0"/>
-              <a:t>Fuite d’un collaborateur</a:t>
-            </a:r>
-          </a:p>
-          <a:p>
-            <a:r>
-              <a:rPr lang="fr-CH" dirty="0"/>
-              <a:t>Problème de communication</a:t>
-            </a:r>
-          </a:p>
-          <a:p>
-            <a:r>
-              <a:rPr lang="fr-CH" dirty="0"/>
-              <a:t>Manque de connaissance</a:t>
-            </a:r>
-          </a:p>
-          <a:p>
-            <a:r>
-              <a:rPr lang="fr-CH" dirty="0"/>
-              <a:t>First time management big group</a:t>
-            </a:r>
-          </a:p>
-        </p:txBody>
-      </p:sp>
-      <p:sp>
-        <p:nvSpPr>
           <p:cNvPr id="4" name="Espace réservé du numéro de diapositive 3">
             <a:extLst>
               <a:ext uri="{FF2B5EF4-FFF2-40B4-BE49-F238E27FC236}">
@@ -7796,6 +15144,330 @@
           </a:p>
         </p:txBody>
       </p:sp>
+      <p:sp>
+        <p:nvSpPr>
+          <p:cNvPr id="9" name="ZoneTexte 8">
+            <a:extLst>
+              <a:ext uri="{FF2B5EF4-FFF2-40B4-BE49-F238E27FC236}">
+                <a16:creationId xmlns:a16="http://schemas.microsoft.com/office/drawing/2014/main" id="{6D435700-44AE-4923-8F8F-3F0E5B1B2315}"/>
+              </a:ext>
+            </a:extLst>
+          </p:cNvPr>
+          <p:cNvSpPr txBox="1"/>
+          <p:nvPr/>
+        </p:nvSpPr>
+        <p:spPr>
+          <a:xfrm>
+            <a:off x="3272382" y="1985771"/>
+            <a:ext cx="2715423" cy="400110"/>
+          </a:xfrm>
+          <a:prstGeom prst="rect">
+            <a:avLst/>
+          </a:prstGeom>
+          <a:noFill/>
+        </p:spPr>
+        <p:txBody>
+          <a:bodyPr wrap="none" rtlCol="0">
+            <a:spAutoFit/>
+          </a:bodyPr>
+          <a:lstStyle/>
+          <a:p>
+            <a:r>
+              <a:rPr lang="fr-CH" sz="2000" dirty="0"/>
+              <a:t>Perte d’un collaborateur</a:t>
+            </a:r>
+          </a:p>
+        </p:txBody>
+      </p:sp>
+      <p:sp>
+        <p:nvSpPr>
+          <p:cNvPr id="12" name="ZoneTexte 11">
+            <a:extLst>
+              <a:ext uri="{FF2B5EF4-FFF2-40B4-BE49-F238E27FC236}">
+                <a16:creationId xmlns:a16="http://schemas.microsoft.com/office/drawing/2014/main" id="{2E89A139-ACCF-4610-9BF3-069CBFEC8702}"/>
+              </a:ext>
+            </a:extLst>
+          </p:cNvPr>
+          <p:cNvSpPr txBox="1"/>
+          <p:nvPr/>
+        </p:nvSpPr>
+        <p:spPr>
+          <a:xfrm>
+            <a:off x="3272383" y="3595330"/>
+            <a:ext cx="2829108" cy="400110"/>
+          </a:xfrm>
+          <a:prstGeom prst="rect">
+            <a:avLst/>
+          </a:prstGeom>
+          <a:noFill/>
+        </p:spPr>
+        <p:txBody>
+          <a:bodyPr wrap="none" rtlCol="0">
+            <a:spAutoFit/>
+          </a:bodyPr>
+          <a:lstStyle/>
+          <a:p>
+            <a:r>
+              <a:rPr lang="fr-CH" sz="2000" dirty="0"/>
+              <a:t>Manque de connaissance</a:t>
+            </a:r>
+          </a:p>
+        </p:txBody>
+      </p:sp>
+      <p:sp>
+        <p:nvSpPr>
+          <p:cNvPr id="13" name="ZoneTexte 12">
+            <a:extLst>
+              <a:ext uri="{FF2B5EF4-FFF2-40B4-BE49-F238E27FC236}">
+                <a16:creationId xmlns:a16="http://schemas.microsoft.com/office/drawing/2014/main" id="{8251C58E-BBAC-46BD-B60A-CBD2433F51A7}"/>
+              </a:ext>
+            </a:extLst>
+          </p:cNvPr>
+          <p:cNvSpPr txBox="1"/>
+          <p:nvPr/>
+        </p:nvSpPr>
+        <p:spPr>
+          <a:xfrm>
+            <a:off x="3272383" y="5346186"/>
+            <a:ext cx="2900346" cy="400110"/>
+          </a:xfrm>
+          <a:prstGeom prst="rect">
+            <a:avLst/>
+          </a:prstGeom>
+          <a:noFill/>
+        </p:spPr>
+        <p:txBody>
+          <a:bodyPr wrap="none" rtlCol="0">
+            <a:spAutoFit/>
+          </a:bodyPr>
+          <a:lstStyle/>
+          <a:p>
+            <a:r>
+              <a:rPr lang="fr-CH" sz="2000" dirty="0"/>
+              <a:t>Management d’un groupe</a:t>
+            </a:r>
+          </a:p>
+        </p:txBody>
+      </p:sp>
+      <p:pic>
+        <p:nvPicPr>
+          <p:cNvPr id="15" name="Image 14">
+            <a:extLst>
+              <a:ext uri="{FF2B5EF4-FFF2-40B4-BE49-F238E27FC236}">
+                <a16:creationId xmlns:a16="http://schemas.microsoft.com/office/drawing/2014/main" id="{E75FF0CD-82CF-4578-8A58-B6D25EF836D2}"/>
+              </a:ext>
+            </a:extLst>
+          </p:cNvPr>
+          <p:cNvPicPr>
+            <a:picLocks noChangeAspect="1"/>
+          </p:cNvPicPr>
+          <p:nvPr/>
+        </p:nvPicPr>
+        <p:blipFill>
+          <a:blip r:embed="rId3">
+            <a:extLst>
+              <a:ext uri="{28A0092B-C50C-407E-A947-70E740481C1C}">
+                <a14:useLocalDpi xmlns:a14="http://schemas.microsoft.com/office/drawing/2010/main" val="0"/>
+              </a:ext>
+            </a:extLst>
+          </a:blip>
+          <a:stretch>
+            <a:fillRect/>
+          </a:stretch>
+        </p:blipFill>
+        <p:spPr>
+          <a:xfrm>
+            <a:off x="1702086" y="4811591"/>
+            <a:ext cx="1193577" cy="1193577"/>
+          </a:xfrm>
+          <a:prstGeom prst="rect">
+            <a:avLst/>
+          </a:prstGeom>
+        </p:spPr>
+      </p:pic>
+      <p:pic>
+        <p:nvPicPr>
+          <p:cNvPr id="17" name="Image 16">
+            <a:extLst>
+              <a:ext uri="{FF2B5EF4-FFF2-40B4-BE49-F238E27FC236}">
+                <a16:creationId xmlns:a16="http://schemas.microsoft.com/office/drawing/2014/main" id="{179C8353-14C2-4653-8E4F-727E8D4D2B53}"/>
+              </a:ext>
+            </a:extLst>
+          </p:cNvPr>
+          <p:cNvPicPr>
+            <a:picLocks noChangeAspect="1"/>
+          </p:cNvPicPr>
+          <p:nvPr/>
+        </p:nvPicPr>
+        <p:blipFill>
+          <a:blip r:embed="rId4">
+            <a:extLst>
+              <a:ext uri="{28A0092B-C50C-407E-A947-70E740481C1C}">
+                <a14:useLocalDpi xmlns:a14="http://schemas.microsoft.com/office/drawing/2010/main" val="0"/>
+              </a:ext>
+            </a:extLst>
+          </a:blip>
+          <a:stretch>
+            <a:fillRect/>
+          </a:stretch>
+        </p:blipFill>
+        <p:spPr>
+          <a:xfrm>
+            <a:off x="1702085" y="3183207"/>
+            <a:ext cx="1193578" cy="1193578"/>
+          </a:xfrm>
+          <a:prstGeom prst="rect">
+            <a:avLst/>
+          </a:prstGeom>
+        </p:spPr>
+      </p:pic>
+      <p:pic>
+        <p:nvPicPr>
+          <p:cNvPr id="18" name="Image 17">
+            <a:extLst>
+              <a:ext uri="{FF2B5EF4-FFF2-40B4-BE49-F238E27FC236}">
+                <a16:creationId xmlns:a16="http://schemas.microsoft.com/office/drawing/2014/main" id="{8BCC420A-6487-48B2-A56F-89269174A049}"/>
+              </a:ext>
+            </a:extLst>
+          </p:cNvPr>
+          <p:cNvPicPr>
+            <a:picLocks noChangeAspect="1"/>
+          </p:cNvPicPr>
+          <p:nvPr/>
+        </p:nvPicPr>
+        <p:blipFill>
+          <a:blip r:embed="rId5">
+            <a:extLst>
+              <a:ext uri="{28A0092B-C50C-407E-A947-70E740481C1C}">
+                <a14:useLocalDpi xmlns:a14="http://schemas.microsoft.com/office/drawing/2010/main" val="0"/>
+              </a:ext>
+            </a:extLst>
+          </a:blip>
+          <a:stretch>
+            <a:fillRect/>
+          </a:stretch>
+        </p:blipFill>
+        <p:spPr>
+          <a:xfrm>
+            <a:off x="1883480" y="1690688"/>
+            <a:ext cx="830788" cy="830788"/>
+          </a:xfrm>
+          <a:prstGeom prst="rect">
+            <a:avLst/>
+          </a:prstGeom>
+        </p:spPr>
+      </p:pic>
+      <p:pic>
+        <p:nvPicPr>
+          <p:cNvPr id="20" name="Image 19">
+            <a:extLst>
+              <a:ext uri="{FF2B5EF4-FFF2-40B4-BE49-F238E27FC236}">
+                <a16:creationId xmlns:a16="http://schemas.microsoft.com/office/drawing/2014/main" id="{6E230BDA-6C9B-48DD-85AA-B0E2998D752B}"/>
+              </a:ext>
+            </a:extLst>
+          </p:cNvPr>
+          <p:cNvPicPr>
+            <a:picLocks noChangeAspect="1"/>
+          </p:cNvPicPr>
+          <p:nvPr/>
+        </p:nvPicPr>
+        <p:blipFill>
+          <a:blip r:embed="rId5">
+            <a:extLst>
+              <a:ext uri="{28A0092B-C50C-407E-A947-70E740481C1C}">
+                <a14:useLocalDpi xmlns:a14="http://schemas.microsoft.com/office/drawing/2010/main" val="0"/>
+              </a:ext>
+            </a:extLst>
+          </a:blip>
+          <a:stretch>
+            <a:fillRect/>
+          </a:stretch>
+        </p:blipFill>
+        <p:spPr>
+          <a:xfrm>
+            <a:off x="2480269" y="1677287"/>
+            <a:ext cx="830788" cy="830788"/>
+          </a:xfrm>
+          <a:prstGeom prst="rect">
+            <a:avLst/>
+          </a:prstGeom>
+        </p:spPr>
+      </p:pic>
+      <p:pic>
+        <p:nvPicPr>
+          <p:cNvPr id="21" name="Image 20">
+            <a:extLst>
+              <a:ext uri="{FF2B5EF4-FFF2-40B4-BE49-F238E27FC236}">
+                <a16:creationId xmlns:a16="http://schemas.microsoft.com/office/drawing/2014/main" id="{8FAB6CC9-7042-495A-BCEA-9BE0DF7B2B29}"/>
+              </a:ext>
+            </a:extLst>
+          </p:cNvPr>
+          <p:cNvPicPr>
+            <a:picLocks noChangeAspect="1"/>
+          </p:cNvPicPr>
+          <p:nvPr/>
+        </p:nvPicPr>
+        <p:blipFill>
+          <a:blip r:embed="rId5">
+            <a:extLst>
+              <a:ext uri="{28A0092B-C50C-407E-A947-70E740481C1C}">
+                <a14:useLocalDpi xmlns:a14="http://schemas.microsoft.com/office/drawing/2010/main" val="0"/>
+              </a:ext>
+            </a:extLst>
+          </a:blip>
+          <a:stretch>
+            <a:fillRect/>
+          </a:stretch>
+        </p:blipFill>
+        <p:spPr>
+          <a:xfrm>
+            <a:off x="1286691" y="1671831"/>
+            <a:ext cx="830788" cy="830788"/>
+          </a:xfrm>
+          <a:prstGeom prst="rect">
+            <a:avLst/>
+          </a:prstGeom>
+        </p:spPr>
+      </p:pic>
+      <p:pic>
+        <p:nvPicPr>
+          <p:cNvPr id="8" name="Graphique 7" descr="Fermer">
+            <a:extLst>
+              <a:ext uri="{FF2B5EF4-FFF2-40B4-BE49-F238E27FC236}">
+                <a16:creationId xmlns:a16="http://schemas.microsoft.com/office/drawing/2014/main" id="{A24593E6-2DC3-4E1C-8E9A-7B63E4F12185}"/>
+              </a:ext>
+            </a:extLst>
+          </p:cNvPr>
+          <p:cNvPicPr>
+            <a:picLocks noChangeAspect="1"/>
+          </p:cNvPicPr>
+          <p:nvPr/>
+        </p:nvPicPr>
+        <p:blipFill>
+          <a:blip r:embed="rId6">
+            <a:extLst>
+              <a:ext uri="{28A0092B-C50C-407E-A947-70E740481C1C}">
+                <a14:useLocalDpi xmlns:a14="http://schemas.microsoft.com/office/drawing/2010/main" val="0"/>
+              </a:ext>
+              <a:ext uri="{96DAC541-7B7A-43D3-8B79-37D633B846F1}">
+                <asvg:svgBlip xmlns:asvg="http://schemas.microsoft.com/office/drawing/2016/SVG/main" r:embed="rId7"/>
+              </a:ext>
+            </a:extLst>
+          </a:blip>
+          <a:stretch>
+            <a:fillRect/>
+          </a:stretch>
+        </p:blipFill>
+        <p:spPr>
+          <a:xfrm>
+            <a:off x="1990354" y="1898981"/>
+            <a:ext cx="617039" cy="617039"/>
+          </a:xfrm>
+          <a:prstGeom prst="rect">
+            <a:avLst/>
+          </a:prstGeom>
+        </p:spPr>
+      </p:pic>
     </p:spTree>
     <p:extLst>
       <p:ext uri="{BB962C8B-B14F-4D97-AF65-F5344CB8AC3E}">

--- a/Docs/UNIbay_DeskPitch.pptx
+++ b/Docs/UNIbay_DeskPitch.pptx
@@ -14,13 +14,13 @@
     <p:sldId id="260" r:id="rId5"/>
     <p:sldId id="259" r:id="rId6"/>
     <p:sldId id="261" r:id="rId7"/>
-    <p:sldId id="262" r:id="rId8"/>
+    <p:sldId id="271" r:id="rId8"/>
     <p:sldId id="264" r:id="rId9"/>
     <p:sldId id="263" r:id="rId10"/>
     <p:sldId id="266" r:id="rId11"/>
     <p:sldId id="267" r:id="rId12"/>
     <p:sldId id="268" r:id="rId13"/>
-    <p:sldId id="271" r:id="rId14"/>
+    <p:sldId id="272" r:id="rId14"/>
     <p:sldId id="270" r:id="rId15"/>
   </p:sldIdLst>
   <p:sldSz cx="12192000" cy="6858000"/>
@@ -126,6 +126,18 @@
     </p:ext>
   </p:extLst>
 </p:presentation>
+</file>
+
+<file path=ppt/commentAuthors.xml><?xml version="1.0" encoding="utf-8"?>
+<p:cmAuthorLst xmlns:a="http://schemas.openxmlformats.org/drawingml/2006/main" xmlns:r="http://schemas.openxmlformats.org/officeDocument/2006/relationships" xmlns:p="http://schemas.openxmlformats.org/presentationml/2006/main">
+  <p:cmAuthor id="1" name="Tommaso Peletta" initials="TP" lastIdx="1" clrIdx="0">
+    <p:extLst>
+      <p:ext uri="{19B8F6BF-5375-455C-9EA6-DF929625EA0E}">
+        <p15:presenceInfo xmlns:p15="http://schemas.microsoft.com/office/powerpoint/2012/main" userId="Tommaso Peletta" providerId="None"/>
+      </p:ext>
+    </p:extLst>
+  </p:cmAuthor>
+</p:cmAuthorLst>
 </file>
 
 <file path=ppt/diagrams/colors1.xml><?xml version="1.0" encoding="utf-8"?>
@@ -904,7 +916,7 @@
         <a:lstStyle/>
         <a:p>
           <a:r>
-            <a:rPr lang="fr-CH"/>
+            <a:rPr lang="fr-CH" dirty="0"/>
             <a:t>API - Gateway Kong</a:t>
           </a:r>
         </a:p>
@@ -1013,7 +1025,7 @@
         <a:lstStyle/>
         <a:p>
           <a:r>
-            <a:rPr lang="fr-CH"/>
+            <a:rPr lang="fr-CH" dirty="0"/>
             <a:t>Client</a:t>
           </a:r>
         </a:p>
@@ -1181,8 +1193,8 @@
         <a:lstStyle/>
         <a:p>
           <a:r>
-            <a:rPr lang="fr-CH"/>
-            <a:t>AddAnnonce</a:t>
+            <a:rPr lang="fr-CH" dirty="0"/>
+            <a:t>User</a:t>
           </a:r>
         </a:p>
       </dgm:t>
@@ -1223,8 +1235,8 @@
         <a:lstStyle/>
         <a:p>
           <a:r>
-            <a:rPr lang="fr-CH"/>
-            <a:t>User</a:t>
+            <a:rPr lang="fr-CH" dirty="0"/>
+            <a:t>Docker-compose</a:t>
           </a:r>
         </a:p>
       </dgm:t>
@@ -1265,9 +1277,10 @@
         <a:lstStyle/>
         <a:p>
           <a:r>
-            <a:rPr lang="fr-CH"/>
-            <a:t>Docker - compose</a:t>
+            <a:rPr lang="fr-CH" dirty="0" err="1"/>
+            <a:t>AddAnnonce</a:t>
           </a:r>
+          <a:endParaRPr lang="fr-CH" dirty="0"/>
         </a:p>
       </dgm:t>
     </dgm:pt>
@@ -1306,7 +1319,7 @@
       <dgm:spPr/>
     </dgm:pt>
     <dgm:pt modelId="{C70E5AC4-E119-45EA-AC4B-B644A43F0F97}" type="pres">
-      <dgm:prSet presAssocID="{FFE766A7-58BF-40FF-80A4-815FA96111D9}" presName="textCenter" presStyleLbl="node1" presStyleIdx="0" presStyleCnt="10" custLinFactNeighborX="-95025" custLinFactNeighborY="-66197"/>
+      <dgm:prSet presAssocID="{FFE766A7-58BF-40FF-80A4-815FA96111D9}" presName="textCenter" presStyleLbl="node1" presStyleIdx="0" presStyleCnt="10" custLinFactX="-62593" custLinFactNeighborX="-100000" custLinFactNeighborY="-70102"/>
       <dgm:spPr/>
     </dgm:pt>
     <dgm:pt modelId="{13832D01-6F6C-44DD-BCCD-DFE81C8B4B71}" type="pres">
@@ -1402,7 +1415,7 @@
       <dgm:spPr/>
     </dgm:pt>
     <dgm:pt modelId="{6C3586C0-3224-4092-9B7F-4A0B89EB2A92}" type="pres">
-      <dgm:prSet presAssocID="{454E737A-A0A1-48D3-877C-7F9DEF199907}" presName="childCenter2" presStyleLbl="node1" presStyleIdx="8" presStyleCnt="10" custScaleX="161207" custScaleY="145023" custLinFactNeighborX="-94619" custLinFactNeighborY="-4484"/>
+      <dgm:prSet presAssocID="{454E737A-A0A1-48D3-877C-7F9DEF199907}" presName="childCenter2" presStyleLbl="node1" presStyleIdx="8" presStyleCnt="10" custScaleX="161207" custScaleY="145023" custLinFactX="-22242" custLinFactNeighborX="-100000" custLinFactNeighborY="-6995"/>
       <dgm:spPr/>
     </dgm:pt>
     <dgm:pt modelId="{8F0188C1-89B4-4141-B7C0-DD2C346DC9C8}" type="pres">
@@ -1414,7 +1427,7 @@
       <dgm:spPr/>
     </dgm:pt>
     <dgm:pt modelId="{25768885-6B52-4B7E-B734-C653967E0F33}" type="pres">
-      <dgm:prSet presAssocID="{B0321F13-C5B6-45E5-A7BF-835FAD1BC40B}" presName="childCenter3" presStyleLbl="node1" presStyleIdx="9" presStyleCnt="10" custLinFactNeighborX="-67713" custLinFactNeighborY="-66368"/>
+      <dgm:prSet presAssocID="{B0321F13-C5B6-45E5-A7BF-835FAD1BC40B}" presName="childCenter3" presStyleLbl="node1" presStyleIdx="9" presStyleCnt="10" custLinFactNeighborX="-88522" custLinFactNeighborY="-67235"/>
       <dgm:spPr/>
     </dgm:pt>
     <dgm:pt modelId="{47E3518E-1E19-4A2D-A757-FA4DEAB7E0A3}" type="pres">
@@ -1480,7 +1493,7 @@
   <dgm:whole/>
   <dgm:extLst>
     <a:ext uri="http://schemas.microsoft.com/office/drawing/2008/diagram">
-      <dsp:dataModelExt xmlns:dsp="http://schemas.microsoft.com/office/drawing/2008/diagram" relId="rId7" minVer="http://schemas.openxmlformats.org/drawingml/2006/diagram"/>
+      <dsp:dataModelExt xmlns:dsp="http://schemas.microsoft.com/office/drawing/2008/diagram" relId="rId6" minVer="http://schemas.openxmlformats.org/drawingml/2006/diagram"/>
     </a:ext>
   </dgm:extLst>
 </dgm:dataModel>
@@ -1500,9 +1513,9 @@
         <dsp:cNvSpPr/>
       </dsp:nvSpPr>
       <dsp:spPr>
-        <a:xfrm rot="10832159">
-          <a:off x="1396413" y="2771317"/>
-          <a:ext cx="1323569" cy="0"/>
+        <a:xfrm rot="10799637">
+          <a:off x="807110" y="2736744"/>
+          <a:ext cx="1109133" cy="0"/>
         </a:xfrm>
         <a:custGeom>
           <a:avLst/>
@@ -1516,7 +1529,7 @@
                 <a:pt x="0" y="0"/>
               </a:moveTo>
               <a:lnTo>
-                <a:pt x="1323569" y="0"/>
+                <a:pt x="1109133" y="0"/>
               </a:lnTo>
             </a:path>
           </a:pathLst>
@@ -1556,9 +1569,9 @@
         <dsp:cNvSpPr/>
       </dsp:nvSpPr>
       <dsp:spPr>
-        <a:xfrm rot="5439849">
-          <a:off x="3025385" y="3656973"/>
-          <a:ext cx="558357" cy="0"/>
+        <a:xfrm rot="5397315">
+          <a:off x="2244830" y="3598191"/>
+          <a:ext cx="533655" cy="0"/>
         </a:xfrm>
         <a:custGeom>
           <a:avLst/>
@@ -1572,7 +1585,7 @@
                 <a:pt x="0" y="0"/>
               </a:moveTo>
               <a:lnTo>
-                <a:pt x="558357" y="0"/>
+                <a:pt x="533655" y="0"/>
               </a:lnTo>
             </a:path>
           </a:pathLst>
@@ -1612,9 +1625,9 @@
         <dsp:cNvSpPr/>
       </dsp:nvSpPr>
       <dsp:spPr>
-        <a:xfrm rot="21544067">
-          <a:off x="3909359" y="2763974"/>
-          <a:ext cx="1157988" cy="0"/>
+        <a:xfrm rot="22939">
+          <a:off x="3105704" y="2747135"/>
+          <a:ext cx="1961588" cy="0"/>
         </a:xfrm>
         <a:custGeom>
           <a:avLst/>
@@ -1628,7 +1641,7 @@
                 <a:pt x="0" y="0"/>
               </a:moveTo>
               <a:lnTo>
-                <a:pt x="1157988" y="0"/>
+                <a:pt x="1961588" y="0"/>
               </a:lnTo>
             </a:path>
           </a:pathLst>
@@ -1669,7 +1682,7 @@
       </dsp:nvSpPr>
       <dsp:spPr>
         <a:xfrm>
-          <a:off x="2719953" y="2188330"/>
+          <a:off x="1916244" y="2141881"/>
           <a:ext cx="1189482" cy="1189482"/>
         </a:xfrm>
         <a:prstGeom prst="roundRect">
@@ -1728,13 +1741,13 @@
             <a:buNone/>
           </a:pPr>
           <a:r>
-            <a:rPr lang="fr-CH" sz="2100" kern="1200"/>
+            <a:rPr lang="fr-CH" sz="2100" kern="1200" dirty="0"/>
             <a:t>API - Gateway Kong</a:t>
           </a:r>
         </a:p>
       </dsp:txBody>
       <dsp:txXfrm>
-        <a:off x="2778019" y="2246396"/>
+        <a:off x="1974310" y="2199947"/>
         <a:ext cx="1073350" cy="1073350"/>
       </dsp:txXfrm>
     </dsp:sp>
@@ -2313,8 +2326,8 @@
             <a:buNone/>
           </a:pPr>
           <a:r>
-            <a:rPr lang="fr-CH" sz="1400" kern="1200"/>
-            <a:t>AddAnnonce</a:t>
+            <a:rPr lang="fr-CH" sz="1400" kern="1200" dirty="0"/>
+            <a:t>User</a:t>
           </a:r>
         </a:p>
       </dsp:txBody>
@@ -2444,8 +2457,8 @@
             <a:buNone/>
           </a:pPr>
           <a:r>
-            <a:rPr lang="fr-CH" sz="1400" kern="1200"/>
-            <a:t>User</a:t>
+            <a:rPr lang="fr-CH" sz="1400" kern="1200" dirty="0"/>
+            <a:t>Docker-compose</a:t>
           </a:r>
         </a:p>
       </dsp:txBody>
@@ -2575,9 +2588,10 @@
             <a:buNone/>
           </a:pPr>
           <a:r>
-            <a:rPr lang="fr-CH" sz="1400" kern="1200"/>
-            <a:t>Docker - compose</a:t>
+            <a:rPr lang="fr-CH" sz="1400" kern="1200" dirty="0" err="1"/>
+            <a:t>AddAnnonce</a:t>
           </a:r>
+          <a:endParaRPr lang="fr-CH" sz="1400" kern="1200" dirty="0"/>
         </a:p>
       </dsp:txBody>
       <dsp:txXfrm>
@@ -2592,7 +2606,7 @@
       </dsp:nvSpPr>
       <dsp:spPr>
         <a:xfrm>
-          <a:off x="2652257" y="3936133"/>
+          <a:off x="1869946" y="3865019"/>
           <a:ext cx="1284743" cy="1155765"/>
         </a:xfrm>
         <a:prstGeom prst="roundRect">
@@ -2654,7 +2668,7 @@
         </a:p>
       </dsp:txBody>
       <dsp:txXfrm>
-        <a:off x="2708677" y="3992553"/>
+        <a:off x="1926366" y="3921439"/>
         <a:ext cx="1171903" cy="1042925"/>
       </dsp:txXfrm>
     </dsp:sp>
@@ -2665,7 +2679,7 @@
       </dsp:nvSpPr>
       <dsp:spPr>
         <a:xfrm>
-          <a:off x="599489" y="2362922"/>
+          <a:off x="10157" y="2338368"/>
           <a:ext cx="796952" cy="796952"/>
         </a:xfrm>
         <a:prstGeom prst="roundRect">
@@ -2726,13 +2740,13 @@
             <a:buNone/>
           </a:pPr>
           <a:r>
-            <a:rPr lang="fr-CH" sz="2000" kern="1200"/>
+            <a:rPr lang="fr-CH" sz="2000" kern="1200" dirty="0"/>
             <a:t>Client</a:t>
           </a:r>
         </a:p>
       </dsp:txBody>
       <dsp:txXfrm>
-        <a:off x="638393" y="2401826"/>
+        <a:off x="49061" y="2377272"/>
         <a:ext cx="719144" cy="719144"/>
       </dsp:txXfrm>
     </dsp:sp>
@@ -7709,51 +7723,7 @@
           <a:bodyPr/>
           <a:lstStyle/>
           <a:p>
-            <a:r>
-              <a:rPr lang="fr-CH" dirty="0"/>
-              <a:t>Concurrence de la part d’autre site internet</a:t>
-            </a:r>
-          </a:p>
-          <a:p>
-            <a:pPr lvl="1"/>
-            <a:r>
-              <a:rPr lang="fr-CH" dirty="0"/>
-              <a:t>Non spécifique</a:t>
-            </a:r>
-          </a:p>
-          <a:p>
-            <a:pPr lvl="1"/>
-            <a:r>
-              <a:rPr lang="fr-CH" dirty="0"/>
-              <a:t>Manque de confiance</a:t>
-            </a:r>
-          </a:p>
-          <a:p>
-            <a:r>
-              <a:rPr lang="fr-CH" dirty="0"/>
-              <a:t>Braderie organisé</a:t>
-            </a:r>
-          </a:p>
-          <a:p>
-            <a:pPr lvl="1"/>
-            <a:r>
-              <a:rPr lang="fr-CH" dirty="0"/>
-              <a:t>Possibilité d’intégrer événement sur notre site</a:t>
-            </a:r>
-          </a:p>
-          <a:p>
-            <a:pPr lvl="1"/>
-            <a:r>
-              <a:rPr lang="fr-CH" dirty="0"/>
-              <a:t>Publicité</a:t>
-            </a:r>
-          </a:p>
-          <a:p>
-            <a:pPr lvl="1"/>
-            <a:r>
-              <a:rPr lang="fr-CH" dirty="0"/>
-              <a:t>Possibilité de voir la marchandise disponible sur le site</a:t>
-            </a:r>
+            <a:endParaRPr lang="fr-CH" dirty="0"/>
           </a:p>
         </p:txBody>
       </p:sp>
@@ -7774,189 +7744,6 @@
           <a:p>
             <a:fld id="{23E8E429-A922-49C7-ACCE-C5D0493CD5A5}" type="slidenum">
               <a:rPr lang="fr-CH" smtClean="0"/>
-              <a:t>7</a:t>
-            </a:fld>
-            <a:endParaRPr lang="fr-CH"/>
-          </a:p>
-        </p:txBody>
-      </p:sp>
-    </p:spTree>
-    <p:extLst>
-      <p:ext uri="{BB962C8B-B14F-4D97-AF65-F5344CB8AC3E}">
-        <p14:creationId xmlns:p14="http://schemas.microsoft.com/office/powerpoint/2010/main" val="3594019609"/>
-      </p:ext>
-    </p:extLst>
-  </p:cSld>
-  <p:clrMapOvr>
-    <a:masterClrMapping/>
-  </p:clrMapOvr>
-</p:notes>
-</file>
-
-<file path=ppt/notesSlides/notesSlide6.xml><?xml version="1.0" encoding="utf-8"?>
-<p:notes xmlns:a="http://schemas.openxmlformats.org/drawingml/2006/main" xmlns:r="http://schemas.openxmlformats.org/officeDocument/2006/relationships" xmlns:p="http://schemas.openxmlformats.org/presentationml/2006/main">
-  <p:cSld>
-    <p:spTree>
-      <p:nvGrpSpPr>
-        <p:cNvPr id="1" name=""/>
-        <p:cNvGrpSpPr/>
-        <p:nvPr/>
-      </p:nvGrpSpPr>
-      <p:grpSpPr>
-        <a:xfrm>
-          <a:off x="0" y="0"/>
-          <a:ext cx="0" cy="0"/>
-          <a:chOff x="0" y="0"/>
-          <a:chExt cx="0" cy="0"/>
-        </a:xfrm>
-      </p:grpSpPr>
-      <p:sp>
-        <p:nvSpPr>
-          <p:cNvPr id="2" name="Espace réservé de l'image des diapositives 1"/>
-          <p:cNvSpPr>
-            <a:spLocks noGrp="1" noRot="1" noChangeAspect="1"/>
-          </p:cNvSpPr>
-          <p:nvPr>
-            <p:ph type="sldImg"/>
-          </p:nvPr>
-        </p:nvSpPr>
-        <p:spPr/>
-      </p:sp>
-      <p:sp>
-        <p:nvSpPr>
-          <p:cNvPr id="3" name="Espace réservé des notes 2"/>
-          <p:cNvSpPr>
-            <a:spLocks noGrp="1"/>
-          </p:cNvSpPr>
-          <p:nvPr>
-            <p:ph type="body" idx="1"/>
-          </p:nvPr>
-        </p:nvSpPr>
-        <p:spPr/>
-        <p:txBody>
-          <a:bodyPr/>
-          <a:lstStyle/>
-          <a:p>
-            <a:r>
-              <a:rPr lang="fr-CH" dirty="0"/>
-              <a:t>Fuite d’un collaborateur</a:t>
-            </a:r>
-          </a:p>
-          <a:p>
-            <a:r>
-              <a:rPr lang="fr-CH" dirty="0"/>
-              <a:t>Manque de connaissance</a:t>
-            </a:r>
-          </a:p>
-          <a:p>
-            <a:r>
-              <a:rPr lang="fr-CH" dirty="0"/>
-              <a:t>First time management big group</a:t>
-            </a:r>
-          </a:p>
-        </p:txBody>
-      </p:sp>
-      <p:sp>
-        <p:nvSpPr>
-          <p:cNvPr id="4" name="Espace réservé du numéro de diapositive 3"/>
-          <p:cNvSpPr>
-            <a:spLocks noGrp="1"/>
-          </p:cNvSpPr>
-          <p:nvPr>
-            <p:ph type="sldNum" sz="quarter" idx="5"/>
-          </p:nvPr>
-        </p:nvSpPr>
-        <p:spPr/>
-        <p:txBody>
-          <a:bodyPr/>
-          <a:lstStyle/>
-          <a:p>
-            <a:fld id="{23E8E429-A922-49C7-ACCE-C5D0493CD5A5}" type="slidenum">
-              <a:rPr lang="fr-CH" smtClean="0"/>
-              <a:t>8</a:t>
-            </a:fld>
-            <a:endParaRPr lang="fr-CH"/>
-          </a:p>
-        </p:txBody>
-      </p:sp>
-    </p:spTree>
-    <p:extLst>
-      <p:ext uri="{BB962C8B-B14F-4D97-AF65-F5344CB8AC3E}">
-        <p14:creationId xmlns:p14="http://schemas.microsoft.com/office/powerpoint/2010/main" val="3257898556"/>
-      </p:ext>
-    </p:extLst>
-  </p:cSld>
-  <p:clrMapOvr>
-    <a:masterClrMapping/>
-  </p:clrMapOvr>
-</p:notes>
-</file>
-
-<file path=ppt/notesSlides/notesSlide7.xml><?xml version="1.0" encoding="utf-8"?>
-<p:notes xmlns:a="http://schemas.openxmlformats.org/drawingml/2006/main" xmlns:r="http://schemas.openxmlformats.org/officeDocument/2006/relationships" xmlns:p="http://schemas.openxmlformats.org/presentationml/2006/main">
-  <p:cSld>
-    <p:spTree>
-      <p:nvGrpSpPr>
-        <p:cNvPr id="1" name=""/>
-        <p:cNvGrpSpPr/>
-        <p:nvPr/>
-      </p:nvGrpSpPr>
-      <p:grpSpPr>
-        <a:xfrm>
-          <a:off x="0" y="0"/>
-          <a:ext cx="0" cy="0"/>
-          <a:chOff x="0" y="0"/>
-          <a:chExt cx="0" cy="0"/>
-        </a:xfrm>
-      </p:grpSpPr>
-      <p:sp>
-        <p:nvSpPr>
-          <p:cNvPr id="2" name="Espace réservé de l'image des diapositives 1"/>
-          <p:cNvSpPr>
-            <a:spLocks noGrp="1" noRot="1" noChangeAspect="1"/>
-          </p:cNvSpPr>
-          <p:nvPr>
-            <p:ph type="sldImg"/>
-          </p:nvPr>
-        </p:nvSpPr>
-        <p:spPr/>
-      </p:sp>
-      <p:sp>
-        <p:nvSpPr>
-          <p:cNvPr id="3" name="Espace réservé des notes 2"/>
-          <p:cNvSpPr>
-            <a:spLocks noGrp="1"/>
-          </p:cNvSpPr>
-          <p:nvPr>
-            <p:ph type="body" idx="1"/>
-          </p:nvPr>
-        </p:nvSpPr>
-        <p:spPr/>
-        <p:txBody>
-          <a:bodyPr/>
-          <a:lstStyle/>
-          <a:p>
-            <a:endParaRPr lang="fr-CH" dirty="0"/>
-          </a:p>
-        </p:txBody>
-      </p:sp>
-      <p:sp>
-        <p:nvSpPr>
-          <p:cNvPr id="4" name="Espace réservé du numéro de diapositive 3"/>
-          <p:cNvSpPr>
-            <a:spLocks noGrp="1"/>
-          </p:cNvSpPr>
-          <p:nvPr>
-            <p:ph type="sldNum" sz="quarter" idx="5"/>
-          </p:nvPr>
-        </p:nvSpPr>
-        <p:spPr/>
-        <p:txBody>
-          <a:bodyPr/>
-          <a:lstStyle/>
-          <a:p>
-            <a:fld id="{23E8E429-A922-49C7-ACCE-C5D0493CD5A5}" type="slidenum">
-              <a:rPr lang="fr-CH" smtClean="0"/>
               <a:t>13</a:t>
             </a:fld>
             <a:endParaRPr lang="fr-CH"/>
@@ -7967,104 +7754,6 @@
     <p:extLst>
       <p:ext uri="{BB962C8B-B14F-4D97-AF65-F5344CB8AC3E}">
         <p14:creationId xmlns:p14="http://schemas.microsoft.com/office/powerpoint/2010/main" val="1269740511"/>
-      </p:ext>
-    </p:extLst>
-  </p:cSld>
-  <p:clrMapOvr>
-    <a:masterClrMapping/>
-  </p:clrMapOvr>
-</p:notes>
-</file>
-
-<file path=ppt/notesSlides/notesSlide8.xml><?xml version="1.0" encoding="utf-8"?>
-<p:notes xmlns:a="http://schemas.openxmlformats.org/drawingml/2006/main" xmlns:r="http://schemas.openxmlformats.org/officeDocument/2006/relationships" xmlns:p="http://schemas.openxmlformats.org/presentationml/2006/main">
-  <p:cSld>
-    <p:spTree>
-      <p:nvGrpSpPr>
-        <p:cNvPr id="1" name=""/>
-        <p:cNvGrpSpPr/>
-        <p:nvPr/>
-      </p:nvGrpSpPr>
-      <p:grpSpPr>
-        <a:xfrm>
-          <a:off x="0" y="0"/>
-          <a:ext cx="0" cy="0"/>
-          <a:chOff x="0" y="0"/>
-          <a:chExt cx="0" cy="0"/>
-        </a:xfrm>
-      </p:grpSpPr>
-      <p:sp>
-        <p:nvSpPr>
-          <p:cNvPr id="2" name="Espace réservé de l'image des diapositives 1"/>
-          <p:cNvSpPr>
-            <a:spLocks noGrp="1" noRot="1" noChangeAspect="1"/>
-          </p:cNvSpPr>
-          <p:nvPr>
-            <p:ph type="sldImg"/>
-          </p:nvPr>
-        </p:nvSpPr>
-        <p:spPr/>
-      </p:sp>
-      <p:sp>
-        <p:nvSpPr>
-          <p:cNvPr id="3" name="Espace réservé des notes 2"/>
-          <p:cNvSpPr>
-            <a:spLocks noGrp="1"/>
-          </p:cNvSpPr>
-          <p:nvPr>
-            <p:ph type="body" idx="1"/>
-          </p:nvPr>
-        </p:nvSpPr>
-        <p:spPr/>
-        <p:txBody>
-          <a:bodyPr/>
-          <a:lstStyle/>
-          <a:p>
-            <a:r>
-              <a:rPr lang="fr-CH" dirty="0"/>
-              <a:t>Diagram et expliquer chaque </a:t>
-            </a:r>
-            <a:r>
-              <a:rPr lang="fr-CH" dirty="0" err="1"/>
-              <a:t>microservice</a:t>
-            </a:r>
-            <a:endParaRPr lang="fr-CH" dirty="0"/>
-          </a:p>
-          <a:p>
-            <a:r>
-              <a:rPr lang="fr-CH" dirty="0"/>
-              <a:t>Work break down Diagram</a:t>
-            </a:r>
-          </a:p>
-        </p:txBody>
-      </p:sp>
-      <p:sp>
-        <p:nvSpPr>
-          <p:cNvPr id="4" name="Espace réservé du numéro de diapositive 3"/>
-          <p:cNvSpPr>
-            <a:spLocks noGrp="1"/>
-          </p:cNvSpPr>
-          <p:nvPr>
-            <p:ph type="sldNum" sz="quarter" idx="5"/>
-          </p:nvPr>
-        </p:nvSpPr>
-        <p:spPr/>
-        <p:txBody>
-          <a:bodyPr/>
-          <a:lstStyle/>
-          <a:p>
-            <a:fld id="{23E8E429-A922-49C7-ACCE-C5D0493CD5A5}" type="slidenum">
-              <a:rPr lang="fr-CH" smtClean="0"/>
-              <a:t>14</a:t>
-            </a:fld>
-            <a:endParaRPr lang="fr-CH"/>
-          </a:p>
-        </p:txBody>
-      </p:sp>
-    </p:spTree>
-    <p:extLst>
-      <p:ext uri="{BB962C8B-B14F-4D97-AF65-F5344CB8AC3E}">
-        <p14:creationId xmlns:p14="http://schemas.microsoft.com/office/powerpoint/2010/main" val="650987953"/>
       </p:ext>
     </p:extLst>
   </p:cSld>
@@ -11484,31 +11173,6 @@
       </p:sp>
       <p:sp>
         <p:nvSpPr>
-          <p:cNvPr id="3" name="Sous-titre 2">
-            <a:extLst>
-              <a:ext uri="{FF2B5EF4-FFF2-40B4-BE49-F238E27FC236}">
-                <a16:creationId xmlns:a16="http://schemas.microsoft.com/office/drawing/2014/main" id="{A727967D-F036-498F-9F0D-9CFCDF19C3F1}"/>
-              </a:ext>
-            </a:extLst>
-          </p:cNvPr>
-          <p:cNvSpPr>
-            <a:spLocks noGrp="1"/>
-          </p:cNvSpPr>
-          <p:nvPr>
-            <p:ph type="subTitle" idx="1"/>
-          </p:nvPr>
-        </p:nvSpPr>
-        <p:spPr/>
-        <p:txBody>
-          <a:bodyPr/>
-          <a:lstStyle/>
-          <a:p>
-            <a:endParaRPr lang="fr-CH"/>
-          </a:p>
-        </p:txBody>
-      </p:sp>
-      <p:sp>
-        <p:nvSpPr>
           <p:cNvPr id="4" name="Espace réservé du numéro de diapositive 3">
             <a:extLst>
               <a:ext uri="{FF2B5EF4-FFF2-40B4-BE49-F238E27FC236}">
@@ -11582,39 +11246,24 @@
             <p:ph type="title"/>
           </p:nvPr>
         </p:nvSpPr>
-        <p:spPr/>
+        <p:spPr>
+          <a:xfrm>
+            <a:off x="838200" y="365125"/>
+            <a:ext cx="5974080" cy="1325563"/>
+          </a:xfrm>
+        </p:spPr>
         <p:txBody>
           <a:bodyPr/>
           <a:lstStyle/>
           <a:p>
             <a:r>
               <a:rPr lang="fr-CH" dirty="0"/>
-              <a:t>Présentation de l’équipe</a:t>
-            </a:r>
-          </a:p>
-        </p:txBody>
-      </p:sp>
-      <p:sp>
-        <p:nvSpPr>
-          <p:cNvPr id="3" name="Espace réservé du contenu 2">
-            <a:extLst>
-              <a:ext uri="{FF2B5EF4-FFF2-40B4-BE49-F238E27FC236}">
-                <a16:creationId xmlns:a16="http://schemas.microsoft.com/office/drawing/2014/main" id="{667772AB-1C1D-43AC-AAA1-C286B0BDBA6D}"/>
-              </a:ext>
-            </a:extLst>
-          </p:cNvPr>
-          <p:cNvSpPr>
-            <a:spLocks noGrp="1"/>
-          </p:cNvSpPr>
-          <p:nvPr>
-            <p:ph idx="1"/>
-          </p:nvPr>
-        </p:nvSpPr>
-        <p:spPr/>
-        <p:txBody>
-          <a:bodyPr/>
-          <a:lstStyle/>
-          <a:p>
+              <a:t>Une équipe </a:t>
+            </a:r>
+            <a:r>
+              <a:rPr lang="fr-CH" dirty="0" err="1"/>
+              <a:t>coopèrative</a:t>
+            </a:r>
             <a:endParaRPr lang="fr-CH" dirty="0"/>
           </a:p>
         </p:txBody>
@@ -11645,6 +11294,743 @@
               <a:t>11</a:t>
             </a:fld>
             <a:endParaRPr lang="fr-CH"/>
+          </a:p>
+        </p:txBody>
+      </p:sp>
+      <p:pic>
+        <p:nvPicPr>
+          <p:cNvPr id="6" name="Immagine 5">
+            <a:extLst>
+              <a:ext uri="{FF2B5EF4-FFF2-40B4-BE49-F238E27FC236}">
+                <a16:creationId xmlns:a16="http://schemas.microsoft.com/office/drawing/2014/main" id="{A0B7ED63-3775-4AA1-9D66-DB8914E5F946}"/>
+              </a:ext>
+            </a:extLst>
+          </p:cNvPr>
+          <p:cNvPicPr>
+            <a:picLocks noChangeAspect="1"/>
+          </p:cNvPicPr>
+          <p:nvPr/>
+        </p:nvPicPr>
+        <p:blipFill>
+          <a:blip r:embed="rId2">
+            <a:extLst>
+              <a:ext uri="{28A0092B-C50C-407E-A947-70E740481C1C}">
+                <a14:useLocalDpi xmlns:a14="http://schemas.microsoft.com/office/drawing/2010/main" val="0"/>
+              </a:ext>
+            </a:extLst>
+          </a:blip>
+          <a:stretch>
+            <a:fillRect/>
+          </a:stretch>
+        </p:blipFill>
+        <p:spPr>
+          <a:xfrm>
+            <a:off x="5282642" y="1531614"/>
+            <a:ext cx="1626710" cy="1626710"/>
+          </a:xfrm>
+          <a:prstGeom prst="ellipse">
+            <a:avLst/>
+          </a:prstGeom>
+          <a:ln w="6350" cap="rnd">
+            <a:solidFill>
+              <a:srgbClr val="333333"/>
+            </a:solidFill>
+          </a:ln>
+          <a:effectLst/>
+          <a:scene3d>
+            <a:camera prst="orthographicFront"/>
+            <a:lightRig rig="contrasting" dir="t">
+              <a:rot lat="0" lon="0" rev="3000000"/>
+            </a:lightRig>
+          </a:scene3d>
+          <a:sp3d contourW="7620">
+            <a:bevelT w="95250" h="31750"/>
+            <a:contourClr>
+              <a:srgbClr val="333333"/>
+            </a:contourClr>
+          </a:sp3d>
+        </p:spPr>
+      </p:pic>
+      <p:pic>
+        <p:nvPicPr>
+          <p:cNvPr id="9" name="Immagine 8">
+            <a:extLst>
+              <a:ext uri="{FF2B5EF4-FFF2-40B4-BE49-F238E27FC236}">
+                <a16:creationId xmlns:a16="http://schemas.microsoft.com/office/drawing/2014/main" id="{45EE1DF0-2728-4B64-ACB6-741F6C6AE6B1}"/>
+              </a:ext>
+            </a:extLst>
+          </p:cNvPr>
+          <p:cNvPicPr>
+            <a:picLocks noChangeAspect="1"/>
+          </p:cNvPicPr>
+          <p:nvPr/>
+        </p:nvPicPr>
+        <p:blipFill>
+          <a:blip r:embed="rId3">
+            <a:extLst>
+              <a:ext uri="{28A0092B-C50C-407E-A947-70E740481C1C}">
+                <a14:useLocalDpi xmlns:a14="http://schemas.microsoft.com/office/drawing/2010/main" val="0"/>
+              </a:ext>
+            </a:extLst>
+          </a:blip>
+          <a:stretch>
+            <a:fillRect/>
+          </a:stretch>
+        </p:blipFill>
+        <p:spPr>
+          <a:xfrm>
+            <a:off x="988773" y="4159431"/>
+            <a:ext cx="1325563" cy="1325563"/>
+          </a:xfrm>
+          <a:prstGeom prst="ellipse">
+            <a:avLst/>
+          </a:prstGeom>
+          <a:ln w="6350" cap="rnd">
+            <a:solidFill>
+              <a:srgbClr val="333333"/>
+            </a:solidFill>
+          </a:ln>
+          <a:effectLst/>
+          <a:scene3d>
+            <a:camera prst="orthographicFront"/>
+            <a:lightRig rig="contrasting" dir="t">
+              <a:rot lat="0" lon="0" rev="3000000"/>
+            </a:lightRig>
+          </a:scene3d>
+          <a:sp3d contourW="7620">
+            <a:bevelT w="95250" h="31750"/>
+            <a:contourClr>
+              <a:srgbClr val="333333"/>
+            </a:contourClr>
+          </a:sp3d>
+        </p:spPr>
+      </p:pic>
+      <p:sp>
+        <p:nvSpPr>
+          <p:cNvPr id="10" name="CasellaDiTesto 9">
+            <a:extLst>
+              <a:ext uri="{FF2B5EF4-FFF2-40B4-BE49-F238E27FC236}">
+                <a16:creationId xmlns:a16="http://schemas.microsoft.com/office/drawing/2014/main" id="{36055272-5921-4EF7-985E-1D11631ED341}"/>
+              </a:ext>
+            </a:extLst>
+          </p:cNvPr>
+          <p:cNvSpPr txBox="1"/>
+          <p:nvPr/>
+        </p:nvSpPr>
+        <p:spPr>
+          <a:xfrm>
+            <a:off x="5132067" y="3229225"/>
+            <a:ext cx="1927860" cy="646331"/>
+          </a:xfrm>
+          <a:prstGeom prst="rect">
+            <a:avLst/>
+          </a:prstGeom>
+          <a:noFill/>
+        </p:spPr>
+        <p:txBody>
+          <a:bodyPr wrap="square" rtlCol="0">
+            <a:spAutoFit/>
+          </a:bodyPr>
+          <a:lstStyle/>
+          <a:p>
+            <a:pPr algn="ctr"/>
+            <a:r>
+              <a:rPr lang="it-IT" dirty="0"/>
+              <a:t>Adrien </a:t>
+            </a:r>
+            <a:r>
+              <a:rPr lang="it-IT" dirty="0" err="1"/>
+              <a:t>Chabert</a:t>
+            </a:r>
+            <a:endParaRPr lang="it-IT" dirty="0"/>
+          </a:p>
+          <a:p>
+            <a:pPr algn="ctr"/>
+            <a:r>
+              <a:rPr lang="it-IT" i="1" dirty="0">
+                <a:solidFill>
+                  <a:schemeClr val="accent5"/>
+                </a:solidFill>
+              </a:rPr>
+              <a:t>Chef de </a:t>
+            </a:r>
+            <a:r>
+              <a:rPr lang="it-IT" i="1" dirty="0" err="1">
+                <a:solidFill>
+                  <a:schemeClr val="accent5"/>
+                </a:solidFill>
+              </a:rPr>
+              <a:t>projet</a:t>
+            </a:r>
+            <a:endParaRPr lang="it-IT" i="1" dirty="0">
+              <a:solidFill>
+                <a:schemeClr val="accent5"/>
+              </a:solidFill>
+            </a:endParaRPr>
+          </a:p>
+        </p:txBody>
+      </p:sp>
+      <p:pic>
+        <p:nvPicPr>
+          <p:cNvPr id="12" name="Immagine 11">
+            <a:extLst>
+              <a:ext uri="{FF2B5EF4-FFF2-40B4-BE49-F238E27FC236}">
+                <a16:creationId xmlns:a16="http://schemas.microsoft.com/office/drawing/2014/main" id="{9A6EF0B3-0E86-4BB7-9FCC-EFE6A9641CC5}"/>
+              </a:ext>
+            </a:extLst>
+          </p:cNvPr>
+          <p:cNvPicPr>
+            <a:picLocks noChangeAspect="1"/>
+          </p:cNvPicPr>
+          <p:nvPr/>
+        </p:nvPicPr>
+        <p:blipFill>
+          <a:blip r:embed="rId4">
+            <a:extLst>
+              <a:ext uri="{28A0092B-C50C-407E-A947-70E740481C1C}">
+                <a14:useLocalDpi xmlns:a14="http://schemas.microsoft.com/office/drawing/2010/main" val="0"/>
+              </a:ext>
+            </a:extLst>
+          </a:blip>
+          <a:stretch>
+            <a:fillRect/>
+          </a:stretch>
+        </p:blipFill>
+        <p:spPr>
+          <a:xfrm>
+            <a:off x="5433218" y="4159431"/>
+            <a:ext cx="1325563" cy="1325563"/>
+          </a:xfrm>
+          <a:prstGeom prst="ellipse">
+            <a:avLst/>
+          </a:prstGeom>
+          <a:ln w="6350" cap="rnd">
+            <a:solidFill>
+              <a:srgbClr val="333333"/>
+            </a:solidFill>
+          </a:ln>
+          <a:effectLst/>
+          <a:scene3d>
+            <a:camera prst="orthographicFront"/>
+            <a:lightRig rig="contrasting" dir="t">
+              <a:rot lat="0" lon="0" rev="3000000"/>
+            </a:lightRig>
+          </a:scene3d>
+          <a:sp3d contourW="7620">
+            <a:bevelT w="95250" h="31750"/>
+            <a:contourClr>
+              <a:srgbClr val="333333"/>
+            </a:contourClr>
+          </a:sp3d>
+        </p:spPr>
+      </p:pic>
+      <p:pic>
+        <p:nvPicPr>
+          <p:cNvPr id="14" name="Immagine 13">
+            <a:extLst>
+              <a:ext uri="{FF2B5EF4-FFF2-40B4-BE49-F238E27FC236}">
+                <a16:creationId xmlns:a16="http://schemas.microsoft.com/office/drawing/2014/main" id="{94B32A4A-2B07-443C-82A1-744FCA8CA185}"/>
+              </a:ext>
+            </a:extLst>
+          </p:cNvPr>
+          <p:cNvPicPr>
+            <a:picLocks noChangeAspect="1"/>
+          </p:cNvPicPr>
+          <p:nvPr/>
+        </p:nvPicPr>
+        <p:blipFill>
+          <a:blip r:embed="rId5">
+            <a:extLst>
+              <a:ext uri="{28A0092B-C50C-407E-A947-70E740481C1C}">
+                <a14:useLocalDpi xmlns:a14="http://schemas.microsoft.com/office/drawing/2010/main" val="0"/>
+              </a:ext>
+            </a:extLst>
+          </a:blip>
+          <a:stretch>
+            <a:fillRect/>
+          </a:stretch>
+        </p:blipFill>
+        <p:spPr>
+          <a:xfrm>
+            <a:off x="3286282" y="4156403"/>
+            <a:ext cx="1325564" cy="1328591"/>
+          </a:xfrm>
+          <a:prstGeom prst="ellipse">
+            <a:avLst/>
+          </a:prstGeom>
+          <a:ln w="6350" cap="rnd">
+            <a:solidFill>
+              <a:srgbClr val="333333"/>
+            </a:solidFill>
+          </a:ln>
+          <a:effectLst/>
+          <a:scene3d>
+            <a:camera prst="orthographicFront"/>
+            <a:lightRig rig="contrasting" dir="t">
+              <a:rot lat="0" lon="0" rev="3000000"/>
+            </a:lightRig>
+          </a:scene3d>
+          <a:sp3d contourW="7620">
+            <a:bevelT w="95250" h="31750"/>
+            <a:contourClr>
+              <a:srgbClr val="333333"/>
+            </a:contourClr>
+          </a:sp3d>
+        </p:spPr>
+      </p:pic>
+      <p:sp>
+        <p:nvSpPr>
+          <p:cNvPr id="15" name="CasellaDiTesto 14">
+            <a:extLst>
+              <a:ext uri="{FF2B5EF4-FFF2-40B4-BE49-F238E27FC236}">
+                <a16:creationId xmlns:a16="http://schemas.microsoft.com/office/drawing/2014/main" id="{7ACE81EC-0539-4977-A871-3865EBF43D92}"/>
+              </a:ext>
+            </a:extLst>
+          </p:cNvPr>
+          <p:cNvSpPr txBox="1"/>
+          <p:nvPr/>
+        </p:nvSpPr>
+        <p:spPr>
+          <a:xfrm>
+            <a:off x="687625" y="5555895"/>
+            <a:ext cx="1927860" cy="923330"/>
+          </a:xfrm>
+          <a:prstGeom prst="rect">
+            <a:avLst/>
+          </a:prstGeom>
+          <a:noFill/>
+        </p:spPr>
+        <p:txBody>
+          <a:bodyPr wrap="square" rtlCol="0">
+            <a:spAutoFit/>
+          </a:bodyPr>
+          <a:lstStyle/>
+          <a:p>
+            <a:pPr algn="ctr"/>
+            <a:r>
+              <a:rPr lang="it-IT" dirty="0"/>
+              <a:t>Patrick </a:t>
+            </a:r>
+            <a:r>
+              <a:rPr lang="it-IT" dirty="0" err="1"/>
+              <a:t>Sardinha</a:t>
+            </a:r>
+            <a:endParaRPr lang="it-IT" dirty="0"/>
+          </a:p>
+          <a:p>
+            <a:pPr algn="ctr"/>
+            <a:r>
+              <a:rPr lang="it-IT" i="1" dirty="0">
+                <a:solidFill>
+                  <a:schemeClr val="accent5"/>
+                </a:solidFill>
+              </a:rPr>
+              <a:t>Front end </a:t>
+            </a:r>
+            <a:r>
+              <a:rPr lang="it-IT" i="1" dirty="0" err="1">
+                <a:solidFill>
+                  <a:schemeClr val="accent5"/>
+                </a:solidFill>
+              </a:rPr>
+              <a:t>developper</a:t>
+            </a:r>
+            <a:endParaRPr lang="it-IT" i="1" dirty="0">
+              <a:solidFill>
+                <a:schemeClr val="accent5"/>
+              </a:solidFill>
+            </a:endParaRPr>
+          </a:p>
+        </p:txBody>
+      </p:sp>
+      <p:sp>
+        <p:nvSpPr>
+          <p:cNvPr id="16" name="CasellaDiTesto 15">
+            <a:extLst>
+              <a:ext uri="{FF2B5EF4-FFF2-40B4-BE49-F238E27FC236}">
+                <a16:creationId xmlns:a16="http://schemas.microsoft.com/office/drawing/2014/main" id="{BEC7C2E7-AC03-4394-8280-917E4377B559}"/>
+              </a:ext>
+            </a:extLst>
+          </p:cNvPr>
+          <p:cNvSpPr txBox="1"/>
+          <p:nvPr/>
+        </p:nvSpPr>
+        <p:spPr>
+          <a:xfrm>
+            <a:off x="7432830" y="5555895"/>
+            <a:ext cx="1927860" cy="1200329"/>
+          </a:xfrm>
+          <a:prstGeom prst="rect">
+            <a:avLst/>
+          </a:prstGeom>
+          <a:noFill/>
+        </p:spPr>
+        <p:txBody>
+          <a:bodyPr wrap="square" rtlCol="0">
+            <a:spAutoFit/>
+          </a:bodyPr>
+          <a:lstStyle/>
+          <a:p>
+            <a:pPr algn="ctr"/>
+            <a:r>
+              <a:rPr lang="it-IT" dirty="0" err="1"/>
+              <a:t>Guillame</a:t>
+            </a:r>
+            <a:r>
+              <a:rPr lang="it-IT" dirty="0"/>
+              <a:t> Comte</a:t>
+            </a:r>
+          </a:p>
+          <a:p>
+            <a:pPr algn="ctr"/>
+            <a:r>
+              <a:rPr lang="it-IT" i="1" dirty="0">
+                <a:solidFill>
+                  <a:schemeClr val="accent5"/>
+                </a:solidFill>
+              </a:rPr>
+              <a:t>Back end </a:t>
+            </a:r>
+            <a:r>
+              <a:rPr lang="it-IT" i="1" dirty="0" err="1">
+                <a:solidFill>
+                  <a:schemeClr val="accent5"/>
+                </a:solidFill>
+              </a:rPr>
+              <a:t>developper</a:t>
+            </a:r>
+            <a:endParaRPr lang="it-IT" i="1" dirty="0">
+              <a:solidFill>
+                <a:schemeClr val="accent5"/>
+              </a:solidFill>
+            </a:endParaRPr>
+          </a:p>
+          <a:p>
+            <a:pPr algn="ctr"/>
+            <a:endParaRPr lang="it-IT" i="1" dirty="0">
+              <a:solidFill>
+                <a:schemeClr val="accent5"/>
+              </a:solidFill>
+            </a:endParaRPr>
+          </a:p>
+        </p:txBody>
+      </p:sp>
+      <p:sp>
+        <p:nvSpPr>
+          <p:cNvPr id="17" name="CasellaDiTesto 16">
+            <a:extLst>
+              <a:ext uri="{FF2B5EF4-FFF2-40B4-BE49-F238E27FC236}">
+                <a16:creationId xmlns:a16="http://schemas.microsoft.com/office/drawing/2014/main" id="{0F9A9F0C-8348-477B-BAF9-AC66DE4D3D55}"/>
+              </a:ext>
+            </a:extLst>
+          </p:cNvPr>
+          <p:cNvSpPr txBox="1"/>
+          <p:nvPr/>
+        </p:nvSpPr>
+        <p:spPr>
+          <a:xfrm>
+            <a:off x="2985134" y="5555895"/>
+            <a:ext cx="1927860" cy="923330"/>
+          </a:xfrm>
+          <a:prstGeom prst="rect">
+            <a:avLst/>
+          </a:prstGeom>
+          <a:noFill/>
+        </p:spPr>
+        <p:txBody>
+          <a:bodyPr wrap="square" rtlCol="0">
+            <a:spAutoFit/>
+          </a:bodyPr>
+          <a:lstStyle/>
+          <a:p>
+            <a:pPr algn="ctr"/>
+            <a:r>
+              <a:rPr lang="it-IT" dirty="0"/>
+              <a:t>Jonathan Lo</a:t>
+            </a:r>
+          </a:p>
+          <a:p>
+            <a:pPr algn="ctr"/>
+            <a:r>
+              <a:rPr lang="it-IT" i="1" dirty="0" err="1">
+                <a:solidFill>
+                  <a:schemeClr val="accent5"/>
+                </a:solidFill>
+              </a:rPr>
+              <a:t>Fornt</a:t>
+            </a:r>
+            <a:r>
+              <a:rPr lang="it-IT" i="1" dirty="0">
+                <a:solidFill>
+                  <a:schemeClr val="accent5"/>
+                </a:solidFill>
+              </a:rPr>
+              <a:t> end </a:t>
+            </a:r>
+            <a:r>
+              <a:rPr lang="it-IT" i="1" dirty="0" err="1">
+                <a:solidFill>
+                  <a:schemeClr val="accent5"/>
+                </a:solidFill>
+              </a:rPr>
+              <a:t>developper</a:t>
+            </a:r>
+            <a:endParaRPr lang="it-IT" i="1" dirty="0">
+              <a:solidFill>
+                <a:schemeClr val="accent5"/>
+              </a:solidFill>
+            </a:endParaRPr>
+          </a:p>
+        </p:txBody>
+      </p:sp>
+      <p:sp>
+        <p:nvSpPr>
+          <p:cNvPr id="18" name="CasellaDiTesto 17">
+            <a:extLst>
+              <a:ext uri="{FF2B5EF4-FFF2-40B4-BE49-F238E27FC236}">
+                <a16:creationId xmlns:a16="http://schemas.microsoft.com/office/drawing/2014/main" id="{3341062F-31D2-4948-94D3-12AFA848E95A}"/>
+              </a:ext>
+            </a:extLst>
+          </p:cNvPr>
+          <p:cNvSpPr txBox="1"/>
+          <p:nvPr/>
+        </p:nvSpPr>
+        <p:spPr>
+          <a:xfrm>
+            <a:off x="5132069" y="5555895"/>
+            <a:ext cx="1927860" cy="923330"/>
+          </a:xfrm>
+          <a:prstGeom prst="rect">
+            <a:avLst/>
+          </a:prstGeom>
+          <a:noFill/>
+        </p:spPr>
+        <p:txBody>
+          <a:bodyPr wrap="square" rtlCol="0">
+            <a:spAutoFit/>
+          </a:bodyPr>
+          <a:lstStyle/>
+          <a:p>
+            <a:pPr algn="ctr"/>
+            <a:r>
+              <a:rPr lang="it-IT" dirty="0"/>
+              <a:t>Tommaso Peletta</a:t>
+            </a:r>
+          </a:p>
+          <a:p>
+            <a:pPr algn="ctr"/>
+            <a:r>
+              <a:rPr lang="it-IT" i="1" dirty="0" err="1">
+                <a:solidFill>
+                  <a:schemeClr val="accent5"/>
+                </a:solidFill>
+              </a:rPr>
+              <a:t>Syteme</a:t>
+            </a:r>
+            <a:r>
+              <a:rPr lang="it-IT" i="1" dirty="0">
+                <a:solidFill>
+                  <a:schemeClr val="accent5"/>
+                </a:solidFill>
+              </a:rPr>
+              <a:t> admin</a:t>
+            </a:r>
+          </a:p>
+          <a:p>
+            <a:pPr algn="ctr"/>
+            <a:r>
+              <a:rPr lang="it-IT" i="1" dirty="0">
+                <a:solidFill>
+                  <a:schemeClr val="accent5"/>
+                </a:solidFill>
+              </a:rPr>
+              <a:t>volatile</a:t>
+            </a:r>
+          </a:p>
+        </p:txBody>
+      </p:sp>
+      <p:pic>
+        <p:nvPicPr>
+          <p:cNvPr id="20" name="Immagine 19">
+            <a:extLst>
+              <a:ext uri="{FF2B5EF4-FFF2-40B4-BE49-F238E27FC236}">
+                <a16:creationId xmlns:a16="http://schemas.microsoft.com/office/drawing/2014/main" id="{F9BC0A6F-4E72-4D15-AB19-C93BCC13D057}"/>
+              </a:ext>
+            </a:extLst>
+          </p:cNvPr>
+          <p:cNvPicPr>
+            <a:picLocks noChangeAspect="1"/>
+          </p:cNvPicPr>
+          <p:nvPr/>
+        </p:nvPicPr>
+        <p:blipFill>
+          <a:blip r:embed="rId6">
+            <a:extLst>
+              <a:ext uri="{28A0092B-C50C-407E-A947-70E740481C1C}">
+                <a14:useLocalDpi xmlns:a14="http://schemas.microsoft.com/office/drawing/2010/main" val="0"/>
+              </a:ext>
+            </a:extLst>
+          </a:blip>
+          <a:stretch>
+            <a:fillRect/>
+          </a:stretch>
+        </p:blipFill>
+        <p:spPr>
+          <a:xfrm>
+            <a:off x="10034742" y="4120251"/>
+            <a:ext cx="1325563" cy="1328197"/>
+          </a:xfrm>
+          <a:prstGeom prst="ellipse">
+            <a:avLst/>
+          </a:prstGeom>
+          <a:ln w="6350" cap="rnd">
+            <a:solidFill>
+              <a:srgbClr val="333333"/>
+            </a:solidFill>
+          </a:ln>
+          <a:effectLst/>
+          <a:scene3d>
+            <a:camera prst="orthographicFront"/>
+            <a:lightRig rig="contrasting" dir="t">
+              <a:rot lat="0" lon="0" rev="3000000"/>
+            </a:lightRig>
+          </a:scene3d>
+          <a:sp3d contourW="7620">
+            <a:bevelT w="95250" h="31750"/>
+            <a:contourClr>
+              <a:srgbClr val="333333"/>
+            </a:contourClr>
+          </a:sp3d>
+        </p:spPr>
+      </p:pic>
+      <p:pic>
+        <p:nvPicPr>
+          <p:cNvPr id="22" name="Immagine 21">
+            <a:extLst>
+              <a:ext uri="{FF2B5EF4-FFF2-40B4-BE49-F238E27FC236}">
+                <a16:creationId xmlns:a16="http://schemas.microsoft.com/office/drawing/2014/main" id="{36FA5A02-B3EC-446C-B8F4-86550EFBE697}"/>
+              </a:ext>
+            </a:extLst>
+          </p:cNvPr>
+          <p:cNvPicPr>
+            <a:picLocks noChangeAspect="1"/>
+          </p:cNvPicPr>
+          <p:nvPr/>
+        </p:nvPicPr>
+        <p:blipFill>
+          <a:blip r:embed="rId7">
+            <a:extLst>
+              <a:ext uri="{28A0092B-C50C-407E-A947-70E740481C1C}">
+                <a14:useLocalDpi xmlns:a14="http://schemas.microsoft.com/office/drawing/2010/main" val="0"/>
+              </a:ext>
+            </a:extLst>
+          </a:blip>
+          <a:stretch>
+            <a:fillRect/>
+          </a:stretch>
+        </p:blipFill>
+        <p:spPr>
+          <a:xfrm>
+            <a:off x="7730727" y="4120251"/>
+            <a:ext cx="1332069" cy="1328591"/>
+          </a:xfrm>
+          <a:prstGeom prst="ellipse">
+            <a:avLst/>
+          </a:prstGeom>
+          <a:ln w="6350" cap="rnd">
+            <a:solidFill>
+              <a:srgbClr val="333333"/>
+            </a:solidFill>
+          </a:ln>
+          <a:effectLst/>
+          <a:scene3d>
+            <a:camera prst="orthographicFront"/>
+            <a:lightRig rig="contrasting" dir="t">
+              <a:rot lat="0" lon="0" rev="3000000"/>
+            </a:lightRig>
+          </a:scene3d>
+          <a:sp3d contourW="7620">
+            <a:bevelT w="95250" h="31750"/>
+            <a:contourClr>
+              <a:srgbClr val="333333"/>
+            </a:contourClr>
+          </a:sp3d>
+        </p:spPr>
+      </p:pic>
+      <p:sp>
+        <p:nvSpPr>
+          <p:cNvPr id="23" name="CasellaDiTesto 22">
+            <a:extLst>
+              <a:ext uri="{FF2B5EF4-FFF2-40B4-BE49-F238E27FC236}">
+                <a16:creationId xmlns:a16="http://schemas.microsoft.com/office/drawing/2014/main" id="{25FCA6ED-977E-4084-8430-54710D9533B7}"/>
+              </a:ext>
+            </a:extLst>
+          </p:cNvPr>
+          <p:cNvSpPr txBox="1"/>
+          <p:nvPr/>
+        </p:nvSpPr>
+        <p:spPr>
+          <a:xfrm>
+            <a:off x="9730339" y="5484994"/>
+            <a:ext cx="1927860" cy="1200329"/>
+          </a:xfrm>
+          <a:prstGeom prst="rect">
+            <a:avLst/>
+          </a:prstGeom>
+          <a:noFill/>
+        </p:spPr>
+        <p:txBody>
+          <a:bodyPr wrap="square" rtlCol="0">
+            <a:spAutoFit/>
+          </a:bodyPr>
+          <a:lstStyle/>
+          <a:p>
+            <a:pPr algn="ctr"/>
+            <a:r>
+              <a:rPr lang="it-IT" dirty="0" err="1"/>
+              <a:t>Loan</a:t>
+            </a:r>
+            <a:r>
+              <a:rPr lang="it-IT" dirty="0"/>
+              <a:t> </a:t>
+            </a:r>
+            <a:r>
+              <a:rPr lang="it-IT" dirty="0" err="1"/>
+              <a:t>Herault</a:t>
+            </a:r>
+            <a:endParaRPr lang="it-IT" dirty="0"/>
+          </a:p>
+          <a:p>
+            <a:pPr algn="ctr"/>
+            <a:r>
+              <a:rPr lang="it-IT" i="1" dirty="0">
+                <a:solidFill>
+                  <a:schemeClr val="accent5"/>
+                </a:solidFill>
+              </a:rPr>
+              <a:t>Back end </a:t>
+            </a:r>
+            <a:r>
+              <a:rPr lang="it-IT" i="1" dirty="0" err="1">
+                <a:solidFill>
+                  <a:schemeClr val="accent5"/>
+                </a:solidFill>
+              </a:rPr>
+              <a:t>developper</a:t>
+            </a:r>
+            <a:endParaRPr lang="it-IT" i="1" dirty="0">
+              <a:solidFill>
+                <a:schemeClr val="accent5"/>
+              </a:solidFill>
+            </a:endParaRPr>
+          </a:p>
+          <a:p>
+            <a:pPr algn="ctr"/>
+            <a:endParaRPr lang="it-IT" i="1" dirty="0">
+              <a:solidFill>
+                <a:schemeClr val="accent5"/>
+              </a:solidFill>
+            </a:endParaRPr>
           </a:p>
         </p:txBody>
       </p:sp>
@@ -11947,7 +12333,7 @@
         </p:blipFill>
         <p:spPr bwMode="auto">
           <a:xfrm>
-            <a:off x="8492124" y="1147709"/>
+            <a:off x="320711" y="4611592"/>
             <a:ext cx="3401568" cy="1097005"/>
           </a:xfrm>
           <a:prstGeom prst="rect">
@@ -12059,7 +12445,7 @@
         </p:blipFill>
         <p:spPr bwMode="auto">
           <a:xfrm>
-            <a:off x="5345986" y="320040"/>
+            <a:off x="5325766" y="265971"/>
             <a:ext cx="1500027" cy="2752344"/>
           </a:xfrm>
           <a:prstGeom prst="rect">
@@ -12171,7 +12557,7 @@
         </p:blipFill>
         <p:spPr bwMode="auto">
           <a:xfrm>
-            <a:off x="4796884" y="3783923"/>
+            <a:off x="8874733" y="3783923"/>
             <a:ext cx="2609365" cy="2752344"/>
           </a:xfrm>
           <a:prstGeom prst="rect">
@@ -12217,7 +12603,7 @@
         </p:blipFill>
         <p:spPr bwMode="auto">
           <a:xfrm>
-            <a:off x="8816736" y="3783923"/>
+            <a:off x="4697457" y="3783923"/>
             <a:ext cx="2752344" cy="2752344"/>
           </a:xfrm>
           <a:prstGeom prst="rect">
@@ -12309,7 +12695,7 @@
         </p:blipFill>
         <p:spPr bwMode="auto">
           <a:xfrm>
-            <a:off x="647494" y="3783923"/>
+            <a:off x="8982849" y="265971"/>
             <a:ext cx="2752344" cy="2752344"/>
           </a:xfrm>
           <a:prstGeom prst="rect">
@@ -12359,10 +12745,10 @@
       </p:grpSpPr>
       <p:sp>
         <p:nvSpPr>
-          <p:cNvPr id="2" name="Titre 1">
-            <a:extLst>
-              <a:ext uri="{FF2B5EF4-FFF2-40B4-BE49-F238E27FC236}">
-                <a16:creationId xmlns:a16="http://schemas.microsoft.com/office/drawing/2014/main" id="{10AAE3E3-8001-4672-ABD9-CDB75DFEE9EF}"/>
+          <p:cNvPr id="9" name="Titre 1">
+            <a:extLst>
+              <a:ext uri="{FF2B5EF4-FFF2-40B4-BE49-F238E27FC236}">
+                <a16:creationId xmlns:a16="http://schemas.microsoft.com/office/drawing/2014/main" id="{58D7FD38-B937-40EA-AD5D-841A4A93166A}"/>
               </a:ext>
             </a:extLst>
           </p:cNvPr>
@@ -12373,7 +12759,12 @@
             <p:ph type="title"/>
           </p:nvPr>
         </p:nvSpPr>
-        <p:spPr/>
+        <p:spPr>
+          <a:xfrm>
+            <a:off x="838200" y="365125"/>
+            <a:ext cx="10515600" cy="1325563"/>
+          </a:xfrm>
+        </p:spPr>
         <p:txBody>
           <a:bodyPr/>
           <a:lstStyle/>
@@ -12387,10 +12778,10 @@
       </p:sp>
       <p:sp>
         <p:nvSpPr>
-          <p:cNvPr id="4" name="Espace réservé du numéro de diapositive 3">
-            <a:extLst>
-              <a:ext uri="{FF2B5EF4-FFF2-40B4-BE49-F238E27FC236}">
-                <a16:creationId xmlns:a16="http://schemas.microsoft.com/office/drawing/2014/main" id="{C037DC3E-573E-4DBA-8E26-93C129C51CE3}"/>
+          <p:cNvPr id="10" name="Espace réservé du numéro de diapositive 3">
+            <a:extLst>
+              <a:ext uri="{FF2B5EF4-FFF2-40B4-BE49-F238E27FC236}">
+                <a16:creationId xmlns:a16="http://schemas.microsoft.com/office/drawing/2014/main" id="{D91FAB43-F089-4A64-9453-C0D08520A416}"/>
               </a:ext>
             </a:extLst>
           </p:cNvPr>
@@ -12401,7 +12792,12 @@
             <p:ph type="sldNum" sz="quarter" idx="12"/>
           </p:nvPr>
         </p:nvSpPr>
-        <p:spPr/>
+        <p:spPr>
+          <a:xfrm>
+            <a:off x="8610600" y="6356350"/>
+            <a:ext cx="2743200" cy="365125"/>
+          </a:xfrm>
+        </p:spPr>
         <p:txBody>
           <a:bodyPr/>
           <a:lstStyle/>
@@ -12416,23 +12812,29 @@
       </p:sp>
       <p:graphicFrame>
         <p:nvGraphicFramePr>
-          <p:cNvPr id="6" name="Diagramme 5">
-            <a:extLst>
-              <a:ext uri="{FF2B5EF4-FFF2-40B4-BE49-F238E27FC236}">
-                <a16:creationId xmlns:a16="http://schemas.microsoft.com/office/drawing/2014/main" id="{9F4D2F7C-0787-48ED-A5C2-775A3D57F208}"/>
+          <p:cNvPr id="11" name="Diagramme 5">
+            <a:extLst>
+              <a:ext uri="{FF2B5EF4-FFF2-40B4-BE49-F238E27FC236}">
+                <a16:creationId xmlns:a16="http://schemas.microsoft.com/office/drawing/2014/main" id="{2D45E034-5CAD-456B-A44D-C4DED177B583}"/>
               </a:ext>
             </a:extLst>
           </p:cNvPr>
           <p:cNvGraphicFramePr/>
-          <p:nvPr/>
+          <p:nvPr>
+            <p:extLst>
+              <p:ext uri="{D42A27DB-BD31-4B8C-83A1-F6EECF244321}">
+                <p14:modId xmlns:p14="http://schemas.microsoft.com/office/powerpoint/2010/main" val="2457067095"/>
+              </p:ext>
+            </p:extLst>
+          </p:nvPr>
         </p:nvGraphicFramePr>
         <p:xfrm>
-          <a:off x="1651000" y="596900"/>
+          <a:off x="1651000" y="692150"/>
           <a:ext cx="8890000" cy="5664200"/>
         </p:xfrm>
         <a:graphic>
           <a:graphicData uri="http://schemas.openxmlformats.org/drawingml/2006/diagram">
-            <dgm:relIds xmlns:dgm="http://schemas.openxmlformats.org/drawingml/2006/diagram" xmlns:r="http://schemas.openxmlformats.org/officeDocument/2006/relationships" r:dm="rId3" r:lo="rId4" r:qs="rId5" r:cs="rId6"/>
+            <dgm:relIds xmlns:dgm="http://schemas.openxmlformats.org/drawingml/2006/diagram" xmlns:r="http://schemas.openxmlformats.org/officeDocument/2006/relationships" r:dm="rId2" r:lo="rId3" r:qs="rId4" r:cs="rId5"/>
           </a:graphicData>
         </a:graphic>
       </p:graphicFrame>
@@ -12772,7 +13174,7 @@
         </p:nvSpPr>
         <p:spPr>
           <a:xfrm>
-            <a:off x="838200" y="3588388"/>
+            <a:off x="838200" y="3599887"/>
             <a:ext cx="2151580" cy="799984"/>
           </a:xfrm>
           <a:prstGeom prst="rect">
@@ -12838,7 +13240,7 @@
         </p:blipFill>
         <p:spPr>
           <a:xfrm>
-            <a:off x="7181017" y="4619302"/>
+            <a:off x="5295508" y="4726776"/>
             <a:ext cx="1017761" cy="1017761"/>
           </a:xfrm>
           <a:prstGeom prst="rect">
@@ -12860,7 +13262,7 @@
         </p:nvSpPr>
         <p:spPr>
           <a:xfrm>
-            <a:off x="3217672" y="5802865"/>
+            <a:off x="1182394" y="5939660"/>
             <a:ext cx="1965474" cy="369332"/>
           </a:xfrm>
           <a:prstGeom prst="rect">
@@ -12895,8 +13297,8 @@
         </p:nvSpPr>
         <p:spPr>
           <a:xfrm>
-            <a:off x="6764235" y="5802865"/>
-            <a:ext cx="1786195" cy="369332"/>
+            <a:off x="4438534" y="5939660"/>
+            <a:ext cx="2731710" cy="646331"/>
           </a:xfrm>
           <a:prstGeom prst="rect">
             <a:avLst/>
@@ -12909,9 +13311,17 @@
           </a:bodyPr>
           <a:lstStyle/>
           <a:p>
+            <a:pPr algn="ctr"/>
             <a:r>
               <a:rPr lang="fr-CH" dirty="0"/>
-              <a:t>Peu de confiance</a:t>
+              <a:t>Peu de informations sur les</a:t>
+            </a:r>
+          </a:p>
+          <a:p>
+            <a:pPr algn="ctr"/>
+            <a:r>
+              <a:rPr lang="fr-CH" dirty="0"/>
+              <a:t>utilisateur</a:t>
             </a:r>
           </a:p>
         </p:txBody>
@@ -12934,7 +13344,7 @@
         </p:nvSpPr>
         <p:spPr>
           <a:xfrm>
-            <a:off x="8610600" y="6356350"/>
+            <a:off x="9005920" y="6262825"/>
             <a:ext cx="2743200" cy="365125"/>
           </a:xfrm>
         </p:spPr>
@@ -12946,7 +13356,7 @@
               <a:rPr lang="fr-CH" smtClean="0"/>
               <a:t>2</a:t>
             </a:fld>
-            <a:endParaRPr lang="fr-CH"/>
+            <a:endParaRPr lang="fr-CH" dirty="0"/>
           </a:p>
         </p:txBody>
       </p:sp>
@@ -12978,7 +13388,7 @@
         </p:blipFill>
         <p:spPr>
           <a:xfrm>
-            <a:off x="3597769" y="4388372"/>
+            <a:off x="1562491" y="4525167"/>
             <a:ext cx="1219370" cy="1219370"/>
           </a:xfrm>
           <a:prstGeom prst="rect">
@@ -13014,7 +13424,7 @@
         </p:blipFill>
         <p:spPr>
           <a:xfrm>
-            <a:off x="3244258" y="5000862"/>
+            <a:off x="1208980" y="5137657"/>
             <a:ext cx="914528" cy="914528"/>
           </a:xfrm>
           <a:prstGeom prst="rect">
@@ -13050,7 +13460,7 @@
         </p:blipFill>
         <p:spPr>
           <a:xfrm>
-            <a:off x="4351997" y="4915463"/>
+            <a:off x="2316719" y="5052258"/>
             <a:ext cx="762106" cy="762106"/>
           </a:xfrm>
           <a:prstGeom prst="rect">
@@ -13058,6 +13468,82 @@
           </a:prstGeom>
         </p:spPr>
       </p:pic>
+      <p:pic>
+        <p:nvPicPr>
+          <p:cNvPr id="4" name="Immagine 3">
+            <a:extLst>
+              <a:ext uri="{FF2B5EF4-FFF2-40B4-BE49-F238E27FC236}">
+                <a16:creationId xmlns:a16="http://schemas.microsoft.com/office/drawing/2014/main" id="{817492BE-9953-437A-8FEA-2D281AAFFA4F}"/>
+              </a:ext>
+            </a:extLst>
+          </p:cNvPr>
+          <p:cNvPicPr>
+            <a:picLocks noChangeAspect="1"/>
+          </p:cNvPicPr>
+          <p:nvPr/>
+        </p:nvPicPr>
+        <p:blipFill>
+          <a:blip r:embed="rId11">
+            <a:extLst>
+              <a:ext uri="{28A0092B-C50C-407E-A947-70E740481C1C}">
+                <a14:useLocalDpi xmlns:a14="http://schemas.microsoft.com/office/drawing/2010/main" val="0"/>
+              </a:ext>
+            </a:extLst>
+          </a:blip>
+          <a:stretch>
+            <a:fillRect/>
+          </a:stretch>
+        </p:blipFill>
+        <p:spPr>
+          <a:xfrm>
+            <a:off x="9127713" y="4808499"/>
+            <a:ext cx="952633" cy="952633"/>
+          </a:xfrm>
+          <a:prstGeom prst="rect">
+            <a:avLst/>
+          </a:prstGeom>
+        </p:spPr>
+      </p:pic>
+      <p:sp>
+        <p:nvSpPr>
+          <p:cNvPr id="5" name="CasellaDiTesto 4">
+            <a:extLst>
+              <a:ext uri="{FF2B5EF4-FFF2-40B4-BE49-F238E27FC236}">
+                <a16:creationId xmlns:a16="http://schemas.microsoft.com/office/drawing/2014/main" id="{1CE43F9B-18AD-45E8-B1F2-B9477920F95A}"/>
+              </a:ext>
+            </a:extLst>
+          </p:cNvPr>
+          <p:cNvSpPr txBox="1"/>
+          <p:nvPr/>
+        </p:nvSpPr>
+        <p:spPr>
+          <a:xfrm>
+            <a:off x="8689225" y="5945006"/>
+            <a:ext cx="1750159" cy="369332"/>
+          </a:xfrm>
+          <a:prstGeom prst="rect">
+            <a:avLst/>
+          </a:prstGeom>
+          <a:noFill/>
+        </p:spPr>
+        <p:txBody>
+          <a:bodyPr wrap="none" rtlCol="0">
+            <a:spAutoFit/>
+          </a:bodyPr>
+          <a:lstStyle/>
+          <a:p>
+            <a:r>
+              <a:rPr lang="it-IT" dirty="0"/>
+              <a:t>Difficile à </a:t>
+            </a:r>
+            <a:r>
+              <a:rPr lang="it-IT" dirty="0" err="1"/>
+              <a:t>utiliser</a:t>
+            </a:r>
+            <a:endParaRPr lang="it-IT" dirty="0"/>
+          </a:p>
+        </p:txBody>
+      </p:sp>
     </p:spTree>
     <p:extLst>
       <p:ext uri="{BB962C8B-B14F-4D97-AF65-F5344CB8AC3E}">
@@ -13354,7 +13840,12 @@
             <p:ph type="title"/>
           </p:nvPr>
         </p:nvSpPr>
-        <p:spPr/>
+        <p:spPr>
+          <a:xfrm>
+            <a:off x="289443" y="94669"/>
+            <a:ext cx="2188293" cy="1325563"/>
+          </a:xfrm>
+        </p:spPr>
         <p:txBody>
           <a:bodyPr/>
           <a:lstStyle/>
@@ -13495,7 +13986,7 @@
         </p:blipFill>
         <p:spPr>
           <a:xfrm>
-            <a:off x="6822841" y="4620071"/>
+            <a:off x="6476388" y="4828473"/>
             <a:ext cx="495369" cy="495369"/>
           </a:xfrm>
           <a:prstGeom prst="rect">
@@ -13531,7 +14022,7 @@
         </p:blipFill>
         <p:spPr>
           <a:xfrm>
-            <a:off x="7346744" y="4410492"/>
+            <a:off x="7000291" y="4618894"/>
             <a:ext cx="914529" cy="914529"/>
           </a:xfrm>
           <a:prstGeom prst="rect">
@@ -13567,7 +14058,7 @@
         </p:blipFill>
         <p:spPr>
           <a:xfrm>
-            <a:off x="5051478" y="4425836"/>
+            <a:off x="5439752" y="4646289"/>
             <a:ext cx="841632" cy="841632"/>
           </a:xfrm>
           <a:prstGeom prst="rect">
@@ -13603,7 +14094,7 @@
         </p:blipFill>
         <p:spPr>
           <a:xfrm>
-            <a:off x="3571746" y="4345128"/>
+            <a:off x="4322409" y="4538186"/>
             <a:ext cx="922340" cy="922340"/>
           </a:xfrm>
           <a:prstGeom prst="rect">
@@ -13613,10 +14104,10 @@
       </p:pic>
       <p:pic>
         <p:nvPicPr>
-          <p:cNvPr id="16" name="Image 15">
-            <a:extLst>
-              <a:ext uri="{FF2B5EF4-FFF2-40B4-BE49-F238E27FC236}">
-                <a16:creationId xmlns:a16="http://schemas.microsoft.com/office/drawing/2014/main" id="{43FB3433-6DDB-4720-B6D1-01968683A7E5}"/>
+          <p:cNvPr id="18" name="Image 17">
+            <a:extLst>
+              <a:ext uri="{FF2B5EF4-FFF2-40B4-BE49-F238E27FC236}">
+                <a16:creationId xmlns:a16="http://schemas.microsoft.com/office/drawing/2014/main" id="{2B59AEF3-84A8-4AF3-90CF-08D7BBF4C8D1}"/>
               </a:ext>
             </a:extLst>
           </p:cNvPr>
@@ -13639,80 +14130,8 @@
         </p:blipFill>
         <p:spPr>
           <a:xfrm>
-            <a:off x="4698081" y="1279812"/>
-            <a:ext cx="1325022" cy="1325022"/>
-          </a:xfrm>
-          <a:prstGeom prst="rect">
-            <a:avLst/>
-          </a:prstGeom>
-        </p:spPr>
-      </p:pic>
-      <p:pic>
-        <p:nvPicPr>
-          <p:cNvPr id="18" name="Image 17">
-            <a:extLst>
-              <a:ext uri="{FF2B5EF4-FFF2-40B4-BE49-F238E27FC236}">
-                <a16:creationId xmlns:a16="http://schemas.microsoft.com/office/drawing/2014/main" id="{2B59AEF3-84A8-4AF3-90CF-08D7BBF4C8D1}"/>
-              </a:ext>
-            </a:extLst>
-          </p:cNvPr>
-          <p:cNvPicPr>
-            <a:picLocks noChangeAspect="1"/>
-          </p:cNvPicPr>
-          <p:nvPr/>
-        </p:nvPicPr>
-        <p:blipFill>
-          <a:blip r:embed="rId10">
-            <a:extLst>
-              <a:ext uri="{28A0092B-C50C-407E-A947-70E740481C1C}">
-                <a14:useLocalDpi xmlns:a14="http://schemas.microsoft.com/office/drawing/2010/main" val="0"/>
-              </a:ext>
-            </a:extLst>
-          </a:blip>
-          <a:stretch>
-            <a:fillRect/>
-          </a:stretch>
-        </p:blipFill>
-        <p:spPr>
-          <a:xfrm>
-            <a:off x="7070526" y="1299130"/>
+            <a:off x="5499926" y="1324577"/>
             <a:ext cx="1247256" cy="1247256"/>
-          </a:xfrm>
-          <a:prstGeom prst="rect">
-            <a:avLst/>
-          </a:prstGeom>
-        </p:spPr>
-      </p:pic>
-      <p:pic>
-        <p:nvPicPr>
-          <p:cNvPr id="20" name="Image 19">
-            <a:extLst>
-              <a:ext uri="{FF2B5EF4-FFF2-40B4-BE49-F238E27FC236}">
-                <a16:creationId xmlns:a16="http://schemas.microsoft.com/office/drawing/2014/main" id="{4E5159AE-C269-4014-8596-925F3141BEF0}"/>
-              </a:ext>
-            </a:extLst>
-          </p:cNvPr>
-          <p:cNvPicPr>
-            <a:picLocks noChangeAspect="1"/>
-          </p:cNvPicPr>
-          <p:nvPr/>
-        </p:nvPicPr>
-        <p:blipFill>
-          <a:blip r:embed="rId11">
-            <a:extLst>
-              <a:ext uri="{28A0092B-C50C-407E-A947-70E740481C1C}">
-                <a14:useLocalDpi xmlns:a14="http://schemas.microsoft.com/office/drawing/2010/main" val="0"/>
-              </a:ext>
-            </a:extLst>
-          </a:blip>
-          <a:stretch>
-            <a:fillRect/>
-          </a:stretch>
-        </p:blipFill>
-        <p:spPr>
-          <a:xfrm>
-            <a:off x="9365205" y="1513608"/>
-            <a:ext cx="1041768" cy="1041768"/>
           </a:xfrm>
           <a:prstGeom prst="rect">
             <a:avLst/>
@@ -13733,8 +14152,8 @@
         </p:nvSpPr>
         <p:spPr>
           <a:xfrm>
-            <a:off x="1674688" y="2958957"/>
-            <a:ext cx="1897058" cy="369332"/>
+            <a:off x="904100" y="2958957"/>
+            <a:ext cx="3147272" cy="646331"/>
           </a:xfrm>
           <a:prstGeom prst="rect">
             <a:avLst/>
@@ -13747,19 +14166,32 @@
           </a:bodyPr>
           <a:lstStyle/>
           <a:p>
+            <a:pPr algn="ctr"/>
             <a:r>
               <a:rPr lang="fr-CH" dirty="0"/>
-              <a:t>Objets spécifiques</a:t>
+              <a:t>Catalogue des objets </a:t>
+            </a:r>
+            <a:r>
+              <a:rPr lang="fr-CH" dirty="0" err="1"/>
+              <a:t>specifique</a:t>
+            </a:r>
+            <a:endParaRPr lang="fr-CH" dirty="0"/>
+          </a:p>
+          <a:p>
+            <a:pPr algn="ctr"/>
+            <a:r>
+              <a:rPr lang="fr-CH" dirty="0"/>
+              <a:t> au secteur universitaire</a:t>
             </a:r>
           </a:p>
         </p:txBody>
       </p:sp>
       <p:sp>
         <p:nvSpPr>
-          <p:cNvPr id="22" name="ZoneTexte 21">
-            <a:extLst>
-              <a:ext uri="{FF2B5EF4-FFF2-40B4-BE49-F238E27FC236}">
-                <a16:creationId xmlns:a16="http://schemas.microsoft.com/office/drawing/2014/main" id="{77518552-E145-42F8-B624-E35FF23AA2BF}"/>
+          <p:cNvPr id="23" name="ZoneTexte 22">
+            <a:extLst>
+              <a:ext uri="{FF2B5EF4-FFF2-40B4-BE49-F238E27FC236}">
+                <a16:creationId xmlns:a16="http://schemas.microsoft.com/office/drawing/2014/main" id="{DC8D99E1-A5B8-4149-8210-173F19D0A1B0}"/>
               </a:ext>
             </a:extLst>
           </p:cNvPr>
@@ -13768,42 +14200,7 @@
         </p:nvSpPr>
         <p:spPr>
           <a:xfrm>
-            <a:off x="4818930" y="2958957"/>
-            <a:ext cx="1020087" cy="369332"/>
-          </a:xfrm>
-          <a:prstGeom prst="rect">
-            <a:avLst/>
-          </a:prstGeom>
-          <a:noFill/>
-        </p:spPr>
-        <p:txBody>
-          <a:bodyPr wrap="none" rtlCol="0">
-            <a:spAutoFit/>
-          </a:bodyPr>
-          <a:lstStyle/>
-          <a:p>
-            <a:r>
-              <a:rPr lang="fr-CH" dirty="0"/>
-              <a:t>Site Web</a:t>
-            </a:r>
-          </a:p>
-        </p:txBody>
-      </p:sp>
-      <p:sp>
-        <p:nvSpPr>
-          <p:cNvPr id="23" name="ZoneTexte 22">
-            <a:extLst>
-              <a:ext uri="{FF2B5EF4-FFF2-40B4-BE49-F238E27FC236}">
-                <a16:creationId xmlns:a16="http://schemas.microsoft.com/office/drawing/2014/main" id="{DC8D99E1-A5B8-4149-8210-173F19D0A1B0}"/>
-              </a:ext>
-            </a:extLst>
-          </p:cNvPr>
-          <p:cNvSpPr txBox="1"/>
-          <p:nvPr/>
-        </p:nvSpPr>
-        <p:spPr>
-          <a:xfrm>
-            <a:off x="6915687" y="2944467"/>
+            <a:off x="5158562" y="2938490"/>
             <a:ext cx="1704569" cy="646331"/>
           </a:xfrm>
           <a:prstGeom prst="rect">
@@ -13817,16 +14214,23 @@
           </a:bodyPr>
           <a:lstStyle/>
           <a:p>
+            <a:pPr algn="ctr"/>
             <a:r>
               <a:rPr lang="fr-CH" dirty="0"/>
               <a:t>Authentification</a:t>
             </a:r>
           </a:p>
           <a:p>
+            <a:pPr algn="ctr"/>
             <a:r>
               <a:rPr lang="fr-CH" dirty="0"/>
-              <a:t>Par l’Université</a:t>
-            </a:r>
+              <a:t>par l’</a:t>
+            </a:r>
+            <a:r>
+              <a:rPr lang="fr-CH" dirty="0" err="1"/>
+              <a:t>universitè</a:t>
+            </a:r>
+            <a:endParaRPr lang="fr-CH" dirty="0"/>
           </a:p>
         </p:txBody>
       </p:sp>
@@ -13844,8 +14248,8 @@
         </p:nvSpPr>
         <p:spPr>
           <a:xfrm>
-            <a:off x="8794917" y="2944467"/>
-            <a:ext cx="1997791" cy="369332"/>
+            <a:off x="8448570" y="2958957"/>
+            <a:ext cx="2025491" cy="646331"/>
           </a:xfrm>
           <a:prstGeom prst="rect">
             <a:avLst/>
@@ -13858,13 +14262,169 @@
           </a:bodyPr>
           <a:lstStyle/>
           <a:p>
+            <a:pPr algn="ctr"/>
             <a:r>
               <a:rPr lang="fr-CH" dirty="0"/>
-              <a:t>Facilité d’utilisation</a:t>
+              <a:t>Interface graphique</a:t>
+            </a:r>
+          </a:p>
+          <a:p>
+            <a:pPr algn="ctr"/>
+            <a:r>
+              <a:rPr lang="fr-CH" dirty="0"/>
+              <a:t>intuitive</a:t>
             </a:r>
           </a:p>
         </p:txBody>
       </p:sp>
+      <p:sp>
+        <p:nvSpPr>
+          <p:cNvPr id="3" name="CasellaDiTesto 2">
+            <a:extLst>
+              <a:ext uri="{FF2B5EF4-FFF2-40B4-BE49-F238E27FC236}">
+                <a16:creationId xmlns:a16="http://schemas.microsoft.com/office/drawing/2014/main" id="{3706ABA6-C933-4E89-8819-D06C78EB4E24}"/>
+              </a:ext>
+            </a:extLst>
+          </p:cNvPr>
+          <p:cNvSpPr txBox="1"/>
+          <p:nvPr/>
+        </p:nvSpPr>
+        <p:spPr>
+          <a:xfrm>
+            <a:off x="4772555" y="5659277"/>
+            <a:ext cx="2717347" cy="646331"/>
+          </a:xfrm>
+          <a:prstGeom prst="rect">
+            <a:avLst/>
+          </a:prstGeom>
+          <a:noFill/>
+        </p:spPr>
+        <p:txBody>
+          <a:bodyPr wrap="none" rtlCol="0">
+            <a:spAutoFit/>
+          </a:bodyPr>
+          <a:lstStyle/>
+          <a:p>
+            <a:pPr algn="ctr"/>
+            <a:r>
+              <a:rPr lang="it-IT" dirty="0"/>
+              <a:t>Tous en </a:t>
+            </a:r>
+            <a:r>
+              <a:rPr lang="it-IT" dirty="0" err="1"/>
+              <a:t>gardent</a:t>
+            </a:r>
+            <a:r>
+              <a:rPr lang="it-IT" dirty="0"/>
+              <a:t> le </a:t>
+            </a:r>
+            <a:r>
+              <a:rPr lang="it-IT" dirty="0" err="1"/>
+              <a:t>benefie</a:t>
+            </a:r>
+            <a:r>
+              <a:rPr lang="it-IT" dirty="0"/>
+              <a:t> </a:t>
+            </a:r>
+          </a:p>
+          <a:p>
+            <a:pPr algn="ctr"/>
+            <a:r>
+              <a:rPr lang="it-IT" dirty="0" err="1"/>
+              <a:t>des</a:t>
+            </a:r>
+            <a:r>
+              <a:rPr lang="it-IT" dirty="0"/>
+              <a:t> </a:t>
+            </a:r>
+            <a:r>
+              <a:rPr lang="it-IT" dirty="0" err="1"/>
+              <a:t>sites</a:t>
+            </a:r>
+            <a:r>
+              <a:rPr lang="it-IT" dirty="0"/>
+              <a:t> de </a:t>
+            </a:r>
+            <a:r>
+              <a:rPr lang="it-IT" dirty="0" err="1"/>
+              <a:t>vente</a:t>
+            </a:r>
+            <a:endParaRPr lang="it-IT" dirty="0"/>
+          </a:p>
+        </p:txBody>
+      </p:sp>
+      <p:pic>
+        <p:nvPicPr>
+          <p:cNvPr id="9" name="Immagine 8">
+            <a:extLst>
+              <a:ext uri="{FF2B5EF4-FFF2-40B4-BE49-F238E27FC236}">
+                <a16:creationId xmlns:a16="http://schemas.microsoft.com/office/drawing/2014/main" id="{5FBF77CA-9D8E-4E4C-955F-7EDD342BFBD1}"/>
+              </a:ext>
+            </a:extLst>
+          </p:cNvPr>
+          <p:cNvPicPr>
+            <a:picLocks noChangeAspect="1"/>
+          </p:cNvPicPr>
+          <p:nvPr/>
+        </p:nvPicPr>
+        <p:blipFill>
+          <a:blip r:embed="rId10">
+            <a:extLst>
+              <a:ext uri="{28A0092B-C50C-407E-A947-70E740481C1C}">
+                <a14:useLocalDpi xmlns:a14="http://schemas.microsoft.com/office/drawing/2010/main" val="0"/>
+              </a:ext>
+            </a:extLst>
+          </a:blip>
+          <a:stretch>
+            <a:fillRect/>
+          </a:stretch>
+        </p:blipFill>
+        <p:spPr>
+          <a:xfrm>
+            <a:off x="8854144" y="1420232"/>
+            <a:ext cx="1214341" cy="1214341"/>
+          </a:xfrm>
+          <a:prstGeom prst="rect">
+            <a:avLst/>
+          </a:prstGeom>
+        </p:spPr>
+      </p:pic>
+      <p:pic>
+        <p:nvPicPr>
+          <p:cNvPr id="20" name="Image 19">
+            <a:extLst>
+              <a:ext uri="{FF2B5EF4-FFF2-40B4-BE49-F238E27FC236}">
+                <a16:creationId xmlns:a16="http://schemas.microsoft.com/office/drawing/2014/main" id="{4E5159AE-C269-4014-8596-925F3141BEF0}"/>
+              </a:ext>
+            </a:extLst>
+          </p:cNvPr>
+          <p:cNvPicPr>
+            <a:picLocks noChangeAspect="1"/>
+          </p:cNvPicPr>
+          <p:nvPr/>
+        </p:nvPicPr>
+        <p:blipFill>
+          <a:blip r:embed="rId11">
+            <a:extLst>
+              <a:ext uri="{28A0092B-C50C-407E-A947-70E740481C1C}">
+                <a14:useLocalDpi xmlns:a14="http://schemas.microsoft.com/office/drawing/2010/main" val="0"/>
+              </a:ext>
+            </a:extLst>
+          </a:blip>
+          <a:stretch>
+            <a:fillRect/>
+          </a:stretch>
+        </p:blipFill>
+        <p:spPr>
+          <a:xfrm>
+            <a:off x="9740588" y="2040052"/>
+            <a:ext cx="636187" cy="636187"/>
+          </a:xfrm>
+          <a:prstGeom prst="rect">
+            <a:avLst/>
+          </a:prstGeom>
+        </p:spPr>
+      </p:pic>
     </p:spTree>
     <p:extLst>
       <p:ext uri="{BB962C8B-B14F-4D97-AF65-F5344CB8AC3E}">
@@ -14370,8 +14930,8 @@
         </p:blipFill>
         <p:spPr>
           <a:xfrm>
-            <a:off x="2504600" y="1690688"/>
-            <a:ext cx="914528" cy="914528"/>
+            <a:off x="6247645" y="1715426"/>
+            <a:ext cx="1779578" cy="1779578"/>
           </a:xfrm>
           <a:prstGeom prst="rect">
             <a:avLst/>
@@ -14406,8 +14966,8 @@
         </p:blipFill>
         <p:spPr>
           <a:xfrm>
-            <a:off x="1442768" y="1690688"/>
-            <a:ext cx="914528" cy="914528"/>
+            <a:off x="4316421" y="1715426"/>
+            <a:ext cx="1779579" cy="1779579"/>
           </a:xfrm>
           <a:prstGeom prst="rect">
             <a:avLst/>
@@ -14428,8 +14988,8 @@
         </p:nvSpPr>
         <p:spPr>
           <a:xfrm>
-            <a:off x="1181764" y="2757701"/>
-            <a:ext cx="2645671" cy="646331"/>
+            <a:off x="4389775" y="3858127"/>
+            <a:ext cx="3412449" cy="830997"/>
           </a:xfrm>
           <a:prstGeom prst="rect">
             <a:avLst/>
@@ -14444,8 +15004,8 @@
           <a:p>
             <a:pPr algn="ctr"/>
             <a:r>
-              <a:rPr lang="fr-CH" dirty="0"/>
-              <a:t>Plus de 190000 étudiants en Suisse en 2015</a:t>
+              <a:rPr lang="fr-CH" sz="2400" dirty="0"/>
+              <a:t>Plus de 200000 utilisateur potentielle en Suisse</a:t>
             </a:r>
           </a:p>
         </p:txBody>
@@ -14482,77 +15042,6 @@
               <a:rPr lang="fr-CH" sz="1200" dirty="0"/>
               <a:t>*Source : Wikipédia</a:t>
             </a:r>
-          </a:p>
-        </p:txBody>
-      </p:sp>
-      <p:sp>
-        <p:nvSpPr>
-          <p:cNvPr id="13" name="ZoneTexte 12">
-            <a:extLst>
-              <a:ext uri="{FF2B5EF4-FFF2-40B4-BE49-F238E27FC236}">
-                <a16:creationId xmlns:a16="http://schemas.microsoft.com/office/drawing/2014/main" id="{95891480-4ABF-48B4-9CAD-F54F872FA3BA}"/>
-              </a:ext>
-            </a:extLst>
-          </p:cNvPr>
-          <p:cNvSpPr txBox="1"/>
-          <p:nvPr/>
-        </p:nvSpPr>
-        <p:spPr>
-          <a:xfrm>
-            <a:off x="5188449" y="3051425"/>
-            <a:ext cx="1465722" cy="369332"/>
-          </a:xfrm>
-          <a:prstGeom prst="rect">
-            <a:avLst/>
-          </a:prstGeom>
-          <a:noFill/>
-        </p:spPr>
-        <p:txBody>
-          <a:bodyPr wrap="none" rtlCol="0">
-            <a:spAutoFit/>
-          </a:bodyPr>
-          <a:lstStyle/>
-          <a:p>
-            <a:r>
-              <a:rPr lang="fr-CH" dirty="0"/>
-              <a:t>Collaborateur</a:t>
-            </a:r>
-          </a:p>
-        </p:txBody>
-      </p:sp>
-      <p:sp>
-        <p:nvSpPr>
-          <p:cNvPr id="14" name="ZoneTexte 13">
-            <a:extLst>
-              <a:ext uri="{FF2B5EF4-FFF2-40B4-BE49-F238E27FC236}">
-                <a16:creationId xmlns:a16="http://schemas.microsoft.com/office/drawing/2014/main" id="{71D5865A-0AA2-4C31-B462-314D5D8EC88A}"/>
-              </a:ext>
-            </a:extLst>
-          </p:cNvPr>
-          <p:cNvSpPr txBox="1"/>
-          <p:nvPr/>
-        </p:nvSpPr>
-        <p:spPr>
-          <a:xfrm>
-            <a:off x="9060094" y="3034700"/>
-            <a:ext cx="1246944" cy="369332"/>
-          </a:xfrm>
-          <a:prstGeom prst="rect">
-            <a:avLst/>
-          </a:prstGeom>
-          <a:noFill/>
-        </p:spPr>
-        <p:txBody>
-          <a:bodyPr wrap="none" rtlCol="0">
-            <a:spAutoFit/>
-          </a:bodyPr>
-          <a:lstStyle/>
-          <a:p>
-            <a:r>
-              <a:rPr lang="fr-CH" dirty="0" err="1"/>
-              <a:t>Proffesseur</a:t>
-            </a:r>
-            <a:endParaRPr lang="fr-CH" dirty="0"/>
           </a:p>
         </p:txBody>
       </p:sp>
@@ -14901,14 +15390,6 @@
 <file path=ppt/slides/slide7.xml><?xml version="1.0" encoding="utf-8"?>
 <p:sld xmlns:a="http://schemas.openxmlformats.org/drawingml/2006/main" xmlns:r="http://schemas.openxmlformats.org/officeDocument/2006/relationships" xmlns:p="http://schemas.openxmlformats.org/presentationml/2006/main">
   <p:cSld>
-    <p:bg>
-      <p:bgPr>
-        <a:solidFill>
-          <a:schemeClr val="bg1"/>
-        </a:solidFill>
-        <a:effectLst/>
-      </p:bgPr>
-    </p:bg>
     <p:spTree>
       <p:nvGrpSpPr>
         <p:cNvPr id="1" name=""/>
@@ -14925,107 +15406,10 @@
       </p:grpSpPr>
       <p:sp>
         <p:nvSpPr>
-          <p:cNvPr id="2" name="Titre 1">
-            <a:extLst>
-              <a:ext uri="{FF2B5EF4-FFF2-40B4-BE49-F238E27FC236}">
-                <a16:creationId xmlns:a16="http://schemas.microsoft.com/office/drawing/2014/main" id="{C6B220E2-75CF-45F8-8A04-8D77ACA886CD}"/>
-              </a:ext>
-            </a:extLst>
-          </p:cNvPr>
-          <p:cNvSpPr>
-            <a:spLocks noGrp="1"/>
-          </p:cNvSpPr>
-          <p:nvPr>
-            <p:ph type="title"/>
-          </p:nvPr>
-        </p:nvSpPr>
-        <p:spPr/>
-        <p:txBody>
-          <a:bodyPr/>
-          <a:lstStyle/>
-          <a:p>
-            <a:r>
-              <a:rPr lang="fr-CH" dirty="0"/>
-              <a:t>Concurrence</a:t>
-            </a:r>
-          </a:p>
-        </p:txBody>
-      </p:sp>
-      <p:sp>
-        <p:nvSpPr>
-          <p:cNvPr id="3" name="Espace réservé du contenu 2">
-            <a:extLst>
-              <a:ext uri="{FF2B5EF4-FFF2-40B4-BE49-F238E27FC236}">
-                <a16:creationId xmlns:a16="http://schemas.microsoft.com/office/drawing/2014/main" id="{E167FD02-C54C-42F6-84F6-77167A3A690B}"/>
-              </a:ext>
-            </a:extLst>
-          </p:cNvPr>
-          <p:cNvSpPr>
-            <a:spLocks noGrp="1"/>
-          </p:cNvSpPr>
-          <p:nvPr>
-            <p:ph idx="1"/>
-          </p:nvPr>
-        </p:nvSpPr>
-        <p:spPr/>
-        <p:txBody>
-          <a:bodyPr/>
-          <a:lstStyle/>
-          <a:p>
-            <a:r>
-              <a:rPr lang="fr-CH" dirty="0"/>
-              <a:t>Concurrence de la part d’autre site internet</a:t>
-            </a:r>
-          </a:p>
-          <a:p>
-            <a:pPr lvl="1"/>
-            <a:r>
-              <a:rPr lang="fr-CH" dirty="0"/>
-              <a:t>Non spécifique</a:t>
-            </a:r>
-          </a:p>
-          <a:p>
-            <a:pPr lvl="1"/>
-            <a:r>
-              <a:rPr lang="fr-CH" dirty="0"/>
-              <a:t>Manque de confiance</a:t>
-            </a:r>
-          </a:p>
-          <a:p>
-            <a:r>
-              <a:rPr lang="fr-CH" dirty="0"/>
-              <a:t>Braderie organisé</a:t>
-            </a:r>
-          </a:p>
-          <a:p>
-            <a:pPr lvl="1"/>
-            <a:r>
-              <a:rPr lang="fr-CH" dirty="0"/>
-              <a:t>Possibilité d’intégrer événement sur notre site</a:t>
-            </a:r>
-          </a:p>
-          <a:p>
-            <a:pPr lvl="1"/>
-            <a:r>
-              <a:rPr lang="fr-CH" dirty="0"/>
-              <a:t>Publicité</a:t>
-            </a:r>
-          </a:p>
-          <a:p>
-            <a:pPr lvl="1"/>
-            <a:r>
-              <a:rPr lang="fr-CH" dirty="0"/>
-              <a:t>Possibilité de voir la marchandise disponible sur le site</a:t>
-            </a:r>
-          </a:p>
-        </p:txBody>
-      </p:sp>
-      <p:sp>
-        <p:nvSpPr>
-          <p:cNvPr id="4" name="Espace réservé du numéro de diapositive 3">
-            <a:extLst>
-              <a:ext uri="{FF2B5EF4-FFF2-40B4-BE49-F238E27FC236}">
-                <a16:creationId xmlns:a16="http://schemas.microsoft.com/office/drawing/2014/main" id="{69577DBF-8C46-46AC-B6F4-960786CF033F}"/>
+          <p:cNvPr id="4" name="Segnaposto numero diapositiva 3">
+            <a:extLst>
+              <a:ext uri="{FF2B5EF4-FFF2-40B4-BE49-F238E27FC236}">
+                <a16:creationId xmlns:a16="http://schemas.microsoft.com/office/drawing/2014/main" id="{936693EF-6DD3-407A-8B67-4E5A8382C752}"/>
               </a:ext>
             </a:extLst>
           </p:cNvPr>
@@ -15049,10 +15433,572 @@
           </a:p>
         </p:txBody>
       </p:sp>
+      <p:cxnSp>
+        <p:nvCxnSpPr>
+          <p:cNvPr id="12" name="Connettore 2 11">
+            <a:extLst>
+              <a:ext uri="{FF2B5EF4-FFF2-40B4-BE49-F238E27FC236}">
+                <a16:creationId xmlns:a16="http://schemas.microsoft.com/office/drawing/2014/main" id="{757034F0-E8B3-459B-B295-12DBE429C855}"/>
+              </a:ext>
+            </a:extLst>
+          </p:cNvPr>
+          <p:cNvCxnSpPr/>
+          <p:nvPr/>
+        </p:nvCxnSpPr>
+        <p:spPr>
+          <a:xfrm>
+            <a:off x="1774723" y="3993372"/>
+            <a:ext cx="8642554" cy="0"/>
+          </a:xfrm>
+          <a:prstGeom prst="straightConnector1">
+            <a:avLst/>
+          </a:prstGeom>
+          <a:ln>
+            <a:headEnd type="triangle"/>
+            <a:tailEnd type="triangle"/>
+          </a:ln>
+        </p:spPr>
+        <p:style>
+          <a:lnRef idx="1">
+            <a:schemeClr val="accent1"/>
+          </a:lnRef>
+          <a:fillRef idx="0">
+            <a:schemeClr val="accent1"/>
+          </a:fillRef>
+          <a:effectRef idx="0">
+            <a:schemeClr val="accent1"/>
+          </a:effectRef>
+          <a:fontRef idx="minor">
+            <a:schemeClr val="tx1"/>
+          </a:fontRef>
+        </p:style>
+      </p:cxnSp>
+      <p:cxnSp>
+        <p:nvCxnSpPr>
+          <p:cNvPr id="14" name="Connettore 2 13">
+            <a:extLst>
+              <a:ext uri="{FF2B5EF4-FFF2-40B4-BE49-F238E27FC236}">
+                <a16:creationId xmlns:a16="http://schemas.microsoft.com/office/drawing/2014/main" id="{56C7C0BC-26F6-4C4D-BB9B-3FFB72E2739F}"/>
+              </a:ext>
+            </a:extLst>
+          </p:cNvPr>
+          <p:cNvCxnSpPr>
+            <a:cxnSpLocks/>
+          </p:cNvCxnSpPr>
+          <p:nvPr/>
+        </p:nvCxnSpPr>
+        <p:spPr>
+          <a:xfrm>
+            <a:off x="6096000" y="1373075"/>
+            <a:ext cx="0" cy="5240594"/>
+          </a:xfrm>
+          <a:prstGeom prst="straightConnector1">
+            <a:avLst/>
+          </a:prstGeom>
+          <a:ln>
+            <a:headEnd type="triangle"/>
+            <a:tailEnd type="triangle"/>
+          </a:ln>
+        </p:spPr>
+        <p:style>
+          <a:lnRef idx="1">
+            <a:schemeClr val="accent1"/>
+          </a:lnRef>
+          <a:fillRef idx="0">
+            <a:schemeClr val="accent1"/>
+          </a:fillRef>
+          <a:effectRef idx="0">
+            <a:schemeClr val="accent1"/>
+          </a:effectRef>
+          <a:fontRef idx="minor">
+            <a:schemeClr val="tx1"/>
+          </a:fontRef>
+        </p:style>
+      </p:cxnSp>
+      <p:sp>
+        <p:nvSpPr>
+          <p:cNvPr id="17" name="CasellaDiTesto 16">
+            <a:extLst>
+              <a:ext uri="{FF2B5EF4-FFF2-40B4-BE49-F238E27FC236}">
+                <a16:creationId xmlns:a16="http://schemas.microsoft.com/office/drawing/2014/main" id="{351659DC-3DAE-443E-A65C-F1240A57BD24}"/>
+              </a:ext>
+            </a:extLst>
+          </p:cNvPr>
+          <p:cNvSpPr txBox="1"/>
+          <p:nvPr/>
+        </p:nvSpPr>
+        <p:spPr>
+          <a:xfrm>
+            <a:off x="8724286" y="3993372"/>
+            <a:ext cx="1110304" cy="276999"/>
+          </a:xfrm>
+          <a:prstGeom prst="rect">
+            <a:avLst/>
+          </a:prstGeom>
+          <a:noFill/>
+        </p:spPr>
+        <p:txBody>
+          <a:bodyPr wrap="none" rtlCol="0">
+            <a:spAutoFit/>
+          </a:bodyPr>
+          <a:lstStyle/>
+          <a:p>
+            <a:r>
+              <a:rPr lang="it-IT" sz="1200" dirty="0"/>
+              <a:t>Facile à </a:t>
+            </a:r>
+            <a:r>
+              <a:rPr lang="it-IT" sz="1200" dirty="0" err="1"/>
+              <a:t>utiliser</a:t>
+            </a:r>
+            <a:endParaRPr lang="it-IT" sz="1200" dirty="0"/>
+          </a:p>
+        </p:txBody>
+      </p:sp>
+      <p:sp>
+        <p:nvSpPr>
+          <p:cNvPr id="18" name="CasellaDiTesto 17">
+            <a:extLst>
+              <a:ext uri="{FF2B5EF4-FFF2-40B4-BE49-F238E27FC236}">
+                <a16:creationId xmlns:a16="http://schemas.microsoft.com/office/drawing/2014/main" id="{5F8B6024-8BA5-4C76-A585-E45F3CF1516C}"/>
+              </a:ext>
+            </a:extLst>
+          </p:cNvPr>
+          <p:cNvSpPr txBox="1"/>
+          <p:nvPr/>
+        </p:nvSpPr>
+        <p:spPr>
+          <a:xfrm>
+            <a:off x="1867148" y="3993372"/>
+            <a:ext cx="2456442" cy="276999"/>
+          </a:xfrm>
+          <a:prstGeom prst="rect">
+            <a:avLst/>
+          </a:prstGeom>
+          <a:noFill/>
+        </p:spPr>
+        <p:txBody>
+          <a:bodyPr wrap="none" rtlCol="0">
+            <a:spAutoFit/>
+          </a:bodyPr>
+          <a:lstStyle/>
+          <a:p>
+            <a:r>
+              <a:rPr lang="it-IT" sz="1200" dirty="0" err="1"/>
+              <a:t>Complexe</a:t>
+            </a:r>
+            <a:r>
+              <a:rPr lang="it-IT" sz="1200" dirty="0"/>
+              <a:t> à </a:t>
+            </a:r>
+            <a:r>
+              <a:rPr lang="it-IT" sz="1200" dirty="0" err="1"/>
+              <a:t>utiliser</a:t>
+            </a:r>
+            <a:r>
+              <a:rPr lang="it-IT" sz="1200" dirty="0"/>
+              <a:t> </a:t>
+            </a:r>
+            <a:r>
+              <a:rPr lang="it-IT" sz="1200" dirty="0" err="1"/>
+              <a:t>ou</a:t>
+            </a:r>
+            <a:r>
+              <a:rPr lang="it-IT" sz="1200" dirty="0"/>
+              <a:t> </a:t>
+            </a:r>
+            <a:r>
+              <a:rPr lang="it-IT" sz="1200" dirty="0" err="1"/>
+              <a:t>peut</a:t>
+            </a:r>
+            <a:r>
+              <a:rPr lang="it-IT" sz="1200" dirty="0"/>
+              <a:t> </a:t>
+            </a:r>
+            <a:r>
+              <a:rPr lang="it-IT" sz="1200" dirty="0" err="1"/>
+              <a:t>pratique</a:t>
+            </a:r>
+            <a:endParaRPr lang="it-IT" sz="1200" dirty="0"/>
+          </a:p>
+        </p:txBody>
+      </p:sp>
+      <p:sp>
+        <p:nvSpPr>
+          <p:cNvPr id="19" name="CasellaDiTesto 18">
+            <a:extLst>
+              <a:ext uri="{FF2B5EF4-FFF2-40B4-BE49-F238E27FC236}">
+                <a16:creationId xmlns:a16="http://schemas.microsoft.com/office/drawing/2014/main" id="{E944816C-3CDF-4715-BD38-5A638E6F13A5}"/>
+              </a:ext>
+            </a:extLst>
+          </p:cNvPr>
+          <p:cNvSpPr txBox="1"/>
+          <p:nvPr/>
+        </p:nvSpPr>
+        <p:spPr>
+          <a:xfrm rot="16200000">
+            <a:off x="5241858" y="1940247"/>
+            <a:ext cx="1400512" cy="276999"/>
+          </a:xfrm>
+          <a:prstGeom prst="rect">
+            <a:avLst/>
+          </a:prstGeom>
+          <a:noFill/>
+        </p:spPr>
+        <p:txBody>
+          <a:bodyPr wrap="none" rtlCol="0">
+            <a:spAutoFit/>
+          </a:bodyPr>
+          <a:lstStyle/>
+          <a:p>
+            <a:r>
+              <a:rPr lang="it-IT" sz="1200" dirty="0" err="1"/>
+              <a:t>Objets</a:t>
+            </a:r>
+            <a:r>
+              <a:rPr lang="it-IT" sz="1200" dirty="0"/>
+              <a:t> </a:t>
+            </a:r>
+            <a:r>
+              <a:rPr lang="it-IT" sz="1200" dirty="0" err="1"/>
+              <a:t>universitaire</a:t>
+            </a:r>
+            <a:endParaRPr lang="it-IT" sz="1200" dirty="0"/>
+          </a:p>
+        </p:txBody>
+      </p:sp>
+      <p:sp>
+        <p:nvSpPr>
+          <p:cNvPr id="20" name="CasellaDiTesto 19">
+            <a:extLst>
+              <a:ext uri="{FF2B5EF4-FFF2-40B4-BE49-F238E27FC236}">
+                <a16:creationId xmlns:a16="http://schemas.microsoft.com/office/drawing/2014/main" id="{24B9B4E7-D69C-43BB-B625-5EE0EB61465F}"/>
+              </a:ext>
+            </a:extLst>
+          </p:cNvPr>
+          <p:cNvSpPr txBox="1"/>
+          <p:nvPr/>
+        </p:nvSpPr>
+        <p:spPr>
+          <a:xfrm rot="16200000">
+            <a:off x="5250097" y="5783153"/>
+            <a:ext cx="1384033" cy="276999"/>
+          </a:xfrm>
+          <a:prstGeom prst="rect">
+            <a:avLst/>
+          </a:prstGeom>
+          <a:noFill/>
+        </p:spPr>
+        <p:txBody>
+          <a:bodyPr wrap="none" rtlCol="0">
+            <a:spAutoFit/>
+          </a:bodyPr>
+          <a:lstStyle/>
+          <a:p>
+            <a:r>
+              <a:rPr lang="it-IT" sz="1200" dirty="0" err="1"/>
+              <a:t>Catalogue</a:t>
+            </a:r>
+            <a:r>
+              <a:rPr lang="it-IT" sz="1200" dirty="0"/>
+              <a:t> generale</a:t>
+            </a:r>
+          </a:p>
+        </p:txBody>
+      </p:sp>
+      <p:pic>
+        <p:nvPicPr>
+          <p:cNvPr id="21" name="Image 4">
+            <a:extLst>
+              <a:ext uri="{FF2B5EF4-FFF2-40B4-BE49-F238E27FC236}">
+                <a16:creationId xmlns:a16="http://schemas.microsoft.com/office/drawing/2014/main" id="{308741AF-E0EE-4F77-9CE0-147310F00740}"/>
+              </a:ext>
+            </a:extLst>
+          </p:cNvPr>
+          <p:cNvPicPr>
+            <a:picLocks noChangeAspect="1"/>
+          </p:cNvPicPr>
+          <p:nvPr/>
+        </p:nvPicPr>
+        <p:blipFill>
+          <a:blip r:embed="rId2">
+            <a:extLst>
+              <a:ext uri="{28A0092B-C50C-407E-A947-70E740481C1C}">
+                <a14:useLocalDpi xmlns:a14="http://schemas.microsoft.com/office/drawing/2010/main" val="0"/>
+              </a:ext>
+            </a:extLst>
+          </a:blip>
+          <a:stretch>
+            <a:fillRect/>
+          </a:stretch>
+        </p:blipFill>
+        <p:spPr>
+          <a:xfrm>
+            <a:off x="9279438" y="1437102"/>
+            <a:ext cx="1052212" cy="799681"/>
+          </a:xfrm>
+          <a:prstGeom prst="rect">
+            <a:avLst/>
+          </a:prstGeom>
+        </p:spPr>
+      </p:pic>
+      <p:pic>
+        <p:nvPicPr>
+          <p:cNvPr id="23" name="Immagine 22">
+            <a:extLst>
+              <a:ext uri="{FF2B5EF4-FFF2-40B4-BE49-F238E27FC236}">
+                <a16:creationId xmlns:a16="http://schemas.microsoft.com/office/drawing/2014/main" id="{33B8B47F-7618-452C-837B-11B7007B63CE}"/>
+              </a:ext>
+            </a:extLst>
+          </p:cNvPr>
+          <p:cNvPicPr>
+            <a:picLocks noChangeAspect="1"/>
+          </p:cNvPicPr>
+          <p:nvPr/>
+        </p:nvPicPr>
+        <p:blipFill>
+          <a:blip r:embed="rId3">
+            <a:extLst>
+              <a:ext uri="{28A0092B-C50C-407E-A947-70E740481C1C}">
+                <a14:useLocalDpi xmlns:a14="http://schemas.microsoft.com/office/drawing/2010/main" val="0"/>
+              </a:ext>
+            </a:extLst>
+          </a:blip>
+          <a:stretch>
+            <a:fillRect/>
+          </a:stretch>
+        </p:blipFill>
+        <p:spPr>
+          <a:xfrm>
+            <a:off x="8186688" y="4456670"/>
+            <a:ext cx="1374160" cy="772965"/>
+          </a:xfrm>
+          <a:prstGeom prst="rect">
+            <a:avLst/>
+          </a:prstGeom>
+        </p:spPr>
+      </p:pic>
+      <p:pic>
+        <p:nvPicPr>
+          <p:cNvPr id="25" name="Immagine 24">
+            <a:extLst>
+              <a:ext uri="{FF2B5EF4-FFF2-40B4-BE49-F238E27FC236}">
+                <a16:creationId xmlns:a16="http://schemas.microsoft.com/office/drawing/2014/main" id="{071786D1-81B3-4CFC-BD3E-ADED18C2E2A9}"/>
+              </a:ext>
+            </a:extLst>
+          </p:cNvPr>
+          <p:cNvPicPr>
+            <a:picLocks noChangeAspect="1"/>
+          </p:cNvPicPr>
+          <p:nvPr/>
+        </p:nvPicPr>
+        <p:blipFill>
+          <a:blip r:embed="rId4">
+            <a:extLst>
+              <a:ext uri="{28A0092B-C50C-407E-A947-70E740481C1C}">
+                <a14:useLocalDpi xmlns:a14="http://schemas.microsoft.com/office/drawing/2010/main" val="0"/>
+              </a:ext>
+            </a:extLst>
+          </a:blip>
+          <a:stretch>
+            <a:fillRect/>
+          </a:stretch>
+        </p:blipFill>
+        <p:spPr>
+          <a:xfrm>
+            <a:off x="4299195" y="4927045"/>
+            <a:ext cx="1496726" cy="613412"/>
+          </a:xfrm>
+          <a:prstGeom prst="rect">
+            <a:avLst/>
+          </a:prstGeom>
+        </p:spPr>
+      </p:pic>
+      <p:pic>
+        <p:nvPicPr>
+          <p:cNvPr id="27" name="Immagine 26">
+            <a:extLst>
+              <a:ext uri="{FF2B5EF4-FFF2-40B4-BE49-F238E27FC236}">
+                <a16:creationId xmlns:a16="http://schemas.microsoft.com/office/drawing/2014/main" id="{03C39603-5DA3-487C-B066-B738A8FBD532}"/>
+              </a:ext>
+            </a:extLst>
+          </p:cNvPr>
+          <p:cNvPicPr>
+            <a:picLocks noChangeAspect="1"/>
+          </p:cNvPicPr>
+          <p:nvPr/>
+        </p:nvPicPr>
+        <p:blipFill>
+          <a:blip r:embed="rId5">
+            <a:extLst>
+              <a:ext uri="{28A0092B-C50C-407E-A947-70E740481C1C}">
+                <a14:useLocalDpi xmlns:a14="http://schemas.microsoft.com/office/drawing/2010/main" val="0"/>
+              </a:ext>
+            </a:extLst>
+          </a:blip>
+          <a:stretch>
+            <a:fillRect/>
+          </a:stretch>
+        </p:blipFill>
+        <p:spPr>
+          <a:xfrm>
+            <a:off x="2470182" y="2354977"/>
+            <a:ext cx="848051" cy="848051"/>
+          </a:xfrm>
+          <a:prstGeom prst="rect">
+            <a:avLst/>
+          </a:prstGeom>
+        </p:spPr>
+      </p:pic>
+      <p:pic>
+        <p:nvPicPr>
+          <p:cNvPr id="32" name="Elemento grafico 31">
+            <a:extLst>
+              <a:ext uri="{FF2B5EF4-FFF2-40B4-BE49-F238E27FC236}">
+                <a16:creationId xmlns:a16="http://schemas.microsoft.com/office/drawing/2014/main" id="{D5E8FE47-2072-4704-8194-8BAC8698077E}"/>
+              </a:ext>
+            </a:extLst>
+          </p:cNvPr>
+          <p:cNvPicPr>
+            <a:picLocks noChangeAspect="1"/>
+          </p:cNvPicPr>
+          <p:nvPr/>
+        </p:nvPicPr>
+        <p:blipFill>
+          <a:blip r:embed="rId6">
+            <a:extLst>
+              <a:ext uri="{28A0092B-C50C-407E-A947-70E740481C1C}">
+                <a14:useLocalDpi xmlns:a14="http://schemas.microsoft.com/office/drawing/2010/main" val="0"/>
+              </a:ext>
+              <a:ext uri="{96DAC541-7B7A-43D3-8B79-37D633B846F1}">
+                <asvg:svgBlip xmlns:asvg="http://schemas.microsoft.com/office/drawing/2016/SVG/main" r:embed="rId7"/>
+              </a:ext>
+            </a:extLst>
+          </a:blip>
+          <a:stretch>
+            <a:fillRect/>
+          </a:stretch>
+        </p:blipFill>
+        <p:spPr>
+          <a:xfrm>
+            <a:off x="6861564" y="5253803"/>
+            <a:ext cx="1178487" cy="1178487"/>
+          </a:xfrm>
+          <a:prstGeom prst="rect">
+            <a:avLst/>
+          </a:prstGeom>
+        </p:spPr>
+      </p:pic>
+      <p:pic>
+        <p:nvPicPr>
+          <p:cNvPr id="34" name="Immagine 33">
+            <a:extLst>
+              <a:ext uri="{FF2B5EF4-FFF2-40B4-BE49-F238E27FC236}">
+                <a16:creationId xmlns:a16="http://schemas.microsoft.com/office/drawing/2014/main" id="{4C193A7B-3B88-4C53-A84B-5644690B1072}"/>
+              </a:ext>
+            </a:extLst>
+          </p:cNvPr>
+          <p:cNvPicPr>
+            <a:picLocks noChangeAspect="1"/>
+          </p:cNvPicPr>
+          <p:nvPr/>
+        </p:nvPicPr>
+        <p:blipFill>
+          <a:blip r:embed="rId8">
+            <a:extLst>
+              <a:ext uri="{28A0092B-C50C-407E-A947-70E740481C1C}">
+                <a14:useLocalDpi xmlns:a14="http://schemas.microsoft.com/office/drawing/2010/main" val="0"/>
+              </a:ext>
+            </a:extLst>
+          </a:blip>
+          <a:stretch>
+            <a:fillRect/>
+          </a:stretch>
+        </p:blipFill>
+        <p:spPr>
+          <a:xfrm>
+            <a:off x="3836557" y="5863830"/>
+            <a:ext cx="1460348" cy="272936"/>
+          </a:xfrm>
+          <a:prstGeom prst="rect">
+            <a:avLst/>
+          </a:prstGeom>
+        </p:spPr>
+      </p:pic>
+      <p:sp>
+        <p:nvSpPr>
+          <p:cNvPr id="35" name="CasellaDiTesto 34">
+            <a:extLst>
+              <a:ext uri="{FF2B5EF4-FFF2-40B4-BE49-F238E27FC236}">
+                <a16:creationId xmlns:a16="http://schemas.microsoft.com/office/drawing/2014/main" id="{9607CA5D-8781-4FB9-8FE9-8E9A321B6398}"/>
+              </a:ext>
+            </a:extLst>
+          </p:cNvPr>
+          <p:cNvSpPr txBox="1"/>
+          <p:nvPr/>
+        </p:nvSpPr>
+        <p:spPr>
+          <a:xfrm>
+            <a:off x="678457" y="425710"/>
+            <a:ext cx="7776547" cy="769441"/>
+          </a:xfrm>
+          <a:prstGeom prst="rect">
+            <a:avLst/>
+          </a:prstGeom>
+          <a:noFill/>
+        </p:spPr>
+        <p:txBody>
+          <a:bodyPr wrap="square" rtlCol="0">
+            <a:spAutoFit/>
+          </a:bodyPr>
+          <a:lstStyle/>
+          <a:p>
+            <a:r>
+              <a:rPr lang="it-IT" sz="4400" dirty="0">
+                <a:latin typeface="+mj-lt"/>
+              </a:rPr>
+              <a:t>Une idee </a:t>
+            </a:r>
+            <a:r>
+              <a:rPr lang="it-IT" sz="4400" dirty="0" err="1">
+                <a:latin typeface="+mj-lt"/>
+              </a:rPr>
+              <a:t>loins</a:t>
+            </a:r>
+            <a:r>
+              <a:rPr lang="it-IT" sz="4400" dirty="0">
+                <a:latin typeface="+mj-lt"/>
+              </a:rPr>
+              <a:t> </a:t>
+            </a:r>
+            <a:r>
+              <a:rPr lang="it-IT" sz="4400" dirty="0" err="1">
+                <a:latin typeface="+mj-lt"/>
+              </a:rPr>
+              <a:t>des</a:t>
+            </a:r>
+            <a:r>
+              <a:rPr lang="it-IT" sz="4400" dirty="0">
+                <a:latin typeface="+mj-lt"/>
+              </a:rPr>
+              <a:t> </a:t>
+            </a:r>
+            <a:r>
+              <a:rPr lang="it-IT" sz="4400" dirty="0" err="1">
+                <a:latin typeface="+mj-lt"/>
+              </a:rPr>
+              <a:t>concurrent</a:t>
+            </a:r>
+            <a:endParaRPr lang="it-IT" sz="4400" dirty="0">
+              <a:latin typeface="+mj-lt"/>
+            </a:endParaRPr>
+          </a:p>
+        </p:txBody>
+      </p:sp>
     </p:spTree>
     <p:extLst>
       <p:ext uri="{BB962C8B-B14F-4D97-AF65-F5344CB8AC3E}">
-        <p14:creationId xmlns:p14="http://schemas.microsoft.com/office/powerpoint/2010/main" val="1087733663"/>
+        <p14:creationId xmlns:p14="http://schemas.microsoft.com/office/powerpoint/2010/main" val="3851001903"/>
       </p:ext>
     </p:extLst>
   </p:cSld>
@@ -15146,10 +16092,10 @@
       </p:sp>
       <p:sp>
         <p:nvSpPr>
-          <p:cNvPr id="9" name="ZoneTexte 8">
-            <a:extLst>
-              <a:ext uri="{FF2B5EF4-FFF2-40B4-BE49-F238E27FC236}">
-                <a16:creationId xmlns:a16="http://schemas.microsoft.com/office/drawing/2014/main" id="{6D435700-44AE-4923-8F8F-3F0E5B1B2315}"/>
+          <p:cNvPr id="7" name="ZoneTexte 8">
+            <a:extLst>
+              <a:ext uri="{FF2B5EF4-FFF2-40B4-BE49-F238E27FC236}">
+                <a16:creationId xmlns:a16="http://schemas.microsoft.com/office/drawing/2014/main" id="{D188B1DA-687D-477C-96C0-3A3FBFD34665}"/>
               </a:ext>
             </a:extLst>
           </p:cNvPr>
@@ -15181,10 +16127,10 @@
       </p:sp>
       <p:sp>
         <p:nvSpPr>
-          <p:cNvPr id="12" name="ZoneTexte 11">
-            <a:extLst>
-              <a:ext uri="{FF2B5EF4-FFF2-40B4-BE49-F238E27FC236}">
-                <a16:creationId xmlns:a16="http://schemas.microsoft.com/office/drawing/2014/main" id="{2E89A139-ACCF-4610-9BF3-069CBFEC8702}"/>
+          <p:cNvPr id="8" name="ZoneTexte 11">
+            <a:extLst>
+              <a:ext uri="{FF2B5EF4-FFF2-40B4-BE49-F238E27FC236}">
+                <a16:creationId xmlns:a16="http://schemas.microsoft.com/office/drawing/2014/main" id="{A532EE89-5C28-4A40-8418-73C784ADDA7F}"/>
               </a:ext>
             </a:extLst>
           </p:cNvPr>
@@ -15216,10 +16162,10 @@
       </p:sp>
       <p:sp>
         <p:nvSpPr>
-          <p:cNvPr id="13" name="ZoneTexte 12">
-            <a:extLst>
-              <a:ext uri="{FF2B5EF4-FFF2-40B4-BE49-F238E27FC236}">
-                <a16:creationId xmlns:a16="http://schemas.microsoft.com/office/drawing/2014/main" id="{8251C58E-BBAC-46BD-B60A-CBD2433F51A7}"/>
+          <p:cNvPr id="9" name="ZoneTexte 12">
+            <a:extLst>
+              <a:ext uri="{FF2B5EF4-FFF2-40B4-BE49-F238E27FC236}">
+                <a16:creationId xmlns:a16="http://schemas.microsoft.com/office/drawing/2014/main" id="{954EC3BB-03FF-4DBD-A5AF-2FEAB1277C8D}"/>
               </a:ext>
             </a:extLst>
           </p:cNvPr>
@@ -15251,10 +16197,10 @@
       </p:sp>
       <p:pic>
         <p:nvPicPr>
-          <p:cNvPr id="15" name="Image 14">
-            <a:extLst>
-              <a:ext uri="{FF2B5EF4-FFF2-40B4-BE49-F238E27FC236}">
-                <a16:creationId xmlns:a16="http://schemas.microsoft.com/office/drawing/2014/main" id="{E75FF0CD-82CF-4578-8A58-B6D25EF836D2}"/>
+          <p:cNvPr id="10" name="Image 14">
+            <a:extLst>
+              <a:ext uri="{FF2B5EF4-FFF2-40B4-BE49-F238E27FC236}">
+                <a16:creationId xmlns:a16="http://schemas.microsoft.com/office/drawing/2014/main" id="{342C8D0D-D2F1-4571-B4A3-B68D64FA9413}"/>
               </a:ext>
             </a:extLst>
           </p:cNvPr>
@@ -15264,7 +16210,7 @@
           <p:nvPr/>
         </p:nvPicPr>
         <p:blipFill>
-          <a:blip r:embed="rId3">
+          <a:blip r:embed="rId2">
             <a:extLst>
               <a:ext uri="{28A0092B-C50C-407E-A947-70E740481C1C}">
                 <a14:useLocalDpi xmlns:a14="http://schemas.microsoft.com/office/drawing/2010/main" val="0"/>
@@ -15287,10 +16233,10 @@
       </p:pic>
       <p:pic>
         <p:nvPicPr>
-          <p:cNvPr id="17" name="Image 16">
-            <a:extLst>
-              <a:ext uri="{FF2B5EF4-FFF2-40B4-BE49-F238E27FC236}">
-                <a16:creationId xmlns:a16="http://schemas.microsoft.com/office/drawing/2014/main" id="{179C8353-14C2-4653-8E4F-727E8D4D2B53}"/>
+          <p:cNvPr id="11" name="Image 16">
+            <a:extLst>
+              <a:ext uri="{FF2B5EF4-FFF2-40B4-BE49-F238E27FC236}">
+                <a16:creationId xmlns:a16="http://schemas.microsoft.com/office/drawing/2014/main" id="{73D75758-8FD8-4CA2-8131-7B60D000A5D0}"/>
               </a:ext>
             </a:extLst>
           </p:cNvPr>
@@ -15300,7 +16246,7 @@
           <p:nvPr/>
         </p:nvPicPr>
         <p:blipFill>
-          <a:blip r:embed="rId4">
+          <a:blip r:embed="rId3">
             <a:extLst>
               <a:ext uri="{28A0092B-C50C-407E-A947-70E740481C1C}">
                 <a14:useLocalDpi xmlns:a14="http://schemas.microsoft.com/office/drawing/2010/main" val="0"/>
@@ -15323,10 +16269,10 @@
       </p:pic>
       <p:pic>
         <p:nvPicPr>
-          <p:cNvPr id="18" name="Image 17">
-            <a:extLst>
-              <a:ext uri="{FF2B5EF4-FFF2-40B4-BE49-F238E27FC236}">
-                <a16:creationId xmlns:a16="http://schemas.microsoft.com/office/drawing/2014/main" id="{8BCC420A-6487-48B2-A56F-89269174A049}"/>
+          <p:cNvPr id="12" name="Image 17">
+            <a:extLst>
+              <a:ext uri="{FF2B5EF4-FFF2-40B4-BE49-F238E27FC236}">
+                <a16:creationId xmlns:a16="http://schemas.microsoft.com/office/drawing/2014/main" id="{D58F616E-BBB6-4B71-89F7-11054526B275}"/>
               </a:ext>
             </a:extLst>
           </p:cNvPr>
@@ -15336,7 +16282,7 @@
           <p:nvPr/>
         </p:nvPicPr>
         <p:blipFill>
-          <a:blip r:embed="rId5">
+          <a:blip r:embed="rId4">
             <a:extLst>
               <a:ext uri="{28A0092B-C50C-407E-A947-70E740481C1C}">
                 <a14:useLocalDpi xmlns:a14="http://schemas.microsoft.com/office/drawing/2010/main" val="0"/>
@@ -15359,10 +16305,10 @@
       </p:pic>
       <p:pic>
         <p:nvPicPr>
-          <p:cNvPr id="20" name="Image 19">
-            <a:extLst>
-              <a:ext uri="{FF2B5EF4-FFF2-40B4-BE49-F238E27FC236}">
-                <a16:creationId xmlns:a16="http://schemas.microsoft.com/office/drawing/2014/main" id="{6E230BDA-6C9B-48DD-85AA-B0E2998D752B}"/>
+          <p:cNvPr id="13" name="Image 19">
+            <a:extLst>
+              <a:ext uri="{FF2B5EF4-FFF2-40B4-BE49-F238E27FC236}">
+                <a16:creationId xmlns:a16="http://schemas.microsoft.com/office/drawing/2014/main" id="{FC22BA37-2C3A-4815-8548-A4FD57A3F749}"/>
               </a:ext>
             </a:extLst>
           </p:cNvPr>
@@ -15372,7 +16318,7 @@
           <p:nvPr/>
         </p:nvPicPr>
         <p:blipFill>
-          <a:blip r:embed="rId5">
+          <a:blip r:embed="rId4">
             <a:extLst>
               <a:ext uri="{28A0092B-C50C-407E-A947-70E740481C1C}">
                 <a14:useLocalDpi xmlns:a14="http://schemas.microsoft.com/office/drawing/2010/main" val="0"/>
@@ -15395,10 +16341,10 @@
       </p:pic>
       <p:pic>
         <p:nvPicPr>
-          <p:cNvPr id="21" name="Image 20">
-            <a:extLst>
-              <a:ext uri="{FF2B5EF4-FFF2-40B4-BE49-F238E27FC236}">
-                <a16:creationId xmlns:a16="http://schemas.microsoft.com/office/drawing/2014/main" id="{8FAB6CC9-7042-495A-BCEA-9BE0DF7B2B29}"/>
+          <p:cNvPr id="14" name="Image 20">
+            <a:extLst>
+              <a:ext uri="{FF2B5EF4-FFF2-40B4-BE49-F238E27FC236}">
+                <a16:creationId xmlns:a16="http://schemas.microsoft.com/office/drawing/2014/main" id="{B89C866B-B831-44AB-BB3E-5EE20B6713EB}"/>
               </a:ext>
             </a:extLst>
           </p:cNvPr>
@@ -15408,7 +16354,7 @@
           <p:nvPr/>
         </p:nvPicPr>
         <p:blipFill>
-          <a:blip r:embed="rId5">
+          <a:blip r:embed="rId4">
             <a:extLst>
               <a:ext uri="{28A0092B-C50C-407E-A947-70E740481C1C}">
                 <a14:useLocalDpi xmlns:a14="http://schemas.microsoft.com/office/drawing/2010/main" val="0"/>
@@ -15431,10 +16377,10 @@
       </p:pic>
       <p:pic>
         <p:nvPicPr>
-          <p:cNvPr id="8" name="Graphique 7" descr="Fermer">
-            <a:extLst>
-              <a:ext uri="{FF2B5EF4-FFF2-40B4-BE49-F238E27FC236}">
-                <a16:creationId xmlns:a16="http://schemas.microsoft.com/office/drawing/2014/main" id="{A24593E6-2DC3-4E1C-8E9A-7B63E4F12185}"/>
+          <p:cNvPr id="15" name="Graphique 7" descr="Fermer">
+            <a:extLst>
+              <a:ext uri="{FF2B5EF4-FFF2-40B4-BE49-F238E27FC236}">
+                <a16:creationId xmlns:a16="http://schemas.microsoft.com/office/drawing/2014/main" id="{A6EDA93D-E506-484A-BC5E-C82680EC7154}"/>
               </a:ext>
             </a:extLst>
           </p:cNvPr>
@@ -15444,13 +16390,13 @@
           <p:nvPr/>
         </p:nvPicPr>
         <p:blipFill>
-          <a:blip r:embed="rId6">
+          <a:blip r:embed="rId5">
             <a:extLst>
               <a:ext uri="{28A0092B-C50C-407E-A947-70E740481C1C}">
                 <a14:useLocalDpi xmlns:a14="http://schemas.microsoft.com/office/drawing/2010/main" val="0"/>
               </a:ext>
               <a:ext uri="{96DAC541-7B7A-43D3-8B79-37D633B846F1}">
-                <asvg:svgBlip xmlns:asvg="http://schemas.microsoft.com/office/drawing/2016/SVG/main" r:embed="rId7"/>
+                <asvg:svgBlip xmlns:asvg="http://schemas.microsoft.com/office/drawing/2016/SVG/main" r:embed="rId6"/>
               </a:ext>
             </a:extLst>
           </a:blip>
@@ -15508,10 +16454,44 @@
       </p:grpSpPr>
       <p:sp>
         <p:nvSpPr>
-          <p:cNvPr id="2" name="Titre 1">
-            <a:extLst>
-              <a:ext uri="{FF2B5EF4-FFF2-40B4-BE49-F238E27FC236}">
-                <a16:creationId xmlns:a16="http://schemas.microsoft.com/office/drawing/2014/main" id="{3F8E8116-8C92-48F4-B5CD-F0B78CD356A9}"/>
+          <p:cNvPr id="4" name="Espace réservé du numéro de diapositive 3">
+            <a:extLst>
+              <a:ext uri="{FF2B5EF4-FFF2-40B4-BE49-F238E27FC236}">
+                <a16:creationId xmlns:a16="http://schemas.microsoft.com/office/drawing/2014/main" id="{4166E28B-6275-42E7-9DD8-EC695A43CB51}"/>
+              </a:ext>
+            </a:extLst>
+          </p:cNvPr>
+          <p:cNvSpPr>
+            <a:spLocks noGrp="1"/>
+          </p:cNvSpPr>
+          <p:nvPr>
+            <p:ph type="sldNum" sz="quarter" idx="12"/>
+          </p:nvPr>
+        </p:nvSpPr>
+        <p:spPr>
+          <a:xfrm>
+            <a:off x="8610600" y="6356350"/>
+            <a:ext cx="2743200" cy="365125"/>
+          </a:xfrm>
+        </p:spPr>
+        <p:txBody>
+          <a:bodyPr/>
+          <a:lstStyle/>
+          <a:p>
+            <a:fld id="{FAEAF821-8BBB-4B5F-AB25-F4FE9450ED6D}" type="slidenum">
+              <a:rPr lang="fr-CH" smtClean="0"/>
+              <a:t>9</a:t>
+            </a:fld>
+            <a:endParaRPr lang="fr-CH"/>
+          </a:p>
+        </p:txBody>
+      </p:sp>
+      <p:sp>
+        <p:nvSpPr>
+          <p:cNvPr id="12" name="Titre 1">
+            <a:extLst>
+              <a:ext uri="{FF2B5EF4-FFF2-40B4-BE49-F238E27FC236}">
+                <a16:creationId xmlns:a16="http://schemas.microsoft.com/office/drawing/2014/main" id="{ACFD11B9-F9CE-41E7-8DA6-5524443CC517}"/>
               </a:ext>
             </a:extLst>
           </p:cNvPr>
@@ -15522,84 +16502,94 @@
             <p:ph type="title"/>
           </p:nvPr>
         </p:nvSpPr>
-        <p:spPr/>
+        <p:spPr>
+          <a:xfrm>
+            <a:off x="838200" y="365125"/>
+            <a:ext cx="10515600" cy="1325563"/>
+          </a:xfrm>
+        </p:spPr>
         <p:txBody>
           <a:bodyPr/>
           <a:lstStyle/>
           <a:p>
             <a:r>
-              <a:rPr lang="fr-CH" dirty="0"/>
-              <a:t>Date</a:t>
-            </a:r>
+              <a:rPr lang="fr-CH"/>
+              <a:t>Un développement rapide</a:t>
+            </a:r>
+            <a:endParaRPr lang="fr-CH" dirty="0"/>
           </a:p>
         </p:txBody>
       </p:sp>
+      <p:pic>
+        <p:nvPicPr>
+          <p:cNvPr id="13" name="Immagine 12">
+            <a:extLst>
+              <a:ext uri="{FF2B5EF4-FFF2-40B4-BE49-F238E27FC236}">
+                <a16:creationId xmlns:a16="http://schemas.microsoft.com/office/drawing/2014/main" id="{B1A9524C-E5D0-4B86-B838-F2A3BA25D233}"/>
+              </a:ext>
+            </a:extLst>
+          </p:cNvPr>
+          <p:cNvPicPr>
+            <a:picLocks noChangeAspect="1"/>
+          </p:cNvPicPr>
+          <p:nvPr/>
+        </p:nvPicPr>
+        <p:blipFill>
+          <a:blip r:embed="rId2">
+            <a:extLst>
+              <a:ext uri="{28A0092B-C50C-407E-A947-70E740481C1C}">
+                <a14:useLocalDpi xmlns:a14="http://schemas.microsoft.com/office/drawing/2010/main" val="0"/>
+              </a:ext>
+            </a:extLst>
+          </a:blip>
+          <a:stretch>
+            <a:fillRect/>
+          </a:stretch>
+        </p:blipFill>
+        <p:spPr>
+          <a:xfrm>
+            <a:off x="5291121" y="2413761"/>
+            <a:ext cx="1429719" cy="1429719"/>
+          </a:xfrm>
+          <a:prstGeom prst="rect">
+            <a:avLst/>
+          </a:prstGeom>
+        </p:spPr>
+      </p:pic>
       <p:sp>
         <p:nvSpPr>
-          <p:cNvPr id="3" name="Espace réservé du contenu 2">
-            <a:extLst>
-              <a:ext uri="{FF2B5EF4-FFF2-40B4-BE49-F238E27FC236}">
-                <a16:creationId xmlns:a16="http://schemas.microsoft.com/office/drawing/2014/main" id="{7BA1D1C8-40E0-4F77-8411-A187071190DA}"/>
-              </a:ext>
-            </a:extLst>
-          </p:cNvPr>
-          <p:cNvSpPr>
-            <a:spLocks noGrp="1"/>
-          </p:cNvSpPr>
-          <p:nvPr>
-            <p:ph idx="1"/>
-          </p:nvPr>
+          <p:cNvPr id="14" name="CasellaDiTesto 13">
+            <a:extLst>
+              <a:ext uri="{FF2B5EF4-FFF2-40B4-BE49-F238E27FC236}">
+                <a16:creationId xmlns:a16="http://schemas.microsoft.com/office/drawing/2014/main" id="{A34C72C2-99A0-43F6-A393-64018C9C68B0}"/>
+              </a:ext>
+            </a:extLst>
+          </p:cNvPr>
+          <p:cNvSpPr txBox="1"/>
+          <p:nvPr/>
         </p:nvSpPr>
-        <p:spPr/>
+        <p:spPr>
+          <a:xfrm>
+            <a:off x="2867961" y="4252072"/>
+            <a:ext cx="6456078" cy="1077218"/>
+          </a:xfrm>
+          <a:prstGeom prst="rect">
+            <a:avLst/>
+          </a:prstGeom>
+          <a:noFill/>
+        </p:spPr>
         <p:txBody>
-          <a:bodyPr/>
+          <a:bodyPr wrap="square" rtlCol="0">
+            <a:spAutoFit/>
+          </a:bodyPr>
           <a:lstStyle/>
           <a:p>
-            <a:r>
-              <a:rPr lang="fr-CH" dirty="0"/>
-              <a:t>-</a:t>
-            </a:r>
-          </a:p>
-          <a:p>
-            <a:r>
-              <a:rPr lang="fr-CH" dirty="0"/>
-              <a:t>-</a:t>
-            </a:r>
-          </a:p>
-          <a:p>
-            <a:r>
-              <a:rPr lang="fr-CH" dirty="0"/>
-              <a:t>Date de Sortie</a:t>
-            </a:r>
-          </a:p>
-        </p:txBody>
-      </p:sp>
-      <p:sp>
-        <p:nvSpPr>
-          <p:cNvPr id="4" name="Espace réservé du numéro de diapositive 3">
-            <a:extLst>
-              <a:ext uri="{FF2B5EF4-FFF2-40B4-BE49-F238E27FC236}">
-                <a16:creationId xmlns:a16="http://schemas.microsoft.com/office/drawing/2014/main" id="{4166E28B-6275-42E7-9DD8-EC695A43CB51}"/>
-              </a:ext>
-            </a:extLst>
-          </p:cNvPr>
-          <p:cNvSpPr>
-            <a:spLocks noGrp="1"/>
-          </p:cNvSpPr>
-          <p:nvPr>
-            <p:ph type="sldNum" sz="quarter" idx="12"/>
-          </p:nvPr>
-        </p:nvSpPr>
-        <p:spPr/>
-        <p:txBody>
-          <a:bodyPr/>
-          <a:lstStyle/>
-          <a:p>
-            <a:fld id="{FAEAF821-8BBB-4B5F-AB25-F4FE9450ED6D}" type="slidenum">
-              <a:rPr lang="fr-CH" smtClean="0"/>
-              <a:t>9</a:t>
-            </a:fld>
-            <a:endParaRPr lang="fr-CH"/>
+            <a:pPr algn="ctr"/>
+            <a:r>
+              <a:rPr lang="it-IT" sz="3200"/>
+              <a:t>Lancement de l’application prevu pour Juin 2019</a:t>
+            </a:r>
+            <a:endParaRPr lang="it-IT" sz="3200" dirty="0"/>
           </a:p>
         </p:txBody>
       </p:sp>

--- a/Docs/UNIbay_DeskPitch.pptx
+++ b/Docs/UNIbay_DeskPitch.pptx
@@ -1067,7 +1067,7 @@
         <a:lstStyle/>
         <a:p>
           <a:r>
-            <a:rPr lang="fr-CH"/>
+            <a:rPr lang="fr-CH" dirty="0"/>
             <a:t>Statistique</a:t>
           </a:r>
         </a:p>
@@ -1933,7 +1933,7 @@
             <a:buNone/>
           </a:pPr>
           <a:r>
-            <a:rPr lang="fr-CH" sz="1400" kern="1200"/>
+            <a:rPr lang="fr-CH" sz="1400" kern="1200" dirty="0"/>
             <a:t>Statistique</a:t>
           </a:r>
         </a:p>
@@ -11625,21 +11625,8 @@
                   <a:schemeClr val="accent5"/>
                 </a:solidFill>
               </a:rPr>
-              <a:t>Front end </a:t>
+              <a:t>Front-end developper</a:t>
             </a:r>
-            <a:r>
-              <a:rPr lang="it-IT" i="1" dirty="0" err="1">
-                <a:solidFill>
-                  <a:schemeClr val="accent5"/>
-                </a:solidFill>
-              </a:rPr>
-              <a:t>developper</a:t>
-            </a:r>
-            <a:endParaRPr lang="it-IT" i="1" dirty="0">
-              <a:solidFill>
-                <a:schemeClr val="accent5"/>
-              </a:solidFill>
-            </a:endParaRPr>
           </a:p>
         </p:txBody>
       </p:sp>
@@ -11689,21 +11676,8 @@
                   <a:schemeClr val="accent5"/>
                 </a:solidFill>
               </a:rPr>
-              <a:t>Back end </a:t>
+              <a:t>Back-end developper</a:t>
             </a:r>
-            <a:r>
-              <a:rPr lang="it-IT" i="1" dirty="0" err="1">
-                <a:solidFill>
-                  <a:schemeClr val="accent5"/>
-                </a:solidFill>
-              </a:rPr>
-              <a:t>developper</a:t>
-            </a:r>
-            <a:endParaRPr lang="it-IT" i="1" dirty="0">
-              <a:solidFill>
-                <a:schemeClr val="accent5"/>
-              </a:solidFill>
-            </a:endParaRPr>
           </a:p>
           <a:p>
             <a:pPr algn="ctr"/>
@@ -11752,34 +11726,13 @@
           <a:p>
             <a:pPr algn="ctr"/>
             <a:r>
-              <a:rPr lang="it-IT" i="1" dirty="0" err="1">
-                <a:solidFill>
-                  <a:schemeClr val="accent5"/>
-                </a:solidFill>
-              </a:rPr>
-              <a:t>Fornt</a:t>
-            </a:r>
-            <a:r>
               <a:rPr lang="it-IT" i="1" dirty="0">
                 <a:solidFill>
                   <a:schemeClr val="accent5"/>
                 </a:solidFill>
               </a:rPr>
-              <a:t> end </a:t>
+              <a:t>Front-end developper</a:t>
             </a:r>
-            <a:r>
-              <a:rPr lang="it-IT" i="1" dirty="0" err="1">
-                <a:solidFill>
-                  <a:schemeClr val="accent5"/>
-                </a:solidFill>
-              </a:rPr>
-              <a:t>developper</a:t>
-            </a:r>
-            <a:endParaRPr lang="it-IT" i="1" dirty="0">
-              <a:solidFill>
-                <a:schemeClr val="accent5"/>
-              </a:solidFill>
-            </a:endParaRPr>
           </a:p>
         </p:txBody>
       </p:sp>
@@ -11820,20 +11773,12 @@
           <a:p>
             <a:pPr algn="ctr"/>
             <a:r>
-              <a:rPr lang="it-IT" i="1" dirty="0" err="1">
-                <a:solidFill>
-                  <a:schemeClr val="accent5"/>
-                </a:solidFill>
-              </a:rPr>
-              <a:t>Syteme</a:t>
-            </a:r>
-            <a:r>
               <a:rPr lang="it-IT" i="1" dirty="0">
                 <a:solidFill>
                   <a:schemeClr val="accent5"/>
                 </a:solidFill>
               </a:rPr>
-              <a:t> admin</a:t>
+              <a:t>System admin</a:t>
             </a:r>
           </a:p>
           <a:p>
@@ -12008,21 +11953,8 @@
                   <a:schemeClr val="accent5"/>
                 </a:solidFill>
               </a:rPr>
-              <a:t>Back end </a:t>
+              <a:t>Back-end developper</a:t>
             </a:r>
-            <a:r>
-              <a:rPr lang="it-IT" i="1" dirty="0" err="1">
-                <a:solidFill>
-                  <a:schemeClr val="accent5"/>
-                </a:solidFill>
-              </a:rPr>
-              <a:t>developper</a:t>
-            </a:r>
-            <a:endParaRPr lang="it-IT" i="1" dirty="0">
-              <a:solidFill>
-                <a:schemeClr val="accent5"/>
-              </a:solidFill>
-            </a:endParaRPr>
           </a:p>
           <a:p>
             <a:pPr algn="ctr"/>
@@ -13083,7 +13015,7 @@
           <a:p>
             <a:r>
               <a:rPr lang="fr-CH" dirty="0"/>
-              <a:t>Economie</a:t>
+              <a:t>Économie</a:t>
             </a:r>
           </a:p>
         </p:txBody>
@@ -13118,7 +13050,7 @@
           <a:p>
             <a:r>
               <a:rPr lang="fr-CH" dirty="0"/>
-              <a:t>Ecologie</a:t>
+              <a:t>Écologie</a:t>
             </a:r>
           </a:p>
         </p:txBody>
@@ -13297,8 +13229,8 @@
         </p:nvSpPr>
         <p:spPr>
           <a:xfrm>
-            <a:off x="4438534" y="5939660"/>
-            <a:ext cx="2731710" cy="646331"/>
+            <a:off x="4497044" y="5939660"/>
+            <a:ext cx="2614691" cy="646331"/>
           </a:xfrm>
           <a:prstGeom prst="rect">
             <a:avLst/>
@@ -13314,14 +13246,14 @@
             <a:pPr algn="ctr"/>
             <a:r>
               <a:rPr lang="fr-CH" dirty="0"/>
-              <a:t>Peu de informations sur les</a:t>
+              <a:t>Peu d’informations sur les</a:t>
             </a:r>
           </a:p>
           <a:p>
             <a:pPr algn="ctr"/>
             <a:r>
               <a:rPr lang="fr-CH" dirty="0"/>
-              <a:t>utilisateur</a:t>
+              <a:t>utilisateurs</a:t>
             </a:r>
           </a:p>
         </p:txBody>
@@ -13519,7 +13451,7 @@
         <p:spPr>
           <a:xfrm>
             <a:off x="8689225" y="5945006"/>
-            <a:ext cx="1750159" cy="369332"/>
+            <a:ext cx="2190921" cy="369332"/>
           </a:xfrm>
           <a:prstGeom prst="rect">
             <a:avLst/>
@@ -13534,13 +13466,8 @@
           <a:p>
             <a:r>
               <a:rPr lang="it-IT" dirty="0"/>
-              <a:t>Difficile à </a:t>
+              <a:t>Difficulté d’utilisation</a:t>
             </a:r>
-            <a:r>
-              <a:rPr lang="it-IT" dirty="0" err="1"/>
-              <a:t>utiliser</a:t>
-            </a:r>
-            <a:endParaRPr lang="it-IT" dirty="0"/>
           </a:p>
         </p:txBody>
       </p:sp>
@@ -14152,8 +14079,8 @@
         </p:nvSpPr>
         <p:spPr>
           <a:xfrm>
-            <a:off x="904100" y="2958957"/>
-            <a:ext cx="3147272" cy="646331"/>
+            <a:off x="859216" y="2958957"/>
+            <a:ext cx="3237040" cy="646331"/>
           </a:xfrm>
           <a:prstGeom prst="rect">
             <a:avLst/>
@@ -14169,13 +14096,8 @@
             <a:pPr algn="ctr"/>
             <a:r>
               <a:rPr lang="fr-CH" dirty="0"/>
-              <a:t>Catalogue des objets </a:t>
+              <a:t>Catalogue des objets spécifiques</a:t>
             </a:r>
-            <a:r>
-              <a:rPr lang="fr-CH" dirty="0" err="1"/>
-              <a:t>specifique</a:t>
-            </a:r>
-            <a:endParaRPr lang="fr-CH" dirty="0"/>
           </a:p>
           <a:p>
             <a:pPr algn="ctr"/>
@@ -14224,13 +14146,8 @@
             <a:pPr algn="ctr"/>
             <a:r>
               <a:rPr lang="fr-CH" dirty="0"/>
-              <a:t>par l’</a:t>
+              <a:t>par l’université</a:t>
             </a:r>
-            <a:r>
-              <a:rPr lang="fr-CH" dirty="0" err="1"/>
-              <a:t>universitè</a:t>
-            </a:r>
-            <a:endParaRPr lang="fr-CH" dirty="0"/>
           </a:p>
         </p:txBody>
       </p:sp>
@@ -14291,8 +14208,8 @@
         </p:nvSpPr>
         <p:spPr>
           <a:xfrm>
-            <a:off x="4772555" y="5659277"/>
-            <a:ext cx="2717347" cy="646331"/>
+            <a:off x="4821992" y="5659277"/>
+            <a:ext cx="2618474" cy="646331"/>
           </a:xfrm>
           <a:prstGeom prst="rect">
             <a:avLst/>
@@ -14308,23 +14225,7 @@
             <a:pPr algn="ctr"/>
             <a:r>
               <a:rPr lang="it-IT" dirty="0"/>
-              <a:t>Tous en </a:t>
-            </a:r>
-            <a:r>
-              <a:rPr lang="it-IT" dirty="0" err="1"/>
-              <a:t>gardent</a:t>
-            </a:r>
-            <a:r>
-              <a:rPr lang="it-IT" dirty="0"/>
-              <a:t> le </a:t>
-            </a:r>
-            <a:r>
-              <a:rPr lang="it-IT" dirty="0" err="1"/>
-              <a:t>benefie</a:t>
-            </a:r>
-            <a:r>
-              <a:rPr lang="it-IT" dirty="0"/>
-              <a:t> </a:t>
+              <a:t>Tous en garde le bénéfice </a:t>
             </a:r>
           </a:p>
           <a:p>
@@ -14989,7 +14890,7 @@
         <p:spPr>
           <a:xfrm>
             <a:off x="4389775" y="3858127"/>
-            <a:ext cx="3412449" cy="830997"/>
+            <a:ext cx="3412449" cy="1200329"/>
           </a:xfrm>
           <a:prstGeom prst="rect">
             <a:avLst/>
@@ -15005,7 +14906,7 @@
             <a:pPr algn="ctr"/>
             <a:r>
               <a:rPr lang="fr-CH" sz="2400" dirty="0"/>
-              <a:t>Plus de 200000 utilisateur potentielle en Suisse</a:t>
+              <a:t>Plus de 200’000 utilisateurs potentiels en Suisse</a:t>
             </a:r>
           </a:p>
         </p:txBody>
@@ -15584,42 +15485,9 @@
           <a:lstStyle/>
           <a:p>
             <a:r>
-              <a:rPr lang="it-IT" sz="1200" dirty="0" err="1"/>
-              <a:t>Complexe</a:t>
+              <a:rPr lang="it-IT" sz="1200" dirty="0"/>
+              <a:t>Complexe à utiliser ou peu pratique</a:t>
             </a:r>
-            <a:r>
-              <a:rPr lang="it-IT" sz="1200" dirty="0"/>
-              <a:t> à </a:t>
-            </a:r>
-            <a:r>
-              <a:rPr lang="it-IT" sz="1200" dirty="0" err="1"/>
-              <a:t>utiliser</a:t>
-            </a:r>
-            <a:r>
-              <a:rPr lang="it-IT" sz="1200" dirty="0"/>
-              <a:t> </a:t>
-            </a:r>
-            <a:r>
-              <a:rPr lang="it-IT" sz="1200" dirty="0" err="1"/>
-              <a:t>ou</a:t>
-            </a:r>
-            <a:r>
-              <a:rPr lang="it-IT" sz="1200" dirty="0"/>
-              <a:t> </a:t>
-            </a:r>
-            <a:r>
-              <a:rPr lang="it-IT" sz="1200" dirty="0" err="1"/>
-              <a:t>peut</a:t>
-            </a:r>
-            <a:r>
-              <a:rPr lang="it-IT" sz="1200" dirty="0"/>
-              <a:t> </a:t>
-            </a:r>
-            <a:r>
-              <a:rPr lang="it-IT" sz="1200" dirty="0" err="1"/>
-              <a:t>pratique</a:t>
-            </a:r>
-            <a:endParaRPr lang="it-IT" sz="1200" dirty="0"/>
           </a:p>
         </p:txBody>
       </p:sp>
@@ -15637,8 +15505,8 @@
         </p:nvSpPr>
         <p:spPr>
           <a:xfrm rot="16200000">
-            <a:off x="5241858" y="1940247"/>
-            <a:ext cx="1400512" cy="276999"/>
+            <a:off x="5211401" y="1940247"/>
+            <a:ext cx="1461426" cy="276999"/>
           </a:xfrm>
           <a:prstGeom prst="rect">
             <a:avLst/>
@@ -15652,18 +15520,9 @@
           <a:lstStyle/>
           <a:p>
             <a:r>
-              <a:rPr lang="it-IT" sz="1200" dirty="0" err="1"/>
-              <a:t>Objets</a:t>
+              <a:rPr lang="it-IT" sz="1200" dirty="0"/>
+              <a:t>Objets universitaires</a:t>
             </a:r>
-            <a:r>
-              <a:rPr lang="it-IT" sz="1200" dirty="0"/>
-              <a:t> </a:t>
-            </a:r>
-            <a:r>
-              <a:rPr lang="it-IT" sz="1200" dirty="0" err="1"/>
-              <a:t>universitaire</a:t>
-            </a:r>
-            <a:endParaRPr lang="it-IT" sz="1200" dirty="0"/>
           </a:p>
         </p:txBody>
       </p:sp>
@@ -15681,8 +15540,8 @@
         </p:nvSpPr>
         <p:spPr>
           <a:xfrm rot="16200000">
-            <a:off x="5250097" y="5783153"/>
-            <a:ext cx="1384033" cy="276999"/>
+            <a:off x="5288569" y="5783153"/>
+            <a:ext cx="1307089" cy="276999"/>
           </a:xfrm>
           <a:prstGeom prst="rect">
             <a:avLst/>
@@ -15696,12 +15555,8 @@
           <a:lstStyle/>
           <a:p>
             <a:r>
-              <a:rPr lang="it-IT" sz="1200" dirty="0" err="1"/>
-              <a:t>Catalogue</a:t>
-            </a:r>
-            <a:r>
               <a:rPr lang="it-IT" sz="1200" dirty="0"/>
-              <a:t> generale</a:t>
+              <a:t>Catalogue général</a:t>
             </a:r>
           </a:p>
         </p:txBody>
@@ -15957,41 +15812,8 @@
               <a:rPr lang="it-IT" sz="4400" dirty="0">
                 <a:latin typeface="+mj-lt"/>
               </a:rPr>
-              <a:t>Une idee </a:t>
+              <a:t>Une idée loin des concurrents</a:t>
             </a:r>
-            <a:r>
-              <a:rPr lang="it-IT" sz="4400" dirty="0" err="1">
-                <a:latin typeface="+mj-lt"/>
-              </a:rPr>
-              <a:t>loins</a:t>
-            </a:r>
-            <a:r>
-              <a:rPr lang="it-IT" sz="4400" dirty="0">
-                <a:latin typeface="+mj-lt"/>
-              </a:rPr>
-              <a:t> </a:t>
-            </a:r>
-            <a:r>
-              <a:rPr lang="it-IT" sz="4400" dirty="0" err="1">
-                <a:latin typeface="+mj-lt"/>
-              </a:rPr>
-              <a:t>des</a:t>
-            </a:r>
-            <a:r>
-              <a:rPr lang="it-IT" sz="4400" dirty="0">
-                <a:latin typeface="+mj-lt"/>
-              </a:rPr>
-              <a:t> </a:t>
-            </a:r>
-            <a:r>
-              <a:rPr lang="it-IT" sz="4400" dirty="0" err="1">
-                <a:latin typeface="+mj-lt"/>
-              </a:rPr>
-              <a:t>concurrent</a:t>
-            </a:r>
-            <a:endParaRPr lang="it-IT" sz="4400" dirty="0">
-              <a:latin typeface="+mj-lt"/>
-            </a:endParaRPr>
           </a:p>
         </p:txBody>
       </p:sp>
@@ -16056,7 +15878,7 @@
           <a:p>
             <a:r>
               <a:rPr lang="fr-CH" dirty="0"/>
-              <a:t>Risque</a:t>
+              <a:t>Risques</a:t>
             </a:r>
           </a:p>
         </p:txBody>
@@ -16586,10 +16408,9 @@
           <a:p>
             <a:pPr algn="ctr"/>
             <a:r>
-              <a:rPr lang="it-IT" sz="3200"/>
-              <a:t>Lancement de l’application prevu pour Juin 2019</a:t>
+              <a:rPr lang="it-IT" sz="3200" dirty="0"/>
+              <a:t>Lancement de l’application prévu pour Juin 2019</a:t>
             </a:r>
-            <a:endParaRPr lang="it-IT" sz="3200" dirty="0"/>
           </a:p>
         </p:txBody>
       </p:sp>

--- a/Docs/UNIbay_DeskPitch.pptx
+++ b/Docs/UNIbay_DeskPitch.pptx
@@ -5,23 +5,29 @@
     <p:sldMasterId id="2147483648" r:id="rId1"/>
   </p:sldMasterIdLst>
   <p:notesMasterIdLst>
-    <p:notesMasterId r:id="rId16"/>
+    <p:notesMasterId r:id="rId22"/>
   </p:notesMasterIdLst>
   <p:sldIdLst>
     <p:sldId id="256" r:id="rId2"/>
     <p:sldId id="265" r:id="rId3"/>
     <p:sldId id="258" r:id="rId4"/>
-    <p:sldId id="260" r:id="rId5"/>
-    <p:sldId id="259" r:id="rId6"/>
-    <p:sldId id="261" r:id="rId7"/>
-    <p:sldId id="271" r:id="rId8"/>
-    <p:sldId id="264" r:id="rId9"/>
-    <p:sldId id="263" r:id="rId10"/>
-    <p:sldId id="266" r:id="rId11"/>
-    <p:sldId id="267" r:id="rId12"/>
-    <p:sldId id="268" r:id="rId13"/>
-    <p:sldId id="272" r:id="rId14"/>
-    <p:sldId id="270" r:id="rId15"/>
+    <p:sldId id="274" r:id="rId5"/>
+    <p:sldId id="275" r:id="rId6"/>
+    <p:sldId id="276" r:id="rId7"/>
+    <p:sldId id="278" r:id="rId8"/>
+    <p:sldId id="279" r:id="rId9"/>
+    <p:sldId id="280" r:id="rId10"/>
+    <p:sldId id="259" r:id="rId11"/>
+    <p:sldId id="261" r:id="rId12"/>
+    <p:sldId id="271" r:id="rId13"/>
+    <p:sldId id="264" r:id="rId14"/>
+    <p:sldId id="263" r:id="rId15"/>
+    <p:sldId id="266" r:id="rId16"/>
+    <p:sldId id="267" r:id="rId17"/>
+    <p:sldId id="268" r:id="rId18"/>
+    <p:sldId id="277" r:id="rId19"/>
+    <p:sldId id="272" r:id="rId20"/>
+    <p:sldId id="270" r:id="rId21"/>
   </p:sldIdLst>
   <p:sldSz cx="12192000" cy="6858000"/>
   <p:notesSz cx="6858000" cy="9144000"/>
@@ -138,6 +144,545 @@
     </p:extLst>
   </p:cmAuthor>
 </p:cmAuthorLst>
+</file>
+
+<file path=ppt/charts/chart1.xml><?xml version="1.0" encoding="utf-8"?>
+<c:chartSpace xmlns:c="http://schemas.openxmlformats.org/drawingml/2006/chart" xmlns:a="http://schemas.openxmlformats.org/drawingml/2006/main" xmlns:r="http://schemas.openxmlformats.org/officeDocument/2006/relationships" xmlns:c16r2="http://schemas.microsoft.com/office/drawing/2015/06/chart">
+  <c:date1904 val="0"/>
+  <c:lang val="fr-FR"/>
+  <c:roundedCorners val="0"/>
+  <mc:AlternateContent xmlns:mc="http://schemas.openxmlformats.org/markup-compatibility/2006">
+    <mc:Choice xmlns:c14="http://schemas.microsoft.com/office/drawing/2007/8/2/chart" Requires="c14">
+      <c14:style val="118"/>
+    </mc:Choice>
+    <mc:Fallback>
+      <c:style val="18"/>
+    </mc:Fallback>
+  </mc:AlternateContent>
+  <c:chart>
+    <c:autoTitleDeleted val="0"/>
+    <c:plotArea>
+      <c:layout/>
+      <c:barChart>
+        <c:barDir val="bar"/>
+        <c:grouping val="stacked"/>
+        <c:varyColors val="0"/>
+        <c:ser>
+          <c:idx val="0"/>
+          <c:order val="0"/>
+          <c:tx>
+            <c:strRef>
+              <c:f>'Project Plan and Gantt'!$B$11</c:f>
+              <c:strCache>
+                <c:ptCount val="1"/>
+                <c:pt idx="0">
+                  <c:v>Début</c:v>
+                </c:pt>
+              </c:strCache>
+            </c:strRef>
+          </c:tx>
+          <c:spPr>
+            <a:noFill/>
+            <a:ln>
+              <a:noFill/>
+            </a:ln>
+            <a:effectLst/>
+          </c:spPr>
+          <c:invertIfNegative val="0"/>
+          <c:cat>
+            <c:strRef>
+              <c:f>'Project Plan and Gantt'!$A$12:$A$23</c:f>
+              <c:strCache>
+                <c:ptCount val="12"/>
+                <c:pt idx="0">
+                  <c:v>Use-Case, Dom Diagram</c:v>
+                </c:pt>
+                <c:pt idx="1">
+                  <c:v>Croquis de l'interface web</c:v>
+                </c:pt>
+                <c:pt idx="2">
+                  <c:v>Création Data Bases</c:v>
+                </c:pt>
+                <c:pt idx="3">
+                  <c:v>Demander possibilité ISIS</c:v>
+                </c:pt>
+                <c:pt idx="4">
+                  <c:v>Interface web</c:v>
+                </c:pt>
+                <c:pt idx="5">
+                  <c:v>Microservice AddAnnonce</c:v>
+                </c:pt>
+                <c:pt idx="6">
+                  <c:v>Microservice User</c:v>
+                </c:pt>
+                <c:pt idx="7">
+                  <c:v>Redirection ISIS ou autre vers le site</c:v>
+                </c:pt>
+                <c:pt idx="8">
+                  <c:v>Microservice SearchItem</c:v>
+                </c:pt>
+                <c:pt idx="9">
+                  <c:v>Microservice Messagerie</c:v>
+                </c:pt>
+                <c:pt idx="10">
+                  <c:v>Microservice Statistique</c:v>
+                </c:pt>
+                <c:pt idx="11">
+                  <c:v>Rédaction du rapport final</c:v>
+                </c:pt>
+              </c:strCache>
+            </c:strRef>
+          </c:cat>
+          <c:val>
+            <c:numRef>
+              <c:f>'Project Plan and Gantt'!$B$12:$B$23</c:f>
+              <c:numCache>
+                <c:formatCode>[$-409]d\-mmm;@</c:formatCode>
+                <c:ptCount val="12"/>
+                <c:pt idx="0">
+                  <c:v>43532</c:v>
+                </c:pt>
+                <c:pt idx="1">
+                  <c:v>43539</c:v>
+                </c:pt>
+                <c:pt idx="2">
+                  <c:v>43546</c:v>
+                </c:pt>
+                <c:pt idx="3">
+                  <c:v>43553</c:v>
+                </c:pt>
+                <c:pt idx="4">
+                  <c:v>43553</c:v>
+                </c:pt>
+                <c:pt idx="5">
+                  <c:v>43560</c:v>
+                </c:pt>
+                <c:pt idx="6">
+                  <c:v>43567</c:v>
+                </c:pt>
+                <c:pt idx="7">
+                  <c:v>43574</c:v>
+                </c:pt>
+                <c:pt idx="8">
+                  <c:v>43584</c:v>
+                </c:pt>
+                <c:pt idx="9">
+                  <c:v>43588</c:v>
+                </c:pt>
+                <c:pt idx="10">
+                  <c:v>43588</c:v>
+                </c:pt>
+                <c:pt idx="11">
+                  <c:v>43607</c:v>
+                </c:pt>
+              </c:numCache>
+            </c:numRef>
+          </c:val>
+          <c:extLst>
+            <c:ext xmlns:c16="http://schemas.microsoft.com/office/drawing/2014/chart" uri="{C3380CC4-5D6E-409C-BE32-E72D297353CC}">
+              <c16:uniqueId val="{00000000-DF9B-4D77-BAA0-9D96FF78DE92}"/>
+            </c:ext>
+          </c:extLst>
+        </c:ser>
+        <c:ser>
+          <c:idx val="1"/>
+          <c:order val="1"/>
+          <c:tx>
+            <c:strRef>
+              <c:f>'Project Plan and Gantt'!$D$11</c:f>
+              <c:strCache>
+                <c:ptCount val="1"/>
+                <c:pt idx="0">
+                  <c:v>Jours</c:v>
+                </c:pt>
+              </c:strCache>
+            </c:strRef>
+          </c:tx>
+          <c:spPr>
+            <a:solidFill>
+              <a:schemeClr val="accent2">
+                <a:lumMod val="60000"/>
+                <a:lumOff val="40000"/>
+              </a:schemeClr>
+            </a:solidFill>
+          </c:spPr>
+          <c:invertIfNegative val="0"/>
+          <c:dPt>
+            <c:idx val="0"/>
+            <c:invertIfNegative val="0"/>
+            <c:bubble3D val="0"/>
+            <c:spPr>
+              <a:solidFill>
+                <a:srgbClr val="00B050"/>
+              </a:solidFill>
+            </c:spPr>
+            <c:extLst>
+              <c:ext xmlns:c16="http://schemas.microsoft.com/office/drawing/2014/chart" uri="{C3380CC4-5D6E-409C-BE32-E72D297353CC}">
+                <c16:uniqueId val="{00000002-DF9B-4D77-BAA0-9D96FF78DE92}"/>
+              </c:ext>
+            </c:extLst>
+          </c:dPt>
+          <c:dPt>
+            <c:idx val="1"/>
+            <c:invertIfNegative val="0"/>
+            <c:bubble3D val="0"/>
+            <c:spPr>
+              <a:solidFill>
+                <a:srgbClr val="00B050"/>
+              </a:solidFill>
+            </c:spPr>
+            <c:extLst>
+              <c:ext xmlns:c16="http://schemas.microsoft.com/office/drawing/2014/chart" uri="{C3380CC4-5D6E-409C-BE32-E72D297353CC}">
+                <c16:uniqueId val="{00000004-DF9B-4D77-BAA0-9D96FF78DE92}"/>
+              </c:ext>
+            </c:extLst>
+          </c:dPt>
+          <c:dPt>
+            <c:idx val="2"/>
+            <c:invertIfNegative val="0"/>
+            <c:bubble3D val="0"/>
+            <c:spPr>
+              <a:solidFill>
+                <a:srgbClr val="00B050"/>
+              </a:solidFill>
+            </c:spPr>
+            <c:extLst>
+              <c:ext xmlns:c16="http://schemas.microsoft.com/office/drawing/2014/chart" uri="{C3380CC4-5D6E-409C-BE32-E72D297353CC}">
+                <c16:uniqueId val="{00000006-DF9B-4D77-BAA0-9D96FF78DE92}"/>
+              </c:ext>
+            </c:extLst>
+          </c:dPt>
+          <c:dPt>
+            <c:idx val="3"/>
+            <c:invertIfNegative val="0"/>
+            <c:bubble3D val="0"/>
+            <c:spPr>
+              <a:solidFill>
+                <a:schemeClr val="accent2"/>
+              </a:solidFill>
+            </c:spPr>
+            <c:extLst>
+              <c:ext xmlns:c16="http://schemas.microsoft.com/office/drawing/2014/chart" uri="{C3380CC4-5D6E-409C-BE32-E72D297353CC}">
+                <c16:uniqueId val="{00000008-DF9B-4D77-BAA0-9D96FF78DE92}"/>
+              </c:ext>
+            </c:extLst>
+          </c:dPt>
+          <c:dPt>
+            <c:idx val="4"/>
+            <c:invertIfNegative val="0"/>
+            <c:bubble3D val="0"/>
+            <c:spPr>
+              <a:solidFill>
+                <a:schemeClr val="accent2"/>
+              </a:solidFill>
+            </c:spPr>
+            <c:extLst>
+              <c:ext xmlns:c16="http://schemas.microsoft.com/office/drawing/2014/chart" uri="{C3380CC4-5D6E-409C-BE32-E72D297353CC}">
+                <c16:uniqueId val="{0000000A-DF9B-4D77-BAA0-9D96FF78DE92}"/>
+              </c:ext>
+            </c:extLst>
+          </c:dPt>
+          <c:dPt>
+            <c:idx val="5"/>
+            <c:invertIfNegative val="0"/>
+            <c:bubble3D val="0"/>
+            <c:spPr>
+              <a:solidFill>
+                <a:schemeClr val="accent2"/>
+              </a:solidFill>
+            </c:spPr>
+            <c:extLst>
+              <c:ext xmlns:c16="http://schemas.microsoft.com/office/drawing/2014/chart" uri="{C3380CC4-5D6E-409C-BE32-E72D297353CC}">
+                <c16:uniqueId val="{0000000C-DF9B-4D77-BAA0-9D96FF78DE92}"/>
+              </c:ext>
+            </c:extLst>
+          </c:dPt>
+          <c:dPt>
+            <c:idx val="6"/>
+            <c:invertIfNegative val="0"/>
+            <c:bubble3D val="0"/>
+            <c:spPr>
+              <a:solidFill>
+                <a:schemeClr val="bg1">
+                  <a:lumMod val="75000"/>
+                </a:schemeClr>
+              </a:solidFill>
+            </c:spPr>
+            <c:extLst>
+              <c:ext xmlns:c16="http://schemas.microsoft.com/office/drawing/2014/chart" uri="{C3380CC4-5D6E-409C-BE32-E72D297353CC}">
+                <c16:uniqueId val="{0000000E-DF9B-4D77-BAA0-9D96FF78DE92}"/>
+              </c:ext>
+            </c:extLst>
+          </c:dPt>
+          <c:dPt>
+            <c:idx val="7"/>
+            <c:invertIfNegative val="0"/>
+            <c:bubble3D val="0"/>
+            <c:spPr>
+              <a:solidFill>
+                <a:schemeClr val="bg1">
+                  <a:lumMod val="75000"/>
+                </a:schemeClr>
+              </a:solidFill>
+            </c:spPr>
+            <c:extLst>
+              <c:ext xmlns:c16="http://schemas.microsoft.com/office/drawing/2014/chart" uri="{C3380CC4-5D6E-409C-BE32-E72D297353CC}">
+                <c16:uniqueId val="{00000010-DF9B-4D77-BAA0-9D96FF78DE92}"/>
+              </c:ext>
+            </c:extLst>
+          </c:dPt>
+          <c:dPt>
+            <c:idx val="8"/>
+            <c:invertIfNegative val="0"/>
+            <c:bubble3D val="0"/>
+            <c:spPr>
+              <a:solidFill>
+                <a:schemeClr val="bg1">
+                  <a:lumMod val="75000"/>
+                </a:schemeClr>
+              </a:solidFill>
+            </c:spPr>
+            <c:extLst>
+              <c:ext xmlns:c16="http://schemas.microsoft.com/office/drawing/2014/chart" uri="{C3380CC4-5D6E-409C-BE32-E72D297353CC}">
+                <c16:uniqueId val="{00000012-DF9B-4D77-BAA0-9D96FF78DE92}"/>
+              </c:ext>
+            </c:extLst>
+          </c:dPt>
+          <c:dPt>
+            <c:idx val="9"/>
+            <c:invertIfNegative val="0"/>
+            <c:bubble3D val="0"/>
+            <c:spPr>
+              <a:solidFill>
+                <a:schemeClr val="bg1">
+                  <a:lumMod val="75000"/>
+                </a:schemeClr>
+              </a:solidFill>
+            </c:spPr>
+            <c:extLst>
+              <c:ext xmlns:c16="http://schemas.microsoft.com/office/drawing/2014/chart" uri="{C3380CC4-5D6E-409C-BE32-E72D297353CC}">
+                <c16:uniqueId val="{00000014-DF9B-4D77-BAA0-9D96FF78DE92}"/>
+              </c:ext>
+            </c:extLst>
+          </c:dPt>
+          <c:dPt>
+            <c:idx val="10"/>
+            <c:invertIfNegative val="0"/>
+            <c:bubble3D val="0"/>
+            <c:spPr>
+              <a:solidFill>
+                <a:schemeClr val="bg1">
+                  <a:lumMod val="75000"/>
+                </a:schemeClr>
+              </a:solidFill>
+            </c:spPr>
+            <c:extLst>
+              <c:ext xmlns:c16="http://schemas.microsoft.com/office/drawing/2014/chart" uri="{C3380CC4-5D6E-409C-BE32-E72D297353CC}">
+                <c16:uniqueId val="{00000016-DF9B-4D77-BAA0-9D96FF78DE92}"/>
+              </c:ext>
+            </c:extLst>
+          </c:dPt>
+          <c:dPt>
+            <c:idx val="11"/>
+            <c:invertIfNegative val="0"/>
+            <c:bubble3D val="0"/>
+            <c:spPr>
+              <a:solidFill>
+                <a:schemeClr val="bg1">
+                  <a:lumMod val="75000"/>
+                </a:schemeClr>
+              </a:solidFill>
+            </c:spPr>
+            <c:extLst>
+              <c:ext xmlns:c16="http://schemas.microsoft.com/office/drawing/2014/chart" uri="{C3380CC4-5D6E-409C-BE32-E72D297353CC}">
+                <c16:uniqueId val="{00000018-DF9B-4D77-BAA0-9D96FF78DE92}"/>
+              </c:ext>
+            </c:extLst>
+          </c:dPt>
+          <c:dPt>
+            <c:idx val="12"/>
+            <c:invertIfNegative val="0"/>
+            <c:bubble3D val="0"/>
+            <c:extLst>
+              <c:ext xmlns:c16="http://schemas.microsoft.com/office/drawing/2014/chart" uri="{C3380CC4-5D6E-409C-BE32-E72D297353CC}">
+                <c16:uniqueId val="{00000019-DF9B-4D77-BAA0-9D96FF78DE92}"/>
+              </c:ext>
+            </c:extLst>
+          </c:dPt>
+          <c:dPt>
+            <c:idx val="13"/>
+            <c:invertIfNegative val="0"/>
+            <c:bubble3D val="0"/>
+            <c:extLst>
+              <c:ext xmlns:c16="http://schemas.microsoft.com/office/drawing/2014/chart" uri="{C3380CC4-5D6E-409C-BE32-E72D297353CC}">
+                <c16:uniqueId val="{0000001A-DF9B-4D77-BAA0-9D96FF78DE92}"/>
+              </c:ext>
+            </c:extLst>
+          </c:dPt>
+          <c:dPt>
+            <c:idx val="14"/>
+            <c:invertIfNegative val="0"/>
+            <c:bubble3D val="0"/>
+            <c:extLst>
+              <c:ext xmlns:c16="http://schemas.microsoft.com/office/drawing/2014/chart" uri="{C3380CC4-5D6E-409C-BE32-E72D297353CC}">
+                <c16:uniqueId val="{0000001B-DF9B-4D77-BAA0-9D96FF78DE92}"/>
+              </c:ext>
+            </c:extLst>
+          </c:dPt>
+          <c:cat>
+            <c:strRef>
+              <c:f>'Project Plan and Gantt'!$A$12:$A$23</c:f>
+              <c:strCache>
+                <c:ptCount val="12"/>
+                <c:pt idx="0">
+                  <c:v>Use-Case, Dom Diagram</c:v>
+                </c:pt>
+                <c:pt idx="1">
+                  <c:v>Croquis de l'interface web</c:v>
+                </c:pt>
+                <c:pt idx="2">
+                  <c:v>Création Data Bases</c:v>
+                </c:pt>
+                <c:pt idx="3">
+                  <c:v>Demander possibilité ISIS</c:v>
+                </c:pt>
+                <c:pt idx="4">
+                  <c:v>Interface web</c:v>
+                </c:pt>
+                <c:pt idx="5">
+                  <c:v>Microservice AddAnnonce</c:v>
+                </c:pt>
+                <c:pt idx="6">
+                  <c:v>Microservice User</c:v>
+                </c:pt>
+                <c:pt idx="7">
+                  <c:v>Redirection ISIS ou autre vers le site</c:v>
+                </c:pt>
+                <c:pt idx="8">
+                  <c:v>Microservice SearchItem</c:v>
+                </c:pt>
+                <c:pt idx="9">
+                  <c:v>Microservice Messagerie</c:v>
+                </c:pt>
+                <c:pt idx="10">
+                  <c:v>Microservice Statistique</c:v>
+                </c:pt>
+                <c:pt idx="11">
+                  <c:v>Rédaction du rapport final</c:v>
+                </c:pt>
+              </c:strCache>
+            </c:strRef>
+          </c:cat>
+          <c:val>
+            <c:numRef>
+              <c:f>'Project Plan and Gantt'!$D$12:$D$23</c:f>
+              <c:numCache>
+                <c:formatCode>General</c:formatCode>
+                <c:ptCount val="12"/>
+                <c:pt idx="0">
+                  <c:v>14</c:v>
+                </c:pt>
+                <c:pt idx="1">
+                  <c:v>14</c:v>
+                </c:pt>
+                <c:pt idx="2">
+                  <c:v>14</c:v>
+                </c:pt>
+                <c:pt idx="3">
+                  <c:v>10</c:v>
+                </c:pt>
+                <c:pt idx="4">
+                  <c:v>42</c:v>
+                </c:pt>
+                <c:pt idx="5">
+                  <c:v>21</c:v>
+                </c:pt>
+                <c:pt idx="6">
+                  <c:v>21</c:v>
+                </c:pt>
+                <c:pt idx="7">
+                  <c:v>14</c:v>
+                </c:pt>
+                <c:pt idx="8">
+                  <c:v>21</c:v>
+                </c:pt>
+                <c:pt idx="9">
+                  <c:v>21</c:v>
+                </c:pt>
+                <c:pt idx="10">
+                  <c:v>21</c:v>
+                </c:pt>
+                <c:pt idx="11">
+                  <c:v>28</c:v>
+                </c:pt>
+              </c:numCache>
+            </c:numRef>
+          </c:val>
+          <c:extLst>
+            <c:ext xmlns:c16="http://schemas.microsoft.com/office/drawing/2014/chart" uri="{C3380CC4-5D6E-409C-BE32-E72D297353CC}">
+              <c16:uniqueId val="{0000001C-DF9B-4D77-BAA0-9D96FF78DE92}"/>
+            </c:ext>
+          </c:extLst>
+        </c:ser>
+        <c:dLbls>
+          <c:showLegendKey val="0"/>
+          <c:showVal val="0"/>
+          <c:showCatName val="0"/>
+          <c:showSerName val="0"/>
+          <c:showPercent val="0"/>
+          <c:showBubbleSize val="0"/>
+        </c:dLbls>
+        <c:gapWidth val="150"/>
+        <c:overlap val="100"/>
+        <c:axId val="121834608"/>
+        <c:axId val="121835168"/>
+      </c:barChart>
+      <c:catAx>
+        <c:axId val="121834608"/>
+        <c:scaling>
+          <c:orientation val="maxMin"/>
+        </c:scaling>
+        <c:delete val="0"/>
+        <c:axPos val="l"/>
+        <c:numFmt formatCode="General" sourceLinked="0"/>
+        <c:majorTickMark val="out"/>
+        <c:minorTickMark val="none"/>
+        <c:tickLblPos val="nextTo"/>
+        <c:crossAx val="121835168"/>
+        <c:crosses val="autoZero"/>
+        <c:auto val="1"/>
+        <c:lblAlgn val="ctr"/>
+        <c:lblOffset val="100"/>
+        <c:noMultiLvlLbl val="0"/>
+      </c:catAx>
+      <c:valAx>
+        <c:axId val="121835168"/>
+        <c:scaling>
+          <c:orientation val="minMax"/>
+          <c:max val="43636"/>
+          <c:min val="43532"/>
+        </c:scaling>
+        <c:delete val="0"/>
+        <c:axPos val="t"/>
+        <c:majorGridlines/>
+        <c:numFmt formatCode="[$-409]d\-mmm;@" sourceLinked="1"/>
+        <c:majorTickMark val="out"/>
+        <c:minorTickMark val="none"/>
+        <c:tickLblPos val="nextTo"/>
+        <c:crossAx val="121834608"/>
+        <c:crosses val="autoZero"/>
+        <c:crossBetween val="between"/>
+        <c:majorUnit val="21"/>
+      </c:valAx>
+    </c:plotArea>
+    <c:plotVisOnly val="1"/>
+    <c:dispBlanksAs val="gap"/>
+    <c:showDLblsOverMax val="0"/>
+  </c:chart>
+  <c:externalData r:id="rId1">
+    <c:autoUpdate val="0"/>
+  </c:externalData>
+</c:chartSpace>
 </file>
 
 <file path=ppt/diagrams/colors1.xml><?xml version="1.0" encoding="utf-8"?>
@@ -1067,7 +1612,7 @@
         <a:lstStyle/>
         <a:p>
           <a:r>
-            <a:rPr lang="fr-CH"/>
+            <a:rPr lang="fr-CH" dirty="0"/>
             <a:t>Statistique</a:t>
           </a:r>
         </a:p>
@@ -1933,7 +2478,7 @@
             <a:buNone/>
           </a:pPr>
           <a:r>
-            <a:rPr lang="fr-CH" sz="1400" kern="1200"/>
+            <a:rPr lang="fr-CH" sz="1400" kern="1200" dirty="0"/>
             <a:t>Statistique</a:t>
           </a:r>
         </a:p>
@@ -7488,30 +8033,28 @@
           <a:bodyPr/>
           <a:lstStyle/>
           <a:p>
-            <a:pPr marL="0" marR="0" lvl="0" indent="0" algn="l" defTabSz="914400" rtl="0" eaLnBrk="1" fontAlgn="auto" latinLnBrk="0" hangingPunct="1">
-              <a:lnSpc>
-                <a:spcPct val="100000"/>
-              </a:lnSpc>
-              <a:spcBef>
-                <a:spcPts val="0"/>
-              </a:spcBef>
-              <a:spcAft>
-                <a:spcPts val="0"/>
-              </a:spcAft>
-              <a:buClrTx/>
-              <a:buSzTx/>
-              <a:buFontTx/>
-              <a:buNone/>
-              <a:tabLst/>
-              <a:defRPr/>
-            </a:pPr>
             <a:r>
               <a:rPr lang="fr-CH" dirty="0"/>
-              <a:t>Étudiant ne peuvent pas travailler </a:t>
+              <a:t>Comment vente achat</a:t>
             </a:r>
           </a:p>
           <a:p>
-            <a:endParaRPr lang="fr-CH" dirty="0"/>
+            <a:r>
+              <a:rPr lang="fr-CH" dirty="0"/>
+              <a:t>Création annone</a:t>
+            </a:r>
+          </a:p>
+          <a:p>
+            <a:r>
+              <a:rPr lang="fr-CH" dirty="0"/>
+              <a:t>Messagerie</a:t>
+            </a:r>
+          </a:p>
+          <a:p>
+            <a:r>
+              <a:rPr lang="fr-CH" dirty="0"/>
+              <a:t>Statistique</a:t>
+            </a:r>
           </a:p>
         </p:txBody>
       </p:sp>
@@ -7532,7 +8075,7 @@
           <a:p>
             <a:fld id="{23E8E429-A922-49C7-ACCE-C5D0493CD5A5}" type="slidenum">
               <a:rPr lang="fr-CH" smtClean="0"/>
-              <a:t>5</a:t>
+              <a:t>4</a:t>
             </a:fld>
             <a:endParaRPr lang="fr-CH"/>
           </a:p>
@@ -7541,7 +8084,7 @@
     </p:spTree>
     <p:extLst>
       <p:ext uri="{BB962C8B-B14F-4D97-AF65-F5344CB8AC3E}">
-        <p14:creationId xmlns:p14="http://schemas.microsoft.com/office/powerpoint/2010/main" val="3958626166"/>
+        <p14:creationId xmlns:p14="http://schemas.microsoft.com/office/powerpoint/2010/main" val="138041764"/>
       </p:ext>
     </p:extLst>
   </p:cSld>
@@ -7595,51 +8138,44 @@
           <a:bodyPr/>
           <a:lstStyle/>
           <a:p>
+            <a:pPr marL="0" marR="0" lvl="0" indent="0" algn="l" defTabSz="914400" rtl="0" eaLnBrk="1" fontAlgn="auto" latinLnBrk="0" hangingPunct="1">
+              <a:lnSpc>
+                <a:spcPct val="100000"/>
+              </a:lnSpc>
+              <a:spcBef>
+                <a:spcPts val="0"/>
+              </a:spcBef>
+              <a:spcAft>
+                <a:spcPts val="0"/>
+              </a:spcAft>
+              <a:buClrTx/>
+              <a:buSzTx/>
+              <a:buFontTx/>
+              <a:buNone/>
+              <a:tabLst/>
+              <a:defRPr/>
+            </a:pPr>
             <a:r>
               <a:rPr lang="fr-CH" dirty="0"/>
-              <a:t>Pour utilisateur UNI :</a:t>
+              <a:t>Étudiant ne peuvent pas travailler </a:t>
             </a:r>
           </a:p>
           <a:p>
-            <a:pPr lvl="1"/>
             <a:r>
               <a:rPr lang="fr-CH" dirty="0"/>
-              <a:t>Bien être</a:t>
+              <a:t>1</a:t>
             </a:r>
-          </a:p>
-          <a:p>
-            <a:pPr lvl="1"/>
+            <a:r>
+              <a:rPr lang="fr-CH" baseline="30000" dirty="0"/>
+              <a:t>er</a:t>
+            </a:r>
             <a:r>
               <a:rPr lang="fr-CH" dirty="0"/>
-              <a:t>Économie</a:t>
+              <a:t> en Psycho : 8 livres</a:t>
             </a:r>
           </a:p>
           <a:p>
-            <a:pPr lvl="1"/>
-            <a:r>
-              <a:rPr lang="fr-CH" dirty="0"/>
-              <a:t>Écologie</a:t>
-            </a:r>
-          </a:p>
-          <a:p>
-            <a:pPr lvl="1"/>
-            <a:r>
-              <a:rPr lang="fr-CH" dirty="0"/>
-              <a:t>Cohésion membre</a:t>
-            </a:r>
-          </a:p>
-          <a:p>
-            <a:r>
-              <a:rPr lang="fr-CH" dirty="0"/>
-              <a:t>Bénéfice pour les investisseurs</a:t>
-            </a:r>
-          </a:p>
-          <a:p>
-            <a:pPr lvl="1"/>
-            <a:r>
-              <a:rPr lang="fr-CH" dirty="0"/>
-              <a:t>Statistique ciblé sur chaque utilisateur et objet</a:t>
-            </a:r>
+            <a:endParaRPr lang="fr-CH" dirty="0"/>
           </a:p>
         </p:txBody>
       </p:sp>
@@ -7660,7 +8196,7 @@
           <a:p>
             <a:fld id="{23E8E429-A922-49C7-ACCE-C5D0493CD5A5}" type="slidenum">
               <a:rPr lang="fr-CH" smtClean="0"/>
-              <a:t>6</a:t>
+              <a:t>10</a:t>
             </a:fld>
             <a:endParaRPr lang="fr-CH"/>
           </a:p>
@@ -7669,7 +8205,7 @@
     </p:spTree>
     <p:extLst>
       <p:ext uri="{BB962C8B-B14F-4D97-AF65-F5344CB8AC3E}">
-        <p14:creationId xmlns:p14="http://schemas.microsoft.com/office/powerpoint/2010/main" val="168411365"/>
+        <p14:creationId xmlns:p14="http://schemas.microsoft.com/office/powerpoint/2010/main" val="3958626166"/>
       </p:ext>
     </p:extLst>
   </p:cSld>
@@ -7723,7 +8259,51 @@
           <a:bodyPr/>
           <a:lstStyle/>
           <a:p>
-            <a:endParaRPr lang="fr-CH" dirty="0"/>
+            <a:r>
+              <a:rPr lang="fr-CH" dirty="0"/>
+              <a:t>Pour utilisateur UNI :</a:t>
+            </a:r>
+          </a:p>
+          <a:p>
+            <a:pPr lvl="1"/>
+            <a:r>
+              <a:rPr lang="fr-CH" dirty="0"/>
+              <a:t>Bien être</a:t>
+            </a:r>
+          </a:p>
+          <a:p>
+            <a:pPr lvl="1"/>
+            <a:r>
+              <a:rPr lang="fr-CH" dirty="0"/>
+              <a:t>Économie</a:t>
+            </a:r>
+          </a:p>
+          <a:p>
+            <a:pPr lvl="1"/>
+            <a:r>
+              <a:rPr lang="fr-CH" dirty="0"/>
+              <a:t>Écologie</a:t>
+            </a:r>
+          </a:p>
+          <a:p>
+            <a:pPr lvl="1"/>
+            <a:r>
+              <a:rPr lang="fr-CH" dirty="0"/>
+              <a:t>Cohésion membre</a:t>
+            </a:r>
+          </a:p>
+          <a:p>
+            <a:r>
+              <a:rPr lang="fr-CH" dirty="0"/>
+              <a:t>Bénéfice pour les investisseurs</a:t>
+            </a:r>
+          </a:p>
+          <a:p>
+            <a:pPr lvl="1"/>
+            <a:r>
+              <a:rPr lang="fr-CH" dirty="0"/>
+              <a:t>Statistique ciblé sur chaque utilisateur et objet</a:t>
+            </a:r>
           </a:p>
         </p:txBody>
       </p:sp>
@@ -7744,7 +8324,91 @@
           <a:p>
             <a:fld id="{23E8E429-A922-49C7-ACCE-C5D0493CD5A5}" type="slidenum">
               <a:rPr lang="fr-CH" smtClean="0"/>
-              <a:t>13</a:t>
+              <a:t>11</a:t>
+            </a:fld>
+            <a:endParaRPr lang="fr-CH"/>
+          </a:p>
+        </p:txBody>
+      </p:sp>
+    </p:spTree>
+    <p:extLst>
+      <p:ext uri="{BB962C8B-B14F-4D97-AF65-F5344CB8AC3E}">
+        <p14:creationId xmlns:p14="http://schemas.microsoft.com/office/powerpoint/2010/main" val="168411365"/>
+      </p:ext>
+    </p:extLst>
+  </p:cSld>
+  <p:clrMapOvr>
+    <a:masterClrMapping/>
+  </p:clrMapOvr>
+</p:notes>
+</file>
+
+<file path=ppt/notesSlides/notesSlide6.xml><?xml version="1.0" encoding="utf-8"?>
+<p:notes xmlns:a="http://schemas.openxmlformats.org/drawingml/2006/main" xmlns:r="http://schemas.openxmlformats.org/officeDocument/2006/relationships" xmlns:p="http://schemas.openxmlformats.org/presentationml/2006/main">
+  <p:cSld>
+    <p:spTree>
+      <p:nvGrpSpPr>
+        <p:cNvPr id="1" name=""/>
+        <p:cNvGrpSpPr/>
+        <p:nvPr/>
+      </p:nvGrpSpPr>
+      <p:grpSpPr>
+        <a:xfrm>
+          <a:off x="0" y="0"/>
+          <a:ext cx="0" cy="0"/>
+          <a:chOff x="0" y="0"/>
+          <a:chExt cx="0" cy="0"/>
+        </a:xfrm>
+      </p:grpSpPr>
+      <p:sp>
+        <p:nvSpPr>
+          <p:cNvPr id="2" name="Espace réservé de l'image des diapositives 1"/>
+          <p:cNvSpPr>
+            <a:spLocks noGrp="1" noRot="1" noChangeAspect="1"/>
+          </p:cNvSpPr>
+          <p:nvPr>
+            <p:ph type="sldImg"/>
+          </p:nvPr>
+        </p:nvSpPr>
+        <p:spPr/>
+      </p:sp>
+      <p:sp>
+        <p:nvSpPr>
+          <p:cNvPr id="3" name="Espace réservé des notes 2"/>
+          <p:cNvSpPr>
+            <a:spLocks noGrp="1"/>
+          </p:cNvSpPr>
+          <p:nvPr>
+            <p:ph type="body" idx="1"/>
+          </p:nvPr>
+        </p:nvSpPr>
+        <p:spPr/>
+        <p:txBody>
+          <a:bodyPr/>
+          <a:lstStyle/>
+          <a:p>
+            <a:endParaRPr lang="fr-CH" dirty="0"/>
+          </a:p>
+        </p:txBody>
+      </p:sp>
+      <p:sp>
+        <p:nvSpPr>
+          <p:cNvPr id="4" name="Espace réservé du numéro de diapositive 3"/>
+          <p:cNvSpPr>
+            <a:spLocks noGrp="1"/>
+          </p:cNvSpPr>
+          <p:nvPr>
+            <p:ph type="sldNum" sz="quarter" idx="5"/>
+          </p:nvPr>
+        </p:nvSpPr>
+        <p:spPr/>
+        <p:txBody>
+          <a:bodyPr/>
+          <a:lstStyle/>
+          <a:p>
+            <a:fld id="{23E8E429-A922-49C7-ACCE-C5D0493CD5A5}" type="slidenum">
+              <a:rPr lang="fr-CH" smtClean="0"/>
+              <a:t>19</a:t>
             </a:fld>
             <a:endParaRPr lang="fr-CH"/>
           </a:p>
@@ -11075,6 +11739,14 @@
               <a:rPr lang="fr-CH" sz="3200" dirty="0" err="1"/>
               <a:t>easier</a:t>
             </a:r>
+            <a:r>
+              <a:rPr lang="fr-CH" sz="3200" dirty="0"/>
+              <a:t> and </a:t>
+            </a:r>
+            <a:r>
+              <a:rPr lang="fr-CH" sz="3200" dirty="0" err="1"/>
+              <a:t>cheaper</a:t>
+            </a:r>
             <a:endParaRPr lang="fr-CH" sz="3200" dirty="0"/>
           </a:p>
         </p:txBody>
@@ -11122,6 +11794,1840 @@
 </file>
 
 <file path=ppt/slides/slide10.xml><?xml version="1.0" encoding="utf-8"?>
+<p:sld xmlns:a="http://schemas.openxmlformats.org/drawingml/2006/main" xmlns:r="http://schemas.openxmlformats.org/officeDocument/2006/relationships" xmlns:p="http://schemas.openxmlformats.org/presentationml/2006/main">
+  <p:cSld>
+    <p:bg>
+      <p:bgPr>
+        <a:solidFill>
+          <a:schemeClr val="bg1"/>
+        </a:solidFill>
+        <a:effectLst/>
+      </p:bgPr>
+    </p:bg>
+    <p:spTree>
+      <p:nvGrpSpPr>
+        <p:cNvPr id="1" name=""/>
+        <p:cNvGrpSpPr/>
+        <p:nvPr/>
+      </p:nvGrpSpPr>
+      <p:grpSpPr>
+        <a:xfrm>
+          <a:off x="0" y="0"/>
+          <a:ext cx="0" cy="0"/>
+          <a:chOff x="0" y="0"/>
+          <a:chExt cx="0" cy="0"/>
+        </a:xfrm>
+      </p:grpSpPr>
+      <p:sp>
+        <p:nvSpPr>
+          <p:cNvPr id="2" name="Titre 1">
+            <a:extLst>
+              <a:ext uri="{FF2B5EF4-FFF2-40B4-BE49-F238E27FC236}">
+                <a16:creationId xmlns:a16="http://schemas.microsoft.com/office/drawing/2014/main" id="{8AE8350C-18A9-43A5-95A3-33D9F6FD9307}"/>
+              </a:ext>
+            </a:extLst>
+          </p:cNvPr>
+          <p:cNvSpPr>
+            <a:spLocks noGrp="1"/>
+          </p:cNvSpPr>
+          <p:nvPr>
+            <p:ph type="title"/>
+          </p:nvPr>
+        </p:nvSpPr>
+        <p:spPr/>
+        <p:txBody>
+          <a:bodyPr/>
+          <a:lstStyle/>
+          <a:p>
+            <a:r>
+              <a:rPr lang="fr-CH" dirty="0"/>
+              <a:t>Pour Qui ?</a:t>
+            </a:r>
+          </a:p>
+        </p:txBody>
+      </p:sp>
+      <p:sp>
+        <p:nvSpPr>
+          <p:cNvPr id="4" name="Espace réservé du numéro de diapositive 3">
+            <a:extLst>
+              <a:ext uri="{FF2B5EF4-FFF2-40B4-BE49-F238E27FC236}">
+                <a16:creationId xmlns:a16="http://schemas.microsoft.com/office/drawing/2014/main" id="{97557FFF-C104-4499-BBA5-69CC94ABACAD}"/>
+              </a:ext>
+            </a:extLst>
+          </p:cNvPr>
+          <p:cNvSpPr>
+            <a:spLocks noGrp="1"/>
+          </p:cNvSpPr>
+          <p:nvPr>
+            <p:ph type="sldNum" sz="quarter" idx="12"/>
+          </p:nvPr>
+        </p:nvSpPr>
+        <p:spPr/>
+        <p:txBody>
+          <a:bodyPr/>
+          <a:lstStyle/>
+          <a:p>
+            <a:fld id="{FAEAF821-8BBB-4B5F-AB25-F4FE9450ED6D}" type="slidenum">
+              <a:rPr lang="fr-CH" smtClean="0"/>
+              <a:t>10</a:t>
+            </a:fld>
+            <a:endParaRPr lang="fr-CH"/>
+          </a:p>
+        </p:txBody>
+      </p:sp>
+      <p:pic>
+        <p:nvPicPr>
+          <p:cNvPr id="8" name="Image 7">
+            <a:extLst>
+              <a:ext uri="{FF2B5EF4-FFF2-40B4-BE49-F238E27FC236}">
+                <a16:creationId xmlns:a16="http://schemas.microsoft.com/office/drawing/2014/main" id="{D8E36E03-A886-48FA-BCB9-F8B8F051181E}"/>
+              </a:ext>
+            </a:extLst>
+          </p:cNvPr>
+          <p:cNvPicPr>
+            <a:picLocks noChangeAspect="1"/>
+          </p:cNvPicPr>
+          <p:nvPr/>
+        </p:nvPicPr>
+        <p:blipFill>
+          <a:blip r:embed="rId3">
+            <a:extLst>
+              <a:ext uri="{28A0092B-C50C-407E-A947-70E740481C1C}">
+                <a14:useLocalDpi xmlns:a14="http://schemas.microsoft.com/office/drawing/2010/main" val="0"/>
+              </a:ext>
+            </a:extLst>
+          </a:blip>
+          <a:stretch>
+            <a:fillRect/>
+          </a:stretch>
+        </p:blipFill>
+        <p:spPr>
+          <a:xfrm>
+            <a:off x="6247645" y="1715426"/>
+            <a:ext cx="1779578" cy="1779578"/>
+          </a:xfrm>
+          <a:prstGeom prst="rect">
+            <a:avLst/>
+          </a:prstGeom>
+        </p:spPr>
+      </p:pic>
+      <p:pic>
+        <p:nvPicPr>
+          <p:cNvPr id="10" name="Image 9">
+            <a:extLst>
+              <a:ext uri="{FF2B5EF4-FFF2-40B4-BE49-F238E27FC236}">
+                <a16:creationId xmlns:a16="http://schemas.microsoft.com/office/drawing/2014/main" id="{7FDA87C1-820E-458D-BADD-CFCE83BA889A}"/>
+              </a:ext>
+            </a:extLst>
+          </p:cNvPr>
+          <p:cNvPicPr>
+            <a:picLocks noChangeAspect="1"/>
+          </p:cNvPicPr>
+          <p:nvPr/>
+        </p:nvPicPr>
+        <p:blipFill>
+          <a:blip r:embed="rId4">
+            <a:extLst>
+              <a:ext uri="{28A0092B-C50C-407E-A947-70E740481C1C}">
+                <a14:useLocalDpi xmlns:a14="http://schemas.microsoft.com/office/drawing/2010/main" val="0"/>
+              </a:ext>
+            </a:extLst>
+          </a:blip>
+          <a:stretch>
+            <a:fillRect/>
+          </a:stretch>
+        </p:blipFill>
+        <p:spPr>
+          <a:xfrm>
+            <a:off x="4316421" y="1715426"/>
+            <a:ext cx="1779579" cy="1779579"/>
+          </a:xfrm>
+          <a:prstGeom prst="rect">
+            <a:avLst/>
+          </a:prstGeom>
+        </p:spPr>
+      </p:pic>
+      <p:sp>
+        <p:nvSpPr>
+          <p:cNvPr id="11" name="ZoneTexte 10">
+            <a:extLst>
+              <a:ext uri="{FF2B5EF4-FFF2-40B4-BE49-F238E27FC236}">
+                <a16:creationId xmlns:a16="http://schemas.microsoft.com/office/drawing/2014/main" id="{03DCCD29-6E6E-4615-859F-3A1A8EEE18F3}"/>
+              </a:ext>
+            </a:extLst>
+          </p:cNvPr>
+          <p:cNvSpPr txBox="1"/>
+          <p:nvPr/>
+        </p:nvSpPr>
+        <p:spPr>
+          <a:xfrm>
+            <a:off x="4389775" y="3858127"/>
+            <a:ext cx="3412449" cy="1200329"/>
+          </a:xfrm>
+          <a:prstGeom prst="rect">
+            <a:avLst/>
+          </a:prstGeom>
+          <a:noFill/>
+        </p:spPr>
+        <p:txBody>
+          <a:bodyPr wrap="square" rtlCol="0">
+            <a:spAutoFit/>
+          </a:bodyPr>
+          <a:lstStyle/>
+          <a:p>
+            <a:pPr algn="ctr"/>
+            <a:r>
+              <a:rPr lang="fr-CH" sz="2400" dirty="0"/>
+              <a:t>Plus de 200’000 utilisateurs potentiels en Suisse</a:t>
+            </a:r>
+          </a:p>
+        </p:txBody>
+      </p:sp>
+      <p:sp>
+        <p:nvSpPr>
+          <p:cNvPr id="12" name="ZoneTexte 11">
+            <a:extLst>
+              <a:ext uri="{FF2B5EF4-FFF2-40B4-BE49-F238E27FC236}">
+                <a16:creationId xmlns:a16="http://schemas.microsoft.com/office/drawing/2014/main" id="{AD37619D-0443-42AE-90CA-F0DB290DD430}"/>
+              </a:ext>
+            </a:extLst>
+          </p:cNvPr>
+          <p:cNvSpPr txBox="1"/>
+          <p:nvPr/>
+        </p:nvSpPr>
+        <p:spPr>
+          <a:xfrm>
+            <a:off x="1238701" y="6444476"/>
+            <a:ext cx="1423147" cy="276999"/>
+          </a:xfrm>
+          <a:prstGeom prst="rect">
+            <a:avLst/>
+          </a:prstGeom>
+          <a:noFill/>
+        </p:spPr>
+        <p:txBody>
+          <a:bodyPr wrap="none" rtlCol="0">
+            <a:spAutoFit/>
+          </a:bodyPr>
+          <a:lstStyle/>
+          <a:p>
+            <a:r>
+              <a:rPr lang="fr-CH" sz="1200" dirty="0"/>
+              <a:t>*Source : Wikipédia</a:t>
+            </a:r>
+          </a:p>
+        </p:txBody>
+      </p:sp>
+    </p:spTree>
+    <p:extLst>
+      <p:ext uri="{BB962C8B-B14F-4D97-AF65-F5344CB8AC3E}">
+        <p14:creationId xmlns:p14="http://schemas.microsoft.com/office/powerpoint/2010/main" val="88753252"/>
+      </p:ext>
+    </p:extLst>
+  </p:cSld>
+  <p:clrMapOvr>
+    <a:masterClrMapping/>
+  </p:clrMapOvr>
+</p:sld>
+</file>
+
+<file path=ppt/slides/slide11.xml><?xml version="1.0" encoding="utf-8"?>
+<p:sld xmlns:a="http://schemas.openxmlformats.org/drawingml/2006/main" xmlns:r="http://schemas.openxmlformats.org/officeDocument/2006/relationships" xmlns:p="http://schemas.openxmlformats.org/presentationml/2006/main">
+  <p:cSld>
+    <p:bg>
+      <p:bgPr>
+        <a:solidFill>
+          <a:schemeClr val="bg1"/>
+        </a:solidFill>
+        <a:effectLst/>
+      </p:bgPr>
+    </p:bg>
+    <p:spTree>
+      <p:nvGrpSpPr>
+        <p:cNvPr id="1" name=""/>
+        <p:cNvGrpSpPr/>
+        <p:nvPr/>
+      </p:nvGrpSpPr>
+      <p:grpSpPr>
+        <a:xfrm>
+          <a:off x="0" y="0"/>
+          <a:ext cx="0" cy="0"/>
+          <a:chOff x="0" y="0"/>
+          <a:chExt cx="0" cy="0"/>
+        </a:xfrm>
+      </p:grpSpPr>
+      <p:sp>
+        <p:nvSpPr>
+          <p:cNvPr id="2" name="Titre 1">
+            <a:extLst>
+              <a:ext uri="{FF2B5EF4-FFF2-40B4-BE49-F238E27FC236}">
+                <a16:creationId xmlns:a16="http://schemas.microsoft.com/office/drawing/2014/main" id="{DD56946C-853C-4C35-A973-0FF95C21DBEA}"/>
+              </a:ext>
+            </a:extLst>
+          </p:cNvPr>
+          <p:cNvSpPr>
+            <a:spLocks noGrp="1"/>
+          </p:cNvSpPr>
+          <p:nvPr>
+            <p:ph type="title"/>
+          </p:nvPr>
+        </p:nvSpPr>
+        <p:spPr>
+          <a:xfrm>
+            <a:off x="838200" y="617932"/>
+            <a:ext cx="10515600" cy="1001338"/>
+          </a:xfrm>
+        </p:spPr>
+        <p:txBody>
+          <a:bodyPr/>
+          <a:lstStyle/>
+          <a:p>
+            <a:r>
+              <a:rPr lang="fr-CH" dirty="0"/>
+              <a:t>Enjeux</a:t>
+            </a:r>
+          </a:p>
+        </p:txBody>
+      </p:sp>
+      <p:sp>
+        <p:nvSpPr>
+          <p:cNvPr id="3" name="Espace réservé du contenu 2">
+            <a:extLst>
+              <a:ext uri="{FF2B5EF4-FFF2-40B4-BE49-F238E27FC236}">
+                <a16:creationId xmlns:a16="http://schemas.microsoft.com/office/drawing/2014/main" id="{76454EA1-8BB7-446D-B367-A46C947EA787}"/>
+              </a:ext>
+            </a:extLst>
+          </p:cNvPr>
+          <p:cNvSpPr>
+            <a:spLocks noGrp="1"/>
+          </p:cNvSpPr>
+          <p:nvPr>
+            <p:ph idx="1"/>
+          </p:nvPr>
+        </p:nvSpPr>
+        <p:spPr/>
+        <p:txBody>
+          <a:bodyPr/>
+          <a:lstStyle/>
+          <a:p>
+            <a:r>
+              <a:rPr lang="fr-CH" dirty="0"/>
+              <a:t>Pour utilisateur UNI :</a:t>
+            </a:r>
+          </a:p>
+          <a:p>
+            <a:endParaRPr lang="fr-CH" dirty="0"/>
+          </a:p>
+          <a:p>
+            <a:endParaRPr lang="fr-CH" dirty="0"/>
+          </a:p>
+          <a:p>
+            <a:endParaRPr lang="fr-CH" dirty="0"/>
+          </a:p>
+          <a:p>
+            <a:r>
+              <a:rPr lang="fr-CH" dirty="0"/>
+              <a:t>Bénéfice pour les investisseurs</a:t>
+            </a:r>
+          </a:p>
+          <a:p>
+            <a:endParaRPr lang="fr-CH" dirty="0"/>
+          </a:p>
+        </p:txBody>
+      </p:sp>
+      <p:sp>
+        <p:nvSpPr>
+          <p:cNvPr id="4" name="Espace réservé du numéro de diapositive 3">
+            <a:extLst>
+              <a:ext uri="{FF2B5EF4-FFF2-40B4-BE49-F238E27FC236}">
+                <a16:creationId xmlns:a16="http://schemas.microsoft.com/office/drawing/2014/main" id="{96554762-ED2A-43E8-BCFC-53C65A2D35A4}"/>
+              </a:ext>
+            </a:extLst>
+          </p:cNvPr>
+          <p:cNvSpPr>
+            <a:spLocks noGrp="1"/>
+          </p:cNvSpPr>
+          <p:nvPr>
+            <p:ph type="sldNum" sz="quarter" idx="12"/>
+          </p:nvPr>
+        </p:nvSpPr>
+        <p:spPr/>
+        <p:txBody>
+          <a:bodyPr/>
+          <a:lstStyle/>
+          <a:p>
+            <a:fld id="{FAEAF821-8BBB-4B5F-AB25-F4FE9450ED6D}" type="slidenum">
+              <a:rPr lang="fr-CH" smtClean="0"/>
+              <a:t>11</a:t>
+            </a:fld>
+            <a:endParaRPr lang="fr-CH"/>
+          </a:p>
+        </p:txBody>
+      </p:sp>
+      <p:pic>
+        <p:nvPicPr>
+          <p:cNvPr id="6" name="Image 5">
+            <a:extLst>
+              <a:ext uri="{FF2B5EF4-FFF2-40B4-BE49-F238E27FC236}">
+                <a16:creationId xmlns:a16="http://schemas.microsoft.com/office/drawing/2014/main" id="{7EE061E7-6602-49C9-A276-3FE75C0CCACA}"/>
+              </a:ext>
+            </a:extLst>
+          </p:cNvPr>
+          <p:cNvPicPr>
+            <a:picLocks noChangeAspect="1"/>
+          </p:cNvPicPr>
+          <p:nvPr/>
+        </p:nvPicPr>
+        <p:blipFill>
+          <a:blip r:embed="rId3">
+            <a:extLst>
+              <a:ext uri="{28A0092B-C50C-407E-A947-70E740481C1C}">
+                <a14:useLocalDpi xmlns:a14="http://schemas.microsoft.com/office/drawing/2010/main" val="0"/>
+              </a:ext>
+            </a:extLst>
+          </a:blip>
+          <a:stretch>
+            <a:fillRect/>
+          </a:stretch>
+        </p:blipFill>
+        <p:spPr>
+          <a:xfrm>
+            <a:off x="3811627" y="4550618"/>
+            <a:ext cx="1219370" cy="1219370"/>
+          </a:xfrm>
+          <a:prstGeom prst="rect">
+            <a:avLst/>
+          </a:prstGeom>
+        </p:spPr>
+      </p:pic>
+      <p:pic>
+        <p:nvPicPr>
+          <p:cNvPr id="8" name="Image 7">
+            <a:extLst>
+              <a:ext uri="{FF2B5EF4-FFF2-40B4-BE49-F238E27FC236}">
+                <a16:creationId xmlns:a16="http://schemas.microsoft.com/office/drawing/2014/main" id="{1ED37E15-AD7D-4D39-90D2-053C387CA182}"/>
+              </a:ext>
+            </a:extLst>
+          </p:cNvPr>
+          <p:cNvPicPr>
+            <a:picLocks noChangeAspect="1"/>
+          </p:cNvPicPr>
+          <p:nvPr/>
+        </p:nvPicPr>
+        <p:blipFill>
+          <a:blip r:embed="rId4">
+            <a:extLst>
+              <a:ext uri="{28A0092B-C50C-407E-A947-70E740481C1C}">
+                <a14:useLocalDpi xmlns:a14="http://schemas.microsoft.com/office/drawing/2010/main" val="0"/>
+              </a:ext>
+            </a:extLst>
+          </a:blip>
+          <a:stretch>
+            <a:fillRect/>
+          </a:stretch>
+        </p:blipFill>
+        <p:spPr>
+          <a:xfrm>
+            <a:off x="6842504" y="4550618"/>
+            <a:ext cx="1219370" cy="1219370"/>
+          </a:xfrm>
+          <a:prstGeom prst="rect">
+            <a:avLst/>
+          </a:prstGeom>
+        </p:spPr>
+      </p:pic>
+      <p:pic>
+        <p:nvPicPr>
+          <p:cNvPr id="10" name="Graphique 9" descr="Ligne fléchée : droite">
+            <a:extLst>
+              <a:ext uri="{FF2B5EF4-FFF2-40B4-BE49-F238E27FC236}">
+                <a16:creationId xmlns:a16="http://schemas.microsoft.com/office/drawing/2014/main" id="{6E65E1BE-12EF-4DB5-9824-51D11B64D65E}"/>
+              </a:ext>
+            </a:extLst>
+          </p:cNvPr>
+          <p:cNvPicPr>
+            <a:picLocks noChangeAspect="1"/>
+          </p:cNvPicPr>
+          <p:nvPr/>
+        </p:nvPicPr>
+        <p:blipFill>
+          <a:blip r:embed="rId5">
+            <a:extLst>
+              <a:ext uri="{28A0092B-C50C-407E-A947-70E740481C1C}">
+                <a14:useLocalDpi xmlns:a14="http://schemas.microsoft.com/office/drawing/2010/main" val="0"/>
+              </a:ext>
+              <a:ext uri="{96DAC541-7B7A-43D3-8B79-37D633B846F1}">
+                <asvg:svgBlip xmlns:asvg="http://schemas.microsoft.com/office/drawing/2016/SVG/main" r:embed="rId6"/>
+              </a:ext>
+            </a:extLst>
+          </a:blip>
+          <a:stretch>
+            <a:fillRect/>
+          </a:stretch>
+        </p:blipFill>
+        <p:spPr>
+          <a:xfrm rot="10800000">
+            <a:off x="5479550" y="4703103"/>
+            <a:ext cx="914400" cy="914400"/>
+          </a:xfrm>
+          <a:prstGeom prst="rect">
+            <a:avLst/>
+          </a:prstGeom>
+        </p:spPr>
+      </p:pic>
+      <p:pic>
+        <p:nvPicPr>
+          <p:cNvPr id="12" name="Image 11">
+            <a:extLst>
+              <a:ext uri="{FF2B5EF4-FFF2-40B4-BE49-F238E27FC236}">
+                <a16:creationId xmlns:a16="http://schemas.microsoft.com/office/drawing/2014/main" id="{E16DDFE1-1A2D-4DA5-8B4F-5DC63B59235E}"/>
+              </a:ext>
+            </a:extLst>
+          </p:cNvPr>
+          <p:cNvPicPr>
+            <a:picLocks noChangeAspect="1"/>
+          </p:cNvPicPr>
+          <p:nvPr/>
+        </p:nvPicPr>
+        <p:blipFill>
+          <a:blip r:embed="rId7">
+            <a:extLst>
+              <a:ext uri="{28A0092B-C50C-407E-A947-70E740481C1C}">
+                <a14:useLocalDpi xmlns:a14="http://schemas.microsoft.com/office/drawing/2010/main" val="0"/>
+              </a:ext>
+            </a:extLst>
+          </a:blip>
+          <a:stretch>
+            <a:fillRect/>
+          </a:stretch>
+        </p:blipFill>
+        <p:spPr>
+          <a:xfrm>
+            <a:off x="6460814" y="2416546"/>
+            <a:ext cx="1219369" cy="1219369"/>
+          </a:xfrm>
+          <a:prstGeom prst="rect">
+            <a:avLst/>
+          </a:prstGeom>
+        </p:spPr>
+      </p:pic>
+      <p:pic>
+        <p:nvPicPr>
+          <p:cNvPr id="14" name="Image 13">
+            <a:extLst>
+              <a:ext uri="{FF2B5EF4-FFF2-40B4-BE49-F238E27FC236}">
+                <a16:creationId xmlns:a16="http://schemas.microsoft.com/office/drawing/2014/main" id="{92917438-7CE0-47EE-A6BB-CD6C510AEEE7}"/>
+              </a:ext>
+            </a:extLst>
+          </p:cNvPr>
+          <p:cNvPicPr>
+            <a:picLocks noChangeAspect="1"/>
+          </p:cNvPicPr>
+          <p:nvPr/>
+        </p:nvPicPr>
+        <p:blipFill>
+          <a:blip r:embed="rId8">
+            <a:extLst>
+              <a:ext uri="{28A0092B-C50C-407E-A947-70E740481C1C}">
+                <a14:useLocalDpi xmlns:a14="http://schemas.microsoft.com/office/drawing/2010/main" val="0"/>
+              </a:ext>
+            </a:extLst>
+          </a:blip>
+          <a:stretch>
+            <a:fillRect/>
+          </a:stretch>
+        </p:blipFill>
+        <p:spPr>
+          <a:xfrm>
+            <a:off x="4092539" y="2358265"/>
+            <a:ext cx="1219368" cy="1219368"/>
+          </a:xfrm>
+          <a:prstGeom prst="rect">
+            <a:avLst/>
+          </a:prstGeom>
+        </p:spPr>
+      </p:pic>
+    </p:spTree>
+    <p:extLst>
+      <p:ext uri="{BB962C8B-B14F-4D97-AF65-F5344CB8AC3E}">
+        <p14:creationId xmlns:p14="http://schemas.microsoft.com/office/powerpoint/2010/main" val="2539571882"/>
+      </p:ext>
+    </p:extLst>
+  </p:cSld>
+  <p:clrMapOvr>
+    <a:masterClrMapping/>
+  </p:clrMapOvr>
+</p:sld>
+</file>
+
+<file path=ppt/slides/slide12.xml><?xml version="1.0" encoding="utf-8"?>
+<p:sld xmlns:a="http://schemas.openxmlformats.org/drawingml/2006/main" xmlns:r="http://schemas.openxmlformats.org/officeDocument/2006/relationships" xmlns:p="http://schemas.openxmlformats.org/presentationml/2006/main">
+  <p:cSld>
+    <p:spTree>
+      <p:nvGrpSpPr>
+        <p:cNvPr id="1" name=""/>
+        <p:cNvGrpSpPr/>
+        <p:nvPr/>
+      </p:nvGrpSpPr>
+      <p:grpSpPr>
+        <a:xfrm>
+          <a:off x="0" y="0"/>
+          <a:ext cx="0" cy="0"/>
+          <a:chOff x="0" y="0"/>
+          <a:chExt cx="0" cy="0"/>
+        </a:xfrm>
+      </p:grpSpPr>
+      <p:sp>
+        <p:nvSpPr>
+          <p:cNvPr id="4" name="Segnaposto numero diapositiva 3">
+            <a:extLst>
+              <a:ext uri="{FF2B5EF4-FFF2-40B4-BE49-F238E27FC236}">
+                <a16:creationId xmlns:a16="http://schemas.microsoft.com/office/drawing/2014/main" id="{936693EF-6DD3-407A-8B67-4E5A8382C752}"/>
+              </a:ext>
+            </a:extLst>
+          </p:cNvPr>
+          <p:cNvSpPr>
+            <a:spLocks noGrp="1"/>
+          </p:cNvSpPr>
+          <p:nvPr>
+            <p:ph type="sldNum" sz="quarter" idx="12"/>
+          </p:nvPr>
+        </p:nvSpPr>
+        <p:spPr/>
+        <p:txBody>
+          <a:bodyPr/>
+          <a:lstStyle/>
+          <a:p>
+            <a:fld id="{FAEAF821-8BBB-4B5F-AB25-F4FE9450ED6D}" type="slidenum">
+              <a:rPr lang="fr-CH" smtClean="0"/>
+              <a:t>12</a:t>
+            </a:fld>
+            <a:endParaRPr lang="fr-CH"/>
+          </a:p>
+        </p:txBody>
+      </p:sp>
+      <p:cxnSp>
+        <p:nvCxnSpPr>
+          <p:cNvPr id="12" name="Connettore 2 11">
+            <a:extLst>
+              <a:ext uri="{FF2B5EF4-FFF2-40B4-BE49-F238E27FC236}">
+                <a16:creationId xmlns:a16="http://schemas.microsoft.com/office/drawing/2014/main" id="{757034F0-E8B3-459B-B295-12DBE429C855}"/>
+              </a:ext>
+            </a:extLst>
+          </p:cNvPr>
+          <p:cNvCxnSpPr/>
+          <p:nvPr/>
+        </p:nvCxnSpPr>
+        <p:spPr>
+          <a:xfrm>
+            <a:off x="1774723" y="3993372"/>
+            <a:ext cx="8642554" cy="0"/>
+          </a:xfrm>
+          <a:prstGeom prst="straightConnector1">
+            <a:avLst/>
+          </a:prstGeom>
+          <a:ln>
+            <a:headEnd type="triangle"/>
+            <a:tailEnd type="triangle"/>
+          </a:ln>
+        </p:spPr>
+        <p:style>
+          <a:lnRef idx="1">
+            <a:schemeClr val="accent1"/>
+          </a:lnRef>
+          <a:fillRef idx="0">
+            <a:schemeClr val="accent1"/>
+          </a:fillRef>
+          <a:effectRef idx="0">
+            <a:schemeClr val="accent1"/>
+          </a:effectRef>
+          <a:fontRef idx="minor">
+            <a:schemeClr val="tx1"/>
+          </a:fontRef>
+        </p:style>
+      </p:cxnSp>
+      <p:cxnSp>
+        <p:nvCxnSpPr>
+          <p:cNvPr id="14" name="Connettore 2 13">
+            <a:extLst>
+              <a:ext uri="{FF2B5EF4-FFF2-40B4-BE49-F238E27FC236}">
+                <a16:creationId xmlns:a16="http://schemas.microsoft.com/office/drawing/2014/main" id="{56C7C0BC-26F6-4C4D-BB9B-3FFB72E2739F}"/>
+              </a:ext>
+            </a:extLst>
+          </p:cNvPr>
+          <p:cNvCxnSpPr>
+            <a:cxnSpLocks/>
+          </p:cNvCxnSpPr>
+          <p:nvPr/>
+        </p:nvCxnSpPr>
+        <p:spPr>
+          <a:xfrm>
+            <a:off x="6096000" y="1373075"/>
+            <a:ext cx="0" cy="5240594"/>
+          </a:xfrm>
+          <a:prstGeom prst="straightConnector1">
+            <a:avLst/>
+          </a:prstGeom>
+          <a:ln>
+            <a:headEnd type="triangle"/>
+            <a:tailEnd type="triangle"/>
+          </a:ln>
+        </p:spPr>
+        <p:style>
+          <a:lnRef idx="1">
+            <a:schemeClr val="accent1"/>
+          </a:lnRef>
+          <a:fillRef idx="0">
+            <a:schemeClr val="accent1"/>
+          </a:fillRef>
+          <a:effectRef idx="0">
+            <a:schemeClr val="accent1"/>
+          </a:effectRef>
+          <a:fontRef idx="minor">
+            <a:schemeClr val="tx1"/>
+          </a:fontRef>
+        </p:style>
+      </p:cxnSp>
+      <p:sp>
+        <p:nvSpPr>
+          <p:cNvPr id="17" name="CasellaDiTesto 16">
+            <a:extLst>
+              <a:ext uri="{FF2B5EF4-FFF2-40B4-BE49-F238E27FC236}">
+                <a16:creationId xmlns:a16="http://schemas.microsoft.com/office/drawing/2014/main" id="{351659DC-3DAE-443E-A65C-F1240A57BD24}"/>
+              </a:ext>
+            </a:extLst>
+          </p:cNvPr>
+          <p:cNvSpPr txBox="1"/>
+          <p:nvPr/>
+        </p:nvSpPr>
+        <p:spPr>
+          <a:xfrm>
+            <a:off x="8724286" y="3993372"/>
+            <a:ext cx="1266693" cy="307777"/>
+          </a:xfrm>
+          <a:prstGeom prst="rect">
+            <a:avLst/>
+          </a:prstGeom>
+          <a:noFill/>
+        </p:spPr>
+        <p:txBody>
+          <a:bodyPr wrap="none" rtlCol="0">
+            <a:spAutoFit/>
+          </a:bodyPr>
+          <a:lstStyle/>
+          <a:p>
+            <a:r>
+              <a:rPr lang="it-IT" sz="1400" dirty="0"/>
+              <a:t>Facile à </a:t>
+            </a:r>
+            <a:r>
+              <a:rPr lang="it-IT" sz="1400" dirty="0" err="1"/>
+              <a:t>utiliser</a:t>
+            </a:r>
+            <a:endParaRPr lang="it-IT" sz="1400" dirty="0"/>
+          </a:p>
+        </p:txBody>
+      </p:sp>
+      <p:sp>
+        <p:nvSpPr>
+          <p:cNvPr id="18" name="CasellaDiTesto 17">
+            <a:extLst>
+              <a:ext uri="{FF2B5EF4-FFF2-40B4-BE49-F238E27FC236}">
+                <a16:creationId xmlns:a16="http://schemas.microsoft.com/office/drawing/2014/main" id="{5F8B6024-8BA5-4C76-A585-E45F3CF1516C}"/>
+              </a:ext>
+            </a:extLst>
+          </p:cNvPr>
+          <p:cNvSpPr txBox="1"/>
+          <p:nvPr/>
+        </p:nvSpPr>
+        <p:spPr>
+          <a:xfrm>
+            <a:off x="1867148" y="3993372"/>
+            <a:ext cx="2783198" cy="307777"/>
+          </a:xfrm>
+          <a:prstGeom prst="rect">
+            <a:avLst/>
+          </a:prstGeom>
+          <a:noFill/>
+        </p:spPr>
+        <p:txBody>
+          <a:bodyPr wrap="none" rtlCol="0">
+            <a:spAutoFit/>
+          </a:bodyPr>
+          <a:lstStyle/>
+          <a:p>
+            <a:r>
+              <a:rPr lang="it-IT" sz="1400" dirty="0"/>
+              <a:t>Complexe à utiliser ou peu pratique</a:t>
+            </a:r>
+          </a:p>
+        </p:txBody>
+      </p:sp>
+      <p:sp>
+        <p:nvSpPr>
+          <p:cNvPr id="19" name="CasellaDiTesto 18">
+            <a:extLst>
+              <a:ext uri="{FF2B5EF4-FFF2-40B4-BE49-F238E27FC236}">
+                <a16:creationId xmlns:a16="http://schemas.microsoft.com/office/drawing/2014/main" id="{E944816C-3CDF-4715-BD38-5A638E6F13A5}"/>
+              </a:ext>
+            </a:extLst>
+          </p:cNvPr>
+          <p:cNvSpPr txBox="1"/>
+          <p:nvPr/>
+        </p:nvSpPr>
+        <p:spPr>
+          <a:xfrm rot="16200000">
+            <a:off x="5101531" y="1924858"/>
+            <a:ext cx="1681166" cy="307777"/>
+          </a:xfrm>
+          <a:prstGeom prst="rect">
+            <a:avLst/>
+          </a:prstGeom>
+          <a:noFill/>
+        </p:spPr>
+        <p:txBody>
+          <a:bodyPr wrap="none" rtlCol="0">
+            <a:spAutoFit/>
+          </a:bodyPr>
+          <a:lstStyle/>
+          <a:p>
+            <a:r>
+              <a:rPr lang="it-IT" sz="1400" dirty="0"/>
+              <a:t>Objets universitaires</a:t>
+            </a:r>
+          </a:p>
+        </p:txBody>
+      </p:sp>
+      <p:sp>
+        <p:nvSpPr>
+          <p:cNvPr id="20" name="CasellaDiTesto 19">
+            <a:extLst>
+              <a:ext uri="{FF2B5EF4-FFF2-40B4-BE49-F238E27FC236}">
+                <a16:creationId xmlns:a16="http://schemas.microsoft.com/office/drawing/2014/main" id="{24B9B4E7-D69C-43BB-B625-5EE0EB61465F}"/>
+              </a:ext>
+            </a:extLst>
+          </p:cNvPr>
+          <p:cNvSpPr txBox="1"/>
+          <p:nvPr/>
+        </p:nvSpPr>
+        <p:spPr>
+          <a:xfrm rot="16200000">
+            <a:off x="5191427" y="5767764"/>
+            <a:ext cx="1501373" cy="307777"/>
+          </a:xfrm>
+          <a:prstGeom prst="rect">
+            <a:avLst/>
+          </a:prstGeom>
+          <a:noFill/>
+        </p:spPr>
+        <p:txBody>
+          <a:bodyPr wrap="none" rtlCol="0">
+            <a:spAutoFit/>
+          </a:bodyPr>
+          <a:lstStyle/>
+          <a:p>
+            <a:r>
+              <a:rPr lang="it-IT" sz="1400" dirty="0"/>
+              <a:t>Catalogue général</a:t>
+            </a:r>
+          </a:p>
+        </p:txBody>
+      </p:sp>
+      <p:pic>
+        <p:nvPicPr>
+          <p:cNvPr id="21" name="Image 4">
+            <a:extLst>
+              <a:ext uri="{FF2B5EF4-FFF2-40B4-BE49-F238E27FC236}">
+                <a16:creationId xmlns:a16="http://schemas.microsoft.com/office/drawing/2014/main" id="{308741AF-E0EE-4F77-9CE0-147310F00740}"/>
+              </a:ext>
+            </a:extLst>
+          </p:cNvPr>
+          <p:cNvPicPr>
+            <a:picLocks noChangeAspect="1"/>
+          </p:cNvPicPr>
+          <p:nvPr/>
+        </p:nvPicPr>
+        <p:blipFill>
+          <a:blip r:embed="rId2">
+            <a:extLst>
+              <a:ext uri="{28A0092B-C50C-407E-A947-70E740481C1C}">
+                <a14:useLocalDpi xmlns:a14="http://schemas.microsoft.com/office/drawing/2010/main" val="0"/>
+              </a:ext>
+            </a:extLst>
+          </a:blip>
+          <a:stretch>
+            <a:fillRect/>
+          </a:stretch>
+        </p:blipFill>
+        <p:spPr>
+          <a:xfrm>
+            <a:off x="9279438" y="1437102"/>
+            <a:ext cx="1052212" cy="799681"/>
+          </a:xfrm>
+          <a:prstGeom prst="rect">
+            <a:avLst/>
+          </a:prstGeom>
+        </p:spPr>
+      </p:pic>
+      <p:pic>
+        <p:nvPicPr>
+          <p:cNvPr id="23" name="Immagine 22">
+            <a:extLst>
+              <a:ext uri="{FF2B5EF4-FFF2-40B4-BE49-F238E27FC236}">
+                <a16:creationId xmlns:a16="http://schemas.microsoft.com/office/drawing/2014/main" id="{33B8B47F-7618-452C-837B-11B7007B63CE}"/>
+              </a:ext>
+            </a:extLst>
+          </p:cNvPr>
+          <p:cNvPicPr>
+            <a:picLocks noChangeAspect="1"/>
+          </p:cNvPicPr>
+          <p:nvPr/>
+        </p:nvPicPr>
+        <p:blipFill>
+          <a:blip r:embed="rId3">
+            <a:extLst>
+              <a:ext uri="{28A0092B-C50C-407E-A947-70E740481C1C}">
+                <a14:useLocalDpi xmlns:a14="http://schemas.microsoft.com/office/drawing/2010/main" val="0"/>
+              </a:ext>
+            </a:extLst>
+          </a:blip>
+          <a:stretch>
+            <a:fillRect/>
+          </a:stretch>
+        </p:blipFill>
+        <p:spPr>
+          <a:xfrm>
+            <a:off x="8186688" y="4456670"/>
+            <a:ext cx="1374160" cy="772965"/>
+          </a:xfrm>
+          <a:prstGeom prst="rect">
+            <a:avLst/>
+          </a:prstGeom>
+        </p:spPr>
+      </p:pic>
+      <p:pic>
+        <p:nvPicPr>
+          <p:cNvPr id="25" name="Immagine 24">
+            <a:extLst>
+              <a:ext uri="{FF2B5EF4-FFF2-40B4-BE49-F238E27FC236}">
+                <a16:creationId xmlns:a16="http://schemas.microsoft.com/office/drawing/2014/main" id="{071786D1-81B3-4CFC-BD3E-ADED18C2E2A9}"/>
+              </a:ext>
+            </a:extLst>
+          </p:cNvPr>
+          <p:cNvPicPr>
+            <a:picLocks noChangeAspect="1"/>
+          </p:cNvPicPr>
+          <p:nvPr/>
+        </p:nvPicPr>
+        <p:blipFill>
+          <a:blip r:embed="rId4">
+            <a:extLst>
+              <a:ext uri="{28A0092B-C50C-407E-A947-70E740481C1C}">
+                <a14:useLocalDpi xmlns:a14="http://schemas.microsoft.com/office/drawing/2010/main" val="0"/>
+              </a:ext>
+            </a:extLst>
+          </a:blip>
+          <a:stretch>
+            <a:fillRect/>
+          </a:stretch>
+        </p:blipFill>
+        <p:spPr>
+          <a:xfrm>
+            <a:off x="4299195" y="4927045"/>
+            <a:ext cx="1496726" cy="613412"/>
+          </a:xfrm>
+          <a:prstGeom prst="rect">
+            <a:avLst/>
+          </a:prstGeom>
+        </p:spPr>
+      </p:pic>
+      <p:pic>
+        <p:nvPicPr>
+          <p:cNvPr id="27" name="Immagine 26">
+            <a:extLst>
+              <a:ext uri="{FF2B5EF4-FFF2-40B4-BE49-F238E27FC236}">
+                <a16:creationId xmlns:a16="http://schemas.microsoft.com/office/drawing/2014/main" id="{03C39603-5DA3-487C-B066-B738A8FBD532}"/>
+              </a:ext>
+            </a:extLst>
+          </p:cNvPr>
+          <p:cNvPicPr>
+            <a:picLocks noChangeAspect="1"/>
+          </p:cNvPicPr>
+          <p:nvPr/>
+        </p:nvPicPr>
+        <p:blipFill>
+          <a:blip r:embed="rId5">
+            <a:extLst>
+              <a:ext uri="{28A0092B-C50C-407E-A947-70E740481C1C}">
+                <a14:useLocalDpi xmlns:a14="http://schemas.microsoft.com/office/drawing/2010/main" val="0"/>
+              </a:ext>
+            </a:extLst>
+          </a:blip>
+          <a:stretch>
+            <a:fillRect/>
+          </a:stretch>
+        </p:blipFill>
+        <p:spPr>
+          <a:xfrm>
+            <a:off x="2470182" y="2354977"/>
+            <a:ext cx="848051" cy="848051"/>
+          </a:xfrm>
+          <a:prstGeom prst="rect">
+            <a:avLst/>
+          </a:prstGeom>
+        </p:spPr>
+      </p:pic>
+      <p:pic>
+        <p:nvPicPr>
+          <p:cNvPr id="32" name="Elemento grafico 31">
+            <a:extLst>
+              <a:ext uri="{FF2B5EF4-FFF2-40B4-BE49-F238E27FC236}">
+                <a16:creationId xmlns:a16="http://schemas.microsoft.com/office/drawing/2014/main" id="{D5E8FE47-2072-4704-8194-8BAC8698077E}"/>
+              </a:ext>
+            </a:extLst>
+          </p:cNvPr>
+          <p:cNvPicPr>
+            <a:picLocks noChangeAspect="1"/>
+          </p:cNvPicPr>
+          <p:nvPr/>
+        </p:nvPicPr>
+        <p:blipFill>
+          <a:blip r:embed="rId6">
+            <a:extLst>
+              <a:ext uri="{28A0092B-C50C-407E-A947-70E740481C1C}">
+                <a14:useLocalDpi xmlns:a14="http://schemas.microsoft.com/office/drawing/2010/main" val="0"/>
+              </a:ext>
+              <a:ext uri="{96DAC541-7B7A-43D3-8B79-37D633B846F1}">
+                <asvg:svgBlip xmlns:asvg="http://schemas.microsoft.com/office/drawing/2016/SVG/main" r:embed="rId7"/>
+              </a:ext>
+            </a:extLst>
+          </a:blip>
+          <a:stretch>
+            <a:fillRect/>
+          </a:stretch>
+        </p:blipFill>
+        <p:spPr>
+          <a:xfrm>
+            <a:off x="6861564" y="5253803"/>
+            <a:ext cx="1178487" cy="1178487"/>
+          </a:xfrm>
+          <a:prstGeom prst="rect">
+            <a:avLst/>
+          </a:prstGeom>
+        </p:spPr>
+      </p:pic>
+      <p:pic>
+        <p:nvPicPr>
+          <p:cNvPr id="34" name="Immagine 33">
+            <a:extLst>
+              <a:ext uri="{FF2B5EF4-FFF2-40B4-BE49-F238E27FC236}">
+                <a16:creationId xmlns:a16="http://schemas.microsoft.com/office/drawing/2014/main" id="{4C193A7B-3B88-4C53-A84B-5644690B1072}"/>
+              </a:ext>
+            </a:extLst>
+          </p:cNvPr>
+          <p:cNvPicPr>
+            <a:picLocks noChangeAspect="1"/>
+          </p:cNvPicPr>
+          <p:nvPr/>
+        </p:nvPicPr>
+        <p:blipFill>
+          <a:blip r:embed="rId8">
+            <a:extLst>
+              <a:ext uri="{28A0092B-C50C-407E-A947-70E740481C1C}">
+                <a14:useLocalDpi xmlns:a14="http://schemas.microsoft.com/office/drawing/2010/main" val="0"/>
+              </a:ext>
+            </a:extLst>
+          </a:blip>
+          <a:stretch>
+            <a:fillRect/>
+          </a:stretch>
+        </p:blipFill>
+        <p:spPr>
+          <a:xfrm>
+            <a:off x="3836557" y="5863830"/>
+            <a:ext cx="1460348" cy="272936"/>
+          </a:xfrm>
+          <a:prstGeom prst="rect">
+            <a:avLst/>
+          </a:prstGeom>
+        </p:spPr>
+      </p:pic>
+      <p:sp>
+        <p:nvSpPr>
+          <p:cNvPr id="35" name="CasellaDiTesto 34">
+            <a:extLst>
+              <a:ext uri="{FF2B5EF4-FFF2-40B4-BE49-F238E27FC236}">
+                <a16:creationId xmlns:a16="http://schemas.microsoft.com/office/drawing/2014/main" id="{9607CA5D-8781-4FB9-8FE9-8E9A321B6398}"/>
+              </a:ext>
+            </a:extLst>
+          </p:cNvPr>
+          <p:cNvSpPr txBox="1"/>
+          <p:nvPr/>
+        </p:nvSpPr>
+        <p:spPr>
+          <a:xfrm>
+            <a:off x="678457" y="425710"/>
+            <a:ext cx="7776547" cy="769441"/>
+          </a:xfrm>
+          <a:prstGeom prst="rect">
+            <a:avLst/>
+          </a:prstGeom>
+          <a:noFill/>
+        </p:spPr>
+        <p:txBody>
+          <a:bodyPr wrap="square" rtlCol="0">
+            <a:spAutoFit/>
+          </a:bodyPr>
+          <a:lstStyle/>
+          <a:p>
+            <a:r>
+              <a:rPr lang="it-IT" sz="4400" dirty="0">
+                <a:latin typeface="+mj-lt"/>
+              </a:rPr>
+              <a:t>Une idée loin des concurrents</a:t>
+            </a:r>
+          </a:p>
+        </p:txBody>
+      </p:sp>
+    </p:spTree>
+    <p:extLst>
+      <p:ext uri="{BB962C8B-B14F-4D97-AF65-F5344CB8AC3E}">
+        <p14:creationId xmlns:p14="http://schemas.microsoft.com/office/powerpoint/2010/main" val="3851001903"/>
+      </p:ext>
+    </p:extLst>
+  </p:cSld>
+  <p:clrMapOvr>
+    <a:masterClrMapping/>
+  </p:clrMapOvr>
+</p:sld>
+</file>
+
+<file path=ppt/slides/slide13.xml><?xml version="1.0" encoding="utf-8"?>
+<p:sld xmlns:a="http://schemas.openxmlformats.org/drawingml/2006/main" xmlns:r="http://schemas.openxmlformats.org/officeDocument/2006/relationships" xmlns:p="http://schemas.openxmlformats.org/presentationml/2006/main">
+  <p:cSld>
+    <p:bg>
+      <p:bgPr>
+        <a:solidFill>
+          <a:schemeClr val="bg1"/>
+        </a:solidFill>
+        <a:effectLst/>
+      </p:bgPr>
+    </p:bg>
+    <p:spTree>
+      <p:nvGrpSpPr>
+        <p:cNvPr id="1" name=""/>
+        <p:cNvGrpSpPr/>
+        <p:nvPr/>
+      </p:nvGrpSpPr>
+      <p:grpSpPr>
+        <a:xfrm>
+          <a:off x="0" y="0"/>
+          <a:ext cx="0" cy="0"/>
+          <a:chOff x="0" y="0"/>
+          <a:chExt cx="0" cy="0"/>
+        </a:xfrm>
+      </p:grpSpPr>
+      <p:sp>
+        <p:nvSpPr>
+          <p:cNvPr id="2" name="Titre 1">
+            <a:extLst>
+              <a:ext uri="{FF2B5EF4-FFF2-40B4-BE49-F238E27FC236}">
+                <a16:creationId xmlns:a16="http://schemas.microsoft.com/office/drawing/2014/main" id="{53E4F497-B343-43D4-9C97-E0449A73C7A9}"/>
+              </a:ext>
+            </a:extLst>
+          </p:cNvPr>
+          <p:cNvSpPr>
+            <a:spLocks noGrp="1"/>
+          </p:cNvSpPr>
+          <p:nvPr>
+            <p:ph type="title"/>
+          </p:nvPr>
+        </p:nvSpPr>
+        <p:spPr/>
+        <p:txBody>
+          <a:bodyPr/>
+          <a:lstStyle/>
+          <a:p>
+            <a:r>
+              <a:rPr lang="fr-CH" dirty="0"/>
+              <a:t>Risques</a:t>
+            </a:r>
+          </a:p>
+        </p:txBody>
+      </p:sp>
+      <p:sp>
+        <p:nvSpPr>
+          <p:cNvPr id="4" name="Espace réservé du numéro de diapositive 3">
+            <a:extLst>
+              <a:ext uri="{FF2B5EF4-FFF2-40B4-BE49-F238E27FC236}">
+                <a16:creationId xmlns:a16="http://schemas.microsoft.com/office/drawing/2014/main" id="{526D10FD-5C29-49A7-825C-30CB75C8689F}"/>
+              </a:ext>
+            </a:extLst>
+          </p:cNvPr>
+          <p:cNvSpPr>
+            <a:spLocks noGrp="1"/>
+          </p:cNvSpPr>
+          <p:nvPr>
+            <p:ph type="sldNum" sz="quarter" idx="12"/>
+          </p:nvPr>
+        </p:nvSpPr>
+        <p:spPr/>
+        <p:txBody>
+          <a:bodyPr/>
+          <a:lstStyle/>
+          <a:p>
+            <a:fld id="{FAEAF821-8BBB-4B5F-AB25-F4FE9450ED6D}" type="slidenum">
+              <a:rPr lang="fr-CH" smtClean="0"/>
+              <a:t>13</a:t>
+            </a:fld>
+            <a:endParaRPr lang="fr-CH"/>
+          </a:p>
+        </p:txBody>
+      </p:sp>
+      <p:sp>
+        <p:nvSpPr>
+          <p:cNvPr id="7" name="ZoneTexte 8">
+            <a:extLst>
+              <a:ext uri="{FF2B5EF4-FFF2-40B4-BE49-F238E27FC236}">
+                <a16:creationId xmlns:a16="http://schemas.microsoft.com/office/drawing/2014/main" id="{D188B1DA-687D-477C-96C0-3A3FBFD34665}"/>
+              </a:ext>
+            </a:extLst>
+          </p:cNvPr>
+          <p:cNvSpPr txBox="1"/>
+          <p:nvPr/>
+        </p:nvSpPr>
+        <p:spPr>
+          <a:xfrm>
+            <a:off x="3272382" y="1985771"/>
+            <a:ext cx="2715423" cy="400110"/>
+          </a:xfrm>
+          <a:prstGeom prst="rect">
+            <a:avLst/>
+          </a:prstGeom>
+          <a:noFill/>
+        </p:spPr>
+        <p:txBody>
+          <a:bodyPr wrap="none" rtlCol="0">
+            <a:spAutoFit/>
+          </a:bodyPr>
+          <a:lstStyle/>
+          <a:p>
+            <a:r>
+              <a:rPr lang="fr-CH" sz="2000" dirty="0"/>
+              <a:t>Perte d’un collaborateur</a:t>
+            </a:r>
+          </a:p>
+        </p:txBody>
+      </p:sp>
+      <p:sp>
+        <p:nvSpPr>
+          <p:cNvPr id="8" name="ZoneTexte 11">
+            <a:extLst>
+              <a:ext uri="{FF2B5EF4-FFF2-40B4-BE49-F238E27FC236}">
+                <a16:creationId xmlns:a16="http://schemas.microsoft.com/office/drawing/2014/main" id="{A532EE89-5C28-4A40-8418-73C784ADDA7F}"/>
+              </a:ext>
+            </a:extLst>
+          </p:cNvPr>
+          <p:cNvSpPr txBox="1"/>
+          <p:nvPr/>
+        </p:nvSpPr>
+        <p:spPr>
+          <a:xfrm>
+            <a:off x="3272383" y="3595330"/>
+            <a:ext cx="2829108" cy="400110"/>
+          </a:xfrm>
+          <a:prstGeom prst="rect">
+            <a:avLst/>
+          </a:prstGeom>
+          <a:noFill/>
+        </p:spPr>
+        <p:txBody>
+          <a:bodyPr wrap="none" rtlCol="0">
+            <a:spAutoFit/>
+          </a:bodyPr>
+          <a:lstStyle/>
+          <a:p>
+            <a:r>
+              <a:rPr lang="fr-CH" sz="2000" dirty="0"/>
+              <a:t>Manque de connaissance</a:t>
+            </a:r>
+          </a:p>
+        </p:txBody>
+      </p:sp>
+      <p:sp>
+        <p:nvSpPr>
+          <p:cNvPr id="9" name="ZoneTexte 12">
+            <a:extLst>
+              <a:ext uri="{FF2B5EF4-FFF2-40B4-BE49-F238E27FC236}">
+                <a16:creationId xmlns:a16="http://schemas.microsoft.com/office/drawing/2014/main" id="{954EC3BB-03FF-4DBD-A5AF-2FEAB1277C8D}"/>
+              </a:ext>
+            </a:extLst>
+          </p:cNvPr>
+          <p:cNvSpPr txBox="1"/>
+          <p:nvPr/>
+        </p:nvSpPr>
+        <p:spPr>
+          <a:xfrm>
+            <a:off x="3272383" y="5346186"/>
+            <a:ext cx="2900346" cy="400110"/>
+          </a:xfrm>
+          <a:prstGeom prst="rect">
+            <a:avLst/>
+          </a:prstGeom>
+          <a:noFill/>
+        </p:spPr>
+        <p:txBody>
+          <a:bodyPr wrap="none" rtlCol="0">
+            <a:spAutoFit/>
+          </a:bodyPr>
+          <a:lstStyle/>
+          <a:p>
+            <a:r>
+              <a:rPr lang="fr-CH" sz="2000" dirty="0"/>
+              <a:t>Management d’un groupe</a:t>
+            </a:r>
+          </a:p>
+        </p:txBody>
+      </p:sp>
+      <p:pic>
+        <p:nvPicPr>
+          <p:cNvPr id="10" name="Image 14">
+            <a:extLst>
+              <a:ext uri="{FF2B5EF4-FFF2-40B4-BE49-F238E27FC236}">
+                <a16:creationId xmlns:a16="http://schemas.microsoft.com/office/drawing/2014/main" id="{342C8D0D-D2F1-4571-B4A3-B68D64FA9413}"/>
+              </a:ext>
+            </a:extLst>
+          </p:cNvPr>
+          <p:cNvPicPr>
+            <a:picLocks noChangeAspect="1"/>
+          </p:cNvPicPr>
+          <p:nvPr/>
+        </p:nvPicPr>
+        <p:blipFill>
+          <a:blip r:embed="rId2">
+            <a:extLst>
+              <a:ext uri="{28A0092B-C50C-407E-A947-70E740481C1C}">
+                <a14:useLocalDpi xmlns:a14="http://schemas.microsoft.com/office/drawing/2010/main" val="0"/>
+              </a:ext>
+            </a:extLst>
+          </a:blip>
+          <a:stretch>
+            <a:fillRect/>
+          </a:stretch>
+        </p:blipFill>
+        <p:spPr>
+          <a:xfrm>
+            <a:off x="1702086" y="4811591"/>
+            <a:ext cx="1193577" cy="1193577"/>
+          </a:xfrm>
+          <a:prstGeom prst="rect">
+            <a:avLst/>
+          </a:prstGeom>
+        </p:spPr>
+      </p:pic>
+      <p:pic>
+        <p:nvPicPr>
+          <p:cNvPr id="11" name="Image 16">
+            <a:extLst>
+              <a:ext uri="{FF2B5EF4-FFF2-40B4-BE49-F238E27FC236}">
+                <a16:creationId xmlns:a16="http://schemas.microsoft.com/office/drawing/2014/main" id="{73D75758-8FD8-4CA2-8131-7B60D000A5D0}"/>
+              </a:ext>
+            </a:extLst>
+          </p:cNvPr>
+          <p:cNvPicPr>
+            <a:picLocks noChangeAspect="1"/>
+          </p:cNvPicPr>
+          <p:nvPr/>
+        </p:nvPicPr>
+        <p:blipFill>
+          <a:blip r:embed="rId3">
+            <a:extLst>
+              <a:ext uri="{28A0092B-C50C-407E-A947-70E740481C1C}">
+                <a14:useLocalDpi xmlns:a14="http://schemas.microsoft.com/office/drawing/2010/main" val="0"/>
+              </a:ext>
+            </a:extLst>
+          </a:blip>
+          <a:stretch>
+            <a:fillRect/>
+          </a:stretch>
+        </p:blipFill>
+        <p:spPr>
+          <a:xfrm>
+            <a:off x="1702085" y="3183207"/>
+            <a:ext cx="1193578" cy="1193578"/>
+          </a:xfrm>
+          <a:prstGeom prst="rect">
+            <a:avLst/>
+          </a:prstGeom>
+        </p:spPr>
+      </p:pic>
+      <p:pic>
+        <p:nvPicPr>
+          <p:cNvPr id="12" name="Image 17">
+            <a:extLst>
+              <a:ext uri="{FF2B5EF4-FFF2-40B4-BE49-F238E27FC236}">
+                <a16:creationId xmlns:a16="http://schemas.microsoft.com/office/drawing/2014/main" id="{D58F616E-BBB6-4B71-89F7-11054526B275}"/>
+              </a:ext>
+            </a:extLst>
+          </p:cNvPr>
+          <p:cNvPicPr>
+            <a:picLocks noChangeAspect="1"/>
+          </p:cNvPicPr>
+          <p:nvPr/>
+        </p:nvPicPr>
+        <p:blipFill>
+          <a:blip r:embed="rId4">
+            <a:extLst>
+              <a:ext uri="{28A0092B-C50C-407E-A947-70E740481C1C}">
+                <a14:useLocalDpi xmlns:a14="http://schemas.microsoft.com/office/drawing/2010/main" val="0"/>
+              </a:ext>
+            </a:extLst>
+          </a:blip>
+          <a:stretch>
+            <a:fillRect/>
+          </a:stretch>
+        </p:blipFill>
+        <p:spPr>
+          <a:xfrm>
+            <a:off x="1883480" y="1690688"/>
+            <a:ext cx="830788" cy="830788"/>
+          </a:xfrm>
+          <a:prstGeom prst="rect">
+            <a:avLst/>
+          </a:prstGeom>
+        </p:spPr>
+      </p:pic>
+      <p:pic>
+        <p:nvPicPr>
+          <p:cNvPr id="13" name="Image 19">
+            <a:extLst>
+              <a:ext uri="{FF2B5EF4-FFF2-40B4-BE49-F238E27FC236}">
+                <a16:creationId xmlns:a16="http://schemas.microsoft.com/office/drawing/2014/main" id="{FC22BA37-2C3A-4815-8548-A4FD57A3F749}"/>
+              </a:ext>
+            </a:extLst>
+          </p:cNvPr>
+          <p:cNvPicPr>
+            <a:picLocks noChangeAspect="1"/>
+          </p:cNvPicPr>
+          <p:nvPr/>
+        </p:nvPicPr>
+        <p:blipFill>
+          <a:blip r:embed="rId4">
+            <a:extLst>
+              <a:ext uri="{28A0092B-C50C-407E-A947-70E740481C1C}">
+                <a14:useLocalDpi xmlns:a14="http://schemas.microsoft.com/office/drawing/2010/main" val="0"/>
+              </a:ext>
+            </a:extLst>
+          </a:blip>
+          <a:stretch>
+            <a:fillRect/>
+          </a:stretch>
+        </p:blipFill>
+        <p:spPr>
+          <a:xfrm>
+            <a:off x="2480269" y="1677287"/>
+            <a:ext cx="830788" cy="830788"/>
+          </a:xfrm>
+          <a:prstGeom prst="rect">
+            <a:avLst/>
+          </a:prstGeom>
+        </p:spPr>
+      </p:pic>
+      <p:pic>
+        <p:nvPicPr>
+          <p:cNvPr id="14" name="Image 20">
+            <a:extLst>
+              <a:ext uri="{FF2B5EF4-FFF2-40B4-BE49-F238E27FC236}">
+                <a16:creationId xmlns:a16="http://schemas.microsoft.com/office/drawing/2014/main" id="{B89C866B-B831-44AB-BB3E-5EE20B6713EB}"/>
+              </a:ext>
+            </a:extLst>
+          </p:cNvPr>
+          <p:cNvPicPr>
+            <a:picLocks noChangeAspect="1"/>
+          </p:cNvPicPr>
+          <p:nvPr/>
+        </p:nvPicPr>
+        <p:blipFill>
+          <a:blip r:embed="rId4">
+            <a:extLst>
+              <a:ext uri="{28A0092B-C50C-407E-A947-70E740481C1C}">
+                <a14:useLocalDpi xmlns:a14="http://schemas.microsoft.com/office/drawing/2010/main" val="0"/>
+              </a:ext>
+            </a:extLst>
+          </a:blip>
+          <a:stretch>
+            <a:fillRect/>
+          </a:stretch>
+        </p:blipFill>
+        <p:spPr>
+          <a:xfrm>
+            <a:off x="1286691" y="1671831"/>
+            <a:ext cx="830788" cy="830788"/>
+          </a:xfrm>
+          <a:prstGeom prst="rect">
+            <a:avLst/>
+          </a:prstGeom>
+        </p:spPr>
+      </p:pic>
+      <p:pic>
+        <p:nvPicPr>
+          <p:cNvPr id="15" name="Graphique 7" descr="Fermer">
+            <a:extLst>
+              <a:ext uri="{FF2B5EF4-FFF2-40B4-BE49-F238E27FC236}">
+                <a16:creationId xmlns:a16="http://schemas.microsoft.com/office/drawing/2014/main" id="{A6EDA93D-E506-484A-BC5E-C82680EC7154}"/>
+              </a:ext>
+            </a:extLst>
+          </p:cNvPr>
+          <p:cNvPicPr>
+            <a:picLocks noChangeAspect="1"/>
+          </p:cNvPicPr>
+          <p:nvPr/>
+        </p:nvPicPr>
+        <p:blipFill>
+          <a:blip r:embed="rId5">
+            <a:extLst>
+              <a:ext uri="{28A0092B-C50C-407E-A947-70E740481C1C}">
+                <a14:useLocalDpi xmlns:a14="http://schemas.microsoft.com/office/drawing/2010/main" val="0"/>
+              </a:ext>
+              <a:ext uri="{96DAC541-7B7A-43D3-8B79-37D633B846F1}">
+                <asvg:svgBlip xmlns:asvg="http://schemas.microsoft.com/office/drawing/2016/SVG/main" r:embed="rId6"/>
+              </a:ext>
+            </a:extLst>
+          </a:blip>
+          <a:stretch>
+            <a:fillRect/>
+          </a:stretch>
+        </p:blipFill>
+        <p:spPr>
+          <a:xfrm>
+            <a:off x="1990354" y="1898981"/>
+            <a:ext cx="617039" cy="617039"/>
+          </a:xfrm>
+          <a:prstGeom prst="rect">
+            <a:avLst/>
+          </a:prstGeom>
+        </p:spPr>
+      </p:pic>
+    </p:spTree>
+    <p:extLst>
+      <p:ext uri="{BB962C8B-B14F-4D97-AF65-F5344CB8AC3E}">
+        <p14:creationId xmlns:p14="http://schemas.microsoft.com/office/powerpoint/2010/main" val="2004398446"/>
+      </p:ext>
+    </p:extLst>
+  </p:cSld>
+  <p:clrMapOvr>
+    <a:masterClrMapping/>
+  </p:clrMapOvr>
+</p:sld>
+</file>
+
+<file path=ppt/slides/slide14.xml><?xml version="1.0" encoding="utf-8"?>
+<p:sld xmlns:a="http://schemas.openxmlformats.org/drawingml/2006/main" xmlns:r="http://schemas.openxmlformats.org/officeDocument/2006/relationships" xmlns:p="http://schemas.openxmlformats.org/presentationml/2006/main">
+  <p:cSld>
+    <p:bg>
+      <p:bgPr>
+        <a:solidFill>
+          <a:schemeClr val="bg1"/>
+        </a:solidFill>
+        <a:effectLst/>
+      </p:bgPr>
+    </p:bg>
+    <p:spTree>
+      <p:nvGrpSpPr>
+        <p:cNvPr id="1" name=""/>
+        <p:cNvGrpSpPr/>
+        <p:nvPr/>
+      </p:nvGrpSpPr>
+      <p:grpSpPr>
+        <a:xfrm>
+          <a:off x="0" y="0"/>
+          <a:ext cx="0" cy="0"/>
+          <a:chOff x="0" y="0"/>
+          <a:chExt cx="0" cy="0"/>
+        </a:xfrm>
+      </p:grpSpPr>
+      <p:sp>
+        <p:nvSpPr>
+          <p:cNvPr id="4" name="Espace réservé du numéro de diapositive 3">
+            <a:extLst>
+              <a:ext uri="{FF2B5EF4-FFF2-40B4-BE49-F238E27FC236}">
+                <a16:creationId xmlns:a16="http://schemas.microsoft.com/office/drawing/2014/main" id="{4166E28B-6275-42E7-9DD8-EC695A43CB51}"/>
+              </a:ext>
+            </a:extLst>
+          </p:cNvPr>
+          <p:cNvSpPr>
+            <a:spLocks noGrp="1"/>
+          </p:cNvSpPr>
+          <p:nvPr>
+            <p:ph type="sldNum" sz="quarter" idx="12"/>
+          </p:nvPr>
+        </p:nvSpPr>
+        <p:spPr>
+          <a:xfrm>
+            <a:off x="8610600" y="6356350"/>
+            <a:ext cx="2743200" cy="365125"/>
+          </a:xfrm>
+        </p:spPr>
+        <p:txBody>
+          <a:bodyPr/>
+          <a:lstStyle/>
+          <a:p>
+            <a:fld id="{FAEAF821-8BBB-4B5F-AB25-F4FE9450ED6D}" type="slidenum">
+              <a:rPr lang="fr-CH" smtClean="0"/>
+              <a:t>14</a:t>
+            </a:fld>
+            <a:endParaRPr lang="fr-CH"/>
+          </a:p>
+        </p:txBody>
+      </p:sp>
+      <p:sp>
+        <p:nvSpPr>
+          <p:cNvPr id="12" name="Titre 1">
+            <a:extLst>
+              <a:ext uri="{FF2B5EF4-FFF2-40B4-BE49-F238E27FC236}">
+                <a16:creationId xmlns:a16="http://schemas.microsoft.com/office/drawing/2014/main" id="{ACFD11B9-F9CE-41E7-8DA6-5524443CC517}"/>
+              </a:ext>
+            </a:extLst>
+          </p:cNvPr>
+          <p:cNvSpPr>
+            <a:spLocks noGrp="1"/>
+          </p:cNvSpPr>
+          <p:nvPr>
+            <p:ph type="title"/>
+          </p:nvPr>
+        </p:nvSpPr>
+        <p:spPr>
+          <a:xfrm>
+            <a:off x="838200" y="365125"/>
+            <a:ext cx="10515600" cy="1325563"/>
+          </a:xfrm>
+        </p:spPr>
+        <p:txBody>
+          <a:bodyPr/>
+          <a:lstStyle/>
+          <a:p>
+            <a:r>
+              <a:rPr lang="fr-CH"/>
+              <a:t>Un développement rapide</a:t>
+            </a:r>
+            <a:endParaRPr lang="fr-CH" dirty="0"/>
+          </a:p>
+        </p:txBody>
+      </p:sp>
+      <p:pic>
+        <p:nvPicPr>
+          <p:cNvPr id="13" name="Immagine 12">
+            <a:extLst>
+              <a:ext uri="{FF2B5EF4-FFF2-40B4-BE49-F238E27FC236}">
+                <a16:creationId xmlns:a16="http://schemas.microsoft.com/office/drawing/2014/main" id="{B1A9524C-E5D0-4B86-B838-F2A3BA25D233}"/>
+              </a:ext>
+            </a:extLst>
+          </p:cNvPr>
+          <p:cNvPicPr>
+            <a:picLocks noChangeAspect="1"/>
+          </p:cNvPicPr>
+          <p:nvPr/>
+        </p:nvPicPr>
+        <p:blipFill>
+          <a:blip r:embed="rId2">
+            <a:extLst>
+              <a:ext uri="{28A0092B-C50C-407E-A947-70E740481C1C}">
+                <a14:useLocalDpi xmlns:a14="http://schemas.microsoft.com/office/drawing/2010/main" val="0"/>
+              </a:ext>
+            </a:extLst>
+          </a:blip>
+          <a:stretch>
+            <a:fillRect/>
+          </a:stretch>
+        </p:blipFill>
+        <p:spPr>
+          <a:xfrm>
+            <a:off x="5291121" y="2413761"/>
+            <a:ext cx="1429719" cy="1429719"/>
+          </a:xfrm>
+          <a:prstGeom prst="rect">
+            <a:avLst/>
+          </a:prstGeom>
+        </p:spPr>
+      </p:pic>
+      <p:sp>
+        <p:nvSpPr>
+          <p:cNvPr id="14" name="CasellaDiTesto 13">
+            <a:extLst>
+              <a:ext uri="{FF2B5EF4-FFF2-40B4-BE49-F238E27FC236}">
+                <a16:creationId xmlns:a16="http://schemas.microsoft.com/office/drawing/2014/main" id="{A34C72C2-99A0-43F6-A393-64018C9C68B0}"/>
+              </a:ext>
+            </a:extLst>
+          </p:cNvPr>
+          <p:cNvSpPr txBox="1"/>
+          <p:nvPr/>
+        </p:nvSpPr>
+        <p:spPr>
+          <a:xfrm>
+            <a:off x="2867961" y="4252072"/>
+            <a:ext cx="6456078" cy="1077218"/>
+          </a:xfrm>
+          <a:prstGeom prst="rect">
+            <a:avLst/>
+          </a:prstGeom>
+          <a:noFill/>
+        </p:spPr>
+        <p:txBody>
+          <a:bodyPr wrap="square" rtlCol="0">
+            <a:spAutoFit/>
+          </a:bodyPr>
+          <a:lstStyle/>
+          <a:p>
+            <a:pPr algn="ctr"/>
+            <a:r>
+              <a:rPr lang="it-IT" sz="3200" dirty="0"/>
+              <a:t>Lancement de l’application prévu pour Juin 2019</a:t>
+            </a:r>
+          </a:p>
+        </p:txBody>
+      </p:sp>
+    </p:spTree>
+    <p:extLst>
+      <p:ext uri="{BB962C8B-B14F-4D97-AF65-F5344CB8AC3E}">
+        <p14:creationId xmlns:p14="http://schemas.microsoft.com/office/powerpoint/2010/main" val="873567313"/>
+      </p:ext>
+    </p:extLst>
+  </p:cSld>
+  <p:clrMapOvr>
+    <a:masterClrMapping/>
+  </p:clrMapOvr>
+</p:sld>
+</file>
+
+<file path=ppt/slides/slide15.xml><?xml version="1.0" encoding="utf-8"?>
+<p:sld xmlns:a="http://schemas.openxmlformats.org/drawingml/2006/main" xmlns:r="http://schemas.openxmlformats.org/officeDocument/2006/relationships" xmlns:p="http://schemas.openxmlformats.org/presentationml/2006/main">
+  <p:cSld>
+    <p:bg>
+      <p:bgPr>
+        <a:solidFill>
+          <a:schemeClr val="bg1"/>
+        </a:solidFill>
+        <a:effectLst/>
+      </p:bgPr>
+    </p:bg>
+    <p:spTree>
+      <p:nvGrpSpPr>
+        <p:cNvPr id="1" name=""/>
+        <p:cNvGrpSpPr/>
+        <p:nvPr/>
+      </p:nvGrpSpPr>
+      <p:grpSpPr>
+        <a:xfrm>
+          <a:off x="0" y="0"/>
+          <a:ext cx="0" cy="0"/>
+          <a:chOff x="0" y="0"/>
+          <a:chExt cx="0" cy="0"/>
+        </a:xfrm>
+      </p:grpSpPr>
+      <p:sp>
+        <p:nvSpPr>
+          <p:cNvPr id="2" name="Titre 1">
+            <a:extLst>
+              <a:ext uri="{FF2B5EF4-FFF2-40B4-BE49-F238E27FC236}">
+                <a16:creationId xmlns:a16="http://schemas.microsoft.com/office/drawing/2014/main" id="{37E07F66-8400-4AF7-8A30-230BC6698B5C}"/>
+              </a:ext>
+            </a:extLst>
+          </p:cNvPr>
+          <p:cNvSpPr>
+            <a:spLocks noGrp="1"/>
+          </p:cNvSpPr>
+          <p:nvPr>
+            <p:ph type="ctrTitle"/>
+          </p:nvPr>
+        </p:nvSpPr>
+        <p:spPr>
+          <a:xfrm>
+            <a:off x="1752600" y="2542604"/>
+            <a:ext cx="8686800" cy="1772793"/>
+          </a:xfrm>
+          <a:solidFill>
+            <a:schemeClr val="bg1"/>
+          </a:solidFill>
+          <a:ln w="25400" cap="sq">
+            <a:solidFill>
+              <a:schemeClr val="tx1"/>
+            </a:solidFill>
+            <a:miter lim="800000"/>
+          </a:ln>
+        </p:spPr>
+        <p:txBody>
+          <a:bodyPr vert="horz" wrap="square" lIns="91440" tIns="45720" rIns="91440" bIns="45720" rtlCol="0" anchor="ctr">
+            <a:normAutofit/>
+          </a:bodyPr>
+          <a:lstStyle/>
+          <a:p>
+            <a:r>
+              <a:rPr lang="en-US" sz="4800"/>
+              <a:t>Project manager view</a:t>
+            </a:r>
+          </a:p>
+        </p:txBody>
+      </p:sp>
+      <p:sp>
+        <p:nvSpPr>
+          <p:cNvPr id="4" name="Espace réservé du numéro de diapositive 3">
+            <a:extLst>
+              <a:ext uri="{FF2B5EF4-FFF2-40B4-BE49-F238E27FC236}">
+                <a16:creationId xmlns:a16="http://schemas.microsoft.com/office/drawing/2014/main" id="{6821EF1E-26CF-4FE4-8B1C-4D6FD3973804}"/>
+              </a:ext>
+            </a:extLst>
+          </p:cNvPr>
+          <p:cNvSpPr>
+            <a:spLocks noGrp="1"/>
+          </p:cNvSpPr>
+          <p:nvPr>
+            <p:ph type="sldNum" sz="quarter" idx="12"/>
+          </p:nvPr>
+        </p:nvSpPr>
+        <p:spPr>
+          <a:xfrm>
+            <a:off x="8610600" y="6356350"/>
+            <a:ext cx="2743200" cy="365125"/>
+          </a:xfrm>
+        </p:spPr>
+        <p:txBody>
+          <a:bodyPr vert="horz" lIns="91440" tIns="45720" rIns="91440" bIns="45720" rtlCol="0" anchor="ctr">
+            <a:normAutofit/>
+          </a:bodyPr>
+          <a:lstStyle/>
+          <a:p>
+            <a:pPr defTabSz="457200">
+              <a:spcAft>
+                <a:spcPts val="600"/>
+              </a:spcAft>
+            </a:pPr>
+            <a:fld id="{FAEAF821-8BBB-4B5F-AB25-F4FE9450ED6D}" type="slidenum">
+              <a:rPr lang="en-US" smtClean="0"/>
+              <a:pPr defTabSz="457200">
+                <a:spcAft>
+                  <a:spcPts val="600"/>
+                </a:spcAft>
+              </a:pPr>
+              <a:t>15</a:t>
+            </a:fld>
+            <a:endParaRPr lang="en-US"/>
+          </a:p>
+        </p:txBody>
+      </p:sp>
+    </p:spTree>
+    <p:extLst>
+      <p:ext uri="{BB962C8B-B14F-4D97-AF65-F5344CB8AC3E}">
+        <p14:creationId xmlns:p14="http://schemas.microsoft.com/office/powerpoint/2010/main" val="3961401110"/>
+      </p:ext>
+    </p:extLst>
+  </p:cSld>
+  <p:clrMapOvr>
+    <a:masterClrMapping/>
+  </p:clrMapOvr>
+</p:sld>
+</file>
+
+<file path=ppt/slides/slide16.xml><?xml version="1.0" encoding="utf-8"?>
 <p:sld xmlns:a="http://schemas.openxmlformats.org/drawingml/2006/main" xmlns:r="http://schemas.openxmlformats.org/officeDocument/2006/relationships" xmlns:p="http://schemas.openxmlformats.org/presentationml/2006/main">
   <p:cSld>
     <p:spTree>
@@ -11143,98 +13649,6 @@
           <p:cNvPr id="2" name="Titre 1">
             <a:extLst>
               <a:ext uri="{FF2B5EF4-FFF2-40B4-BE49-F238E27FC236}">
-                <a16:creationId xmlns:a16="http://schemas.microsoft.com/office/drawing/2014/main" id="{37E07F66-8400-4AF7-8A30-230BC6698B5C}"/>
-              </a:ext>
-            </a:extLst>
-          </p:cNvPr>
-          <p:cNvSpPr>
-            <a:spLocks noGrp="1"/>
-          </p:cNvSpPr>
-          <p:nvPr>
-            <p:ph type="ctrTitle"/>
-          </p:nvPr>
-        </p:nvSpPr>
-        <p:spPr/>
-        <p:txBody>
-          <a:bodyPr/>
-          <a:lstStyle/>
-          <a:p>
-            <a:r>
-              <a:rPr lang="fr-CH" dirty="0"/>
-              <a:t>Project manager </a:t>
-            </a:r>
-            <a:r>
-              <a:rPr lang="fr-CH" dirty="0" err="1"/>
-              <a:t>view</a:t>
-            </a:r>
-            <a:endParaRPr lang="fr-CH" dirty="0"/>
-          </a:p>
-        </p:txBody>
-      </p:sp>
-      <p:sp>
-        <p:nvSpPr>
-          <p:cNvPr id="4" name="Espace réservé du numéro de diapositive 3">
-            <a:extLst>
-              <a:ext uri="{FF2B5EF4-FFF2-40B4-BE49-F238E27FC236}">
-                <a16:creationId xmlns:a16="http://schemas.microsoft.com/office/drawing/2014/main" id="{6821EF1E-26CF-4FE4-8B1C-4D6FD3973804}"/>
-              </a:ext>
-            </a:extLst>
-          </p:cNvPr>
-          <p:cNvSpPr>
-            <a:spLocks noGrp="1"/>
-          </p:cNvSpPr>
-          <p:nvPr>
-            <p:ph type="sldNum" sz="quarter" idx="12"/>
-          </p:nvPr>
-        </p:nvSpPr>
-        <p:spPr/>
-        <p:txBody>
-          <a:bodyPr/>
-          <a:lstStyle/>
-          <a:p>
-            <a:fld id="{FAEAF821-8BBB-4B5F-AB25-F4FE9450ED6D}" type="slidenum">
-              <a:rPr lang="fr-CH" smtClean="0"/>
-              <a:t>10</a:t>
-            </a:fld>
-            <a:endParaRPr lang="fr-CH"/>
-          </a:p>
-        </p:txBody>
-      </p:sp>
-    </p:spTree>
-    <p:extLst>
-      <p:ext uri="{BB962C8B-B14F-4D97-AF65-F5344CB8AC3E}">
-        <p14:creationId xmlns:p14="http://schemas.microsoft.com/office/powerpoint/2010/main" val="3961401110"/>
-      </p:ext>
-    </p:extLst>
-  </p:cSld>
-  <p:clrMapOvr>
-    <a:masterClrMapping/>
-  </p:clrMapOvr>
-</p:sld>
-</file>
-
-<file path=ppt/slides/slide11.xml><?xml version="1.0" encoding="utf-8"?>
-<p:sld xmlns:a="http://schemas.openxmlformats.org/drawingml/2006/main" xmlns:r="http://schemas.openxmlformats.org/officeDocument/2006/relationships" xmlns:p="http://schemas.openxmlformats.org/presentationml/2006/main">
-  <p:cSld>
-    <p:spTree>
-      <p:nvGrpSpPr>
-        <p:cNvPr id="1" name=""/>
-        <p:cNvGrpSpPr/>
-        <p:nvPr/>
-      </p:nvGrpSpPr>
-      <p:grpSpPr>
-        <a:xfrm>
-          <a:off x="0" y="0"/>
-          <a:ext cx="0" cy="0"/>
-          <a:chOff x="0" y="0"/>
-          <a:chExt cx="0" cy="0"/>
-        </a:xfrm>
-      </p:grpSpPr>
-      <p:sp>
-        <p:nvSpPr>
-          <p:cNvPr id="2" name="Titre 1">
-            <a:extLst>
-              <a:ext uri="{FF2B5EF4-FFF2-40B4-BE49-F238E27FC236}">
                 <a16:creationId xmlns:a16="http://schemas.microsoft.com/office/drawing/2014/main" id="{8C34ECE5-93BF-4186-9D89-D0D5DA78775C}"/>
               </a:ext>
             </a:extLst>
@@ -11258,13 +13672,8 @@
           <a:p>
             <a:r>
               <a:rPr lang="fr-CH" dirty="0"/>
-              <a:t>Une équipe </a:t>
+              <a:t>Une équipe coopérative</a:t>
             </a:r>
-            <a:r>
-              <a:rPr lang="fr-CH" dirty="0" err="1"/>
-              <a:t>coopèrative</a:t>
-            </a:r>
-            <a:endParaRPr lang="fr-CH" dirty="0"/>
           </a:p>
         </p:txBody>
       </p:sp>
@@ -11291,7 +13700,7 @@
           <a:p>
             <a:fld id="{FAEAF821-8BBB-4B5F-AB25-F4FE9450ED6D}" type="slidenum">
               <a:rPr lang="fr-CH" smtClean="0"/>
-              <a:t>11</a:t>
+              <a:t>16</a:t>
             </a:fld>
             <a:endParaRPr lang="fr-CH"/>
           </a:p>
@@ -11420,7 +13829,7 @@
         <p:spPr>
           <a:xfrm>
             <a:off x="5132067" y="3229225"/>
-            <a:ext cx="1927860" cy="646331"/>
+            <a:ext cx="1927860" cy="923330"/>
           </a:xfrm>
           <a:prstGeom prst="rect">
             <a:avLst/>
@@ -11452,21 +13861,19 @@
                   <a:schemeClr val="accent5"/>
                 </a:solidFill>
               </a:rPr>
-              <a:t>Chef de </a:t>
+              <a:t>Project Leader</a:t>
             </a:r>
+          </a:p>
+          <a:p>
+            <a:pPr algn="ctr"/>
             <a:r>
-              <a:rPr lang="it-IT" i="1" dirty="0" err="1">
+              <a:rPr lang="it-IT" i="1" dirty="0">
                 <a:solidFill>
                   <a:schemeClr val="accent5"/>
                 </a:solidFill>
               </a:rPr>
-              <a:t>projet</a:t>
+              <a:t>Volatile</a:t>
             </a:r>
-            <a:endParaRPr lang="it-IT" i="1" dirty="0">
-              <a:solidFill>
-                <a:schemeClr val="accent5"/>
-              </a:solidFill>
-            </a:endParaRPr>
           </a:p>
         </p:txBody>
       </p:sp>
@@ -11625,21 +14032,8 @@
                   <a:schemeClr val="accent5"/>
                 </a:solidFill>
               </a:rPr>
-              <a:t>Front end </a:t>
+              <a:t>Front-end developper</a:t>
             </a:r>
-            <a:r>
-              <a:rPr lang="it-IT" i="1" dirty="0" err="1">
-                <a:solidFill>
-                  <a:schemeClr val="accent5"/>
-                </a:solidFill>
-              </a:rPr>
-              <a:t>developper</a:t>
-            </a:r>
-            <a:endParaRPr lang="it-IT" i="1" dirty="0">
-              <a:solidFill>
-                <a:schemeClr val="accent5"/>
-              </a:solidFill>
-            </a:endParaRPr>
           </a:p>
         </p:txBody>
       </p:sp>
@@ -11673,12 +14067,8 @@
           <a:p>
             <a:pPr algn="ctr"/>
             <a:r>
-              <a:rPr lang="it-IT" dirty="0" err="1"/>
-              <a:t>Guillame</a:t>
-            </a:r>
-            <a:r>
               <a:rPr lang="it-IT" dirty="0"/>
-              <a:t> Comte</a:t>
+              <a:t>Guillaume Comte</a:t>
             </a:r>
           </a:p>
           <a:p>
@@ -11689,21 +14079,8 @@
                   <a:schemeClr val="accent5"/>
                 </a:solidFill>
               </a:rPr>
-              <a:t>Back end </a:t>
+              <a:t>Back-end developper</a:t>
             </a:r>
-            <a:r>
-              <a:rPr lang="it-IT" i="1" dirty="0" err="1">
-                <a:solidFill>
-                  <a:schemeClr val="accent5"/>
-                </a:solidFill>
-              </a:rPr>
-              <a:t>developper</a:t>
-            </a:r>
-            <a:endParaRPr lang="it-IT" i="1" dirty="0">
-              <a:solidFill>
-                <a:schemeClr val="accent5"/>
-              </a:solidFill>
-            </a:endParaRPr>
           </a:p>
           <a:p>
             <a:pPr algn="ctr"/>
@@ -11752,34 +14129,13 @@
           <a:p>
             <a:pPr algn="ctr"/>
             <a:r>
-              <a:rPr lang="it-IT" i="1" dirty="0" err="1">
-                <a:solidFill>
-                  <a:schemeClr val="accent5"/>
-                </a:solidFill>
-              </a:rPr>
-              <a:t>Fornt</a:t>
-            </a:r>
-            <a:r>
               <a:rPr lang="it-IT" i="1" dirty="0">
                 <a:solidFill>
                   <a:schemeClr val="accent5"/>
                 </a:solidFill>
               </a:rPr>
-              <a:t> end </a:t>
+              <a:t>Front-end developper</a:t>
             </a:r>
-            <a:r>
-              <a:rPr lang="it-IT" i="1" dirty="0" err="1">
-                <a:solidFill>
-                  <a:schemeClr val="accent5"/>
-                </a:solidFill>
-              </a:rPr>
-              <a:t>developper</a:t>
-            </a:r>
-            <a:endParaRPr lang="it-IT" i="1" dirty="0">
-              <a:solidFill>
-                <a:schemeClr val="accent5"/>
-              </a:solidFill>
-            </a:endParaRPr>
           </a:p>
         </p:txBody>
       </p:sp>
@@ -11820,20 +14176,12 @@
           <a:p>
             <a:pPr algn="ctr"/>
             <a:r>
-              <a:rPr lang="it-IT" i="1" dirty="0" err="1">
-                <a:solidFill>
-                  <a:schemeClr val="accent5"/>
-                </a:solidFill>
-              </a:rPr>
-              <a:t>Syteme</a:t>
-            </a:r>
-            <a:r>
               <a:rPr lang="it-IT" i="1" dirty="0">
                 <a:solidFill>
                   <a:schemeClr val="accent5"/>
                 </a:solidFill>
               </a:rPr>
-              <a:t> admin</a:t>
+              <a:t>System admin</a:t>
             </a:r>
           </a:p>
           <a:p>
@@ -11987,18 +14335,9 @@
           <a:p>
             <a:pPr algn="ctr"/>
             <a:r>
-              <a:rPr lang="it-IT" dirty="0" err="1"/>
-              <a:t>Loan</a:t>
+              <a:rPr lang="it-IT" dirty="0"/>
+              <a:t>Loan Hérault</a:t>
             </a:r>
-            <a:r>
-              <a:rPr lang="it-IT" dirty="0"/>
-              <a:t> </a:t>
-            </a:r>
-            <a:r>
-              <a:rPr lang="it-IT" dirty="0" err="1"/>
-              <a:t>Herault</a:t>
-            </a:r>
-            <a:endParaRPr lang="it-IT" dirty="0"/>
           </a:p>
           <a:p>
             <a:pPr algn="ctr"/>
@@ -12008,21 +14347,8 @@
                   <a:schemeClr val="accent5"/>
                 </a:solidFill>
               </a:rPr>
-              <a:t>Back end </a:t>
+              <a:t>Back-end developper</a:t>
             </a:r>
-            <a:r>
-              <a:rPr lang="it-IT" i="1" dirty="0" err="1">
-                <a:solidFill>
-                  <a:schemeClr val="accent5"/>
-                </a:solidFill>
-              </a:rPr>
-              <a:t>developper</a:t>
-            </a:r>
-            <a:endParaRPr lang="it-IT" i="1" dirty="0">
-              <a:solidFill>
-                <a:schemeClr val="accent5"/>
-              </a:solidFill>
-            </a:endParaRPr>
           </a:p>
           <a:p>
             <a:pPr algn="ctr"/>
@@ -12047,7 +14373,7 @@
 </p:sld>
 </file>
 
-<file path=ppt/slides/slide12.xml><?xml version="1.0" encoding="utf-8"?>
+<file path=ppt/slides/slide17.xml><?xml version="1.0" encoding="utf-8"?>
 <p:sld xmlns:a="http://schemas.openxmlformats.org/drawingml/2006/main" xmlns:r="http://schemas.openxmlformats.org/officeDocument/2006/relationships" xmlns:p="http://schemas.openxmlformats.org/presentationml/2006/main">
   <p:cSld>
     <p:spTree>
@@ -12115,12 +14441,6 @@
           <a:p>
             <a:r>
               <a:rPr lang="fr-CH" dirty="0"/>
-              <a:t>Gantt</a:t>
-            </a:r>
-          </a:p>
-          <a:p>
-            <a:r>
-              <a:rPr lang="fr-CH" dirty="0"/>
               <a:t>Scrum and Sprint</a:t>
             </a:r>
           </a:p>
@@ -12149,7 +14469,7 @@
           <a:p>
             <a:fld id="{FAEAF821-8BBB-4B5F-AB25-F4FE9450ED6D}" type="slidenum">
               <a:rPr lang="fr-CH" smtClean="0"/>
-              <a:t>12</a:t>
+              <a:t>17</a:t>
             </a:fld>
             <a:endParaRPr lang="fr-CH"/>
           </a:p>
@@ -12168,7 +14488,157 @@
 </p:sld>
 </file>
 
-<file path=ppt/slides/slide13.xml><?xml version="1.0" encoding="utf-8"?>
+<file path=ppt/slides/slide18.xml><?xml version="1.0" encoding="utf-8"?>
+<p:sld xmlns:a="http://schemas.openxmlformats.org/drawingml/2006/main" xmlns:r="http://schemas.openxmlformats.org/officeDocument/2006/relationships" xmlns:p="http://schemas.openxmlformats.org/presentationml/2006/main">
+  <p:cSld>
+    <p:bg>
+      <p:bgPr>
+        <a:solidFill>
+          <a:schemeClr val="bg1"/>
+        </a:solidFill>
+        <a:effectLst/>
+      </p:bgPr>
+    </p:bg>
+    <p:spTree>
+      <p:nvGrpSpPr>
+        <p:cNvPr id="1" name=""/>
+        <p:cNvGrpSpPr/>
+        <p:nvPr/>
+      </p:nvGrpSpPr>
+      <p:grpSpPr>
+        <a:xfrm>
+          <a:off x="0" y="0"/>
+          <a:ext cx="0" cy="0"/>
+          <a:chOff x="0" y="0"/>
+          <a:chExt cx="0" cy="0"/>
+        </a:xfrm>
+      </p:grpSpPr>
+      <p:sp>
+        <p:nvSpPr>
+          <p:cNvPr id="2" name="Titre 1">
+            <a:extLst>
+              <a:ext uri="{FF2B5EF4-FFF2-40B4-BE49-F238E27FC236}">
+                <a16:creationId xmlns:a16="http://schemas.microsoft.com/office/drawing/2014/main" id="{7110C73B-C441-4A8F-809D-FE96868E07BF}"/>
+              </a:ext>
+            </a:extLst>
+          </p:cNvPr>
+          <p:cNvSpPr>
+            <a:spLocks noGrp="1"/>
+          </p:cNvSpPr>
+          <p:nvPr>
+            <p:ph type="title"/>
+          </p:nvPr>
+        </p:nvSpPr>
+        <p:spPr>
+          <a:xfrm>
+            <a:off x="838200" y="365125"/>
+            <a:ext cx="10515600" cy="960241"/>
+          </a:xfrm>
+        </p:spPr>
+        <p:txBody>
+          <a:bodyPr>
+            <a:normAutofit/>
+          </a:bodyPr>
+          <a:lstStyle/>
+          <a:p>
+            <a:r>
+              <a:rPr lang="fr-CH" dirty="0"/>
+              <a:t>Diagramme de Gantt</a:t>
+            </a:r>
+          </a:p>
+        </p:txBody>
+      </p:sp>
+      <p:sp>
+        <p:nvSpPr>
+          <p:cNvPr id="4" name="Espace réservé du numéro de diapositive 3">
+            <a:extLst>
+              <a:ext uri="{FF2B5EF4-FFF2-40B4-BE49-F238E27FC236}">
+                <a16:creationId xmlns:a16="http://schemas.microsoft.com/office/drawing/2014/main" id="{C782029C-6131-40A0-A945-F393B6E676D4}"/>
+              </a:ext>
+            </a:extLst>
+          </p:cNvPr>
+          <p:cNvSpPr>
+            <a:spLocks noGrp="1"/>
+          </p:cNvSpPr>
+          <p:nvPr>
+            <p:ph type="sldNum" sz="quarter" idx="12"/>
+          </p:nvPr>
+        </p:nvSpPr>
+        <p:spPr>
+          <a:xfrm>
+            <a:off x="8610600" y="6356350"/>
+            <a:ext cx="2743200" cy="365125"/>
+          </a:xfrm>
+        </p:spPr>
+        <p:txBody>
+          <a:bodyPr>
+            <a:normAutofit/>
+          </a:bodyPr>
+          <a:lstStyle/>
+          <a:p>
+            <a:pPr>
+              <a:spcAft>
+                <a:spcPts val="600"/>
+              </a:spcAft>
+            </a:pPr>
+            <a:fld id="{FAEAF821-8BBB-4B5F-AB25-F4FE9450ED6D}" type="slidenum">
+              <a:rPr lang="fr-CH" smtClean="0"/>
+              <a:pPr>
+                <a:spcAft>
+                  <a:spcPts val="600"/>
+                </a:spcAft>
+              </a:pPr>
+              <a:t>18</a:t>
+            </a:fld>
+            <a:endParaRPr lang="fr-CH"/>
+          </a:p>
+        </p:txBody>
+      </p:sp>
+      <p:graphicFrame>
+        <p:nvGraphicFramePr>
+          <p:cNvPr id="12" name="Chart 4">
+            <a:extLst>
+              <a:ext uri="{FF2B5EF4-FFF2-40B4-BE49-F238E27FC236}">
+                <a16:creationId xmlns:a16="http://schemas.microsoft.com/office/drawing/2014/main" id="{00000000-0008-0000-0000-000005000000}"/>
+              </a:ext>
+            </a:extLst>
+          </p:cNvPr>
+          <p:cNvGraphicFramePr>
+            <a:graphicFrameLocks noGrp="1"/>
+          </p:cNvGraphicFramePr>
+          <p:nvPr>
+            <p:ph idx="1"/>
+            <p:extLst>
+              <p:ext uri="{D42A27DB-BD31-4B8C-83A1-F6EECF244321}">
+                <p14:modId xmlns:p14="http://schemas.microsoft.com/office/powerpoint/2010/main" val="3395362859"/>
+              </p:ext>
+            </p:extLst>
+          </p:nvPr>
+        </p:nvGraphicFramePr>
+        <p:xfrm>
+          <a:off x="838200" y="1325366"/>
+          <a:ext cx="10515600" cy="4851597"/>
+        </p:xfrm>
+        <a:graphic>
+          <a:graphicData uri="http://schemas.openxmlformats.org/drawingml/2006/chart">
+            <c:chart xmlns:c="http://schemas.openxmlformats.org/drawingml/2006/chart" xmlns:r="http://schemas.openxmlformats.org/officeDocument/2006/relationships" r:id="rId2"/>
+          </a:graphicData>
+        </a:graphic>
+      </p:graphicFrame>
+    </p:spTree>
+    <p:extLst>
+      <p:ext uri="{BB962C8B-B14F-4D97-AF65-F5344CB8AC3E}">
+        <p14:creationId xmlns:p14="http://schemas.microsoft.com/office/powerpoint/2010/main" val="1587141374"/>
+      </p:ext>
+    </p:extLst>
+  </p:cSld>
+  <p:clrMapOvr>
+    <a:masterClrMapping/>
+  </p:clrMapOvr>
+</p:sld>
+</file>
+
+<file path=ppt/slides/slide19.xml><?xml version="1.0" encoding="utf-8"?>
 <p:sld xmlns:a="http://schemas.openxmlformats.org/drawingml/2006/main" xmlns:r="http://schemas.openxmlformats.org/officeDocument/2006/relationships" xmlns:p="http://schemas.openxmlformats.org/presentationml/2006/main">
   <p:cSld>
     <p:bg>
@@ -12661,7 +15131,7 @@
                   <a:spcPts val="600"/>
                 </a:spcAft>
               </a:pPr>
-              <a:t>13</a:t>
+              <a:t>19</a:t>
             </a:fld>
             <a:endParaRPr lang="fr-CH"/>
           </a:p>
@@ -12726,131 +15196,6 @@
 </p:sld>
 </file>
 
-<file path=ppt/slides/slide14.xml><?xml version="1.0" encoding="utf-8"?>
-<p:sld xmlns:a="http://schemas.openxmlformats.org/drawingml/2006/main" xmlns:r="http://schemas.openxmlformats.org/officeDocument/2006/relationships" xmlns:p="http://schemas.openxmlformats.org/presentationml/2006/main">
-  <p:cSld>
-    <p:spTree>
-      <p:nvGrpSpPr>
-        <p:cNvPr id="1" name=""/>
-        <p:cNvGrpSpPr/>
-        <p:nvPr/>
-      </p:nvGrpSpPr>
-      <p:grpSpPr>
-        <a:xfrm>
-          <a:off x="0" y="0"/>
-          <a:ext cx="0" cy="0"/>
-          <a:chOff x="0" y="0"/>
-          <a:chExt cx="0" cy="0"/>
-        </a:xfrm>
-      </p:grpSpPr>
-      <p:sp>
-        <p:nvSpPr>
-          <p:cNvPr id="9" name="Titre 1">
-            <a:extLst>
-              <a:ext uri="{FF2B5EF4-FFF2-40B4-BE49-F238E27FC236}">
-                <a16:creationId xmlns:a16="http://schemas.microsoft.com/office/drawing/2014/main" id="{58D7FD38-B937-40EA-AD5D-841A4A93166A}"/>
-              </a:ext>
-            </a:extLst>
-          </p:cNvPr>
-          <p:cNvSpPr>
-            <a:spLocks noGrp="1"/>
-          </p:cNvSpPr>
-          <p:nvPr>
-            <p:ph type="title"/>
-          </p:nvPr>
-        </p:nvSpPr>
-        <p:spPr>
-          <a:xfrm>
-            <a:off x="838200" y="365125"/>
-            <a:ext cx="10515600" cy="1325563"/>
-          </a:xfrm>
-        </p:spPr>
-        <p:txBody>
-          <a:bodyPr/>
-          <a:lstStyle/>
-          <a:p>
-            <a:r>
-              <a:rPr lang="fr-CH" dirty="0"/>
-              <a:t>Architecture</a:t>
-            </a:r>
-          </a:p>
-        </p:txBody>
-      </p:sp>
-      <p:sp>
-        <p:nvSpPr>
-          <p:cNvPr id="10" name="Espace réservé du numéro de diapositive 3">
-            <a:extLst>
-              <a:ext uri="{FF2B5EF4-FFF2-40B4-BE49-F238E27FC236}">
-                <a16:creationId xmlns:a16="http://schemas.microsoft.com/office/drawing/2014/main" id="{D91FAB43-F089-4A64-9453-C0D08520A416}"/>
-              </a:ext>
-            </a:extLst>
-          </p:cNvPr>
-          <p:cNvSpPr>
-            <a:spLocks noGrp="1"/>
-          </p:cNvSpPr>
-          <p:nvPr>
-            <p:ph type="sldNum" sz="quarter" idx="12"/>
-          </p:nvPr>
-        </p:nvSpPr>
-        <p:spPr>
-          <a:xfrm>
-            <a:off x="8610600" y="6356350"/>
-            <a:ext cx="2743200" cy="365125"/>
-          </a:xfrm>
-        </p:spPr>
-        <p:txBody>
-          <a:bodyPr/>
-          <a:lstStyle/>
-          <a:p>
-            <a:fld id="{FAEAF821-8BBB-4B5F-AB25-F4FE9450ED6D}" type="slidenum">
-              <a:rPr lang="fr-CH" smtClean="0"/>
-              <a:t>14</a:t>
-            </a:fld>
-            <a:endParaRPr lang="fr-CH"/>
-          </a:p>
-        </p:txBody>
-      </p:sp>
-      <p:graphicFrame>
-        <p:nvGraphicFramePr>
-          <p:cNvPr id="11" name="Diagramme 5">
-            <a:extLst>
-              <a:ext uri="{FF2B5EF4-FFF2-40B4-BE49-F238E27FC236}">
-                <a16:creationId xmlns:a16="http://schemas.microsoft.com/office/drawing/2014/main" id="{2D45E034-5CAD-456B-A44D-C4DED177B583}"/>
-              </a:ext>
-            </a:extLst>
-          </p:cNvPr>
-          <p:cNvGraphicFramePr/>
-          <p:nvPr>
-            <p:extLst>
-              <p:ext uri="{D42A27DB-BD31-4B8C-83A1-F6EECF244321}">
-                <p14:modId xmlns:p14="http://schemas.microsoft.com/office/powerpoint/2010/main" val="2457067095"/>
-              </p:ext>
-            </p:extLst>
-          </p:nvPr>
-        </p:nvGraphicFramePr>
-        <p:xfrm>
-          <a:off x="1651000" y="692150"/>
-          <a:ext cx="8890000" cy="5664200"/>
-        </p:xfrm>
-        <a:graphic>
-          <a:graphicData uri="http://schemas.openxmlformats.org/drawingml/2006/diagram">
-            <dgm:relIds xmlns:dgm="http://schemas.openxmlformats.org/drawingml/2006/diagram" xmlns:r="http://schemas.openxmlformats.org/officeDocument/2006/relationships" r:dm="rId2" r:lo="rId3" r:qs="rId4" r:cs="rId5"/>
-          </a:graphicData>
-        </a:graphic>
-      </p:graphicFrame>
-    </p:spTree>
-    <p:extLst>
-      <p:ext uri="{BB962C8B-B14F-4D97-AF65-F5344CB8AC3E}">
-        <p14:creationId xmlns:p14="http://schemas.microsoft.com/office/powerpoint/2010/main" val="891181742"/>
-      </p:ext>
-    </p:extLst>
-  </p:cSld>
-  <p:clrMapOvr>
-    <a:masterClrMapping/>
-  </p:clrMapOvr>
-</p:sld>
-</file>
-
 <file path=ppt/slides/slide2.xml><?xml version="1.0" encoding="utf-8"?>
 <p:sld xmlns:a="http://schemas.openxmlformats.org/drawingml/2006/main" xmlns:r="http://schemas.openxmlformats.org/officeDocument/2006/relationships" xmlns:p="http://schemas.openxmlformats.org/presentationml/2006/main">
   <p:cSld>
@@ -13083,7 +15428,7 @@
           <a:p>
             <a:r>
               <a:rPr lang="fr-CH" dirty="0"/>
-              <a:t>Economie</a:t>
+              <a:t>Économie</a:t>
             </a:r>
           </a:p>
         </p:txBody>
@@ -13118,7 +15463,7 @@
           <a:p>
             <a:r>
               <a:rPr lang="fr-CH" dirty="0"/>
-              <a:t>Ecologie</a:t>
+              <a:t>Écologie</a:t>
             </a:r>
           </a:p>
         </p:txBody>
@@ -13138,7 +15483,7 @@
         <p:spPr>
           <a:xfrm>
             <a:off x="8743602" y="3059668"/>
-            <a:ext cx="1720856" cy="369332"/>
+            <a:ext cx="2339615" cy="369332"/>
           </a:xfrm>
           <a:prstGeom prst="rect">
             <a:avLst/>
@@ -13153,7 +15498,7 @@
           <a:p>
             <a:r>
               <a:rPr lang="fr-CH" dirty="0"/>
-              <a:t>Achat à distance</a:t>
+              <a:t>visualisation à distance</a:t>
             </a:r>
           </a:p>
         </p:txBody>
@@ -13297,8 +15642,8 @@
         </p:nvSpPr>
         <p:spPr>
           <a:xfrm>
-            <a:off x="4438534" y="5939660"/>
-            <a:ext cx="2731710" cy="646331"/>
+            <a:off x="4497044" y="5939660"/>
+            <a:ext cx="2614691" cy="646331"/>
           </a:xfrm>
           <a:prstGeom prst="rect">
             <a:avLst/>
@@ -13314,14 +15659,14 @@
             <a:pPr algn="ctr"/>
             <a:r>
               <a:rPr lang="fr-CH" dirty="0"/>
-              <a:t>Peu de informations sur les</a:t>
+              <a:t>Peu d’informations sur les</a:t>
             </a:r>
           </a:p>
           <a:p>
             <a:pPr algn="ctr"/>
             <a:r>
               <a:rPr lang="fr-CH" dirty="0"/>
-              <a:t>utilisateur</a:t>
+              <a:t>utilisateurs</a:t>
             </a:r>
           </a:p>
         </p:txBody>
@@ -13460,7 +15805,7 @@
         </p:blipFill>
         <p:spPr>
           <a:xfrm>
-            <a:off x="2316719" y="5052258"/>
+            <a:off x="2326993" y="5052258"/>
             <a:ext cx="762106" cy="762106"/>
           </a:xfrm>
           <a:prstGeom prst="rect">
@@ -13519,7 +15864,7 @@
         <p:spPr>
           <a:xfrm>
             <a:off x="8689225" y="5945006"/>
-            <a:ext cx="1750159" cy="369332"/>
+            <a:ext cx="2190921" cy="369332"/>
           </a:xfrm>
           <a:prstGeom prst="rect">
             <a:avLst/>
@@ -13534,13 +15879,8 @@
           <a:p>
             <a:r>
               <a:rPr lang="it-IT" dirty="0"/>
-              <a:t>Difficile à </a:t>
+              <a:t>Difficulté d’utilisation</a:t>
             </a:r>
-            <a:r>
-              <a:rPr lang="it-IT" dirty="0" err="1"/>
-              <a:t>utiliser</a:t>
-            </a:r>
-            <a:endParaRPr lang="it-IT" dirty="0"/>
           </a:p>
         </p:txBody>
       </p:sp>
@@ -13799,6 +16139,131 @@
 </p:sld>
 </file>
 
+<file path=ppt/slides/slide20.xml><?xml version="1.0" encoding="utf-8"?>
+<p:sld xmlns:a="http://schemas.openxmlformats.org/drawingml/2006/main" xmlns:r="http://schemas.openxmlformats.org/officeDocument/2006/relationships" xmlns:p="http://schemas.openxmlformats.org/presentationml/2006/main">
+  <p:cSld>
+    <p:spTree>
+      <p:nvGrpSpPr>
+        <p:cNvPr id="1" name=""/>
+        <p:cNvGrpSpPr/>
+        <p:nvPr/>
+      </p:nvGrpSpPr>
+      <p:grpSpPr>
+        <a:xfrm>
+          <a:off x="0" y="0"/>
+          <a:ext cx="0" cy="0"/>
+          <a:chOff x="0" y="0"/>
+          <a:chExt cx="0" cy="0"/>
+        </a:xfrm>
+      </p:grpSpPr>
+      <p:sp>
+        <p:nvSpPr>
+          <p:cNvPr id="9" name="Titre 1">
+            <a:extLst>
+              <a:ext uri="{FF2B5EF4-FFF2-40B4-BE49-F238E27FC236}">
+                <a16:creationId xmlns:a16="http://schemas.microsoft.com/office/drawing/2014/main" id="{58D7FD38-B937-40EA-AD5D-841A4A93166A}"/>
+              </a:ext>
+            </a:extLst>
+          </p:cNvPr>
+          <p:cNvSpPr>
+            <a:spLocks noGrp="1"/>
+          </p:cNvSpPr>
+          <p:nvPr>
+            <p:ph type="title"/>
+          </p:nvPr>
+        </p:nvSpPr>
+        <p:spPr>
+          <a:xfrm>
+            <a:off x="838200" y="365125"/>
+            <a:ext cx="10515600" cy="1325563"/>
+          </a:xfrm>
+        </p:spPr>
+        <p:txBody>
+          <a:bodyPr/>
+          <a:lstStyle/>
+          <a:p>
+            <a:r>
+              <a:rPr lang="fr-CH" dirty="0"/>
+              <a:t>Architecture</a:t>
+            </a:r>
+          </a:p>
+        </p:txBody>
+      </p:sp>
+      <p:sp>
+        <p:nvSpPr>
+          <p:cNvPr id="10" name="Espace réservé du numéro de diapositive 3">
+            <a:extLst>
+              <a:ext uri="{FF2B5EF4-FFF2-40B4-BE49-F238E27FC236}">
+                <a16:creationId xmlns:a16="http://schemas.microsoft.com/office/drawing/2014/main" id="{D91FAB43-F089-4A64-9453-C0D08520A416}"/>
+              </a:ext>
+            </a:extLst>
+          </p:cNvPr>
+          <p:cNvSpPr>
+            <a:spLocks noGrp="1"/>
+          </p:cNvSpPr>
+          <p:nvPr>
+            <p:ph type="sldNum" sz="quarter" idx="12"/>
+          </p:nvPr>
+        </p:nvSpPr>
+        <p:spPr>
+          <a:xfrm>
+            <a:off x="8610600" y="6356350"/>
+            <a:ext cx="2743200" cy="365125"/>
+          </a:xfrm>
+        </p:spPr>
+        <p:txBody>
+          <a:bodyPr/>
+          <a:lstStyle/>
+          <a:p>
+            <a:fld id="{FAEAF821-8BBB-4B5F-AB25-F4FE9450ED6D}" type="slidenum">
+              <a:rPr lang="fr-CH" smtClean="0"/>
+              <a:t>20</a:t>
+            </a:fld>
+            <a:endParaRPr lang="fr-CH"/>
+          </a:p>
+        </p:txBody>
+      </p:sp>
+      <p:graphicFrame>
+        <p:nvGraphicFramePr>
+          <p:cNvPr id="11" name="Diagramme 5">
+            <a:extLst>
+              <a:ext uri="{FF2B5EF4-FFF2-40B4-BE49-F238E27FC236}">
+                <a16:creationId xmlns:a16="http://schemas.microsoft.com/office/drawing/2014/main" id="{2D45E034-5CAD-456B-A44D-C4DED177B583}"/>
+              </a:ext>
+            </a:extLst>
+          </p:cNvPr>
+          <p:cNvGraphicFramePr/>
+          <p:nvPr>
+            <p:extLst>
+              <p:ext uri="{D42A27DB-BD31-4B8C-83A1-F6EECF244321}">
+                <p14:modId xmlns:p14="http://schemas.microsoft.com/office/powerpoint/2010/main" val="2457067095"/>
+              </p:ext>
+            </p:extLst>
+          </p:nvPr>
+        </p:nvGraphicFramePr>
+        <p:xfrm>
+          <a:off x="1651000" y="692150"/>
+          <a:ext cx="8890000" cy="5664200"/>
+        </p:xfrm>
+        <a:graphic>
+          <a:graphicData uri="http://schemas.openxmlformats.org/drawingml/2006/diagram">
+            <dgm:relIds xmlns:dgm="http://schemas.openxmlformats.org/drawingml/2006/diagram" xmlns:r="http://schemas.openxmlformats.org/officeDocument/2006/relationships" r:dm="rId2" r:lo="rId3" r:qs="rId4" r:cs="rId5"/>
+          </a:graphicData>
+        </a:graphic>
+      </p:graphicFrame>
+    </p:spTree>
+    <p:extLst>
+      <p:ext uri="{BB962C8B-B14F-4D97-AF65-F5344CB8AC3E}">
+        <p14:creationId xmlns:p14="http://schemas.microsoft.com/office/powerpoint/2010/main" val="891181742"/>
+      </p:ext>
+    </p:extLst>
+  </p:cSld>
+  <p:clrMapOvr>
+    <a:masterClrMapping/>
+  </p:clrMapOvr>
+</p:sld>
+</file>
+
 <file path=ppt/slides/slide3.xml><?xml version="1.0" encoding="utf-8"?>
 <p:sld xmlns:a="http://schemas.openxmlformats.org/drawingml/2006/main" xmlns:r="http://schemas.openxmlformats.org/officeDocument/2006/relationships" xmlns:p="http://schemas.openxmlformats.org/presentationml/2006/main">
   <p:cSld>
@@ -14152,8 +16617,8 @@
         </p:nvSpPr>
         <p:spPr>
           <a:xfrm>
-            <a:off x="904100" y="2958957"/>
-            <a:ext cx="3147272" cy="646331"/>
+            <a:off x="1505769" y="2958957"/>
+            <a:ext cx="1943929" cy="646331"/>
           </a:xfrm>
           <a:prstGeom prst="rect">
             <a:avLst/>
@@ -14169,19 +16634,14 @@
             <a:pPr algn="ctr"/>
             <a:r>
               <a:rPr lang="fr-CH" dirty="0"/>
-              <a:t>Catalogue des objets </a:t>
+              <a:t>Objets spécifiques</a:t>
             </a:r>
-            <a:r>
-              <a:rPr lang="fr-CH" dirty="0" err="1"/>
-              <a:t>specifique</a:t>
-            </a:r>
-            <a:endParaRPr lang="fr-CH" dirty="0"/>
           </a:p>
           <a:p>
             <a:pPr algn="ctr"/>
             <a:r>
               <a:rPr lang="fr-CH" dirty="0"/>
-              <a:t> au secteur universitaire</a:t>
+              <a:t> aux Universités</a:t>
             </a:r>
           </a:p>
         </p:txBody>
@@ -14224,13 +16684,8 @@
             <a:pPr algn="ctr"/>
             <a:r>
               <a:rPr lang="fr-CH" dirty="0"/>
-              <a:t>par l’</a:t>
+              <a:t>par l’Université</a:t>
             </a:r>
-            <a:r>
-              <a:rPr lang="fr-CH" dirty="0" err="1"/>
-              <a:t>universitè</a:t>
-            </a:r>
-            <a:endParaRPr lang="fr-CH" dirty="0"/>
           </a:p>
         </p:txBody>
       </p:sp>
@@ -14291,8 +16746,8 @@
         </p:nvSpPr>
         <p:spPr>
           <a:xfrm>
-            <a:off x="4772555" y="5659277"/>
-            <a:ext cx="2717347" cy="646331"/>
+            <a:off x="5294105" y="5659277"/>
+            <a:ext cx="1674240" cy="369332"/>
           </a:xfrm>
           <a:prstGeom prst="rect">
             <a:avLst/>
@@ -14308,48 +16763,8 @@
             <a:pPr algn="ctr"/>
             <a:r>
               <a:rPr lang="it-IT" dirty="0"/>
-              <a:t>Tous en </a:t>
+              <a:t>Tous en gardant</a:t>
             </a:r>
-            <a:r>
-              <a:rPr lang="it-IT" dirty="0" err="1"/>
-              <a:t>gardent</a:t>
-            </a:r>
-            <a:r>
-              <a:rPr lang="it-IT" dirty="0"/>
-              <a:t> le </a:t>
-            </a:r>
-            <a:r>
-              <a:rPr lang="it-IT" dirty="0" err="1"/>
-              <a:t>benefie</a:t>
-            </a:r>
-            <a:r>
-              <a:rPr lang="it-IT" dirty="0"/>
-              <a:t> </a:t>
-            </a:r>
-          </a:p>
-          <a:p>
-            <a:pPr algn="ctr"/>
-            <a:r>
-              <a:rPr lang="it-IT" dirty="0" err="1"/>
-              <a:t>des</a:t>
-            </a:r>
-            <a:r>
-              <a:rPr lang="it-IT" dirty="0"/>
-              <a:t> </a:t>
-            </a:r>
-            <a:r>
-              <a:rPr lang="it-IT" dirty="0" err="1"/>
-              <a:t>sites</a:t>
-            </a:r>
-            <a:r>
-              <a:rPr lang="it-IT" dirty="0"/>
-              <a:t> de </a:t>
-            </a:r>
-            <a:r>
-              <a:rPr lang="it-IT" dirty="0" err="1"/>
-              <a:t>vente</a:t>
-            </a:r>
-            <a:endParaRPr lang="it-IT" dirty="0"/>
           </a:p>
         </p:txBody>
       </p:sp>
@@ -14672,14 +17087,6 @@
 <file path=ppt/slides/slide4.xml><?xml version="1.0" encoding="utf-8"?>
 <p:sld xmlns:a="http://schemas.openxmlformats.org/drawingml/2006/main" xmlns:r="http://schemas.openxmlformats.org/officeDocument/2006/relationships" xmlns:p="http://schemas.openxmlformats.org/presentationml/2006/main">
   <p:cSld>
-    <p:bg>
-      <p:bgPr>
-        <a:solidFill>
-          <a:schemeClr val="bg1"/>
-        </a:solidFill>
-        <a:effectLst/>
-      </p:bgPr>
-    </p:bg>
     <p:spTree>
       <p:nvGrpSpPr>
         <p:cNvPr id="1" name=""/>
@@ -14696,94 +17103,10 @@
       </p:grpSpPr>
       <p:sp>
         <p:nvSpPr>
-          <p:cNvPr id="2" name="Titre 1">
-            <a:extLst>
-              <a:ext uri="{FF2B5EF4-FFF2-40B4-BE49-F238E27FC236}">
-                <a16:creationId xmlns:a16="http://schemas.microsoft.com/office/drawing/2014/main" id="{3726C0B2-EDC2-45E4-B360-4F5DC122E5F5}"/>
-              </a:ext>
-            </a:extLst>
-          </p:cNvPr>
-          <p:cNvSpPr>
-            <a:spLocks noGrp="1"/>
-          </p:cNvSpPr>
-          <p:nvPr>
-            <p:ph type="title"/>
-          </p:nvPr>
-        </p:nvSpPr>
-        <p:spPr/>
-        <p:txBody>
-          <a:bodyPr/>
-          <a:lstStyle/>
-          <a:p>
-            <a:r>
-              <a:rPr lang="fr-CH" dirty="0"/>
-              <a:t>Présentation de notre produit</a:t>
-            </a:r>
-          </a:p>
-        </p:txBody>
-      </p:sp>
-      <p:sp>
-        <p:nvSpPr>
-          <p:cNvPr id="3" name="Espace réservé du contenu 2">
-            <a:extLst>
-              <a:ext uri="{FF2B5EF4-FFF2-40B4-BE49-F238E27FC236}">
-                <a16:creationId xmlns:a16="http://schemas.microsoft.com/office/drawing/2014/main" id="{2873021F-979B-4854-A747-FE7AAAEE36E4}"/>
-              </a:ext>
-            </a:extLst>
-          </p:cNvPr>
-          <p:cNvSpPr>
-            <a:spLocks noGrp="1"/>
-          </p:cNvSpPr>
-          <p:nvPr>
-            <p:ph idx="1"/>
-          </p:nvPr>
-        </p:nvSpPr>
-        <p:spPr/>
-        <p:txBody>
-          <a:bodyPr/>
-          <a:lstStyle/>
-          <a:p>
-            <a:r>
-              <a:rPr lang="fr-CH" dirty="0" err="1"/>
-              <a:t>Mockup</a:t>
-            </a:r>
-            <a:endParaRPr lang="fr-CH" dirty="0"/>
-          </a:p>
-          <a:p>
-            <a:r>
-              <a:rPr lang="fr-CH" dirty="0"/>
-              <a:t>Comment vente achat</a:t>
-            </a:r>
-          </a:p>
-          <a:p>
-            <a:r>
-              <a:rPr lang="fr-CH" dirty="0"/>
-              <a:t>Création annone</a:t>
-            </a:r>
-          </a:p>
-          <a:p>
-            <a:r>
-              <a:rPr lang="fr-CH" dirty="0"/>
-              <a:t>Messagerie</a:t>
-            </a:r>
-          </a:p>
-          <a:p>
-            <a:r>
-              <a:rPr lang="fr-CH" dirty="0"/>
-              <a:t>Statistique</a:t>
-            </a:r>
-          </a:p>
-          <a:p>
-            <a:endParaRPr lang="fr-CH" dirty="0"/>
-          </a:p>
-        </p:txBody>
-      </p:sp>
-      <p:sp>
-        <p:nvSpPr>
-          <p:cNvPr id="4" name="Espace réservé du numéro de diapositive 3">
-            <a:extLst>
-              <a:ext uri="{FF2B5EF4-FFF2-40B4-BE49-F238E27FC236}">
-                <a16:creationId xmlns:a16="http://schemas.microsoft.com/office/drawing/2014/main" id="{BF671B59-401D-4339-A5E3-A3487ED9F130}"/>
+          <p:cNvPr id="2" name="Espace réservé du numéro de diapositive 1">
+            <a:extLst>
+              <a:ext uri="{FF2B5EF4-FFF2-40B4-BE49-F238E27FC236}">
+                <a16:creationId xmlns:a16="http://schemas.microsoft.com/office/drawing/2014/main" id="{4A4BCA74-2697-4F1A-A5EE-0F22D5489971}"/>
               </a:ext>
             </a:extLst>
           </p:cNvPr>
@@ -14807,10 +17130,45 @@
           </a:p>
         </p:txBody>
       </p:sp>
+      <p:pic>
+        <p:nvPicPr>
+          <p:cNvPr id="4" name="Image 3">
+            <a:extLst>
+              <a:ext uri="{FF2B5EF4-FFF2-40B4-BE49-F238E27FC236}">
+                <a16:creationId xmlns:a16="http://schemas.microsoft.com/office/drawing/2014/main" id="{EDF161F7-0129-4E7E-A32A-349C3F295A1D}"/>
+              </a:ext>
+            </a:extLst>
+          </p:cNvPr>
+          <p:cNvPicPr>
+            <a:picLocks noChangeAspect="1"/>
+          </p:cNvPicPr>
+          <p:nvPr/>
+        </p:nvPicPr>
+        <p:blipFill rotWithShape="1">
+          <a:blip r:embed="rId3">
+            <a:extLst>
+              <a:ext uri="{28A0092B-C50C-407E-A947-70E740481C1C}">
+                <a14:useLocalDpi xmlns:a14="http://schemas.microsoft.com/office/drawing/2010/main" val="0"/>
+              </a:ext>
+            </a:extLst>
+          </a:blip>
+          <a:srcRect l="6163" t="844" r="4079" b="13175"/>
+          <a:stretch/>
+        </p:blipFill>
+        <p:spPr>
+          <a:xfrm>
+            <a:off x="933236" y="0"/>
+            <a:ext cx="10325528" cy="6858000"/>
+          </a:xfrm>
+          <a:prstGeom prst="rect">
+            <a:avLst/>
+          </a:prstGeom>
+        </p:spPr>
+      </p:pic>
     </p:spTree>
     <p:extLst>
       <p:ext uri="{BB962C8B-B14F-4D97-AF65-F5344CB8AC3E}">
-        <p14:creationId xmlns:p14="http://schemas.microsoft.com/office/powerpoint/2010/main" val="2819510272"/>
+        <p14:creationId xmlns:p14="http://schemas.microsoft.com/office/powerpoint/2010/main" val="1462697413"/>
       </p:ext>
     </p:extLst>
   </p:cSld>
@@ -14823,14 +17181,6 @@
 <file path=ppt/slides/slide5.xml><?xml version="1.0" encoding="utf-8"?>
 <p:sld xmlns:a="http://schemas.openxmlformats.org/drawingml/2006/main" xmlns:r="http://schemas.openxmlformats.org/officeDocument/2006/relationships" xmlns:p="http://schemas.openxmlformats.org/presentationml/2006/main">
   <p:cSld>
-    <p:bg>
-      <p:bgPr>
-        <a:solidFill>
-          <a:schemeClr val="bg1"/>
-        </a:solidFill>
-        <a:effectLst/>
-      </p:bgPr>
-    </p:bg>
     <p:spTree>
       <p:nvGrpSpPr>
         <p:cNvPr id="1" name=""/>
@@ -14847,38 +17197,10 @@
       </p:grpSpPr>
       <p:sp>
         <p:nvSpPr>
-          <p:cNvPr id="2" name="Titre 1">
-            <a:extLst>
-              <a:ext uri="{FF2B5EF4-FFF2-40B4-BE49-F238E27FC236}">
-                <a16:creationId xmlns:a16="http://schemas.microsoft.com/office/drawing/2014/main" id="{8AE8350C-18A9-43A5-95A3-33D9F6FD9307}"/>
-              </a:ext>
-            </a:extLst>
-          </p:cNvPr>
-          <p:cNvSpPr>
-            <a:spLocks noGrp="1"/>
-          </p:cNvSpPr>
-          <p:nvPr>
-            <p:ph type="title"/>
-          </p:nvPr>
-        </p:nvSpPr>
-        <p:spPr/>
-        <p:txBody>
-          <a:bodyPr/>
-          <a:lstStyle/>
-          <a:p>
-            <a:r>
-              <a:rPr lang="fr-CH" dirty="0"/>
-              <a:t>Qui ?</a:t>
-            </a:r>
-          </a:p>
-        </p:txBody>
-      </p:sp>
-      <p:sp>
-        <p:nvSpPr>
-          <p:cNvPr id="4" name="Espace réservé du numéro de diapositive 3">
-            <a:extLst>
-              <a:ext uri="{FF2B5EF4-FFF2-40B4-BE49-F238E27FC236}">
-                <a16:creationId xmlns:a16="http://schemas.microsoft.com/office/drawing/2014/main" id="{97557FFF-C104-4499-BBA5-69CC94ABACAD}"/>
+          <p:cNvPr id="2" name="Espace réservé du numéro de diapositive 1">
+            <a:extLst>
+              <a:ext uri="{FF2B5EF4-FFF2-40B4-BE49-F238E27FC236}">
+                <a16:creationId xmlns:a16="http://schemas.microsoft.com/office/drawing/2014/main" id="{53884560-347E-4253-8524-7F2D831CEA63}"/>
               </a:ext>
             </a:extLst>
           </p:cNvPr>
@@ -14904,10 +17226,10 @@
       </p:sp>
       <p:pic>
         <p:nvPicPr>
-          <p:cNvPr id="8" name="Image 7">
-            <a:extLst>
-              <a:ext uri="{FF2B5EF4-FFF2-40B4-BE49-F238E27FC236}">
-                <a16:creationId xmlns:a16="http://schemas.microsoft.com/office/drawing/2014/main" id="{D8E36E03-A886-48FA-BCB9-F8B8F051181E}"/>
+          <p:cNvPr id="4" name="Image 3">
+            <a:extLst>
+              <a:ext uri="{FF2B5EF4-FFF2-40B4-BE49-F238E27FC236}">
+                <a16:creationId xmlns:a16="http://schemas.microsoft.com/office/drawing/2014/main" id="{EDA53A4E-B688-4874-A18D-002A497F1E05}"/>
               </a:ext>
             </a:extLst>
           </p:cNvPr>
@@ -14916,139 +17238,31 @@
           </p:cNvPicPr>
           <p:nvPr/>
         </p:nvPicPr>
-        <p:blipFill>
-          <a:blip r:embed="rId3">
+        <p:blipFill rotWithShape="1">
+          <a:blip r:embed="rId2">
             <a:extLst>
               <a:ext uri="{28A0092B-C50C-407E-A947-70E740481C1C}">
                 <a14:useLocalDpi xmlns:a14="http://schemas.microsoft.com/office/drawing/2010/main" val="0"/>
               </a:ext>
             </a:extLst>
           </a:blip>
-          <a:stretch>
-            <a:fillRect/>
-          </a:stretch>
+          <a:srcRect l="5376" r="2653" b="46517"/>
+          <a:stretch/>
         </p:blipFill>
         <p:spPr>
           <a:xfrm>
-            <a:off x="6247645" y="1715426"/>
-            <a:ext cx="1779578" cy="1779578"/>
+            <a:off x="1205501" y="0"/>
+            <a:ext cx="9780998" cy="6857608"/>
           </a:xfrm>
           <a:prstGeom prst="rect">
             <a:avLst/>
           </a:prstGeom>
         </p:spPr>
       </p:pic>
-      <p:pic>
-        <p:nvPicPr>
-          <p:cNvPr id="10" name="Image 9">
-            <a:extLst>
-              <a:ext uri="{FF2B5EF4-FFF2-40B4-BE49-F238E27FC236}">
-                <a16:creationId xmlns:a16="http://schemas.microsoft.com/office/drawing/2014/main" id="{7FDA87C1-820E-458D-BADD-CFCE83BA889A}"/>
-              </a:ext>
-            </a:extLst>
-          </p:cNvPr>
-          <p:cNvPicPr>
-            <a:picLocks noChangeAspect="1"/>
-          </p:cNvPicPr>
-          <p:nvPr/>
-        </p:nvPicPr>
-        <p:blipFill>
-          <a:blip r:embed="rId4">
-            <a:extLst>
-              <a:ext uri="{28A0092B-C50C-407E-A947-70E740481C1C}">
-                <a14:useLocalDpi xmlns:a14="http://schemas.microsoft.com/office/drawing/2010/main" val="0"/>
-              </a:ext>
-            </a:extLst>
-          </a:blip>
-          <a:stretch>
-            <a:fillRect/>
-          </a:stretch>
-        </p:blipFill>
-        <p:spPr>
-          <a:xfrm>
-            <a:off x="4316421" y="1715426"/>
-            <a:ext cx="1779579" cy="1779579"/>
-          </a:xfrm>
-          <a:prstGeom prst="rect">
-            <a:avLst/>
-          </a:prstGeom>
-        </p:spPr>
-      </p:pic>
-      <p:sp>
-        <p:nvSpPr>
-          <p:cNvPr id="11" name="ZoneTexte 10">
-            <a:extLst>
-              <a:ext uri="{FF2B5EF4-FFF2-40B4-BE49-F238E27FC236}">
-                <a16:creationId xmlns:a16="http://schemas.microsoft.com/office/drawing/2014/main" id="{03DCCD29-6E6E-4615-859F-3A1A8EEE18F3}"/>
-              </a:ext>
-            </a:extLst>
-          </p:cNvPr>
-          <p:cNvSpPr txBox="1"/>
-          <p:nvPr/>
-        </p:nvSpPr>
-        <p:spPr>
-          <a:xfrm>
-            <a:off x="4389775" y="3858127"/>
-            <a:ext cx="3412449" cy="830997"/>
-          </a:xfrm>
-          <a:prstGeom prst="rect">
-            <a:avLst/>
-          </a:prstGeom>
-          <a:noFill/>
-        </p:spPr>
-        <p:txBody>
-          <a:bodyPr wrap="square" rtlCol="0">
-            <a:spAutoFit/>
-          </a:bodyPr>
-          <a:lstStyle/>
-          <a:p>
-            <a:pPr algn="ctr"/>
-            <a:r>
-              <a:rPr lang="fr-CH" sz="2400" dirty="0"/>
-              <a:t>Plus de 200000 utilisateur potentielle en Suisse</a:t>
-            </a:r>
-          </a:p>
-        </p:txBody>
-      </p:sp>
-      <p:sp>
-        <p:nvSpPr>
-          <p:cNvPr id="12" name="ZoneTexte 11">
-            <a:extLst>
-              <a:ext uri="{FF2B5EF4-FFF2-40B4-BE49-F238E27FC236}">
-                <a16:creationId xmlns:a16="http://schemas.microsoft.com/office/drawing/2014/main" id="{AD37619D-0443-42AE-90CA-F0DB290DD430}"/>
-              </a:ext>
-            </a:extLst>
-          </p:cNvPr>
-          <p:cNvSpPr txBox="1"/>
-          <p:nvPr/>
-        </p:nvSpPr>
-        <p:spPr>
-          <a:xfrm>
-            <a:off x="1238701" y="6444476"/>
-            <a:ext cx="1423147" cy="276999"/>
-          </a:xfrm>
-          <a:prstGeom prst="rect">
-            <a:avLst/>
-          </a:prstGeom>
-          <a:noFill/>
-        </p:spPr>
-        <p:txBody>
-          <a:bodyPr wrap="none" rtlCol="0">
-            <a:spAutoFit/>
-          </a:bodyPr>
-          <a:lstStyle/>
-          <a:p>
-            <a:r>
-              <a:rPr lang="fr-CH" sz="1200" dirty="0"/>
-              <a:t>*Source : Wikipédia</a:t>
-            </a:r>
-          </a:p>
-        </p:txBody>
-      </p:sp>
     </p:spTree>
     <p:extLst>
       <p:ext uri="{BB962C8B-B14F-4D97-AF65-F5344CB8AC3E}">
-        <p14:creationId xmlns:p14="http://schemas.microsoft.com/office/powerpoint/2010/main" val="88753252"/>
+        <p14:creationId xmlns:p14="http://schemas.microsoft.com/office/powerpoint/2010/main" val="2649433583"/>
       </p:ext>
     </p:extLst>
   </p:cSld>
@@ -15061,14 +17275,6 @@
 <file path=ppt/slides/slide6.xml><?xml version="1.0" encoding="utf-8"?>
 <p:sld xmlns:a="http://schemas.openxmlformats.org/drawingml/2006/main" xmlns:r="http://schemas.openxmlformats.org/officeDocument/2006/relationships" xmlns:p="http://schemas.openxmlformats.org/presentationml/2006/main">
   <p:cSld>
-    <p:bg>
-      <p:bgPr>
-        <a:solidFill>
-          <a:schemeClr val="bg1"/>
-        </a:solidFill>
-        <a:effectLst/>
-      </p:bgPr>
-    </p:bg>
     <p:spTree>
       <p:nvGrpSpPr>
         <p:cNvPr id="1" name=""/>
@@ -15085,89 +17291,10 @@
       </p:grpSpPr>
       <p:sp>
         <p:nvSpPr>
-          <p:cNvPr id="2" name="Titre 1">
-            <a:extLst>
-              <a:ext uri="{FF2B5EF4-FFF2-40B4-BE49-F238E27FC236}">
-                <a16:creationId xmlns:a16="http://schemas.microsoft.com/office/drawing/2014/main" id="{DD56946C-853C-4C35-A973-0FF95C21DBEA}"/>
-              </a:ext>
-            </a:extLst>
-          </p:cNvPr>
-          <p:cNvSpPr>
-            <a:spLocks noGrp="1"/>
-          </p:cNvSpPr>
-          <p:nvPr>
-            <p:ph type="title"/>
-          </p:nvPr>
-        </p:nvSpPr>
-        <p:spPr>
-          <a:xfrm>
-            <a:off x="838200" y="617932"/>
-            <a:ext cx="10515600" cy="1001338"/>
-          </a:xfrm>
-        </p:spPr>
-        <p:txBody>
-          <a:bodyPr/>
-          <a:lstStyle/>
-          <a:p>
-            <a:r>
-              <a:rPr lang="fr-CH" dirty="0"/>
-              <a:t>Enjeux</a:t>
-            </a:r>
-          </a:p>
-        </p:txBody>
-      </p:sp>
-      <p:sp>
-        <p:nvSpPr>
-          <p:cNvPr id="3" name="Espace réservé du contenu 2">
-            <a:extLst>
-              <a:ext uri="{FF2B5EF4-FFF2-40B4-BE49-F238E27FC236}">
-                <a16:creationId xmlns:a16="http://schemas.microsoft.com/office/drawing/2014/main" id="{76454EA1-8BB7-446D-B367-A46C947EA787}"/>
-              </a:ext>
-            </a:extLst>
-          </p:cNvPr>
-          <p:cNvSpPr>
-            <a:spLocks noGrp="1"/>
-          </p:cNvSpPr>
-          <p:nvPr>
-            <p:ph idx="1"/>
-          </p:nvPr>
-        </p:nvSpPr>
-        <p:spPr/>
-        <p:txBody>
-          <a:bodyPr/>
-          <a:lstStyle/>
-          <a:p>
-            <a:r>
-              <a:rPr lang="fr-CH" dirty="0"/>
-              <a:t>Pour utilisateur UNI :</a:t>
-            </a:r>
-          </a:p>
-          <a:p>
-            <a:endParaRPr lang="fr-CH" dirty="0"/>
-          </a:p>
-          <a:p>
-            <a:endParaRPr lang="fr-CH" dirty="0"/>
-          </a:p>
-          <a:p>
-            <a:endParaRPr lang="fr-CH" dirty="0"/>
-          </a:p>
-          <a:p>
-            <a:r>
-              <a:rPr lang="fr-CH" dirty="0"/>
-              <a:t>Bénéfice pour les investisseurs</a:t>
-            </a:r>
-          </a:p>
-          <a:p>
-            <a:endParaRPr lang="fr-CH" dirty="0"/>
-          </a:p>
-        </p:txBody>
-      </p:sp>
-      <p:sp>
-        <p:nvSpPr>
-          <p:cNvPr id="4" name="Espace réservé du numéro de diapositive 3">
-            <a:extLst>
-              <a:ext uri="{FF2B5EF4-FFF2-40B4-BE49-F238E27FC236}">
-                <a16:creationId xmlns:a16="http://schemas.microsoft.com/office/drawing/2014/main" id="{96554762-ED2A-43E8-BCFC-53C65A2D35A4}"/>
+          <p:cNvPr id="2" name="Espace réservé du numéro de diapositive 1">
+            <a:extLst>
+              <a:ext uri="{FF2B5EF4-FFF2-40B4-BE49-F238E27FC236}">
+                <a16:creationId xmlns:a16="http://schemas.microsoft.com/office/drawing/2014/main" id="{2A0B17B4-6A8F-423E-848E-31412A1D1AA6}"/>
               </a:ext>
             </a:extLst>
           </p:cNvPr>
@@ -15193,10 +17320,10 @@
       </p:sp>
       <p:pic>
         <p:nvPicPr>
-          <p:cNvPr id="6" name="Image 5">
-            <a:extLst>
-              <a:ext uri="{FF2B5EF4-FFF2-40B4-BE49-F238E27FC236}">
-                <a16:creationId xmlns:a16="http://schemas.microsoft.com/office/drawing/2014/main" id="{7EE061E7-6602-49C9-A276-3FE75C0CCACA}"/>
+          <p:cNvPr id="4" name="Image 3">
+            <a:extLst>
+              <a:ext uri="{FF2B5EF4-FFF2-40B4-BE49-F238E27FC236}">
+                <a16:creationId xmlns:a16="http://schemas.microsoft.com/office/drawing/2014/main" id="{758D9F2E-0712-4CC6-9726-791BD3C6E5C1}"/>
               </a:ext>
             </a:extLst>
           </p:cNvPr>
@@ -15205,169 +17332,21 @@
           </p:cNvPicPr>
           <p:nvPr/>
         </p:nvPicPr>
-        <p:blipFill>
-          <a:blip r:embed="rId3">
+        <p:blipFill rotWithShape="1">
+          <a:blip r:embed="rId2">
             <a:extLst>
               <a:ext uri="{28A0092B-C50C-407E-A947-70E740481C1C}">
                 <a14:useLocalDpi xmlns:a14="http://schemas.microsoft.com/office/drawing/2010/main" val="0"/>
               </a:ext>
             </a:extLst>
           </a:blip>
-          <a:stretch>
-            <a:fillRect/>
-          </a:stretch>
+          <a:srcRect l="6617" r="4283" b="13258"/>
+          <a:stretch/>
         </p:blipFill>
         <p:spPr>
           <a:xfrm>
-            <a:off x="3811627" y="4550618"/>
-            <a:ext cx="1219370" cy="1219370"/>
-          </a:xfrm>
-          <a:prstGeom prst="rect">
-            <a:avLst/>
-          </a:prstGeom>
-        </p:spPr>
-      </p:pic>
-      <p:pic>
-        <p:nvPicPr>
-          <p:cNvPr id="8" name="Image 7">
-            <a:extLst>
-              <a:ext uri="{FF2B5EF4-FFF2-40B4-BE49-F238E27FC236}">
-                <a16:creationId xmlns:a16="http://schemas.microsoft.com/office/drawing/2014/main" id="{1ED37E15-AD7D-4D39-90D2-053C387CA182}"/>
-              </a:ext>
-            </a:extLst>
-          </p:cNvPr>
-          <p:cNvPicPr>
-            <a:picLocks noChangeAspect="1"/>
-          </p:cNvPicPr>
-          <p:nvPr/>
-        </p:nvPicPr>
-        <p:blipFill>
-          <a:blip r:embed="rId4">
-            <a:extLst>
-              <a:ext uri="{28A0092B-C50C-407E-A947-70E740481C1C}">
-                <a14:useLocalDpi xmlns:a14="http://schemas.microsoft.com/office/drawing/2010/main" val="0"/>
-              </a:ext>
-            </a:extLst>
-          </a:blip>
-          <a:stretch>
-            <a:fillRect/>
-          </a:stretch>
-        </p:blipFill>
-        <p:spPr>
-          <a:xfrm>
-            <a:off x="6842504" y="4550618"/>
-            <a:ext cx="1219370" cy="1219370"/>
-          </a:xfrm>
-          <a:prstGeom prst="rect">
-            <a:avLst/>
-          </a:prstGeom>
-        </p:spPr>
-      </p:pic>
-      <p:pic>
-        <p:nvPicPr>
-          <p:cNvPr id="10" name="Graphique 9" descr="Ligne fléchée : droite">
-            <a:extLst>
-              <a:ext uri="{FF2B5EF4-FFF2-40B4-BE49-F238E27FC236}">
-                <a16:creationId xmlns:a16="http://schemas.microsoft.com/office/drawing/2014/main" id="{6E65E1BE-12EF-4DB5-9824-51D11B64D65E}"/>
-              </a:ext>
-            </a:extLst>
-          </p:cNvPr>
-          <p:cNvPicPr>
-            <a:picLocks noChangeAspect="1"/>
-          </p:cNvPicPr>
-          <p:nvPr/>
-        </p:nvPicPr>
-        <p:blipFill>
-          <a:blip r:embed="rId5">
-            <a:extLst>
-              <a:ext uri="{28A0092B-C50C-407E-A947-70E740481C1C}">
-                <a14:useLocalDpi xmlns:a14="http://schemas.microsoft.com/office/drawing/2010/main" val="0"/>
-              </a:ext>
-              <a:ext uri="{96DAC541-7B7A-43D3-8B79-37D633B846F1}">
-                <asvg:svgBlip xmlns:asvg="http://schemas.microsoft.com/office/drawing/2016/SVG/main" r:embed="rId6"/>
-              </a:ext>
-            </a:extLst>
-          </a:blip>
-          <a:stretch>
-            <a:fillRect/>
-          </a:stretch>
-        </p:blipFill>
-        <p:spPr>
-          <a:xfrm rot="10800000">
-            <a:off x="5479550" y="4703103"/>
-            <a:ext cx="914400" cy="914400"/>
-          </a:xfrm>
-          <a:prstGeom prst="rect">
-            <a:avLst/>
-          </a:prstGeom>
-        </p:spPr>
-      </p:pic>
-      <p:pic>
-        <p:nvPicPr>
-          <p:cNvPr id="12" name="Image 11">
-            <a:extLst>
-              <a:ext uri="{FF2B5EF4-FFF2-40B4-BE49-F238E27FC236}">
-                <a16:creationId xmlns:a16="http://schemas.microsoft.com/office/drawing/2014/main" id="{E16DDFE1-1A2D-4DA5-8B4F-5DC63B59235E}"/>
-              </a:ext>
-            </a:extLst>
-          </p:cNvPr>
-          <p:cNvPicPr>
-            <a:picLocks noChangeAspect="1"/>
-          </p:cNvPicPr>
-          <p:nvPr/>
-        </p:nvPicPr>
-        <p:blipFill>
-          <a:blip r:embed="rId7">
-            <a:extLst>
-              <a:ext uri="{28A0092B-C50C-407E-A947-70E740481C1C}">
-                <a14:useLocalDpi xmlns:a14="http://schemas.microsoft.com/office/drawing/2010/main" val="0"/>
-              </a:ext>
-            </a:extLst>
-          </a:blip>
-          <a:stretch>
-            <a:fillRect/>
-          </a:stretch>
-        </p:blipFill>
-        <p:spPr>
-          <a:xfrm>
-            <a:off x="6460814" y="2416546"/>
-            <a:ext cx="1219369" cy="1219369"/>
-          </a:xfrm>
-          <a:prstGeom prst="rect">
-            <a:avLst/>
-          </a:prstGeom>
-        </p:spPr>
-      </p:pic>
-      <p:pic>
-        <p:nvPicPr>
-          <p:cNvPr id="14" name="Image 13">
-            <a:extLst>
-              <a:ext uri="{FF2B5EF4-FFF2-40B4-BE49-F238E27FC236}">
-                <a16:creationId xmlns:a16="http://schemas.microsoft.com/office/drawing/2014/main" id="{92917438-7CE0-47EE-A6BB-CD6C510AEEE7}"/>
-              </a:ext>
-            </a:extLst>
-          </p:cNvPr>
-          <p:cNvPicPr>
-            <a:picLocks noChangeAspect="1"/>
-          </p:cNvPicPr>
-          <p:nvPr/>
-        </p:nvPicPr>
-        <p:blipFill>
-          <a:blip r:embed="rId8">
-            <a:extLst>
-              <a:ext uri="{28A0092B-C50C-407E-A947-70E740481C1C}">
-                <a14:useLocalDpi xmlns:a14="http://schemas.microsoft.com/office/drawing/2010/main" val="0"/>
-              </a:ext>
-            </a:extLst>
-          </a:blip>
-          <a:stretch>
-            <a:fillRect/>
-          </a:stretch>
-        </p:blipFill>
-        <p:spPr>
-          <a:xfrm>
-            <a:off x="4092539" y="2358265"/>
-            <a:ext cx="1219368" cy="1219368"/>
+            <a:off x="1673987" y="-40303"/>
+            <a:ext cx="8844026" cy="6938606"/>
           </a:xfrm>
           <a:prstGeom prst="rect">
             <a:avLst/>
@@ -15377,7 +17356,7 @@
     </p:spTree>
     <p:extLst>
       <p:ext uri="{BB962C8B-B14F-4D97-AF65-F5344CB8AC3E}">
-        <p14:creationId xmlns:p14="http://schemas.microsoft.com/office/powerpoint/2010/main" val="2539571882"/>
+        <p14:creationId xmlns:p14="http://schemas.microsoft.com/office/powerpoint/2010/main" val="3294252693"/>
       </p:ext>
     </p:extLst>
   </p:cSld>
@@ -15404,12 +17383,46 @@
           <a:chExt cx="0" cy="0"/>
         </a:xfrm>
       </p:grpSpPr>
+      <p:pic>
+        <p:nvPicPr>
+          <p:cNvPr id="6" name="Espace réservé du contenu 5">
+            <a:extLst>
+              <a:ext uri="{FF2B5EF4-FFF2-40B4-BE49-F238E27FC236}">
+                <a16:creationId xmlns:a16="http://schemas.microsoft.com/office/drawing/2014/main" id="{0F2DE27F-9500-421A-A610-51B03C6A5C7A}"/>
+              </a:ext>
+            </a:extLst>
+          </p:cNvPr>
+          <p:cNvPicPr>
+            <a:picLocks noGrp="1" noChangeAspect="1"/>
+          </p:cNvPicPr>
+          <p:nvPr>
+            <p:ph idx="1"/>
+          </p:nvPr>
+        </p:nvPicPr>
+        <p:blipFill rotWithShape="1">
+          <a:blip r:embed="rId2">
+            <a:extLst>
+              <a:ext uri="{28A0092B-C50C-407E-A947-70E740481C1C}">
+                <a14:useLocalDpi xmlns:a14="http://schemas.microsoft.com/office/drawing/2010/main" val="0"/>
+              </a:ext>
+            </a:extLst>
+          </a:blip>
+          <a:srcRect l="5216" r="2870" b="9731"/>
+          <a:stretch/>
+        </p:blipFill>
+        <p:spPr>
+          <a:xfrm>
+            <a:off x="1099157" y="-2923"/>
+            <a:ext cx="9993686" cy="6860923"/>
+          </a:xfrm>
+        </p:spPr>
+      </p:pic>
       <p:sp>
         <p:nvSpPr>
-          <p:cNvPr id="4" name="Segnaposto numero diapositiva 3">
-            <a:extLst>
-              <a:ext uri="{FF2B5EF4-FFF2-40B4-BE49-F238E27FC236}">
-                <a16:creationId xmlns:a16="http://schemas.microsoft.com/office/drawing/2014/main" id="{936693EF-6DD3-407A-8B67-4E5A8382C752}"/>
+          <p:cNvPr id="4" name="Espace réservé du numéro de diapositive 3">
+            <a:extLst>
+              <a:ext uri="{FF2B5EF4-FFF2-40B4-BE49-F238E27FC236}">
+                <a16:creationId xmlns:a16="http://schemas.microsoft.com/office/drawing/2014/main" id="{D127FC1D-9609-463C-A632-5CA4BD8EBE0D}"/>
               </a:ext>
             </a:extLst>
           </p:cNvPr>
@@ -15433,572 +17446,10 @@
           </a:p>
         </p:txBody>
       </p:sp>
-      <p:cxnSp>
-        <p:nvCxnSpPr>
-          <p:cNvPr id="12" name="Connettore 2 11">
-            <a:extLst>
-              <a:ext uri="{FF2B5EF4-FFF2-40B4-BE49-F238E27FC236}">
-                <a16:creationId xmlns:a16="http://schemas.microsoft.com/office/drawing/2014/main" id="{757034F0-E8B3-459B-B295-12DBE429C855}"/>
-              </a:ext>
-            </a:extLst>
-          </p:cNvPr>
-          <p:cNvCxnSpPr/>
-          <p:nvPr/>
-        </p:nvCxnSpPr>
-        <p:spPr>
-          <a:xfrm>
-            <a:off x="1774723" y="3993372"/>
-            <a:ext cx="8642554" cy="0"/>
-          </a:xfrm>
-          <a:prstGeom prst="straightConnector1">
-            <a:avLst/>
-          </a:prstGeom>
-          <a:ln>
-            <a:headEnd type="triangle"/>
-            <a:tailEnd type="triangle"/>
-          </a:ln>
-        </p:spPr>
-        <p:style>
-          <a:lnRef idx="1">
-            <a:schemeClr val="accent1"/>
-          </a:lnRef>
-          <a:fillRef idx="0">
-            <a:schemeClr val="accent1"/>
-          </a:fillRef>
-          <a:effectRef idx="0">
-            <a:schemeClr val="accent1"/>
-          </a:effectRef>
-          <a:fontRef idx="minor">
-            <a:schemeClr val="tx1"/>
-          </a:fontRef>
-        </p:style>
-      </p:cxnSp>
-      <p:cxnSp>
-        <p:nvCxnSpPr>
-          <p:cNvPr id="14" name="Connettore 2 13">
-            <a:extLst>
-              <a:ext uri="{FF2B5EF4-FFF2-40B4-BE49-F238E27FC236}">
-                <a16:creationId xmlns:a16="http://schemas.microsoft.com/office/drawing/2014/main" id="{56C7C0BC-26F6-4C4D-BB9B-3FFB72E2739F}"/>
-              </a:ext>
-            </a:extLst>
-          </p:cNvPr>
-          <p:cNvCxnSpPr>
-            <a:cxnSpLocks/>
-          </p:cNvCxnSpPr>
-          <p:nvPr/>
-        </p:nvCxnSpPr>
-        <p:spPr>
-          <a:xfrm>
-            <a:off x="6096000" y="1373075"/>
-            <a:ext cx="0" cy="5240594"/>
-          </a:xfrm>
-          <a:prstGeom prst="straightConnector1">
-            <a:avLst/>
-          </a:prstGeom>
-          <a:ln>
-            <a:headEnd type="triangle"/>
-            <a:tailEnd type="triangle"/>
-          </a:ln>
-        </p:spPr>
-        <p:style>
-          <a:lnRef idx="1">
-            <a:schemeClr val="accent1"/>
-          </a:lnRef>
-          <a:fillRef idx="0">
-            <a:schemeClr val="accent1"/>
-          </a:fillRef>
-          <a:effectRef idx="0">
-            <a:schemeClr val="accent1"/>
-          </a:effectRef>
-          <a:fontRef idx="minor">
-            <a:schemeClr val="tx1"/>
-          </a:fontRef>
-        </p:style>
-      </p:cxnSp>
-      <p:sp>
-        <p:nvSpPr>
-          <p:cNvPr id="17" name="CasellaDiTesto 16">
-            <a:extLst>
-              <a:ext uri="{FF2B5EF4-FFF2-40B4-BE49-F238E27FC236}">
-                <a16:creationId xmlns:a16="http://schemas.microsoft.com/office/drawing/2014/main" id="{351659DC-3DAE-443E-A65C-F1240A57BD24}"/>
-              </a:ext>
-            </a:extLst>
-          </p:cNvPr>
-          <p:cNvSpPr txBox="1"/>
-          <p:nvPr/>
-        </p:nvSpPr>
-        <p:spPr>
-          <a:xfrm>
-            <a:off x="8724286" y="3993372"/>
-            <a:ext cx="1110304" cy="276999"/>
-          </a:xfrm>
-          <a:prstGeom prst="rect">
-            <a:avLst/>
-          </a:prstGeom>
-          <a:noFill/>
-        </p:spPr>
-        <p:txBody>
-          <a:bodyPr wrap="none" rtlCol="0">
-            <a:spAutoFit/>
-          </a:bodyPr>
-          <a:lstStyle/>
-          <a:p>
-            <a:r>
-              <a:rPr lang="it-IT" sz="1200" dirty="0"/>
-              <a:t>Facile à </a:t>
-            </a:r>
-            <a:r>
-              <a:rPr lang="it-IT" sz="1200" dirty="0" err="1"/>
-              <a:t>utiliser</a:t>
-            </a:r>
-            <a:endParaRPr lang="it-IT" sz="1200" dirty="0"/>
-          </a:p>
-        </p:txBody>
-      </p:sp>
-      <p:sp>
-        <p:nvSpPr>
-          <p:cNvPr id="18" name="CasellaDiTesto 17">
-            <a:extLst>
-              <a:ext uri="{FF2B5EF4-FFF2-40B4-BE49-F238E27FC236}">
-                <a16:creationId xmlns:a16="http://schemas.microsoft.com/office/drawing/2014/main" id="{5F8B6024-8BA5-4C76-A585-E45F3CF1516C}"/>
-              </a:ext>
-            </a:extLst>
-          </p:cNvPr>
-          <p:cNvSpPr txBox="1"/>
-          <p:nvPr/>
-        </p:nvSpPr>
-        <p:spPr>
-          <a:xfrm>
-            <a:off x="1867148" y="3993372"/>
-            <a:ext cx="2456442" cy="276999"/>
-          </a:xfrm>
-          <a:prstGeom prst="rect">
-            <a:avLst/>
-          </a:prstGeom>
-          <a:noFill/>
-        </p:spPr>
-        <p:txBody>
-          <a:bodyPr wrap="none" rtlCol="0">
-            <a:spAutoFit/>
-          </a:bodyPr>
-          <a:lstStyle/>
-          <a:p>
-            <a:r>
-              <a:rPr lang="it-IT" sz="1200" dirty="0" err="1"/>
-              <a:t>Complexe</a:t>
-            </a:r>
-            <a:r>
-              <a:rPr lang="it-IT" sz="1200" dirty="0"/>
-              <a:t> à </a:t>
-            </a:r>
-            <a:r>
-              <a:rPr lang="it-IT" sz="1200" dirty="0" err="1"/>
-              <a:t>utiliser</a:t>
-            </a:r>
-            <a:r>
-              <a:rPr lang="it-IT" sz="1200" dirty="0"/>
-              <a:t> </a:t>
-            </a:r>
-            <a:r>
-              <a:rPr lang="it-IT" sz="1200" dirty="0" err="1"/>
-              <a:t>ou</a:t>
-            </a:r>
-            <a:r>
-              <a:rPr lang="it-IT" sz="1200" dirty="0"/>
-              <a:t> </a:t>
-            </a:r>
-            <a:r>
-              <a:rPr lang="it-IT" sz="1200" dirty="0" err="1"/>
-              <a:t>peut</a:t>
-            </a:r>
-            <a:r>
-              <a:rPr lang="it-IT" sz="1200" dirty="0"/>
-              <a:t> </a:t>
-            </a:r>
-            <a:r>
-              <a:rPr lang="it-IT" sz="1200" dirty="0" err="1"/>
-              <a:t>pratique</a:t>
-            </a:r>
-            <a:endParaRPr lang="it-IT" sz="1200" dirty="0"/>
-          </a:p>
-        </p:txBody>
-      </p:sp>
-      <p:sp>
-        <p:nvSpPr>
-          <p:cNvPr id="19" name="CasellaDiTesto 18">
-            <a:extLst>
-              <a:ext uri="{FF2B5EF4-FFF2-40B4-BE49-F238E27FC236}">
-                <a16:creationId xmlns:a16="http://schemas.microsoft.com/office/drawing/2014/main" id="{E944816C-3CDF-4715-BD38-5A638E6F13A5}"/>
-              </a:ext>
-            </a:extLst>
-          </p:cNvPr>
-          <p:cNvSpPr txBox="1"/>
-          <p:nvPr/>
-        </p:nvSpPr>
-        <p:spPr>
-          <a:xfrm rot="16200000">
-            <a:off x="5241858" y="1940247"/>
-            <a:ext cx="1400512" cy="276999"/>
-          </a:xfrm>
-          <a:prstGeom prst="rect">
-            <a:avLst/>
-          </a:prstGeom>
-          <a:noFill/>
-        </p:spPr>
-        <p:txBody>
-          <a:bodyPr wrap="none" rtlCol="0">
-            <a:spAutoFit/>
-          </a:bodyPr>
-          <a:lstStyle/>
-          <a:p>
-            <a:r>
-              <a:rPr lang="it-IT" sz="1200" dirty="0" err="1"/>
-              <a:t>Objets</a:t>
-            </a:r>
-            <a:r>
-              <a:rPr lang="it-IT" sz="1200" dirty="0"/>
-              <a:t> </a:t>
-            </a:r>
-            <a:r>
-              <a:rPr lang="it-IT" sz="1200" dirty="0" err="1"/>
-              <a:t>universitaire</a:t>
-            </a:r>
-            <a:endParaRPr lang="it-IT" sz="1200" dirty="0"/>
-          </a:p>
-        </p:txBody>
-      </p:sp>
-      <p:sp>
-        <p:nvSpPr>
-          <p:cNvPr id="20" name="CasellaDiTesto 19">
-            <a:extLst>
-              <a:ext uri="{FF2B5EF4-FFF2-40B4-BE49-F238E27FC236}">
-                <a16:creationId xmlns:a16="http://schemas.microsoft.com/office/drawing/2014/main" id="{24B9B4E7-D69C-43BB-B625-5EE0EB61465F}"/>
-              </a:ext>
-            </a:extLst>
-          </p:cNvPr>
-          <p:cNvSpPr txBox="1"/>
-          <p:nvPr/>
-        </p:nvSpPr>
-        <p:spPr>
-          <a:xfrm rot="16200000">
-            <a:off x="5250097" y="5783153"/>
-            <a:ext cx="1384033" cy="276999"/>
-          </a:xfrm>
-          <a:prstGeom prst="rect">
-            <a:avLst/>
-          </a:prstGeom>
-          <a:noFill/>
-        </p:spPr>
-        <p:txBody>
-          <a:bodyPr wrap="none" rtlCol="0">
-            <a:spAutoFit/>
-          </a:bodyPr>
-          <a:lstStyle/>
-          <a:p>
-            <a:r>
-              <a:rPr lang="it-IT" sz="1200" dirty="0" err="1"/>
-              <a:t>Catalogue</a:t>
-            </a:r>
-            <a:r>
-              <a:rPr lang="it-IT" sz="1200" dirty="0"/>
-              <a:t> generale</a:t>
-            </a:r>
-          </a:p>
-        </p:txBody>
-      </p:sp>
-      <p:pic>
-        <p:nvPicPr>
-          <p:cNvPr id="21" name="Image 4">
-            <a:extLst>
-              <a:ext uri="{FF2B5EF4-FFF2-40B4-BE49-F238E27FC236}">
-                <a16:creationId xmlns:a16="http://schemas.microsoft.com/office/drawing/2014/main" id="{308741AF-E0EE-4F77-9CE0-147310F00740}"/>
-              </a:ext>
-            </a:extLst>
-          </p:cNvPr>
-          <p:cNvPicPr>
-            <a:picLocks noChangeAspect="1"/>
-          </p:cNvPicPr>
-          <p:nvPr/>
-        </p:nvPicPr>
-        <p:blipFill>
-          <a:blip r:embed="rId2">
-            <a:extLst>
-              <a:ext uri="{28A0092B-C50C-407E-A947-70E740481C1C}">
-                <a14:useLocalDpi xmlns:a14="http://schemas.microsoft.com/office/drawing/2010/main" val="0"/>
-              </a:ext>
-            </a:extLst>
-          </a:blip>
-          <a:stretch>
-            <a:fillRect/>
-          </a:stretch>
-        </p:blipFill>
-        <p:spPr>
-          <a:xfrm>
-            <a:off x="9279438" y="1437102"/>
-            <a:ext cx="1052212" cy="799681"/>
-          </a:xfrm>
-          <a:prstGeom prst="rect">
-            <a:avLst/>
-          </a:prstGeom>
-        </p:spPr>
-      </p:pic>
-      <p:pic>
-        <p:nvPicPr>
-          <p:cNvPr id="23" name="Immagine 22">
-            <a:extLst>
-              <a:ext uri="{FF2B5EF4-FFF2-40B4-BE49-F238E27FC236}">
-                <a16:creationId xmlns:a16="http://schemas.microsoft.com/office/drawing/2014/main" id="{33B8B47F-7618-452C-837B-11B7007B63CE}"/>
-              </a:ext>
-            </a:extLst>
-          </p:cNvPr>
-          <p:cNvPicPr>
-            <a:picLocks noChangeAspect="1"/>
-          </p:cNvPicPr>
-          <p:nvPr/>
-        </p:nvPicPr>
-        <p:blipFill>
-          <a:blip r:embed="rId3">
-            <a:extLst>
-              <a:ext uri="{28A0092B-C50C-407E-A947-70E740481C1C}">
-                <a14:useLocalDpi xmlns:a14="http://schemas.microsoft.com/office/drawing/2010/main" val="0"/>
-              </a:ext>
-            </a:extLst>
-          </a:blip>
-          <a:stretch>
-            <a:fillRect/>
-          </a:stretch>
-        </p:blipFill>
-        <p:spPr>
-          <a:xfrm>
-            <a:off x="8186688" y="4456670"/>
-            <a:ext cx="1374160" cy="772965"/>
-          </a:xfrm>
-          <a:prstGeom prst="rect">
-            <a:avLst/>
-          </a:prstGeom>
-        </p:spPr>
-      </p:pic>
-      <p:pic>
-        <p:nvPicPr>
-          <p:cNvPr id="25" name="Immagine 24">
-            <a:extLst>
-              <a:ext uri="{FF2B5EF4-FFF2-40B4-BE49-F238E27FC236}">
-                <a16:creationId xmlns:a16="http://schemas.microsoft.com/office/drawing/2014/main" id="{071786D1-81B3-4CFC-BD3E-ADED18C2E2A9}"/>
-              </a:ext>
-            </a:extLst>
-          </p:cNvPr>
-          <p:cNvPicPr>
-            <a:picLocks noChangeAspect="1"/>
-          </p:cNvPicPr>
-          <p:nvPr/>
-        </p:nvPicPr>
-        <p:blipFill>
-          <a:blip r:embed="rId4">
-            <a:extLst>
-              <a:ext uri="{28A0092B-C50C-407E-A947-70E740481C1C}">
-                <a14:useLocalDpi xmlns:a14="http://schemas.microsoft.com/office/drawing/2010/main" val="0"/>
-              </a:ext>
-            </a:extLst>
-          </a:blip>
-          <a:stretch>
-            <a:fillRect/>
-          </a:stretch>
-        </p:blipFill>
-        <p:spPr>
-          <a:xfrm>
-            <a:off x="4299195" y="4927045"/>
-            <a:ext cx="1496726" cy="613412"/>
-          </a:xfrm>
-          <a:prstGeom prst="rect">
-            <a:avLst/>
-          </a:prstGeom>
-        </p:spPr>
-      </p:pic>
-      <p:pic>
-        <p:nvPicPr>
-          <p:cNvPr id="27" name="Immagine 26">
-            <a:extLst>
-              <a:ext uri="{FF2B5EF4-FFF2-40B4-BE49-F238E27FC236}">
-                <a16:creationId xmlns:a16="http://schemas.microsoft.com/office/drawing/2014/main" id="{03C39603-5DA3-487C-B066-B738A8FBD532}"/>
-              </a:ext>
-            </a:extLst>
-          </p:cNvPr>
-          <p:cNvPicPr>
-            <a:picLocks noChangeAspect="1"/>
-          </p:cNvPicPr>
-          <p:nvPr/>
-        </p:nvPicPr>
-        <p:blipFill>
-          <a:blip r:embed="rId5">
-            <a:extLst>
-              <a:ext uri="{28A0092B-C50C-407E-A947-70E740481C1C}">
-                <a14:useLocalDpi xmlns:a14="http://schemas.microsoft.com/office/drawing/2010/main" val="0"/>
-              </a:ext>
-            </a:extLst>
-          </a:blip>
-          <a:stretch>
-            <a:fillRect/>
-          </a:stretch>
-        </p:blipFill>
-        <p:spPr>
-          <a:xfrm>
-            <a:off x="2470182" y="2354977"/>
-            <a:ext cx="848051" cy="848051"/>
-          </a:xfrm>
-          <a:prstGeom prst="rect">
-            <a:avLst/>
-          </a:prstGeom>
-        </p:spPr>
-      </p:pic>
-      <p:pic>
-        <p:nvPicPr>
-          <p:cNvPr id="32" name="Elemento grafico 31">
-            <a:extLst>
-              <a:ext uri="{FF2B5EF4-FFF2-40B4-BE49-F238E27FC236}">
-                <a16:creationId xmlns:a16="http://schemas.microsoft.com/office/drawing/2014/main" id="{D5E8FE47-2072-4704-8194-8BAC8698077E}"/>
-              </a:ext>
-            </a:extLst>
-          </p:cNvPr>
-          <p:cNvPicPr>
-            <a:picLocks noChangeAspect="1"/>
-          </p:cNvPicPr>
-          <p:nvPr/>
-        </p:nvPicPr>
-        <p:blipFill>
-          <a:blip r:embed="rId6">
-            <a:extLst>
-              <a:ext uri="{28A0092B-C50C-407E-A947-70E740481C1C}">
-                <a14:useLocalDpi xmlns:a14="http://schemas.microsoft.com/office/drawing/2010/main" val="0"/>
-              </a:ext>
-              <a:ext uri="{96DAC541-7B7A-43D3-8B79-37D633B846F1}">
-                <asvg:svgBlip xmlns:asvg="http://schemas.microsoft.com/office/drawing/2016/SVG/main" r:embed="rId7"/>
-              </a:ext>
-            </a:extLst>
-          </a:blip>
-          <a:stretch>
-            <a:fillRect/>
-          </a:stretch>
-        </p:blipFill>
-        <p:spPr>
-          <a:xfrm>
-            <a:off x="6861564" y="5253803"/>
-            <a:ext cx="1178487" cy="1178487"/>
-          </a:xfrm>
-          <a:prstGeom prst="rect">
-            <a:avLst/>
-          </a:prstGeom>
-        </p:spPr>
-      </p:pic>
-      <p:pic>
-        <p:nvPicPr>
-          <p:cNvPr id="34" name="Immagine 33">
-            <a:extLst>
-              <a:ext uri="{FF2B5EF4-FFF2-40B4-BE49-F238E27FC236}">
-                <a16:creationId xmlns:a16="http://schemas.microsoft.com/office/drawing/2014/main" id="{4C193A7B-3B88-4C53-A84B-5644690B1072}"/>
-              </a:ext>
-            </a:extLst>
-          </p:cNvPr>
-          <p:cNvPicPr>
-            <a:picLocks noChangeAspect="1"/>
-          </p:cNvPicPr>
-          <p:nvPr/>
-        </p:nvPicPr>
-        <p:blipFill>
-          <a:blip r:embed="rId8">
-            <a:extLst>
-              <a:ext uri="{28A0092B-C50C-407E-A947-70E740481C1C}">
-                <a14:useLocalDpi xmlns:a14="http://schemas.microsoft.com/office/drawing/2010/main" val="0"/>
-              </a:ext>
-            </a:extLst>
-          </a:blip>
-          <a:stretch>
-            <a:fillRect/>
-          </a:stretch>
-        </p:blipFill>
-        <p:spPr>
-          <a:xfrm>
-            <a:off x="3836557" y="5863830"/>
-            <a:ext cx="1460348" cy="272936"/>
-          </a:xfrm>
-          <a:prstGeom prst="rect">
-            <a:avLst/>
-          </a:prstGeom>
-        </p:spPr>
-      </p:pic>
-      <p:sp>
-        <p:nvSpPr>
-          <p:cNvPr id="35" name="CasellaDiTesto 34">
-            <a:extLst>
-              <a:ext uri="{FF2B5EF4-FFF2-40B4-BE49-F238E27FC236}">
-                <a16:creationId xmlns:a16="http://schemas.microsoft.com/office/drawing/2014/main" id="{9607CA5D-8781-4FB9-8FE9-8E9A321B6398}"/>
-              </a:ext>
-            </a:extLst>
-          </p:cNvPr>
-          <p:cNvSpPr txBox="1"/>
-          <p:nvPr/>
-        </p:nvSpPr>
-        <p:spPr>
-          <a:xfrm>
-            <a:off x="678457" y="425710"/>
-            <a:ext cx="7776547" cy="769441"/>
-          </a:xfrm>
-          <a:prstGeom prst="rect">
-            <a:avLst/>
-          </a:prstGeom>
-          <a:noFill/>
-        </p:spPr>
-        <p:txBody>
-          <a:bodyPr wrap="square" rtlCol="0">
-            <a:spAutoFit/>
-          </a:bodyPr>
-          <a:lstStyle/>
-          <a:p>
-            <a:r>
-              <a:rPr lang="it-IT" sz="4400" dirty="0">
-                <a:latin typeface="+mj-lt"/>
-              </a:rPr>
-              <a:t>Une idee </a:t>
-            </a:r>
-            <a:r>
-              <a:rPr lang="it-IT" sz="4400" dirty="0" err="1">
-                <a:latin typeface="+mj-lt"/>
-              </a:rPr>
-              <a:t>loins</a:t>
-            </a:r>
-            <a:r>
-              <a:rPr lang="it-IT" sz="4400" dirty="0">
-                <a:latin typeface="+mj-lt"/>
-              </a:rPr>
-              <a:t> </a:t>
-            </a:r>
-            <a:r>
-              <a:rPr lang="it-IT" sz="4400" dirty="0" err="1">
-                <a:latin typeface="+mj-lt"/>
-              </a:rPr>
-              <a:t>des</a:t>
-            </a:r>
-            <a:r>
-              <a:rPr lang="it-IT" sz="4400" dirty="0">
-                <a:latin typeface="+mj-lt"/>
-              </a:rPr>
-              <a:t> </a:t>
-            </a:r>
-            <a:r>
-              <a:rPr lang="it-IT" sz="4400" dirty="0" err="1">
-                <a:latin typeface="+mj-lt"/>
-              </a:rPr>
-              <a:t>concurrent</a:t>
-            </a:r>
-            <a:endParaRPr lang="it-IT" sz="4400" dirty="0">
-              <a:latin typeface="+mj-lt"/>
-            </a:endParaRPr>
-          </a:p>
-        </p:txBody>
-      </p:sp>
     </p:spTree>
     <p:extLst>
       <p:ext uri="{BB962C8B-B14F-4D97-AF65-F5344CB8AC3E}">
-        <p14:creationId xmlns:p14="http://schemas.microsoft.com/office/powerpoint/2010/main" val="3851001903"/>
+        <p14:creationId xmlns:p14="http://schemas.microsoft.com/office/powerpoint/2010/main" val="3663794479"/>
       </p:ext>
     </p:extLst>
   </p:cSld>
@@ -16011,14 +17462,6 @@
 <file path=ppt/slides/slide8.xml><?xml version="1.0" encoding="utf-8"?>
 <p:sld xmlns:a="http://schemas.openxmlformats.org/drawingml/2006/main" xmlns:r="http://schemas.openxmlformats.org/officeDocument/2006/relationships" xmlns:p="http://schemas.openxmlformats.org/presentationml/2006/main">
   <p:cSld>
-    <p:bg>
-      <p:bgPr>
-        <a:solidFill>
-          <a:schemeClr val="bg1"/>
-        </a:solidFill>
-        <a:effectLst/>
-      </p:bgPr>
-    </p:bg>
     <p:spTree>
       <p:nvGrpSpPr>
         <p:cNvPr id="1" name=""/>
@@ -16038,7 +17481,7 @@
           <p:cNvPr id="2" name="Titre 1">
             <a:extLst>
               <a:ext uri="{FF2B5EF4-FFF2-40B4-BE49-F238E27FC236}">
-                <a16:creationId xmlns:a16="http://schemas.microsoft.com/office/drawing/2014/main" id="{53E4F497-B343-43D4-9C97-E0449A73C7A9}"/>
+                <a16:creationId xmlns:a16="http://schemas.microsoft.com/office/drawing/2014/main" id="{DFA43461-A8B7-4DF3-A6FA-B82F47765229}"/>
               </a:ext>
             </a:extLst>
           </p:cNvPr>
@@ -16054,19 +17497,51 @@
           <a:bodyPr/>
           <a:lstStyle/>
           <a:p>
-            <a:r>
-              <a:rPr lang="fr-CH" dirty="0"/>
-              <a:t>Risque</a:t>
-            </a:r>
+            <a:endParaRPr lang="fr-CH"/>
           </a:p>
         </p:txBody>
       </p:sp>
+      <p:pic>
+        <p:nvPicPr>
+          <p:cNvPr id="6" name="Espace réservé du contenu 5">
+            <a:extLst>
+              <a:ext uri="{FF2B5EF4-FFF2-40B4-BE49-F238E27FC236}">
+                <a16:creationId xmlns:a16="http://schemas.microsoft.com/office/drawing/2014/main" id="{2FFC4313-BF71-41A1-9597-F9A07C50D0B6}"/>
+              </a:ext>
+            </a:extLst>
+          </p:cNvPr>
+          <p:cNvPicPr>
+            <a:picLocks noGrp="1" noChangeAspect="1"/>
+          </p:cNvPicPr>
+          <p:nvPr>
+            <p:ph idx="1"/>
+          </p:nvPr>
+        </p:nvPicPr>
+        <p:blipFill>
+          <a:blip r:embed="rId2">
+            <a:extLst>
+              <a:ext uri="{28A0092B-C50C-407E-A947-70E740481C1C}">
+                <a14:useLocalDpi xmlns:a14="http://schemas.microsoft.com/office/drawing/2010/main" val="0"/>
+              </a:ext>
+            </a:extLst>
+          </a:blip>
+          <a:stretch>
+            <a:fillRect/>
+          </a:stretch>
+        </p:blipFill>
+        <p:spPr>
+          <a:xfrm>
+            <a:off x="3114130" y="1825625"/>
+            <a:ext cx="5963740" cy="4351338"/>
+          </a:xfrm>
+        </p:spPr>
+      </p:pic>
       <p:sp>
         <p:nvSpPr>
           <p:cNvPr id="4" name="Espace réservé du numéro de diapositive 3">
             <a:extLst>
               <a:ext uri="{FF2B5EF4-FFF2-40B4-BE49-F238E27FC236}">
-                <a16:creationId xmlns:a16="http://schemas.microsoft.com/office/drawing/2014/main" id="{526D10FD-5C29-49A7-825C-30CB75C8689F}"/>
+                <a16:creationId xmlns:a16="http://schemas.microsoft.com/office/drawing/2014/main" id="{F405DF80-9A19-4A12-AEE9-C286AB0BF29C}"/>
               </a:ext>
             </a:extLst>
           </p:cNvPr>
@@ -16090,334 +17565,10 @@
           </a:p>
         </p:txBody>
       </p:sp>
-      <p:sp>
-        <p:nvSpPr>
-          <p:cNvPr id="7" name="ZoneTexte 8">
-            <a:extLst>
-              <a:ext uri="{FF2B5EF4-FFF2-40B4-BE49-F238E27FC236}">
-                <a16:creationId xmlns:a16="http://schemas.microsoft.com/office/drawing/2014/main" id="{D188B1DA-687D-477C-96C0-3A3FBFD34665}"/>
-              </a:ext>
-            </a:extLst>
-          </p:cNvPr>
-          <p:cNvSpPr txBox="1"/>
-          <p:nvPr/>
-        </p:nvSpPr>
-        <p:spPr>
-          <a:xfrm>
-            <a:off x="3272382" y="1985771"/>
-            <a:ext cx="2715423" cy="400110"/>
-          </a:xfrm>
-          <a:prstGeom prst="rect">
-            <a:avLst/>
-          </a:prstGeom>
-          <a:noFill/>
-        </p:spPr>
-        <p:txBody>
-          <a:bodyPr wrap="none" rtlCol="0">
-            <a:spAutoFit/>
-          </a:bodyPr>
-          <a:lstStyle/>
-          <a:p>
-            <a:r>
-              <a:rPr lang="fr-CH" sz="2000" dirty="0"/>
-              <a:t>Perte d’un collaborateur</a:t>
-            </a:r>
-          </a:p>
-        </p:txBody>
-      </p:sp>
-      <p:sp>
-        <p:nvSpPr>
-          <p:cNvPr id="8" name="ZoneTexte 11">
-            <a:extLst>
-              <a:ext uri="{FF2B5EF4-FFF2-40B4-BE49-F238E27FC236}">
-                <a16:creationId xmlns:a16="http://schemas.microsoft.com/office/drawing/2014/main" id="{A532EE89-5C28-4A40-8418-73C784ADDA7F}"/>
-              </a:ext>
-            </a:extLst>
-          </p:cNvPr>
-          <p:cNvSpPr txBox="1"/>
-          <p:nvPr/>
-        </p:nvSpPr>
-        <p:spPr>
-          <a:xfrm>
-            <a:off x="3272383" y="3595330"/>
-            <a:ext cx="2829108" cy="400110"/>
-          </a:xfrm>
-          <a:prstGeom prst="rect">
-            <a:avLst/>
-          </a:prstGeom>
-          <a:noFill/>
-        </p:spPr>
-        <p:txBody>
-          <a:bodyPr wrap="none" rtlCol="0">
-            <a:spAutoFit/>
-          </a:bodyPr>
-          <a:lstStyle/>
-          <a:p>
-            <a:r>
-              <a:rPr lang="fr-CH" sz="2000" dirty="0"/>
-              <a:t>Manque de connaissance</a:t>
-            </a:r>
-          </a:p>
-        </p:txBody>
-      </p:sp>
-      <p:sp>
-        <p:nvSpPr>
-          <p:cNvPr id="9" name="ZoneTexte 12">
-            <a:extLst>
-              <a:ext uri="{FF2B5EF4-FFF2-40B4-BE49-F238E27FC236}">
-                <a16:creationId xmlns:a16="http://schemas.microsoft.com/office/drawing/2014/main" id="{954EC3BB-03FF-4DBD-A5AF-2FEAB1277C8D}"/>
-              </a:ext>
-            </a:extLst>
-          </p:cNvPr>
-          <p:cNvSpPr txBox="1"/>
-          <p:nvPr/>
-        </p:nvSpPr>
-        <p:spPr>
-          <a:xfrm>
-            <a:off x="3272383" y="5346186"/>
-            <a:ext cx="2900346" cy="400110"/>
-          </a:xfrm>
-          <a:prstGeom prst="rect">
-            <a:avLst/>
-          </a:prstGeom>
-          <a:noFill/>
-        </p:spPr>
-        <p:txBody>
-          <a:bodyPr wrap="none" rtlCol="0">
-            <a:spAutoFit/>
-          </a:bodyPr>
-          <a:lstStyle/>
-          <a:p>
-            <a:r>
-              <a:rPr lang="fr-CH" sz="2000" dirty="0"/>
-              <a:t>Management d’un groupe</a:t>
-            </a:r>
-          </a:p>
-        </p:txBody>
-      </p:sp>
-      <p:pic>
-        <p:nvPicPr>
-          <p:cNvPr id="10" name="Image 14">
-            <a:extLst>
-              <a:ext uri="{FF2B5EF4-FFF2-40B4-BE49-F238E27FC236}">
-                <a16:creationId xmlns:a16="http://schemas.microsoft.com/office/drawing/2014/main" id="{342C8D0D-D2F1-4571-B4A3-B68D64FA9413}"/>
-              </a:ext>
-            </a:extLst>
-          </p:cNvPr>
-          <p:cNvPicPr>
-            <a:picLocks noChangeAspect="1"/>
-          </p:cNvPicPr>
-          <p:nvPr/>
-        </p:nvPicPr>
-        <p:blipFill>
-          <a:blip r:embed="rId2">
-            <a:extLst>
-              <a:ext uri="{28A0092B-C50C-407E-A947-70E740481C1C}">
-                <a14:useLocalDpi xmlns:a14="http://schemas.microsoft.com/office/drawing/2010/main" val="0"/>
-              </a:ext>
-            </a:extLst>
-          </a:blip>
-          <a:stretch>
-            <a:fillRect/>
-          </a:stretch>
-        </p:blipFill>
-        <p:spPr>
-          <a:xfrm>
-            <a:off x="1702086" y="4811591"/>
-            <a:ext cx="1193577" cy="1193577"/>
-          </a:xfrm>
-          <a:prstGeom prst="rect">
-            <a:avLst/>
-          </a:prstGeom>
-        </p:spPr>
-      </p:pic>
-      <p:pic>
-        <p:nvPicPr>
-          <p:cNvPr id="11" name="Image 16">
-            <a:extLst>
-              <a:ext uri="{FF2B5EF4-FFF2-40B4-BE49-F238E27FC236}">
-                <a16:creationId xmlns:a16="http://schemas.microsoft.com/office/drawing/2014/main" id="{73D75758-8FD8-4CA2-8131-7B60D000A5D0}"/>
-              </a:ext>
-            </a:extLst>
-          </p:cNvPr>
-          <p:cNvPicPr>
-            <a:picLocks noChangeAspect="1"/>
-          </p:cNvPicPr>
-          <p:nvPr/>
-        </p:nvPicPr>
-        <p:blipFill>
-          <a:blip r:embed="rId3">
-            <a:extLst>
-              <a:ext uri="{28A0092B-C50C-407E-A947-70E740481C1C}">
-                <a14:useLocalDpi xmlns:a14="http://schemas.microsoft.com/office/drawing/2010/main" val="0"/>
-              </a:ext>
-            </a:extLst>
-          </a:blip>
-          <a:stretch>
-            <a:fillRect/>
-          </a:stretch>
-        </p:blipFill>
-        <p:spPr>
-          <a:xfrm>
-            <a:off x="1702085" y="3183207"/>
-            <a:ext cx="1193578" cy="1193578"/>
-          </a:xfrm>
-          <a:prstGeom prst="rect">
-            <a:avLst/>
-          </a:prstGeom>
-        </p:spPr>
-      </p:pic>
-      <p:pic>
-        <p:nvPicPr>
-          <p:cNvPr id="12" name="Image 17">
-            <a:extLst>
-              <a:ext uri="{FF2B5EF4-FFF2-40B4-BE49-F238E27FC236}">
-                <a16:creationId xmlns:a16="http://schemas.microsoft.com/office/drawing/2014/main" id="{D58F616E-BBB6-4B71-89F7-11054526B275}"/>
-              </a:ext>
-            </a:extLst>
-          </p:cNvPr>
-          <p:cNvPicPr>
-            <a:picLocks noChangeAspect="1"/>
-          </p:cNvPicPr>
-          <p:nvPr/>
-        </p:nvPicPr>
-        <p:blipFill>
-          <a:blip r:embed="rId4">
-            <a:extLst>
-              <a:ext uri="{28A0092B-C50C-407E-A947-70E740481C1C}">
-                <a14:useLocalDpi xmlns:a14="http://schemas.microsoft.com/office/drawing/2010/main" val="0"/>
-              </a:ext>
-            </a:extLst>
-          </a:blip>
-          <a:stretch>
-            <a:fillRect/>
-          </a:stretch>
-        </p:blipFill>
-        <p:spPr>
-          <a:xfrm>
-            <a:off x="1883480" y="1690688"/>
-            <a:ext cx="830788" cy="830788"/>
-          </a:xfrm>
-          <a:prstGeom prst="rect">
-            <a:avLst/>
-          </a:prstGeom>
-        </p:spPr>
-      </p:pic>
-      <p:pic>
-        <p:nvPicPr>
-          <p:cNvPr id="13" name="Image 19">
-            <a:extLst>
-              <a:ext uri="{FF2B5EF4-FFF2-40B4-BE49-F238E27FC236}">
-                <a16:creationId xmlns:a16="http://schemas.microsoft.com/office/drawing/2014/main" id="{FC22BA37-2C3A-4815-8548-A4FD57A3F749}"/>
-              </a:ext>
-            </a:extLst>
-          </p:cNvPr>
-          <p:cNvPicPr>
-            <a:picLocks noChangeAspect="1"/>
-          </p:cNvPicPr>
-          <p:nvPr/>
-        </p:nvPicPr>
-        <p:blipFill>
-          <a:blip r:embed="rId4">
-            <a:extLst>
-              <a:ext uri="{28A0092B-C50C-407E-A947-70E740481C1C}">
-                <a14:useLocalDpi xmlns:a14="http://schemas.microsoft.com/office/drawing/2010/main" val="0"/>
-              </a:ext>
-            </a:extLst>
-          </a:blip>
-          <a:stretch>
-            <a:fillRect/>
-          </a:stretch>
-        </p:blipFill>
-        <p:spPr>
-          <a:xfrm>
-            <a:off x="2480269" y="1677287"/>
-            <a:ext cx="830788" cy="830788"/>
-          </a:xfrm>
-          <a:prstGeom prst="rect">
-            <a:avLst/>
-          </a:prstGeom>
-        </p:spPr>
-      </p:pic>
-      <p:pic>
-        <p:nvPicPr>
-          <p:cNvPr id="14" name="Image 20">
-            <a:extLst>
-              <a:ext uri="{FF2B5EF4-FFF2-40B4-BE49-F238E27FC236}">
-                <a16:creationId xmlns:a16="http://schemas.microsoft.com/office/drawing/2014/main" id="{B89C866B-B831-44AB-BB3E-5EE20B6713EB}"/>
-              </a:ext>
-            </a:extLst>
-          </p:cNvPr>
-          <p:cNvPicPr>
-            <a:picLocks noChangeAspect="1"/>
-          </p:cNvPicPr>
-          <p:nvPr/>
-        </p:nvPicPr>
-        <p:blipFill>
-          <a:blip r:embed="rId4">
-            <a:extLst>
-              <a:ext uri="{28A0092B-C50C-407E-A947-70E740481C1C}">
-                <a14:useLocalDpi xmlns:a14="http://schemas.microsoft.com/office/drawing/2010/main" val="0"/>
-              </a:ext>
-            </a:extLst>
-          </a:blip>
-          <a:stretch>
-            <a:fillRect/>
-          </a:stretch>
-        </p:blipFill>
-        <p:spPr>
-          <a:xfrm>
-            <a:off x="1286691" y="1671831"/>
-            <a:ext cx="830788" cy="830788"/>
-          </a:xfrm>
-          <a:prstGeom prst="rect">
-            <a:avLst/>
-          </a:prstGeom>
-        </p:spPr>
-      </p:pic>
-      <p:pic>
-        <p:nvPicPr>
-          <p:cNvPr id="15" name="Graphique 7" descr="Fermer">
-            <a:extLst>
-              <a:ext uri="{FF2B5EF4-FFF2-40B4-BE49-F238E27FC236}">
-                <a16:creationId xmlns:a16="http://schemas.microsoft.com/office/drawing/2014/main" id="{A6EDA93D-E506-484A-BC5E-C82680EC7154}"/>
-              </a:ext>
-            </a:extLst>
-          </p:cNvPr>
-          <p:cNvPicPr>
-            <a:picLocks noChangeAspect="1"/>
-          </p:cNvPicPr>
-          <p:nvPr/>
-        </p:nvPicPr>
-        <p:blipFill>
-          <a:blip r:embed="rId5">
-            <a:extLst>
-              <a:ext uri="{28A0092B-C50C-407E-A947-70E740481C1C}">
-                <a14:useLocalDpi xmlns:a14="http://schemas.microsoft.com/office/drawing/2010/main" val="0"/>
-              </a:ext>
-              <a:ext uri="{96DAC541-7B7A-43D3-8B79-37D633B846F1}">
-                <asvg:svgBlip xmlns:asvg="http://schemas.microsoft.com/office/drawing/2016/SVG/main" r:embed="rId6"/>
-              </a:ext>
-            </a:extLst>
-          </a:blip>
-          <a:stretch>
-            <a:fillRect/>
-          </a:stretch>
-        </p:blipFill>
-        <p:spPr>
-          <a:xfrm>
-            <a:off x="1990354" y="1898981"/>
-            <a:ext cx="617039" cy="617039"/>
-          </a:xfrm>
-          <a:prstGeom prst="rect">
-            <a:avLst/>
-          </a:prstGeom>
-        </p:spPr>
-      </p:pic>
     </p:spTree>
     <p:extLst>
       <p:ext uri="{BB962C8B-B14F-4D97-AF65-F5344CB8AC3E}">
-        <p14:creationId xmlns:p14="http://schemas.microsoft.com/office/powerpoint/2010/main" val="2004398446"/>
+        <p14:creationId xmlns:p14="http://schemas.microsoft.com/office/powerpoint/2010/main" val="3570724770"/>
       </p:ext>
     </p:extLst>
   </p:cSld>
@@ -16430,14 +17581,6 @@
 <file path=ppt/slides/slide9.xml><?xml version="1.0" encoding="utf-8"?>
 <p:sld xmlns:a="http://schemas.openxmlformats.org/drawingml/2006/main" xmlns:r="http://schemas.openxmlformats.org/officeDocument/2006/relationships" xmlns:p="http://schemas.openxmlformats.org/presentationml/2006/main">
   <p:cSld>
-    <p:bg>
-      <p:bgPr>
-        <a:solidFill>
-          <a:schemeClr val="bg1"/>
-        </a:solidFill>
-        <a:effectLst/>
-      </p:bgPr>
-    </p:bg>
     <p:spTree>
       <p:nvGrpSpPr>
         <p:cNvPr id="1" name=""/>
@@ -16454,10 +17597,70 @@
       </p:grpSpPr>
       <p:sp>
         <p:nvSpPr>
+          <p:cNvPr id="2" name="Titre 1">
+            <a:extLst>
+              <a:ext uri="{FF2B5EF4-FFF2-40B4-BE49-F238E27FC236}">
+                <a16:creationId xmlns:a16="http://schemas.microsoft.com/office/drawing/2014/main" id="{53876A68-AD58-4F77-8566-612B5AC38256}"/>
+              </a:ext>
+            </a:extLst>
+          </p:cNvPr>
+          <p:cNvSpPr>
+            <a:spLocks noGrp="1"/>
+          </p:cNvSpPr>
+          <p:nvPr>
+            <p:ph type="title"/>
+          </p:nvPr>
+        </p:nvSpPr>
+        <p:spPr/>
+        <p:txBody>
+          <a:bodyPr/>
+          <a:lstStyle/>
+          <a:p>
+            <a:endParaRPr lang="fr-CH"/>
+          </a:p>
+        </p:txBody>
+      </p:sp>
+      <p:pic>
+        <p:nvPicPr>
+          <p:cNvPr id="6" name="Espace réservé du contenu 5">
+            <a:extLst>
+              <a:ext uri="{FF2B5EF4-FFF2-40B4-BE49-F238E27FC236}">
+                <a16:creationId xmlns:a16="http://schemas.microsoft.com/office/drawing/2014/main" id="{140E1B17-EA57-4523-A19E-991D758386C6}"/>
+              </a:ext>
+            </a:extLst>
+          </p:cNvPr>
+          <p:cNvPicPr>
+            <a:picLocks noGrp="1" noChangeAspect="1"/>
+          </p:cNvPicPr>
+          <p:nvPr>
+            <p:ph idx="1"/>
+          </p:nvPr>
+        </p:nvPicPr>
+        <p:blipFill>
+          <a:blip r:embed="rId2">
+            <a:extLst>
+              <a:ext uri="{28A0092B-C50C-407E-A947-70E740481C1C}">
+                <a14:useLocalDpi xmlns:a14="http://schemas.microsoft.com/office/drawing/2010/main" val="0"/>
+              </a:ext>
+            </a:extLst>
+          </a:blip>
+          <a:stretch>
+            <a:fillRect/>
+          </a:stretch>
+        </p:blipFill>
+        <p:spPr>
+          <a:xfrm>
+            <a:off x="2983644" y="1825625"/>
+            <a:ext cx="6224712" cy="4351338"/>
+          </a:xfrm>
+        </p:spPr>
+      </p:pic>
+      <p:sp>
+        <p:nvSpPr>
           <p:cNvPr id="4" name="Espace réservé du numéro de diapositive 3">
             <a:extLst>
               <a:ext uri="{FF2B5EF4-FFF2-40B4-BE49-F238E27FC236}">
-                <a16:creationId xmlns:a16="http://schemas.microsoft.com/office/drawing/2014/main" id="{4166E28B-6275-42E7-9DD8-EC695A43CB51}"/>
+                <a16:creationId xmlns:a16="http://schemas.microsoft.com/office/drawing/2014/main" id="{3EC67FCA-55F1-4F2D-8080-8EF2A5146CF5}"/>
               </a:ext>
             </a:extLst>
           </p:cNvPr>
@@ -16468,12 +17671,7 @@
             <p:ph type="sldNum" sz="quarter" idx="12"/>
           </p:nvPr>
         </p:nvSpPr>
-        <p:spPr>
-          <a:xfrm>
-            <a:off x="8610600" y="6356350"/>
-            <a:ext cx="2743200" cy="365125"/>
-          </a:xfrm>
-        </p:spPr>
+        <p:spPr/>
         <p:txBody>
           <a:bodyPr/>
           <a:lstStyle/>
@@ -16486,117 +17684,10 @@
           </a:p>
         </p:txBody>
       </p:sp>
-      <p:sp>
-        <p:nvSpPr>
-          <p:cNvPr id="12" name="Titre 1">
-            <a:extLst>
-              <a:ext uri="{FF2B5EF4-FFF2-40B4-BE49-F238E27FC236}">
-                <a16:creationId xmlns:a16="http://schemas.microsoft.com/office/drawing/2014/main" id="{ACFD11B9-F9CE-41E7-8DA6-5524443CC517}"/>
-              </a:ext>
-            </a:extLst>
-          </p:cNvPr>
-          <p:cNvSpPr>
-            <a:spLocks noGrp="1"/>
-          </p:cNvSpPr>
-          <p:nvPr>
-            <p:ph type="title"/>
-          </p:nvPr>
-        </p:nvSpPr>
-        <p:spPr>
-          <a:xfrm>
-            <a:off x="838200" y="365125"/>
-            <a:ext cx="10515600" cy="1325563"/>
-          </a:xfrm>
-        </p:spPr>
-        <p:txBody>
-          <a:bodyPr/>
-          <a:lstStyle/>
-          <a:p>
-            <a:r>
-              <a:rPr lang="fr-CH"/>
-              <a:t>Un développement rapide</a:t>
-            </a:r>
-            <a:endParaRPr lang="fr-CH" dirty="0"/>
-          </a:p>
-        </p:txBody>
-      </p:sp>
-      <p:pic>
-        <p:nvPicPr>
-          <p:cNvPr id="13" name="Immagine 12">
-            <a:extLst>
-              <a:ext uri="{FF2B5EF4-FFF2-40B4-BE49-F238E27FC236}">
-                <a16:creationId xmlns:a16="http://schemas.microsoft.com/office/drawing/2014/main" id="{B1A9524C-E5D0-4B86-B838-F2A3BA25D233}"/>
-              </a:ext>
-            </a:extLst>
-          </p:cNvPr>
-          <p:cNvPicPr>
-            <a:picLocks noChangeAspect="1"/>
-          </p:cNvPicPr>
-          <p:nvPr/>
-        </p:nvPicPr>
-        <p:blipFill>
-          <a:blip r:embed="rId2">
-            <a:extLst>
-              <a:ext uri="{28A0092B-C50C-407E-A947-70E740481C1C}">
-                <a14:useLocalDpi xmlns:a14="http://schemas.microsoft.com/office/drawing/2010/main" val="0"/>
-              </a:ext>
-            </a:extLst>
-          </a:blip>
-          <a:stretch>
-            <a:fillRect/>
-          </a:stretch>
-        </p:blipFill>
-        <p:spPr>
-          <a:xfrm>
-            <a:off x="5291121" y="2413761"/>
-            <a:ext cx="1429719" cy="1429719"/>
-          </a:xfrm>
-          <a:prstGeom prst="rect">
-            <a:avLst/>
-          </a:prstGeom>
-        </p:spPr>
-      </p:pic>
-      <p:sp>
-        <p:nvSpPr>
-          <p:cNvPr id="14" name="CasellaDiTesto 13">
-            <a:extLst>
-              <a:ext uri="{FF2B5EF4-FFF2-40B4-BE49-F238E27FC236}">
-                <a16:creationId xmlns:a16="http://schemas.microsoft.com/office/drawing/2014/main" id="{A34C72C2-99A0-43F6-A393-64018C9C68B0}"/>
-              </a:ext>
-            </a:extLst>
-          </p:cNvPr>
-          <p:cNvSpPr txBox="1"/>
-          <p:nvPr/>
-        </p:nvSpPr>
-        <p:spPr>
-          <a:xfrm>
-            <a:off x="2867961" y="4252072"/>
-            <a:ext cx="6456078" cy="1077218"/>
-          </a:xfrm>
-          <a:prstGeom prst="rect">
-            <a:avLst/>
-          </a:prstGeom>
-          <a:noFill/>
-        </p:spPr>
-        <p:txBody>
-          <a:bodyPr wrap="square" rtlCol="0">
-            <a:spAutoFit/>
-          </a:bodyPr>
-          <a:lstStyle/>
-          <a:p>
-            <a:pPr algn="ctr"/>
-            <a:r>
-              <a:rPr lang="it-IT" sz="3200"/>
-              <a:t>Lancement de l’application prevu pour Juin 2019</a:t>
-            </a:r>
-            <a:endParaRPr lang="it-IT" sz="3200" dirty="0"/>
-          </a:p>
-        </p:txBody>
-      </p:sp>
     </p:spTree>
     <p:extLst>
       <p:ext uri="{BB962C8B-B14F-4D97-AF65-F5344CB8AC3E}">
-        <p14:creationId xmlns:p14="http://schemas.microsoft.com/office/powerpoint/2010/main" val="873567313"/>
+        <p14:creationId xmlns:p14="http://schemas.microsoft.com/office/powerpoint/2010/main" val="123785963"/>
       </p:ext>
     </p:extLst>
   </p:cSld>
